--- a/PPTX/BAAS.pptx
+++ b/PPTX/BAAS.pptx
@@ -6,10 +6,10 @@
     <p:sldMasterId id="2147483692" r:id="rId2"/>
   </p:sldMasterIdLst>
   <p:notesMasterIdLst>
-    <p:notesMasterId r:id="rId11"/>
+    <p:notesMasterId r:id="rId16"/>
   </p:notesMasterIdLst>
   <p:handoutMasterIdLst>
-    <p:handoutMasterId r:id="rId12"/>
+    <p:handoutMasterId r:id="rId17"/>
   </p:handoutMasterIdLst>
   <p:sldIdLst>
     <p:sldId id="330" r:id="rId3"/>
@@ -17,9 +17,14 @@
     <p:sldId id="331" r:id="rId5"/>
     <p:sldId id="332" r:id="rId6"/>
     <p:sldId id="334" r:id="rId7"/>
-    <p:sldId id="335" r:id="rId8"/>
-    <p:sldId id="336" r:id="rId9"/>
-    <p:sldId id="337" r:id="rId10"/>
+    <p:sldId id="340" r:id="rId8"/>
+    <p:sldId id="335" r:id="rId9"/>
+    <p:sldId id="336" r:id="rId10"/>
+    <p:sldId id="339" r:id="rId11"/>
+    <p:sldId id="337" r:id="rId12"/>
+    <p:sldId id="338" r:id="rId13"/>
+    <p:sldId id="341" r:id="rId14"/>
+    <p:sldId id="342" r:id="rId15"/>
   </p:sldIdLst>
   <p:sldSz cx="12192000" cy="6858000"/>
   <p:notesSz cx="6858000" cy="9144000"/>
@@ -234,7 +239,7 @@
           <a:p>
             <a:fld id="{FA763208-4D5B-44C4-A045-6495A8B44929}" type="datetimeFigureOut">
               <a:rPr lang="en-US" smtClean="0"/>
-              <a:t>10/8/2018</a:t>
+              <a:t>10/10/2018</a:t>
             </a:fld>
             <a:endParaRPr lang="en-US"/>
           </a:p>
@@ -411,7 +416,7 @@
           <a:p>
             <a:fld id="{3389243F-B1BB-4202-BD78-416ACA555174}" type="datetimeFigureOut">
               <a:rPr lang="en-US" smtClean="0"/>
-              <a:t>10/8/2018</a:t>
+              <a:t>10/10/2018</a:t>
             </a:fld>
             <a:endParaRPr lang="en-US"/>
           </a:p>
@@ -1048,6 +1053,90 @@
     <p:extLst>
       <p:ext uri="{BB962C8B-B14F-4D97-AF65-F5344CB8AC3E}">
         <p14:creationId xmlns:p14="http://schemas.microsoft.com/office/powerpoint/2010/main" val="3851001205"/>
+      </p:ext>
+    </p:extLst>
+  </p:cSld>
+  <p:clrMapOvr>
+    <a:masterClrMapping/>
+  </p:clrMapOvr>
+</p:notes>
+</file>
+
+<file path=ppt/notesSlides/notesSlide5.xml><?xml version="1.0" encoding="utf-8"?>
+<p:notes xmlns:a="http://schemas.openxmlformats.org/drawingml/2006/main" xmlns:r="http://schemas.openxmlformats.org/officeDocument/2006/relationships" xmlns:p="http://schemas.openxmlformats.org/presentationml/2006/main">
+  <p:cSld>
+    <p:spTree>
+      <p:nvGrpSpPr>
+        <p:cNvPr id="1" name=""/>
+        <p:cNvGrpSpPr/>
+        <p:nvPr/>
+      </p:nvGrpSpPr>
+      <p:grpSpPr>
+        <a:xfrm>
+          <a:off x="0" y="0"/>
+          <a:ext cx="0" cy="0"/>
+          <a:chOff x="0" y="0"/>
+          <a:chExt cx="0" cy="0"/>
+        </a:xfrm>
+      </p:grpSpPr>
+      <p:sp>
+        <p:nvSpPr>
+          <p:cNvPr id="2" name="Slide Image Placeholder 1"/>
+          <p:cNvSpPr>
+            <a:spLocks noGrp="1" noRot="1" noChangeAspect="1"/>
+          </p:cNvSpPr>
+          <p:nvPr>
+            <p:ph type="sldImg"/>
+          </p:nvPr>
+        </p:nvSpPr>
+        <p:spPr/>
+      </p:sp>
+      <p:sp>
+        <p:nvSpPr>
+          <p:cNvPr id="3" name="Notes Placeholder 2"/>
+          <p:cNvSpPr>
+            <a:spLocks noGrp="1"/>
+          </p:cNvSpPr>
+          <p:nvPr>
+            <p:ph type="body" idx="1"/>
+          </p:nvPr>
+        </p:nvSpPr>
+        <p:spPr/>
+        <p:txBody>
+          <a:bodyPr/>
+          <a:lstStyle/>
+          <a:p>
+            <a:endParaRPr lang="en-US" dirty="0"/>
+          </a:p>
+        </p:txBody>
+      </p:sp>
+      <p:sp>
+        <p:nvSpPr>
+          <p:cNvPr id="4" name="Slide Number Placeholder 3"/>
+          <p:cNvSpPr>
+            <a:spLocks noGrp="1"/>
+          </p:cNvSpPr>
+          <p:nvPr>
+            <p:ph type="sldNum" sz="quarter" idx="5"/>
+          </p:nvPr>
+        </p:nvSpPr>
+        <p:spPr/>
+        <p:txBody>
+          <a:bodyPr/>
+          <a:lstStyle/>
+          <a:p>
+            <a:fld id="{B68D2766-C49B-4C1A-9FEE-6F146754B02B}" type="slidenum">
+              <a:rPr lang="en-US" smtClean="0"/>
+              <a:t>6</a:t>
+            </a:fld>
+            <a:endParaRPr lang="en-US"/>
+          </a:p>
+        </p:txBody>
+      </p:sp>
+    </p:spTree>
+    <p:extLst>
+      <p:ext uri="{BB962C8B-B14F-4D97-AF65-F5344CB8AC3E}">
+        <p14:creationId xmlns:p14="http://schemas.microsoft.com/office/powerpoint/2010/main" val="2176295839"/>
       </p:ext>
     </p:extLst>
   </p:cSld>
@@ -2082,7 +2171,7 @@
             <a:fld id="{18D9E8F6-4D81-4B3A-BC45-BBA4A1C9BD0F}" type="datetimeFigureOut">
               <a:rPr lang="en-US" smtClean="0"/>
               <a:pPr/>
-              <a:t>10/8/2018</a:t>
+              <a:t>10/10/2018</a:t>
             </a:fld>
             <a:endParaRPr lang="en-US"/>
           </a:p>
@@ -2410,7 +2499,7 @@
           <a:p>
             <a:fld id="{18D9E8F6-4D81-4B3A-BC45-BBA4A1C9BD0F}" type="datetimeFigureOut">
               <a:rPr lang="en-US" smtClean="0"/>
-              <a:t>10/8/2018</a:t>
+              <a:t>10/10/2018</a:t>
             </a:fld>
             <a:endParaRPr lang="en-US"/>
           </a:p>
@@ -2701,7 +2790,7 @@
           <a:p>
             <a:fld id="{18D9E8F6-4D81-4B3A-BC45-BBA4A1C9BD0F}" type="datetimeFigureOut">
               <a:rPr lang="en-US" smtClean="0"/>
-              <a:t>10/8/2018</a:t>
+              <a:t>10/10/2018</a:t>
             </a:fld>
             <a:endParaRPr lang="en-US"/>
           </a:p>
@@ -2899,7 +2988,7 @@
           <a:p>
             <a:fld id="{18D9E8F6-4D81-4B3A-BC45-BBA4A1C9BD0F}" type="datetimeFigureOut">
               <a:rPr lang="en-US" smtClean="0"/>
-              <a:t>10/8/2018</a:t>
+              <a:t>10/10/2018</a:t>
             </a:fld>
             <a:endParaRPr lang="en-US"/>
           </a:p>
@@ -3107,7 +3196,7 @@
           <a:p>
             <a:fld id="{18D9E8F6-4D81-4B3A-BC45-BBA4A1C9BD0F}" type="datetimeFigureOut">
               <a:rPr lang="en-US" smtClean="0"/>
-              <a:t>10/8/2018</a:t>
+              <a:t>10/10/2018</a:t>
             </a:fld>
             <a:endParaRPr lang="en-US"/>
           </a:p>
@@ -3849,7 +3938,7 @@
             <a:fld id="{18D9E8F6-4D81-4B3A-BC45-BBA4A1C9BD0F}" type="datetimeFigureOut">
               <a:rPr lang="en-US" smtClean="0"/>
               <a:pPr/>
-              <a:t>10/8/2018</a:t>
+              <a:t>10/10/2018</a:t>
             </a:fld>
             <a:endParaRPr lang="en-US"/>
           </a:p>
@@ -4473,7 +4562,7 @@
             <a:fld id="{18D9E8F6-4D81-4B3A-BC45-BBA4A1C9BD0F}" type="datetimeFigureOut">
               <a:rPr lang="en-US" smtClean="0"/>
               <a:pPr/>
-              <a:t>10/8/2018</a:t>
+              <a:t>10/10/2018</a:t>
             </a:fld>
             <a:endParaRPr lang="en-US"/>
           </a:p>
@@ -5102,7 +5191,7 @@
             <a:fld id="{18D9E8F6-4D81-4B3A-BC45-BBA4A1C9BD0F}" type="datetimeFigureOut">
               <a:rPr lang="en-US" smtClean="0"/>
               <a:pPr/>
-              <a:t>10/8/2018</a:t>
+              <a:t>10/10/2018</a:t>
             </a:fld>
             <a:endParaRPr lang="en-US"/>
           </a:p>
@@ -5807,7 +5896,7 @@
           <a:p>
             <a:fld id="{18D9E8F6-4D81-4B3A-BC45-BBA4A1C9BD0F}" type="datetimeFigureOut">
               <a:rPr lang="en-US" smtClean="0"/>
-              <a:t>10/8/2018</a:t>
+              <a:t>10/10/2018</a:t>
             </a:fld>
             <a:endParaRPr lang="en-US"/>
           </a:p>
@@ -6072,7 +6161,7 @@
           <a:p>
             <a:fld id="{18D9E8F6-4D81-4B3A-BC45-BBA4A1C9BD0F}" type="datetimeFigureOut">
               <a:rPr lang="en-US" smtClean="0"/>
-              <a:t>10/8/2018</a:t>
+              <a:t>10/10/2018</a:t>
             </a:fld>
             <a:endParaRPr lang="en-US"/>
           </a:p>
@@ -6484,7 +6573,7 @@
           <a:p>
             <a:fld id="{18D9E8F6-4D81-4B3A-BC45-BBA4A1C9BD0F}" type="datetimeFigureOut">
               <a:rPr lang="en-US" smtClean="0"/>
-              <a:t>10/8/2018</a:t>
+              <a:t>10/10/2018</a:t>
             </a:fld>
             <a:endParaRPr lang="en-US"/>
           </a:p>
@@ -6625,7 +6714,7 @@
           <a:p>
             <a:fld id="{18D9E8F6-4D81-4B3A-BC45-BBA4A1C9BD0F}" type="datetimeFigureOut">
               <a:rPr lang="en-US" smtClean="0"/>
-              <a:t>10/8/2018</a:t>
+              <a:t>10/10/2018</a:t>
             </a:fld>
             <a:endParaRPr lang="en-US"/>
           </a:p>
@@ -6738,7 +6827,7 @@
           <a:p>
             <a:fld id="{18D9E8F6-4D81-4B3A-BC45-BBA4A1C9BD0F}" type="datetimeFigureOut">
               <a:rPr lang="en-US" smtClean="0"/>
-              <a:t>10/8/2018</a:t>
+              <a:t>10/10/2018</a:t>
             </a:fld>
             <a:endParaRPr lang="en-US"/>
           </a:p>
@@ -6979,7 +7068,7 @@
             <a:fld id="{18D9E8F6-4D81-4B3A-BC45-BBA4A1C9BD0F}" type="datetimeFigureOut">
               <a:rPr lang="en-US" smtClean="0"/>
               <a:pPr/>
-              <a:t>10/8/2018</a:t>
+              <a:t>10/10/2018</a:t>
             </a:fld>
             <a:endParaRPr lang="en-US"/>
           </a:p>
@@ -8343,6 +8432,2177 @@
 </p:sld>
 </file>
 
+<file path=ppt/slides/slide10.xml><?xml version="1.0" encoding="utf-8"?>
+<p:sld xmlns:a="http://schemas.openxmlformats.org/drawingml/2006/main" xmlns:r="http://schemas.openxmlformats.org/officeDocument/2006/relationships" xmlns:p="http://schemas.openxmlformats.org/presentationml/2006/main">
+  <p:cSld>
+    <p:spTree>
+      <p:nvGrpSpPr>
+        <p:cNvPr id="1" name=""/>
+        <p:cNvGrpSpPr/>
+        <p:nvPr/>
+      </p:nvGrpSpPr>
+      <p:grpSpPr>
+        <a:xfrm>
+          <a:off x="0" y="0"/>
+          <a:ext cx="0" cy="0"/>
+          <a:chOff x="0" y="0"/>
+          <a:chExt cx="0" cy="0"/>
+        </a:xfrm>
+      </p:grpSpPr>
+      <p:sp>
+        <p:nvSpPr>
+          <p:cNvPr id="5" name="Title 4">
+            <a:extLst>
+              <a:ext uri="{FF2B5EF4-FFF2-40B4-BE49-F238E27FC236}">
+                <a16:creationId xmlns:a16="http://schemas.microsoft.com/office/drawing/2014/main" id="{31B69405-59DB-4912-AE27-80180F44305C}"/>
+              </a:ext>
+            </a:extLst>
+          </p:cNvPr>
+          <p:cNvSpPr>
+            <a:spLocks noGrp="1"/>
+          </p:cNvSpPr>
+          <p:nvPr>
+            <p:ph type="title"/>
+          </p:nvPr>
+        </p:nvSpPr>
+        <p:spPr>
+          <a:xfrm>
+            <a:off x="569976" y="2856694"/>
+            <a:ext cx="11353800" cy="1325563"/>
+          </a:xfrm>
+        </p:spPr>
+        <p:txBody>
+          <a:bodyPr/>
+          <a:lstStyle/>
+          <a:p>
+            <a:pPr algn="ctr"/>
+            <a:r>
+              <a:rPr lang="en-US" dirty="0">
+                <a:solidFill>
+                  <a:schemeClr val="tx1"/>
+                </a:solidFill>
+              </a:rPr>
+              <a:t>Demo</a:t>
+            </a:r>
+          </a:p>
+        </p:txBody>
+      </p:sp>
+    </p:spTree>
+    <p:extLst>
+      <p:ext uri="{BB962C8B-B14F-4D97-AF65-F5344CB8AC3E}">
+        <p14:creationId xmlns:p14="http://schemas.microsoft.com/office/powerpoint/2010/main" val="1267626819"/>
+      </p:ext>
+    </p:extLst>
+  </p:cSld>
+  <p:clrMapOvr>
+    <a:masterClrMapping/>
+  </p:clrMapOvr>
+</p:sld>
+</file>
+
+<file path=ppt/slides/slide11.xml><?xml version="1.0" encoding="utf-8"?>
+<p:sld xmlns:a="http://schemas.openxmlformats.org/drawingml/2006/main" xmlns:r="http://schemas.openxmlformats.org/officeDocument/2006/relationships" xmlns:p="http://schemas.openxmlformats.org/presentationml/2006/main">
+  <p:cSld>
+    <p:spTree>
+      <p:nvGrpSpPr>
+        <p:cNvPr id="1" name=""/>
+        <p:cNvGrpSpPr/>
+        <p:nvPr/>
+      </p:nvGrpSpPr>
+      <p:grpSpPr>
+        <a:xfrm>
+          <a:off x="0" y="0"/>
+          <a:ext cx="0" cy="0"/>
+          <a:chOff x="0" y="0"/>
+          <a:chExt cx="0" cy="0"/>
+        </a:xfrm>
+      </p:grpSpPr>
+      <p:sp>
+        <p:nvSpPr>
+          <p:cNvPr id="5" name="Title 2">
+            <a:extLst>
+              <a:ext uri="{FF2B5EF4-FFF2-40B4-BE49-F238E27FC236}">
+                <a16:creationId xmlns:a16="http://schemas.microsoft.com/office/drawing/2014/main" id="{BED4082D-C8ED-4F5D-B8A4-06F015E90E77}"/>
+              </a:ext>
+            </a:extLst>
+          </p:cNvPr>
+          <p:cNvSpPr>
+            <a:spLocks noGrp="1"/>
+          </p:cNvSpPr>
+          <p:nvPr>
+            <p:ph type="title"/>
+          </p:nvPr>
+        </p:nvSpPr>
+        <p:spPr>
+          <a:xfrm>
+            <a:off x="838200" y="15958"/>
+            <a:ext cx="11353800" cy="1325563"/>
+          </a:xfrm>
+        </p:spPr>
+        <p:txBody>
+          <a:bodyPr/>
+          <a:lstStyle/>
+          <a:p>
+            <a:r>
+              <a:rPr lang="en-US" dirty="0"/>
+              <a:t>Concept of Gas</a:t>
+            </a:r>
+          </a:p>
+        </p:txBody>
+      </p:sp>
+      <p:sp>
+        <p:nvSpPr>
+          <p:cNvPr id="6" name="Rectangle 5">
+            <a:extLst>
+              <a:ext uri="{FF2B5EF4-FFF2-40B4-BE49-F238E27FC236}">
+                <a16:creationId xmlns:a16="http://schemas.microsoft.com/office/drawing/2014/main" id="{ABCADFAC-F669-40A5-90B0-F8C36683E977}"/>
+              </a:ext>
+            </a:extLst>
+          </p:cNvPr>
+          <p:cNvSpPr/>
+          <p:nvPr/>
+        </p:nvSpPr>
+        <p:spPr>
+          <a:xfrm>
+            <a:off x="196471" y="1731264"/>
+            <a:ext cx="11716637" cy="369332"/>
+          </a:xfrm>
+          <a:prstGeom prst="rect">
+            <a:avLst/>
+          </a:prstGeom>
+        </p:spPr>
+        <p:txBody>
+          <a:bodyPr wrap="square">
+            <a:spAutoFit/>
+          </a:bodyPr>
+          <a:lstStyle/>
+          <a:p>
+            <a:r>
+              <a:rPr lang="en-US" dirty="0">
+                <a:solidFill>
+                  <a:srgbClr val="13212F"/>
+                </a:solidFill>
+                <a:latin typeface="SegoeUI"/>
+              </a:rPr>
+              <a:t>Gas is a unit that measures the amount of computational effort that it will take to execute certain operations.</a:t>
+            </a:r>
+            <a:endParaRPr lang="en-US" dirty="0"/>
+          </a:p>
+        </p:txBody>
+      </p:sp>
+      <p:graphicFrame>
+        <p:nvGraphicFramePr>
+          <p:cNvPr id="7" name="Table 6">
+            <a:extLst>
+              <a:ext uri="{FF2B5EF4-FFF2-40B4-BE49-F238E27FC236}">
+                <a16:creationId xmlns:a16="http://schemas.microsoft.com/office/drawing/2014/main" id="{546D42AB-5B96-4498-B1FB-C2930CE7E686}"/>
+              </a:ext>
+            </a:extLst>
+          </p:cNvPr>
+          <p:cNvGraphicFramePr>
+            <a:graphicFrameLocks noGrp="1"/>
+          </p:cNvGraphicFramePr>
+          <p:nvPr>
+            <p:extLst>
+              <p:ext uri="{D42A27DB-BD31-4B8C-83A1-F6EECF244321}">
+                <p14:modId xmlns:p14="http://schemas.microsoft.com/office/powerpoint/2010/main" val="1546329871"/>
+              </p:ext>
+            </p:extLst>
+          </p:nvPr>
+        </p:nvGraphicFramePr>
+        <p:xfrm>
+          <a:off x="196471" y="2183631"/>
+          <a:ext cx="4793613" cy="3631954"/>
+        </p:xfrm>
+        <a:graphic>
+          <a:graphicData uri="http://schemas.openxmlformats.org/drawingml/2006/table">
+            <a:tbl>
+              <a:tblPr firstRow="1" bandRow="1">
+                <a:tableStyleId>{F5AB1C69-6EDB-4FF4-983F-18BD219EF322}</a:tableStyleId>
+              </a:tblPr>
+              <a:tblGrid>
+                <a:gridCol w="1792811">
+                  <a:extLst>
+                    <a:ext uri="{9D8B030D-6E8A-4147-A177-3AD203B41FA5}">
+                      <a16:colId xmlns:a16="http://schemas.microsoft.com/office/drawing/2014/main" val="3130320795"/>
+                    </a:ext>
+                  </a:extLst>
+                </a:gridCol>
+                <a:gridCol w="3000802">
+                  <a:extLst>
+                    <a:ext uri="{9D8B030D-6E8A-4147-A177-3AD203B41FA5}">
+                      <a16:colId xmlns:a16="http://schemas.microsoft.com/office/drawing/2014/main" val="368348431"/>
+                    </a:ext>
+                  </a:extLst>
+                </a:gridCol>
+              </a:tblGrid>
+              <a:tr h="649115">
+                <a:tc gridSpan="2">
+                  <a:txBody>
+                    <a:bodyPr/>
+                    <a:lstStyle/>
+                    <a:p>
+                      <a:r>
+                        <a:rPr lang="en-US" dirty="0"/>
+                        <a:t>Driving Car Analogy</a:t>
+                      </a:r>
+                    </a:p>
+                  </a:txBody>
+                  <a:tcPr/>
+                </a:tc>
+                <a:tc hMerge="1">
+                  <a:txBody>
+                    <a:bodyPr/>
+                    <a:lstStyle/>
+                    <a:p>
+                      <a:endParaRPr lang="en-US" dirty="0"/>
+                    </a:p>
+                  </a:txBody>
+                  <a:tcPr/>
+                </a:tc>
+                <a:extLst>
+                  <a:ext uri="{0D108BD9-81ED-4DB2-BD59-A6C34878D82A}">
+                    <a16:rowId xmlns:a16="http://schemas.microsoft.com/office/drawing/2014/main" val="3282461780"/>
+                  </a:ext>
+                </a:extLst>
+              </a:tr>
+              <a:tr h="1205499">
+                <a:tc>
+                  <a:txBody>
+                    <a:bodyPr/>
+                    <a:lstStyle/>
+                    <a:p>
+                      <a:r>
+                        <a:rPr lang="en-US" sz="1800" b="0" i="0" kern="1200" dirty="0">
+                          <a:solidFill>
+                            <a:schemeClr val="dk1"/>
+                          </a:solidFill>
+                          <a:effectLst/>
+                          <a:latin typeface="+mn-lt"/>
+                          <a:ea typeface="+mn-ea"/>
+                          <a:cs typeface="+mn-cs"/>
+                        </a:rPr>
+                        <a:t>Driving the car is the operation that you want to execute.</a:t>
+                      </a:r>
+                      <a:endParaRPr lang="en-US" dirty="0"/>
+                    </a:p>
+                  </a:txBody>
+                  <a:tcPr/>
+                </a:tc>
+                <a:tc>
+                  <a:txBody>
+                    <a:bodyPr/>
+                    <a:lstStyle/>
+                    <a:p>
+                      <a:r>
+                        <a:rPr lang="en-US" sz="1800" b="0" i="0" kern="1200" dirty="0">
+                          <a:solidFill>
+                            <a:schemeClr val="dk1"/>
+                          </a:solidFill>
+                          <a:effectLst/>
+                          <a:latin typeface="+mn-lt"/>
+                          <a:ea typeface="+mn-ea"/>
+                          <a:cs typeface="+mn-cs"/>
+                        </a:rPr>
+                        <a:t>Equivalent to executing a function of a smart contract.</a:t>
+                      </a:r>
+                      <a:endParaRPr lang="en-US" dirty="0"/>
+                    </a:p>
+                  </a:txBody>
+                  <a:tcPr/>
+                </a:tc>
+                <a:extLst>
+                  <a:ext uri="{0D108BD9-81ED-4DB2-BD59-A6C34878D82A}">
+                    <a16:rowId xmlns:a16="http://schemas.microsoft.com/office/drawing/2014/main" val="2237441357"/>
+                  </a:ext>
+                </a:extLst>
+              </a:tr>
+              <a:tr h="376075">
+                <a:tc>
+                  <a:txBody>
+                    <a:bodyPr/>
+                    <a:lstStyle/>
+                    <a:p>
+                      <a:r>
+                        <a:rPr lang="en-US" dirty="0"/>
+                        <a:t>GAS</a:t>
+                      </a:r>
+                    </a:p>
+                  </a:txBody>
+                  <a:tcPr/>
+                </a:tc>
+                <a:tc>
+                  <a:txBody>
+                    <a:bodyPr/>
+                    <a:lstStyle/>
+                    <a:p>
+                      <a:r>
+                        <a:rPr lang="en-US" dirty="0"/>
+                        <a:t>GAS</a:t>
+                      </a:r>
+                    </a:p>
+                  </a:txBody>
+                  <a:tcPr/>
+                </a:tc>
+                <a:extLst>
+                  <a:ext uri="{0D108BD9-81ED-4DB2-BD59-A6C34878D82A}">
+                    <a16:rowId xmlns:a16="http://schemas.microsoft.com/office/drawing/2014/main" val="3461452452"/>
+                  </a:ext>
+                </a:extLst>
+              </a:tr>
+              <a:tr h="376075">
+                <a:tc>
+                  <a:txBody>
+                    <a:bodyPr/>
+                    <a:lstStyle/>
+                    <a:p>
+                      <a:r>
+                        <a:rPr lang="en-US" dirty="0"/>
+                        <a:t>GAS Station</a:t>
+                      </a:r>
+                    </a:p>
+                  </a:txBody>
+                  <a:tcPr/>
+                </a:tc>
+                <a:tc>
+                  <a:txBody>
+                    <a:bodyPr/>
+                    <a:lstStyle/>
+                    <a:p>
+                      <a:r>
+                        <a:rPr lang="en-US" dirty="0"/>
+                        <a:t>Miner</a:t>
+                      </a:r>
+                    </a:p>
+                  </a:txBody>
+                  <a:tcPr/>
+                </a:tc>
+                <a:extLst>
+                  <a:ext uri="{0D108BD9-81ED-4DB2-BD59-A6C34878D82A}">
+                    <a16:rowId xmlns:a16="http://schemas.microsoft.com/office/drawing/2014/main" val="2208677291"/>
+                  </a:ext>
+                </a:extLst>
+              </a:tr>
+              <a:tr h="649115">
+                <a:tc>
+                  <a:txBody>
+                    <a:bodyPr/>
+                    <a:lstStyle/>
+                    <a:p>
+                      <a:r>
+                        <a:rPr lang="en-US" dirty="0"/>
+                        <a:t>Money Paid to Gas Station</a:t>
+                      </a:r>
+                    </a:p>
+                  </a:txBody>
+                  <a:tcPr/>
+                </a:tc>
+                <a:tc>
+                  <a:txBody>
+                    <a:bodyPr/>
+                    <a:lstStyle/>
+                    <a:p>
+                      <a:r>
+                        <a:rPr lang="en-US" dirty="0"/>
+                        <a:t>Miner Fees</a:t>
+                      </a:r>
+                    </a:p>
+                  </a:txBody>
+                  <a:tcPr/>
+                </a:tc>
+                <a:extLst>
+                  <a:ext uri="{0D108BD9-81ED-4DB2-BD59-A6C34878D82A}">
+                    <a16:rowId xmlns:a16="http://schemas.microsoft.com/office/drawing/2014/main" val="148386141"/>
+                  </a:ext>
+                </a:extLst>
+              </a:tr>
+              <a:tr h="376075">
+                <a:tc gridSpan="2">
+                  <a:txBody>
+                    <a:bodyPr/>
+                    <a:lstStyle/>
+                    <a:p>
+                      <a:endParaRPr lang="en-US" dirty="0"/>
+                    </a:p>
+                  </a:txBody>
+                  <a:tcPr/>
+                </a:tc>
+                <a:tc hMerge="1">
+                  <a:txBody>
+                    <a:bodyPr/>
+                    <a:lstStyle/>
+                    <a:p>
+                      <a:endParaRPr lang="en-US" dirty="0"/>
+                    </a:p>
+                  </a:txBody>
+                  <a:tcPr/>
+                </a:tc>
+                <a:extLst>
+                  <a:ext uri="{0D108BD9-81ED-4DB2-BD59-A6C34878D82A}">
+                    <a16:rowId xmlns:a16="http://schemas.microsoft.com/office/drawing/2014/main" val="3928956838"/>
+                  </a:ext>
+                </a:extLst>
+              </a:tr>
+            </a:tbl>
+          </a:graphicData>
+        </a:graphic>
+      </p:graphicFrame>
+      <p:sp>
+        <p:nvSpPr>
+          <p:cNvPr id="8" name="Rectangle 7">
+            <a:extLst>
+              <a:ext uri="{FF2B5EF4-FFF2-40B4-BE49-F238E27FC236}">
+                <a16:creationId xmlns:a16="http://schemas.microsoft.com/office/drawing/2014/main" id="{3FD20894-3AAA-4692-ABBA-796E5D230C28}"/>
+              </a:ext>
+            </a:extLst>
+          </p:cNvPr>
+          <p:cNvSpPr/>
+          <p:nvPr/>
+        </p:nvSpPr>
+        <p:spPr>
+          <a:xfrm>
+            <a:off x="5120640" y="2183630"/>
+            <a:ext cx="6428357" cy="1200329"/>
+          </a:xfrm>
+          <a:prstGeom prst="rect">
+            <a:avLst/>
+          </a:prstGeom>
+        </p:spPr>
+        <p:txBody>
+          <a:bodyPr wrap="square">
+            <a:spAutoFit/>
+          </a:bodyPr>
+          <a:lstStyle/>
+          <a:p>
+            <a:r>
+              <a:rPr lang="en-US" b="1" dirty="0">
+                <a:solidFill>
+                  <a:srgbClr val="13212F"/>
+                </a:solidFill>
+                <a:latin typeface="SegoeUI"/>
+              </a:rPr>
+              <a:t>Gas limit - </a:t>
+            </a:r>
+            <a:r>
+              <a:rPr lang="en-US" dirty="0">
+                <a:solidFill>
+                  <a:srgbClr val="13212F"/>
+                </a:solidFill>
+                <a:latin typeface="SegoeUI"/>
+              </a:rPr>
+              <a:t>T</a:t>
+            </a:r>
+            <a:r>
+              <a:rPr lang="en-US" dirty="0"/>
+              <a:t>he sender of the transaction must specify a gas limit before they submit it to the network. The gas limit is the maximum amount of gas the sender is willing to pay for this transaction.</a:t>
+            </a:r>
+            <a:endParaRPr lang="en-US" b="1" dirty="0"/>
+          </a:p>
+        </p:txBody>
+      </p:sp>
+      <p:sp>
+        <p:nvSpPr>
+          <p:cNvPr id="2" name="Rectangle 1">
+            <a:extLst>
+              <a:ext uri="{FF2B5EF4-FFF2-40B4-BE49-F238E27FC236}">
+                <a16:creationId xmlns:a16="http://schemas.microsoft.com/office/drawing/2014/main" id="{ADE9059C-739E-4DAF-8981-4AE325121806}"/>
+              </a:ext>
+            </a:extLst>
+          </p:cNvPr>
+          <p:cNvSpPr/>
+          <p:nvPr/>
+        </p:nvSpPr>
+        <p:spPr>
+          <a:xfrm>
+            <a:off x="5120639" y="3383959"/>
+            <a:ext cx="6874889" cy="2369880"/>
+          </a:xfrm>
+          <a:prstGeom prst="rect">
+            <a:avLst/>
+          </a:prstGeom>
+        </p:spPr>
+        <p:txBody>
+          <a:bodyPr wrap="square">
+            <a:spAutoFit/>
+          </a:bodyPr>
+          <a:lstStyle/>
+          <a:p>
+            <a:r>
+              <a:rPr lang="en-US" dirty="0">
+                <a:solidFill>
+                  <a:srgbClr val="13212F"/>
+                </a:solidFill>
+                <a:latin typeface="SegoeUI"/>
+              </a:rPr>
+              <a:t>Suppose, we are adding two numbers with gas limit  = 120 and for that the contract must do the following actions:</a:t>
+            </a:r>
+          </a:p>
+          <a:p>
+            <a:pPr marL="285750" indent="-285750">
+              <a:buFont typeface="Arial" panose="020B0604020202020204" pitchFamily="34" charset="0"/>
+              <a:buChar char="•"/>
+            </a:pPr>
+            <a:r>
+              <a:rPr lang="en-US" sz="1600" dirty="0"/>
+              <a:t>Storing 10 in a variable. Let’s say this operation costs 45 gas.</a:t>
+            </a:r>
+          </a:p>
+          <a:p>
+            <a:pPr marL="285750" indent="-285750">
+              <a:buFont typeface="Arial" panose="020B0604020202020204" pitchFamily="34" charset="0"/>
+              <a:buChar char="•"/>
+            </a:pPr>
+            <a:r>
+              <a:rPr lang="en-US" sz="1600" dirty="0"/>
+              <a:t>Adding two variables, let’s say this costs 10 gas.</a:t>
+            </a:r>
+          </a:p>
+          <a:p>
+            <a:pPr marL="285750" indent="-285750">
+              <a:buFont typeface="Arial" panose="020B0604020202020204" pitchFamily="34" charset="0"/>
+              <a:buChar char="•"/>
+            </a:pPr>
+            <a:r>
+              <a:rPr lang="en-US" sz="1600" dirty="0"/>
+              <a:t>Storing the result which again costs 45 gas.</a:t>
+            </a:r>
+          </a:p>
+          <a:p>
+            <a:r>
+              <a:rPr lang="en-US" sz="1600" dirty="0"/>
+              <a:t>Total Gas = 100 gas</a:t>
+            </a:r>
+          </a:p>
+          <a:p>
+            <a:r>
+              <a:rPr lang="en-US" sz="1600" dirty="0"/>
+              <a:t>Fee owed (miner) 1 gas = 20 </a:t>
+            </a:r>
+            <a:r>
+              <a:rPr lang="en-US" sz="1600" dirty="0" err="1"/>
+              <a:t>Gwei</a:t>
+            </a:r>
+            <a:r>
+              <a:rPr lang="en-US" sz="1600" dirty="0"/>
+              <a:t> is </a:t>
+            </a:r>
+          </a:p>
+          <a:p>
+            <a:r>
+              <a:rPr lang="en-US" sz="1600" dirty="0"/>
+              <a:t>(100 * </a:t>
+            </a:r>
+            <a:r>
+              <a:rPr lang="en-US" sz="1600" dirty="0">
+                <a:hlinkClick r:id="rId2"/>
+              </a:rPr>
+              <a:t>20 </a:t>
+            </a:r>
+            <a:r>
+              <a:rPr lang="en-US" sz="1600" dirty="0" err="1">
+                <a:hlinkClick r:id="rId2"/>
+              </a:rPr>
+              <a:t>Gwei</a:t>
+            </a:r>
+            <a:r>
+              <a:rPr lang="en-US" sz="1600" dirty="0"/>
+              <a:t>) = 0.000002 ETH.</a:t>
+            </a:r>
+          </a:p>
+          <a:p>
+            <a:r>
+              <a:rPr lang="en-US" sz="1600" dirty="0"/>
+              <a:t>The 20 unused gas is returned back to the sender</a:t>
+            </a:r>
+          </a:p>
+        </p:txBody>
+      </p:sp>
+      <p:sp>
+        <p:nvSpPr>
+          <p:cNvPr id="3" name="Rectangle 2">
+            <a:extLst>
+              <a:ext uri="{FF2B5EF4-FFF2-40B4-BE49-F238E27FC236}">
+                <a16:creationId xmlns:a16="http://schemas.microsoft.com/office/drawing/2014/main" id="{0F6D968A-21C6-4EDD-B9CA-63A6FE5A3B5B}"/>
+              </a:ext>
+            </a:extLst>
+          </p:cNvPr>
+          <p:cNvSpPr/>
+          <p:nvPr/>
+        </p:nvSpPr>
+        <p:spPr>
+          <a:xfrm>
+            <a:off x="5132828" y="5753839"/>
+            <a:ext cx="6278881" cy="738664"/>
+          </a:xfrm>
+          <a:prstGeom prst="rect">
+            <a:avLst/>
+          </a:prstGeom>
+        </p:spPr>
+        <p:txBody>
+          <a:bodyPr wrap="square">
+            <a:spAutoFit/>
+          </a:bodyPr>
+          <a:lstStyle/>
+          <a:p>
+            <a:r>
+              <a:rPr lang="en-US" sz="1400" dirty="0">
+                <a:solidFill>
+                  <a:srgbClr val="13212F"/>
+                </a:solidFill>
+                <a:latin typeface="SegoeUI"/>
+              </a:rPr>
+              <a:t>If an operation runs out of gas the operation generator must STILL pay the miners the fee for their computational costs and the operation gets added to the blockchain (even if it has not been executed).</a:t>
+            </a:r>
+            <a:endParaRPr lang="en-US" sz="1400" dirty="0"/>
+          </a:p>
+        </p:txBody>
+      </p:sp>
+    </p:spTree>
+    <p:extLst>
+      <p:ext uri="{BB962C8B-B14F-4D97-AF65-F5344CB8AC3E}">
+        <p14:creationId xmlns:p14="http://schemas.microsoft.com/office/powerpoint/2010/main" val="3247151688"/>
+      </p:ext>
+    </p:extLst>
+  </p:cSld>
+  <p:clrMapOvr>
+    <a:masterClrMapping/>
+  </p:clrMapOvr>
+</p:sld>
+</file>
+
+<file path=ppt/slides/slide12.xml><?xml version="1.0" encoding="utf-8"?>
+<p:sld xmlns:a="http://schemas.openxmlformats.org/drawingml/2006/main" xmlns:r="http://schemas.openxmlformats.org/officeDocument/2006/relationships" xmlns:p="http://schemas.openxmlformats.org/presentationml/2006/main">
+  <p:cSld>
+    <p:spTree>
+      <p:nvGrpSpPr>
+        <p:cNvPr id="1" name=""/>
+        <p:cNvGrpSpPr/>
+        <p:nvPr/>
+      </p:nvGrpSpPr>
+      <p:grpSpPr>
+        <a:xfrm>
+          <a:off x="0" y="0"/>
+          <a:ext cx="0" cy="0"/>
+          <a:chOff x="0" y="0"/>
+          <a:chExt cx="0" cy="0"/>
+        </a:xfrm>
+      </p:grpSpPr>
+      <p:sp>
+        <p:nvSpPr>
+          <p:cNvPr id="11" name="Title 10">
+            <a:extLst>
+              <a:ext uri="{FF2B5EF4-FFF2-40B4-BE49-F238E27FC236}">
+                <a16:creationId xmlns:a16="http://schemas.microsoft.com/office/drawing/2014/main" id="{6D99CBAD-FA49-43FD-B42E-FF9E8DAA4BE0}"/>
+              </a:ext>
+            </a:extLst>
+          </p:cNvPr>
+          <p:cNvSpPr>
+            <a:spLocks noGrp="1"/>
+          </p:cNvSpPr>
+          <p:nvPr>
+            <p:ph type="title"/>
+          </p:nvPr>
+        </p:nvSpPr>
+        <p:spPr/>
+        <p:txBody>
+          <a:bodyPr/>
+          <a:lstStyle/>
+          <a:p>
+            <a:endParaRPr lang="en-US"/>
+          </a:p>
+        </p:txBody>
+      </p:sp>
+    </p:spTree>
+    <p:extLst>
+      <p:ext uri="{BB962C8B-B14F-4D97-AF65-F5344CB8AC3E}">
+        <p14:creationId xmlns:p14="http://schemas.microsoft.com/office/powerpoint/2010/main" val="4183868056"/>
+      </p:ext>
+    </p:extLst>
+  </p:cSld>
+  <p:clrMapOvr>
+    <a:masterClrMapping/>
+  </p:clrMapOvr>
+</p:sld>
+</file>
+
+<file path=ppt/slides/slide13.xml><?xml version="1.0" encoding="utf-8"?>
+<p:sld xmlns:a="http://schemas.openxmlformats.org/drawingml/2006/main" xmlns:r="http://schemas.openxmlformats.org/officeDocument/2006/relationships" xmlns:p="http://schemas.openxmlformats.org/presentationml/2006/main">
+  <p:cSld>
+    <p:spTree>
+      <p:nvGrpSpPr>
+        <p:cNvPr id="1" name=""/>
+        <p:cNvGrpSpPr/>
+        <p:nvPr/>
+      </p:nvGrpSpPr>
+      <p:grpSpPr>
+        <a:xfrm>
+          <a:off x="0" y="0"/>
+          <a:ext cx="0" cy="0"/>
+          <a:chOff x="0" y="0"/>
+          <a:chExt cx="0" cy="0"/>
+        </a:xfrm>
+      </p:grpSpPr>
+      <p:sp>
+        <p:nvSpPr>
+          <p:cNvPr id="2" name="Title 2">
+            <a:extLst>
+              <a:ext uri="{FF2B5EF4-FFF2-40B4-BE49-F238E27FC236}">
+                <a16:creationId xmlns:a16="http://schemas.microsoft.com/office/drawing/2014/main" id="{49AEFD99-5685-4CF6-B448-5794F01EE93F}"/>
+              </a:ext>
+            </a:extLst>
+          </p:cNvPr>
+          <p:cNvSpPr txBox="1">
+            <a:spLocks/>
+          </p:cNvSpPr>
+          <p:nvPr/>
+        </p:nvSpPr>
+        <p:spPr>
+          <a:xfrm>
+            <a:off x="838200" y="52535"/>
+            <a:ext cx="11353800" cy="678986"/>
+          </a:xfrm>
+          <a:prstGeom prst="rect">
+            <a:avLst/>
+          </a:prstGeom>
+        </p:spPr>
+        <p:txBody>
+          <a:bodyPr>
+            <a:normAutofit fontScale="97500"/>
+          </a:bodyPr>
+          <a:lstStyle>
+            <a:lvl1pPr algn="l" defTabSz="914400" rtl="0" eaLnBrk="1" latinLnBrk="0" hangingPunct="1">
+              <a:lnSpc>
+                <a:spcPct val="90000"/>
+              </a:lnSpc>
+              <a:spcBef>
+                <a:spcPct val="0"/>
+              </a:spcBef>
+              <a:buNone/>
+              <a:defRPr lang="en-US" sz="4800" b="1" kern="1200" cap="all" baseline="0" smtClean="0">
+                <a:solidFill>
+                  <a:schemeClr val="bg1"/>
+                </a:solidFill>
+                <a:latin typeface="+mj-lt"/>
+                <a:ea typeface="+mj-ea"/>
+                <a:cs typeface="+mj-cs"/>
+              </a:defRPr>
+            </a:lvl1pPr>
+          </a:lstStyle>
+          <a:p>
+            <a:pPr algn="r"/>
+            <a:r>
+              <a:rPr lang="en-US" sz="3200" dirty="0">
+                <a:solidFill>
+                  <a:schemeClr val="tx1"/>
+                </a:solidFill>
+              </a:rPr>
+              <a:t>Asset transfer Smart contract</a:t>
+            </a:r>
+          </a:p>
+        </p:txBody>
+      </p:sp>
+      <p:sp>
+        <p:nvSpPr>
+          <p:cNvPr id="3" name="Oval 2">
+            <a:extLst>
+              <a:ext uri="{FF2B5EF4-FFF2-40B4-BE49-F238E27FC236}">
+                <a16:creationId xmlns:a16="http://schemas.microsoft.com/office/drawing/2014/main" id="{242A040E-0CE9-451C-AD14-DB2F1CBA7DB5}"/>
+              </a:ext>
+            </a:extLst>
+          </p:cNvPr>
+          <p:cNvSpPr/>
+          <p:nvPr/>
+        </p:nvSpPr>
+        <p:spPr>
+          <a:xfrm>
+            <a:off x="463296" y="1328928"/>
+            <a:ext cx="1426464" cy="1325562"/>
+          </a:xfrm>
+          <a:prstGeom prst="ellipse">
+            <a:avLst/>
+          </a:prstGeom>
+          <a:ln>
+            <a:solidFill>
+              <a:schemeClr val="tx1"/>
+            </a:solidFill>
+          </a:ln>
+        </p:spPr>
+        <p:style>
+          <a:lnRef idx="2">
+            <a:schemeClr val="accent6"/>
+          </a:lnRef>
+          <a:fillRef idx="1">
+            <a:schemeClr val="lt1"/>
+          </a:fillRef>
+          <a:effectRef idx="0">
+            <a:schemeClr val="accent6"/>
+          </a:effectRef>
+          <a:fontRef idx="minor">
+            <a:schemeClr val="dk1"/>
+          </a:fontRef>
+        </p:style>
+        <p:txBody>
+          <a:bodyPr rot="0" spcFirstLastPara="0" vertOverflow="overflow" horzOverflow="overflow" vert="horz" wrap="square" lIns="91440" tIns="45720" rIns="91440" bIns="45720" numCol="1" spcCol="0" rtlCol="0" fromWordArt="0" anchor="ctr" anchorCtr="0" forceAA="0" compatLnSpc="1">
+            <a:prstTxWarp prst="textNoShape">
+              <a:avLst/>
+            </a:prstTxWarp>
+            <a:noAutofit/>
+          </a:bodyPr>
+          <a:lstStyle/>
+          <a:p>
+            <a:pPr algn="ctr"/>
+            <a:r>
+              <a:rPr lang="en-US" dirty="0">
+                <a:solidFill>
+                  <a:schemeClr val="dk1"/>
+                </a:solidFill>
+              </a:rPr>
+              <a:t>Make</a:t>
+            </a:r>
+          </a:p>
+          <a:p>
+            <a:pPr algn="ctr"/>
+            <a:r>
+              <a:rPr lang="en-US" dirty="0"/>
+              <a:t>Offer</a:t>
+            </a:r>
+            <a:endParaRPr lang="en-US" dirty="0">
+              <a:solidFill>
+                <a:schemeClr val="dk1"/>
+              </a:solidFill>
+            </a:endParaRPr>
+          </a:p>
+        </p:txBody>
+      </p:sp>
+      <p:sp>
+        <p:nvSpPr>
+          <p:cNvPr id="4" name="Oval 3">
+            <a:extLst>
+              <a:ext uri="{FF2B5EF4-FFF2-40B4-BE49-F238E27FC236}">
+                <a16:creationId xmlns:a16="http://schemas.microsoft.com/office/drawing/2014/main" id="{BAFB88A2-FAC1-45C1-94AE-ECF6E7B3AB18}"/>
+              </a:ext>
+            </a:extLst>
+          </p:cNvPr>
+          <p:cNvSpPr/>
+          <p:nvPr/>
+        </p:nvSpPr>
+        <p:spPr>
+          <a:xfrm>
+            <a:off x="2395728" y="1328928"/>
+            <a:ext cx="1426464" cy="1325562"/>
+          </a:xfrm>
+          <a:prstGeom prst="ellipse">
+            <a:avLst/>
+          </a:prstGeom>
+          <a:ln>
+            <a:solidFill>
+              <a:schemeClr val="tx1"/>
+            </a:solidFill>
+          </a:ln>
+        </p:spPr>
+        <p:style>
+          <a:lnRef idx="2">
+            <a:schemeClr val="accent6"/>
+          </a:lnRef>
+          <a:fillRef idx="1">
+            <a:schemeClr val="lt1"/>
+          </a:fillRef>
+          <a:effectRef idx="0">
+            <a:schemeClr val="accent6"/>
+          </a:effectRef>
+          <a:fontRef idx="minor">
+            <a:schemeClr val="dk1"/>
+          </a:fontRef>
+        </p:style>
+        <p:txBody>
+          <a:bodyPr rtlCol="0" anchor="ctr"/>
+          <a:lstStyle/>
+          <a:p>
+            <a:pPr algn="ctr"/>
+            <a:r>
+              <a:rPr lang="en-US" dirty="0"/>
+              <a:t>Accept Offer</a:t>
+            </a:r>
+          </a:p>
+        </p:txBody>
+      </p:sp>
+      <p:sp>
+        <p:nvSpPr>
+          <p:cNvPr id="5" name="Oval 4">
+            <a:extLst>
+              <a:ext uri="{FF2B5EF4-FFF2-40B4-BE49-F238E27FC236}">
+                <a16:creationId xmlns:a16="http://schemas.microsoft.com/office/drawing/2014/main" id="{63D8FE90-2A4E-49C2-9B61-6CE0F0DF8BD0}"/>
+              </a:ext>
+            </a:extLst>
+          </p:cNvPr>
+          <p:cNvSpPr/>
+          <p:nvPr/>
+        </p:nvSpPr>
+        <p:spPr>
+          <a:xfrm>
+            <a:off x="4675634" y="348190"/>
+            <a:ext cx="1597152" cy="1578864"/>
+          </a:xfrm>
+          <a:prstGeom prst="ellipse">
+            <a:avLst/>
+          </a:prstGeom>
+          <a:ln>
+            <a:solidFill>
+              <a:schemeClr val="tx1"/>
+            </a:solidFill>
+          </a:ln>
+        </p:spPr>
+        <p:style>
+          <a:lnRef idx="2">
+            <a:schemeClr val="accent6"/>
+          </a:lnRef>
+          <a:fillRef idx="1">
+            <a:schemeClr val="lt1"/>
+          </a:fillRef>
+          <a:effectRef idx="0">
+            <a:schemeClr val="accent6"/>
+          </a:effectRef>
+          <a:fontRef idx="minor">
+            <a:schemeClr val="dk1"/>
+          </a:fontRef>
+        </p:style>
+        <p:txBody>
+          <a:bodyPr rtlCol="0" anchor="ctr"/>
+          <a:lstStyle/>
+          <a:p>
+            <a:pPr algn="ctr"/>
+            <a:r>
+              <a:rPr lang="en-US" dirty="0"/>
+              <a:t>Mark Inspected</a:t>
+            </a:r>
+          </a:p>
+        </p:txBody>
+      </p:sp>
+      <p:sp>
+        <p:nvSpPr>
+          <p:cNvPr id="6" name="Oval 5">
+            <a:extLst>
+              <a:ext uri="{FF2B5EF4-FFF2-40B4-BE49-F238E27FC236}">
+                <a16:creationId xmlns:a16="http://schemas.microsoft.com/office/drawing/2014/main" id="{5C104275-0D7F-4167-B868-D733A833C8DA}"/>
+              </a:ext>
+            </a:extLst>
+          </p:cNvPr>
+          <p:cNvSpPr/>
+          <p:nvPr/>
+        </p:nvSpPr>
+        <p:spPr>
+          <a:xfrm>
+            <a:off x="4745737" y="2222709"/>
+            <a:ext cx="1597152" cy="1471866"/>
+          </a:xfrm>
+          <a:prstGeom prst="ellipse">
+            <a:avLst/>
+          </a:prstGeom>
+          <a:ln>
+            <a:solidFill>
+              <a:schemeClr val="tx1"/>
+            </a:solidFill>
+          </a:ln>
+        </p:spPr>
+        <p:style>
+          <a:lnRef idx="2">
+            <a:schemeClr val="accent6"/>
+          </a:lnRef>
+          <a:fillRef idx="1">
+            <a:schemeClr val="lt1"/>
+          </a:fillRef>
+          <a:effectRef idx="0">
+            <a:schemeClr val="accent6"/>
+          </a:effectRef>
+          <a:fontRef idx="minor">
+            <a:schemeClr val="dk1"/>
+          </a:fontRef>
+        </p:style>
+        <p:txBody>
+          <a:bodyPr rtlCol="0" anchor="ctr"/>
+          <a:lstStyle/>
+          <a:p>
+            <a:pPr algn="ctr"/>
+            <a:r>
+              <a:rPr lang="en-US" dirty="0"/>
+              <a:t>Mark Appraised</a:t>
+            </a:r>
+          </a:p>
+        </p:txBody>
+      </p:sp>
+      <p:sp>
+        <p:nvSpPr>
+          <p:cNvPr id="7" name="Oval 6">
+            <a:extLst>
+              <a:ext uri="{FF2B5EF4-FFF2-40B4-BE49-F238E27FC236}">
+                <a16:creationId xmlns:a16="http://schemas.microsoft.com/office/drawing/2014/main" id="{EE7FCB34-1199-4A43-AA1D-35F1CF93F378}"/>
+              </a:ext>
+            </a:extLst>
+          </p:cNvPr>
+          <p:cNvSpPr/>
+          <p:nvPr/>
+        </p:nvSpPr>
+        <p:spPr>
+          <a:xfrm>
+            <a:off x="7266434" y="1188720"/>
+            <a:ext cx="1822700" cy="1809146"/>
+          </a:xfrm>
+          <a:prstGeom prst="ellipse">
+            <a:avLst/>
+          </a:prstGeom>
+          <a:ln>
+            <a:solidFill>
+              <a:schemeClr val="tx1"/>
+            </a:solidFill>
+          </a:ln>
+        </p:spPr>
+        <p:style>
+          <a:lnRef idx="2">
+            <a:schemeClr val="accent6"/>
+          </a:lnRef>
+          <a:fillRef idx="1">
+            <a:schemeClr val="lt1"/>
+          </a:fillRef>
+          <a:effectRef idx="0">
+            <a:schemeClr val="accent6"/>
+          </a:effectRef>
+          <a:fontRef idx="minor">
+            <a:schemeClr val="dk1"/>
+          </a:fontRef>
+        </p:style>
+        <p:txBody>
+          <a:bodyPr rtlCol="0" anchor="ctr"/>
+          <a:lstStyle/>
+          <a:p>
+            <a:pPr algn="ctr"/>
+            <a:r>
+              <a:rPr lang="en-US" dirty="0"/>
+              <a:t>Accepted</a:t>
+            </a:r>
+          </a:p>
+        </p:txBody>
+      </p:sp>
+      <p:sp>
+        <p:nvSpPr>
+          <p:cNvPr id="8" name="Oval 7">
+            <a:extLst>
+              <a:ext uri="{FF2B5EF4-FFF2-40B4-BE49-F238E27FC236}">
+                <a16:creationId xmlns:a16="http://schemas.microsoft.com/office/drawing/2014/main" id="{CD30FC20-076F-43F1-A368-8718100020D3}"/>
+              </a:ext>
+            </a:extLst>
+          </p:cNvPr>
+          <p:cNvSpPr/>
+          <p:nvPr/>
+        </p:nvSpPr>
+        <p:spPr>
+          <a:xfrm>
+            <a:off x="9784084" y="1202276"/>
+            <a:ext cx="1822700" cy="1809147"/>
+          </a:xfrm>
+          <a:prstGeom prst="ellipse">
+            <a:avLst/>
+          </a:prstGeom>
+          <a:ln>
+            <a:solidFill>
+              <a:schemeClr val="tx1"/>
+            </a:solidFill>
+          </a:ln>
+        </p:spPr>
+        <p:style>
+          <a:lnRef idx="2">
+            <a:schemeClr val="accent6"/>
+          </a:lnRef>
+          <a:fillRef idx="1">
+            <a:schemeClr val="lt1"/>
+          </a:fillRef>
+          <a:effectRef idx="0">
+            <a:schemeClr val="accent6"/>
+          </a:effectRef>
+          <a:fontRef idx="minor">
+            <a:schemeClr val="dk1"/>
+          </a:fontRef>
+        </p:style>
+        <p:txBody>
+          <a:bodyPr rtlCol="0" anchor="ctr"/>
+          <a:lstStyle/>
+          <a:p>
+            <a:pPr algn="ctr"/>
+            <a:r>
+              <a:rPr lang="en-US" dirty="0"/>
+              <a:t>Transferred</a:t>
+            </a:r>
+          </a:p>
+        </p:txBody>
+      </p:sp>
+      <p:cxnSp>
+        <p:nvCxnSpPr>
+          <p:cNvPr id="10" name="Straight Arrow Connector 9">
+            <a:extLst>
+              <a:ext uri="{FF2B5EF4-FFF2-40B4-BE49-F238E27FC236}">
+                <a16:creationId xmlns:a16="http://schemas.microsoft.com/office/drawing/2014/main" id="{74168A95-B2A6-42F7-A376-DAF7D2B92A47}"/>
+              </a:ext>
+            </a:extLst>
+          </p:cNvPr>
+          <p:cNvCxnSpPr>
+            <a:cxnSpLocks/>
+            <a:stCxn id="3" idx="6"/>
+            <a:endCxn id="4" idx="2"/>
+          </p:cNvCxnSpPr>
+          <p:nvPr/>
+        </p:nvCxnSpPr>
+        <p:spPr>
+          <a:xfrm>
+            <a:off x="1889760" y="1991709"/>
+            <a:ext cx="505968" cy="0"/>
+          </a:xfrm>
+          <a:prstGeom prst="straightConnector1">
+            <a:avLst/>
+          </a:prstGeom>
+          <a:ln w="38100">
+            <a:tailEnd type="triangle"/>
+          </a:ln>
+        </p:spPr>
+        <p:style>
+          <a:lnRef idx="1">
+            <a:schemeClr val="accent1"/>
+          </a:lnRef>
+          <a:fillRef idx="0">
+            <a:schemeClr val="accent1"/>
+          </a:fillRef>
+          <a:effectRef idx="0">
+            <a:schemeClr val="accent1"/>
+          </a:effectRef>
+          <a:fontRef idx="minor">
+            <a:schemeClr val="tx1"/>
+          </a:fontRef>
+        </p:style>
+      </p:cxnSp>
+      <p:cxnSp>
+        <p:nvCxnSpPr>
+          <p:cNvPr id="12" name="Straight Arrow Connector 11">
+            <a:extLst>
+              <a:ext uri="{FF2B5EF4-FFF2-40B4-BE49-F238E27FC236}">
+                <a16:creationId xmlns:a16="http://schemas.microsoft.com/office/drawing/2014/main" id="{ED856956-38A5-48A5-8EBB-D62E2C8A1439}"/>
+              </a:ext>
+            </a:extLst>
+          </p:cNvPr>
+          <p:cNvCxnSpPr>
+            <a:cxnSpLocks/>
+            <a:stCxn id="4" idx="7"/>
+            <a:endCxn id="5" idx="2"/>
+          </p:cNvCxnSpPr>
+          <p:nvPr/>
+        </p:nvCxnSpPr>
+        <p:spPr>
+          <a:xfrm flipV="1">
+            <a:off x="3613291" y="1137622"/>
+            <a:ext cx="1062343" cy="385430"/>
+          </a:xfrm>
+          <a:prstGeom prst="straightConnector1">
+            <a:avLst/>
+          </a:prstGeom>
+          <a:ln w="38100">
+            <a:tailEnd type="triangle"/>
+          </a:ln>
+        </p:spPr>
+        <p:style>
+          <a:lnRef idx="1">
+            <a:schemeClr val="accent1"/>
+          </a:lnRef>
+          <a:fillRef idx="0">
+            <a:schemeClr val="accent1"/>
+          </a:fillRef>
+          <a:effectRef idx="0">
+            <a:schemeClr val="accent1"/>
+          </a:effectRef>
+          <a:fontRef idx="minor">
+            <a:schemeClr val="tx1"/>
+          </a:fontRef>
+        </p:style>
+      </p:cxnSp>
+      <p:cxnSp>
+        <p:nvCxnSpPr>
+          <p:cNvPr id="15" name="Straight Arrow Connector 14">
+            <a:extLst>
+              <a:ext uri="{FF2B5EF4-FFF2-40B4-BE49-F238E27FC236}">
+                <a16:creationId xmlns:a16="http://schemas.microsoft.com/office/drawing/2014/main" id="{CC94C947-6422-4FDA-AA2D-944F162263ED}"/>
+              </a:ext>
+            </a:extLst>
+          </p:cNvPr>
+          <p:cNvCxnSpPr>
+            <a:cxnSpLocks/>
+            <a:stCxn id="4" idx="5"/>
+            <a:endCxn id="6" idx="2"/>
+          </p:cNvCxnSpPr>
+          <p:nvPr/>
+        </p:nvCxnSpPr>
+        <p:spPr>
+          <a:xfrm>
+            <a:off x="3613291" y="2460366"/>
+            <a:ext cx="1132446" cy="498276"/>
+          </a:xfrm>
+          <a:prstGeom prst="straightConnector1">
+            <a:avLst/>
+          </a:prstGeom>
+          <a:ln w="38100">
+            <a:tailEnd type="triangle"/>
+          </a:ln>
+        </p:spPr>
+        <p:style>
+          <a:lnRef idx="1">
+            <a:schemeClr val="accent1"/>
+          </a:lnRef>
+          <a:fillRef idx="0">
+            <a:schemeClr val="accent1"/>
+          </a:fillRef>
+          <a:effectRef idx="0">
+            <a:schemeClr val="accent1"/>
+          </a:effectRef>
+          <a:fontRef idx="minor">
+            <a:schemeClr val="tx1"/>
+          </a:fontRef>
+        </p:style>
+      </p:cxnSp>
+      <p:cxnSp>
+        <p:nvCxnSpPr>
+          <p:cNvPr id="18" name="Straight Arrow Connector 17">
+            <a:extLst>
+              <a:ext uri="{FF2B5EF4-FFF2-40B4-BE49-F238E27FC236}">
+                <a16:creationId xmlns:a16="http://schemas.microsoft.com/office/drawing/2014/main" id="{FC2D33A0-2B36-4FBB-A4F2-0097A124192F}"/>
+              </a:ext>
+            </a:extLst>
+          </p:cNvPr>
+          <p:cNvCxnSpPr>
+            <a:cxnSpLocks/>
+            <a:stCxn id="5" idx="6"/>
+            <a:endCxn id="7" idx="1"/>
+          </p:cNvCxnSpPr>
+          <p:nvPr/>
+        </p:nvCxnSpPr>
+        <p:spPr>
+          <a:xfrm>
+            <a:off x="6272786" y="1137622"/>
+            <a:ext cx="1260576" cy="316041"/>
+          </a:xfrm>
+          <a:prstGeom prst="straightConnector1">
+            <a:avLst/>
+          </a:prstGeom>
+          <a:ln w="38100">
+            <a:tailEnd type="triangle"/>
+          </a:ln>
+        </p:spPr>
+        <p:style>
+          <a:lnRef idx="1">
+            <a:schemeClr val="accent1"/>
+          </a:lnRef>
+          <a:fillRef idx="0">
+            <a:schemeClr val="accent1"/>
+          </a:fillRef>
+          <a:effectRef idx="0">
+            <a:schemeClr val="accent1"/>
+          </a:effectRef>
+          <a:fontRef idx="minor">
+            <a:schemeClr val="tx1"/>
+          </a:fontRef>
+        </p:style>
+      </p:cxnSp>
+      <p:cxnSp>
+        <p:nvCxnSpPr>
+          <p:cNvPr id="21" name="Straight Arrow Connector 20">
+            <a:extLst>
+              <a:ext uri="{FF2B5EF4-FFF2-40B4-BE49-F238E27FC236}">
+                <a16:creationId xmlns:a16="http://schemas.microsoft.com/office/drawing/2014/main" id="{FF5DB774-9428-49D8-961D-96D64E09CCDB}"/>
+              </a:ext>
+            </a:extLst>
+          </p:cNvPr>
+          <p:cNvCxnSpPr>
+            <a:cxnSpLocks/>
+            <a:stCxn id="6" idx="6"/>
+            <a:endCxn id="7" idx="3"/>
+          </p:cNvCxnSpPr>
+          <p:nvPr/>
+        </p:nvCxnSpPr>
+        <p:spPr>
+          <a:xfrm flipV="1">
+            <a:off x="6342889" y="2732923"/>
+            <a:ext cx="1190473" cy="225719"/>
+          </a:xfrm>
+          <a:prstGeom prst="straightConnector1">
+            <a:avLst/>
+          </a:prstGeom>
+          <a:ln w="38100">
+            <a:tailEnd type="triangle"/>
+          </a:ln>
+        </p:spPr>
+        <p:style>
+          <a:lnRef idx="1">
+            <a:schemeClr val="accent1"/>
+          </a:lnRef>
+          <a:fillRef idx="0">
+            <a:schemeClr val="accent1"/>
+          </a:fillRef>
+          <a:effectRef idx="0">
+            <a:schemeClr val="accent1"/>
+          </a:effectRef>
+          <a:fontRef idx="minor">
+            <a:schemeClr val="tx1"/>
+          </a:fontRef>
+        </p:style>
+      </p:cxnSp>
+      <p:cxnSp>
+        <p:nvCxnSpPr>
+          <p:cNvPr id="24" name="Straight Arrow Connector 23">
+            <a:extLst>
+              <a:ext uri="{FF2B5EF4-FFF2-40B4-BE49-F238E27FC236}">
+                <a16:creationId xmlns:a16="http://schemas.microsoft.com/office/drawing/2014/main" id="{B6D2F0FD-A060-4E13-8A32-C3D52050374B}"/>
+              </a:ext>
+            </a:extLst>
+          </p:cNvPr>
+          <p:cNvCxnSpPr>
+            <a:cxnSpLocks/>
+            <a:stCxn id="7" idx="6"/>
+            <a:endCxn id="8" idx="2"/>
+          </p:cNvCxnSpPr>
+          <p:nvPr/>
+        </p:nvCxnSpPr>
+        <p:spPr>
+          <a:xfrm>
+            <a:off x="9089134" y="2093293"/>
+            <a:ext cx="694950" cy="13557"/>
+          </a:xfrm>
+          <a:prstGeom prst="straightConnector1">
+            <a:avLst/>
+          </a:prstGeom>
+          <a:ln w="38100">
+            <a:tailEnd type="triangle"/>
+          </a:ln>
+        </p:spPr>
+        <p:style>
+          <a:lnRef idx="1">
+            <a:schemeClr val="accent1"/>
+          </a:lnRef>
+          <a:fillRef idx="0">
+            <a:schemeClr val="accent1"/>
+          </a:fillRef>
+          <a:effectRef idx="0">
+            <a:schemeClr val="accent1"/>
+          </a:effectRef>
+          <a:fontRef idx="minor">
+            <a:schemeClr val="tx1"/>
+          </a:fontRef>
+        </p:style>
+      </p:cxnSp>
+      <p:sp>
+        <p:nvSpPr>
+          <p:cNvPr id="33" name="TextBox 32">
+            <a:extLst>
+              <a:ext uri="{FF2B5EF4-FFF2-40B4-BE49-F238E27FC236}">
+                <a16:creationId xmlns:a16="http://schemas.microsoft.com/office/drawing/2014/main" id="{2C2784AC-38AB-43C4-B45D-6B79DC9E2BD9}"/>
+              </a:ext>
+            </a:extLst>
+          </p:cNvPr>
+          <p:cNvSpPr txBox="1"/>
+          <p:nvPr/>
+        </p:nvSpPr>
+        <p:spPr>
+          <a:xfrm>
+            <a:off x="298591" y="1021510"/>
+            <a:ext cx="1901952" cy="307777"/>
+          </a:xfrm>
+          <a:prstGeom prst="rect">
+            <a:avLst/>
+          </a:prstGeom>
+          <a:noFill/>
+        </p:spPr>
+        <p:txBody>
+          <a:bodyPr wrap="square" rtlCol="0">
+            <a:spAutoFit/>
+          </a:bodyPr>
+          <a:lstStyle/>
+          <a:p>
+            <a:r>
+              <a:rPr lang="en-US" sz="1400" dirty="0"/>
+              <a:t>Buyer placed an offer</a:t>
+            </a:r>
+          </a:p>
+        </p:txBody>
+      </p:sp>
+      <p:sp>
+        <p:nvSpPr>
+          <p:cNvPr id="34" name="TextBox 33">
+            <a:extLst>
+              <a:ext uri="{FF2B5EF4-FFF2-40B4-BE49-F238E27FC236}">
+                <a16:creationId xmlns:a16="http://schemas.microsoft.com/office/drawing/2014/main" id="{E8A51E09-F248-494D-95DD-28C0395A470D}"/>
+              </a:ext>
+            </a:extLst>
+          </p:cNvPr>
+          <p:cNvSpPr txBox="1"/>
+          <p:nvPr/>
+        </p:nvSpPr>
+        <p:spPr>
+          <a:xfrm>
+            <a:off x="2472634" y="1042330"/>
+            <a:ext cx="1426464" cy="307777"/>
+          </a:xfrm>
+          <a:prstGeom prst="rect">
+            <a:avLst/>
+          </a:prstGeom>
+          <a:noFill/>
+        </p:spPr>
+        <p:txBody>
+          <a:bodyPr wrap="square" rtlCol="0">
+            <a:spAutoFit/>
+          </a:bodyPr>
+          <a:lstStyle/>
+          <a:p>
+            <a:r>
+              <a:rPr lang="en-US" sz="1400" dirty="0"/>
+              <a:t>Seller Accepted</a:t>
+            </a:r>
+          </a:p>
+        </p:txBody>
+      </p:sp>
+      <p:sp>
+        <p:nvSpPr>
+          <p:cNvPr id="35" name="TextBox 34">
+            <a:extLst>
+              <a:ext uri="{FF2B5EF4-FFF2-40B4-BE49-F238E27FC236}">
+                <a16:creationId xmlns:a16="http://schemas.microsoft.com/office/drawing/2014/main" id="{4F90D0AE-2096-47DA-9564-BB01B5748D96}"/>
+              </a:ext>
+            </a:extLst>
+          </p:cNvPr>
+          <p:cNvSpPr txBox="1"/>
+          <p:nvPr/>
+        </p:nvSpPr>
+        <p:spPr>
+          <a:xfrm>
+            <a:off x="4072129" y="81720"/>
+            <a:ext cx="2270759" cy="307777"/>
+          </a:xfrm>
+          <a:prstGeom prst="rect">
+            <a:avLst/>
+          </a:prstGeom>
+          <a:noFill/>
+        </p:spPr>
+        <p:txBody>
+          <a:bodyPr wrap="square" rtlCol="0">
+            <a:spAutoFit/>
+          </a:bodyPr>
+          <a:lstStyle/>
+          <a:p>
+            <a:r>
+              <a:rPr lang="en-US" sz="1400" dirty="0"/>
+              <a:t>Inspector Marked positive</a:t>
+            </a:r>
+          </a:p>
+        </p:txBody>
+      </p:sp>
+      <p:sp>
+        <p:nvSpPr>
+          <p:cNvPr id="36" name="TextBox 35">
+            <a:extLst>
+              <a:ext uri="{FF2B5EF4-FFF2-40B4-BE49-F238E27FC236}">
+                <a16:creationId xmlns:a16="http://schemas.microsoft.com/office/drawing/2014/main" id="{F57EE251-00F6-4AD8-AA68-A685B9E2EF52}"/>
+              </a:ext>
+            </a:extLst>
+          </p:cNvPr>
+          <p:cNvSpPr txBox="1"/>
+          <p:nvPr/>
+        </p:nvSpPr>
+        <p:spPr>
+          <a:xfrm>
+            <a:off x="3691834" y="3142089"/>
+            <a:ext cx="1489766" cy="523220"/>
+          </a:xfrm>
+          <a:prstGeom prst="rect">
+            <a:avLst/>
+          </a:prstGeom>
+          <a:noFill/>
+        </p:spPr>
+        <p:txBody>
+          <a:bodyPr wrap="square" rtlCol="0">
+            <a:spAutoFit/>
+          </a:bodyPr>
+          <a:lstStyle/>
+          <a:p>
+            <a:r>
+              <a:rPr lang="en-US" sz="1400" dirty="0"/>
+              <a:t>Appraiser </a:t>
+            </a:r>
+          </a:p>
+          <a:p>
+            <a:r>
+              <a:rPr lang="en-US" sz="1400" dirty="0"/>
+              <a:t>Marked positive</a:t>
+            </a:r>
+          </a:p>
+        </p:txBody>
+      </p:sp>
+      <p:sp>
+        <p:nvSpPr>
+          <p:cNvPr id="37" name="TextBox 36">
+            <a:extLst>
+              <a:ext uri="{FF2B5EF4-FFF2-40B4-BE49-F238E27FC236}">
+                <a16:creationId xmlns:a16="http://schemas.microsoft.com/office/drawing/2014/main" id="{61562F1A-883A-4B8E-8657-75CEF9E06593}"/>
+              </a:ext>
+            </a:extLst>
+          </p:cNvPr>
+          <p:cNvSpPr txBox="1"/>
+          <p:nvPr/>
+        </p:nvSpPr>
+        <p:spPr>
+          <a:xfrm>
+            <a:off x="7388355" y="879930"/>
+            <a:ext cx="2048254" cy="307777"/>
+          </a:xfrm>
+          <a:prstGeom prst="rect">
+            <a:avLst/>
+          </a:prstGeom>
+          <a:noFill/>
+        </p:spPr>
+        <p:txBody>
+          <a:bodyPr wrap="square" rtlCol="0">
+            <a:spAutoFit/>
+          </a:bodyPr>
+          <a:lstStyle/>
+          <a:p>
+            <a:r>
+              <a:rPr lang="en-US" sz="1400" dirty="0"/>
+              <a:t>Both Parties Accept</a:t>
+            </a:r>
+          </a:p>
+        </p:txBody>
+      </p:sp>
+      <p:sp>
+        <p:nvSpPr>
+          <p:cNvPr id="38" name="TextBox 37">
+            <a:extLst>
+              <a:ext uri="{FF2B5EF4-FFF2-40B4-BE49-F238E27FC236}">
+                <a16:creationId xmlns:a16="http://schemas.microsoft.com/office/drawing/2014/main" id="{920A8E7E-387B-4167-B3B7-5A749EB0F92E}"/>
+              </a:ext>
+            </a:extLst>
+          </p:cNvPr>
+          <p:cNvSpPr txBox="1"/>
+          <p:nvPr/>
+        </p:nvSpPr>
+        <p:spPr>
+          <a:xfrm>
+            <a:off x="9784084" y="3011423"/>
+            <a:ext cx="2298190" cy="307777"/>
+          </a:xfrm>
+          <a:prstGeom prst="rect">
+            <a:avLst/>
+          </a:prstGeom>
+          <a:noFill/>
+        </p:spPr>
+        <p:txBody>
+          <a:bodyPr wrap="square" rtlCol="0">
+            <a:spAutoFit/>
+          </a:bodyPr>
+          <a:lstStyle/>
+          <a:p>
+            <a:r>
+              <a:rPr lang="en-US" sz="1400" dirty="0"/>
+              <a:t>Asset is transferred to buyer</a:t>
+            </a:r>
+          </a:p>
+        </p:txBody>
+      </p:sp>
+      <p:graphicFrame>
+        <p:nvGraphicFramePr>
+          <p:cNvPr id="40" name="Table 39">
+            <a:extLst>
+              <a:ext uri="{FF2B5EF4-FFF2-40B4-BE49-F238E27FC236}">
+                <a16:creationId xmlns:a16="http://schemas.microsoft.com/office/drawing/2014/main" id="{FA2EEAAA-6A3B-4BEE-BCED-D758A1D4153B}"/>
+              </a:ext>
+            </a:extLst>
+          </p:cNvPr>
+          <p:cNvGraphicFramePr>
+            <a:graphicFrameLocks noGrp="1"/>
+          </p:cNvGraphicFramePr>
+          <p:nvPr>
+            <p:extLst>
+              <p:ext uri="{D42A27DB-BD31-4B8C-83A1-F6EECF244321}">
+                <p14:modId xmlns:p14="http://schemas.microsoft.com/office/powerpoint/2010/main" val="730534107"/>
+              </p:ext>
+            </p:extLst>
+          </p:nvPr>
+        </p:nvGraphicFramePr>
+        <p:xfrm>
+          <a:off x="4064000" y="3869993"/>
+          <a:ext cx="8128000" cy="2966720"/>
+        </p:xfrm>
+        <a:graphic>
+          <a:graphicData uri="http://schemas.openxmlformats.org/drawingml/2006/table">
+            <a:tbl>
+              <a:tblPr firstRow="1" bandRow="1">
+                <a:tableStyleId>{2D5ABB26-0587-4C30-8999-92F81FD0307C}</a:tableStyleId>
+              </a:tblPr>
+              <a:tblGrid>
+                <a:gridCol w="2087174">
+                  <a:extLst>
+                    <a:ext uri="{9D8B030D-6E8A-4147-A177-3AD203B41FA5}">
+                      <a16:colId xmlns:a16="http://schemas.microsoft.com/office/drawing/2014/main" val="2764076090"/>
+                    </a:ext>
+                  </a:extLst>
+                </a:gridCol>
+                <a:gridCol w="6040826">
+                  <a:extLst>
+                    <a:ext uri="{9D8B030D-6E8A-4147-A177-3AD203B41FA5}">
+                      <a16:colId xmlns:a16="http://schemas.microsoft.com/office/drawing/2014/main" val="3359725540"/>
+                    </a:ext>
+                  </a:extLst>
+                </a:gridCol>
+              </a:tblGrid>
+              <a:tr h="370840">
+                <a:tc>
+                  <a:txBody>
+                    <a:bodyPr/>
+                    <a:lstStyle/>
+                    <a:p>
+                      <a:r>
+                        <a:rPr lang="en-US" sz="1400" b="1" dirty="0"/>
+                        <a:t>Active</a:t>
+                      </a:r>
+                    </a:p>
+                  </a:txBody>
+                  <a:tcPr>
+                    <a:lnB w="12700" cap="flat" cmpd="sng" algn="ctr">
+                      <a:solidFill>
+                        <a:schemeClr val="tx1"/>
+                      </a:solidFill>
+                      <a:prstDash val="solid"/>
+                      <a:round/>
+                      <a:headEnd type="none" w="med" len="med"/>
+                      <a:tailEnd type="none" w="med" len="med"/>
+                    </a:lnB>
+                  </a:tcPr>
+                </a:tc>
+                <a:tc>
+                  <a:txBody>
+                    <a:bodyPr/>
+                    <a:lstStyle/>
+                    <a:p>
+                      <a:r>
+                        <a:rPr lang="en-US" sz="1400" dirty="0"/>
+                        <a:t>Indicates asset is available for selling/transfer</a:t>
+                      </a:r>
+                    </a:p>
+                  </a:txBody>
+                  <a:tcPr>
+                    <a:lnB w="12700" cap="flat" cmpd="sng" algn="ctr">
+                      <a:solidFill>
+                        <a:schemeClr val="tx1"/>
+                      </a:solidFill>
+                      <a:prstDash val="solid"/>
+                      <a:round/>
+                      <a:headEnd type="none" w="med" len="med"/>
+                      <a:tailEnd type="none" w="med" len="med"/>
+                    </a:lnB>
+                  </a:tcPr>
+                </a:tc>
+                <a:extLst>
+                  <a:ext uri="{0D108BD9-81ED-4DB2-BD59-A6C34878D82A}">
+                    <a16:rowId xmlns:a16="http://schemas.microsoft.com/office/drawing/2014/main" val="3678742131"/>
+                  </a:ext>
+                </a:extLst>
+              </a:tr>
+              <a:tr h="370840">
+                <a:tc>
+                  <a:txBody>
+                    <a:bodyPr/>
+                    <a:lstStyle/>
+                    <a:p>
+                      <a:r>
+                        <a:rPr lang="en-US" sz="1400" b="1" dirty="0"/>
+                        <a:t>Offer Placed</a:t>
+                      </a:r>
+                    </a:p>
+                  </a:txBody>
+                  <a:tcPr>
+                    <a:lnT w="12700" cap="flat" cmpd="sng" algn="ctr">
+                      <a:solidFill>
+                        <a:schemeClr val="tx1"/>
+                      </a:solidFill>
+                      <a:prstDash val="solid"/>
+                      <a:round/>
+                      <a:headEnd type="none" w="med" len="med"/>
+                      <a:tailEnd type="none" w="med" len="med"/>
+                    </a:lnT>
+                    <a:lnB w="12700" cap="flat" cmpd="sng" algn="ctr">
+                      <a:solidFill>
+                        <a:schemeClr val="tx1"/>
+                      </a:solidFill>
+                      <a:prstDash val="solid"/>
+                      <a:round/>
+                      <a:headEnd type="none" w="med" len="med"/>
+                      <a:tailEnd type="none" w="med" len="med"/>
+                    </a:lnB>
+                  </a:tcPr>
+                </a:tc>
+                <a:tc>
+                  <a:txBody>
+                    <a:bodyPr/>
+                    <a:lstStyle/>
+                    <a:p>
+                      <a:r>
+                        <a:rPr lang="en-US" sz="1400" dirty="0"/>
+                        <a:t>Indicates buyer intention to buy</a:t>
+                      </a:r>
+                    </a:p>
+                  </a:txBody>
+                  <a:tcPr>
+                    <a:lnT w="12700" cap="flat" cmpd="sng" algn="ctr">
+                      <a:solidFill>
+                        <a:schemeClr val="tx1"/>
+                      </a:solidFill>
+                      <a:prstDash val="solid"/>
+                      <a:round/>
+                      <a:headEnd type="none" w="med" len="med"/>
+                      <a:tailEnd type="none" w="med" len="med"/>
+                    </a:lnT>
+                    <a:lnB w="12700" cap="flat" cmpd="sng" algn="ctr">
+                      <a:solidFill>
+                        <a:schemeClr val="tx1"/>
+                      </a:solidFill>
+                      <a:prstDash val="solid"/>
+                      <a:round/>
+                      <a:headEnd type="none" w="med" len="med"/>
+                      <a:tailEnd type="none" w="med" len="med"/>
+                    </a:lnB>
+                  </a:tcPr>
+                </a:tc>
+                <a:extLst>
+                  <a:ext uri="{0D108BD9-81ED-4DB2-BD59-A6C34878D82A}">
+                    <a16:rowId xmlns:a16="http://schemas.microsoft.com/office/drawing/2014/main" val="330995737"/>
+                  </a:ext>
+                </a:extLst>
+              </a:tr>
+              <a:tr h="370840">
+                <a:tc>
+                  <a:txBody>
+                    <a:bodyPr/>
+                    <a:lstStyle/>
+                    <a:p>
+                      <a:r>
+                        <a:rPr lang="en-US" sz="1400" b="1" dirty="0"/>
+                        <a:t>Pending Inspection</a:t>
+                      </a:r>
+                    </a:p>
+                  </a:txBody>
+                  <a:tcPr>
+                    <a:lnT w="12700" cap="flat" cmpd="sng" algn="ctr">
+                      <a:solidFill>
+                        <a:schemeClr val="tx1"/>
+                      </a:solidFill>
+                      <a:prstDash val="solid"/>
+                      <a:round/>
+                      <a:headEnd type="none" w="med" len="med"/>
+                      <a:tailEnd type="none" w="med" len="med"/>
+                    </a:lnT>
+                    <a:lnB w="12700" cap="flat" cmpd="sng" algn="ctr">
+                      <a:solidFill>
+                        <a:schemeClr val="tx1"/>
+                      </a:solidFill>
+                      <a:prstDash val="solid"/>
+                      <a:round/>
+                      <a:headEnd type="none" w="med" len="med"/>
+                      <a:tailEnd type="none" w="med" len="med"/>
+                    </a:lnB>
+                  </a:tcPr>
+                </a:tc>
+                <a:tc>
+                  <a:txBody>
+                    <a:bodyPr/>
+                    <a:lstStyle/>
+                    <a:p>
+                      <a:r>
+                        <a:rPr lang="en-US" sz="1400" dirty="0"/>
+                        <a:t>Indicates buyers request to inspector to inspect </a:t>
+                      </a:r>
+                    </a:p>
+                  </a:txBody>
+                  <a:tcPr>
+                    <a:lnT w="12700" cap="flat" cmpd="sng" algn="ctr">
+                      <a:solidFill>
+                        <a:schemeClr val="tx1"/>
+                      </a:solidFill>
+                      <a:prstDash val="solid"/>
+                      <a:round/>
+                      <a:headEnd type="none" w="med" len="med"/>
+                      <a:tailEnd type="none" w="med" len="med"/>
+                    </a:lnT>
+                    <a:lnB w="12700" cap="flat" cmpd="sng" algn="ctr">
+                      <a:solidFill>
+                        <a:schemeClr val="tx1"/>
+                      </a:solidFill>
+                      <a:prstDash val="solid"/>
+                      <a:round/>
+                      <a:headEnd type="none" w="med" len="med"/>
+                      <a:tailEnd type="none" w="med" len="med"/>
+                    </a:lnB>
+                  </a:tcPr>
+                </a:tc>
+                <a:extLst>
+                  <a:ext uri="{0D108BD9-81ED-4DB2-BD59-A6C34878D82A}">
+                    <a16:rowId xmlns:a16="http://schemas.microsoft.com/office/drawing/2014/main" val="2578167685"/>
+                  </a:ext>
+                </a:extLst>
+              </a:tr>
+              <a:tr h="370840">
+                <a:tc>
+                  <a:txBody>
+                    <a:bodyPr/>
+                    <a:lstStyle/>
+                    <a:p>
+                      <a:r>
+                        <a:rPr lang="en-US" sz="1400" b="1" dirty="0"/>
+                        <a:t>Inspected</a:t>
+                      </a:r>
+                    </a:p>
+                  </a:txBody>
+                  <a:tcPr>
+                    <a:lnT w="12700" cap="flat" cmpd="sng" algn="ctr">
+                      <a:solidFill>
+                        <a:schemeClr val="tx1"/>
+                      </a:solidFill>
+                      <a:prstDash val="solid"/>
+                      <a:round/>
+                      <a:headEnd type="none" w="med" len="med"/>
+                      <a:tailEnd type="none" w="med" len="med"/>
+                    </a:lnT>
+                    <a:lnB w="12700" cap="flat" cmpd="sng" algn="ctr">
+                      <a:solidFill>
+                        <a:schemeClr val="tx1"/>
+                      </a:solidFill>
+                      <a:prstDash val="solid"/>
+                      <a:round/>
+                      <a:headEnd type="none" w="med" len="med"/>
+                      <a:tailEnd type="none" w="med" len="med"/>
+                    </a:lnB>
+                  </a:tcPr>
+                </a:tc>
+                <a:tc>
+                  <a:txBody>
+                    <a:bodyPr/>
+                    <a:lstStyle/>
+                    <a:p>
+                      <a:r>
+                        <a:rPr lang="en-US" sz="1400" dirty="0"/>
+                        <a:t>Indicates Inspectors approval to buy the asset under consideration</a:t>
+                      </a:r>
+                    </a:p>
+                  </a:txBody>
+                  <a:tcPr>
+                    <a:lnT w="12700" cap="flat" cmpd="sng" algn="ctr">
+                      <a:solidFill>
+                        <a:schemeClr val="tx1"/>
+                      </a:solidFill>
+                      <a:prstDash val="solid"/>
+                      <a:round/>
+                      <a:headEnd type="none" w="med" len="med"/>
+                      <a:tailEnd type="none" w="med" len="med"/>
+                    </a:lnT>
+                    <a:lnB w="12700" cap="flat" cmpd="sng" algn="ctr">
+                      <a:solidFill>
+                        <a:schemeClr val="tx1"/>
+                      </a:solidFill>
+                      <a:prstDash val="solid"/>
+                      <a:round/>
+                      <a:headEnd type="none" w="med" len="med"/>
+                      <a:tailEnd type="none" w="med" len="med"/>
+                    </a:lnB>
+                  </a:tcPr>
+                </a:tc>
+                <a:extLst>
+                  <a:ext uri="{0D108BD9-81ED-4DB2-BD59-A6C34878D82A}">
+                    <a16:rowId xmlns:a16="http://schemas.microsoft.com/office/drawing/2014/main" val="2403961085"/>
+                  </a:ext>
+                </a:extLst>
+              </a:tr>
+              <a:tr h="370840">
+                <a:tc>
+                  <a:txBody>
+                    <a:bodyPr/>
+                    <a:lstStyle/>
+                    <a:p>
+                      <a:r>
+                        <a:rPr lang="en-US" sz="1400" b="1" dirty="0"/>
+                        <a:t>Appraised</a:t>
+                      </a:r>
+                    </a:p>
+                  </a:txBody>
+                  <a:tcPr>
+                    <a:lnT w="12700" cap="flat" cmpd="sng" algn="ctr">
+                      <a:solidFill>
+                        <a:schemeClr val="tx1"/>
+                      </a:solidFill>
+                      <a:prstDash val="solid"/>
+                      <a:round/>
+                      <a:headEnd type="none" w="med" len="med"/>
+                      <a:tailEnd type="none" w="med" len="med"/>
+                    </a:lnT>
+                    <a:lnB w="12700" cap="flat" cmpd="sng" algn="ctr">
+                      <a:solidFill>
+                        <a:schemeClr val="tx1"/>
+                      </a:solidFill>
+                      <a:prstDash val="solid"/>
+                      <a:round/>
+                      <a:headEnd type="none" w="med" len="med"/>
+                      <a:tailEnd type="none" w="med" len="med"/>
+                    </a:lnB>
+                  </a:tcPr>
+                </a:tc>
+                <a:tc>
+                  <a:txBody>
+                    <a:bodyPr/>
+                    <a:lstStyle/>
+                    <a:p>
+                      <a:r>
+                        <a:rPr lang="en-US" sz="1400" dirty="0"/>
+                        <a:t>Indicates Appraisal approval</a:t>
+                      </a:r>
+                    </a:p>
+                  </a:txBody>
+                  <a:tcPr>
+                    <a:lnT w="12700" cap="flat" cmpd="sng" algn="ctr">
+                      <a:solidFill>
+                        <a:schemeClr val="tx1"/>
+                      </a:solidFill>
+                      <a:prstDash val="solid"/>
+                      <a:round/>
+                      <a:headEnd type="none" w="med" len="med"/>
+                      <a:tailEnd type="none" w="med" len="med"/>
+                    </a:lnT>
+                    <a:lnB w="12700" cap="flat" cmpd="sng" algn="ctr">
+                      <a:solidFill>
+                        <a:schemeClr val="tx1"/>
+                      </a:solidFill>
+                      <a:prstDash val="solid"/>
+                      <a:round/>
+                      <a:headEnd type="none" w="med" len="med"/>
+                      <a:tailEnd type="none" w="med" len="med"/>
+                    </a:lnB>
+                  </a:tcPr>
+                </a:tc>
+                <a:extLst>
+                  <a:ext uri="{0D108BD9-81ED-4DB2-BD59-A6C34878D82A}">
+                    <a16:rowId xmlns:a16="http://schemas.microsoft.com/office/drawing/2014/main" val="3415009234"/>
+                  </a:ext>
+                </a:extLst>
+              </a:tr>
+              <a:tr h="370840">
+                <a:tc>
+                  <a:txBody>
+                    <a:bodyPr/>
+                    <a:lstStyle/>
+                    <a:p>
+                      <a:r>
+                        <a:rPr lang="en-US" sz="1400" b="1" dirty="0"/>
+                        <a:t>Seller Accepted</a:t>
+                      </a:r>
+                    </a:p>
+                  </a:txBody>
+                  <a:tcPr>
+                    <a:lnT w="12700" cap="flat" cmpd="sng" algn="ctr">
+                      <a:solidFill>
+                        <a:schemeClr val="tx1"/>
+                      </a:solidFill>
+                      <a:prstDash val="solid"/>
+                      <a:round/>
+                      <a:headEnd type="none" w="med" len="med"/>
+                      <a:tailEnd type="none" w="med" len="med"/>
+                    </a:lnT>
+                    <a:lnB w="12700" cap="flat" cmpd="sng" algn="ctr">
+                      <a:solidFill>
+                        <a:schemeClr val="tx1"/>
+                      </a:solidFill>
+                      <a:prstDash val="solid"/>
+                      <a:round/>
+                      <a:headEnd type="none" w="med" len="med"/>
+                      <a:tailEnd type="none" w="med" len="med"/>
+                    </a:lnB>
+                  </a:tcPr>
+                </a:tc>
+                <a:tc>
+                  <a:txBody>
+                    <a:bodyPr/>
+                    <a:lstStyle/>
+                    <a:p>
+                      <a:r>
+                        <a:rPr lang="en-US" sz="1400" dirty="0"/>
+                        <a:t>Indicates Owner’s approval</a:t>
+                      </a:r>
+                    </a:p>
+                  </a:txBody>
+                  <a:tcPr>
+                    <a:lnT w="12700" cap="flat" cmpd="sng" algn="ctr">
+                      <a:solidFill>
+                        <a:schemeClr val="tx1"/>
+                      </a:solidFill>
+                      <a:prstDash val="solid"/>
+                      <a:round/>
+                      <a:headEnd type="none" w="med" len="med"/>
+                      <a:tailEnd type="none" w="med" len="med"/>
+                    </a:lnT>
+                    <a:lnB w="12700" cap="flat" cmpd="sng" algn="ctr">
+                      <a:solidFill>
+                        <a:schemeClr val="tx1"/>
+                      </a:solidFill>
+                      <a:prstDash val="solid"/>
+                      <a:round/>
+                      <a:headEnd type="none" w="med" len="med"/>
+                      <a:tailEnd type="none" w="med" len="med"/>
+                    </a:lnB>
+                  </a:tcPr>
+                </a:tc>
+                <a:extLst>
+                  <a:ext uri="{0D108BD9-81ED-4DB2-BD59-A6C34878D82A}">
+                    <a16:rowId xmlns:a16="http://schemas.microsoft.com/office/drawing/2014/main" val="1308999662"/>
+                  </a:ext>
+                </a:extLst>
+              </a:tr>
+              <a:tr h="370840">
+                <a:tc>
+                  <a:txBody>
+                    <a:bodyPr/>
+                    <a:lstStyle/>
+                    <a:p>
+                      <a:r>
+                        <a:rPr lang="en-US" sz="1400" b="1" dirty="0"/>
+                        <a:t>Buyer Accepted</a:t>
+                      </a:r>
+                    </a:p>
+                  </a:txBody>
+                  <a:tcPr>
+                    <a:lnT w="12700" cap="flat" cmpd="sng" algn="ctr">
+                      <a:solidFill>
+                        <a:schemeClr val="tx1"/>
+                      </a:solidFill>
+                      <a:prstDash val="solid"/>
+                      <a:round/>
+                      <a:headEnd type="none" w="med" len="med"/>
+                      <a:tailEnd type="none" w="med" len="med"/>
+                    </a:lnT>
+                    <a:lnB w="12700" cap="flat" cmpd="sng" algn="ctr">
+                      <a:solidFill>
+                        <a:schemeClr val="tx1"/>
+                      </a:solidFill>
+                      <a:prstDash val="solid"/>
+                      <a:round/>
+                      <a:headEnd type="none" w="med" len="med"/>
+                      <a:tailEnd type="none" w="med" len="med"/>
+                    </a:lnB>
+                  </a:tcPr>
+                </a:tc>
+                <a:tc>
+                  <a:txBody>
+                    <a:bodyPr/>
+                    <a:lstStyle/>
+                    <a:p>
+                      <a:r>
+                        <a:rPr lang="en-US" sz="1400" dirty="0"/>
+                        <a:t>Indicates Buyer’s approval</a:t>
+                      </a:r>
+                    </a:p>
+                  </a:txBody>
+                  <a:tcPr>
+                    <a:lnT w="12700" cap="flat" cmpd="sng" algn="ctr">
+                      <a:solidFill>
+                        <a:schemeClr val="tx1"/>
+                      </a:solidFill>
+                      <a:prstDash val="solid"/>
+                      <a:round/>
+                      <a:headEnd type="none" w="med" len="med"/>
+                      <a:tailEnd type="none" w="med" len="med"/>
+                    </a:lnT>
+                    <a:lnB w="12700" cap="flat" cmpd="sng" algn="ctr">
+                      <a:solidFill>
+                        <a:schemeClr val="tx1"/>
+                      </a:solidFill>
+                      <a:prstDash val="solid"/>
+                      <a:round/>
+                      <a:headEnd type="none" w="med" len="med"/>
+                      <a:tailEnd type="none" w="med" len="med"/>
+                    </a:lnB>
+                  </a:tcPr>
+                </a:tc>
+                <a:extLst>
+                  <a:ext uri="{0D108BD9-81ED-4DB2-BD59-A6C34878D82A}">
+                    <a16:rowId xmlns:a16="http://schemas.microsoft.com/office/drawing/2014/main" val="3170892852"/>
+                  </a:ext>
+                </a:extLst>
+              </a:tr>
+              <a:tr h="370840">
+                <a:tc>
+                  <a:txBody>
+                    <a:bodyPr/>
+                    <a:lstStyle/>
+                    <a:p>
+                      <a:r>
+                        <a:rPr lang="en-US" sz="1400" b="1" dirty="0"/>
+                        <a:t>Accepted</a:t>
+                      </a:r>
+                    </a:p>
+                  </a:txBody>
+                  <a:tcPr>
+                    <a:lnT w="12700" cap="flat" cmpd="sng" algn="ctr">
+                      <a:solidFill>
+                        <a:schemeClr val="tx1"/>
+                      </a:solidFill>
+                      <a:prstDash val="solid"/>
+                      <a:round/>
+                      <a:headEnd type="none" w="med" len="med"/>
+                      <a:tailEnd type="none" w="med" len="med"/>
+                    </a:lnT>
+                  </a:tcPr>
+                </a:tc>
+                <a:tc>
+                  <a:txBody>
+                    <a:bodyPr/>
+                    <a:lstStyle/>
+                    <a:p>
+                      <a:r>
+                        <a:rPr lang="en-US" sz="1400" dirty="0"/>
+                        <a:t>Indicates both buyer and seller have agreed to the transfer.</a:t>
+                      </a:r>
+                    </a:p>
+                  </a:txBody>
+                  <a:tcPr>
+                    <a:lnT w="12700" cap="flat" cmpd="sng" algn="ctr">
+                      <a:solidFill>
+                        <a:schemeClr val="tx1"/>
+                      </a:solidFill>
+                      <a:prstDash val="solid"/>
+                      <a:round/>
+                      <a:headEnd type="none" w="med" len="med"/>
+                      <a:tailEnd type="none" w="med" len="med"/>
+                    </a:lnT>
+                  </a:tcPr>
+                </a:tc>
+                <a:extLst>
+                  <a:ext uri="{0D108BD9-81ED-4DB2-BD59-A6C34878D82A}">
+                    <a16:rowId xmlns:a16="http://schemas.microsoft.com/office/drawing/2014/main" val="1386723900"/>
+                  </a:ext>
+                </a:extLst>
+              </a:tr>
+            </a:tbl>
+          </a:graphicData>
+        </a:graphic>
+      </p:graphicFrame>
+    </p:spTree>
+    <p:extLst>
+      <p:ext uri="{BB962C8B-B14F-4D97-AF65-F5344CB8AC3E}">
+        <p14:creationId xmlns:p14="http://schemas.microsoft.com/office/powerpoint/2010/main" val="2049564605"/>
+      </p:ext>
+    </p:extLst>
+  </p:cSld>
+  <p:clrMapOvr>
+    <a:masterClrMapping/>
+  </p:clrMapOvr>
+</p:sld>
+</file>
+
 <file path=ppt/slides/slide2.xml><?xml version="1.0" encoding="utf-8"?>
 <p:sld xmlns:a="http://schemas.openxmlformats.org/drawingml/2006/main" xmlns:r="http://schemas.openxmlformats.org/officeDocument/2006/relationships" xmlns:p="http://schemas.openxmlformats.org/presentationml/2006/main">
   <p:cSld>
@@ -8427,7 +10687,7 @@
             <a:pPr algn="just"/>
             <a:r>
               <a:rPr lang="en-US" sz="2800" dirty="0"/>
-              <a:t>Code walk through</a:t>
+              <a:t>Code (API’s)</a:t>
             </a:r>
           </a:p>
         </p:txBody>
@@ -9331,8 +11591,8 @@
         </p:nvSpPr>
         <p:spPr>
           <a:xfrm>
-            <a:off x="252983" y="2133335"/>
-            <a:ext cx="6946469" cy="3970476"/>
+            <a:off x="252983" y="1913878"/>
+            <a:ext cx="6946469" cy="4486921"/>
           </a:xfrm>
         </p:spPr>
         <p:txBody>
@@ -9381,12 +11641,24 @@
             <a:pPr algn="just"/>
             <a:r>
               <a:rPr lang="en-US" sz="2000" dirty="0"/>
-              <a:t>Works on an ‘If-Then’ principle</a:t>
-            </a:r>
-          </a:p>
-          <a:p>
-            <a:pPr algn="just"/>
-            <a:endParaRPr lang="en-US" sz="2000" dirty="0"/>
+              <a:t>Works on the principle of the IFTTT logic aka the </a:t>
+            </a:r>
+            <a:r>
+              <a:rPr lang="en-US" sz="2000" dirty="0">
+                <a:hlinkClick r:id="rId2">
+                  <a:extLst>
+                    <a:ext uri="{A12FA001-AC4F-418D-AE19-62706E023703}">
+                      <ahyp:hlinkClr xmlns:ahyp="http://schemas.microsoft.com/office/drawing/2018/hyperlinkcolor" val="tx"/>
+                    </a:ext>
+                  </a:extLst>
+                </a:hlinkClick>
+              </a:rPr>
+              <a:t>IF-THIS-THEN-THAT logic</a:t>
+            </a:r>
+            <a:r>
+              <a:rPr lang="en-US" sz="2000" dirty="0"/>
+              <a:t>. Basically, if the first set of instructions are done then execute the next function and after that the next until you reach the end of the contract.</a:t>
+            </a:r>
           </a:p>
           <a:p>
             <a:pPr algn="just"/>
@@ -9409,7 +11681,7 @@
           <p:nvPr/>
         </p:nvPicPr>
         <p:blipFill>
-          <a:blip r:embed="rId2" cstate="print">
+          <a:blip r:embed="rId3" cstate="print">
             <a:extLst>
               <a:ext uri="{28A0092B-C50C-407E-A947-70E740481C1C}">
                 <a14:useLocalDpi xmlns:a14="http://schemas.microsoft.com/office/drawing/2010/main" val="0"/>
@@ -9473,6 +11745,609 @@
       </p:grpSpPr>
       <p:sp>
         <p:nvSpPr>
+          <p:cNvPr id="7" name="Rectangle 6">
+            <a:extLst>
+              <a:ext uri="{FF2B5EF4-FFF2-40B4-BE49-F238E27FC236}">
+                <a16:creationId xmlns:a16="http://schemas.microsoft.com/office/drawing/2014/main" id="{02A245AD-4595-4AED-9F58-50AFA566F429}"/>
+              </a:ext>
+            </a:extLst>
+          </p:cNvPr>
+          <p:cNvSpPr/>
+          <p:nvPr/>
+        </p:nvSpPr>
+        <p:spPr>
+          <a:xfrm>
+            <a:off x="256032" y="2084832"/>
+            <a:ext cx="5462016" cy="1709927"/>
+          </a:xfrm>
+          <a:prstGeom prst="rect">
+            <a:avLst/>
+          </a:prstGeom>
+        </p:spPr>
+        <p:style>
+          <a:lnRef idx="2">
+            <a:schemeClr val="accent1">
+              <a:shade val="50000"/>
+            </a:schemeClr>
+          </a:lnRef>
+          <a:fillRef idx="1">
+            <a:schemeClr val="accent1"/>
+          </a:fillRef>
+          <a:effectRef idx="0">
+            <a:schemeClr val="accent1"/>
+          </a:effectRef>
+          <a:fontRef idx="minor">
+            <a:schemeClr val="lt1"/>
+          </a:fontRef>
+        </p:style>
+        <p:txBody>
+          <a:bodyPr rtlCol="0" anchor="ctr"/>
+          <a:lstStyle/>
+          <a:p>
+            <a:pPr algn="ctr"/>
+            <a:endParaRPr lang="en-US"/>
+          </a:p>
+        </p:txBody>
+      </p:sp>
+      <p:sp>
+        <p:nvSpPr>
+          <p:cNvPr id="3" name="Title 2">
+            <a:extLst>
+              <a:ext uri="{FF2B5EF4-FFF2-40B4-BE49-F238E27FC236}">
+                <a16:creationId xmlns:a16="http://schemas.microsoft.com/office/drawing/2014/main" id="{F29CA3E4-23AC-4378-B05B-C160D84E479C}"/>
+              </a:ext>
+            </a:extLst>
+          </p:cNvPr>
+          <p:cNvSpPr>
+            <a:spLocks noGrp="1"/>
+          </p:cNvSpPr>
+          <p:nvPr>
+            <p:ph type="title"/>
+          </p:nvPr>
+        </p:nvSpPr>
+        <p:spPr/>
+        <p:txBody>
+          <a:bodyPr>
+            <a:normAutofit fontScale="90000"/>
+          </a:bodyPr>
+          <a:lstStyle/>
+          <a:p>
+            <a:r>
+              <a:rPr lang="en-US" dirty="0"/>
+              <a:t>Smart Contract Platforms </a:t>
+            </a:r>
+            <a:br>
+              <a:rPr lang="en-US" dirty="0"/>
+            </a:br>
+            <a:r>
+              <a:rPr lang="en-US" dirty="0"/>
+              <a:t>OPTIONS</a:t>
+            </a:r>
+          </a:p>
+        </p:txBody>
+      </p:sp>
+      <p:sp>
+        <p:nvSpPr>
+          <p:cNvPr id="5" name="Content Placeholder 2">
+            <a:extLst>
+              <a:ext uri="{FF2B5EF4-FFF2-40B4-BE49-F238E27FC236}">
+                <a16:creationId xmlns:a16="http://schemas.microsoft.com/office/drawing/2014/main" id="{CDE4E3DB-DA17-4EF4-9277-4E5D53532941}"/>
+              </a:ext>
+            </a:extLst>
+          </p:cNvPr>
+          <p:cNvSpPr>
+            <a:spLocks noGrp="1"/>
+          </p:cNvSpPr>
+          <p:nvPr>
+            <p:ph idx="1"/>
+          </p:nvPr>
+        </p:nvSpPr>
+        <p:spPr>
+          <a:xfrm>
+            <a:off x="649223" y="385248"/>
+            <a:ext cx="11731753" cy="926857"/>
+          </a:xfrm>
+        </p:spPr>
+        <p:txBody>
+          <a:bodyPr>
+            <a:noAutofit/>
+          </a:bodyPr>
+          <a:lstStyle/>
+          <a:p>
+            <a:pPr algn="just"/>
+            <a:r>
+              <a:rPr lang="en-US" sz="2000" b="1" dirty="0"/>
+              <a:t>Ethereum</a:t>
+            </a:r>
+            <a:r>
+              <a:rPr lang="en-US" sz="2000" dirty="0"/>
+              <a:t> - </a:t>
+            </a:r>
+            <a:r>
+              <a:rPr lang="en-US" sz="2000" b="1" dirty="0" err="1"/>
+              <a:t>Stratis</a:t>
+            </a:r>
+            <a:r>
+              <a:rPr lang="en-US" sz="2000" dirty="0"/>
+              <a:t> – </a:t>
+            </a:r>
+          </a:p>
+          <a:p>
+            <a:pPr algn="just"/>
+            <a:endParaRPr lang="en-US" sz="2000" dirty="0"/>
+          </a:p>
+          <a:p>
+            <a:pPr algn="just"/>
+            <a:endParaRPr lang="en-US" sz="2000" dirty="0"/>
+          </a:p>
+        </p:txBody>
+      </p:sp>
+      <p:pic>
+        <p:nvPicPr>
+          <p:cNvPr id="1026" name="Picture 2" descr="Image result for quorum blockchain logo">
+            <a:extLst>
+              <a:ext uri="{FF2B5EF4-FFF2-40B4-BE49-F238E27FC236}">
+                <a16:creationId xmlns:a16="http://schemas.microsoft.com/office/drawing/2014/main" id="{3F714D0B-A332-45EF-A850-CF8106F4166C}"/>
+              </a:ext>
+            </a:extLst>
+          </p:cNvPr>
+          <p:cNvPicPr>
+            <a:picLocks noChangeAspect="1" noChangeArrowheads="1"/>
+          </p:cNvPicPr>
+          <p:nvPr/>
+        </p:nvPicPr>
+        <p:blipFill>
+          <a:blip r:embed="rId3">
+            <a:extLst>
+              <a:ext uri="{28A0092B-C50C-407E-A947-70E740481C1C}">
+                <a14:useLocalDpi xmlns:a14="http://schemas.microsoft.com/office/drawing/2010/main" val="0"/>
+              </a:ext>
+            </a:extLst>
+          </a:blip>
+          <a:srcRect/>
+          <a:stretch>
+            <a:fillRect/>
+          </a:stretch>
+        </p:blipFill>
+        <p:spPr bwMode="auto">
+          <a:xfrm>
+            <a:off x="256032" y="2079800"/>
+            <a:ext cx="1709927" cy="1709927"/>
+          </a:xfrm>
+          <a:prstGeom prst="rect">
+            <a:avLst/>
+          </a:prstGeom>
+          <a:noFill/>
+          <a:ln>
+            <a:solidFill>
+              <a:schemeClr val="tx1"/>
+            </a:solidFill>
+          </a:ln>
+          <a:extLst>
+            <a:ext uri="{909E8E84-426E-40DD-AFC4-6F175D3DCCD1}">
+              <a14:hiddenFill xmlns:a14="http://schemas.microsoft.com/office/drawing/2010/main">
+                <a:solidFill>
+                  <a:srgbClr val="FFFFFF"/>
+                </a:solidFill>
+              </a14:hiddenFill>
+            </a:ext>
+          </a:extLst>
+        </p:spPr>
+      </p:pic>
+      <p:sp>
+        <p:nvSpPr>
+          <p:cNvPr id="6" name="Rectangle 5">
+            <a:extLst>
+              <a:ext uri="{FF2B5EF4-FFF2-40B4-BE49-F238E27FC236}">
+                <a16:creationId xmlns:a16="http://schemas.microsoft.com/office/drawing/2014/main" id="{44C74AED-4A82-4507-A915-9FB4BC38E77F}"/>
+              </a:ext>
+            </a:extLst>
+          </p:cNvPr>
+          <p:cNvSpPr/>
+          <p:nvPr/>
+        </p:nvSpPr>
+        <p:spPr>
+          <a:xfrm>
+            <a:off x="2025395" y="2103703"/>
+            <a:ext cx="3633216" cy="1200329"/>
+          </a:xfrm>
+          <a:prstGeom prst="rect">
+            <a:avLst/>
+          </a:prstGeom>
+        </p:spPr>
+        <p:txBody>
+          <a:bodyPr wrap="square">
+            <a:spAutoFit/>
+          </a:bodyPr>
+          <a:lstStyle/>
+          <a:p>
+            <a:pPr algn="just"/>
+            <a:r>
+              <a:rPr lang="en-US" b="1" dirty="0">
+                <a:solidFill>
+                  <a:schemeClr val="bg1"/>
+                </a:solidFill>
+              </a:rPr>
+              <a:t>Quorum</a:t>
+            </a:r>
+            <a:r>
+              <a:rPr lang="en-US" dirty="0">
+                <a:solidFill>
+                  <a:schemeClr val="bg1"/>
+                </a:solidFill>
+              </a:rPr>
+              <a:t> – Fork of Ethereum, enterprise focused version of Ethereum. Backed by JP Morgan chase.  </a:t>
+            </a:r>
+          </a:p>
+        </p:txBody>
+      </p:sp>
+      <p:sp>
+        <p:nvSpPr>
+          <p:cNvPr id="9" name="Rectangle 8">
+            <a:extLst>
+              <a:ext uri="{FF2B5EF4-FFF2-40B4-BE49-F238E27FC236}">
+                <a16:creationId xmlns:a16="http://schemas.microsoft.com/office/drawing/2014/main" id="{CF8E8C4D-0614-435F-82F0-F324B879838A}"/>
+              </a:ext>
+            </a:extLst>
+          </p:cNvPr>
+          <p:cNvSpPr/>
+          <p:nvPr/>
+        </p:nvSpPr>
+        <p:spPr>
+          <a:xfrm>
+            <a:off x="6187440" y="2084832"/>
+            <a:ext cx="5541264" cy="1709927"/>
+          </a:xfrm>
+          <a:prstGeom prst="rect">
+            <a:avLst/>
+          </a:prstGeom>
+        </p:spPr>
+        <p:style>
+          <a:lnRef idx="2">
+            <a:schemeClr val="accent1">
+              <a:shade val="50000"/>
+            </a:schemeClr>
+          </a:lnRef>
+          <a:fillRef idx="1">
+            <a:schemeClr val="accent1"/>
+          </a:fillRef>
+          <a:effectRef idx="0">
+            <a:schemeClr val="accent1"/>
+          </a:effectRef>
+          <a:fontRef idx="minor">
+            <a:schemeClr val="lt1"/>
+          </a:fontRef>
+        </p:style>
+        <p:txBody>
+          <a:bodyPr rtlCol="0" anchor="ctr"/>
+          <a:lstStyle/>
+          <a:p>
+            <a:pPr algn="ctr"/>
+            <a:endParaRPr lang="en-US"/>
+          </a:p>
+        </p:txBody>
+      </p:sp>
+      <p:sp>
+        <p:nvSpPr>
+          <p:cNvPr id="11" name="Rectangle 10">
+            <a:extLst>
+              <a:ext uri="{FF2B5EF4-FFF2-40B4-BE49-F238E27FC236}">
+                <a16:creationId xmlns:a16="http://schemas.microsoft.com/office/drawing/2014/main" id="{5DF9EE21-4924-497C-BE4B-93F7B7E4765F}"/>
+              </a:ext>
+            </a:extLst>
+          </p:cNvPr>
+          <p:cNvSpPr/>
+          <p:nvPr/>
+        </p:nvSpPr>
+        <p:spPr>
+          <a:xfrm>
+            <a:off x="8205173" y="2103703"/>
+            <a:ext cx="3523531" cy="1754326"/>
+          </a:xfrm>
+          <a:prstGeom prst="rect">
+            <a:avLst/>
+          </a:prstGeom>
+        </p:spPr>
+        <p:txBody>
+          <a:bodyPr wrap="square">
+            <a:spAutoFit/>
+          </a:bodyPr>
+          <a:lstStyle/>
+          <a:p>
+            <a:pPr algn="just"/>
+            <a:r>
+              <a:rPr lang="en-US" b="1" dirty="0">
+                <a:solidFill>
+                  <a:schemeClr val="bg1"/>
+                </a:solidFill>
+              </a:rPr>
+              <a:t>Quorum</a:t>
+            </a:r>
+            <a:r>
+              <a:rPr lang="en-US" dirty="0">
+                <a:solidFill>
+                  <a:schemeClr val="bg1"/>
+                </a:solidFill>
+              </a:rPr>
+              <a:t> – More inclined towards C# and .NET ecosystem, you can write smart contracts in C#. In very early stages not that mature.</a:t>
+            </a:r>
+          </a:p>
+          <a:p>
+            <a:pPr algn="just"/>
+            <a:endParaRPr lang="en-US" dirty="0"/>
+          </a:p>
+          <a:p>
+            <a:pPr algn="just"/>
+            <a:endParaRPr lang="en-US" dirty="0">
+              <a:solidFill>
+                <a:schemeClr val="bg1"/>
+              </a:solidFill>
+            </a:endParaRPr>
+          </a:p>
+        </p:txBody>
+      </p:sp>
+      <p:pic>
+        <p:nvPicPr>
+          <p:cNvPr id="1030" name="Picture 6" descr="Image result for Stratis C# blockchain">
+            <a:extLst>
+              <a:ext uri="{FF2B5EF4-FFF2-40B4-BE49-F238E27FC236}">
+                <a16:creationId xmlns:a16="http://schemas.microsoft.com/office/drawing/2014/main" id="{BEA23515-3CDD-464E-B0B9-03F349FF2FF0}"/>
+              </a:ext>
+            </a:extLst>
+          </p:cNvPr>
+          <p:cNvPicPr>
+            <a:picLocks noChangeAspect="1" noChangeArrowheads="1"/>
+          </p:cNvPicPr>
+          <p:nvPr/>
+        </p:nvPicPr>
+        <p:blipFill>
+          <a:blip r:embed="rId4" cstate="print">
+            <a:extLst>
+              <a:ext uri="{28A0092B-C50C-407E-A947-70E740481C1C}">
+                <a14:useLocalDpi xmlns:a14="http://schemas.microsoft.com/office/drawing/2010/main" val="0"/>
+              </a:ext>
+            </a:extLst>
+          </a:blip>
+          <a:srcRect/>
+          <a:stretch>
+            <a:fillRect/>
+          </a:stretch>
+        </p:blipFill>
+        <p:spPr bwMode="auto">
+          <a:xfrm>
+            <a:off x="6187440" y="2121407"/>
+            <a:ext cx="2029968" cy="1668319"/>
+          </a:xfrm>
+          <a:prstGeom prst="rect">
+            <a:avLst/>
+          </a:prstGeom>
+          <a:noFill/>
+          <a:extLst>
+            <a:ext uri="{909E8E84-426E-40DD-AFC4-6F175D3DCCD1}">
+              <a14:hiddenFill xmlns:a14="http://schemas.microsoft.com/office/drawing/2010/main">
+                <a:solidFill>
+                  <a:srgbClr val="FFFFFF"/>
+                </a:solidFill>
+              </a14:hiddenFill>
+            </a:ext>
+          </a:extLst>
+        </p:spPr>
+      </p:pic>
+      <p:sp>
+        <p:nvSpPr>
+          <p:cNvPr id="14" name="Rectangle 13">
+            <a:extLst>
+              <a:ext uri="{FF2B5EF4-FFF2-40B4-BE49-F238E27FC236}">
+                <a16:creationId xmlns:a16="http://schemas.microsoft.com/office/drawing/2014/main" id="{511C7E8B-5F83-4705-A292-CC42EA663DBC}"/>
+              </a:ext>
+            </a:extLst>
+          </p:cNvPr>
+          <p:cNvSpPr/>
+          <p:nvPr/>
+        </p:nvSpPr>
+        <p:spPr>
+          <a:xfrm>
+            <a:off x="256032" y="4273296"/>
+            <a:ext cx="5462016" cy="1709927"/>
+          </a:xfrm>
+          <a:prstGeom prst="rect">
+            <a:avLst/>
+          </a:prstGeom>
+        </p:spPr>
+        <p:style>
+          <a:lnRef idx="2">
+            <a:schemeClr val="accent1">
+              <a:shade val="50000"/>
+            </a:schemeClr>
+          </a:lnRef>
+          <a:fillRef idx="1">
+            <a:schemeClr val="accent1"/>
+          </a:fillRef>
+          <a:effectRef idx="0">
+            <a:schemeClr val="accent1"/>
+          </a:effectRef>
+          <a:fontRef idx="minor">
+            <a:schemeClr val="lt1"/>
+          </a:fontRef>
+        </p:style>
+        <p:txBody>
+          <a:bodyPr rtlCol="0" anchor="ctr"/>
+          <a:lstStyle/>
+          <a:p>
+            <a:pPr algn="ctr"/>
+            <a:endParaRPr lang="en-US"/>
+          </a:p>
+        </p:txBody>
+      </p:sp>
+      <p:sp>
+        <p:nvSpPr>
+          <p:cNvPr id="16" name="Rectangle 15">
+            <a:extLst>
+              <a:ext uri="{FF2B5EF4-FFF2-40B4-BE49-F238E27FC236}">
+                <a16:creationId xmlns:a16="http://schemas.microsoft.com/office/drawing/2014/main" id="{1A478BE3-EACD-47DF-8FD4-A2A742B57E36}"/>
+              </a:ext>
+            </a:extLst>
+          </p:cNvPr>
+          <p:cNvSpPr/>
+          <p:nvPr/>
+        </p:nvSpPr>
+        <p:spPr>
+          <a:xfrm>
+            <a:off x="2121407" y="4292167"/>
+            <a:ext cx="3537203" cy="923330"/>
+          </a:xfrm>
+          <a:prstGeom prst="rect">
+            <a:avLst/>
+          </a:prstGeom>
+        </p:spPr>
+        <p:txBody>
+          <a:bodyPr wrap="square">
+            <a:spAutoFit/>
+          </a:bodyPr>
+          <a:lstStyle/>
+          <a:p>
+            <a:pPr algn="just"/>
+            <a:r>
+              <a:rPr lang="en-US" dirty="0">
+                <a:solidFill>
+                  <a:schemeClr val="bg1"/>
+                </a:solidFill>
+              </a:rPr>
+              <a:t>Supported by the Ethereum Foundation and a large community of developers worldwide.</a:t>
+            </a:r>
+          </a:p>
+        </p:txBody>
+      </p:sp>
+      <p:pic>
+        <p:nvPicPr>
+          <p:cNvPr id="1032" name="Picture 8" descr="Image result for Ethereum blockchain">
+            <a:extLst>
+              <a:ext uri="{FF2B5EF4-FFF2-40B4-BE49-F238E27FC236}">
+                <a16:creationId xmlns:a16="http://schemas.microsoft.com/office/drawing/2014/main" id="{311E1831-B8CE-4C1F-87DF-A19A432771DB}"/>
+              </a:ext>
+            </a:extLst>
+          </p:cNvPr>
+          <p:cNvPicPr>
+            <a:picLocks noChangeAspect="1" noChangeArrowheads="1"/>
+          </p:cNvPicPr>
+          <p:nvPr/>
+        </p:nvPicPr>
+        <p:blipFill>
+          <a:blip r:embed="rId5">
+            <a:extLst>
+              <a:ext uri="{28A0092B-C50C-407E-A947-70E740481C1C}">
+                <a14:useLocalDpi xmlns:a14="http://schemas.microsoft.com/office/drawing/2010/main" val="0"/>
+              </a:ext>
+            </a:extLst>
+          </a:blip>
+          <a:srcRect/>
+          <a:stretch>
+            <a:fillRect/>
+          </a:stretch>
+        </p:blipFill>
+        <p:spPr bwMode="auto">
+          <a:xfrm>
+            <a:off x="256034" y="4279976"/>
+            <a:ext cx="1865374" cy="1709926"/>
+          </a:xfrm>
+          <a:prstGeom prst="rect">
+            <a:avLst/>
+          </a:prstGeom>
+          <a:noFill/>
+          <a:ln>
+            <a:solidFill>
+              <a:schemeClr val="tx1"/>
+            </a:solidFill>
+          </a:ln>
+          <a:extLst>
+            <a:ext uri="{909E8E84-426E-40DD-AFC4-6F175D3DCCD1}">
+              <a14:hiddenFill xmlns:a14="http://schemas.microsoft.com/office/drawing/2010/main">
+                <a:solidFill>
+                  <a:srgbClr val="FFFFFF"/>
+                </a:solidFill>
+              </a14:hiddenFill>
+            </a:ext>
+          </a:extLst>
+        </p:spPr>
+      </p:pic>
+      <p:sp>
+        <p:nvSpPr>
+          <p:cNvPr id="18" name="Rectangle 17">
+            <a:extLst>
+              <a:ext uri="{FF2B5EF4-FFF2-40B4-BE49-F238E27FC236}">
+                <a16:creationId xmlns:a16="http://schemas.microsoft.com/office/drawing/2014/main" id="{28F20620-1AA3-4F25-AE51-367DAEDE8859}"/>
+              </a:ext>
+            </a:extLst>
+          </p:cNvPr>
+          <p:cNvSpPr/>
+          <p:nvPr/>
+        </p:nvSpPr>
+        <p:spPr>
+          <a:xfrm>
+            <a:off x="6187440" y="4273295"/>
+            <a:ext cx="5541264" cy="1709927"/>
+          </a:xfrm>
+          <a:prstGeom prst="rect">
+            <a:avLst/>
+          </a:prstGeom>
+        </p:spPr>
+        <p:style>
+          <a:lnRef idx="2">
+            <a:schemeClr val="accent1">
+              <a:shade val="50000"/>
+            </a:schemeClr>
+          </a:lnRef>
+          <a:fillRef idx="1">
+            <a:schemeClr val="accent1"/>
+          </a:fillRef>
+          <a:effectRef idx="0">
+            <a:schemeClr val="accent1"/>
+          </a:effectRef>
+          <a:fontRef idx="minor">
+            <a:schemeClr val="lt1"/>
+          </a:fontRef>
+        </p:style>
+        <p:txBody>
+          <a:bodyPr rtlCol="0" anchor="ctr"/>
+          <a:lstStyle/>
+          <a:p>
+            <a:pPr algn="ctr"/>
+            <a:endParaRPr lang="en-US" dirty="0"/>
+          </a:p>
+        </p:txBody>
+      </p:sp>
+    </p:spTree>
+    <p:extLst>
+      <p:ext uri="{BB962C8B-B14F-4D97-AF65-F5344CB8AC3E}">
+        <p14:creationId xmlns:p14="http://schemas.microsoft.com/office/powerpoint/2010/main" val="1459417111"/>
+      </p:ext>
+    </p:extLst>
+  </p:cSld>
+  <p:clrMapOvr>
+    <a:masterClrMapping/>
+  </p:clrMapOvr>
+</p:sld>
+</file>
+
+<file path=ppt/slides/slide7.xml><?xml version="1.0" encoding="utf-8"?>
+<p:sld xmlns:a="http://schemas.openxmlformats.org/drawingml/2006/main" xmlns:r="http://schemas.openxmlformats.org/officeDocument/2006/relationships" xmlns:p="http://schemas.openxmlformats.org/presentationml/2006/main">
+  <p:cSld>
+    <p:spTree>
+      <p:nvGrpSpPr>
+        <p:cNvPr id="1" name=""/>
+        <p:cNvGrpSpPr/>
+        <p:nvPr/>
+      </p:nvGrpSpPr>
+      <p:grpSpPr>
+        <a:xfrm>
+          <a:off x="0" y="0"/>
+          <a:ext cx="0" cy="0"/>
+          <a:chOff x="0" y="0"/>
+          <a:chExt cx="0" cy="0"/>
+        </a:xfrm>
+      </p:grpSpPr>
+      <p:sp>
+        <p:nvSpPr>
           <p:cNvPr id="3" name="Title 2">
             <a:extLst>
               <a:ext uri="{FF2B5EF4-FFF2-40B4-BE49-F238E27FC236}">
@@ -9548,7 +12423,7 @@
 </p:sld>
 </file>
 
-<file path=ppt/slides/slide7.xml><?xml version="1.0" encoding="utf-8"?>
+<file path=ppt/slides/slide8.xml><?xml version="1.0" encoding="utf-8"?>
 <p:sld xmlns:a="http://schemas.openxmlformats.org/drawingml/2006/main" xmlns:r="http://schemas.openxmlformats.org/officeDocument/2006/relationships" xmlns:p="http://schemas.openxmlformats.org/presentationml/2006/main">
   <p:cSld>
     <p:spTree>
@@ -9612,7 +12487,7 @@
         <p:spPr>
           <a:xfrm>
             <a:off x="206685" y="2179633"/>
-            <a:ext cx="6182541" cy="3970476"/>
+            <a:ext cx="6401379" cy="4440064"/>
           </a:xfrm>
         </p:spPr>
         <p:txBody>
@@ -9639,7 +12514,7 @@
             <a:pPr algn="just"/>
             <a:r>
               <a:rPr lang="en-US" sz="2000" dirty="0"/>
-              <a:t>Spin off various nodes (RPC, web3, mine)</a:t>
+              <a:t>Spin off various nodes (RPC, web3, mine).</a:t>
             </a:r>
           </a:p>
           <a:p>
@@ -9648,6 +12523,88 @@
               <a:rPr lang="en-US" sz="2000" dirty="0"/>
               <a:t>Network communication across nodes and Static nodes</a:t>
             </a:r>
+          </a:p>
+          <a:p>
+            <a:pPr algn="just"/>
+            <a:r>
+              <a:rPr lang="en-US" sz="2000" dirty="0"/>
+              <a:t>Each node contains full copy of blockchain </a:t>
+            </a:r>
+            <a:r>
+              <a:rPr lang="en-US" sz="2000" dirty="0" err="1"/>
+              <a:t>db</a:t>
+            </a:r>
+            <a:r>
+              <a:rPr lang="en-US" sz="2000" dirty="0"/>
+              <a:t> which stores a record of every transaction.</a:t>
+            </a:r>
+          </a:p>
+          <a:p>
+            <a:pPr algn="just"/>
+            <a:r>
+              <a:rPr lang="en-US" sz="2000" dirty="0"/>
+              <a:t>Different types of networks</a:t>
+            </a:r>
+          </a:p>
+          <a:p>
+            <a:pPr lvl="1" algn="just"/>
+            <a:r>
+              <a:rPr lang="en-US" sz="1600" dirty="0"/>
+              <a:t>Private </a:t>
+            </a:r>
+            <a:r>
+              <a:rPr lang="en-US" sz="1600" dirty="0" err="1"/>
+              <a:t>Newtorks</a:t>
+            </a:r>
+            <a:endParaRPr lang="en-US" sz="1600" dirty="0"/>
+          </a:p>
+          <a:p>
+            <a:pPr lvl="1" algn="just"/>
+            <a:r>
+              <a:rPr lang="en-US" sz="1600" dirty="0"/>
+              <a:t>Public networks</a:t>
+            </a:r>
+          </a:p>
+          <a:p>
+            <a:pPr lvl="2" algn="just"/>
+            <a:r>
+              <a:rPr lang="en-US" sz="1400" dirty="0"/>
+              <a:t>Main Network (Ether Based)</a:t>
+            </a:r>
+          </a:p>
+          <a:p>
+            <a:pPr lvl="2" algn="just"/>
+            <a:r>
+              <a:rPr lang="en-US" sz="1400" dirty="0">
+                <a:hlinkClick r:id="rId2"/>
+              </a:rPr>
+              <a:t>Test Networks</a:t>
+            </a:r>
+            <a:endParaRPr lang="en-US" sz="1400" dirty="0"/>
+          </a:p>
+          <a:p>
+            <a:pPr lvl="3" algn="just"/>
+            <a:r>
+              <a:rPr lang="en-US" sz="1400" dirty="0" err="1"/>
+              <a:t>Ropsten</a:t>
+            </a:r>
+            <a:endParaRPr lang="en-US" sz="1400" dirty="0"/>
+          </a:p>
+          <a:p>
+            <a:pPr lvl="3" algn="just"/>
+            <a:r>
+              <a:rPr lang="en-US" sz="1400" dirty="0" err="1"/>
+              <a:t>Kovan</a:t>
+            </a:r>
+            <a:endParaRPr lang="en-US" sz="1400" dirty="0"/>
+          </a:p>
+          <a:p>
+            <a:pPr lvl="3" algn="just"/>
+            <a:r>
+              <a:rPr lang="en-US" sz="1400" dirty="0" err="1"/>
+              <a:t>Rinkeby</a:t>
+            </a:r>
+            <a:endParaRPr lang="en-US" sz="1400" dirty="0"/>
           </a:p>
           <a:p>
             <a:pPr algn="just"/>
@@ -9670,7 +12627,7 @@
           <p:nvPr/>
         </p:nvPicPr>
         <p:blipFill>
-          <a:blip r:embed="rId2">
+          <a:blip r:embed="rId3">
             <a:extLst>
               <a:ext uri="{28A0092B-C50C-407E-A947-70E740481C1C}">
                 <a14:useLocalDpi xmlns:a14="http://schemas.microsoft.com/office/drawing/2010/main" val="0"/>
@@ -9715,7 +12672,7 @@
 </p:sld>
 </file>
 
-<file path=ppt/slides/slide8.xml><?xml version="1.0" encoding="utf-8"?>
+<file path=ppt/slides/slide9.xml><?xml version="1.0" encoding="utf-8"?>
 <p:sld xmlns:a="http://schemas.openxmlformats.org/drawingml/2006/main" xmlns:r="http://schemas.openxmlformats.org/officeDocument/2006/relationships" xmlns:p="http://schemas.openxmlformats.org/presentationml/2006/main">
   <p:cSld>
     <p:spTree>
@@ -9732,38 +12689,160 @@
           <a:chExt cx="0" cy="0"/>
         </a:xfrm>
       </p:grpSpPr>
-      <p:sp>
-        <p:nvSpPr>
-          <p:cNvPr id="3" name="Title 2">
-            <a:extLst>
-              <a:ext uri="{FF2B5EF4-FFF2-40B4-BE49-F238E27FC236}">
-                <a16:creationId xmlns:a16="http://schemas.microsoft.com/office/drawing/2014/main" id="{896831CA-31CE-4897-92E9-AFE94FBC4BC6}"/>
-              </a:ext>
-            </a:extLst>
-          </p:cNvPr>
-          <p:cNvSpPr>
-            <a:spLocks noGrp="1"/>
+      <p:pic>
+        <p:nvPicPr>
+          <p:cNvPr id="3" name="Picture 2">
+            <a:extLst>
+              <a:ext uri="{FF2B5EF4-FFF2-40B4-BE49-F238E27FC236}">
+                <a16:creationId xmlns:a16="http://schemas.microsoft.com/office/drawing/2014/main" id="{C568290D-8402-4995-BEA4-FE81C2832328}"/>
+              </a:ext>
+            </a:extLst>
+          </p:cNvPr>
+          <p:cNvPicPr>
+            <a:picLocks noChangeAspect="1"/>
+          </p:cNvPicPr>
+          <p:nvPr/>
+        </p:nvPicPr>
+        <p:blipFill>
+          <a:blip r:embed="rId2"/>
+          <a:stretch>
+            <a:fillRect/>
+          </a:stretch>
+        </p:blipFill>
+        <p:spPr>
+          <a:xfrm>
+            <a:off x="5367170" y="0"/>
+            <a:ext cx="6824830" cy="6858000"/>
+          </a:xfrm>
+          <a:prstGeom prst="rect">
+            <a:avLst/>
+          </a:prstGeom>
+        </p:spPr>
+      </p:pic>
+      <p:sp>
+        <p:nvSpPr>
+          <p:cNvPr id="4" name="Title 2">
+            <a:extLst>
+              <a:ext uri="{FF2B5EF4-FFF2-40B4-BE49-F238E27FC236}">
+                <a16:creationId xmlns:a16="http://schemas.microsoft.com/office/drawing/2014/main" id="{94795480-F3ED-4202-878A-AFCAB21B646C}"/>
+              </a:ext>
+            </a:extLst>
+          </p:cNvPr>
+          <p:cNvSpPr txBox="1">
+            <a:spLocks/>
           </p:cNvSpPr>
-          <p:nvPr>
-            <p:ph type="title"/>
-          </p:nvPr>
-        </p:nvSpPr>
-        <p:spPr/>
-        <p:txBody>
-          <a:bodyPr/>
+          <p:nvPr/>
+        </p:nvSpPr>
+        <p:spPr>
+          <a:xfrm>
+            <a:off x="228600" y="296374"/>
+            <a:ext cx="4062984" cy="1325563"/>
+          </a:xfrm>
+          <a:prstGeom prst="rect">
+            <a:avLst/>
+          </a:prstGeom>
+        </p:spPr>
+        <p:txBody>
+          <a:bodyPr>
+            <a:normAutofit fontScale="75000" lnSpcReduction="20000"/>
+          </a:bodyPr>
+          <a:lstStyle>
+            <a:lvl1pPr algn="l" defTabSz="914400" rtl="0" eaLnBrk="1" latinLnBrk="0" hangingPunct="1">
+              <a:lnSpc>
+                <a:spcPct val="90000"/>
+              </a:lnSpc>
+              <a:spcBef>
+                <a:spcPct val="0"/>
+              </a:spcBef>
+              <a:buNone/>
+              <a:defRPr lang="en-US" sz="4800" b="1" kern="1200" cap="all" baseline="0" smtClean="0">
+                <a:solidFill>
+                  <a:schemeClr val="bg1"/>
+                </a:solidFill>
+                <a:latin typeface="+mj-lt"/>
+                <a:ea typeface="+mj-ea"/>
+                <a:cs typeface="+mj-cs"/>
+              </a:defRPr>
+            </a:lvl1pPr>
+          </a:lstStyle>
+          <a:p>
+            <a:r>
+              <a:rPr lang="en-US">
+                <a:solidFill>
+                  <a:schemeClr val="tx1"/>
+                </a:solidFill>
+              </a:rPr>
+              <a:t>Sample </a:t>
+            </a:r>
+            <a:br>
+              <a:rPr lang="en-US">
+                <a:solidFill>
+                  <a:schemeClr val="tx1"/>
+                </a:solidFill>
+              </a:rPr>
+            </a:br>
+            <a:r>
+              <a:rPr lang="en-US">
+                <a:solidFill>
+                  <a:schemeClr val="tx1"/>
+                </a:solidFill>
+              </a:rPr>
+              <a:t>SOLIDITY Contract</a:t>
+            </a:r>
+            <a:endParaRPr lang="en-US" dirty="0">
+              <a:solidFill>
+                <a:schemeClr val="tx1"/>
+              </a:solidFill>
+            </a:endParaRPr>
+          </a:p>
+        </p:txBody>
+      </p:sp>
+      <p:sp>
+        <p:nvSpPr>
+          <p:cNvPr id="5" name="TextBox 4">
+            <a:extLst>
+              <a:ext uri="{FF2B5EF4-FFF2-40B4-BE49-F238E27FC236}">
+                <a16:creationId xmlns:a16="http://schemas.microsoft.com/office/drawing/2014/main" id="{E6C14285-5399-4E30-8EAD-C571968E88A1}"/>
+              </a:ext>
+            </a:extLst>
+          </p:cNvPr>
+          <p:cNvSpPr txBox="1"/>
+          <p:nvPr/>
+        </p:nvSpPr>
+        <p:spPr>
+          <a:xfrm>
+            <a:off x="326136" y="1437271"/>
+            <a:ext cx="4696968" cy="369332"/>
+          </a:xfrm>
+          <a:prstGeom prst="rect">
+            <a:avLst/>
+          </a:prstGeom>
+          <a:noFill/>
+        </p:spPr>
+        <p:txBody>
+          <a:bodyPr wrap="square" rtlCol="0">
+            <a:spAutoFit/>
+          </a:bodyPr>
           <a:lstStyle/>
           <a:p>
             <a:r>
               <a:rPr lang="en-US" dirty="0"/>
-              <a:t>Sample SOLIDITY Contract</a:t>
-            </a:r>
+              <a:t>Online Editor - </a:t>
+            </a:r>
+            <a:r>
+              <a:rPr lang="en-US" dirty="0">
+                <a:hlinkClick r:id="rId3"/>
+              </a:rPr>
+              <a:t>https://remix.ethereum.org</a:t>
+            </a:r>
+            <a:endParaRPr lang="en-US" dirty="0"/>
           </a:p>
         </p:txBody>
       </p:sp>
     </p:spTree>
     <p:extLst>
       <p:ext uri="{BB962C8B-B14F-4D97-AF65-F5344CB8AC3E}">
-        <p14:creationId xmlns:p14="http://schemas.microsoft.com/office/powerpoint/2010/main" val="1267626819"/>
+        <p14:creationId xmlns:p14="http://schemas.microsoft.com/office/powerpoint/2010/main" val="839419340"/>
       </p:ext>
     </p:extLst>
   </p:cSld>

--- a/PPTX/BAAS.pptx
+++ b/PPTX/BAAS.pptx
@@ -6,25 +6,28 @@
     <p:sldMasterId id="2147483692" r:id="rId2"/>
   </p:sldMasterIdLst>
   <p:notesMasterIdLst>
-    <p:notesMasterId r:id="rId16"/>
+    <p:notesMasterId r:id="rId19"/>
   </p:notesMasterIdLst>
   <p:handoutMasterIdLst>
-    <p:handoutMasterId r:id="rId17"/>
+    <p:handoutMasterId r:id="rId20"/>
   </p:handoutMasterIdLst>
   <p:sldIdLst>
     <p:sldId id="330" r:id="rId3"/>
     <p:sldId id="333" r:id="rId4"/>
     <p:sldId id="331" r:id="rId5"/>
-    <p:sldId id="332" r:id="rId6"/>
+    <p:sldId id="343" r:id="rId6"/>
     <p:sldId id="334" r:id="rId7"/>
     <p:sldId id="340" r:id="rId8"/>
-    <p:sldId id="335" r:id="rId9"/>
-    <p:sldId id="336" r:id="rId10"/>
-    <p:sldId id="339" r:id="rId11"/>
-    <p:sldId id="337" r:id="rId12"/>
-    <p:sldId id="338" r:id="rId13"/>
-    <p:sldId id="341" r:id="rId14"/>
-    <p:sldId id="342" r:id="rId15"/>
+    <p:sldId id="332" r:id="rId9"/>
+    <p:sldId id="335" r:id="rId10"/>
+    <p:sldId id="336" r:id="rId11"/>
+    <p:sldId id="339" r:id="rId12"/>
+    <p:sldId id="337" r:id="rId13"/>
+    <p:sldId id="342" r:id="rId14"/>
+    <p:sldId id="338" r:id="rId15"/>
+    <p:sldId id="344" r:id="rId16"/>
+    <p:sldId id="345" r:id="rId17"/>
+    <p:sldId id="341" r:id="rId18"/>
   </p:sldIdLst>
   <p:sldSz cx="12192000" cy="6858000"/>
   <p:notesSz cx="6858000" cy="9144000"/>
@@ -239,7 +242,7 @@
           <a:p>
             <a:fld id="{FA763208-4D5B-44C4-A045-6495A8B44929}" type="datetimeFigureOut">
               <a:rPr lang="en-US" smtClean="0"/>
-              <a:t>10/10/2018</a:t>
+              <a:t>10/12/2018</a:t>
             </a:fld>
             <a:endParaRPr lang="en-US"/>
           </a:p>
@@ -416,7 +419,7 @@
           <a:p>
             <a:fld id="{3389243F-B1BB-4202-BD78-416ACA555174}" type="datetimeFigureOut">
               <a:rPr lang="en-US" smtClean="0"/>
-              <a:t>10/10/2018</a:t>
+              <a:t>10/12/2018</a:t>
             </a:fld>
             <a:endParaRPr lang="en-US"/>
           </a:p>
@@ -994,12 +997,7 @@
             <p:ph type="sldImg"/>
           </p:nvPr>
         </p:nvSpPr>
-        <p:spPr>
-          <a:xfrm>
-            <a:off x="381000" y="685800"/>
-            <a:ext cx="6096000" cy="3429000"/>
-          </a:xfrm>
-        </p:spPr>
+        <p:spPr/>
       </p:sp>
       <p:sp>
         <p:nvSpPr>
@@ -1016,43 +1014,37 @@
           <a:bodyPr/>
           <a:lstStyle/>
           <a:p>
-            <a:pPr marL="0" marR="0" indent="0" algn="l" defTabSz="914400" rtl="0" eaLnBrk="1" fontAlgn="auto" latinLnBrk="0" hangingPunct="1">
-              <a:lnSpc>
-                <a:spcPct val="100000"/>
-              </a:lnSpc>
-              <a:spcBef>
-                <a:spcPts val="0"/>
-              </a:spcBef>
-              <a:spcAft>
-                <a:spcPts val="0"/>
-              </a:spcAft>
-              <a:buClrTx/>
-              <a:buSzTx/>
-              <a:buFontTx/>
-              <a:buNone/>
-              <a:tabLst/>
-              <a:defRPr/>
-            </a:pPr>
-            <a:r>
-              <a:rPr lang="en-US"/>
-              <a:t>© Copyright </a:t>
-            </a:r>
-            <a:r>
-              <a:rPr lang="en-US" b="1"/>
-              <a:t>PresentationGo.com</a:t>
-            </a:r>
-            <a:r>
-              <a:rPr lang="en-US"/>
-              <a:t> – The free PowerPoint template library</a:t>
-            </a:r>
             <a:endParaRPr lang="en-US" dirty="0"/>
+          </a:p>
+        </p:txBody>
+      </p:sp>
+      <p:sp>
+        <p:nvSpPr>
+          <p:cNvPr id="4" name="Slide Number Placeholder 3"/>
+          <p:cNvSpPr>
+            <a:spLocks noGrp="1"/>
+          </p:cNvSpPr>
+          <p:nvPr>
+            <p:ph type="sldNum" sz="quarter" idx="5"/>
+          </p:nvPr>
+        </p:nvSpPr>
+        <p:spPr/>
+        <p:txBody>
+          <a:bodyPr/>
+          <a:lstStyle/>
+          <a:p>
+            <a:fld id="{B68D2766-C49B-4C1A-9FEE-6F146754B02B}" type="slidenum">
+              <a:rPr lang="en-US" smtClean="0"/>
+              <a:t>6</a:t>
+            </a:fld>
+            <a:endParaRPr lang="en-US"/>
           </a:p>
         </p:txBody>
       </p:sp>
     </p:spTree>
     <p:extLst>
       <p:ext uri="{BB962C8B-B14F-4D97-AF65-F5344CB8AC3E}">
-        <p14:creationId xmlns:p14="http://schemas.microsoft.com/office/powerpoint/2010/main" val="3851001205"/>
+        <p14:creationId xmlns:p14="http://schemas.microsoft.com/office/powerpoint/2010/main" val="2176295839"/>
       </p:ext>
     </p:extLst>
   </p:cSld>
@@ -1089,7 +1081,12 @@
             <p:ph type="sldImg"/>
           </p:nvPr>
         </p:nvSpPr>
-        <p:spPr/>
+        <p:spPr>
+          <a:xfrm>
+            <a:off x="381000" y="685800"/>
+            <a:ext cx="6096000" cy="3429000"/>
+          </a:xfrm>
+        </p:spPr>
       </p:sp>
       <p:sp>
         <p:nvSpPr>
@@ -1106,37 +1103,43 @@
           <a:bodyPr/>
           <a:lstStyle/>
           <a:p>
+            <a:pPr marL="0" marR="0" indent="0" algn="l" defTabSz="914400" rtl="0" eaLnBrk="1" fontAlgn="auto" latinLnBrk="0" hangingPunct="1">
+              <a:lnSpc>
+                <a:spcPct val="100000"/>
+              </a:lnSpc>
+              <a:spcBef>
+                <a:spcPts val="0"/>
+              </a:spcBef>
+              <a:spcAft>
+                <a:spcPts val="0"/>
+              </a:spcAft>
+              <a:buClrTx/>
+              <a:buSzTx/>
+              <a:buFontTx/>
+              <a:buNone/>
+              <a:tabLst/>
+              <a:defRPr/>
+            </a:pPr>
+            <a:r>
+              <a:rPr lang="en-US"/>
+              <a:t>© Copyright </a:t>
+            </a:r>
+            <a:r>
+              <a:rPr lang="en-US" b="1"/>
+              <a:t>PresentationGo.com</a:t>
+            </a:r>
+            <a:r>
+              <a:rPr lang="en-US"/>
+              <a:t> – The free PowerPoint template library</a:t>
+            </a:r>
             <a:endParaRPr lang="en-US" dirty="0"/>
-          </a:p>
-        </p:txBody>
-      </p:sp>
-      <p:sp>
-        <p:nvSpPr>
-          <p:cNvPr id="4" name="Slide Number Placeholder 3"/>
-          <p:cNvSpPr>
-            <a:spLocks noGrp="1"/>
-          </p:cNvSpPr>
-          <p:nvPr>
-            <p:ph type="sldNum" sz="quarter" idx="5"/>
-          </p:nvPr>
-        </p:nvSpPr>
-        <p:spPr/>
-        <p:txBody>
-          <a:bodyPr/>
-          <a:lstStyle/>
-          <a:p>
-            <a:fld id="{B68D2766-C49B-4C1A-9FEE-6F146754B02B}" type="slidenum">
-              <a:rPr lang="en-US" smtClean="0"/>
-              <a:t>6</a:t>
-            </a:fld>
-            <a:endParaRPr lang="en-US"/>
           </a:p>
         </p:txBody>
       </p:sp>
     </p:spTree>
     <p:extLst>
       <p:ext uri="{BB962C8B-B14F-4D97-AF65-F5344CB8AC3E}">
-        <p14:creationId xmlns:p14="http://schemas.microsoft.com/office/powerpoint/2010/main" val="2176295839"/>
+        <p14:creationId xmlns:p14="http://schemas.microsoft.com/office/powerpoint/2010/main" val="3851001205"/>
       </p:ext>
     </p:extLst>
   </p:cSld>
@@ -2171,7 +2174,7 @@
             <a:fld id="{18D9E8F6-4D81-4B3A-BC45-BBA4A1C9BD0F}" type="datetimeFigureOut">
               <a:rPr lang="en-US" smtClean="0"/>
               <a:pPr/>
-              <a:t>10/10/2018</a:t>
+              <a:t>10/12/2018</a:t>
             </a:fld>
             <a:endParaRPr lang="en-US"/>
           </a:p>
@@ -2499,7 +2502,7 @@
           <a:p>
             <a:fld id="{18D9E8F6-4D81-4B3A-BC45-BBA4A1C9BD0F}" type="datetimeFigureOut">
               <a:rPr lang="en-US" smtClean="0"/>
-              <a:t>10/10/2018</a:t>
+              <a:t>10/12/2018</a:t>
             </a:fld>
             <a:endParaRPr lang="en-US"/>
           </a:p>
@@ -2790,7 +2793,7 @@
           <a:p>
             <a:fld id="{18D9E8F6-4D81-4B3A-BC45-BBA4A1C9BD0F}" type="datetimeFigureOut">
               <a:rPr lang="en-US" smtClean="0"/>
-              <a:t>10/10/2018</a:t>
+              <a:t>10/12/2018</a:t>
             </a:fld>
             <a:endParaRPr lang="en-US"/>
           </a:p>
@@ -2988,7 +2991,7 @@
           <a:p>
             <a:fld id="{18D9E8F6-4D81-4B3A-BC45-BBA4A1C9BD0F}" type="datetimeFigureOut">
               <a:rPr lang="en-US" smtClean="0"/>
-              <a:t>10/10/2018</a:t>
+              <a:t>10/12/2018</a:t>
             </a:fld>
             <a:endParaRPr lang="en-US"/>
           </a:p>
@@ -3196,7 +3199,7 @@
           <a:p>
             <a:fld id="{18D9E8F6-4D81-4B3A-BC45-BBA4A1C9BD0F}" type="datetimeFigureOut">
               <a:rPr lang="en-US" smtClean="0"/>
-              <a:t>10/10/2018</a:t>
+              <a:t>10/12/2018</a:t>
             </a:fld>
             <a:endParaRPr lang="en-US"/>
           </a:p>
@@ -3938,7 +3941,7 @@
             <a:fld id="{18D9E8F6-4D81-4B3A-BC45-BBA4A1C9BD0F}" type="datetimeFigureOut">
               <a:rPr lang="en-US" smtClean="0"/>
               <a:pPr/>
-              <a:t>10/10/2018</a:t>
+              <a:t>10/12/2018</a:t>
             </a:fld>
             <a:endParaRPr lang="en-US"/>
           </a:p>
@@ -4562,7 +4565,7 @@
             <a:fld id="{18D9E8F6-4D81-4B3A-BC45-BBA4A1C9BD0F}" type="datetimeFigureOut">
               <a:rPr lang="en-US" smtClean="0"/>
               <a:pPr/>
-              <a:t>10/10/2018</a:t>
+              <a:t>10/12/2018</a:t>
             </a:fld>
             <a:endParaRPr lang="en-US"/>
           </a:p>
@@ -5191,7 +5194,7 @@
             <a:fld id="{18D9E8F6-4D81-4B3A-BC45-BBA4A1C9BD0F}" type="datetimeFigureOut">
               <a:rPr lang="en-US" smtClean="0"/>
               <a:pPr/>
-              <a:t>10/10/2018</a:t>
+              <a:t>10/12/2018</a:t>
             </a:fld>
             <a:endParaRPr lang="en-US"/>
           </a:p>
@@ -5896,7 +5899,7 @@
           <a:p>
             <a:fld id="{18D9E8F6-4D81-4B3A-BC45-BBA4A1C9BD0F}" type="datetimeFigureOut">
               <a:rPr lang="en-US" smtClean="0"/>
-              <a:t>10/10/2018</a:t>
+              <a:t>10/12/2018</a:t>
             </a:fld>
             <a:endParaRPr lang="en-US"/>
           </a:p>
@@ -6161,7 +6164,7 @@
           <a:p>
             <a:fld id="{18D9E8F6-4D81-4B3A-BC45-BBA4A1C9BD0F}" type="datetimeFigureOut">
               <a:rPr lang="en-US" smtClean="0"/>
-              <a:t>10/10/2018</a:t>
+              <a:t>10/12/2018</a:t>
             </a:fld>
             <a:endParaRPr lang="en-US"/>
           </a:p>
@@ -6573,7 +6576,7 @@
           <a:p>
             <a:fld id="{18D9E8F6-4D81-4B3A-BC45-BBA4A1C9BD0F}" type="datetimeFigureOut">
               <a:rPr lang="en-US" smtClean="0"/>
-              <a:t>10/10/2018</a:t>
+              <a:t>10/12/2018</a:t>
             </a:fld>
             <a:endParaRPr lang="en-US"/>
           </a:p>
@@ -6714,7 +6717,7 @@
           <a:p>
             <a:fld id="{18D9E8F6-4D81-4B3A-BC45-BBA4A1C9BD0F}" type="datetimeFigureOut">
               <a:rPr lang="en-US" smtClean="0"/>
-              <a:t>10/10/2018</a:t>
+              <a:t>10/12/2018</a:t>
             </a:fld>
             <a:endParaRPr lang="en-US"/>
           </a:p>
@@ -6827,7 +6830,7 @@
           <a:p>
             <a:fld id="{18D9E8F6-4D81-4B3A-BC45-BBA4A1C9BD0F}" type="datetimeFigureOut">
               <a:rPr lang="en-US" smtClean="0"/>
-              <a:t>10/10/2018</a:t>
+              <a:t>10/12/2018</a:t>
             </a:fld>
             <a:endParaRPr lang="en-US"/>
           </a:p>
@@ -7068,7 +7071,7 @@
             <a:fld id="{18D9E8F6-4D81-4B3A-BC45-BBA4A1C9BD0F}" type="datetimeFigureOut">
               <a:rPr lang="en-US" smtClean="0"/>
               <a:pPr/>
-              <a:t>10/10/2018</a:t>
+              <a:t>10/12/2018</a:t>
             </a:fld>
             <a:endParaRPr lang="en-US"/>
           </a:p>
@@ -8419,6 +8422,41 @@
           </a:p>
         </p:txBody>
       </p:sp>
+      <p:sp>
+        <p:nvSpPr>
+          <p:cNvPr id="2" name="TextBox 1">
+            <a:extLst>
+              <a:ext uri="{FF2B5EF4-FFF2-40B4-BE49-F238E27FC236}">
+                <a16:creationId xmlns:a16="http://schemas.microsoft.com/office/drawing/2014/main" id="{17082F54-9B5E-4746-98B4-FFBFECC818B3}"/>
+              </a:ext>
+            </a:extLst>
+          </p:cNvPr>
+          <p:cNvSpPr txBox="1"/>
+          <p:nvPr/>
+        </p:nvSpPr>
+        <p:spPr>
+          <a:xfrm>
+            <a:off x="365760" y="5830254"/>
+            <a:ext cx="4157472" cy="523220"/>
+          </a:xfrm>
+          <a:prstGeom prst="rect">
+            <a:avLst/>
+          </a:prstGeom>
+          <a:noFill/>
+        </p:spPr>
+        <p:txBody>
+          <a:bodyPr wrap="square" rtlCol="0">
+            <a:spAutoFit/>
+          </a:bodyPr>
+          <a:lstStyle/>
+          <a:p>
+            <a:r>
+              <a:rPr lang="en-US" sz="2800" dirty="0"/>
+              <a:t>Amol Gote</a:t>
+            </a:r>
+          </a:p>
+        </p:txBody>
+      </p:sp>
     </p:spTree>
     <p:extLst>
       <p:ext uri="{BB962C8B-B14F-4D97-AF65-F5344CB8AC3E}">
@@ -8449,48 +8487,160 @@
           <a:chExt cx="0" cy="0"/>
         </a:xfrm>
       </p:grpSpPr>
-      <p:sp>
-        <p:nvSpPr>
-          <p:cNvPr id="5" name="Title 4">
-            <a:extLst>
-              <a:ext uri="{FF2B5EF4-FFF2-40B4-BE49-F238E27FC236}">
-                <a16:creationId xmlns:a16="http://schemas.microsoft.com/office/drawing/2014/main" id="{31B69405-59DB-4912-AE27-80180F44305C}"/>
-              </a:ext>
-            </a:extLst>
-          </p:cNvPr>
-          <p:cNvSpPr>
-            <a:spLocks noGrp="1"/>
-          </p:cNvSpPr>
-          <p:nvPr>
-            <p:ph type="title"/>
-          </p:nvPr>
-        </p:nvSpPr>
+      <p:pic>
+        <p:nvPicPr>
+          <p:cNvPr id="3" name="Picture 2">
+            <a:extLst>
+              <a:ext uri="{FF2B5EF4-FFF2-40B4-BE49-F238E27FC236}">
+                <a16:creationId xmlns:a16="http://schemas.microsoft.com/office/drawing/2014/main" id="{C568290D-8402-4995-BEA4-FE81C2832328}"/>
+              </a:ext>
+            </a:extLst>
+          </p:cNvPr>
+          <p:cNvPicPr>
+            <a:picLocks noChangeAspect="1"/>
+          </p:cNvPicPr>
+          <p:nvPr/>
+        </p:nvPicPr>
+        <p:blipFill>
+          <a:blip r:embed="rId2"/>
+          <a:stretch>
+            <a:fillRect/>
+          </a:stretch>
+        </p:blipFill>
         <p:spPr>
           <a:xfrm>
-            <a:off x="569976" y="2856694"/>
-            <a:ext cx="11353800" cy="1325563"/>
+            <a:off x="5367170" y="0"/>
+            <a:ext cx="6824830" cy="6858000"/>
           </a:xfrm>
+          <a:prstGeom prst="rect">
+            <a:avLst/>
+          </a:prstGeom>
         </p:spPr>
-        <p:txBody>
-          <a:bodyPr/>
-          <a:lstStyle/>
-          <a:p>
-            <a:pPr algn="ctr"/>
-            <a:r>
-              <a:rPr lang="en-US" dirty="0">
+      </p:pic>
+      <p:sp>
+        <p:nvSpPr>
+          <p:cNvPr id="4" name="Title 2">
+            <a:extLst>
+              <a:ext uri="{FF2B5EF4-FFF2-40B4-BE49-F238E27FC236}">
+                <a16:creationId xmlns:a16="http://schemas.microsoft.com/office/drawing/2014/main" id="{94795480-F3ED-4202-878A-AFCAB21B646C}"/>
+              </a:ext>
+            </a:extLst>
+          </p:cNvPr>
+          <p:cNvSpPr txBox="1">
+            <a:spLocks/>
+          </p:cNvSpPr>
+          <p:nvPr/>
+        </p:nvSpPr>
+        <p:spPr>
+          <a:xfrm>
+            <a:off x="228600" y="296374"/>
+            <a:ext cx="4062984" cy="1325563"/>
+          </a:xfrm>
+          <a:prstGeom prst="rect">
+            <a:avLst/>
+          </a:prstGeom>
+        </p:spPr>
+        <p:txBody>
+          <a:bodyPr>
+            <a:normAutofit fontScale="75000" lnSpcReduction="20000"/>
+          </a:bodyPr>
+          <a:lstStyle>
+            <a:lvl1pPr algn="l" defTabSz="914400" rtl="0" eaLnBrk="1" latinLnBrk="0" hangingPunct="1">
+              <a:lnSpc>
+                <a:spcPct val="90000"/>
+              </a:lnSpc>
+              <a:spcBef>
+                <a:spcPct val="0"/>
+              </a:spcBef>
+              <a:buNone/>
+              <a:defRPr lang="en-US" sz="4800" b="1" kern="1200" cap="all" baseline="0" smtClean="0">
+                <a:solidFill>
+                  <a:schemeClr val="bg1"/>
+                </a:solidFill>
+                <a:latin typeface="+mj-lt"/>
+                <a:ea typeface="+mj-ea"/>
+                <a:cs typeface="+mj-cs"/>
+              </a:defRPr>
+            </a:lvl1pPr>
+          </a:lstStyle>
+          <a:p>
+            <a:r>
+              <a:rPr lang="en-US">
                 <a:solidFill>
                   <a:schemeClr val="tx1"/>
                 </a:solidFill>
               </a:rPr>
-              <a:t>Demo</a:t>
-            </a:r>
+              <a:t>Sample </a:t>
+            </a:r>
+            <a:br>
+              <a:rPr lang="en-US">
+                <a:solidFill>
+                  <a:schemeClr val="tx1"/>
+                </a:solidFill>
+              </a:rPr>
+            </a:br>
+            <a:r>
+              <a:rPr lang="en-US">
+                <a:solidFill>
+                  <a:schemeClr val="tx1"/>
+                </a:solidFill>
+              </a:rPr>
+              <a:t>SOLIDITY Contract</a:t>
+            </a:r>
+            <a:endParaRPr lang="en-US" dirty="0">
+              <a:solidFill>
+                <a:schemeClr val="tx1"/>
+              </a:solidFill>
+            </a:endParaRPr>
+          </a:p>
+        </p:txBody>
+      </p:sp>
+      <p:sp>
+        <p:nvSpPr>
+          <p:cNvPr id="5" name="TextBox 4">
+            <a:extLst>
+              <a:ext uri="{FF2B5EF4-FFF2-40B4-BE49-F238E27FC236}">
+                <a16:creationId xmlns:a16="http://schemas.microsoft.com/office/drawing/2014/main" id="{E6C14285-5399-4E30-8EAD-C571968E88A1}"/>
+              </a:ext>
+            </a:extLst>
+          </p:cNvPr>
+          <p:cNvSpPr txBox="1"/>
+          <p:nvPr/>
+        </p:nvSpPr>
+        <p:spPr>
+          <a:xfrm>
+            <a:off x="326136" y="1437271"/>
+            <a:ext cx="4696968" cy="369332"/>
+          </a:xfrm>
+          <a:prstGeom prst="rect">
+            <a:avLst/>
+          </a:prstGeom>
+          <a:noFill/>
+        </p:spPr>
+        <p:txBody>
+          <a:bodyPr wrap="square" rtlCol="0">
+            <a:spAutoFit/>
+          </a:bodyPr>
+          <a:lstStyle/>
+          <a:p>
+            <a:r>
+              <a:rPr lang="en-US" dirty="0"/>
+              <a:t>Online Editor - </a:t>
+            </a:r>
+            <a:r>
+              <a:rPr lang="en-US" dirty="0">
+                <a:hlinkClick r:id="rId3"/>
+              </a:rPr>
+              <a:t>https://remix.ethereum.org</a:t>
+            </a:r>
+            <a:endParaRPr lang="en-US" dirty="0"/>
           </a:p>
         </p:txBody>
       </p:sp>
     </p:spTree>
     <p:extLst>
       <p:ext uri="{BB962C8B-B14F-4D97-AF65-F5344CB8AC3E}">
-        <p14:creationId xmlns:p14="http://schemas.microsoft.com/office/powerpoint/2010/main" val="1267626819"/>
+        <p14:creationId xmlns:p14="http://schemas.microsoft.com/office/powerpoint/2010/main" val="839419340"/>
       </p:ext>
     </p:extLst>
   </p:cSld>
@@ -8519,10 +8669,10 @@
       </p:grpSpPr>
       <p:sp>
         <p:nvSpPr>
-          <p:cNvPr id="5" name="Title 2">
-            <a:extLst>
-              <a:ext uri="{FF2B5EF4-FFF2-40B4-BE49-F238E27FC236}">
-                <a16:creationId xmlns:a16="http://schemas.microsoft.com/office/drawing/2014/main" id="{BED4082D-C8ED-4F5D-B8A4-06F015E90E77}"/>
+          <p:cNvPr id="5" name="Title 4">
+            <a:extLst>
+              <a:ext uri="{FF2B5EF4-FFF2-40B4-BE49-F238E27FC236}">
+                <a16:creationId xmlns:a16="http://schemas.microsoft.com/office/drawing/2014/main" id="{31B69405-59DB-4912-AE27-80180F44305C}"/>
               </a:ext>
             </a:extLst>
           </p:cNvPr>
@@ -8535,7 +8685,7 @@
         </p:nvSpPr>
         <p:spPr>
           <a:xfrm>
-            <a:off x="838200" y="15958"/>
+            <a:off x="569976" y="2856694"/>
             <a:ext cx="11353800" cy="1325563"/>
           </a:xfrm>
         </p:spPr>
@@ -8543,524 +8693,22 @@
           <a:bodyPr/>
           <a:lstStyle/>
           <a:p>
-            <a:r>
-              <a:rPr lang="en-US" dirty="0"/>
-              <a:t>Concept of Gas</a:t>
-            </a:r>
-          </a:p>
-        </p:txBody>
-      </p:sp>
-      <p:sp>
-        <p:nvSpPr>
-          <p:cNvPr id="6" name="Rectangle 5">
-            <a:extLst>
-              <a:ext uri="{FF2B5EF4-FFF2-40B4-BE49-F238E27FC236}">
-                <a16:creationId xmlns:a16="http://schemas.microsoft.com/office/drawing/2014/main" id="{ABCADFAC-F669-40A5-90B0-F8C36683E977}"/>
-              </a:ext>
-            </a:extLst>
-          </p:cNvPr>
-          <p:cNvSpPr/>
-          <p:nvPr/>
-        </p:nvSpPr>
-        <p:spPr>
-          <a:xfrm>
-            <a:off x="196471" y="1731264"/>
-            <a:ext cx="11716637" cy="369332"/>
-          </a:xfrm>
-          <a:prstGeom prst="rect">
-            <a:avLst/>
-          </a:prstGeom>
-        </p:spPr>
-        <p:txBody>
-          <a:bodyPr wrap="square">
-            <a:spAutoFit/>
-          </a:bodyPr>
-          <a:lstStyle/>
-          <a:p>
+            <a:pPr algn="ctr"/>
             <a:r>
               <a:rPr lang="en-US" dirty="0">
                 <a:solidFill>
-                  <a:srgbClr val="13212F"/>
+                  <a:schemeClr val="tx1"/>
                 </a:solidFill>
-                <a:latin typeface="SegoeUI"/>
               </a:rPr>
-              <a:t>Gas is a unit that measures the amount of computational effort that it will take to execute certain operations.</a:t>
-            </a:r>
-            <a:endParaRPr lang="en-US" dirty="0"/>
-          </a:p>
-        </p:txBody>
-      </p:sp>
-      <p:graphicFrame>
-        <p:nvGraphicFramePr>
-          <p:cNvPr id="7" name="Table 6">
-            <a:extLst>
-              <a:ext uri="{FF2B5EF4-FFF2-40B4-BE49-F238E27FC236}">
-                <a16:creationId xmlns:a16="http://schemas.microsoft.com/office/drawing/2014/main" id="{546D42AB-5B96-4498-B1FB-C2930CE7E686}"/>
-              </a:ext>
-            </a:extLst>
-          </p:cNvPr>
-          <p:cNvGraphicFramePr>
-            <a:graphicFrameLocks noGrp="1"/>
-          </p:cNvGraphicFramePr>
-          <p:nvPr>
-            <p:extLst>
-              <p:ext uri="{D42A27DB-BD31-4B8C-83A1-F6EECF244321}">
-                <p14:modId xmlns:p14="http://schemas.microsoft.com/office/powerpoint/2010/main" val="1546329871"/>
-              </p:ext>
-            </p:extLst>
-          </p:nvPr>
-        </p:nvGraphicFramePr>
-        <p:xfrm>
-          <a:off x="196471" y="2183631"/>
-          <a:ext cx="4793613" cy="3631954"/>
-        </p:xfrm>
-        <a:graphic>
-          <a:graphicData uri="http://schemas.openxmlformats.org/drawingml/2006/table">
-            <a:tbl>
-              <a:tblPr firstRow="1" bandRow="1">
-                <a:tableStyleId>{F5AB1C69-6EDB-4FF4-983F-18BD219EF322}</a:tableStyleId>
-              </a:tblPr>
-              <a:tblGrid>
-                <a:gridCol w="1792811">
-                  <a:extLst>
-                    <a:ext uri="{9D8B030D-6E8A-4147-A177-3AD203B41FA5}">
-                      <a16:colId xmlns:a16="http://schemas.microsoft.com/office/drawing/2014/main" val="3130320795"/>
-                    </a:ext>
-                  </a:extLst>
-                </a:gridCol>
-                <a:gridCol w="3000802">
-                  <a:extLst>
-                    <a:ext uri="{9D8B030D-6E8A-4147-A177-3AD203B41FA5}">
-                      <a16:colId xmlns:a16="http://schemas.microsoft.com/office/drawing/2014/main" val="368348431"/>
-                    </a:ext>
-                  </a:extLst>
-                </a:gridCol>
-              </a:tblGrid>
-              <a:tr h="649115">
-                <a:tc gridSpan="2">
-                  <a:txBody>
-                    <a:bodyPr/>
-                    <a:lstStyle/>
-                    <a:p>
-                      <a:r>
-                        <a:rPr lang="en-US" dirty="0"/>
-                        <a:t>Driving Car Analogy</a:t>
-                      </a:r>
-                    </a:p>
-                  </a:txBody>
-                  <a:tcPr/>
-                </a:tc>
-                <a:tc hMerge="1">
-                  <a:txBody>
-                    <a:bodyPr/>
-                    <a:lstStyle/>
-                    <a:p>
-                      <a:endParaRPr lang="en-US" dirty="0"/>
-                    </a:p>
-                  </a:txBody>
-                  <a:tcPr/>
-                </a:tc>
-                <a:extLst>
-                  <a:ext uri="{0D108BD9-81ED-4DB2-BD59-A6C34878D82A}">
-                    <a16:rowId xmlns:a16="http://schemas.microsoft.com/office/drawing/2014/main" val="3282461780"/>
-                  </a:ext>
-                </a:extLst>
-              </a:tr>
-              <a:tr h="1205499">
-                <a:tc>
-                  <a:txBody>
-                    <a:bodyPr/>
-                    <a:lstStyle/>
-                    <a:p>
-                      <a:r>
-                        <a:rPr lang="en-US" sz="1800" b="0" i="0" kern="1200" dirty="0">
-                          <a:solidFill>
-                            <a:schemeClr val="dk1"/>
-                          </a:solidFill>
-                          <a:effectLst/>
-                          <a:latin typeface="+mn-lt"/>
-                          <a:ea typeface="+mn-ea"/>
-                          <a:cs typeface="+mn-cs"/>
-                        </a:rPr>
-                        <a:t>Driving the car is the operation that you want to execute.</a:t>
-                      </a:r>
-                      <a:endParaRPr lang="en-US" dirty="0"/>
-                    </a:p>
-                  </a:txBody>
-                  <a:tcPr/>
-                </a:tc>
-                <a:tc>
-                  <a:txBody>
-                    <a:bodyPr/>
-                    <a:lstStyle/>
-                    <a:p>
-                      <a:r>
-                        <a:rPr lang="en-US" sz="1800" b="0" i="0" kern="1200" dirty="0">
-                          <a:solidFill>
-                            <a:schemeClr val="dk1"/>
-                          </a:solidFill>
-                          <a:effectLst/>
-                          <a:latin typeface="+mn-lt"/>
-                          <a:ea typeface="+mn-ea"/>
-                          <a:cs typeface="+mn-cs"/>
-                        </a:rPr>
-                        <a:t>Equivalent to executing a function of a smart contract.</a:t>
-                      </a:r>
-                      <a:endParaRPr lang="en-US" dirty="0"/>
-                    </a:p>
-                  </a:txBody>
-                  <a:tcPr/>
-                </a:tc>
-                <a:extLst>
-                  <a:ext uri="{0D108BD9-81ED-4DB2-BD59-A6C34878D82A}">
-                    <a16:rowId xmlns:a16="http://schemas.microsoft.com/office/drawing/2014/main" val="2237441357"/>
-                  </a:ext>
-                </a:extLst>
-              </a:tr>
-              <a:tr h="376075">
-                <a:tc>
-                  <a:txBody>
-                    <a:bodyPr/>
-                    <a:lstStyle/>
-                    <a:p>
-                      <a:r>
-                        <a:rPr lang="en-US" dirty="0"/>
-                        <a:t>GAS</a:t>
-                      </a:r>
-                    </a:p>
-                  </a:txBody>
-                  <a:tcPr/>
-                </a:tc>
-                <a:tc>
-                  <a:txBody>
-                    <a:bodyPr/>
-                    <a:lstStyle/>
-                    <a:p>
-                      <a:r>
-                        <a:rPr lang="en-US" dirty="0"/>
-                        <a:t>GAS</a:t>
-                      </a:r>
-                    </a:p>
-                  </a:txBody>
-                  <a:tcPr/>
-                </a:tc>
-                <a:extLst>
-                  <a:ext uri="{0D108BD9-81ED-4DB2-BD59-A6C34878D82A}">
-                    <a16:rowId xmlns:a16="http://schemas.microsoft.com/office/drawing/2014/main" val="3461452452"/>
-                  </a:ext>
-                </a:extLst>
-              </a:tr>
-              <a:tr h="376075">
-                <a:tc>
-                  <a:txBody>
-                    <a:bodyPr/>
-                    <a:lstStyle/>
-                    <a:p>
-                      <a:r>
-                        <a:rPr lang="en-US" dirty="0"/>
-                        <a:t>GAS Station</a:t>
-                      </a:r>
-                    </a:p>
-                  </a:txBody>
-                  <a:tcPr/>
-                </a:tc>
-                <a:tc>
-                  <a:txBody>
-                    <a:bodyPr/>
-                    <a:lstStyle/>
-                    <a:p>
-                      <a:r>
-                        <a:rPr lang="en-US" dirty="0"/>
-                        <a:t>Miner</a:t>
-                      </a:r>
-                    </a:p>
-                  </a:txBody>
-                  <a:tcPr/>
-                </a:tc>
-                <a:extLst>
-                  <a:ext uri="{0D108BD9-81ED-4DB2-BD59-A6C34878D82A}">
-                    <a16:rowId xmlns:a16="http://schemas.microsoft.com/office/drawing/2014/main" val="2208677291"/>
-                  </a:ext>
-                </a:extLst>
-              </a:tr>
-              <a:tr h="649115">
-                <a:tc>
-                  <a:txBody>
-                    <a:bodyPr/>
-                    <a:lstStyle/>
-                    <a:p>
-                      <a:r>
-                        <a:rPr lang="en-US" dirty="0"/>
-                        <a:t>Money Paid to Gas Station</a:t>
-                      </a:r>
-                    </a:p>
-                  </a:txBody>
-                  <a:tcPr/>
-                </a:tc>
-                <a:tc>
-                  <a:txBody>
-                    <a:bodyPr/>
-                    <a:lstStyle/>
-                    <a:p>
-                      <a:r>
-                        <a:rPr lang="en-US" dirty="0"/>
-                        <a:t>Miner Fees</a:t>
-                      </a:r>
-                    </a:p>
-                  </a:txBody>
-                  <a:tcPr/>
-                </a:tc>
-                <a:extLst>
-                  <a:ext uri="{0D108BD9-81ED-4DB2-BD59-A6C34878D82A}">
-                    <a16:rowId xmlns:a16="http://schemas.microsoft.com/office/drawing/2014/main" val="148386141"/>
-                  </a:ext>
-                </a:extLst>
-              </a:tr>
-              <a:tr h="376075">
-                <a:tc gridSpan="2">
-                  <a:txBody>
-                    <a:bodyPr/>
-                    <a:lstStyle/>
-                    <a:p>
-                      <a:endParaRPr lang="en-US" dirty="0"/>
-                    </a:p>
-                  </a:txBody>
-                  <a:tcPr/>
-                </a:tc>
-                <a:tc hMerge="1">
-                  <a:txBody>
-                    <a:bodyPr/>
-                    <a:lstStyle/>
-                    <a:p>
-                      <a:endParaRPr lang="en-US" dirty="0"/>
-                    </a:p>
-                  </a:txBody>
-                  <a:tcPr/>
-                </a:tc>
-                <a:extLst>
-                  <a:ext uri="{0D108BD9-81ED-4DB2-BD59-A6C34878D82A}">
-                    <a16:rowId xmlns:a16="http://schemas.microsoft.com/office/drawing/2014/main" val="3928956838"/>
-                  </a:ext>
-                </a:extLst>
-              </a:tr>
-            </a:tbl>
-          </a:graphicData>
-        </a:graphic>
-      </p:graphicFrame>
-      <p:sp>
-        <p:nvSpPr>
-          <p:cNvPr id="8" name="Rectangle 7">
-            <a:extLst>
-              <a:ext uri="{FF2B5EF4-FFF2-40B4-BE49-F238E27FC236}">
-                <a16:creationId xmlns:a16="http://schemas.microsoft.com/office/drawing/2014/main" id="{3FD20894-3AAA-4692-ABBA-796E5D230C28}"/>
-              </a:ext>
-            </a:extLst>
-          </p:cNvPr>
-          <p:cNvSpPr/>
-          <p:nvPr/>
-        </p:nvSpPr>
-        <p:spPr>
-          <a:xfrm>
-            <a:off x="5120640" y="2183630"/>
-            <a:ext cx="6428357" cy="1200329"/>
-          </a:xfrm>
-          <a:prstGeom prst="rect">
-            <a:avLst/>
-          </a:prstGeom>
-        </p:spPr>
-        <p:txBody>
-          <a:bodyPr wrap="square">
-            <a:spAutoFit/>
-          </a:bodyPr>
-          <a:lstStyle/>
-          <a:p>
-            <a:r>
-              <a:rPr lang="en-US" b="1" dirty="0">
-                <a:solidFill>
-                  <a:srgbClr val="13212F"/>
-                </a:solidFill>
-                <a:latin typeface="SegoeUI"/>
-              </a:rPr>
-              <a:t>Gas limit - </a:t>
-            </a:r>
-            <a:r>
-              <a:rPr lang="en-US" dirty="0">
-                <a:solidFill>
-                  <a:srgbClr val="13212F"/>
-                </a:solidFill>
-                <a:latin typeface="SegoeUI"/>
-              </a:rPr>
-              <a:t>T</a:t>
-            </a:r>
-            <a:r>
-              <a:rPr lang="en-US" dirty="0"/>
-              <a:t>he sender of the transaction must specify a gas limit before they submit it to the network. The gas limit is the maximum amount of gas the sender is willing to pay for this transaction.</a:t>
-            </a:r>
-            <a:endParaRPr lang="en-US" b="1" dirty="0"/>
-          </a:p>
-        </p:txBody>
-      </p:sp>
-      <p:sp>
-        <p:nvSpPr>
-          <p:cNvPr id="2" name="Rectangle 1">
-            <a:extLst>
-              <a:ext uri="{FF2B5EF4-FFF2-40B4-BE49-F238E27FC236}">
-                <a16:creationId xmlns:a16="http://schemas.microsoft.com/office/drawing/2014/main" id="{ADE9059C-739E-4DAF-8981-4AE325121806}"/>
-              </a:ext>
-            </a:extLst>
-          </p:cNvPr>
-          <p:cNvSpPr/>
-          <p:nvPr/>
-        </p:nvSpPr>
-        <p:spPr>
-          <a:xfrm>
-            <a:off x="5120639" y="3383959"/>
-            <a:ext cx="6874889" cy="2369880"/>
-          </a:xfrm>
-          <a:prstGeom prst="rect">
-            <a:avLst/>
-          </a:prstGeom>
-        </p:spPr>
-        <p:txBody>
-          <a:bodyPr wrap="square">
-            <a:spAutoFit/>
-          </a:bodyPr>
-          <a:lstStyle/>
-          <a:p>
-            <a:r>
-              <a:rPr lang="en-US" dirty="0">
-                <a:solidFill>
-                  <a:srgbClr val="13212F"/>
-                </a:solidFill>
-                <a:latin typeface="SegoeUI"/>
-              </a:rPr>
-              <a:t>Suppose, we are adding two numbers with gas limit  = 120 and for that the contract must do the following actions:</a:t>
-            </a:r>
-          </a:p>
-          <a:p>
-            <a:pPr marL="285750" indent="-285750">
-              <a:buFont typeface="Arial" panose="020B0604020202020204" pitchFamily="34" charset="0"/>
-              <a:buChar char="•"/>
-            </a:pPr>
-            <a:r>
-              <a:rPr lang="en-US" sz="1600" dirty="0"/>
-              <a:t>Storing 10 in a variable. Let’s say this operation costs 45 gas.</a:t>
-            </a:r>
-          </a:p>
-          <a:p>
-            <a:pPr marL="285750" indent="-285750">
-              <a:buFont typeface="Arial" panose="020B0604020202020204" pitchFamily="34" charset="0"/>
-              <a:buChar char="•"/>
-            </a:pPr>
-            <a:r>
-              <a:rPr lang="en-US" sz="1600" dirty="0"/>
-              <a:t>Adding two variables, let’s say this costs 10 gas.</a:t>
-            </a:r>
-          </a:p>
-          <a:p>
-            <a:pPr marL="285750" indent="-285750">
-              <a:buFont typeface="Arial" panose="020B0604020202020204" pitchFamily="34" charset="0"/>
-              <a:buChar char="•"/>
-            </a:pPr>
-            <a:r>
-              <a:rPr lang="en-US" sz="1600" dirty="0"/>
-              <a:t>Storing the result which again costs 45 gas.</a:t>
-            </a:r>
-          </a:p>
-          <a:p>
-            <a:r>
-              <a:rPr lang="en-US" sz="1600" dirty="0"/>
-              <a:t>Total Gas = 100 gas</a:t>
-            </a:r>
-          </a:p>
-          <a:p>
-            <a:r>
-              <a:rPr lang="en-US" sz="1600" dirty="0"/>
-              <a:t>Fee owed (miner) 1 gas = 20 </a:t>
-            </a:r>
-            <a:r>
-              <a:rPr lang="en-US" sz="1600" dirty="0" err="1"/>
-              <a:t>Gwei</a:t>
-            </a:r>
-            <a:r>
-              <a:rPr lang="en-US" sz="1600" dirty="0"/>
-              <a:t> is </a:t>
-            </a:r>
-          </a:p>
-          <a:p>
-            <a:r>
-              <a:rPr lang="en-US" sz="1600" dirty="0"/>
-              <a:t>(100 * </a:t>
-            </a:r>
-            <a:r>
-              <a:rPr lang="en-US" sz="1600" dirty="0">
-                <a:hlinkClick r:id="rId2"/>
-              </a:rPr>
-              <a:t>20 </a:t>
-            </a:r>
-            <a:r>
-              <a:rPr lang="en-US" sz="1600" dirty="0" err="1">
-                <a:hlinkClick r:id="rId2"/>
-              </a:rPr>
-              <a:t>Gwei</a:t>
-            </a:r>
-            <a:r>
-              <a:rPr lang="en-US" sz="1600" dirty="0"/>
-              <a:t>) = 0.000002 ETH.</a:t>
-            </a:r>
-          </a:p>
-          <a:p>
-            <a:r>
-              <a:rPr lang="en-US" sz="1600" dirty="0"/>
-              <a:t>The 20 unused gas is returned back to the sender</a:t>
-            </a:r>
-          </a:p>
-        </p:txBody>
-      </p:sp>
-      <p:sp>
-        <p:nvSpPr>
-          <p:cNvPr id="3" name="Rectangle 2">
-            <a:extLst>
-              <a:ext uri="{FF2B5EF4-FFF2-40B4-BE49-F238E27FC236}">
-                <a16:creationId xmlns:a16="http://schemas.microsoft.com/office/drawing/2014/main" id="{0F6D968A-21C6-4EDD-B9CA-63A6FE5A3B5B}"/>
-              </a:ext>
-            </a:extLst>
-          </p:cNvPr>
-          <p:cNvSpPr/>
-          <p:nvPr/>
-        </p:nvSpPr>
-        <p:spPr>
-          <a:xfrm>
-            <a:off x="5132828" y="5753839"/>
-            <a:ext cx="6278881" cy="738664"/>
-          </a:xfrm>
-          <a:prstGeom prst="rect">
-            <a:avLst/>
-          </a:prstGeom>
-        </p:spPr>
-        <p:txBody>
-          <a:bodyPr wrap="square">
-            <a:spAutoFit/>
-          </a:bodyPr>
-          <a:lstStyle/>
-          <a:p>
-            <a:r>
-              <a:rPr lang="en-US" sz="1400" dirty="0">
-                <a:solidFill>
-                  <a:srgbClr val="13212F"/>
-                </a:solidFill>
-                <a:latin typeface="SegoeUI"/>
-              </a:rPr>
-              <a:t>If an operation runs out of gas the operation generator must STILL pay the miners the fee for their computational costs and the operation gets added to the blockchain (even if it has not been executed).</a:t>
-            </a:r>
-            <a:endParaRPr lang="en-US" sz="1400" dirty="0"/>
+              <a:t>Demo</a:t>
+            </a:r>
           </a:p>
         </p:txBody>
       </p:sp>
     </p:spTree>
     <p:extLst>
       <p:ext uri="{BB962C8B-B14F-4D97-AF65-F5344CB8AC3E}">
-        <p14:creationId xmlns:p14="http://schemas.microsoft.com/office/powerpoint/2010/main" val="3247151688"/>
+        <p14:creationId xmlns:p14="http://schemas.microsoft.com/office/powerpoint/2010/main" val="1267626819"/>
       </p:ext>
     </p:extLst>
   </p:cSld>
@@ -9071,61 +8719,6 @@
 </file>
 
 <file path=ppt/slides/slide12.xml><?xml version="1.0" encoding="utf-8"?>
-<p:sld xmlns:a="http://schemas.openxmlformats.org/drawingml/2006/main" xmlns:r="http://schemas.openxmlformats.org/officeDocument/2006/relationships" xmlns:p="http://schemas.openxmlformats.org/presentationml/2006/main">
-  <p:cSld>
-    <p:spTree>
-      <p:nvGrpSpPr>
-        <p:cNvPr id="1" name=""/>
-        <p:cNvGrpSpPr/>
-        <p:nvPr/>
-      </p:nvGrpSpPr>
-      <p:grpSpPr>
-        <a:xfrm>
-          <a:off x="0" y="0"/>
-          <a:ext cx="0" cy="0"/>
-          <a:chOff x="0" y="0"/>
-          <a:chExt cx="0" cy="0"/>
-        </a:xfrm>
-      </p:grpSpPr>
-      <p:sp>
-        <p:nvSpPr>
-          <p:cNvPr id="11" name="Title 10">
-            <a:extLst>
-              <a:ext uri="{FF2B5EF4-FFF2-40B4-BE49-F238E27FC236}">
-                <a16:creationId xmlns:a16="http://schemas.microsoft.com/office/drawing/2014/main" id="{6D99CBAD-FA49-43FD-B42E-FF9E8DAA4BE0}"/>
-              </a:ext>
-            </a:extLst>
-          </p:cNvPr>
-          <p:cNvSpPr>
-            <a:spLocks noGrp="1"/>
-          </p:cNvSpPr>
-          <p:nvPr>
-            <p:ph type="title"/>
-          </p:nvPr>
-        </p:nvSpPr>
-        <p:spPr/>
-        <p:txBody>
-          <a:bodyPr/>
-          <a:lstStyle/>
-          <a:p>
-            <a:endParaRPr lang="en-US"/>
-          </a:p>
-        </p:txBody>
-      </p:sp>
-    </p:spTree>
-    <p:extLst>
-      <p:ext uri="{BB962C8B-B14F-4D97-AF65-F5344CB8AC3E}">
-        <p14:creationId xmlns:p14="http://schemas.microsoft.com/office/powerpoint/2010/main" val="4183868056"/>
-      </p:ext>
-    </p:extLst>
-  </p:cSld>
-  <p:clrMapOvr>
-    <a:masterClrMapping/>
-  </p:clrMapOvr>
-</p:sld>
-</file>
-
-<file path=ppt/slides/slide13.xml><?xml version="1.0" encoding="utf-8"?>
 <p:sld xmlns:a="http://schemas.openxmlformats.org/drawingml/2006/main" xmlns:r="http://schemas.openxmlformats.org/officeDocument/2006/relationships" xmlns:p="http://schemas.openxmlformats.org/presentationml/2006/main">
   <p:cSld>
     <p:spTree>
@@ -9251,6 +8844,18 @@
           <a:lstStyle/>
           <a:p>
             <a:pPr algn="ctr"/>
+            <a:endParaRPr lang="en-US" dirty="0">
+              <a:solidFill>
+                <a:schemeClr val="dk1"/>
+              </a:solidFill>
+            </a:endParaRPr>
+          </a:p>
+          <a:p>
+            <a:pPr algn="ctr"/>
+            <a:endParaRPr lang="en-US" dirty="0"/>
+          </a:p>
+          <a:p>
+            <a:pPr algn="ctr"/>
             <a:r>
               <a:rPr lang="en-US" dirty="0">
                 <a:solidFill>
@@ -9319,6 +8924,10 @@
           <a:lstStyle/>
           <a:p>
             <a:pPr algn="ctr"/>
+            <a:endParaRPr lang="en-US" dirty="0"/>
+          </a:p>
+          <a:p>
+            <a:pPr algn="ctr"/>
             <a:r>
               <a:rPr lang="en-US" dirty="0"/>
               <a:t>Accept Offer</a:t>
@@ -9371,6 +8980,14 @@
           <a:lstStyle/>
           <a:p>
             <a:pPr algn="ctr"/>
+            <a:endParaRPr lang="en-US" dirty="0"/>
+          </a:p>
+          <a:p>
+            <a:pPr algn="ctr"/>
+            <a:endParaRPr lang="en-US" dirty="0"/>
+          </a:p>
+          <a:p>
+            <a:pPr algn="ctr"/>
             <a:r>
               <a:rPr lang="en-US" dirty="0"/>
               <a:t>Mark Inspected</a:t>
@@ -9423,6 +9040,14 @@
           <a:lstStyle/>
           <a:p>
             <a:pPr algn="ctr"/>
+            <a:endParaRPr lang="en-US" dirty="0"/>
+          </a:p>
+          <a:p>
+            <a:pPr algn="ctr"/>
+            <a:endParaRPr lang="en-US" dirty="0"/>
+          </a:p>
+          <a:p>
+            <a:pPr algn="ctr"/>
             <a:r>
               <a:rPr lang="en-US" dirty="0"/>
               <a:t>Mark Appraised</a:t>
@@ -9475,6 +9100,18 @@
           <a:lstStyle/>
           <a:p>
             <a:pPr algn="ctr"/>
+            <a:endParaRPr lang="en-US" dirty="0"/>
+          </a:p>
+          <a:p>
+            <a:pPr algn="ctr"/>
+            <a:endParaRPr lang="en-US" dirty="0"/>
+          </a:p>
+          <a:p>
+            <a:pPr algn="ctr"/>
+            <a:endParaRPr lang="en-US" dirty="0"/>
+          </a:p>
+          <a:p>
+            <a:pPr algn="ctr"/>
             <a:r>
               <a:rPr lang="en-US" dirty="0"/>
               <a:t>Accepted</a:t>
@@ -9525,6 +9162,14 @@
         <p:txBody>
           <a:bodyPr rtlCol="0" anchor="ctr"/>
           <a:lstStyle/>
+          <a:p>
+            <a:pPr algn="ctr"/>
+            <a:endParaRPr lang="en-US" dirty="0"/>
+          </a:p>
+          <a:p>
+            <a:pPr algn="ctr"/>
+            <a:endParaRPr lang="en-US" dirty="0"/>
+          </a:p>
           <a:p>
             <a:pPr algn="ctr"/>
             <a:r>
@@ -9911,8 +9556,8 @@
         </p:nvSpPr>
         <p:spPr>
           <a:xfrm>
-            <a:off x="3691834" y="3142089"/>
-            <a:ext cx="1489766" cy="523220"/>
+            <a:off x="4155130" y="2081909"/>
+            <a:ext cx="2018353" cy="738664"/>
           </a:xfrm>
           <a:prstGeom prst="rect">
             <a:avLst/>
@@ -9933,7 +9578,13 @@
           <a:p>
             <a:r>
               <a:rPr lang="en-US" sz="1400" dirty="0"/>
-              <a:t>Marked positive</a:t>
+              <a:t>Marked </a:t>
+            </a:r>
+          </a:p>
+          <a:p>
+            <a:r>
+              <a:rPr lang="en-US" sz="1400" dirty="0"/>
+              <a:t>positive</a:t>
             </a:r>
           </a:p>
         </p:txBody>
@@ -10023,7 +9674,7 @@
           <p:nvPr>
             <p:extLst>
               <p:ext uri="{D42A27DB-BD31-4B8C-83A1-F6EECF244321}">
-                <p14:modId xmlns:p14="http://schemas.microsoft.com/office/powerpoint/2010/main" val="730534107"/>
+                <p14:modId xmlns:p14="http://schemas.microsoft.com/office/powerpoint/2010/main" val="1468188579"/>
               </p:ext>
             </p:extLst>
           </p:nvPr>
@@ -10590,10 +10241,1437 @@
           </a:graphicData>
         </a:graphic>
       </p:graphicFrame>
+      <p:graphicFrame>
+        <p:nvGraphicFramePr>
+          <p:cNvPr id="9" name="Table 8">
+            <a:extLst>
+              <a:ext uri="{FF2B5EF4-FFF2-40B4-BE49-F238E27FC236}">
+                <a16:creationId xmlns:a16="http://schemas.microsoft.com/office/drawing/2014/main" id="{CF6D254E-3723-4CFC-803B-34AABD923D34}"/>
+              </a:ext>
+            </a:extLst>
+          </p:cNvPr>
+          <p:cNvGraphicFramePr>
+            <a:graphicFrameLocks noGrp="1"/>
+          </p:cNvGraphicFramePr>
+          <p:nvPr>
+            <p:extLst>
+              <p:ext uri="{D42A27DB-BD31-4B8C-83A1-F6EECF244321}">
+                <p14:modId xmlns:p14="http://schemas.microsoft.com/office/powerpoint/2010/main" val="600083487"/>
+              </p:ext>
+            </p:extLst>
+          </p:nvPr>
+        </p:nvGraphicFramePr>
+        <p:xfrm>
+          <a:off x="280190" y="2997866"/>
+          <a:ext cx="3333101" cy="3606832"/>
+        </p:xfrm>
+        <a:graphic>
+          <a:graphicData uri="http://schemas.openxmlformats.org/drawingml/2006/table">
+            <a:tbl>
+              <a:tblPr firstRow="1" bandRow="1">
+                <a:tableStyleId>{2D5ABB26-0587-4C30-8999-92F81FD0307C}</a:tableStyleId>
+              </a:tblPr>
+              <a:tblGrid>
+                <a:gridCol w="3333101">
+                  <a:extLst>
+                    <a:ext uri="{9D8B030D-6E8A-4147-A177-3AD203B41FA5}">
+                      <a16:colId xmlns:a16="http://schemas.microsoft.com/office/drawing/2014/main" val="3250176445"/>
+                    </a:ext>
+                  </a:extLst>
+                </a:gridCol>
+              </a:tblGrid>
+              <a:tr h="786945">
+                <a:tc>
+                  <a:txBody>
+                    <a:bodyPr/>
+                    <a:lstStyle/>
+                    <a:p>
+                      <a:r>
+                        <a:rPr lang="en-US" sz="1400" b="1" kern="1200" dirty="0">
+                          <a:solidFill>
+                            <a:schemeClr val="tx1"/>
+                          </a:solidFill>
+                          <a:latin typeface="+mn-lt"/>
+                          <a:ea typeface="+mn-ea"/>
+                          <a:cs typeface="+mn-cs"/>
+                        </a:rPr>
+                        <a:t>Seller</a:t>
+                      </a:r>
+                    </a:p>
+                    <a:p>
+                      <a:r>
+                        <a:rPr lang="en-US" sz="1400" b="0" kern="1200" dirty="0">
+                          <a:solidFill>
+                            <a:schemeClr val="tx1"/>
+                          </a:solidFill>
+                          <a:latin typeface="+mn-lt"/>
+                          <a:ea typeface="+mn-ea"/>
+                          <a:cs typeface="+mn-cs"/>
+                        </a:rPr>
+                        <a:t>A Person who owns an asset and wants to sell an asset</a:t>
+                      </a:r>
+                    </a:p>
+                  </a:txBody>
+                  <a:tcPr>
+                    <a:lnB w="12700" cap="flat" cmpd="sng" algn="ctr">
+                      <a:solidFill>
+                        <a:schemeClr val="tx1"/>
+                      </a:solidFill>
+                      <a:prstDash val="solid"/>
+                      <a:round/>
+                      <a:headEnd type="none" w="med" len="med"/>
+                      <a:tailEnd type="none" w="med" len="med"/>
+                    </a:lnB>
+                  </a:tcPr>
+                </a:tc>
+                <a:extLst>
+                  <a:ext uri="{0D108BD9-81ED-4DB2-BD59-A6C34878D82A}">
+                    <a16:rowId xmlns:a16="http://schemas.microsoft.com/office/drawing/2014/main" val="3196292280"/>
+                  </a:ext>
+                </a:extLst>
+              </a:tr>
+              <a:tr h="786945">
+                <a:tc>
+                  <a:txBody>
+                    <a:bodyPr/>
+                    <a:lstStyle/>
+                    <a:p>
+                      <a:r>
+                        <a:rPr lang="en-US" sz="1400" b="1" kern="1200" dirty="0">
+                          <a:solidFill>
+                            <a:schemeClr val="tx1"/>
+                          </a:solidFill>
+                          <a:latin typeface="+mn-lt"/>
+                          <a:ea typeface="+mn-ea"/>
+                          <a:cs typeface="+mn-cs"/>
+                        </a:rPr>
+                        <a:t>Buyer </a:t>
+                      </a:r>
+                    </a:p>
+                    <a:p>
+                      <a:r>
+                        <a:rPr lang="en-US" sz="1400" b="0" kern="1200" dirty="0">
+                          <a:solidFill>
+                            <a:schemeClr val="tx1"/>
+                          </a:solidFill>
+                          <a:latin typeface="+mn-lt"/>
+                          <a:ea typeface="+mn-ea"/>
+                          <a:cs typeface="+mn-cs"/>
+                        </a:rPr>
+                        <a:t>A person who intends to buy an asset being sold by seller</a:t>
+                      </a:r>
+                    </a:p>
+                  </a:txBody>
+                  <a:tcPr>
+                    <a:lnT w="12700" cap="flat" cmpd="sng" algn="ctr">
+                      <a:solidFill>
+                        <a:schemeClr val="tx1"/>
+                      </a:solidFill>
+                      <a:prstDash val="solid"/>
+                      <a:round/>
+                      <a:headEnd type="none" w="med" len="med"/>
+                      <a:tailEnd type="none" w="med" len="med"/>
+                    </a:lnT>
+                    <a:lnB w="12700" cap="flat" cmpd="sng" algn="ctr">
+                      <a:solidFill>
+                        <a:schemeClr val="tx1"/>
+                      </a:solidFill>
+                      <a:prstDash val="solid"/>
+                      <a:round/>
+                      <a:headEnd type="none" w="med" len="med"/>
+                      <a:tailEnd type="none" w="med" len="med"/>
+                    </a:lnB>
+                  </a:tcPr>
+                </a:tc>
+                <a:extLst>
+                  <a:ext uri="{0D108BD9-81ED-4DB2-BD59-A6C34878D82A}">
+                    <a16:rowId xmlns:a16="http://schemas.microsoft.com/office/drawing/2014/main" val="2938897738"/>
+                  </a:ext>
+                </a:extLst>
+              </a:tr>
+              <a:tr h="1016471">
+                <a:tc>
+                  <a:txBody>
+                    <a:bodyPr/>
+                    <a:lstStyle/>
+                    <a:p>
+                      <a:r>
+                        <a:rPr lang="en-US" sz="1400" b="1" kern="1200" dirty="0">
+                          <a:solidFill>
+                            <a:schemeClr val="tx1"/>
+                          </a:solidFill>
+                          <a:latin typeface="+mn-lt"/>
+                          <a:ea typeface="+mn-ea"/>
+                          <a:cs typeface="+mn-cs"/>
+                        </a:rPr>
+                        <a:t>Inspector</a:t>
+                      </a:r>
+                    </a:p>
+                    <a:p>
+                      <a:r>
+                        <a:rPr lang="en-US" sz="1400" b="0" kern="1200" dirty="0">
+                          <a:solidFill>
+                            <a:schemeClr val="tx1"/>
+                          </a:solidFill>
+                          <a:latin typeface="+mn-lt"/>
+                          <a:ea typeface="+mn-ea"/>
+                          <a:cs typeface="+mn-cs"/>
+                        </a:rPr>
+                        <a:t>A person who is chose by the buyer to be the inspector of the asset being considered for buying</a:t>
+                      </a:r>
+                    </a:p>
+                  </a:txBody>
+                  <a:tcPr>
+                    <a:lnT w="12700" cap="flat" cmpd="sng" algn="ctr">
+                      <a:solidFill>
+                        <a:schemeClr val="tx1"/>
+                      </a:solidFill>
+                      <a:prstDash val="solid"/>
+                      <a:round/>
+                      <a:headEnd type="none" w="med" len="med"/>
+                      <a:tailEnd type="none" w="med" len="med"/>
+                    </a:lnT>
+                    <a:lnB w="12700" cap="flat" cmpd="sng" algn="ctr">
+                      <a:solidFill>
+                        <a:schemeClr val="tx1"/>
+                      </a:solidFill>
+                      <a:prstDash val="solid"/>
+                      <a:round/>
+                      <a:headEnd type="none" w="med" len="med"/>
+                      <a:tailEnd type="none" w="med" len="med"/>
+                    </a:lnB>
+                  </a:tcPr>
+                </a:tc>
+                <a:extLst>
+                  <a:ext uri="{0D108BD9-81ED-4DB2-BD59-A6C34878D82A}">
+                    <a16:rowId xmlns:a16="http://schemas.microsoft.com/office/drawing/2014/main" val="467323674"/>
+                  </a:ext>
+                </a:extLst>
+              </a:tr>
+              <a:tr h="1016471">
+                <a:tc>
+                  <a:txBody>
+                    <a:bodyPr/>
+                    <a:lstStyle/>
+                    <a:p>
+                      <a:r>
+                        <a:rPr lang="en-US" sz="1400" b="1" kern="1200" dirty="0">
+                          <a:solidFill>
+                            <a:schemeClr val="tx1"/>
+                          </a:solidFill>
+                          <a:latin typeface="+mn-lt"/>
+                          <a:ea typeface="+mn-ea"/>
+                          <a:cs typeface="+mn-cs"/>
+                        </a:rPr>
+                        <a:t>Appraiser</a:t>
+                      </a:r>
+                    </a:p>
+                    <a:p>
+                      <a:r>
+                        <a:rPr lang="en-US" sz="1400" b="0" kern="1200" dirty="0">
+                          <a:solidFill>
+                            <a:schemeClr val="tx1"/>
+                          </a:solidFill>
+                          <a:latin typeface="+mn-lt"/>
+                          <a:ea typeface="+mn-ea"/>
+                          <a:cs typeface="+mn-cs"/>
+                        </a:rPr>
+                        <a:t>A person who is chosen by the buyer to be the appraiser for the asset being considered for buying</a:t>
+                      </a:r>
+                    </a:p>
+                  </a:txBody>
+                  <a:tcPr>
+                    <a:lnT w="12700" cap="flat" cmpd="sng" algn="ctr">
+                      <a:solidFill>
+                        <a:schemeClr val="tx1"/>
+                      </a:solidFill>
+                      <a:prstDash val="solid"/>
+                      <a:round/>
+                      <a:headEnd type="none" w="med" len="med"/>
+                      <a:tailEnd type="none" w="med" len="med"/>
+                    </a:lnT>
+                  </a:tcPr>
+                </a:tc>
+                <a:extLst>
+                  <a:ext uri="{0D108BD9-81ED-4DB2-BD59-A6C34878D82A}">
+                    <a16:rowId xmlns:a16="http://schemas.microsoft.com/office/drawing/2014/main" val="2609352278"/>
+                  </a:ext>
+                </a:extLst>
+              </a:tr>
+            </a:tbl>
+          </a:graphicData>
+        </a:graphic>
+      </p:graphicFrame>
+      <p:pic>
+        <p:nvPicPr>
+          <p:cNvPr id="1026" name="Picture 2" descr="Image result for make offer icon">
+            <a:extLst>
+              <a:ext uri="{FF2B5EF4-FFF2-40B4-BE49-F238E27FC236}">
+                <a16:creationId xmlns:a16="http://schemas.microsoft.com/office/drawing/2014/main" id="{645035EC-C4BE-4359-90F6-97AE1744D54B}"/>
+              </a:ext>
+            </a:extLst>
+          </p:cNvPr>
+          <p:cNvPicPr>
+            <a:picLocks noChangeAspect="1" noChangeArrowheads="1"/>
+          </p:cNvPicPr>
+          <p:nvPr/>
+        </p:nvPicPr>
+        <p:blipFill>
+          <a:blip r:embed="rId2" cstate="print">
+            <a:extLst>
+              <a:ext uri="{28A0092B-C50C-407E-A947-70E740481C1C}">
+                <a14:useLocalDpi xmlns:a14="http://schemas.microsoft.com/office/drawing/2010/main" val="0"/>
+              </a:ext>
+            </a:extLst>
+          </a:blip>
+          <a:srcRect/>
+          <a:stretch>
+            <a:fillRect/>
+          </a:stretch>
+        </p:blipFill>
+        <p:spPr bwMode="auto">
+          <a:xfrm>
+            <a:off x="862584" y="1415576"/>
+            <a:ext cx="600517" cy="600517"/>
+          </a:xfrm>
+          <a:prstGeom prst="rect">
+            <a:avLst/>
+          </a:prstGeom>
+          <a:noFill/>
+          <a:extLst>
+            <a:ext uri="{909E8E84-426E-40DD-AFC4-6F175D3DCCD1}">
+              <a14:hiddenFill xmlns:a14="http://schemas.microsoft.com/office/drawing/2010/main">
+                <a:solidFill>
+                  <a:srgbClr val="FFFFFF"/>
+                </a:solidFill>
+              </a14:hiddenFill>
+            </a:ext>
+          </a:extLst>
+        </p:spPr>
+      </p:pic>
+      <p:pic>
+        <p:nvPicPr>
+          <p:cNvPr id="1028" name="Picture 4" descr="Image result for accept offer icon">
+            <a:extLst>
+              <a:ext uri="{FF2B5EF4-FFF2-40B4-BE49-F238E27FC236}">
+                <a16:creationId xmlns:a16="http://schemas.microsoft.com/office/drawing/2014/main" id="{63C81CA9-0655-4A0B-8DE3-F842020CE592}"/>
+              </a:ext>
+            </a:extLst>
+          </p:cNvPr>
+          <p:cNvPicPr>
+            <a:picLocks noChangeAspect="1" noChangeArrowheads="1"/>
+          </p:cNvPicPr>
+          <p:nvPr/>
+        </p:nvPicPr>
+        <p:blipFill>
+          <a:blip r:embed="rId3" cstate="print">
+            <a:extLst>
+              <a:ext uri="{28A0092B-C50C-407E-A947-70E740481C1C}">
+                <a14:useLocalDpi xmlns:a14="http://schemas.microsoft.com/office/drawing/2010/main" val="0"/>
+              </a:ext>
+            </a:extLst>
+          </a:blip>
+          <a:srcRect/>
+          <a:stretch>
+            <a:fillRect/>
+          </a:stretch>
+        </p:blipFill>
+        <p:spPr bwMode="auto">
+          <a:xfrm>
+            <a:off x="2769340" y="1386683"/>
+            <a:ext cx="655209" cy="655209"/>
+          </a:xfrm>
+          <a:prstGeom prst="rect">
+            <a:avLst/>
+          </a:prstGeom>
+          <a:noFill/>
+          <a:extLst>
+            <a:ext uri="{909E8E84-426E-40DD-AFC4-6F175D3DCCD1}">
+              <a14:hiddenFill xmlns:a14="http://schemas.microsoft.com/office/drawing/2010/main">
+                <a:solidFill>
+                  <a:srgbClr val="FFFFFF"/>
+                </a:solidFill>
+              </a14:hiddenFill>
+            </a:ext>
+          </a:extLst>
+        </p:spPr>
+      </p:pic>
+      <p:pic>
+        <p:nvPicPr>
+          <p:cNvPr id="1032" name="Picture 8" descr="Image result for property inspection icon">
+            <a:extLst>
+              <a:ext uri="{FF2B5EF4-FFF2-40B4-BE49-F238E27FC236}">
+                <a16:creationId xmlns:a16="http://schemas.microsoft.com/office/drawing/2014/main" id="{ACE8AFBE-934E-40D4-AA8C-B4C715B722A2}"/>
+              </a:ext>
+            </a:extLst>
+          </p:cNvPr>
+          <p:cNvPicPr>
+            <a:picLocks noChangeAspect="1" noChangeArrowheads="1"/>
+          </p:cNvPicPr>
+          <p:nvPr/>
+        </p:nvPicPr>
+        <p:blipFill>
+          <a:blip r:embed="rId4" cstate="print">
+            <a:extLst>
+              <a:ext uri="{28A0092B-C50C-407E-A947-70E740481C1C}">
+                <a14:useLocalDpi xmlns:a14="http://schemas.microsoft.com/office/drawing/2010/main" val="0"/>
+              </a:ext>
+            </a:extLst>
+          </a:blip>
+          <a:srcRect/>
+          <a:stretch>
+            <a:fillRect/>
+          </a:stretch>
+        </p:blipFill>
+        <p:spPr bwMode="auto">
+          <a:xfrm>
+            <a:off x="5116661" y="524534"/>
+            <a:ext cx="610470" cy="610470"/>
+          </a:xfrm>
+          <a:prstGeom prst="rect">
+            <a:avLst/>
+          </a:prstGeom>
+          <a:noFill/>
+          <a:extLst>
+            <a:ext uri="{909E8E84-426E-40DD-AFC4-6F175D3DCCD1}">
+              <a14:hiddenFill xmlns:a14="http://schemas.microsoft.com/office/drawing/2010/main">
+                <a:solidFill>
+                  <a:srgbClr val="FFFFFF"/>
+                </a:solidFill>
+              </a14:hiddenFill>
+            </a:ext>
+          </a:extLst>
+        </p:spPr>
+      </p:pic>
+      <p:pic>
+        <p:nvPicPr>
+          <p:cNvPr id="1034" name="Picture 10" descr="Related image">
+            <a:extLst>
+              <a:ext uri="{FF2B5EF4-FFF2-40B4-BE49-F238E27FC236}">
+                <a16:creationId xmlns:a16="http://schemas.microsoft.com/office/drawing/2014/main" id="{B2996963-FF56-415F-84D6-B140E89A6989}"/>
+              </a:ext>
+            </a:extLst>
+          </p:cNvPr>
+          <p:cNvPicPr>
+            <a:picLocks noChangeAspect="1" noChangeArrowheads="1"/>
+          </p:cNvPicPr>
+          <p:nvPr/>
+        </p:nvPicPr>
+        <p:blipFill>
+          <a:blip r:embed="rId5" cstate="print">
+            <a:extLst>
+              <a:ext uri="{28A0092B-C50C-407E-A947-70E740481C1C}">
+                <a14:useLocalDpi xmlns:a14="http://schemas.microsoft.com/office/drawing/2010/main" val="0"/>
+              </a:ext>
+            </a:extLst>
+          </a:blip>
+          <a:srcRect/>
+          <a:stretch>
+            <a:fillRect/>
+          </a:stretch>
+        </p:blipFill>
+        <p:spPr bwMode="auto">
+          <a:xfrm>
+            <a:off x="5153237" y="2275818"/>
+            <a:ext cx="793918" cy="793918"/>
+          </a:xfrm>
+          <a:prstGeom prst="rect">
+            <a:avLst/>
+          </a:prstGeom>
+          <a:noFill/>
+          <a:extLst>
+            <a:ext uri="{909E8E84-426E-40DD-AFC4-6F175D3DCCD1}">
+              <a14:hiddenFill xmlns:a14="http://schemas.microsoft.com/office/drawing/2010/main">
+                <a:solidFill>
+                  <a:srgbClr val="FFFFFF"/>
+                </a:solidFill>
+              </a14:hiddenFill>
+            </a:ext>
+          </a:extLst>
+        </p:spPr>
+      </p:pic>
+      <p:pic>
+        <p:nvPicPr>
+          <p:cNvPr id="1036" name="Picture 12" descr="Image result for offer acceptance icon">
+            <a:extLst>
+              <a:ext uri="{FF2B5EF4-FFF2-40B4-BE49-F238E27FC236}">
+                <a16:creationId xmlns:a16="http://schemas.microsoft.com/office/drawing/2014/main" id="{24F1CF04-4E59-404E-8CFB-146574DF62DB}"/>
+              </a:ext>
+            </a:extLst>
+          </p:cNvPr>
+          <p:cNvPicPr>
+            <a:picLocks noChangeAspect="1" noChangeArrowheads="1"/>
+          </p:cNvPicPr>
+          <p:nvPr/>
+        </p:nvPicPr>
+        <p:blipFill>
+          <a:blip r:embed="rId6" cstate="print">
+            <a:extLst>
+              <a:ext uri="{28A0092B-C50C-407E-A947-70E740481C1C}">
+                <a14:useLocalDpi xmlns:a14="http://schemas.microsoft.com/office/drawing/2010/main" val="0"/>
+              </a:ext>
+            </a:extLst>
+          </a:blip>
+          <a:srcRect/>
+          <a:stretch>
+            <a:fillRect/>
+          </a:stretch>
+        </p:blipFill>
+        <p:spPr bwMode="auto">
+          <a:xfrm>
+            <a:off x="7879378" y="1603648"/>
+            <a:ext cx="680739" cy="680739"/>
+          </a:xfrm>
+          <a:prstGeom prst="rect">
+            <a:avLst/>
+          </a:prstGeom>
+          <a:noFill/>
+          <a:extLst>
+            <a:ext uri="{909E8E84-426E-40DD-AFC4-6F175D3DCCD1}">
+              <a14:hiddenFill xmlns:a14="http://schemas.microsoft.com/office/drawing/2010/main">
+                <a:solidFill>
+                  <a:srgbClr val="FFFFFF"/>
+                </a:solidFill>
+              </a14:hiddenFill>
+            </a:ext>
+          </a:extLst>
+        </p:spPr>
+      </p:pic>
+      <p:sp>
+        <p:nvSpPr>
+          <p:cNvPr id="11" name="AutoShape 14" descr="Image result for house transfer acceptance icon">
+            <a:extLst>
+              <a:ext uri="{FF2B5EF4-FFF2-40B4-BE49-F238E27FC236}">
+                <a16:creationId xmlns:a16="http://schemas.microsoft.com/office/drawing/2014/main" id="{7A6E224D-89FB-4D10-956C-3FF487A79B43}"/>
+              </a:ext>
+            </a:extLst>
+          </p:cNvPr>
+          <p:cNvSpPr>
+            <a:spLocks noChangeAspect="1" noChangeArrowheads="1"/>
+          </p:cNvSpPr>
+          <p:nvPr/>
+        </p:nvSpPr>
+        <p:spPr bwMode="auto">
+          <a:xfrm>
+            <a:off x="5943600" y="3276600"/>
+            <a:ext cx="304800" cy="304800"/>
+          </a:xfrm>
+          <a:prstGeom prst="rect">
+            <a:avLst/>
+          </a:prstGeom>
+          <a:noFill/>
+          <a:extLst>
+            <a:ext uri="{909E8E84-426E-40DD-AFC4-6F175D3DCCD1}">
+              <a14:hiddenFill xmlns:a14="http://schemas.microsoft.com/office/drawing/2010/main">
+                <a:solidFill>
+                  <a:srgbClr val="FFFFFF"/>
+                </a:solidFill>
+              </a14:hiddenFill>
+            </a:ext>
+          </a:extLst>
+        </p:spPr>
+        <p:txBody>
+          <a:bodyPr vert="horz" wrap="square" lIns="91440" tIns="45720" rIns="91440" bIns="45720" numCol="1" anchor="t" anchorCtr="0" compatLnSpc="1">
+            <a:prstTxWarp prst="textNoShape">
+              <a:avLst/>
+            </a:prstTxWarp>
+          </a:bodyPr>
+          <a:lstStyle/>
+          <a:p>
+            <a:endParaRPr lang="en-US"/>
+          </a:p>
+        </p:txBody>
+      </p:sp>
+      <p:pic>
+        <p:nvPicPr>
+          <p:cNvPr id="1040" name="Picture 16" descr="Image result for transfer of ownership  icon">
+            <a:extLst>
+              <a:ext uri="{FF2B5EF4-FFF2-40B4-BE49-F238E27FC236}">
+                <a16:creationId xmlns:a16="http://schemas.microsoft.com/office/drawing/2014/main" id="{65F7D2E5-54B7-444C-83E5-D2A66D64BC0A}"/>
+              </a:ext>
+            </a:extLst>
+          </p:cNvPr>
+          <p:cNvPicPr>
+            <a:picLocks noChangeAspect="1" noChangeArrowheads="1"/>
+          </p:cNvPicPr>
+          <p:nvPr/>
+        </p:nvPicPr>
+        <p:blipFill>
+          <a:blip r:embed="rId7">
+            <a:extLst>
+              <a:ext uri="{28A0092B-C50C-407E-A947-70E740481C1C}">
+                <a14:useLocalDpi xmlns:a14="http://schemas.microsoft.com/office/drawing/2010/main" val="0"/>
+              </a:ext>
+            </a:extLst>
+          </a:blip>
+          <a:srcRect/>
+          <a:stretch>
+            <a:fillRect/>
+          </a:stretch>
+        </p:blipFill>
+        <p:spPr bwMode="auto">
+          <a:xfrm>
+            <a:off x="10302240" y="1460159"/>
+            <a:ext cx="714868" cy="714868"/>
+          </a:xfrm>
+          <a:prstGeom prst="rect">
+            <a:avLst/>
+          </a:prstGeom>
+          <a:noFill/>
+          <a:extLst>
+            <a:ext uri="{909E8E84-426E-40DD-AFC4-6F175D3DCCD1}">
+              <a14:hiddenFill xmlns:a14="http://schemas.microsoft.com/office/drawing/2010/main">
+                <a:solidFill>
+                  <a:srgbClr val="FFFFFF"/>
+                </a:solidFill>
+              </a14:hiddenFill>
+            </a:ext>
+          </a:extLst>
+        </p:spPr>
+      </p:pic>
     </p:spTree>
     <p:extLst>
       <p:ext uri="{BB962C8B-B14F-4D97-AF65-F5344CB8AC3E}">
         <p14:creationId xmlns:p14="http://schemas.microsoft.com/office/powerpoint/2010/main" val="2049564605"/>
+      </p:ext>
+    </p:extLst>
+  </p:cSld>
+  <p:clrMapOvr>
+    <a:masterClrMapping/>
+  </p:clrMapOvr>
+</p:sld>
+</file>
+
+<file path=ppt/slides/slide13.xml><?xml version="1.0" encoding="utf-8"?>
+<p:sld xmlns:a="http://schemas.openxmlformats.org/drawingml/2006/main" xmlns:r="http://schemas.openxmlformats.org/officeDocument/2006/relationships" xmlns:p="http://schemas.openxmlformats.org/presentationml/2006/main">
+  <p:cSld>
+    <p:spTree>
+      <p:nvGrpSpPr>
+        <p:cNvPr id="1" name=""/>
+        <p:cNvGrpSpPr/>
+        <p:nvPr/>
+      </p:nvGrpSpPr>
+      <p:grpSpPr>
+        <a:xfrm>
+          <a:off x="0" y="0"/>
+          <a:ext cx="0" cy="0"/>
+          <a:chOff x="0" y="0"/>
+          <a:chExt cx="0" cy="0"/>
+        </a:xfrm>
+      </p:grpSpPr>
+      <p:sp>
+        <p:nvSpPr>
+          <p:cNvPr id="5" name="Title 2">
+            <a:extLst>
+              <a:ext uri="{FF2B5EF4-FFF2-40B4-BE49-F238E27FC236}">
+                <a16:creationId xmlns:a16="http://schemas.microsoft.com/office/drawing/2014/main" id="{BED4082D-C8ED-4F5D-B8A4-06F015E90E77}"/>
+              </a:ext>
+            </a:extLst>
+          </p:cNvPr>
+          <p:cNvSpPr>
+            <a:spLocks noGrp="1"/>
+          </p:cNvSpPr>
+          <p:nvPr>
+            <p:ph type="title"/>
+          </p:nvPr>
+        </p:nvSpPr>
+        <p:spPr>
+          <a:xfrm>
+            <a:off x="838200" y="15958"/>
+            <a:ext cx="11353800" cy="1325563"/>
+          </a:xfrm>
+        </p:spPr>
+        <p:txBody>
+          <a:bodyPr/>
+          <a:lstStyle/>
+          <a:p>
+            <a:r>
+              <a:rPr lang="en-US" dirty="0"/>
+              <a:t>Concept of Gas</a:t>
+            </a:r>
+          </a:p>
+        </p:txBody>
+      </p:sp>
+      <p:sp>
+        <p:nvSpPr>
+          <p:cNvPr id="6" name="Rectangle 5">
+            <a:extLst>
+              <a:ext uri="{FF2B5EF4-FFF2-40B4-BE49-F238E27FC236}">
+                <a16:creationId xmlns:a16="http://schemas.microsoft.com/office/drawing/2014/main" id="{ABCADFAC-F669-40A5-90B0-F8C36683E977}"/>
+              </a:ext>
+            </a:extLst>
+          </p:cNvPr>
+          <p:cNvSpPr/>
+          <p:nvPr/>
+        </p:nvSpPr>
+        <p:spPr>
+          <a:xfrm>
+            <a:off x="196471" y="1731264"/>
+            <a:ext cx="11716637" cy="369332"/>
+          </a:xfrm>
+          <a:prstGeom prst="rect">
+            <a:avLst/>
+          </a:prstGeom>
+        </p:spPr>
+        <p:txBody>
+          <a:bodyPr wrap="square">
+            <a:spAutoFit/>
+          </a:bodyPr>
+          <a:lstStyle/>
+          <a:p>
+            <a:r>
+              <a:rPr lang="en-US" dirty="0">
+                <a:solidFill>
+                  <a:srgbClr val="13212F"/>
+                </a:solidFill>
+                <a:latin typeface="SegoeUI"/>
+              </a:rPr>
+              <a:t>Gas is a unit that measures the amount of computational effort that it will take to execute certain operations.</a:t>
+            </a:r>
+            <a:endParaRPr lang="en-US" dirty="0"/>
+          </a:p>
+        </p:txBody>
+      </p:sp>
+      <p:graphicFrame>
+        <p:nvGraphicFramePr>
+          <p:cNvPr id="7" name="Table 6">
+            <a:extLst>
+              <a:ext uri="{FF2B5EF4-FFF2-40B4-BE49-F238E27FC236}">
+                <a16:creationId xmlns:a16="http://schemas.microsoft.com/office/drawing/2014/main" id="{546D42AB-5B96-4498-B1FB-C2930CE7E686}"/>
+              </a:ext>
+            </a:extLst>
+          </p:cNvPr>
+          <p:cNvGraphicFramePr>
+            <a:graphicFrameLocks noGrp="1"/>
+          </p:cNvGraphicFramePr>
+          <p:nvPr>
+            <p:extLst>
+              <p:ext uri="{D42A27DB-BD31-4B8C-83A1-F6EECF244321}">
+                <p14:modId xmlns:p14="http://schemas.microsoft.com/office/powerpoint/2010/main" val="1546329871"/>
+              </p:ext>
+            </p:extLst>
+          </p:nvPr>
+        </p:nvGraphicFramePr>
+        <p:xfrm>
+          <a:off x="196471" y="2183631"/>
+          <a:ext cx="4793613" cy="3631954"/>
+        </p:xfrm>
+        <a:graphic>
+          <a:graphicData uri="http://schemas.openxmlformats.org/drawingml/2006/table">
+            <a:tbl>
+              <a:tblPr firstRow="1" bandRow="1">
+                <a:tableStyleId>{F5AB1C69-6EDB-4FF4-983F-18BD219EF322}</a:tableStyleId>
+              </a:tblPr>
+              <a:tblGrid>
+                <a:gridCol w="1792811">
+                  <a:extLst>
+                    <a:ext uri="{9D8B030D-6E8A-4147-A177-3AD203B41FA5}">
+                      <a16:colId xmlns:a16="http://schemas.microsoft.com/office/drawing/2014/main" val="3130320795"/>
+                    </a:ext>
+                  </a:extLst>
+                </a:gridCol>
+                <a:gridCol w="3000802">
+                  <a:extLst>
+                    <a:ext uri="{9D8B030D-6E8A-4147-A177-3AD203B41FA5}">
+                      <a16:colId xmlns:a16="http://schemas.microsoft.com/office/drawing/2014/main" val="368348431"/>
+                    </a:ext>
+                  </a:extLst>
+                </a:gridCol>
+              </a:tblGrid>
+              <a:tr h="649115">
+                <a:tc gridSpan="2">
+                  <a:txBody>
+                    <a:bodyPr/>
+                    <a:lstStyle/>
+                    <a:p>
+                      <a:r>
+                        <a:rPr lang="en-US" dirty="0"/>
+                        <a:t>Driving Car Analogy</a:t>
+                      </a:r>
+                    </a:p>
+                  </a:txBody>
+                  <a:tcPr/>
+                </a:tc>
+                <a:tc hMerge="1">
+                  <a:txBody>
+                    <a:bodyPr/>
+                    <a:lstStyle/>
+                    <a:p>
+                      <a:endParaRPr lang="en-US" dirty="0"/>
+                    </a:p>
+                  </a:txBody>
+                  <a:tcPr/>
+                </a:tc>
+                <a:extLst>
+                  <a:ext uri="{0D108BD9-81ED-4DB2-BD59-A6C34878D82A}">
+                    <a16:rowId xmlns:a16="http://schemas.microsoft.com/office/drawing/2014/main" val="3282461780"/>
+                  </a:ext>
+                </a:extLst>
+              </a:tr>
+              <a:tr h="1205499">
+                <a:tc>
+                  <a:txBody>
+                    <a:bodyPr/>
+                    <a:lstStyle/>
+                    <a:p>
+                      <a:r>
+                        <a:rPr lang="en-US" sz="1800" b="0" i="0" kern="1200" dirty="0">
+                          <a:solidFill>
+                            <a:schemeClr val="dk1"/>
+                          </a:solidFill>
+                          <a:effectLst/>
+                          <a:latin typeface="+mn-lt"/>
+                          <a:ea typeface="+mn-ea"/>
+                          <a:cs typeface="+mn-cs"/>
+                        </a:rPr>
+                        <a:t>Driving the car is the operation that you want to execute.</a:t>
+                      </a:r>
+                      <a:endParaRPr lang="en-US" dirty="0"/>
+                    </a:p>
+                  </a:txBody>
+                  <a:tcPr/>
+                </a:tc>
+                <a:tc>
+                  <a:txBody>
+                    <a:bodyPr/>
+                    <a:lstStyle/>
+                    <a:p>
+                      <a:r>
+                        <a:rPr lang="en-US" sz="1800" b="0" i="0" kern="1200" dirty="0">
+                          <a:solidFill>
+                            <a:schemeClr val="dk1"/>
+                          </a:solidFill>
+                          <a:effectLst/>
+                          <a:latin typeface="+mn-lt"/>
+                          <a:ea typeface="+mn-ea"/>
+                          <a:cs typeface="+mn-cs"/>
+                        </a:rPr>
+                        <a:t>Equivalent to executing a function of a smart contract.</a:t>
+                      </a:r>
+                      <a:endParaRPr lang="en-US" dirty="0"/>
+                    </a:p>
+                  </a:txBody>
+                  <a:tcPr/>
+                </a:tc>
+                <a:extLst>
+                  <a:ext uri="{0D108BD9-81ED-4DB2-BD59-A6C34878D82A}">
+                    <a16:rowId xmlns:a16="http://schemas.microsoft.com/office/drawing/2014/main" val="2237441357"/>
+                  </a:ext>
+                </a:extLst>
+              </a:tr>
+              <a:tr h="376075">
+                <a:tc>
+                  <a:txBody>
+                    <a:bodyPr/>
+                    <a:lstStyle/>
+                    <a:p>
+                      <a:r>
+                        <a:rPr lang="en-US" dirty="0"/>
+                        <a:t>GAS</a:t>
+                      </a:r>
+                    </a:p>
+                  </a:txBody>
+                  <a:tcPr/>
+                </a:tc>
+                <a:tc>
+                  <a:txBody>
+                    <a:bodyPr/>
+                    <a:lstStyle/>
+                    <a:p>
+                      <a:r>
+                        <a:rPr lang="en-US" dirty="0"/>
+                        <a:t>GAS</a:t>
+                      </a:r>
+                    </a:p>
+                  </a:txBody>
+                  <a:tcPr/>
+                </a:tc>
+                <a:extLst>
+                  <a:ext uri="{0D108BD9-81ED-4DB2-BD59-A6C34878D82A}">
+                    <a16:rowId xmlns:a16="http://schemas.microsoft.com/office/drawing/2014/main" val="3461452452"/>
+                  </a:ext>
+                </a:extLst>
+              </a:tr>
+              <a:tr h="376075">
+                <a:tc>
+                  <a:txBody>
+                    <a:bodyPr/>
+                    <a:lstStyle/>
+                    <a:p>
+                      <a:r>
+                        <a:rPr lang="en-US" dirty="0"/>
+                        <a:t>GAS Station</a:t>
+                      </a:r>
+                    </a:p>
+                  </a:txBody>
+                  <a:tcPr/>
+                </a:tc>
+                <a:tc>
+                  <a:txBody>
+                    <a:bodyPr/>
+                    <a:lstStyle/>
+                    <a:p>
+                      <a:r>
+                        <a:rPr lang="en-US" dirty="0"/>
+                        <a:t>Miner</a:t>
+                      </a:r>
+                    </a:p>
+                  </a:txBody>
+                  <a:tcPr/>
+                </a:tc>
+                <a:extLst>
+                  <a:ext uri="{0D108BD9-81ED-4DB2-BD59-A6C34878D82A}">
+                    <a16:rowId xmlns:a16="http://schemas.microsoft.com/office/drawing/2014/main" val="2208677291"/>
+                  </a:ext>
+                </a:extLst>
+              </a:tr>
+              <a:tr h="649115">
+                <a:tc>
+                  <a:txBody>
+                    <a:bodyPr/>
+                    <a:lstStyle/>
+                    <a:p>
+                      <a:r>
+                        <a:rPr lang="en-US" dirty="0"/>
+                        <a:t>Money Paid to Gas Station</a:t>
+                      </a:r>
+                    </a:p>
+                  </a:txBody>
+                  <a:tcPr/>
+                </a:tc>
+                <a:tc>
+                  <a:txBody>
+                    <a:bodyPr/>
+                    <a:lstStyle/>
+                    <a:p>
+                      <a:r>
+                        <a:rPr lang="en-US" dirty="0"/>
+                        <a:t>Miner Fees</a:t>
+                      </a:r>
+                    </a:p>
+                  </a:txBody>
+                  <a:tcPr/>
+                </a:tc>
+                <a:extLst>
+                  <a:ext uri="{0D108BD9-81ED-4DB2-BD59-A6C34878D82A}">
+                    <a16:rowId xmlns:a16="http://schemas.microsoft.com/office/drawing/2014/main" val="148386141"/>
+                  </a:ext>
+                </a:extLst>
+              </a:tr>
+              <a:tr h="376075">
+                <a:tc gridSpan="2">
+                  <a:txBody>
+                    <a:bodyPr/>
+                    <a:lstStyle/>
+                    <a:p>
+                      <a:endParaRPr lang="en-US" dirty="0"/>
+                    </a:p>
+                  </a:txBody>
+                  <a:tcPr/>
+                </a:tc>
+                <a:tc hMerge="1">
+                  <a:txBody>
+                    <a:bodyPr/>
+                    <a:lstStyle/>
+                    <a:p>
+                      <a:endParaRPr lang="en-US" dirty="0"/>
+                    </a:p>
+                  </a:txBody>
+                  <a:tcPr/>
+                </a:tc>
+                <a:extLst>
+                  <a:ext uri="{0D108BD9-81ED-4DB2-BD59-A6C34878D82A}">
+                    <a16:rowId xmlns:a16="http://schemas.microsoft.com/office/drawing/2014/main" val="3928956838"/>
+                  </a:ext>
+                </a:extLst>
+              </a:tr>
+            </a:tbl>
+          </a:graphicData>
+        </a:graphic>
+      </p:graphicFrame>
+      <p:sp>
+        <p:nvSpPr>
+          <p:cNvPr id="8" name="Rectangle 7">
+            <a:extLst>
+              <a:ext uri="{FF2B5EF4-FFF2-40B4-BE49-F238E27FC236}">
+                <a16:creationId xmlns:a16="http://schemas.microsoft.com/office/drawing/2014/main" id="{3FD20894-3AAA-4692-ABBA-796E5D230C28}"/>
+              </a:ext>
+            </a:extLst>
+          </p:cNvPr>
+          <p:cNvSpPr/>
+          <p:nvPr/>
+        </p:nvSpPr>
+        <p:spPr>
+          <a:xfrm>
+            <a:off x="5120640" y="2183630"/>
+            <a:ext cx="6428357" cy="1200329"/>
+          </a:xfrm>
+          <a:prstGeom prst="rect">
+            <a:avLst/>
+          </a:prstGeom>
+        </p:spPr>
+        <p:txBody>
+          <a:bodyPr wrap="square">
+            <a:spAutoFit/>
+          </a:bodyPr>
+          <a:lstStyle/>
+          <a:p>
+            <a:r>
+              <a:rPr lang="en-US" b="1" dirty="0">
+                <a:solidFill>
+                  <a:srgbClr val="13212F"/>
+                </a:solidFill>
+                <a:latin typeface="SegoeUI"/>
+              </a:rPr>
+              <a:t>Gas limit - </a:t>
+            </a:r>
+            <a:r>
+              <a:rPr lang="en-US" dirty="0">
+                <a:solidFill>
+                  <a:srgbClr val="13212F"/>
+                </a:solidFill>
+                <a:latin typeface="SegoeUI"/>
+              </a:rPr>
+              <a:t>T</a:t>
+            </a:r>
+            <a:r>
+              <a:rPr lang="en-US" dirty="0"/>
+              <a:t>he sender of the transaction must specify a gas limit before they submit it to the network. The gas limit is the maximum amount of gas the sender is willing to pay for this transaction.</a:t>
+            </a:r>
+            <a:endParaRPr lang="en-US" b="1" dirty="0"/>
+          </a:p>
+        </p:txBody>
+      </p:sp>
+      <p:sp>
+        <p:nvSpPr>
+          <p:cNvPr id="2" name="Rectangle 1">
+            <a:extLst>
+              <a:ext uri="{FF2B5EF4-FFF2-40B4-BE49-F238E27FC236}">
+                <a16:creationId xmlns:a16="http://schemas.microsoft.com/office/drawing/2014/main" id="{ADE9059C-739E-4DAF-8981-4AE325121806}"/>
+              </a:ext>
+            </a:extLst>
+          </p:cNvPr>
+          <p:cNvSpPr/>
+          <p:nvPr/>
+        </p:nvSpPr>
+        <p:spPr>
+          <a:xfrm>
+            <a:off x="5120639" y="3383959"/>
+            <a:ext cx="6874889" cy="2369880"/>
+          </a:xfrm>
+          <a:prstGeom prst="rect">
+            <a:avLst/>
+          </a:prstGeom>
+        </p:spPr>
+        <p:txBody>
+          <a:bodyPr wrap="square">
+            <a:spAutoFit/>
+          </a:bodyPr>
+          <a:lstStyle/>
+          <a:p>
+            <a:r>
+              <a:rPr lang="en-US" dirty="0">
+                <a:solidFill>
+                  <a:srgbClr val="13212F"/>
+                </a:solidFill>
+                <a:latin typeface="SegoeUI"/>
+              </a:rPr>
+              <a:t>Suppose, we are adding two numbers with gas limit  = 120 and for that the contract must do the following actions:</a:t>
+            </a:r>
+          </a:p>
+          <a:p>
+            <a:pPr marL="285750" indent="-285750">
+              <a:buFont typeface="Arial" panose="020B0604020202020204" pitchFamily="34" charset="0"/>
+              <a:buChar char="•"/>
+            </a:pPr>
+            <a:r>
+              <a:rPr lang="en-US" sz="1600" dirty="0"/>
+              <a:t>Storing 10 in a variable. Let’s say this operation costs 45 gas.</a:t>
+            </a:r>
+          </a:p>
+          <a:p>
+            <a:pPr marL="285750" indent="-285750">
+              <a:buFont typeface="Arial" panose="020B0604020202020204" pitchFamily="34" charset="0"/>
+              <a:buChar char="•"/>
+            </a:pPr>
+            <a:r>
+              <a:rPr lang="en-US" sz="1600" dirty="0"/>
+              <a:t>Adding two variables, let’s say this costs 10 gas.</a:t>
+            </a:r>
+          </a:p>
+          <a:p>
+            <a:pPr marL="285750" indent="-285750">
+              <a:buFont typeface="Arial" panose="020B0604020202020204" pitchFamily="34" charset="0"/>
+              <a:buChar char="•"/>
+            </a:pPr>
+            <a:r>
+              <a:rPr lang="en-US" sz="1600" dirty="0"/>
+              <a:t>Storing the result which again costs 45 gas.</a:t>
+            </a:r>
+          </a:p>
+          <a:p>
+            <a:r>
+              <a:rPr lang="en-US" sz="1600" dirty="0"/>
+              <a:t>Total Gas = 100 gas</a:t>
+            </a:r>
+          </a:p>
+          <a:p>
+            <a:r>
+              <a:rPr lang="en-US" sz="1600" dirty="0"/>
+              <a:t>Fee owed (miner) 1 gas = 20 </a:t>
+            </a:r>
+            <a:r>
+              <a:rPr lang="en-US" sz="1600" dirty="0" err="1"/>
+              <a:t>Gwei</a:t>
+            </a:r>
+            <a:r>
+              <a:rPr lang="en-US" sz="1600" dirty="0"/>
+              <a:t> is </a:t>
+            </a:r>
+          </a:p>
+          <a:p>
+            <a:r>
+              <a:rPr lang="en-US" sz="1600" dirty="0"/>
+              <a:t>(100 * </a:t>
+            </a:r>
+            <a:r>
+              <a:rPr lang="en-US" sz="1600" dirty="0">
+                <a:hlinkClick r:id="rId2"/>
+              </a:rPr>
+              <a:t>20 </a:t>
+            </a:r>
+            <a:r>
+              <a:rPr lang="en-US" sz="1600" dirty="0" err="1">
+                <a:hlinkClick r:id="rId2"/>
+              </a:rPr>
+              <a:t>Gwei</a:t>
+            </a:r>
+            <a:r>
+              <a:rPr lang="en-US" sz="1600" dirty="0"/>
+              <a:t>) = 0.000002 ETH.</a:t>
+            </a:r>
+          </a:p>
+          <a:p>
+            <a:r>
+              <a:rPr lang="en-US" sz="1600" dirty="0"/>
+              <a:t>The 20 unused gas is returned back to the sender</a:t>
+            </a:r>
+          </a:p>
+        </p:txBody>
+      </p:sp>
+      <p:sp>
+        <p:nvSpPr>
+          <p:cNvPr id="3" name="Rectangle 2">
+            <a:extLst>
+              <a:ext uri="{FF2B5EF4-FFF2-40B4-BE49-F238E27FC236}">
+                <a16:creationId xmlns:a16="http://schemas.microsoft.com/office/drawing/2014/main" id="{0F6D968A-21C6-4EDD-B9CA-63A6FE5A3B5B}"/>
+              </a:ext>
+            </a:extLst>
+          </p:cNvPr>
+          <p:cNvSpPr/>
+          <p:nvPr/>
+        </p:nvSpPr>
+        <p:spPr>
+          <a:xfrm>
+            <a:off x="5132828" y="5753839"/>
+            <a:ext cx="6278881" cy="738664"/>
+          </a:xfrm>
+          <a:prstGeom prst="rect">
+            <a:avLst/>
+          </a:prstGeom>
+        </p:spPr>
+        <p:txBody>
+          <a:bodyPr wrap="square">
+            <a:spAutoFit/>
+          </a:bodyPr>
+          <a:lstStyle/>
+          <a:p>
+            <a:r>
+              <a:rPr lang="en-US" sz="1400" dirty="0">
+                <a:solidFill>
+                  <a:srgbClr val="13212F"/>
+                </a:solidFill>
+                <a:latin typeface="SegoeUI"/>
+              </a:rPr>
+              <a:t>If an operation runs out of gas the operation generator must STILL pay the miners the fee for their computational costs and the operation gets added to the blockchain (even if it has not been executed).</a:t>
+            </a:r>
+            <a:endParaRPr lang="en-US" sz="1400" dirty="0"/>
+          </a:p>
+        </p:txBody>
+      </p:sp>
+    </p:spTree>
+    <p:extLst>
+      <p:ext uri="{BB962C8B-B14F-4D97-AF65-F5344CB8AC3E}">
+        <p14:creationId xmlns:p14="http://schemas.microsoft.com/office/powerpoint/2010/main" val="3247151688"/>
+      </p:ext>
+    </p:extLst>
+  </p:cSld>
+  <p:clrMapOvr>
+    <a:masterClrMapping/>
+  </p:clrMapOvr>
+</p:sld>
+</file>
+
+<file path=ppt/slides/slide14.xml><?xml version="1.0" encoding="utf-8"?>
+<p:sld xmlns:a="http://schemas.openxmlformats.org/drawingml/2006/main" xmlns:r="http://schemas.openxmlformats.org/officeDocument/2006/relationships" xmlns:p="http://schemas.openxmlformats.org/presentationml/2006/main">
+  <p:cSld>
+    <p:spTree>
+      <p:nvGrpSpPr>
+        <p:cNvPr id="1" name=""/>
+        <p:cNvGrpSpPr/>
+        <p:nvPr/>
+      </p:nvGrpSpPr>
+      <p:grpSpPr>
+        <a:xfrm>
+          <a:off x="0" y="0"/>
+          <a:ext cx="0" cy="0"/>
+          <a:chOff x="0" y="0"/>
+          <a:chExt cx="0" cy="0"/>
+        </a:xfrm>
+      </p:grpSpPr>
+      <p:sp>
+        <p:nvSpPr>
+          <p:cNvPr id="5" name="Title 4">
+            <a:extLst>
+              <a:ext uri="{FF2B5EF4-FFF2-40B4-BE49-F238E27FC236}">
+                <a16:creationId xmlns:a16="http://schemas.microsoft.com/office/drawing/2014/main" id="{8B7E9EE4-5252-46A4-86C9-96F48C290BC2}"/>
+              </a:ext>
+            </a:extLst>
+          </p:cNvPr>
+          <p:cNvSpPr>
+            <a:spLocks noGrp="1"/>
+          </p:cNvSpPr>
+          <p:nvPr>
+            <p:ph type="title"/>
+          </p:nvPr>
+        </p:nvSpPr>
+        <p:spPr>
+          <a:xfrm>
+            <a:off x="569976" y="2856694"/>
+            <a:ext cx="11353800" cy="1325563"/>
+          </a:xfrm>
+        </p:spPr>
+        <p:txBody>
+          <a:bodyPr/>
+          <a:lstStyle/>
+          <a:p>
+            <a:pPr algn="ctr"/>
+            <a:r>
+              <a:rPr lang="en-US" dirty="0">
+                <a:solidFill>
+                  <a:schemeClr val="tx1"/>
+                </a:solidFill>
+              </a:rPr>
+              <a:t>Code Walk through</a:t>
+            </a:r>
+          </a:p>
+        </p:txBody>
+      </p:sp>
+      <p:pic>
+        <p:nvPicPr>
+          <p:cNvPr id="3074" name="Picture 2" descr="Image result for step by step guide">
+            <a:extLst>
+              <a:ext uri="{FF2B5EF4-FFF2-40B4-BE49-F238E27FC236}">
+                <a16:creationId xmlns:a16="http://schemas.microsoft.com/office/drawing/2014/main" id="{EE7F1202-1170-4F6F-AB86-34BB039B8E73}"/>
+              </a:ext>
+            </a:extLst>
+          </p:cNvPr>
+          <p:cNvPicPr>
+            <a:picLocks noChangeAspect="1" noChangeArrowheads="1"/>
+          </p:cNvPicPr>
+          <p:nvPr/>
+        </p:nvPicPr>
+        <p:blipFill>
+          <a:blip r:embed="rId2">
+            <a:extLst>
+              <a:ext uri="{28A0092B-C50C-407E-A947-70E740481C1C}">
+                <a14:useLocalDpi xmlns:a14="http://schemas.microsoft.com/office/drawing/2010/main" val="0"/>
+              </a:ext>
+            </a:extLst>
+          </a:blip>
+          <a:srcRect/>
+          <a:stretch>
+            <a:fillRect/>
+          </a:stretch>
+        </p:blipFill>
+        <p:spPr bwMode="auto">
+          <a:xfrm>
+            <a:off x="4876800" y="3843528"/>
+            <a:ext cx="2767584" cy="2767584"/>
+          </a:xfrm>
+          <a:prstGeom prst="rect">
+            <a:avLst/>
+          </a:prstGeom>
+          <a:noFill/>
+          <a:extLst>
+            <a:ext uri="{909E8E84-426E-40DD-AFC4-6F175D3DCCD1}">
+              <a14:hiddenFill xmlns:a14="http://schemas.microsoft.com/office/drawing/2010/main">
+                <a:solidFill>
+                  <a:srgbClr val="FFFFFF"/>
+                </a:solidFill>
+              </a14:hiddenFill>
+            </a:ext>
+          </a:extLst>
+        </p:spPr>
+      </p:pic>
+    </p:spTree>
+    <p:extLst>
+      <p:ext uri="{BB962C8B-B14F-4D97-AF65-F5344CB8AC3E}">
+        <p14:creationId xmlns:p14="http://schemas.microsoft.com/office/powerpoint/2010/main" val="1973230044"/>
+      </p:ext>
+    </p:extLst>
+  </p:cSld>
+  <p:clrMapOvr>
+    <a:masterClrMapping/>
+  </p:clrMapOvr>
+</p:sld>
+</file>
+
+<file path=ppt/slides/slide15.xml><?xml version="1.0" encoding="utf-8"?>
+<p:sld xmlns:a="http://schemas.openxmlformats.org/drawingml/2006/main" xmlns:r="http://schemas.openxmlformats.org/officeDocument/2006/relationships" xmlns:p="http://schemas.openxmlformats.org/presentationml/2006/main">
+  <p:cSld>
+    <p:spTree>
+      <p:nvGrpSpPr>
+        <p:cNvPr id="1" name=""/>
+        <p:cNvGrpSpPr/>
+        <p:nvPr/>
+      </p:nvGrpSpPr>
+      <p:grpSpPr>
+        <a:xfrm>
+          <a:off x="0" y="0"/>
+          <a:ext cx="0" cy="0"/>
+          <a:chOff x="0" y="0"/>
+          <a:chExt cx="0" cy="0"/>
+        </a:xfrm>
+      </p:grpSpPr>
+      <p:pic>
+        <p:nvPicPr>
+          <p:cNvPr id="4098" name="Picture 2" descr="Image result for question and answer">
+            <a:extLst>
+              <a:ext uri="{FF2B5EF4-FFF2-40B4-BE49-F238E27FC236}">
+                <a16:creationId xmlns:a16="http://schemas.microsoft.com/office/drawing/2014/main" id="{4B625241-B303-41E2-B5BC-3B15BAF30D90}"/>
+              </a:ext>
+            </a:extLst>
+          </p:cNvPr>
+          <p:cNvPicPr>
+            <a:picLocks noChangeAspect="1" noChangeArrowheads="1"/>
+          </p:cNvPicPr>
+          <p:nvPr/>
+        </p:nvPicPr>
+        <p:blipFill>
+          <a:blip r:embed="rId2">
+            <a:extLst>
+              <a:ext uri="{28A0092B-C50C-407E-A947-70E740481C1C}">
+                <a14:useLocalDpi xmlns:a14="http://schemas.microsoft.com/office/drawing/2010/main" val="0"/>
+              </a:ext>
+            </a:extLst>
+          </a:blip>
+          <a:srcRect/>
+          <a:stretch>
+            <a:fillRect/>
+          </a:stretch>
+        </p:blipFill>
+        <p:spPr bwMode="auto">
+          <a:xfrm>
+            <a:off x="4085654" y="2211134"/>
+            <a:ext cx="3961066" cy="3961066"/>
+          </a:xfrm>
+          <a:prstGeom prst="rect">
+            <a:avLst/>
+          </a:prstGeom>
+          <a:noFill/>
+          <a:extLst>
+            <a:ext uri="{909E8E84-426E-40DD-AFC4-6F175D3DCCD1}">
+              <a14:hiddenFill xmlns:a14="http://schemas.microsoft.com/office/drawing/2010/main">
+                <a:solidFill>
+                  <a:srgbClr val="FFFFFF"/>
+                </a:solidFill>
+              </a14:hiddenFill>
+            </a:ext>
+          </a:extLst>
+        </p:spPr>
+      </p:pic>
+    </p:spTree>
+    <p:extLst>
+      <p:ext uri="{BB962C8B-B14F-4D97-AF65-F5344CB8AC3E}">
+        <p14:creationId xmlns:p14="http://schemas.microsoft.com/office/powerpoint/2010/main" val="1420639569"/>
+      </p:ext>
+    </p:extLst>
+  </p:cSld>
+  <p:clrMapOvr>
+    <a:masterClrMapping/>
+  </p:clrMapOvr>
+</p:sld>
+</file>
+
+<file path=ppt/slides/slide16.xml><?xml version="1.0" encoding="utf-8"?>
+<p:sld xmlns:a="http://schemas.openxmlformats.org/drawingml/2006/main" xmlns:r="http://schemas.openxmlformats.org/officeDocument/2006/relationships" xmlns:p="http://schemas.openxmlformats.org/presentationml/2006/main">
+  <p:cSld>
+    <p:spTree>
+      <p:nvGrpSpPr>
+        <p:cNvPr id="1" name=""/>
+        <p:cNvGrpSpPr/>
+        <p:nvPr/>
+      </p:nvGrpSpPr>
+      <p:grpSpPr>
+        <a:xfrm>
+          <a:off x="0" y="0"/>
+          <a:ext cx="0" cy="0"/>
+          <a:chOff x="0" y="0"/>
+          <a:chExt cx="0" cy="0"/>
+        </a:xfrm>
+      </p:grpSpPr>
+      <p:pic>
+        <p:nvPicPr>
+          <p:cNvPr id="2050" name="Picture 2" descr="Image result for Thank YOu">
+            <a:extLst>
+              <a:ext uri="{FF2B5EF4-FFF2-40B4-BE49-F238E27FC236}">
+                <a16:creationId xmlns:a16="http://schemas.microsoft.com/office/drawing/2014/main" id="{080F98D0-F647-433D-9787-CE384F3C8EB9}"/>
+              </a:ext>
+            </a:extLst>
+          </p:cNvPr>
+          <p:cNvPicPr>
+            <a:picLocks noChangeAspect="1" noChangeArrowheads="1"/>
+          </p:cNvPicPr>
+          <p:nvPr/>
+        </p:nvPicPr>
+        <p:blipFill>
+          <a:blip r:embed="rId2">
+            <a:extLst>
+              <a:ext uri="{28A0092B-C50C-407E-A947-70E740481C1C}">
+                <a14:useLocalDpi xmlns:a14="http://schemas.microsoft.com/office/drawing/2010/main" val="0"/>
+              </a:ext>
+            </a:extLst>
+          </a:blip>
+          <a:srcRect/>
+          <a:stretch>
+            <a:fillRect/>
+          </a:stretch>
+        </p:blipFill>
+        <p:spPr bwMode="auto">
+          <a:xfrm>
+            <a:off x="3584448" y="2607375"/>
+            <a:ext cx="5413248" cy="3050238"/>
+          </a:xfrm>
+          <a:prstGeom prst="rect">
+            <a:avLst/>
+          </a:prstGeom>
+          <a:noFill/>
+          <a:extLst>
+            <a:ext uri="{909E8E84-426E-40DD-AFC4-6F175D3DCCD1}">
+              <a14:hiddenFill xmlns:a14="http://schemas.microsoft.com/office/drawing/2010/main">
+                <a:solidFill>
+                  <a:srgbClr val="FFFFFF"/>
+                </a:solidFill>
+              </a14:hiddenFill>
+            </a:ext>
+          </a:extLst>
+        </p:spPr>
+      </p:pic>
+    </p:spTree>
+    <p:extLst>
+      <p:ext uri="{BB962C8B-B14F-4D97-AF65-F5344CB8AC3E}">
+        <p14:creationId xmlns:p14="http://schemas.microsoft.com/office/powerpoint/2010/main" val="4183868056"/>
       </p:ext>
     </p:extLst>
   </p:cSld>
@@ -10645,7 +11723,7 @@
             <a:pPr algn="just"/>
             <a:r>
               <a:rPr lang="en-US" sz="2800" dirty="0"/>
-              <a:t>Blockchain and Smart Contracts</a:t>
+              <a:t>Blockchain, D-Apps and Smart Contracts</a:t>
             </a:r>
           </a:p>
           <a:p>
@@ -10659,7 +11737,7 @@
             <a:pPr algn="just"/>
             <a:r>
               <a:rPr lang="en-US" sz="2800" dirty="0"/>
-              <a:t>Demo implementation/architecture. </a:t>
+              <a:t>Demo implementation architecture. </a:t>
             </a:r>
           </a:p>
           <a:p>
@@ -11286,30 +12364,13 @@
       </p:grpSpPr>
       <p:sp>
         <p:nvSpPr>
-          <p:cNvPr id="6" name="Slide Number Placeholder 5"/>
-          <p:cNvSpPr>
-            <a:spLocks noGrp="1"/>
-          </p:cNvSpPr>
-          <p:nvPr>
-            <p:ph type="sldNum" sz="quarter" idx="12"/>
-          </p:nvPr>
-        </p:nvSpPr>
-        <p:spPr/>
-        <p:txBody>
-          <a:bodyPr/>
-          <a:lstStyle/>
-          <a:p>
-            <a:fld id="{0FA269BB-9CF1-436E-9ADF-E46804694E4E}" type="slidenum">
-              <a:rPr lang="en-US" smtClean="0"/>
-              <a:t>4</a:t>
-            </a:fld>
-            <a:endParaRPr lang="en-US"/>
-          </a:p>
-        </p:txBody>
-      </p:sp>
-      <p:sp>
-        <p:nvSpPr>
-          <p:cNvPr id="2" name="Title 1"/>
+          <p:cNvPr id="3" name="Title 2">
+            <a:extLst>
+              <a:ext uri="{FF2B5EF4-FFF2-40B4-BE49-F238E27FC236}">
+                <a16:creationId xmlns:a16="http://schemas.microsoft.com/office/drawing/2014/main" id="{01C7A0F6-AA7D-46B8-94E5-AA3D4BC48269}"/>
+              </a:ext>
+            </a:extLst>
+          </p:cNvPr>
           <p:cNvSpPr>
             <a:spLocks noGrp="1"/>
           </p:cNvSpPr>
@@ -11319,161 +12380,201 @@
         </p:nvSpPr>
         <p:spPr/>
         <p:txBody>
-          <a:bodyPr/>
+          <a:bodyPr>
+            <a:normAutofit fontScale="90000"/>
+          </a:bodyPr>
           <a:lstStyle/>
           <a:p>
             <a:r>
               <a:rPr lang="en-US" dirty="0"/>
-              <a:t>Dev tools</a:t>
-            </a:r>
-          </a:p>
-        </p:txBody>
-      </p:sp>
-      <p:sp>
-        <p:nvSpPr>
-          <p:cNvPr id="12" name="Content Placeholder 2">
-            <a:extLst>
-              <a:ext uri="{FF2B5EF4-FFF2-40B4-BE49-F238E27FC236}">
-                <a16:creationId xmlns:a16="http://schemas.microsoft.com/office/drawing/2014/main" id="{73EE1E34-AA80-4D48-9F43-0D297FCECEC2}"/>
-              </a:ext>
-            </a:extLst>
-          </p:cNvPr>
-          <p:cNvSpPr>
-            <a:spLocks noGrp="1"/>
-          </p:cNvSpPr>
-          <p:nvPr>
-            <p:ph idx="1"/>
-          </p:nvPr>
+              <a:t>D-Apps(Decentralized </a:t>
+            </a:r>
+            <a:br>
+              <a:rPr lang="en-US" dirty="0"/>
+            </a:br>
+            <a:r>
+              <a:rPr lang="en-US" dirty="0"/>
+              <a:t>Applications)</a:t>
+            </a:r>
+          </a:p>
+        </p:txBody>
+      </p:sp>
+      <p:sp>
+        <p:nvSpPr>
+          <p:cNvPr id="5" name="Rectangle 4">
+            <a:extLst>
+              <a:ext uri="{FF2B5EF4-FFF2-40B4-BE49-F238E27FC236}">
+                <a16:creationId xmlns:a16="http://schemas.microsoft.com/office/drawing/2014/main" id="{D598F40E-CA1F-48F6-81DB-E6BFE7C02C5E}"/>
+              </a:ext>
+            </a:extLst>
+          </p:cNvPr>
+          <p:cNvSpPr/>
+          <p:nvPr/>
         </p:nvSpPr>
         <p:spPr>
           <a:xfrm>
-            <a:off x="252984" y="2133334"/>
-            <a:ext cx="8439603" cy="4074425"/>
+            <a:off x="207264" y="1753999"/>
+            <a:ext cx="11789664" cy="923330"/>
           </a:xfrm>
+          <a:prstGeom prst="rect">
+            <a:avLst/>
+          </a:prstGeom>
         </p:spPr>
         <p:txBody>
-          <a:bodyPr>
+          <a:bodyPr wrap="square">
+            <a:spAutoFit/>
+          </a:bodyPr>
+          <a:lstStyle/>
+          <a:p>
+            <a:pPr marL="285750" indent="-285750">
+              <a:buFont typeface="Arial" panose="020B0604020202020204" pitchFamily="34" charset="0"/>
+              <a:buChar char="•"/>
+            </a:pPr>
+            <a:r>
+              <a:rPr lang="en-US" dirty="0"/>
+              <a:t>Decentralized applications (</a:t>
+            </a:r>
+            <a:r>
+              <a:rPr lang="en-US" dirty="0" err="1"/>
+              <a:t>dApps</a:t>
+            </a:r>
+            <a:r>
+              <a:rPr lang="en-US" dirty="0"/>
+              <a:t>) are applications that run on a P2P network of computers rather than some kind of hosting service.</a:t>
+            </a:r>
+          </a:p>
+          <a:p>
+            <a:pPr marL="285750" indent="-285750">
+              <a:buFont typeface="Arial" panose="020B0604020202020204" pitchFamily="34" charset="0"/>
+              <a:buChar char="•"/>
+            </a:pPr>
+            <a:r>
+              <a:rPr lang="en-US" dirty="0"/>
+              <a:t>D-Apps are a ‘blockchain enabled’, where the Smart Contract is used to connect to the blockchain</a:t>
+            </a:r>
+          </a:p>
+        </p:txBody>
+      </p:sp>
+      <p:sp>
+        <p:nvSpPr>
+          <p:cNvPr id="6" name="Rectangle: Rounded Corners 5">
+            <a:extLst>
+              <a:ext uri="{FF2B5EF4-FFF2-40B4-BE49-F238E27FC236}">
+                <a16:creationId xmlns:a16="http://schemas.microsoft.com/office/drawing/2014/main" id="{CE32A826-1A6D-47B8-BF4A-0156FA19569C}"/>
+              </a:ext>
+            </a:extLst>
+          </p:cNvPr>
+          <p:cNvSpPr/>
+          <p:nvPr/>
+        </p:nvSpPr>
+        <p:spPr>
+          <a:xfrm>
+            <a:off x="2170176" y="3112008"/>
+            <a:ext cx="2767584" cy="633984"/>
+          </a:xfrm>
+          <a:prstGeom prst="roundRect">
+            <a:avLst/>
+          </a:prstGeom>
+          <a:solidFill>
+            <a:schemeClr val="bg1"/>
+          </a:solidFill>
+        </p:spPr>
+        <p:style>
+          <a:lnRef idx="2">
+            <a:schemeClr val="accent1">
+              <a:shade val="50000"/>
+            </a:schemeClr>
+          </a:lnRef>
+          <a:fillRef idx="1">
+            <a:schemeClr val="accent1"/>
+          </a:fillRef>
+          <a:effectRef idx="0">
+            <a:schemeClr val="accent1"/>
+          </a:effectRef>
+          <a:fontRef idx="minor">
+            <a:schemeClr val="lt1"/>
+          </a:fontRef>
+        </p:style>
+        <p:txBody>
+          <a:bodyPr rtlCol="0" anchor="ctr"/>
+          <a:lstStyle/>
+          <a:p>
+            <a:pPr algn="ctr"/>
+            <a:r>
+              <a:rPr lang="en-US" dirty="0">
+                <a:solidFill>
+                  <a:schemeClr val="tx1"/>
+                </a:solidFill>
+              </a:rPr>
+              <a:t>      Front End</a:t>
+            </a:r>
+          </a:p>
+        </p:txBody>
+      </p:sp>
+      <p:sp>
+        <p:nvSpPr>
+          <p:cNvPr id="7" name="Rectangle: Rounded Corners 6">
+            <a:extLst>
+              <a:ext uri="{FF2B5EF4-FFF2-40B4-BE49-F238E27FC236}">
+                <a16:creationId xmlns:a16="http://schemas.microsoft.com/office/drawing/2014/main" id="{C6C7A8A1-A47C-4AD3-8A51-D635ABF0090E}"/>
+              </a:ext>
+            </a:extLst>
+          </p:cNvPr>
+          <p:cNvSpPr/>
+          <p:nvPr/>
+        </p:nvSpPr>
+        <p:spPr>
+          <a:xfrm>
+            <a:off x="2170176" y="4110568"/>
+            <a:ext cx="2767584" cy="633984"/>
+          </a:xfrm>
+          <a:prstGeom prst="roundRect">
+            <a:avLst/>
+          </a:prstGeom>
+          <a:solidFill>
+            <a:schemeClr val="bg1"/>
+          </a:solidFill>
+        </p:spPr>
+        <p:style>
+          <a:lnRef idx="2">
+            <a:schemeClr val="accent1">
+              <a:shade val="50000"/>
+            </a:schemeClr>
+          </a:lnRef>
+          <a:fillRef idx="1">
+            <a:schemeClr val="accent1"/>
+          </a:fillRef>
+          <a:effectRef idx="0">
+            <a:schemeClr val="accent1"/>
+          </a:effectRef>
+          <a:fontRef idx="minor">
+            <a:schemeClr val="lt1"/>
+          </a:fontRef>
+        </p:style>
+        <p:txBody>
+          <a:bodyPr rot="0" spcFirstLastPara="0" vertOverflow="overflow" horzOverflow="overflow" vert="horz" wrap="square" lIns="91440" tIns="45720" rIns="91440" bIns="45720" numCol="1" spcCol="0" rtlCol="0" fromWordArt="0" anchor="ctr" anchorCtr="0" forceAA="0" compatLnSpc="1">
+            <a:prstTxWarp prst="textNoShape">
+              <a:avLst/>
+            </a:prstTxWarp>
             <a:noAutofit/>
           </a:bodyPr>
           <a:lstStyle/>
           <a:p>
-            <a:pPr marL="0" indent="0" algn="just">
-              <a:buNone/>
-            </a:pPr>
-            <a:r>
-              <a:rPr lang="en-US" sz="2000" dirty="0"/>
-              <a:t>Ethereum Nodes</a:t>
-            </a:r>
-          </a:p>
-          <a:p>
-            <a:pPr algn="just"/>
-            <a:r>
-              <a:rPr lang="en-US" sz="1400" dirty="0"/>
-              <a:t>GETH – Command line interface for running full Ethereum nodes and spinning of distributed ledger.</a:t>
-            </a:r>
-          </a:p>
-          <a:p>
-            <a:pPr marL="0" indent="0" algn="just">
-              <a:buNone/>
-            </a:pPr>
-            <a:r>
-              <a:rPr lang="en-US" sz="2000" dirty="0"/>
-              <a:t>Ethereum Client</a:t>
-            </a:r>
-          </a:p>
-          <a:p>
-            <a:pPr algn="just"/>
-            <a:r>
-              <a:rPr lang="en-US" sz="1400" dirty="0"/>
-              <a:t>Nethereum.web3 </a:t>
-            </a:r>
-            <a:r>
-              <a:rPr lang="en-US" sz="1400" dirty="0" err="1"/>
-              <a:t>nuget</a:t>
-            </a:r>
-            <a:r>
-              <a:rPr lang="en-US" sz="1400" dirty="0"/>
-              <a:t> – For interacting with distributed ledger using RPC.</a:t>
-            </a:r>
-          </a:p>
-          <a:p>
-            <a:pPr marL="0" indent="0" algn="just">
-              <a:buNone/>
-            </a:pPr>
-            <a:endParaRPr lang="en-US" sz="2000" dirty="0"/>
-          </a:p>
-          <a:p>
-            <a:pPr marL="0" indent="0" algn="just">
-              <a:buNone/>
-            </a:pPr>
-            <a:r>
-              <a:rPr lang="en-US" sz="2000" dirty="0"/>
-              <a:t>Solidity (Contract oriented </a:t>
-            </a:r>
-            <a:r>
-              <a:rPr lang="en-US" sz="2000" dirty="0" err="1"/>
-              <a:t>progamming</a:t>
-            </a:r>
-            <a:r>
-              <a:rPr lang="en-US" sz="2000" dirty="0"/>
-              <a:t> language for writing smart contract)</a:t>
-            </a:r>
-          </a:p>
-          <a:p>
-            <a:pPr algn="just"/>
-            <a:r>
-              <a:rPr lang="en-US" sz="1400" dirty="0"/>
-              <a:t>Visual studio plugin</a:t>
-            </a:r>
-          </a:p>
-          <a:p>
-            <a:pPr algn="just"/>
-            <a:r>
-              <a:rPr lang="en-US" sz="1400" dirty="0"/>
-              <a:t>Remix online editor</a:t>
-            </a:r>
-          </a:p>
-          <a:p>
-            <a:pPr marL="0" indent="0" algn="just">
-              <a:buNone/>
-            </a:pPr>
-            <a:endParaRPr lang="en-US" sz="2000" dirty="0"/>
-          </a:p>
-          <a:p>
-            <a:pPr marL="0" indent="0" algn="just">
-              <a:buNone/>
-            </a:pPr>
-            <a:r>
-              <a:rPr lang="en-US" sz="2000" dirty="0"/>
-              <a:t>Standard dev tools</a:t>
-            </a:r>
-          </a:p>
-          <a:p>
-            <a:pPr algn="just"/>
-            <a:r>
-              <a:rPr lang="en-US" sz="1400" dirty="0"/>
-              <a:t>VS code for angular</a:t>
-            </a:r>
-          </a:p>
-          <a:p>
-            <a:pPr algn="just"/>
-            <a:r>
-              <a:rPr lang="en-US" sz="1400" dirty="0"/>
-              <a:t>VS for API’s</a:t>
-            </a:r>
-          </a:p>
-          <a:p>
-            <a:pPr lvl="1" algn="just"/>
-            <a:endParaRPr lang="en-US" sz="1600" dirty="0"/>
+            <a:pPr algn="ctr"/>
+            <a:endParaRPr lang="en-US" dirty="0">
+              <a:solidFill>
+                <a:schemeClr val="tx1"/>
+              </a:solidFill>
+            </a:endParaRPr>
           </a:p>
         </p:txBody>
       </p:sp>
       <p:pic>
         <p:nvPicPr>
-          <p:cNvPr id="3084" name="Picture 12" descr="Image result for ethereum">
-            <a:extLst>
-              <a:ext uri="{FF2B5EF4-FFF2-40B4-BE49-F238E27FC236}">
-                <a16:creationId xmlns:a16="http://schemas.microsoft.com/office/drawing/2014/main" id="{047E06DB-B555-46C8-BB4E-F9B23D1F6C1C}"/>
+          <p:cNvPr id="2050" name="Picture 2" descr="Related image">
+            <a:extLst>
+              <a:ext uri="{FF2B5EF4-FFF2-40B4-BE49-F238E27FC236}">
+                <a16:creationId xmlns:a16="http://schemas.microsoft.com/office/drawing/2014/main" id="{22B4AC60-06D9-4B45-BF95-0E00509D6E7A}"/>
               </a:ext>
             </a:extLst>
           </p:cNvPr>
@@ -11483,7 +12584,7 @@
           <p:nvPr/>
         </p:nvPicPr>
         <p:blipFill>
-          <a:blip r:embed="rId3">
+          <a:blip r:embed="rId2" cstate="print">
             <a:extLst>
               <a:ext uri="{28A0092B-C50C-407E-A947-70E740481C1C}">
                 <a14:useLocalDpi xmlns:a14="http://schemas.microsoft.com/office/drawing/2010/main" val="0"/>
@@ -11497,8 +12598,938 @@
         </p:blipFill>
         <p:spPr bwMode="auto">
           <a:xfrm>
-            <a:off x="8839199" y="2196696"/>
-            <a:ext cx="2654461" cy="4180776"/>
+            <a:off x="3982053" y="5343144"/>
+            <a:ext cx="704405" cy="866220"/>
+          </a:xfrm>
+          <a:prstGeom prst="rect">
+            <a:avLst/>
+          </a:prstGeom>
+          <a:noFill/>
+          <a:extLst>
+            <a:ext uri="{909E8E84-426E-40DD-AFC4-6F175D3DCCD1}">
+              <a14:hiddenFill xmlns:a14="http://schemas.microsoft.com/office/drawing/2010/main">
+                <a:solidFill>
+                  <a:srgbClr val="FFFFFF"/>
+                </a:solidFill>
+              </a14:hiddenFill>
+            </a:ext>
+          </a:extLst>
+        </p:spPr>
+      </p:pic>
+      <p:pic>
+        <p:nvPicPr>
+          <p:cNvPr id="2052" name="Picture 4" descr="Image result for web services">
+            <a:extLst>
+              <a:ext uri="{FF2B5EF4-FFF2-40B4-BE49-F238E27FC236}">
+                <a16:creationId xmlns:a16="http://schemas.microsoft.com/office/drawing/2014/main" id="{A73237B1-09AF-4AA4-9C6C-8BA4355870E5}"/>
+              </a:ext>
+            </a:extLst>
+          </p:cNvPr>
+          <p:cNvPicPr>
+            <a:picLocks noChangeAspect="1" noChangeArrowheads="1"/>
+          </p:cNvPicPr>
+          <p:nvPr/>
+        </p:nvPicPr>
+        <p:blipFill>
+          <a:blip r:embed="rId3" cstate="print">
+            <a:extLst>
+              <a:ext uri="{28A0092B-C50C-407E-A947-70E740481C1C}">
+                <a14:useLocalDpi xmlns:a14="http://schemas.microsoft.com/office/drawing/2010/main" val="0"/>
+              </a:ext>
+            </a:extLst>
+          </a:blip>
+          <a:srcRect/>
+          <a:stretch>
+            <a:fillRect/>
+          </a:stretch>
+        </p:blipFill>
+        <p:spPr bwMode="auto">
+          <a:xfrm>
+            <a:off x="2450797" y="5343143"/>
+            <a:ext cx="1121459" cy="871467"/>
+          </a:xfrm>
+          <a:prstGeom prst="rect">
+            <a:avLst/>
+          </a:prstGeom>
+          <a:noFill/>
+          <a:extLst>
+            <a:ext uri="{909E8E84-426E-40DD-AFC4-6F175D3DCCD1}">
+              <a14:hiddenFill xmlns:a14="http://schemas.microsoft.com/office/drawing/2010/main">
+                <a:solidFill>
+                  <a:srgbClr val="FFFFFF"/>
+                </a:solidFill>
+              </a14:hiddenFill>
+            </a:ext>
+          </a:extLst>
+        </p:spPr>
+      </p:pic>
+      <p:sp>
+        <p:nvSpPr>
+          <p:cNvPr id="16" name="Rectangle: Rounded Corners 15">
+            <a:extLst>
+              <a:ext uri="{FF2B5EF4-FFF2-40B4-BE49-F238E27FC236}">
+                <a16:creationId xmlns:a16="http://schemas.microsoft.com/office/drawing/2014/main" id="{7A7A2121-9E4A-42C7-9334-525DF4491814}"/>
+              </a:ext>
+            </a:extLst>
+          </p:cNvPr>
+          <p:cNvSpPr/>
+          <p:nvPr/>
+        </p:nvSpPr>
+        <p:spPr>
+          <a:xfrm>
+            <a:off x="7114032" y="3065423"/>
+            <a:ext cx="2767584" cy="633984"/>
+          </a:xfrm>
+          <a:prstGeom prst="roundRect">
+            <a:avLst/>
+          </a:prstGeom>
+          <a:solidFill>
+            <a:schemeClr val="bg1"/>
+          </a:solidFill>
+        </p:spPr>
+        <p:style>
+          <a:lnRef idx="2">
+            <a:schemeClr val="accent1">
+              <a:shade val="50000"/>
+            </a:schemeClr>
+          </a:lnRef>
+          <a:fillRef idx="1">
+            <a:schemeClr val="accent1"/>
+          </a:fillRef>
+          <a:effectRef idx="0">
+            <a:schemeClr val="accent1"/>
+          </a:effectRef>
+          <a:fontRef idx="minor">
+            <a:schemeClr val="lt1"/>
+          </a:fontRef>
+        </p:style>
+        <p:txBody>
+          <a:bodyPr rot="0" spcFirstLastPara="0" vertOverflow="overflow" horzOverflow="overflow" vert="horz" wrap="square" lIns="91440" tIns="45720" rIns="91440" bIns="45720" numCol="1" spcCol="0" rtlCol="0" fromWordArt="0" anchor="ctr" anchorCtr="0" forceAA="0" compatLnSpc="1">
+            <a:prstTxWarp prst="textNoShape">
+              <a:avLst/>
+            </a:prstTxWarp>
+            <a:noAutofit/>
+          </a:bodyPr>
+          <a:lstStyle/>
+          <a:p>
+            <a:pPr algn="ctr"/>
+            <a:r>
+              <a:rPr lang="en-US" dirty="0">
+                <a:solidFill>
+                  <a:schemeClr val="tx1"/>
+                </a:solidFill>
+              </a:rPr>
+              <a:t>        Front End</a:t>
+            </a:r>
+          </a:p>
+        </p:txBody>
+      </p:sp>
+      <p:sp>
+        <p:nvSpPr>
+          <p:cNvPr id="17" name="Rectangle: Rounded Corners 16">
+            <a:extLst>
+              <a:ext uri="{FF2B5EF4-FFF2-40B4-BE49-F238E27FC236}">
+                <a16:creationId xmlns:a16="http://schemas.microsoft.com/office/drawing/2014/main" id="{9E3FEF91-9ADF-4198-B176-C09F82FE8628}"/>
+              </a:ext>
+            </a:extLst>
+          </p:cNvPr>
+          <p:cNvSpPr/>
+          <p:nvPr/>
+        </p:nvSpPr>
+        <p:spPr>
+          <a:xfrm>
+            <a:off x="7114032" y="4063983"/>
+            <a:ext cx="2767584" cy="633984"/>
+          </a:xfrm>
+          <a:prstGeom prst="roundRect">
+            <a:avLst/>
+          </a:prstGeom>
+          <a:solidFill>
+            <a:schemeClr val="bg1"/>
+          </a:solidFill>
+        </p:spPr>
+        <p:style>
+          <a:lnRef idx="2">
+            <a:schemeClr val="accent1">
+              <a:shade val="50000"/>
+            </a:schemeClr>
+          </a:lnRef>
+          <a:fillRef idx="1">
+            <a:schemeClr val="accent1"/>
+          </a:fillRef>
+          <a:effectRef idx="0">
+            <a:schemeClr val="accent1"/>
+          </a:effectRef>
+          <a:fontRef idx="minor">
+            <a:schemeClr val="lt1"/>
+          </a:fontRef>
+        </p:style>
+        <p:txBody>
+          <a:bodyPr rot="0" spcFirstLastPara="0" vertOverflow="overflow" horzOverflow="overflow" vert="horz" wrap="square" lIns="91440" tIns="45720" rIns="91440" bIns="45720" numCol="1" spcCol="0" rtlCol="0" fromWordArt="0" anchor="ctr" anchorCtr="0" forceAA="0" compatLnSpc="1">
+            <a:prstTxWarp prst="textNoShape">
+              <a:avLst/>
+            </a:prstTxWarp>
+            <a:noAutofit/>
+          </a:bodyPr>
+          <a:lstStyle/>
+          <a:p>
+            <a:pPr algn="ctr"/>
+            <a:endParaRPr lang="en-US" dirty="0">
+              <a:solidFill>
+                <a:schemeClr val="tx1"/>
+              </a:solidFill>
+            </a:endParaRPr>
+          </a:p>
+        </p:txBody>
+      </p:sp>
+      <p:sp>
+        <p:nvSpPr>
+          <p:cNvPr id="8" name="Rectangle: Rounded Corners 7">
+            <a:extLst>
+              <a:ext uri="{FF2B5EF4-FFF2-40B4-BE49-F238E27FC236}">
+                <a16:creationId xmlns:a16="http://schemas.microsoft.com/office/drawing/2014/main" id="{E777A729-1F6F-4F6E-8A93-208948500B01}"/>
+              </a:ext>
+            </a:extLst>
+          </p:cNvPr>
+          <p:cNvSpPr/>
+          <p:nvPr/>
+        </p:nvSpPr>
+        <p:spPr>
+          <a:xfrm>
+            <a:off x="7144512" y="5010912"/>
+            <a:ext cx="2767584" cy="1584960"/>
+          </a:xfrm>
+          <a:prstGeom prst="roundRect">
+            <a:avLst/>
+          </a:prstGeom>
+          <a:solidFill>
+            <a:schemeClr val="bg1"/>
+          </a:solidFill>
+        </p:spPr>
+        <p:style>
+          <a:lnRef idx="2">
+            <a:schemeClr val="accent1">
+              <a:shade val="50000"/>
+            </a:schemeClr>
+          </a:lnRef>
+          <a:fillRef idx="1">
+            <a:schemeClr val="accent1"/>
+          </a:fillRef>
+          <a:effectRef idx="0">
+            <a:schemeClr val="accent1"/>
+          </a:effectRef>
+          <a:fontRef idx="minor">
+            <a:schemeClr val="lt1"/>
+          </a:fontRef>
+        </p:style>
+        <p:txBody>
+          <a:bodyPr rot="0" spcFirstLastPara="0" vertOverflow="overflow" horzOverflow="overflow" vert="horz" wrap="square" lIns="91440" tIns="45720" rIns="91440" bIns="45720" numCol="1" spcCol="0" rtlCol="0" fromWordArt="0" anchor="b" anchorCtr="0" forceAA="0" compatLnSpc="1">
+            <a:prstTxWarp prst="textNoShape">
+              <a:avLst/>
+            </a:prstTxWarp>
+            <a:noAutofit/>
+          </a:bodyPr>
+          <a:lstStyle/>
+          <a:p>
+            <a:endParaRPr lang="en-US" dirty="0">
+              <a:solidFill>
+                <a:schemeClr val="tx1"/>
+              </a:solidFill>
+            </a:endParaRPr>
+          </a:p>
+        </p:txBody>
+      </p:sp>
+      <p:sp>
+        <p:nvSpPr>
+          <p:cNvPr id="21" name="Rectangle: Rounded Corners 20">
+            <a:extLst>
+              <a:ext uri="{FF2B5EF4-FFF2-40B4-BE49-F238E27FC236}">
+                <a16:creationId xmlns:a16="http://schemas.microsoft.com/office/drawing/2014/main" id="{04571AC8-F05E-4422-A0AC-C85B0DC4FF60}"/>
+              </a:ext>
+            </a:extLst>
+          </p:cNvPr>
+          <p:cNvSpPr/>
+          <p:nvPr/>
+        </p:nvSpPr>
+        <p:spPr>
+          <a:xfrm>
+            <a:off x="7370064" y="5172455"/>
+            <a:ext cx="2292096" cy="481584"/>
+          </a:xfrm>
+          <a:prstGeom prst="roundRect">
+            <a:avLst/>
+          </a:prstGeom>
+          <a:solidFill>
+            <a:schemeClr val="bg1"/>
+          </a:solidFill>
+        </p:spPr>
+        <p:style>
+          <a:lnRef idx="2">
+            <a:schemeClr val="accent1">
+              <a:shade val="50000"/>
+            </a:schemeClr>
+          </a:lnRef>
+          <a:fillRef idx="1">
+            <a:schemeClr val="accent1"/>
+          </a:fillRef>
+          <a:effectRef idx="0">
+            <a:schemeClr val="accent1"/>
+          </a:effectRef>
+          <a:fontRef idx="minor">
+            <a:schemeClr val="lt1"/>
+          </a:fontRef>
+        </p:style>
+        <p:txBody>
+          <a:bodyPr rot="0" spcFirstLastPara="0" vertOverflow="overflow" horzOverflow="overflow" vert="horz" wrap="square" lIns="91440" tIns="45720" rIns="91440" bIns="45720" numCol="1" spcCol="0" rtlCol="0" fromWordArt="0" anchor="ctr" anchorCtr="0" forceAA="0" compatLnSpc="1">
+            <a:prstTxWarp prst="textNoShape">
+              <a:avLst/>
+            </a:prstTxWarp>
+            <a:noAutofit/>
+          </a:bodyPr>
+          <a:lstStyle/>
+          <a:p>
+            <a:pPr algn="ctr"/>
+            <a:r>
+              <a:rPr lang="en-US" dirty="0">
+                <a:solidFill>
+                  <a:schemeClr val="tx1"/>
+                </a:solidFill>
+              </a:rPr>
+              <a:t>Smart Contracts</a:t>
+            </a:r>
+          </a:p>
+        </p:txBody>
+      </p:sp>
+      <p:pic>
+        <p:nvPicPr>
+          <p:cNvPr id="1026" name="Picture 2" descr="Related image">
+            <a:extLst>
+              <a:ext uri="{FF2B5EF4-FFF2-40B4-BE49-F238E27FC236}">
+                <a16:creationId xmlns:a16="http://schemas.microsoft.com/office/drawing/2014/main" id="{FECB5605-E0CB-4EC0-92D1-E13CB5CC0FB1}"/>
+              </a:ext>
+            </a:extLst>
+          </p:cNvPr>
+          <p:cNvPicPr>
+            <a:picLocks noChangeAspect="1" noChangeArrowheads="1"/>
+          </p:cNvPicPr>
+          <p:nvPr/>
+        </p:nvPicPr>
+        <p:blipFill>
+          <a:blip r:embed="rId4" cstate="print">
+            <a:extLst>
+              <a:ext uri="{28A0092B-C50C-407E-A947-70E740481C1C}">
+                <a14:useLocalDpi xmlns:a14="http://schemas.microsoft.com/office/drawing/2010/main" val="0"/>
+              </a:ext>
+            </a:extLst>
+          </a:blip>
+          <a:srcRect/>
+          <a:stretch>
+            <a:fillRect/>
+          </a:stretch>
+        </p:blipFill>
+        <p:spPr bwMode="auto">
+          <a:xfrm>
+            <a:off x="8124601" y="5780419"/>
+            <a:ext cx="789655" cy="789655"/>
+          </a:xfrm>
+          <a:prstGeom prst="rect">
+            <a:avLst/>
+          </a:prstGeom>
+          <a:noFill/>
+          <a:extLst>
+            <a:ext uri="{909E8E84-426E-40DD-AFC4-6F175D3DCCD1}">
+              <a14:hiddenFill xmlns:a14="http://schemas.microsoft.com/office/drawing/2010/main">
+                <a:solidFill>
+                  <a:srgbClr val="FFFFFF"/>
+                </a:solidFill>
+              </a14:hiddenFill>
+            </a:ext>
+          </a:extLst>
+        </p:spPr>
+      </p:pic>
+      <p:cxnSp>
+        <p:nvCxnSpPr>
+          <p:cNvPr id="4" name="Straight Arrow Connector 3">
+            <a:extLst>
+              <a:ext uri="{FF2B5EF4-FFF2-40B4-BE49-F238E27FC236}">
+                <a16:creationId xmlns:a16="http://schemas.microsoft.com/office/drawing/2014/main" id="{B595E536-3DF7-4D6D-95A0-5D8F4B6CDFBA}"/>
+              </a:ext>
+            </a:extLst>
+          </p:cNvPr>
+          <p:cNvCxnSpPr>
+            <a:stCxn id="16" idx="2"/>
+            <a:endCxn id="17" idx="0"/>
+          </p:cNvCxnSpPr>
+          <p:nvPr/>
+        </p:nvCxnSpPr>
+        <p:spPr>
+          <a:xfrm>
+            <a:off x="8497824" y="3699407"/>
+            <a:ext cx="0" cy="364576"/>
+          </a:xfrm>
+          <a:prstGeom prst="straightConnector1">
+            <a:avLst/>
+          </a:prstGeom>
+          <a:ln w="38100">
+            <a:tailEnd type="triangle"/>
+          </a:ln>
+        </p:spPr>
+        <p:style>
+          <a:lnRef idx="1">
+            <a:schemeClr val="accent1"/>
+          </a:lnRef>
+          <a:fillRef idx="0">
+            <a:schemeClr val="accent1"/>
+          </a:fillRef>
+          <a:effectRef idx="0">
+            <a:schemeClr val="accent1"/>
+          </a:effectRef>
+          <a:fontRef idx="minor">
+            <a:schemeClr val="tx1"/>
+          </a:fontRef>
+        </p:style>
+      </p:cxnSp>
+      <p:cxnSp>
+        <p:nvCxnSpPr>
+          <p:cNvPr id="15" name="Straight Arrow Connector 14">
+            <a:extLst>
+              <a:ext uri="{FF2B5EF4-FFF2-40B4-BE49-F238E27FC236}">
+                <a16:creationId xmlns:a16="http://schemas.microsoft.com/office/drawing/2014/main" id="{DD1BE848-EF8E-4A88-AD11-5F466840E067}"/>
+              </a:ext>
+            </a:extLst>
+          </p:cNvPr>
+          <p:cNvCxnSpPr>
+            <a:cxnSpLocks/>
+            <a:stCxn id="17" idx="2"/>
+            <a:endCxn id="21" idx="0"/>
+          </p:cNvCxnSpPr>
+          <p:nvPr/>
+        </p:nvCxnSpPr>
+        <p:spPr>
+          <a:xfrm>
+            <a:off x="8497824" y="4697967"/>
+            <a:ext cx="18288" cy="474488"/>
+          </a:xfrm>
+          <a:prstGeom prst="straightConnector1">
+            <a:avLst/>
+          </a:prstGeom>
+          <a:ln w="38100">
+            <a:tailEnd type="triangle"/>
+          </a:ln>
+        </p:spPr>
+        <p:style>
+          <a:lnRef idx="1">
+            <a:schemeClr val="accent1"/>
+          </a:lnRef>
+          <a:fillRef idx="0">
+            <a:schemeClr val="accent1"/>
+          </a:fillRef>
+          <a:effectRef idx="0">
+            <a:schemeClr val="accent1"/>
+          </a:effectRef>
+          <a:fontRef idx="minor">
+            <a:schemeClr val="tx1"/>
+          </a:fontRef>
+        </p:style>
+      </p:cxnSp>
+      <p:cxnSp>
+        <p:nvCxnSpPr>
+          <p:cNvPr id="22" name="Straight Arrow Connector 21">
+            <a:extLst>
+              <a:ext uri="{FF2B5EF4-FFF2-40B4-BE49-F238E27FC236}">
+                <a16:creationId xmlns:a16="http://schemas.microsoft.com/office/drawing/2014/main" id="{29A6E4E9-7CB0-4D96-9C38-AA8A084C9D41}"/>
+              </a:ext>
+            </a:extLst>
+          </p:cNvPr>
+          <p:cNvCxnSpPr>
+            <a:cxnSpLocks/>
+            <a:stCxn id="6" idx="2"/>
+            <a:endCxn id="7" idx="0"/>
+          </p:cNvCxnSpPr>
+          <p:nvPr/>
+        </p:nvCxnSpPr>
+        <p:spPr>
+          <a:xfrm>
+            <a:off x="3553968" y="3745992"/>
+            <a:ext cx="0" cy="364576"/>
+          </a:xfrm>
+          <a:prstGeom prst="straightConnector1">
+            <a:avLst/>
+          </a:prstGeom>
+          <a:ln w="38100">
+            <a:tailEnd type="triangle"/>
+          </a:ln>
+        </p:spPr>
+        <p:style>
+          <a:lnRef idx="1">
+            <a:schemeClr val="accent1"/>
+          </a:lnRef>
+          <a:fillRef idx="0">
+            <a:schemeClr val="accent1"/>
+          </a:fillRef>
+          <a:effectRef idx="0">
+            <a:schemeClr val="accent1"/>
+          </a:effectRef>
+          <a:fontRef idx="minor">
+            <a:schemeClr val="tx1"/>
+          </a:fontRef>
+        </p:style>
+      </p:cxnSp>
+      <p:cxnSp>
+        <p:nvCxnSpPr>
+          <p:cNvPr id="25" name="Straight Arrow Connector 24">
+            <a:extLst>
+              <a:ext uri="{FF2B5EF4-FFF2-40B4-BE49-F238E27FC236}">
+                <a16:creationId xmlns:a16="http://schemas.microsoft.com/office/drawing/2014/main" id="{21DEB215-F5B4-479E-9371-71FA34E2436F}"/>
+              </a:ext>
+            </a:extLst>
+          </p:cNvPr>
+          <p:cNvCxnSpPr>
+            <a:cxnSpLocks/>
+            <a:stCxn id="7" idx="2"/>
+            <a:endCxn id="2052" idx="0"/>
+          </p:cNvCxnSpPr>
+          <p:nvPr/>
+        </p:nvCxnSpPr>
+        <p:spPr>
+          <a:xfrm flipH="1">
+            <a:off x="3011527" y="4744552"/>
+            <a:ext cx="542441" cy="598591"/>
+          </a:xfrm>
+          <a:prstGeom prst="straightConnector1">
+            <a:avLst/>
+          </a:prstGeom>
+          <a:ln w="38100">
+            <a:tailEnd type="triangle"/>
+          </a:ln>
+        </p:spPr>
+        <p:style>
+          <a:lnRef idx="1">
+            <a:schemeClr val="accent1"/>
+          </a:lnRef>
+          <a:fillRef idx="0">
+            <a:schemeClr val="accent1"/>
+          </a:fillRef>
+          <a:effectRef idx="0">
+            <a:schemeClr val="accent1"/>
+          </a:effectRef>
+          <a:fontRef idx="minor">
+            <a:schemeClr val="tx1"/>
+          </a:fontRef>
+        </p:style>
+      </p:cxnSp>
+      <p:cxnSp>
+        <p:nvCxnSpPr>
+          <p:cNvPr id="28" name="Straight Arrow Connector 27">
+            <a:extLst>
+              <a:ext uri="{FF2B5EF4-FFF2-40B4-BE49-F238E27FC236}">
+                <a16:creationId xmlns:a16="http://schemas.microsoft.com/office/drawing/2014/main" id="{9F01BF60-2D54-4641-8A7C-D28EAC34D4D8}"/>
+              </a:ext>
+            </a:extLst>
+          </p:cNvPr>
+          <p:cNvCxnSpPr>
+            <a:cxnSpLocks/>
+            <a:endCxn id="2050" idx="0"/>
+          </p:cNvCxnSpPr>
+          <p:nvPr/>
+        </p:nvCxnSpPr>
+        <p:spPr>
+          <a:xfrm>
+            <a:off x="3572256" y="4744552"/>
+            <a:ext cx="762000" cy="598592"/>
+          </a:xfrm>
+          <a:prstGeom prst="straightConnector1">
+            <a:avLst/>
+          </a:prstGeom>
+          <a:ln w="38100">
+            <a:tailEnd type="triangle"/>
+          </a:ln>
+        </p:spPr>
+        <p:style>
+          <a:lnRef idx="1">
+            <a:schemeClr val="accent1"/>
+          </a:lnRef>
+          <a:fillRef idx="0">
+            <a:schemeClr val="accent1"/>
+          </a:fillRef>
+          <a:effectRef idx="0">
+            <a:schemeClr val="accent1"/>
+          </a:effectRef>
+          <a:fontRef idx="minor">
+            <a:schemeClr val="tx1"/>
+          </a:fontRef>
+        </p:style>
+      </p:cxnSp>
+      <p:sp>
+        <p:nvSpPr>
+          <p:cNvPr id="27" name="TextBox 26">
+            <a:extLst>
+              <a:ext uri="{FF2B5EF4-FFF2-40B4-BE49-F238E27FC236}">
+                <a16:creationId xmlns:a16="http://schemas.microsoft.com/office/drawing/2014/main" id="{6A1F886E-A87F-4099-B880-15770B7C60B3}"/>
+              </a:ext>
+            </a:extLst>
+          </p:cNvPr>
+          <p:cNvSpPr txBox="1"/>
+          <p:nvPr/>
+        </p:nvSpPr>
+        <p:spPr>
+          <a:xfrm>
+            <a:off x="8816720" y="5942600"/>
+            <a:ext cx="1082308" cy="338554"/>
+          </a:xfrm>
+          <a:prstGeom prst="rect">
+            <a:avLst/>
+          </a:prstGeom>
+          <a:noFill/>
+        </p:spPr>
+        <p:txBody>
+          <a:bodyPr wrap="square" rtlCol="0">
+            <a:spAutoFit/>
+          </a:bodyPr>
+          <a:lstStyle/>
+          <a:p>
+            <a:r>
+              <a:rPr lang="en-US" sz="1600" dirty="0"/>
+              <a:t>Blockchain</a:t>
+            </a:r>
+          </a:p>
+        </p:txBody>
+      </p:sp>
+      <p:cxnSp>
+        <p:nvCxnSpPr>
+          <p:cNvPr id="33" name="Straight Arrow Connector 32">
+            <a:extLst>
+              <a:ext uri="{FF2B5EF4-FFF2-40B4-BE49-F238E27FC236}">
+                <a16:creationId xmlns:a16="http://schemas.microsoft.com/office/drawing/2014/main" id="{4ED94B98-5A58-4DCA-87E7-E777F8A97BF4}"/>
+              </a:ext>
+            </a:extLst>
+          </p:cNvPr>
+          <p:cNvCxnSpPr>
+            <a:cxnSpLocks/>
+          </p:cNvCxnSpPr>
+          <p:nvPr/>
+        </p:nvCxnSpPr>
+        <p:spPr>
+          <a:xfrm>
+            <a:off x="8497824" y="5654039"/>
+            <a:ext cx="18288" cy="288561"/>
+          </a:xfrm>
+          <a:prstGeom prst="straightConnector1">
+            <a:avLst/>
+          </a:prstGeom>
+          <a:ln w="38100">
+            <a:tailEnd type="triangle"/>
+          </a:ln>
+        </p:spPr>
+        <p:style>
+          <a:lnRef idx="1">
+            <a:schemeClr val="accent1"/>
+          </a:lnRef>
+          <a:fillRef idx="0">
+            <a:schemeClr val="accent1"/>
+          </a:fillRef>
+          <a:effectRef idx="0">
+            <a:schemeClr val="accent1"/>
+          </a:effectRef>
+          <a:fontRef idx="minor">
+            <a:schemeClr val="tx1"/>
+          </a:fontRef>
+        </p:style>
+      </p:cxnSp>
+      <p:pic>
+        <p:nvPicPr>
+          <p:cNvPr id="1030" name="Picture 6" descr="Image result for Web API icons">
+            <a:extLst>
+              <a:ext uri="{FF2B5EF4-FFF2-40B4-BE49-F238E27FC236}">
+                <a16:creationId xmlns:a16="http://schemas.microsoft.com/office/drawing/2014/main" id="{8A4DD7FB-6A8D-4922-A555-365B67A3F19F}"/>
+              </a:ext>
+            </a:extLst>
+          </p:cNvPr>
+          <p:cNvPicPr>
+            <a:picLocks noChangeAspect="1" noChangeArrowheads="1"/>
+          </p:cNvPicPr>
+          <p:nvPr/>
+        </p:nvPicPr>
+        <p:blipFill>
+          <a:blip r:embed="rId5" cstate="print">
+            <a:extLst>
+              <a:ext uri="{28A0092B-C50C-407E-A947-70E740481C1C}">
+                <a14:useLocalDpi xmlns:a14="http://schemas.microsoft.com/office/drawing/2010/main" val="0"/>
+              </a:ext>
+            </a:extLst>
+          </a:blip>
+          <a:srcRect/>
+          <a:stretch>
+            <a:fillRect/>
+          </a:stretch>
+        </p:blipFill>
+        <p:spPr bwMode="auto">
+          <a:xfrm>
+            <a:off x="8013875" y="3866869"/>
+            <a:ext cx="1028858" cy="1028858"/>
+          </a:xfrm>
+          <a:prstGeom prst="rect">
+            <a:avLst/>
+          </a:prstGeom>
+          <a:noFill/>
+          <a:extLst>
+            <a:ext uri="{909E8E84-426E-40DD-AFC4-6F175D3DCCD1}">
+              <a14:hiddenFill xmlns:a14="http://schemas.microsoft.com/office/drawing/2010/main">
+                <a:solidFill>
+                  <a:srgbClr val="FFFFFF"/>
+                </a:solidFill>
+              </a14:hiddenFill>
+            </a:ext>
+          </a:extLst>
+        </p:spPr>
+      </p:pic>
+      <p:pic>
+        <p:nvPicPr>
+          <p:cNvPr id="40" name="Picture 6" descr="Image result for Web API icons">
+            <a:extLst>
+              <a:ext uri="{FF2B5EF4-FFF2-40B4-BE49-F238E27FC236}">
+                <a16:creationId xmlns:a16="http://schemas.microsoft.com/office/drawing/2014/main" id="{58B544AE-E51A-4F0B-8744-35929D603DFF}"/>
+              </a:ext>
+            </a:extLst>
+          </p:cNvPr>
+          <p:cNvPicPr>
+            <a:picLocks noChangeAspect="1" noChangeArrowheads="1"/>
+          </p:cNvPicPr>
+          <p:nvPr/>
+        </p:nvPicPr>
+        <p:blipFill>
+          <a:blip r:embed="rId5" cstate="print">
+            <a:extLst>
+              <a:ext uri="{28A0092B-C50C-407E-A947-70E740481C1C}">
+                <a14:useLocalDpi xmlns:a14="http://schemas.microsoft.com/office/drawing/2010/main" val="0"/>
+              </a:ext>
+            </a:extLst>
+          </a:blip>
+          <a:srcRect/>
+          <a:stretch>
+            <a:fillRect/>
+          </a:stretch>
+        </p:blipFill>
+        <p:spPr bwMode="auto">
+          <a:xfrm>
+            <a:off x="3011526" y="3906353"/>
+            <a:ext cx="1028858" cy="1028858"/>
+          </a:xfrm>
+          <a:prstGeom prst="rect">
+            <a:avLst/>
+          </a:prstGeom>
+          <a:noFill/>
+          <a:extLst>
+            <a:ext uri="{909E8E84-426E-40DD-AFC4-6F175D3DCCD1}">
+              <a14:hiddenFill xmlns:a14="http://schemas.microsoft.com/office/drawing/2010/main">
+                <a:solidFill>
+                  <a:srgbClr val="FFFFFF"/>
+                </a:solidFill>
+              </a14:hiddenFill>
+            </a:ext>
+          </a:extLst>
+        </p:spPr>
+      </p:pic>
+      <p:sp>
+        <p:nvSpPr>
+          <p:cNvPr id="2051" name="TextBox 2050">
+            <a:extLst>
+              <a:ext uri="{FF2B5EF4-FFF2-40B4-BE49-F238E27FC236}">
+                <a16:creationId xmlns:a16="http://schemas.microsoft.com/office/drawing/2014/main" id="{F6EF2CBF-60CB-4FED-8C12-10D2C401611F}"/>
+              </a:ext>
+            </a:extLst>
+          </p:cNvPr>
+          <p:cNvSpPr txBox="1"/>
+          <p:nvPr/>
+        </p:nvSpPr>
+        <p:spPr>
+          <a:xfrm>
+            <a:off x="255920" y="3728889"/>
+            <a:ext cx="1906879" cy="707886"/>
+          </a:xfrm>
+          <a:prstGeom prst="rect">
+            <a:avLst/>
+          </a:prstGeom>
+          <a:noFill/>
+        </p:spPr>
+        <p:txBody>
+          <a:bodyPr wrap="square" rtlCol="0">
+            <a:spAutoFit/>
+          </a:bodyPr>
+          <a:lstStyle/>
+          <a:p>
+            <a:r>
+              <a:rPr lang="en-US" sz="2000" i="1" dirty="0"/>
+              <a:t>Traditional Web Applications</a:t>
+            </a:r>
+          </a:p>
+        </p:txBody>
+      </p:sp>
+      <p:sp>
+        <p:nvSpPr>
+          <p:cNvPr id="42" name="TextBox 41">
+            <a:extLst>
+              <a:ext uri="{FF2B5EF4-FFF2-40B4-BE49-F238E27FC236}">
+                <a16:creationId xmlns:a16="http://schemas.microsoft.com/office/drawing/2014/main" id="{2DFD3EF5-752C-4A6D-BDEC-E07341E4C0D0}"/>
+              </a:ext>
+            </a:extLst>
+          </p:cNvPr>
+          <p:cNvSpPr txBox="1"/>
+          <p:nvPr/>
+        </p:nvSpPr>
+        <p:spPr>
+          <a:xfrm>
+            <a:off x="10055936" y="3928280"/>
+            <a:ext cx="1906879" cy="707886"/>
+          </a:xfrm>
+          <a:prstGeom prst="rect">
+            <a:avLst/>
+          </a:prstGeom>
+          <a:noFill/>
+        </p:spPr>
+        <p:txBody>
+          <a:bodyPr wrap="square" rtlCol="0">
+            <a:spAutoFit/>
+          </a:bodyPr>
+          <a:lstStyle>
+            <a:defPPr>
+              <a:defRPr lang="en-US"/>
+            </a:defPPr>
+            <a:lvl1pPr>
+              <a:defRPr sz="2000" i="1"/>
+            </a:lvl1pPr>
+          </a:lstStyle>
+          <a:p>
+            <a:r>
+              <a:rPr lang="en-US" dirty="0"/>
+              <a:t>Decentralized</a:t>
+            </a:r>
+          </a:p>
+          <a:p>
+            <a:r>
+              <a:rPr lang="en-US" dirty="0"/>
+              <a:t>Applications</a:t>
+            </a:r>
+          </a:p>
+        </p:txBody>
+      </p:sp>
+      <p:cxnSp>
+        <p:nvCxnSpPr>
+          <p:cNvPr id="2054" name="Straight Connector 2053">
+            <a:extLst>
+              <a:ext uri="{FF2B5EF4-FFF2-40B4-BE49-F238E27FC236}">
+                <a16:creationId xmlns:a16="http://schemas.microsoft.com/office/drawing/2014/main" id="{9C8456F9-3BCD-4757-BCAB-E96726C06EB0}"/>
+              </a:ext>
+            </a:extLst>
+          </p:cNvPr>
+          <p:cNvCxnSpPr/>
+          <p:nvPr/>
+        </p:nvCxnSpPr>
+        <p:spPr>
+          <a:xfrm>
+            <a:off x="5949696" y="2677329"/>
+            <a:ext cx="0" cy="3918543"/>
+          </a:xfrm>
+          <a:prstGeom prst="line">
+            <a:avLst/>
+          </a:prstGeom>
+          <a:ln w="38100">
+            <a:prstDash val="sysDash"/>
+          </a:ln>
+        </p:spPr>
+        <p:style>
+          <a:lnRef idx="1">
+            <a:schemeClr val="accent1"/>
+          </a:lnRef>
+          <a:fillRef idx="0">
+            <a:schemeClr val="accent1"/>
+          </a:fillRef>
+          <a:effectRef idx="0">
+            <a:schemeClr val="accent1"/>
+          </a:effectRef>
+          <a:fontRef idx="minor">
+            <a:schemeClr val="tx1"/>
+          </a:fontRef>
+        </p:style>
+      </p:cxnSp>
+      <p:pic>
+        <p:nvPicPr>
+          <p:cNvPr id="1034" name="Picture 10" descr="Related image">
+            <a:extLst>
+              <a:ext uri="{FF2B5EF4-FFF2-40B4-BE49-F238E27FC236}">
+                <a16:creationId xmlns:a16="http://schemas.microsoft.com/office/drawing/2014/main" id="{E348A3B8-C6A8-40CF-A882-61131F89C9DF}"/>
+              </a:ext>
+            </a:extLst>
+          </p:cNvPr>
+          <p:cNvPicPr>
+            <a:picLocks noChangeAspect="1" noChangeArrowheads="1"/>
+          </p:cNvPicPr>
+          <p:nvPr/>
+        </p:nvPicPr>
+        <p:blipFill>
+          <a:blip r:embed="rId6" cstate="print">
+            <a:extLst>
+              <a:ext uri="{28A0092B-C50C-407E-A947-70E740481C1C}">
+                <a14:useLocalDpi xmlns:a14="http://schemas.microsoft.com/office/drawing/2010/main" val="0"/>
+              </a:ext>
+            </a:extLst>
+          </a:blip>
+          <a:srcRect/>
+          <a:stretch>
+            <a:fillRect/>
+          </a:stretch>
+        </p:blipFill>
+        <p:spPr bwMode="auto">
+          <a:xfrm>
+            <a:off x="2178200" y="3131787"/>
+            <a:ext cx="996535" cy="583907"/>
+          </a:xfrm>
+          <a:prstGeom prst="rect">
+            <a:avLst/>
+          </a:prstGeom>
+          <a:noFill/>
+          <a:extLst>
+            <a:ext uri="{909E8E84-426E-40DD-AFC4-6F175D3DCCD1}">
+              <a14:hiddenFill xmlns:a14="http://schemas.microsoft.com/office/drawing/2010/main">
+                <a:solidFill>
+                  <a:srgbClr val="FFFFFF"/>
+                </a:solidFill>
+              </a14:hiddenFill>
+            </a:ext>
+          </a:extLst>
+        </p:spPr>
+      </p:pic>
+      <p:pic>
+        <p:nvPicPr>
+          <p:cNvPr id="48" name="Picture 10" descr="Related image">
+            <a:extLst>
+              <a:ext uri="{FF2B5EF4-FFF2-40B4-BE49-F238E27FC236}">
+                <a16:creationId xmlns:a16="http://schemas.microsoft.com/office/drawing/2014/main" id="{2AB90FCC-B200-4709-81F5-BC6EFB64F83E}"/>
+              </a:ext>
+            </a:extLst>
+          </p:cNvPr>
+          <p:cNvPicPr>
+            <a:picLocks noChangeAspect="1" noChangeArrowheads="1"/>
+          </p:cNvPicPr>
+          <p:nvPr/>
+        </p:nvPicPr>
+        <p:blipFill>
+          <a:blip r:embed="rId6" cstate="print">
+            <a:extLst>
+              <a:ext uri="{28A0092B-C50C-407E-A947-70E740481C1C}">
+                <a14:useLocalDpi xmlns:a14="http://schemas.microsoft.com/office/drawing/2010/main" val="0"/>
+              </a:ext>
+            </a:extLst>
+          </a:blip>
+          <a:srcRect/>
+          <a:stretch>
+            <a:fillRect/>
+          </a:stretch>
+        </p:blipFill>
+        <p:spPr bwMode="auto">
+          <a:xfrm>
+            <a:off x="7150931" y="3078702"/>
+            <a:ext cx="996535" cy="583907"/>
           </a:xfrm>
           <a:prstGeom prst="rect">
             <a:avLst/>
@@ -11518,7 +13549,7 @@
     </p:spTree>
     <p:extLst>
       <p:ext uri="{BB962C8B-B14F-4D97-AF65-F5344CB8AC3E}">
-        <p14:creationId xmlns:p14="http://schemas.microsoft.com/office/powerpoint/2010/main" val="2520003504"/>
+        <p14:creationId xmlns:p14="http://schemas.microsoft.com/office/powerpoint/2010/main" val="2426859290"/>
       </p:ext>
     </p:extLst>
   </p:cSld>
@@ -11826,62 +13857,6 @@
           </a:p>
         </p:txBody>
       </p:sp>
-      <p:sp>
-        <p:nvSpPr>
-          <p:cNvPr id="5" name="Content Placeholder 2">
-            <a:extLst>
-              <a:ext uri="{FF2B5EF4-FFF2-40B4-BE49-F238E27FC236}">
-                <a16:creationId xmlns:a16="http://schemas.microsoft.com/office/drawing/2014/main" id="{CDE4E3DB-DA17-4EF4-9277-4E5D53532941}"/>
-              </a:ext>
-            </a:extLst>
-          </p:cNvPr>
-          <p:cNvSpPr>
-            <a:spLocks noGrp="1"/>
-          </p:cNvSpPr>
-          <p:nvPr>
-            <p:ph idx="1"/>
-          </p:nvPr>
-        </p:nvSpPr>
-        <p:spPr>
-          <a:xfrm>
-            <a:off x="649223" y="385248"/>
-            <a:ext cx="11731753" cy="926857"/>
-          </a:xfrm>
-        </p:spPr>
-        <p:txBody>
-          <a:bodyPr>
-            <a:noAutofit/>
-          </a:bodyPr>
-          <a:lstStyle/>
-          <a:p>
-            <a:pPr algn="just"/>
-            <a:r>
-              <a:rPr lang="en-US" sz="2000" b="1" dirty="0"/>
-              <a:t>Ethereum</a:t>
-            </a:r>
-            <a:r>
-              <a:rPr lang="en-US" sz="2000" dirty="0"/>
-              <a:t> - </a:t>
-            </a:r>
-            <a:r>
-              <a:rPr lang="en-US" sz="2000" b="1" dirty="0" err="1"/>
-              <a:t>Stratis</a:t>
-            </a:r>
-            <a:r>
-              <a:rPr lang="en-US" sz="2000" dirty="0"/>
-              <a:t> – </a:t>
-            </a:r>
-          </a:p>
-          <a:p>
-            <a:pPr algn="just"/>
-            <a:endParaRPr lang="en-US" sz="2000" dirty="0"/>
-          </a:p>
-          <a:p>
-            <a:pPr algn="just"/>
-            <a:endParaRPr lang="en-US" sz="2000" dirty="0"/>
-          </a:p>
-        </p:txBody>
-      </p:sp>
       <p:pic>
         <p:nvPicPr>
           <p:cNvPr id="1026" name="Picture 2" descr="Image result for quorum blockchain logo">
@@ -12056,12 +14031,12 @@
           <a:p>
             <a:pPr algn="just"/>
             <a:r>
-              <a:rPr lang="en-US" b="1" dirty="0">
+              <a:rPr lang="en-US" b="1" dirty="0" err="1">
                 <a:solidFill>
                   <a:schemeClr val="bg1"/>
                 </a:solidFill>
               </a:rPr>
-              <a:t>Quorum</a:t>
+              <a:t>Stratis</a:t>
             </a:r>
             <a:r>
               <a:rPr lang="en-US" dirty="0">
@@ -12311,8 +14286,95 @@
           <a:bodyPr rtlCol="0" anchor="ctr"/>
           <a:lstStyle/>
           <a:p>
-            <a:pPr algn="ctr"/>
+            <a:pPr marL="285750" indent="-285750">
+              <a:buFont typeface="Arial" panose="020B0604020202020204" pitchFamily="34" charset="0"/>
+              <a:buChar char="•"/>
+            </a:pPr>
             <a:endParaRPr lang="en-US" dirty="0"/>
+          </a:p>
+        </p:txBody>
+      </p:sp>
+      <p:pic>
+        <p:nvPicPr>
+          <p:cNvPr id="2" name="Picture 2" descr="Image result for hyperledger fabric icon">
+            <a:extLst>
+              <a:ext uri="{FF2B5EF4-FFF2-40B4-BE49-F238E27FC236}">
+                <a16:creationId xmlns:a16="http://schemas.microsoft.com/office/drawing/2014/main" id="{BCD67F5A-79D6-41B9-A7A8-23E2F40B76AD}"/>
+              </a:ext>
+            </a:extLst>
+          </p:cNvPr>
+          <p:cNvPicPr>
+            <a:picLocks noChangeAspect="1" noChangeArrowheads="1"/>
+          </p:cNvPicPr>
+          <p:nvPr/>
+        </p:nvPicPr>
+        <p:blipFill>
+          <a:blip r:embed="rId6" cstate="print">
+            <a:extLst>
+              <a:ext uri="{28A0092B-C50C-407E-A947-70E740481C1C}">
+                <a14:useLocalDpi xmlns:a14="http://schemas.microsoft.com/office/drawing/2010/main" val="0"/>
+              </a:ext>
+            </a:extLst>
+          </a:blip>
+          <a:srcRect/>
+          <a:stretch>
+            <a:fillRect/>
+          </a:stretch>
+        </p:blipFill>
+        <p:spPr bwMode="auto">
+          <a:xfrm>
+            <a:off x="6187439" y="4280454"/>
+            <a:ext cx="2676874" cy="1709927"/>
+          </a:xfrm>
+          <a:prstGeom prst="rect">
+            <a:avLst/>
+          </a:prstGeom>
+          <a:solidFill>
+            <a:schemeClr val="bg1"/>
+          </a:solidFill>
+          <a:ln>
+            <a:solidFill>
+              <a:schemeClr val="tx1"/>
+            </a:solidFill>
+          </a:ln>
+        </p:spPr>
+      </p:pic>
+      <p:sp>
+        <p:nvSpPr>
+          <p:cNvPr id="4" name="TextBox 3">
+            <a:extLst>
+              <a:ext uri="{FF2B5EF4-FFF2-40B4-BE49-F238E27FC236}">
+                <a16:creationId xmlns:a16="http://schemas.microsoft.com/office/drawing/2014/main" id="{4EFC7C79-5FB1-487B-B01B-F6CE86BD0702}"/>
+              </a:ext>
+            </a:extLst>
+          </p:cNvPr>
+          <p:cNvSpPr txBox="1"/>
+          <p:nvPr/>
+        </p:nvSpPr>
+        <p:spPr>
+          <a:xfrm>
+            <a:off x="8958072" y="4384500"/>
+            <a:ext cx="2676874" cy="923330"/>
+          </a:xfrm>
+          <a:prstGeom prst="rect">
+            <a:avLst/>
+          </a:prstGeom>
+          <a:noFill/>
+        </p:spPr>
+        <p:txBody>
+          <a:bodyPr wrap="square" rtlCol="0">
+            <a:spAutoFit/>
+          </a:bodyPr>
+          <a:lstStyle/>
+          <a:p>
+            <a:r>
+              <a:rPr lang="en-US" dirty="0">
+                <a:solidFill>
+                  <a:schemeClr val="bg1"/>
+                </a:solidFill>
+              </a:rPr>
+              <a:t>Supported By IBM, development tools with Java and Node.JS </a:t>
+            </a:r>
           </a:p>
         </p:txBody>
       </p:sp>
@@ -12348,6 +14410,267 @@
       </p:grpSpPr>
       <p:sp>
         <p:nvSpPr>
+          <p:cNvPr id="6" name="Slide Number Placeholder 5"/>
+          <p:cNvSpPr>
+            <a:spLocks noGrp="1"/>
+          </p:cNvSpPr>
+          <p:nvPr>
+            <p:ph type="sldNum" sz="quarter" idx="12"/>
+          </p:nvPr>
+        </p:nvSpPr>
+        <p:spPr/>
+        <p:txBody>
+          <a:bodyPr/>
+          <a:lstStyle/>
+          <a:p>
+            <a:fld id="{0FA269BB-9CF1-436E-9ADF-E46804694E4E}" type="slidenum">
+              <a:rPr lang="en-US" smtClean="0"/>
+              <a:t>7</a:t>
+            </a:fld>
+            <a:endParaRPr lang="en-US"/>
+          </a:p>
+        </p:txBody>
+      </p:sp>
+      <p:sp>
+        <p:nvSpPr>
+          <p:cNvPr id="2" name="Title 1"/>
+          <p:cNvSpPr>
+            <a:spLocks noGrp="1"/>
+          </p:cNvSpPr>
+          <p:nvPr>
+            <p:ph type="title"/>
+          </p:nvPr>
+        </p:nvSpPr>
+        <p:spPr/>
+        <p:txBody>
+          <a:bodyPr/>
+          <a:lstStyle/>
+          <a:p>
+            <a:r>
+              <a:rPr lang="en-US" dirty="0"/>
+              <a:t>Dev tools</a:t>
+            </a:r>
+          </a:p>
+        </p:txBody>
+      </p:sp>
+      <p:sp>
+        <p:nvSpPr>
+          <p:cNvPr id="12" name="Content Placeholder 2">
+            <a:extLst>
+              <a:ext uri="{FF2B5EF4-FFF2-40B4-BE49-F238E27FC236}">
+                <a16:creationId xmlns:a16="http://schemas.microsoft.com/office/drawing/2014/main" id="{73EE1E34-AA80-4D48-9F43-0D297FCECEC2}"/>
+              </a:ext>
+            </a:extLst>
+          </p:cNvPr>
+          <p:cNvSpPr>
+            <a:spLocks noGrp="1"/>
+          </p:cNvSpPr>
+          <p:nvPr>
+            <p:ph idx="1"/>
+          </p:nvPr>
+        </p:nvSpPr>
+        <p:spPr>
+          <a:xfrm>
+            <a:off x="252984" y="2133334"/>
+            <a:ext cx="8439603" cy="4074425"/>
+          </a:xfrm>
+        </p:spPr>
+        <p:txBody>
+          <a:bodyPr>
+            <a:noAutofit/>
+          </a:bodyPr>
+          <a:lstStyle/>
+          <a:p>
+            <a:pPr marL="0" indent="0" algn="just">
+              <a:buNone/>
+            </a:pPr>
+            <a:r>
+              <a:rPr lang="en-US" sz="2000" dirty="0"/>
+              <a:t>Ethereum Nodes</a:t>
+            </a:r>
+          </a:p>
+          <a:p>
+            <a:pPr algn="just"/>
+            <a:r>
+              <a:rPr lang="en-US" sz="1400" dirty="0"/>
+              <a:t>GETH – Command line interface for running full Ethereum nodes and spinning of distributed ledger.</a:t>
+            </a:r>
+          </a:p>
+          <a:p>
+            <a:pPr marL="0" indent="0" algn="just">
+              <a:buNone/>
+            </a:pPr>
+            <a:r>
+              <a:rPr lang="en-US" sz="2000" dirty="0"/>
+              <a:t>Ethereum Client</a:t>
+            </a:r>
+          </a:p>
+          <a:p>
+            <a:pPr algn="just"/>
+            <a:r>
+              <a:rPr lang="en-US" sz="1400" dirty="0"/>
+              <a:t>Nethereum.web3 </a:t>
+            </a:r>
+            <a:r>
+              <a:rPr lang="en-US" sz="1400" dirty="0" err="1"/>
+              <a:t>nuget</a:t>
+            </a:r>
+            <a:r>
+              <a:rPr lang="en-US" sz="1400" dirty="0"/>
+              <a:t> – For interacting with distributed ledger using RPC.</a:t>
+            </a:r>
+          </a:p>
+          <a:p>
+            <a:pPr marL="0" indent="0" algn="just">
+              <a:buNone/>
+            </a:pPr>
+            <a:endParaRPr lang="en-US" sz="2000" dirty="0"/>
+          </a:p>
+          <a:p>
+            <a:pPr marL="0" indent="0" algn="just">
+              <a:buNone/>
+            </a:pPr>
+            <a:r>
+              <a:rPr lang="en-US" sz="2000" dirty="0"/>
+              <a:t>Solidity (Contract oriented </a:t>
+            </a:r>
+            <a:r>
+              <a:rPr lang="en-US" sz="2000" dirty="0" err="1"/>
+              <a:t>progamming</a:t>
+            </a:r>
+            <a:r>
+              <a:rPr lang="en-US" sz="2000" dirty="0"/>
+              <a:t> language for writing smart contract)</a:t>
+            </a:r>
+          </a:p>
+          <a:p>
+            <a:pPr algn="just"/>
+            <a:r>
+              <a:rPr lang="en-US" sz="1400" dirty="0"/>
+              <a:t>Visual studio plugin</a:t>
+            </a:r>
+          </a:p>
+          <a:p>
+            <a:pPr algn="just"/>
+            <a:r>
+              <a:rPr lang="en-US" sz="1400" dirty="0"/>
+              <a:t>Remix online editor</a:t>
+            </a:r>
+          </a:p>
+          <a:p>
+            <a:pPr marL="0" indent="0" algn="just">
+              <a:buNone/>
+            </a:pPr>
+            <a:endParaRPr lang="en-US" sz="2000" dirty="0"/>
+          </a:p>
+          <a:p>
+            <a:pPr marL="0" indent="0" algn="just">
+              <a:buNone/>
+            </a:pPr>
+            <a:r>
+              <a:rPr lang="en-US" sz="2000" dirty="0"/>
+              <a:t>Standard dev tools</a:t>
+            </a:r>
+          </a:p>
+          <a:p>
+            <a:pPr algn="just"/>
+            <a:r>
+              <a:rPr lang="en-US" sz="1400" dirty="0"/>
+              <a:t>VS code for angular</a:t>
+            </a:r>
+          </a:p>
+          <a:p>
+            <a:pPr algn="just"/>
+            <a:r>
+              <a:rPr lang="en-US" sz="1400" dirty="0"/>
+              <a:t>VS for API’s</a:t>
+            </a:r>
+          </a:p>
+          <a:p>
+            <a:pPr lvl="1" algn="just"/>
+            <a:endParaRPr lang="en-US" sz="1600" dirty="0"/>
+          </a:p>
+        </p:txBody>
+      </p:sp>
+      <p:pic>
+        <p:nvPicPr>
+          <p:cNvPr id="3084" name="Picture 12" descr="Image result for ethereum">
+            <a:extLst>
+              <a:ext uri="{FF2B5EF4-FFF2-40B4-BE49-F238E27FC236}">
+                <a16:creationId xmlns:a16="http://schemas.microsoft.com/office/drawing/2014/main" id="{047E06DB-B555-46C8-BB4E-F9B23D1F6C1C}"/>
+              </a:ext>
+            </a:extLst>
+          </p:cNvPr>
+          <p:cNvPicPr>
+            <a:picLocks noChangeAspect="1" noChangeArrowheads="1"/>
+          </p:cNvPicPr>
+          <p:nvPr/>
+        </p:nvPicPr>
+        <p:blipFill>
+          <a:blip r:embed="rId3">
+            <a:extLst>
+              <a:ext uri="{28A0092B-C50C-407E-A947-70E740481C1C}">
+                <a14:useLocalDpi xmlns:a14="http://schemas.microsoft.com/office/drawing/2010/main" val="0"/>
+              </a:ext>
+            </a:extLst>
+          </a:blip>
+          <a:srcRect/>
+          <a:stretch>
+            <a:fillRect/>
+          </a:stretch>
+        </p:blipFill>
+        <p:spPr bwMode="auto">
+          <a:xfrm>
+            <a:off x="8839199" y="2196696"/>
+            <a:ext cx="2654461" cy="4180776"/>
+          </a:xfrm>
+          <a:prstGeom prst="rect">
+            <a:avLst/>
+          </a:prstGeom>
+          <a:noFill/>
+          <a:extLst>
+            <a:ext uri="{909E8E84-426E-40DD-AFC4-6F175D3DCCD1}">
+              <a14:hiddenFill xmlns:a14="http://schemas.microsoft.com/office/drawing/2010/main">
+                <a:solidFill>
+                  <a:srgbClr val="FFFFFF"/>
+                </a:solidFill>
+              </a14:hiddenFill>
+            </a:ext>
+          </a:extLst>
+        </p:spPr>
+      </p:pic>
+    </p:spTree>
+    <p:extLst>
+      <p:ext uri="{BB962C8B-B14F-4D97-AF65-F5344CB8AC3E}">
+        <p14:creationId xmlns:p14="http://schemas.microsoft.com/office/powerpoint/2010/main" val="2520003504"/>
+      </p:ext>
+    </p:extLst>
+  </p:cSld>
+  <p:clrMapOvr>
+    <a:masterClrMapping/>
+  </p:clrMapOvr>
+</p:sld>
+</file>
+
+<file path=ppt/slides/slide8.xml><?xml version="1.0" encoding="utf-8"?>
+<p:sld xmlns:a="http://schemas.openxmlformats.org/drawingml/2006/main" xmlns:r="http://schemas.openxmlformats.org/officeDocument/2006/relationships" xmlns:p="http://schemas.openxmlformats.org/presentationml/2006/main">
+  <p:cSld>
+    <p:spTree>
+      <p:nvGrpSpPr>
+        <p:cNvPr id="1" name=""/>
+        <p:cNvGrpSpPr/>
+        <p:nvPr/>
+      </p:nvGrpSpPr>
+      <p:grpSpPr>
+        <a:xfrm>
+          <a:off x="0" y="0"/>
+          <a:ext cx="0" cy="0"/>
+          <a:chOff x="0" y="0"/>
+          <a:chExt cx="0" cy="0"/>
+        </a:xfrm>
+      </p:grpSpPr>
+      <p:sp>
+        <p:nvSpPr>
           <p:cNvPr id="3" name="Title 2">
             <a:extLst>
               <a:ext uri="{FF2B5EF4-FFF2-40B4-BE49-F238E27FC236}">
@@ -12423,7 +14746,7 @@
 </p:sld>
 </file>
 
-<file path=ppt/slides/slide8.xml><?xml version="1.0" encoding="utf-8"?>
+<file path=ppt/slides/slide9.xml><?xml version="1.0" encoding="utf-8"?>
 <p:sld xmlns:a="http://schemas.openxmlformats.org/drawingml/2006/main" xmlns:r="http://schemas.openxmlformats.org/officeDocument/2006/relationships" xmlns:p="http://schemas.openxmlformats.org/presentationml/2006/main">
   <p:cSld>
     <p:spTree>
@@ -12663,186 +14986,6 @@
     <p:extLst>
       <p:ext uri="{BB962C8B-B14F-4D97-AF65-F5344CB8AC3E}">
         <p14:creationId xmlns:p14="http://schemas.microsoft.com/office/powerpoint/2010/main" val="1704684537"/>
-      </p:ext>
-    </p:extLst>
-  </p:cSld>
-  <p:clrMapOvr>
-    <a:masterClrMapping/>
-  </p:clrMapOvr>
-</p:sld>
-</file>
-
-<file path=ppt/slides/slide9.xml><?xml version="1.0" encoding="utf-8"?>
-<p:sld xmlns:a="http://schemas.openxmlformats.org/drawingml/2006/main" xmlns:r="http://schemas.openxmlformats.org/officeDocument/2006/relationships" xmlns:p="http://schemas.openxmlformats.org/presentationml/2006/main">
-  <p:cSld>
-    <p:spTree>
-      <p:nvGrpSpPr>
-        <p:cNvPr id="1" name=""/>
-        <p:cNvGrpSpPr/>
-        <p:nvPr/>
-      </p:nvGrpSpPr>
-      <p:grpSpPr>
-        <a:xfrm>
-          <a:off x="0" y="0"/>
-          <a:ext cx="0" cy="0"/>
-          <a:chOff x="0" y="0"/>
-          <a:chExt cx="0" cy="0"/>
-        </a:xfrm>
-      </p:grpSpPr>
-      <p:pic>
-        <p:nvPicPr>
-          <p:cNvPr id="3" name="Picture 2">
-            <a:extLst>
-              <a:ext uri="{FF2B5EF4-FFF2-40B4-BE49-F238E27FC236}">
-                <a16:creationId xmlns:a16="http://schemas.microsoft.com/office/drawing/2014/main" id="{C568290D-8402-4995-BEA4-FE81C2832328}"/>
-              </a:ext>
-            </a:extLst>
-          </p:cNvPr>
-          <p:cNvPicPr>
-            <a:picLocks noChangeAspect="1"/>
-          </p:cNvPicPr>
-          <p:nvPr/>
-        </p:nvPicPr>
-        <p:blipFill>
-          <a:blip r:embed="rId2"/>
-          <a:stretch>
-            <a:fillRect/>
-          </a:stretch>
-        </p:blipFill>
-        <p:spPr>
-          <a:xfrm>
-            <a:off x="5367170" y="0"/>
-            <a:ext cx="6824830" cy="6858000"/>
-          </a:xfrm>
-          <a:prstGeom prst="rect">
-            <a:avLst/>
-          </a:prstGeom>
-        </p:spPr>
-      </p:pic>
-      <p:sp>
-        <p:nvSpPr>
-          <p:cNvPr id="4" name="Title 2">
-            <a:extLst>
-              <a:ext uri="{FF2B5EF4-FFF2-40B4-BE49-F238E27FC236}">
-                <a16:creationId xmlns:a16="http://schemas.microsoft.com/office/drawing/2014/main" id="{94795480-F3ED-4202-878A-AFCAB21B646C}"/>
-              </a:ext>
-            </a:extLst>
-          </p:cNvPr>
-          <p:cNvSpPr txBox="1">
-            <a:spLocks/>
-          </p:cNvSpPr>
-          <p:nvPr/>
-        </p:nvSpPr>
-        <p:spPr>
-          <a:xfrm>
-            <a:off x="228600" y="296374"/>
-            <a:ext cx="4062984" cy="1325563"/>
-          </a:xfrm>
-          <a:prstGeom prst="rect">
-            <a:avLst/>
-          </a:prstGeom>
-        </p:spPr>
-        <p:txBody>
-          <a:bodyPr>
-            <a:normAutofit fontScale="75000" lnSpcReduction="20000"/>
-          </a:bodyPr>
-          <a:lstStyle>
-            <a:lvl1pPr algn="l" defTabSz="914400" rtl="0" eaLnBrk="1" latinLnBrk="0" hangingPunct="1">
-              <a:lnSpc>
-                <a:spcPct val="90000"/>
-              </a:lnSpc>
-              <a:spcBef>
-                <a:spcPct val="0"/>
-              </a:spcBef>
-              <a:buNone/>
-              <a:defRPr lang="en-US" sz="4800" b="1" kern="1200" cap="all" baseline="0" smtClean="0">
-                <a:solidFill>
-                  <a:schemeClr val="bg1"/>
-                </a:solidFill>
-                <a:latin typeface="+mj-lt"/>
-                <a:ea typeface="+mj-ea"/>
-                <a:cs typeface="+mj-cs"/>
-              </a:defRPr>
-            </a:lvl1pPr>
-          </a:lstStyle>
-          <a:p>
-            <a:r>
-              <a:rPr lang="en-US">
-                <a:solidFill>
-                  <a:schemeClr val="tx1"/>
-                </a:solidFill>
-              </a:rPr>
-              <a:t>Sample </a:t>
-            </a:r>
-            <a:br>
-              <a:rPr lang="en-US">
-                <a:solidFill>
-                  <a:schemeClr val="tx1"/>
-                </a:solidFill>
-              </a:rPr>
-            </a:br>
-            <a:r>
-              <a:rPr lang="en-US">
-                <a:solidFill>
-                  <a:schemeClr val="tx1"/>
-                </a:solidFill>
-              </a:rPr>
-              <a:t>SOLIDITY Contract</a:t>
-            </a:r>
-            <a:endParaRPr lang="en-US" dirty="0">
-              <a:solidFill>
-                <a:schemeClr val="tx1"/>
-              </a:solidFill>
-            </a:endParaRPr>
-          </a:p>
-        </p:txBody>
-      </p:sp>
-      <p:sp>
-        <p:nvSpPr>
-          <p:cNvPr id="5" name="TextBox 4">
-            <a:extLst>
-              <a:ext uri="{FF2B5EF4-FFF2-40B4-BE49-F238E27FC236}">
-                <a16:creationId xmlns:a16="http://schemas.microsoft.com/office/drawing/2014/main" id="{E6C14285-5399-4E30-8EAD-C571968E88A1}"/>
-              </a:ext>
-            </a:extLst>
-          </p:cNvPr>
-          <p:cNvSpPr txBox="1"/>
-          <p:nvPr/>
-        </p:nvSpPr>
-        <p:spPr>
-          <a:xfrm>
-            <a:off x="326136" y="1437271"/>
-            <a:ext cx="4696968" cy="369332"/>
-          </a:xfrm>
-          <a:prstGeom prst="rect">
-            <a:avLst/>
-          </a:prstGeom>
-          <a:noFill/>
-        </p:spPr>
-        <p:txBody>
-          <a:bodyPr wrap="square" rtlCol="0">
-            <a:spAutoFit/>
-          </a:bodyPr>
-          <a:lstStyle/>
-          <a:p>
-            <a:r>
-              <a:rPr lang="en-US" dirty="0"/>
-              <a:t>Online Editor - </a:t>
-            </a:r>
-            <a:r>
-              <a:rPr lang="en-US" dirty="0">
-                <a:hlinkClick r:id="rId3"/>
-              </a:rPr>
-              <a:t>https://remix.ethereum.org</a:t>
-            </a:r>
-            <a:endParaRPr lang="en-US" dirty="0"/>
-          </a:p>
-        </p:txBody>
-      </p:sp>
-    </p:spTree>
-    <p:extLst>
-      <p:ext uri="{BB962C8B-B14F-4D97-AF65-F5344CB8AC3E}">
-        <p14:creationId xmlns:p14="http://schemas.microsoft.com/office/powerpoint/2010/main" val="839419340"/>
       </p:ext>
     </p:extLst>
   </p:cSld>

--- a/PPTX/BAAS.pptx
+++ b/PPTX/BAAS.pptx
@@ -6,10 +6,10 @@
     <p:sldMasterId id="2147483692" r:id="rId2"/>
   </p:sldMasterIdLst>
   <p:notesMasterIdLst>
-    <p:notesMasterId r:id="rId19"/>
+    <p:notesMasterId r:id="rId21"/>
   </p:notesMasterIdLst>
   <p:handoutMasterIdLst>
-    <p:handoutMasterId r:id="rId20"/>
+    <p:handoutMasterId r:id="rId22"/>
   </p:handoutMasterIdLst>
   <p:sldIdLst>
     <p:sldId id="330" r:id="rId3"/>
@@ -18,16 +18,18 @@
     <p:sldId id="343" r:id="rId6"/>
     <p:sldId id="334" r:id="rId7"/>
     <p:sldId id="340" r:id="rId8"/>
-    <p:sldId id="332" r:id="rId9"/>
-    <p:sldId id="335" r:id="rId10"/>
-    <p:sldId id="336" r:id="rId11"/>
-    <p:sldId id="339" r:id="rId12"/>
-    <p:sldId id="337" r:id="rId13"/>
-    <p:sldId id="342" r:id="rId14"/>
-    <p:sldId id="338" r:id="rId15"/>
-    <p:sldId id="344" r:id="rId16"/>
-    <p:sldId id="345" r:id="rId17"/>
-    <p:sldId id="341" r:id="rId18"/>
+    <p:sldId id="346" r:id="rId9"/>
+    <p:sldId id="338" r:id="rId10"/>
+    <p:sldId id="332" r:id="rId11"/>
+    <p:sldId id="335" r:id="rId12"/>
+    <p:sldId id="347" r:id="rId13"/>
+    <p:sldId id="336" r:id="rId14"/>
+    <p:sldId id="339" r:id="rId15"/>
+    <p:sldId id="337" r:id="rId16"/>
+    <p:sldId id="342" r:id="rId17"/>
+    <p:sldId id="344" r:id="rId18"/>
+    <p:sldId id="345" r:id="rId19"/>
+    <p:sldId id="341" r:id="rId20"/>
   </p:sldIdLst>
   <p:sldSz cx="12192000" cy="6858000"/>
   <p:notesSz cx="6858000" cy="9144000"/>
@@ -242,7 +244,7 @@
           <a:p>
             <a:fld id="{FA763208-4D5B-44C4-A045-6495A8B44929}" type="datetimeFigureOut">
               <a:rPr lang="en-US" smtClean="0"/>
-              <a:t>10/12/2018</a:t>
+              <a:t>10/13/2018</a:t>
             </a:fld>
             <a:endParaRPr lang="en-US"/>
           </a:p>
@@ -419,7 +421,7 @@
           <a:p>
             <a:fld id="{3389243F-B1BB-4202-BD78-416ACA555174}" type="datetimeFigureOut">
               <a:rPr lang="en-US" smtClean="0"/>
-              <a:t>10/12/2018</a:t>
+              <a:t>10/13/2018</a:t>
             </a:fld>
             <a:endParaRPr lang="en-US"/>
           </a:p>
@@ -2174,7 +2176,7 @@
             <a:fld id="{18D9E8F6-4D81-4B3A-BC45-BBA4A1C9BD0F}" type="datetimeFigureOut">
               <a:rPr lang="en-US" smtClean="0"/>
               <a:pPr/>
-              <a:t>10/12/2018</a:t>
+              <a:t>10/13/2018</a:t>
             </a:fld>
             <a:endParaRPr lang="en-US"/>
           </a:p>
@@ -2502,7 +2504,7 @@
           <a:p>
             <a:fld id="{18D9E8F6-4D81-4B3A-BC45-BBA4A1C9BD0F}" type="datetimeFigureOut">
               <a:rPr lang="en-US" smtClean="0"/>
-              <a:t>10/12/2018</a:t>
+              <a:t>10/13/2018</a:t>
             </a:fld>
             <a:endParaRPr lang="en-US"/>
           </a:p>
@@ -2793,7 +2795,7 @@
           <a:p>
             <a:fld id="{18D9E8F6-4D81-4B3A-BC45-BBA4A1C9BD0F}" type="datetimeFigureOut">
               <a:rPr lang="en-US" smtClean="0"/>
-              <a:t>10/12/2018</a:t>
+              <a:t>10/13/2018</a:t>
             </a:fld>
             <a:endParaRPr lang="en-US"/>
           </a:p>
@@ -2991,7 +2993,7 @@
           <a:p>
             <a:fld id="{18D9E8F6-4D81-4B3A-BC45-BBA4A1C9BD0F}" type="datetimeFigureOut">
               <a:rPr lang="en-US" smtClean="0"/>
-              <a:t>10/12/2018</a:t>
+              <a:t>10/13/2018</a:t>
             </a:fld>
             <a:endParaRPr lang="en-US"/>
           </a:p>
@@ -3199,7 +3201,7 @@
           <a:p>
             <a:fld id="{18D9E8F6-4D81-4B3A-BC45-BBA4A1C9BD0F}" type="datetimeFigureOut">
               <a:rPr lang="en-US" smtClean="0"/>
-              <a:t>10/12/2018</a:t>
+              <a:t>10/13/2018</a:t>
             </a:fld>
             <a:endParaRPr lang="en-US"/>
           </a:p>
@@ -3941,7 +3943,7 @@
             <a:fld id="{18D9E8F6-4D81-4B3A-BC45-BBA4A1C9BD0F}" type="datetimeFigureOut">
               <a:rPr lang="en-US" smtClean="0"/>
               <a:pPr/>
-              <a:t>10/12/2018</a:t>
+              <a:t>10/13/2018</a:t>
             </a:fld>
             <a:endParaRPr lang="en-US"/>
           </a:p>
@@ -4565,7 +4567,7 @@
             <a:fld id="{18D9E8F6-4D81-4B3A-BC45-BBA4A1C9BD0F}" type="datetimeFigureOut">
               <a:rPr lang="en-US" smtClean="0"/>
               <a:pPr/>
-              <a:t>10/12/2018</a:t>
+              <a:t>10/13/2018</a:t>
             </a:fld>
             <a:endParaRPr lang="en-US"/>
           </a:p>
@@ -5194,7 +5196,7 @@
             <a:fld id="{18D9E8F6-4D81-4B3A-BC45-BBA4A1C9BD0F}" type="datetimeFigureOut">
               <a:rPr lang="en-US" smtClean="0"/>
               <a:pPr/>
-              <a:t>10/12/2018</a:t>
+              <a:t>10/13/2018</a:t>
             </a:fld>
             <a:endParaRPr lang="en-US"/>
           </a:p>
@@ -5899,7 +5901,7 @@
           <a:p>
             <a:fld id="{18D9E8F6-4D81-4B3A-BC45-BBA4A1C9BD0F}" type="datetimeFigureOut">
               <a:rPr lang="en-US" smtClean="0"/>
-              <a:t>10/12/2018</a:t>
+              <a:t>10/13/2018</a:t>
             </a:fld>
             <a:endParaRPr lang="en-US"/>
           </a:p>
@@ -6164,7 +6166,7 @@
           <a:p>
             <a:fld id="{18D9E8F6-4D81-4B3A-BC45-BBA4A1C9BD0F}" type="datetimeFigureOut">
               <a:rPr lang="en-US" smtClean="0"/>
-              <a:t>10/12/2018</a:t>
+              <a:t>10/13/2018</a:t>
             </a:fld>
             <a:endParaRPr lang="en-US"/>
           </a:p>
@@ -6576,7 +6578,7 @@
           <a:p>
             <a:fld id="{18D9E8F6-4D81-4B3A-BC45-BBA4A1C9BD0F}" type="datetimeFigureOut">
               <a:rPr lang="en-US" smtClean="0"/>
-              <a:t>10/12/2018</a:t>
+              <a:t>10/13/2018</a:t>
             </a:fld>
             <a:endParaRPr lang="en-US"/>
           </a:p>
@@ -6717,7 +6719,7 @@
           <a:p>
             <a:fld id="{18D9E8F6-4D81-4B3A-BC45-BBA4A1C9BD0F}" type="datetimeFigureOut">
               <a:rPr lang="en-US" smtClean="0"/>
-              <a:t>10/12/2018</a:t>
+              <a:t>10/13/2018</a:t>
             </a:fld>
             <a:endParaRPr lang="en-US"/>
           </a:p>
@@ -6830,7 +6832,7 @@
           <a:p>
             <a:fld id="{18D9E8F6-4D81-4B3A-BC45-BBA4A1C9BD0F}" type="datetimeFigureOut">
               <a:rPr lang="en-US" smtClean="0"/>
-              <a:t>10/12/2018</a:t>
+              <a:t>10/13/2018</a:t>
             </a:fld>
             <a:endParaRPr lang="en-US"/>
           </a:p>
@@ -7071,7 +7073,7 @@
             <a:fld id="{18D9E8F6-4D81-4B3A-BC45-BBA4A1C9BD0F}" type="datetimeFigureOut">
               <a:rPr lang="en-US" smtClean="0"/>
               <a:pPr/>
-              <a:t>10/12/2018</a:t>
+              <a:t>10/13/2018</a:t>
             </a:fld>
             <a:endParaRPr lang="en-US"/>
           </a:p>
@@ -8437,7 +8439,7 @@
         <p:spPr>
           <a:xfrm>
             <a:off x="365760" y="5830254"/>
-            <a:ext cx="4157472" cy="523220"/>
+            <a:ext cx="4157472" cy="584775"/>
           </a:xfrm>
           <a:prstGeom prst="rect">
             <a:avLst/>
@@ -8451,7 +8453,7 @@
           <a:lstStyle/>
           <a:p>
             <a:r>
-              <a:rPr lang="en-US" sz="2800" dirty="0"/>
+              <a:rPr lang="en-US" sz="3200" dirty="0"/>
               <a:t>Amol Gote</a:t>
             </a:r>
           </a:p>
@@ -8487,12 +8489,40 @@
           <a:chExt cx="0" cy="0"/>
         </a:xfrm>
       </p:grpSpPr>
+      <p:sp>
+        <p:nvSpPr>
+          <p:cNvPr id="3" name="Title 2">
+            <a:extLst>
+              <a:ext uri="{FF2B5EF4-FFF2-40B4-BE49-F238E27FC236}">
+                <a16:creationId xmlns:a16="http://schemas.microsoft.com/office/drawing/2014/main" id="{4C3A51A3-34CD-4950-8D86-F1DF9969DDFD}"/>
+              </a:ext>
+            </a:extLst>
+          </p:cNvPr>
+          <p:cNvSpPr>
+            <a:spLocks noGrp="1"/>
+          </p:cNvSpPr>
+          <p:nvPr>
+            <p:ph type="title"/>
+          </p:nvPr>
+        </p:nvSpPr>
+        <p:spPr/>
+        <p:txBody>
+          <a:bodyPr/>
+          <a:lstStyle/>
+          <a:p>
+            <a:r>
+              <a:rPr lang="en-US" dirty="0"/>
+              <a:t>END State BAAS Architecture </a:t>
+            </a:r>
+          </a:p>
+        </p:txBody>
+      </p:sp>
       <p:pic>
         <p:nvPicPr>
-          <p:cNvPr id="3" name="Picture 2">
-            <a:extLst>
-              <a:ext uri="{FF2B5EF4-FFF2-40B4-BE49-F238E27FC236}">
-                <a16:creationId xmlns:a16="http://schemas.microsoft.com/office/drawing/2014/main" id="{C568290D-8402-4995-BEA4-FE81C2832328}"/>
+          <p:cNvPr id="4" name="Picture 3">
+            <a:extLst>
+              <a:ext uri="{FF2B5EF4-FFF2-40B4-BE49-F238E27FC236}">
+                <a16:creationId xmlns:a16="http://schemas.microsoft.com/office/drawing/2014/main" id="{DC4648A6-5469-479D-AC2A-2CEC3165BCC9}"/>
               </a:ext>
             </a:extLst>
           </p:cNvPr>
@@ -8502,145 +8532,36 @@
           <p:nvPr/>
         </p:nvPicPr>
         <p:blipFill>
-          <a:blip r:embed="rId2"/>
+          <a:blip r:embed="rId2">
+            <a:extLst>
+              <a:ext uri="{28A0092B-C50C-407E-A947-70E740481C1C}">
+                <a14:useLocalDpi xmlns:a14="http://schemas.microsoft.com/office/drawing/2010/main" val="0"/>
+              </a:ext>
+            </a:extLst>
+          </a:blip>
           <a:stretch>
             <a:fillRect/>
           </a:stretch>
         </p:blipFill>
         <p:spPr>
           <a:xfrm>
-            <a:off x="5367170" y="0"/>
-            <a:ext cx="6824830" cy="6858000"/>
+            <a:off x="180363" y="1042293"/>
+            <a:ext cx="11831274" cy="5602348"/>
           </a:xfrm>
           <a:prstGeom prst="rect">
             <a:avLst/>
           </a:prstGeom>
+          <a:ln>
+            <a:solidFill>
+              <a:schemeClr val="tx1"/>
+            </a:solidFill>
+          </a:ln>
         </p:spPr>
       </p:pic>
-      <p:sp>
-        <p:nvSpPr>
-          <p:cNvPr id="4" name="Title 2">
-            <a:extLst>
-              <a:ext uri="{FF2B5EF4-FFF2-40B4-BE49-F238E27FC236}">
-                <a16:creationId xmlns:a16="http://schemas.microsoft.com/office/drawing/2014/main" id="{94795480-F3ED-4202-878A-AFCAB21B646C}"/>
-              </a:ext>
-            </a:extLst>
-          </p:cNvPr>
-          <p:cNvSpPr txBox="1">
-            <a:spLocks/>
-          </p:cNvSpPr>
-          <p:nvPr/>
-        </p:nvSpPr>
-        <p:spPr>
-          <a:xfrm>
-            <a:off x="228600" y="296374"/>
-            <a:ext cx="4062984" cy="1325563"/>
-          </a:xfrm>
-          <a:prstGeom prst="rect">
-            <a:avLst/>
-          </a:prstGeom>
-        </p:spPr>
-        <p:txBody>
-          <a:bodyPr>
-            <a:normAutofit fontScale="75000" lnSpcReduction="20000"/>
-          </a:bodyPr>
-          <a:lstStyle>
-            <a:lvl1pPr algn="l" defTabSz="914400" rtl="0" eaLnBrk="1" latinLnBrk="0" hangingPunct="1">
-              <a:lnSpc>
-                <a:spcPct val="90000"/>
-              </a:lnSpc>
-              <a:spcBef>
-                <a:spcPct val="0"/>
-              </a:spcBef>
-              <a:buNone/>
-              <a:defRPr lang="en-US" sz="4800" b="1" kern="1200" cap="all" baseline="0" smtClean="0">
-                <a:solidFill>
-                  <a:schemeClr val="bg1"/>
-                </a:solidFill>
-                <a:latin typeface="+mj-lt"/>
-                <a:ea typeface="+mj-ea"/>
-                <a:cs typeface="+mj-cs"/>
-              </a:defRPr>
-            </a:lvl1pPr>
-          </a:lstStyle>
-          <a:p>
-            <a:r>
-              <a:rPr lang="en-US">
-                <a:solidFill>
-                  <a:schemeClr val="tx1"/>
-                </a:solidFill>
-              </a:rPr>
-              <a:t>Sample </a:t>
-            </a:r>
-            <a:br>
-              <a:rPr lang="en-US">
-                <a:solidFill>
-                  <a:schemeClr val="tx1"/>
-                </a:solidFill>
-              </a:rPr>
-            </a:br>
-            <a:r>
-              <a:rPr lang="en-US">
-                <a:solidFill>
-                  <a:schemeClr val="tx1"/>
-                </a:solidFill>
-              </a:rPr>
-              <a:t>SOLIDITY Contract</a:t>
-            </a:r>
-            <a:endParaRPr lang="en-US" dirty="0">
-              <a:solidFill>
-                <a:schemeClr val="tx1"/>
-              </a:solidFill>
-            </a:endParaRPr>
-          </a:p>
-        </p:txBody>
-      </p:sp>
-      <p:sp>
-        <p:nvSpPr>
-          <p:cNvPr id="5" name="TextBox 4">
-            <a:extLst>
-              <a:ext uri="{FF2B5EF4-FFF2-40B4-BE49-F238E27FC236}">
-                <a16:creationId xmlns:a16="http://schemas.microsoft.com/office/drawing/2014/main" id="{E6C14285-5399-4E30-8EAD-C571968E88A1}"/>
-              </a:ext>
-            </a:extLst>
-          </p:cNvPr>
-          <p:cNvSpPr txBox="1"/>
-          <p:nvPr/>
-        </p:nvSpPr>
-        <p:spPr>
-          <a:xfrm>
-            <a:off x="326136" y="1437271"/>
-            <a:ext cx="4696968" cy="369332"/>
-          </a:xfrm>
-          <a:prstGeom prst="rect">
-            <a:avLst/>
-          </a:prstGeom>
-          <a:noFill/>
-        </p:spPr>
-        <p:txBody>
-          <a:bodyPr wrap="square" rtlCol="0">
-            <a:spAutoFit/>
-          </a:bodyPr>
-          <a:lstStyle/>
-          <a:p>
-            <a:r>
-              <a:rPr lang="en-US" dirty="0"/>
-              <a:t>Online Editor - </a:t>
-            </a:r>
-            <a:r>
-              <a:rPr lang="en-US" dirty="0">
-                <a:hlinkClick r:id="rId3"/>
-              </a:rPr>
-              <a:t>https://remix.ethereum.org</a:t>
-            </a:r>
-            <a:endParaRPr lang="en-US" dirty="0"/>
-          </a:p>
-        </p:txBody>
-      </p:sp>
     </p:spTree>
     <p:extLst>
       <p:ext uri="{BB962C8B-B14F-4D97-AF65-F5344CB8AC3E}">
-        <p14:creationId xmlns:p14="http://schemas.microsoft.com/office/powerpoint/2010/main" val="839419340"/>
+        <p14:creationId xmlns:p14="http://schemas.microsoft.com/office/powerpoint/2010/main" val="1956885687"/>
       </p:ext>
     </p:extLst>
   </p:cSld>
@@ -8669,6 +8590,564 @@
       </p:grpSpPr>
       <p:sp>
         <p:nvSpPr>
+          <p:cNvPr id="3" name="Title 2">
+            <a:extLst>
+              <a:ext uri="{FF2B5EF4-FFF2-40B4-BE49-F238E27FC236}">
+                <a16:creationId xmlns:a16="http://schemas.microsoft.com/office/drawing/2014/main" id="{01FCBCAC-37E2-4D22-9B54-5E4250B4FB23}"/>
+              </a:ext>
+            </a:extLst>
+          </p:cNvPr>
+          <p:cNvSpPr>
+            <a:spLocks noGrp="1"/>
+          </p:cNvSpPr>
+          <p:nvPr>
+            <p:ph type="title"/>
+          </p:nvPr>
+        </p:nvSpPr>
+        <p:spPr/>
+        <p:txBody>
+          <a:bodyPr/>
+          <a:lstStyle/>
+          <a:p>
+            <a:r>
+              <a:rPr lang="en-US" dirty="0"/>
+              <a:t>Current Demo Set Up</a:t>
+            </a:r>
+          </a:p>
+        </p:txBody>
+      </p:sp>
+      <p:pic>
+        <p:nvPicPr>
+          <p:cNvPr id="8" name="Picture 7">
+            <a:extLst>
+              <a:ext uri="{FF2B5EF4-FFF2-40B4-BE49-F238E27FC236}">
+                <a16:creationId xmlns:a16="http://schemas.microsoft.com/office/drawing/2014/main" id="{C18CBCED-E4C1-4F29-B1F0-E5727D563F16}"/>
+              </a:ext>
+            </a:extLst>
+          </p:cNvPr>
+          <p:cNvPicPr>
+            <a:picLocks noChangeAspect="1"/>
+          </p:cNvPicPr>
+          <p:nvPr/>
+        </p:nvPicPr>
+        <p:blipFill>
+          <a:blip r:embed="rId2">
+            <a:extLst>
+              <a:ext uri="{28A0092B-C50C-407E-A947-70E740481C1C}">
+                <a14:useLocalDpi xmlns:a14="http://schemas.microsoft.com/office/drawing/2010/main" val="0"/>
+              </a:ext>
+            </a:extLst>
+          </a:blip>
+          <a:stretch>
+            <a:fillRect/>
+          </a:stretch>
+        </p:blipFill>
+        <p:spPr>
+          <a:xfrm>
+            <a:off x="2292096" y="1109551"/>
+            <a:ext cx="7989379" cy="5418883"/>
+          </a:xfrm>
+          <a:prstGeom prst="rect">
+            <a:avLst/>
+          </a:prstGeom>
+          <a:ln>
+            <a:solidFill>
+              <a:schemeClr val="tx1"/>
+            </a:solidFill>
+          </a:ln>
+        </p:spPr>
+      </p:pic>
+    </p:spTree>
+    <p:extLst>
+      <p:ext uri="{BB962C8B-B14F-4D97-AF65-F5344CB8AC3E}">
+        <p14:creationId xmlns:p14="http://schemas.microsoft.com/office/powerpoint/2010/main" val="830831817"/>
+      </p:ext>
+    </p:extLst>
+  </p:cSld>
+  <p:clrMapOvr>
+    <a:masterClrMapping/>
+  </p:clrMapOvr>
+</p:sld>
+</file>
+
+<file path=ppt/slides/slide12.xml><?xml version="1.0" encoding="utf-8"?>
+<p:sld xmlns:a="http://schemas.openxmlformats.org/drawingml/2006/main" xmlns:r="http://schemas.openxmlformats.org/officeDocument/2006/relationships" xmlns:p="http://schemas.openxmlformats.org/presentationml/2006/main">
+  <p:cSld>
+    <p:spTree>
+      <p:nvGrpSpPr>
+        <p:cNvPr id="1" name=""/>
+        <p:cNvGrpSpPr/>
+        <p:nvPr/>
+      </p:nvGrpSpPr>
+      <p:grpSpPr>
+        <a:xfrm>
+          <a:off x="0" y="0"/>
+          <a:ext cx="0" cy="0"/>
+          <a:chOff x="0" y="0"/>
+          <a:chExt cx="0" cy="0"/>
+        </a:xfrm>
+      </p:grpSpPr>
+      <p:sp>
+        <p:nvSpPr>
+          <p:cNvPr id="3" name="Title 2">
+            <a:extLst>
+              <a:ext uri="{FF2B5EF4-FFF2-40B4-BE49-F238E27FC236}">
+                <a16:creationId xmlns:a16="http://schemas.microsoft.com/office/drawing/2014/main" id="{79695BFC-A958-4523-AC5D-DF775D42E102}"/>
+              </a:ext>
+            </a:extLst>
+          </p:cNvPr>
+          <p:cNvSpPr>
+            <a:spLocks noGrp="1"/>
+          </p:cNvSpPr>
+          <p:nvPr>
+            <p:ph type="title"/>
+          </p:nvPr>
+        </p:nvSpPr>
+        <p:spPr/>
+        <p:txBody>
+          <a:bodyPr/>
+          <a:lstStyle/>
+          <a:p>
+            <a:r>
+              <a:rPr lang="en-US" dirty="0"/>
+              <a:t>Setting Up Private Network</a:t>
+            </a:r>
+          </a:p>
+        </p:txBody>
+      </p:sp>
+      <p:sp>
+        <p:nvSpPr>
+          <p:cNvPr id="5" name="Content Placeholder 2">
+            <a:extLst>
+              <a:ext uri="{FF2B5EF4-FFF2-40B4-BE49-F238E27FC236}">
+                <a16:creationId xmlns:a16="http://schemas.microsoft.com/office/drawing/2014/main" id="{FB58EEFA-7F07-462B-9BE1-F83EA3C64275}"/>
+              </a:ext>
+            </a:extLst>
+          </p:cNvPr>
+          <p:cNvSpPr>
+            <a:spLocks noGrp="1"/>
+          </p:cNvSpPr>
+          <p:nvPr>
+            <p:ph idx="1"/>
+          </p:nvPr>
+        </p:nvSpPr>
+        <p:spPr>
+          <a:xfrm>
+            <a:off x="113721" y="1655377"/>
+            <a:ext cx="6401379" cy="4440064"/>
+          </a:xfrm>
+        </p:spPr>
+        <p:txBody>
+          <a:bodyPr>
+            <a:noAutofit/>
+          </a:bodyPr>
+          <a:lstStyle/>
+          <a:p>
+            <a:pPr algn="just"/>
+            <a:r>
+              <a:rPr lang="en-US" sz="2000" dirty="0" err="1"/>
+              <a:t>Genesis.json</a:t>
+            </a:r>
+            <a:endParaRPr lang="en-US" sz="2000" dirty="0"/>
+          </a:p>
+          <a:p>
+            <a:pPr algn="just"/>
+            <a:r>
+              <a:rPr lang="en-US" sz="2000" dirty="0"/>
+              <a:t>Initialize network</a:t>
+            </a:r>
+          </a:p>
+          <a:p>
+            <a:pPr algn="just"/>
+            <a:r>
+              <a:rPr lang="en-US" sz="2000" dirty="0"/>
+              <a:t>Spin off various nodes (RPC, web3, mine).</a:t>
+            </a:r>
+          </a:p>
+          <a:p>
+            <a:pPr algn="just"/>
+            <a:r>
+              <a:rPr lang="en-US" sz="2000" dirty="0"/>
+              <a:t>Network communication across nodes and Static nodes</a:t>
+            </a:r>
+          </a:p>
+          <a:p>
+            <a:pPr algn="just"/>
+            <a:r>
+              <a:rPr lang="en-US" sz="2000" dirty="0"/>
+              <a:t>Each node contains full copy of blockchain </a:t>
+            </a:r>
+            <a:r>
+              <a:rPr lang="en-US" sz="2000" dirty="0" err="1"/>
+              <a:t>db</a:t>
+            </a:r>
+            <a:r>
+              <a:rPr lang="en-US" sz="2000" dirty="0"/>
+              <a:t> which stores a record of every transaction.</a:t>
+            </a:r>
+          </a:p>
+          <a:p>
+            <a:pPr algn="just"/>
+            <a:r>
+              <a:rPr lang="en-US" sz="2000" dirty="0"/>
+              <a:t>Different types of networks</a:t>
+            </a:r>
+          </a:p>
+          <a:p>
+            <a:pPr lvl="1" algn="just"/>
+            <a:r>
+              <a:rPr lang="en-US" sz="1600" dirty="0"/>
+              <a:t>Private </a:t>
+            </a:r>
+            <a:r>
+              <a:rPr lang="en-US" sz="1600" dirty="0" err="1"/>
+              <a:t>Newtorks</a:t>
+            </a:r>
+            <a:endParaRPr lang="en-US" sz="1600" dirty="0"/>
+          </a:p>
+          <a:p>
+            <a:pPr lvl="1" algn="just"/>
+            <a:r>
+              <a:rPr lang="en-US" sz="1600" dirty="0"/>
+              <a:t>Public networks</a:t>
+            </a:r>
+          </a:p>
+          <a:p>
+            <a:pPr lvl="2" algn="just"/>
+            <a:r>
+              <a:rPr lang="en-US" sz="1400" dirty="0"/>
+              <a:t>Main Network (Ether Based)</a:t>
+            </a:r>
+          </a:p>
+          <a:p>
+            <a:pPr lvl="2" algn="just"/>
+            <a:r>
+              <a:rPr lang="en-US" sz="1400" dirty="0">
+                <a:hlinkClick r:id="rId2"/>
+              </a:rPr>
+              <a:t>Test Networks</a:t>
+            </a:r>
+            <a:endParaRPr lang="en-US" sz="1400" dirty="0"/>
+          </a:p>
+          <a:p>
+            <a:pPr lvl="3" algn="just"/>
+            <a:r>
+              <a:rPr lang="en-US" sz="1400" dirty="0" err="1"/>
+              <a:t>Ropsten</a:t>
+            </a:r>
+            <a:endParaRPr lang="en-US" sz="1400" dirty="0"/>
+          </a:p>
+          <a:p>
+            <a:pPr lvl="3" algn="just"/>
+            <a:r>
+              <a:rPr lang="en-US" sz="1400" dirty="0" err="1"/>
+              <a:t>Kovan</a:t>
+            </a:r>
+            <a:endParaRPr lang="en-US" sz="1400" dirty="0"/>
+          </a:p>
+          <a:p>
+            <a:pPr lvl="3" algn="just"/>
+            <a:r>
+              <a:rPr lang="en-US" sz="1400" dirty="0" err="1"/>
+              <a:t>Rinkeby</a:t>
+            </a:r>
+            <a:endParaRPr lang="en-US" sz="1400" dirty="0"/>
+          </a:p>
+          <a:p>
+            <a:pPr algn="just"/>
+            <a:endParaRPr lang="en-US" sz="2000" dirty="0"/>
+          </a:p>
+        </p:txBody>
+      </p:sp>
+      <p:pic>
+        <p:nvPicPr>
+          <p:cNvPr id="5122" name="Picture 2" descr="Related image">
+            <a:extLst>
+              <a:ext uri="{FF2B5EF4-FFF2-40B4-BE49-F238E27FC236}">
+                <a16:creationId xmlns:a16="http://schemas.microsoft.com/office/drawing/2014/main" id="{DCEA2D9B-AE58-477E-B210-E43991FF4701}"/>
+              </a:ext>
+            </a:extLst>
+          </p:cNvPr>
+          <p:cNvPicPr>
+            <a:picLocks noChangeAspect="1" noChangeArrowheads="1"/>
+          </p:cNvPicPr>
+          <p:nvPr/>
+        </p:nvPicPr>
+        <p:blipFill>
+          <a:blip r:embed="rId3" cstate="print">
+            <a:extLst>
+              <a:ext uri="{28A0092B-C50C-407E-A947-70E740481C1C}">
+                <a14:useLocalDpi xmlns:a14="http://schemas.microsoft.com/office/drawing/2010/main" val="0"/>
+              </a:ext>
+            </a:extLst>
+          </a:blip>
+          <a:srcRect/>
+          <a:stretch>
+            <a:fillRect/>
+          </a:stretch>
+        </p:blipFill>
+        <p:spPr bwMode="auto">
+          <a:xfrm>
+            <a:off x="6028693" y="1310808"/>
+            <a:ext cx="2969003" cy="3067710"/>
+          </a:xfrm>
+          <a:prstGeom prst="rect">
+            <a:avLst/>
+          </a:prstGeom>
+          <a:noFill/>
+          <a:extLst>
+            <a:ext uri="{909E8E84-426E-40DD-AFC4-6F175D3DCCD1}">
+              <a14:hiddenFill xmlns:a14="http://schemas.microsoft.com/office/drawing/2010/main">
+                <a:solidFill>
+                  <a:srgbClr val="FFFFFF"/>
+                </a:solidFill>
+              </a14:hiddenFill>
+            </a:ext>
+          </a:extLst>
+        </p:spPr>
+      </p:pic>
+      <p:pic>
+        <p:nvPicPr>
+          <p:cNvPr id="2" name="Picture 1">
+            <a:extLst>
+              <a:ext uri="{FF2B5EF4-FFF2-40B4-BE49-F238E27FC236}">
+                <a16:creationId xmlns:a16="http://schemas.microsoft.com/office/drawing/2014/main" id="{652CCB03-4C6E-4CB3-8203-E603268D32D4}"/>
+              </a:ext>
+            </a:extLst>
+          </p:cNvPr>
+          <p:cNvPicPr>
+            <a:picLocks noChangeAspect="1"/>
+          </p:cNvPicPr>
+          <p:nvPr/>
+        </p:nvPicPr>
+        <p:blipFill>
+          <a:blip r:embed="rId4"/>
+          <a:stretch>
+            <a:fillRect/>
+          </a:stretch>
+        </p:blipFill>
+        <p:spPr>
+          <a:xfrm>
+            <a:off x="6028693" y="3988212"/>
+            <a:ext cx="5748779" cy="2770190"/>
+          </a:xfrm>
+          <a:prstGeom prst="rect">
+            <a:avLst/>
+          </a:prstGeom>
+        </p:spPr>
+      </p:pic>
+    </p:spTree>
+    <p:extLst>
+      <p:ext uri="{BB962C8B-B14F-4D97-AF65-F5344CB8AC3E}">
+        <p14:creationId xmlns:p14="http://schemas.microsoft.com/office/powerpoint/2010/main" val="1704684537"/>
+      </p:ext>
+    </p:extLst>
+  </p:cSld>
+  <p:clrMapOvr>
+    <a:masterClrMapping/>
+  </p:clrMapOvr>
+</p:sld>
+</file>
+
+<file path=ppt/slides/slide13.xml><?xml version="1.0" encoding="utf-8"?>
+<p:sld xmlns:a="http://schemas.openxmlformats.org/drawingml/2006/main" xmlns:r="http://schemas.openxmlformats.org/officeDocument/2006/relationships" xmlns:p="http://schemas.openxmlformats.org/presentationml/2006/main">
+  <p:cSld>
+    <p:spTree>
+      <p:nvGrpSpPr>
+        <p:cNvPr id="1" name=""/>
+        <p:cNvGrpSpPr/>
+        <p:nvPr/>
+      </p:nvGrpSpPr>
+      <p:grpSpPr>
+        <a:xfrm>
+          <a:off x="0" y="0"/>
+          <a:ext cx="0" cy="0"/>
+          <a:chOff x="0" y="0"/>
+          <a:chExt cx="0" cy="0"/>
+        </a:xfrm>
+      </p:grpSpPr>
+      <p:pic>
+        <p:nvPicPr>
+          <p:cNvPr id="3" name="Picture 2">
+            <a:extLst>
+              <a:ext uri="{FF2B5EF4-FFF2-40B4-BE49-F238E27FC236}">
+                <a16:creationId xmlns:a16="http://schemas.microsoft.com/office/drawing/2014/main" id="{C568290D-8402-4995-BEA4-FE81C2832328}"/>
+              </a:ext>
+            </a:extLst>
+          </p:cNvPr>
+          <p:cNvPicPr>
+            <a:picLocks noChangeAspect="1"/>
+          </p:cNvPicPr>
+          <p:nvPr/>
+        </p:nvPicPr>
+        <p:blipFill>
+          <a:blip r:embed="rId2"/>
+          <a:stretch>
+            <a:fillRect/>
+          </a:stretch>
+        </p:blipFill>
+        <p:spPr>
+          <a:xfrm>
+            <a:off x="5367170" y="0"/>
+            <a:ext cx="6824830" cy="6858000"/>
+          </a:xfrm>
+          <a:prstGeom prst="rect">
+            <a:avLst/>
+          </a:prstGeom>
+        </p:spPr>
+      </p:pic>
+      <p:sp>
+        <p:nvSpPr>
+          <p:cNvPr id="4" name="Title 2">
+            <a:extLst>
+              <a:ext uri="{FF2B5EF4-FFF2-40B4-BE49-F238E27FC236}">
+                <a16:creationId xmlns:a16="http://schemas.microsoft.com/office/drawing/2014/main" id="{94795480-F3ED-4202-878A-AFCAB21B646C}"/>
+              </a:ext>
+            </a:extLst>
+          </p:cNvPr>
+          <p:cNvSpPr txBox="1">
+            <a:spLocks/>
+          </p:cNvSpPr>
+          <p:nvPr/>
+        </p:nvSpPr>
+        <p:spPr>
+          <a:xfrm>
+            <a:off x="228600" y="296374"/>
+            <a:ext cx="4062984" cy="1325563"/>
+          </a:xfrm>
+          <a:prstGeom prst="rect">
+            <a:avLst/>
+          </a:prstGeom>
+        </p:spPr>
+        <p:txBody>
+          <a:bodyPr>
+            <a:normAutofit fontScale="75000" lnSpcReduction="20000"/>
+          </a:bodyPr>
+          <a:lstStyle>
+            <a:lvl1pPr algn="l" defTabSz="914400" rtl="0" eaLnBrk="1" latinLnBrk="0" hangingPunct="1">
+              <a:lnSpc>
+                <a:spcPct val="90000"/>
+              </a:lnSpc>
+              <a:spcBef>
+                <a:spcPct val="0"/>
+              </a:spcBef>
+              <a:buNone/>
+              <a:defRPr lang="en-US" sz="4800" b="1" kern="1200" cap="all" baseline="0" smtClean="0">
+                <a:solidFill>
+                  <a:schemeClr val="bg1"/>
+                </a:solidFill>
+                <a:latin typeface="+mj-lt"/>
+                <a:ea typeface="+mj-ea"/>
+                <a:cs typeface="+mj-cs"/>
+              </a:defRPr>
+            </a:lvl1pPr>
+          </a:lstStyle>
+          <a:p>
+            <a:r>
+              <a:rPr lang="en-US">
+                <a:solidFill>
+                  <a:schemeClr val="tx1"/>
+                </a:solidFill>
+              </a:rPr>
+              <a:t>Sample </a:t>
+            </a:r>
+            <a:br>
+              <a:rPr lang="en-US">
+                <a:solidFill>
+                  <a:schemeClr val="tx1"/>
+                </a:solidFill>
+              </a:rPr>
+            </a:br>
+            <a:r>
+              <a:rPr lang="en-US">
+                <a:solidFill>
+                  <a:schemeClr val="tx1"/>
+                </a:solidFill>
+              </a:rPr>
+              <a:t>SOLIDITY Contract</a:t>
+            </a:r>
+            <a:endParaRPr lang="en-US" dirty="0">
+              <a:solidFill>
+                <a:schemeClr val="tx1"/>
+              </a:solidFill>
+            </a:endParaRPr>
+          </a:p>
+        </p:txBody>
+      </p:sp>
+      <p:sp>
+        <p:nvSpPr>
+          <p:cNvPr id="5" name="TextBox 4">
+            <a:extLst>
+              <a:ext uri="{FF2B5EF4-FFF2-40B4-BE49-F238E27FC236}">
+                <a16:creationId xmlns:a16="http://schemas.microsoft.com/office/drawing/2014/main" id="{E6C14285-5399-4E30-8EAD-C571968E88A1}"/>
+              </a:ext>
+            </a:extLst>
+          </p:cNvPr>
+          <p:cNvSpPr txBox="1"/>
+          <p:nvPr/>
+        </p:nvSpPr>
+        <p:spPr>
+          <a:xfrm>
+            <a:off x="326136" y="1437271"/>
+            <a:ext cx="4696968" cy="369332"/>
+          </a:xfrm>
+          <a:prstGeom prst="rect">
+            <a:avLst/>
+          </a:prstGeom>
+          <a:noFill/>
+        </p:spPr>
+        <p:txBody>
+          <a:bodyPr wrap="square" rtlCol="0">
+            <a:spAutoFit/>
+          </a:bodyPr>
+          <a:lstStyle/>
+          <a:p>
+            <a:r>
+              <a:rPr lang="en-US" dirty="0"/>
+              <a:t>Online Editor - </a:t>
+            </a:r>
+            <a:r>
+              <a:rPr lang="en-US" dirty="0">
+                <a:hlinkClick r:id="rId3"/>
+              </a:rPr>
+              <a:t>https://remix.ethereum.org</a:t>
+            </a:r>
+            <a:endParaRPr lang="en-US" dirty="0"/>
+          </a:p>
+        </p:txBody>
+      </p:sp>
+    </p:spTree>
+    <p:extLst>
+      <p:ext uri="{BB962C8B-B14F-4D97-AF65-F5344CB8AC3E}">
+        <p14:creationId xmlns:p14="http://schemas.microsoft.com/office/powerpoint/2010/main" val="839419340"/>
+      </p:ext>
+    </p:extLst>
+  </p:cSld>
+  <p:clrMapOvr>
+    <a:masterClrMapping/>
+  </p:clrMapOvr>
+</p:sld>
+</file>
+
+<file path=ppt/slides/slide14.xml><?xml version="1.0" encoding="utf-8"?>
+<p:sld xmlns:a="http://schemas.openxmlformats.org/drawingml/2006/main" xmlns:r="http://schemas.openxmlformats.org/officeDocument/2006/relationships" xmlns:p="http://schemas.openxmlformats.org/presentationml/2006/main">
+  <p:cSld>
+    <p:spTree>
+      <p:nvGrpSpPr>
+        <p:cNvPr id="1" name=""/>
+        <p:cNvGrpSpPr/>
+        <p:nvPr/>
+      </p:nvGrpSpPr>
+      <p:grpSpPr>
+        <a:xfrm>
+          <a:off x="0" y="0"/>
+          <a:ext cx="0" cy="0"/>
+          <a:chOff x="0" y="0"/>
+          <a:chExt cx="0" cy="0"/>
+        </a:xfrm>
+      </p:grpSpPr>
+      <p:sp>
+        <p:nvSpPr>
           <p:cNvPr id="5" name="Title 4">
             <a:extLst>
               <a:ext uri="{FF2B5EF4-FFF2-40B4-BE49-F238E27FC236}">
@@ -8718,7 +9197,7 @@
 </p:sld>
 </file>
 
-<file path=ppt/slides/slide12.xml><?xml version="1.0" encoding="utf-8"?>
+<file path=ppt/slides/slide15.xml><?xml version="1.0" encoding="utf-8"?>
 <p:sld xmlns:a="http://schemas.openxmlformats.org/drawingml/2006/main" xmlns:r="http://schemas.openxmlformats.org/officeDocument/2006/relationships" xmlns:p="http://schemas.openxmlformats.org/presentationml/2006/main">
   <p:cSld>
     <p:spTree>
@@ -10842,7 +11321,3147 @@
 </p:sld>
 </file>
 
-<file path=ppt/slides/slide13.xml><?xml version="1.0" encoding="utf-8"?>
+<file path=ppt/slides/slide16.xml><?xml version="1.0" encoding="utf-8"?>
+<p:sld xmlns:a="http://schemas.openxmlformats.org/drawingml/2006/main" xmlns:r="http://schemas.openxmlformats.org/officeDocument/2006/relationships" xmlns:p="http://schemas.openxmlformats.org/presentationml/2006/main">
+  <p:cSld>
+    <p:spTree>
+      <p:nvGrpSpPr>
+        <p:cNvPr id="1" name=""/>
+        <p:cNvGrpSpPr/>
+        <p:nvPr/>
+      </p:nvGrpSpPr>
+      <p:grpSpPr>
+        <a:xfrm>
+          <a:off x="0" y="0"/>
+          <a:ext cx="0" cy="0"/>
+          <a:chOff x="0" y="0"/>
+          <a:chExt cx="0" cy="0"/>
+        </a:xfrm>
+      </p:grpSpPr>
+      <p:sp>
+        <p:nvSpPr>
+          <p:cNvPr id="5" name="Title 4">
+            <a:extLst>
+              <a:ext uri="{FF2B5EF4-FFF2-40B4-BE49-F238E27FC236}">
+                <a16:creationId xmlns:a16="http://schemas.microsoft.com/office/drawing/2014/main" id="{8B7E9EE4-5252-46A4-86C9-96F48C290BC2}"/>
+              </a:ext>
+            </a:extLst>
+          </p:cNvPr>
+          <p:cNvSpPr>
+            <a:spLocks noGrp="1"/>
+          </p:cNvSpPr>
+          <p:nvPr>
+            <p:ph type="title"/>
+          </p:nvPr>
+        </p:nvSpPr>
+        <p:spPr>
+          <a:xfrm>
+            <a:off x="569976" y="2856694"/>
+            <a:ext cx="11353800" cy="1325563"/>
+          </a:xfrm>
+        </p:spPr>
+        <p:txBody>
+          <a:bodyPr/>
+          <a:lstStyle/>
+          <a:p>
+            <a:pPr algn="ctr"/>
+            <a:r>
+              <a:rPr lang="en-US" dirty="0">
+                <a:solidFill>
+                  <a:schemeClr val="tx1"/>
+                </a:solidFill>
+              </a:rPr>
+              <a:t>Code Walk through</a:t>
+            </a:r>
+          </a:p>
+        </p:txBody>
+      </p:sp>
+      <p:pic>
+        <p:nvPicPr>
+          <p:cNvPr id="3074" name="Picture 2" descr="Image result for step by step guide">
+            <a:extLst>
+              <a:ext uri="{FF2B5EF4-FFF2-40B4-BE49-F238E27FC236}">
+                <a16:creationId xmlns:a16="http://schemas.microsoft.com/office/drawing/2014/main" id="{EE7F1202-1170-4F6F-AB86-34BB039B8E73}"/>
+              </a:ext>
+            </a:extLst>
+          </p:cNvPr>
+          <p:cNvPicPr>
+            <a:picLocks noChangeAspect="1" noChangeArrowheads="1"/>
+          </p:cNvPicPr>
+          <p:nvPr/>
+        </p:nvPicPr>
+        <p:blipFill>
+          <a:blip r:embed="rId2">
+            <a:extLst>
+              <a:ext uri="{28A0092B-C50C-407E-A947-70E740481C1C}">
+                <a14:useLocalDpi xmlns:a14="http://schemas.microsoft.com/office/drawing/2010/main" val="0"/>
+              </a:ext>
+            </a:extLst>
+          </a:blip>
+          <a:srcRect/>
+          <a:stretch>
+            <a:fillRect/>
+          </a:stretch>
+        </p:blipFill>
+        <p:spPr bwMode="auto">
+          <a:xfrm>
+            <a:off x="4876800" y="3843528"/>
+            <a:ext cx="2767584" cy="2767584"/>
+          </a:xfrm>
+          <a:prstGeom prst="rect">
+            <a:avLst/>
+          </a:prstGeom>
+          <a:noFill/>
+          <a:extLst>
+            <a:ext uri="{909E8E84-426E-40DD-AFC4-6F175D3DCCD1}">
+              <a14:hiddenFill xmlns:a14="http://schemas.microsoft.com/office/drawing/2010/main">
+                <a:solidFill>
+                  <a:srgbClr val="FFFFFF"/>
+                </a:solidFill>
+              </a14:hiddenFill>
+            </a:ext>
+          </a:extLst>
+        </p:spPr>
+      </p:pic>
+    </p:spTree>
+    <p:extLst>
+      <p:ext uri="{BB962C8B-B14F-4D97-AF65-F5344CB8AC3E}">
+        <p14:creationId xmlns:p14="http://schemas.microsoft.com/office/powerpoint/2010/main" val="1973230044"/>
+      </p:ext>
+    </p:extLst>
+  </p:cSld>
+  <p:clrMapOvr>
+    <a:masterClrMapping/>
+  </p:clrMapOvr>
+</p:sld>
+</file>
+
+<file path=ppt/slides/slide17.xml><?xml version="1.0" encoding="utf-8"?>
+<p:sld xmlns:a="http://schemas.openxmlformats.org/drawingml/2006/main" xmlns:r="http://schemas.openxmlformats.org/officeDocument/2006/relationships" xmlns:p="http://schemas.openxmlformats.org/presentationml/2006/main">
+  <p:cSld>
+    <p:spTree>
+      <p:nvGrpSpPr>
+        <p:cNvPr id="1" name=""/>
+        <p:cNvGrpSpPr/>
+        <p:nvPr/>
+      </p:nvGrpSpPr>
+      <p:grpSpPr>
+        <a:xfrm>
+          <a:off x="0" y="0"/>
+          <a:ext cx="0" cy="0"/>
+          <a:chOff x="0" y="0"/>
+          <a:chExt cx="0" cy="0"/>
+        </a:xfrm>
+      </p:grpSpPr>
+      <p:pic>
+        <p:nvPicPr>
+          <p:cNvPr id="4098" name="Picture 2" descr="Image result for question and answer">
+            <a:extLst>
+              <a:ext uri="{FF2B5EF4-FFF2-40B4-BE49-F238E27FC236}">
+                <a16:creationId xmlns:a16="http://schemas.microsoft.com/office/drawing/2014/main" id="{4B625241-B303-41E2-B5BC-3B15BAF30D90}"/>
+              </a:ext>
+            </a:extLst>
+          </p:cNvPr>
+          <p:cNvPicPr>
+            <a:picLocks noChangeAspect="1" noChangeArrowheads="1"/>
+          </p:cNvPicPr>
+          <p:nvPr/>
+        </p:nvPicPr>
+        <p:blipFill>
+          <a:blip r:embed="rId2">
+            <a:extLst>
+              <a:ext uri="{28A0092B-C50C-407E-A947-70E740481C1C}">
+                <a14:useLocalDpi xmlns:a14="http://schemas.microsoft.com/office/drawing/2010/main" val="0"/>
+              </a:ext>
+            </a:extLst>
+          </a:blip>
+          <a:srcRect/>
+          <a:stretch>
+            <a:fillRect/>
+          </a:stretch>
+        </p:blipFill>
+        <p:spPr bwMode="auto">
+          <a:xfrm>
+            <a:off x="4085654" y="2211134"/>
+            <a:ext cx="3961066" cy="3961066"/>
+          </a:xfrm>
+          <a:prstGeom prst="rect">
+            <a:avLst/>
+          </a:prstGeom>
+          <a:noFill/>
+          <a:extLst>
+            <a:ext uri="{909E8E84-426E-40DD-AFC4-6F175D3DCCD1}">
+              <a14:hiddenFill xmlns:a14="http://schemas.microsoft.com/office/drawing/2010/main">
+                <a:solidFill>
+                  <a:srgbClr val="FFFFFF"/>
+                </a:solidFill>
+              </a14:hiddenFill>
+            </a:ext>
+          </a:extLst>
+        </p:spPr>
+      </p:pic>
+    </p:spTree>
+    <p:extLst>
+      <p:ext uri="{BB962C8B-B14F-4D97-AF65-F5344CB8AC3E}">
+        <p14:creationId xmlns:p14="http://schemas.microsoft.com/office/powerpoint/2010/main" val="1420639569"/>
+      </p:ext>
+    </p:extLst>
+  </p:cSld>
+  <p:clrMapOvr>
+    <a:masterClrMapping/>
+  </p:clrMapOvr>
+</p:sld>
+</file>
+
+<file path=ppt/slides/slide18.xml><?xml version="1.0" encoding="utf-8"?>
+<p:sld xmlns:a="http://schemas.openxmlformats.org/drawingml/2006/main" xmlns:r="http://schemas.openxmlformats.org/officeDocument/2006/relationships" xmlns:p="http://schemas.openxmlformats.org/presentationml/2006/main">
+  <p:cSld>
+    <p:spTree>
+      <p:nvGrpSpPr>
+        <p:cNvPr id="1" name=""/>
+        <p:cNvGrpSpPr/>
+        <p:nvPr/>
+      </p:nvGrpSpPr>
+      <p:grpSpPr>
+        <a:xfrm>
+          <a:off x="0" y="0"/>
+          <a:ext cx="0" cy="0"/>
+          <a:chOff x="0" y="0"/>
+          <a:chExt cx="0" cy="0"/>
+        </a:xfrm>
+      </p:grpSpPr>
+      <p:pic>
+        <p:nvPicPr>
+          <p:cNvPr id="2050" name="Picture 2" descr="Image result for Thank YOu">
+            <a:extLst>
+              <a:ext uri="{FF2B5EF4-FFF2-40B4-BE49-F238E27FC236}">
+                <a16:creationId xmlns:a16="http://schemas.microsoft.com/office/drawing/2014/main" id="{080F98D0-F647-433D-9787-CE384F3C8EB9}"/>
+              </a:ext>
+            </a:extLst>
+          </p:cNvPr>
+          <p:cNvPicPr>
+            <a:picLocks noChangeAspect="1" noChangeArrowheads="1"/>
+          </p:cNvPicPr>
+          <p:nvPr/>
+        </p:nvPicPr>
+        <p:blipFill>
+          <a:blip r:embed="rId2">
+            <a:extLst>
+              <a:ext uri="{28A0092B-C50C-407E-A947-70E740481C1C}">
+                <a14:useLocalDpi xmlns:a14="http://schemas.microsoft.com/office/drawing/2010/main" val="0"/>
+              </a:ext>
+            </a:extLst>
+          </a:blip>
+          <a:srcRect/>
+          <a:stretch>
+            <a:fillRect/>
+          </a:stretch>
+        </p:blipFill>
+        <p:spPr bwMode="auto">
+          <a:xfrm>
+            <a:off x="3584448" y="2607375"/>
+            <a:ext cx="5413248" cy="3050238"/>
+          </a:xfrm>
+          <a:prstGeom prst="rect">
+            <a:avLst/>
+          </a:prstGeom>
+          <a:noFill/>
+          <a:extLst>
+            <a:ext uri="{909E8E84-426E-40DD-AFC4-6F175D3DCCD1}">
+              <a14:hiddenFill xmlns:a14="http://schemas.microsoft.com/office/drawing/2010/main">
+                <a:solidFill>
+                  <a:srgbClr val="FFFFFF"/>
+                </a:solidFill>
+              </a14:hiddenFill>
+            </a:ext>
+          </a:extLst>
+        </p:spPr>
+      </p:pic>
+    </p:spTree>
+    <p:extLst>
+      <p:ext uri="{BB962C8B-B14F-4D97-AF65-F5344CB8AC3E}">
+        <p14:creationId xmlns:p14="http://schemas.microsoft.com/office/powerpoint/2010/main" val="4183868056"/>
+      </p:ext>
+    </p:extLst>
+  </p:cSld>
+  <p:clrMapOvr>
+    <a:masterClrMapping/>
+  </p:clrMapOvr>
+</p:sld>
+</file>
+
+<file path=ppt/slides/slide2.xml><?xml version="1.0" encoding="utf-8"?>
+<p:sld xmlns:a="http://schemas.openxmlformats.org/drawingml/2006/main" xmlns:r="http://schemas.openxmlformats.org/officeDocument/2006/relationships" xmlns:p="http://schemas.openxmlformats.org/presentationml/2006/main">
+  <p:cSld>
+    <p:spTree>
+      <p:nvGrpSpPr>
+        <p:cNvPr id="1" name=""/>
+        <p:cNvGrpSpPr/>
+        <p:nvPr/>
+      </p:nvGrpSpPr>
+      <p:grpSpPr>
+        <a:xfrm>
+          <a:off x="0" y="0"/>
+          <a:ext cx="0" cy="0"/>
+          <a:chOff x="0" y="0"/>
+          <a:chExt cx="0" cy="0"/>
+        </a:xfrm>
+      </p:grpSpPr>
+      <p:sp>
+        <p:nvSpPr>
+          <p:cNvPr id="3" name="Content Placeholder 2"/>
+          <p:cNvSpPr>
+            <a:spLocks noGrp="1"/>
+          </p:cNvSpPr>
+          <p:nvPr>
+            <p:ph idx="1"/>
+          </p:nvPr>
+        </p:nvSpPr>
+        <p:spPr>
+          <a:xfrm>
+            <a:off x="560408" y="2171763"/>
+            <a:ext cx="10515600" cy="3970476"/>
+          </a:xfrm>
+        </p:spPr>
+        <p:txBody>
+          <a:bodyPr>
+            <a:noAutofit/>
+          </a:bodyPr>
+          <a:lstStyle/>
+          <a:p>
+            <a:pPr algn="just"/>
+            <a:r>
+              <a:rPr lang="en-US" sz="2800" dirty="0"/>
+              <a:t>Blockchain, D-Apps and Smart Contracts</a:t>
+            </a:r>
+          </a:p>
+          <a:p>
+            <a:pPr algn="just"/>
+            <a:r>
+              <a:rPr lang="en-US" sz="2800" dirty="0"/>
+              <a:t>Dev tools</a:t>
+            </a:r>
+          </a:p>
+          <a:p>
+            <a:pPr algn="just"/>
+            <a:r>
+              <a:rPr lang="en-US" sz="2800" dirty="0"/>
+              <a:t>Demo implementation architecture. </a:t>
+            </a:r>
+          </a:p>
+          <a:p>
+            <a:pPr algn="just"/>
+            <a:r>
+              <a:rPr lang="en-US" sz="2800" dirty="0"/>
+              <a:t>Setting Up Private Ethereum chain</a:t>
+            </a:r>
+          </a:p>
+          <a:p>
+            <a:pPr algn="just"/>
+            <a:r>
+              <a:rPr lang="en-US" sz="2800" dirty="0"/>
+              <a:t>Sample Smart contract (Asset transfer), solidity.</a:t>
+            </a:r>
+          </a:p>
+          <a:p>
+            <a:pPr algn="just"/>
+            <a:r>
+              <a:rPr lang="en-US" sz="2800" dirty="0"/>
+              <a:t>Demo </a:t>
+            </a:r>
+          </a:p>
+          <a:p>
+            <a:pPr algn="just"/>
+            <a:r>
+              <a:rPr lang="en-US" sz="2800" dirty="0"/>
+              <a:t>Code (API’s)</a:t>
+            </a:r>
+          </a:p>
+        </p:txBody>
+      </p:sp>
+      <p:sp>
+        <p:nvSpPr>
+          <p:cNvPr id="6" name="Slide Number Placeholder 5"/>
+          <p:cNvSpPr>
+            <a:spLocks noGrp="1"/>
+          </p:cNvSpPr>
+          <p:nvPr>
+            <p:ph type="sldNum" sz="quarter" idx="12"/>
+          </p:nvPr>
+        </p:nvSpPr>
+        <p:spPr/>
+        <p:txBody>
+          <a:bodyPr/>
+          <a:lstStyle/>
+          <a:p>
+            <a:fld id="{0FA269BB-9CF1-436E-9ADF-E46804694E4E}" type="slidenum">
+              <a:rPr lang="en-US" smtClean="0"/>
+              <a:t>2</a:t>
+            </a:fld>
+            <a:endParaRPr lang="en-US"/>
+          </a:p>
+        </p:txBody>
+      </p:sp>
+      <p:sp>
+        <p:nvSpPr>
+          <p:cNvPr id="2" name="Title 1"/>
+          <p:cNvSpPr>
+            <a:spLocks noGrp="1"/>
+          </p:cNvSpPr>
+          <p:nvPr>
+            <p:ph type="title"/>
+          </p:nvPr>
+        </p:nvSpPr>
+        <p:spPr>
+          <a:xfrm>
+            <a:off x="838200" y="15958"/>
+            <a:ext cx="11353800" cy="823253"/>
+          </a:xfrm>
+        </p:spPr>
+        <p:txBody>
+          <a:bodyPr/>
+          <a:lstStyle/>
+          <a:p>
+            <a:r>
+              <a:rPr lang="en-US" dirty="0"/>
+              <a:t>Agenda</a:t>
+            </a:r>
+          </a:p>
+        </p:txBody>
+      </p:sp>
+    </p:spTree>
+    <p:extLst>
+      <p:ext uri="{BB962C8B-B14F-4D97-AF65-F5344CB8AC3E}">
+        <p14:creationId xmlns:p14="http://schemas.microsoft.com/office/powerpoint/2010/main" val="26355787"/>
+      </p:ext>
+    </p:extLst>
+  </p:cSld>
+  <p:clrMapOvr>
+    <a:masterClrMapping/>
+  </p:clrMapOvr>
+</p:sld>
+</file>
+
+<file path=ppt/slides/slide3.xml><?xml version="1.0" encoding="utf-8"?>
+<p:sld xmlns:a="http://schemas.openxmlformats.org/drawingml/2006/main" xmlns:r="http://schemas.openxmlformats.org/officeDocument/2006/relationships" xmlns:p="http://schemas.openxmlformats.org/presentationml/2006/main">
+  <p:cSld>
+    <p:spTree>
+      <p:nvGrpSpPr>
+        <p:cNvPr id="1" name=""/>
+        <p:cNvGrpSpPr/>
+        <p:nvPr/>
+      </p:nvGrpSpPr>
+      <p:grpSpPr>
+        <a:xfrm>
+          <a:off x="0" y="0"/>
+          <a:ext cx="0" cy="0"/>
+          <a:chOff x="0" y="0"/>
+          <a:chExt cx="0" cy="0"/>
+        </a:xfrm>
+      </p:grpSpPr>
+      <p:sp>
+        <p:nvSpPr>
+          <p:cNvPr id="3" name="Content Placeholder 2"/>
+          <p:cNvSpPr>
+            <a:spLocks noGrp="1"/>
+          </p:cNvSpPr>
+          <p:nvPr>
+            <p:ph idx="1"/>
+          </p:nvPr>
+        </p:nvSpPr>
+        <p:spPr>
+          <a:xfrm>
+            <a:off x="252984" y="2133335"/>
+            <a:ext cx="4892040" cy="3970476"/>
+          </a:xfrm>
+        </p:spPr>
+        <p:txBody>
+          <a:bodyPr>
+            <a:noAutofit/>
+          </a:bodyPr>
+          <a:lstStyle/>
+          <a:p>
+            <a:pPr marL="0" indent="0" algn="just">
+              <a:buNone/>
+            </a:pPr>
+            <a:r>
+              <a:rPr lang="en-US" sz="2800" dirty="0"/>
+              <a:t>What is Blockchain</a:t>
+            </a:r>
+          </a:p>
+          <a:p>
+            <a:pPr algn="just"/>
+            <a:r>
+              <a:rPr lang="en-US" sz="2000" dirty="0"/>
+              <a:t>Technology that relies on cryptography to store data in distributed ledger</a:t>
+            </a:r>
+          </a:p>
+          <a:p>
+            <a:pPr algn="just"/>
+            <a:r>
+              <a:rPr lang="en-US" sz="2000" dirty="0"/>
+              <a:t>Every block contains a hash of the previous block and a new added only after all previous hashes are recomputed </a:t>
+            </a:r>
+          </a:p>
+          <a:p>
+            <a:pPr algn="just"/>
+            <a:r>
+              <a:rPr lang="en-US" sz="2000" dirty="0"/>
+              <a:t>Distributed data store</a:t>
+            </a:r>
+          </a:p>
+          <a:p>
+            <a:pPr algn="just"/>
+            <a:r>
+              <a:rPr lang="en-US" sz="2000" dirty="0"/>
+              <a:t>Immutability of data stored.</a:t>
+            </a:r>
+          </a:p>
+          <a:p>
+            <a:pPr algn="just"/>
+            <a:r>
+              <a:rPr lang="en-US" sz="2000" dirty="0"/>
+              <a:t>Storing of data is based on agreements between all parties</a:t>
+            </a:r>
+          </a:p>
+          <a:p>
+            <a:pPr algn="just"/>
+            <a:endParaRPr lang="en-US" sz="2000" dirty="0"/>
+          </a:p>
+          <a:p>
+            <a:pPr algn="just"/>
+            <a:endParaRPr lang="en-US" sz="2000" dirty="0"/>
+          </a:p>
+        </p:txBody>
+      </p:sp>
+      <p:sp>
+        <p:nvSpPr>
+          <p:cNvPr id="6" name="Slide Number Placeholder 5"/>
+          <p:cNvSpPr>
+            <a:spLocks noGrp="1"/>
+          </p:cNvSpPr>
+          <p:nvPr>
+            <p:ph type="sldNum" sz="quarter" idx="12"/>
+          </p:nvPr>
+        </p:nvSpPr>
+        <p:spPr>
+          <a:xfrm>
+            <a:off x="9220200" y="6280150"/>
+            <a:ext cx="2743200" cy="365125"/>
+          </a:xfrm>
+        </p:spPr>
+        <p:txBody>
+          <a:bodyPr/>
+          <a:lstStyle/>
+          <a:p>
+            <a:fld id="{0FA269BB-9CF1-436E-9ADF-E46804694E4E}" type="slidenum">
+              <a:rPr lang="en-US" smtClean="0"/>
+              <a:t>3</a:t>
+            </a:fld>
+            <a:endParaRPr lang="en-US" dirty="0"/>
+          </a:p>
+        </p:txBody>
+      </p:sp>
+      <p:sp>
+        <p:nvSpPr>
+          <p:cNvPr id="2" name="Title 1"/>
+          <p:cNvSpPr>
+            <a:spLocks noGrp="1"/>
+          </p:cNvSpPr>
+          <p:nvPr>
+            <p:ph type="title"/>
+          </p:nvPr>
+        </p:nvSpPr>
+        <p:spPr>
+          <a:xfrm>
+            <a:off x="792480" y="15958"/>
+            <a:ext cx="11399520" cy="1325563"/>
+          </a:xfrm>
+        </p:spPr>
+        <p:txBody>
+          <a:bodyPr/>
+          <a:lstStyle/>
+          <a:p>
+            <a:r>
+              <a:rPr lang="en-US" dirty="0"/>
+              <a:t>Blockchain</a:t>
+            </a:r>
+          </a:p>
+        </p:txBody>
+      </p:sp>
+      <p:pic>
+        <p:nvPicPr>
+          <p:cNvPr id="2050" name="Picture 2" descr="Image result for WHat is block chain">
+            <a:extLst>
+              <a:ext uri="{FF2B5EF4-FFF2-40B4-BE49-F238E27FC236}">
+                <a16:creationId xmlns:a16="http://schemas.microsoft.com/office/drawing/2014/main" id="{56E9F3B5-D131-4DEE-BE12-E8437DBE0BFD}"/>
+              </a:ext>
+            </a:extLst>
+          </p:cNvPr>
+          <p:cNvPicPr>
+            <a:picLocks noChangeAspect="1" noChangeArrowheads="1"/>
+          </p:cNvPicPr>
+          <p:nvPr/>
+        </p:nvPicPr>
+        <p:blipFill>
+          <a:blip r:embed="rId3">
+            <a:extLst>
+              <a:ext uri="{28A0092B-C50C-407E-A947-70E740481C1C}">
+                <a14:useLocalDpi xmlns:a14="http://schemas.microsoft.com/office/drawing/2010/main" val="0"/>
+              </a:ext>
+            </a:extLst>
+          </a:blip>
+          <a:srcRect/>
+          <a:stretch>
+            <a:fillRect/>
+          </a:stretch>
+        </p:blipFill>
+        <p:spPr bwMode="auto">
+          <a:xfrm>
+            <a:off x="5218176" y="1978390"/>
+            <a:ext cx="6973824" cy="2901220"/>
+          </a:xfrm>
+          <a:prstGeom prst="rect">
+            <a:avLst/>
+          </a:prstGeom>
+          <a:noFill/>
+          <a:extLst>
+            <a:ext uri="{909E8E84-426E-40DD-AFC4-6F175D3DCCD1}">
+              <a14:hiddenFill xmlns:a14="http://schemas.microsoft.com/office/drawing/2010/main">
+                <a:solidFill>
+                  <a:srgbClr val="FFFFFF"/>
+                </a:solidFill>
+              </a14:hiddenFill>
+            </a:ext>
+          </a:extLst>
+        </p:spPr>
+      </p:pic>
+      <p:sp>
+        <p:nvSpPr>
+          <p:cNvPr id="15" name="Content Placeholder 2">
+            <a:extLst>
+              <a:ext uri="{FF2B5EF4-FFF2-40B4-BE49-F238E27FC236}">
+                <a16:creationId xmlns:a16="http://schemas.microsoft.com/office/drawing/2014/main" id="{1C1BA68A-36E9-4BE8-AF0B-A341A6FFE2F4}"/>
+              </a:ext>
+            </a:extLst>
+          </p:cNvPr>
+          <p:cNvSpPr txBox="1">
+            <a:spLocks/>
+          </p:cNvSpPr>
+          <p:nvPr/>
+        </p:nvSpPr>
+        <p:spPr>
+          <a:xfrm>
+            <a:off x="5623560" y="4856804"/>
+            <a:ext cx="6568440" cy="934396"/>
+          </a:xfrm>
+          <a:prstGeom prst="rect">
+            <a:avLst/>
+          </a:prstGeom>
+        </p:spPr>
+        <p:txBody>
+          <a:bodyPr vert="horz" lIns="91440" tIns="45720" rIns="91440" bIns="45720" rtlCol="0">
+            <a:noAutofit/>
+          </a:bodyPr>
+          <a:lstStyle>
+            <a:lvl1pPr marL="228600" indent="-228600" algn="l" defTabSz="914400" rtl="0" eaLnBrk="1" latinLnBrk="0" hangingPunct="1">
+              <a:lnSpc>
+                <a:spcPct val="90000"/>
+              </a:lnSpc>
+              <a:spcBef>
+                <a:spcPts val="1000"/>
+              </a:spcBef>
+              <a:buFont typeface="Arial" panose="020B0604020202020204" pitchFamily="34" charset="0"/>
+              <a:buChar char="•"/>
+              <a:defRPr sz="3600" kern="1200">
+                <a:solidFill>
+                  <a:schemeClr val="tx1"/>
+                </a:solidFill>
+                <a:latin typeface="+mn-lt"/>
+                <a:ea typeface="+mn-ea"/>
+                <a:cs typeface="+mn-cs"/>
+              </a:defRPr>
+            </a:lvl1pPr>
+            <a:lvl2pPr marL="685800" indent="-228600" algn="l" defTabSz="914400" rtl="0" eaLnBrk="1" latinLnBrk="0" hangingPunct="1">
+              <a:lnSpc>
+                <a:spcPct val="90000"/>
+              </a:lnSpc>
+              <a:spcBef>
+                <a:spcPts val="500"/>
+              </a:spcBef>
+              <a:buFont typeface="Arial" panose="020B0604020202020204" pitchFamily="34" charset="0"/>
+              <a:buChar char="•"/>
+              <a:defRPr sz="3200" kern="1200">
+                <a:solidFill>
+                  <a:schemeClr val="tx1"/>
+                </a:solidFill>
+                <a:latin typeface="+mn-lt"/>
+                <a:ea typeface="+mn-ea"/>
+                <a:cs typeface="+mn-cs"/>
+              </a:defRPr>
+            </a:lvl2pPr>
+            <a:lvl3pPr marL="1143000" indent="-228600" algn="l" defTabSz="914400" rtl="0" eaLnBrk="1" latinLnBrk="0" hangingPunct="1">
+              <a:lnSpc>
+                <a:spcPct val="90000"/>
+              </a:lnSpc>
+              <a:spcBef>
+                <a:spcPts val="500"/>
+              </a:spcBef>
+              <a:buFont typeface="Arial" panose="020B0604020202020204" pitchFamily="34" charset="0"/>
+              <a:buChar char="•"/>
+              <a:defRPr sz="2800" kern="1200">
+                <a:solidFill>
+                  <a:schemeClr val="tx1"/>
+                </a:solidFill>
+                <a:latin typeface="+mn-lt"/>
+                <a:ea typeface="+mn-ea"/>
+                <a:cs typeface="+mn-cs"/>
+              </a:defRPr>
+            </a:lvl3pPr>
+            <a:lvl4pPr marL="1600200" indent="-228600" algn="l" defTabSz="914400" rtl="0" eaLnBrk="1" latinLnBrk="0" hangingPunct="1">
+              <a:lnSpc>
+                <a:spcPct val="90000"/>
+              </a:lnSpc>
+              <a:spcBef>
+                <a:spcPts val="500"/>
+              </a:spcBef>
+              <a:buFont typeface="Arial" panose="020B0604020202020204" pitchFamily="34" charset="0"/>
+              <a:buChar char="•"/>
+              <a:defRPr sz="2400" kern="1200">
+                <a:solidFill>
+                  <a:schemeClr val="tx1"/>
+                </a:solidFill>
+                <a:latin typeface="+mn-lt"/>
+                <a:ea typeface="+mn-ea"/>
+                <a:cs typeface="+mn-cs"/>
+              </a:defRPr>
+            </a:lvl4pPr>
+            <a:lvl5pPr marL="2057400" indent="-228600" algn="l" defTabSz="914400" rtl="0" eaLnBrk="1" latinLnBrk="0" hangingPunct="1">
+              <a:lnSpc>
+                <a:spcPct val="90000"/>
+              </a:lnSpc>
+              <a:spcBef>
+                <a:spcPts val="500"/>
+              </a:spcBef>
+              <a:buFont typeface="Arial" panose="020B0604020202020204" pitchFamily="34" charset="0"/>
+              <a:buChar char="•"/>
+              <a:defRPr sz="2400" kern="1200">
+                <a:solidFill>
+                  <a:schemeClr val="tx1"/>
+                </a:solidFill>
+                <a:latin typeface="+mn-lt"/>
+                <a:ea typeface="+mn-ea"/>
+                <a:cs typeface="+mn-cs"/>
+              </a:defRPr>
+            </a:lvl5pPr>
+            <a:lvl6pPr marL="2514600" indent="-228600" algn="l" defTabSz="914400" rtl="0" eaLnBrk="1" latinLnBrk="0" hangingPunct="1">
+              <a:lnSpc>
+                <a:spcPct val="90000"/>
+              </a:lnSpc>
+              <a:spcBef>
+                <a:spcPts val="500"/>
+              </a:spcBef>
+              <a:buFont typeface="Arial" panose="020B0604020202020204" pitchFamily="34" charset="0"/>
+              <a:buChar char="•"/>
+              <a:defRPr sz="1800" kern="1200">
+                <a:solidFill>
+                  <a:schemeClr val="tx1"/>
+                </a:solidFill>
+                <a:latin typeface="+mn-lt"/>
+                <a:ea typeface="+mn-ea"/>
+                <a:cs typeface="+mn-cs"/>
+              </a:defRPr>
+            </a:lvl6pPr>
+            <a:lvl7pPr marL="2971800" indent="-228600" algn="l" defTabSz="914400" rtl="0" eaLnBrk="1" latinLnBrk="0" hangingPunct="1">
+              <a:lnSpc>
+                <a:spcPct val="90000"/>
+              </a:lnSpc>
+              <a:spcBef>
+                <a:spcPts val="500"/>
+              </a:spcBef>
+              <a:buFont typeface="Arial" panose="020B0604020202020204" pitchFamily="34" charset="0"/>
+              <a:buChar char="•"/>
+              <a:defRPr sz="1800" kern="1200">
+                <a:solidFill>
+                  <a:schemeClr val="tx1"/>
+                </a:solidFill>
+                <a:latin typeface="+mn-lt"/>
+                <a:ea typeface="+mn-ea"/>
+                <a:cs typeface="+mn-cs"/>
+              </a:defRPr>
+            </a:lvl7pPr>
+            <a:lvl8pPr marL="3429000" indent="-228600" algn="l" defTabSz="914400" rtl="0" eaLnBrk="1" latinLnBrk="0" hangingPunct="1">
+              <a:lnSpc>
+                <a:spcPct val="90000"/>
+              </a:lnSpc>
+              <a:spcBef>
+                <a:spcPts val="500"/>
+              </a:spcBef>
+              <a:buFont typeface="Arial" panose="020B0604020202020204" pitchFamily="34" charset="0"/>
+              <a:buChar char="•"/>
+              <a:defRPr sz="1800" kern="1200">
+                <a:solidFill>
+                  <a:schemeClr val="tx1"/>
+                </a:solidFill>
+                <a:latin typeface="+mn-lt"/>
+                <a:ea typeface="+mn-ea"/>
+                <a:cs typeface="+mn-cs"/>
+              </a:defRPr>
+            </a:lvl8pPr>
+            <a:lvl9pPr marL="3886200" indent="-228600" algn="l" defTabSz="914400" rtl="0" eaLnBrk="1" latinLnBrk="0" hangingPunct="1">
+              <a:lnSpc>
+                <a:spcPct val="90000"/>
+              </a:lnSpc>
+              <a:spcBef>
+                <a:spcPts val="500"/>
+              </a:spcBef>
+              <a:buFont typeface="Arial" panose="020B0604020202020204" pitchFamily="34" charset="0"/>
+              <a:buChar char="•"/>
+              <a:defRPr sz="1800" kern="1200">
+                <a:solidFill>
+                  <a:schemeClr val="tx1"/>
+                </a:solidFill>
+                <a:latin typeface="+mn-lt"/>
+                <a:ea typeface="+mn-ea"/>
+                <a:cs typeface="+mn-cs"/>
+              </a:defRPr>
+            </a:lvl9pPr>
+          </a:lstStyle>
+          <a:p>
+            <a:pPr marL="0" indent="0" algn="just">
+              <a:buNone/>
+            </a:pPr>
+            <a:r>
+              <a:rPr lang="en-US" sz="1600" b="1" dirty="0"/>
+              <a:t>**Genesis block </a:t>
+            </a:r>
+          </a:p>
+          <a:p>
+            <a:pPr algn="just"/>
+            <a:r>
+              <a:rPr lang="en-US" sz="1400" dirty="0"/>
+              <a:t>It is first block for the chain</a:t>
+            </a:r>
+          </a:p>
+          <a:p>
+            <a:pPr algn="just"/>
+            <a:r>
+              <a:rPr lang="en-US" sz="1400" dirty="0"/>
+              <a:t>It is created using the genesis state file or </a:t>
+            </a:r>
+            <a:r>
+              <a:rPr lang="en-US" sz="1400" dirty="0" err="1"/>
+              <a:t>genesis.json</a:t>
+            </a:r>
+            <a:endParaRPr lang="en-US" sz="1400" dirty="0"/>
+          </a:p>
+          <a:p>
+            <a:pPr algn="just"/>
+            <a:endParaRPr lang="en-US" sz="1400" dirty="0"/>
+          </a:p>
+          <a:p>
+            <a:pPr algn="just"/>
+            <a:endParaRPr lang="en-US" sz="1400" dirty="0"/>
+          </a:p>
+        </p:txBody>
+      </p:sp>
+      <p:sp>
+        <p:nvSpPr>
+          <p:cNvPr id="20" name="TextBox 19">
+            <a:extLst>
+              <a:ext uri="{FF2B5EF4-FFF2-40B4-BE49-F238E27FC236}">
+                <a16:creationId xmlns:a16="http://schemas.microsoft.com/office/drawing/2014/main" id="{C620E2B9-AA12-466F-A29C-243D5E1680ED}"/>
+              </a:ext>
+            </a:extLst>
+          </p:cNvPr>
+          <p:cNvSpPr txBox="1"/>
+          <p:nvPr/>
+        </p:nvSpPr>
+        <p:spPr>
+          <a:xfrm>
+            <a:off x="258064" y="5964659"/>
+            <a:ext cx="5501640" cy="369332"/>
+          </a:xfrm>
+          <a:prstGeom prst="rect">
+            <a:avLst/>
+          </a:prstGeom>
+          <a:noFill/>
+        </p:spPr>
+        <p:txBody>
+          <a:bodyPr wrap="square" rtlCol="0">
+            <a:spAutoFit/>
+          </a:bodyPr>
+          <a:lstStyle/>
+          <a:p>
+            <a:r>
+              <a:rPr lang="en-US" dirty="0">
+                <a:hlinkClick r:id="rId4"/>
+              </a:rPr>
+              <a:t>Blockchain 101 Visual Demo Video</a:t>
+            </a:r>
+            <a:endParaRPr lang="en-US" dirty="0"/>
+          </a:p>
+        </p:txBody>
+      </p:sp>
+      <p:sp>
+        <p:nvSpPr>
+          <p:cNvPr id="23" name="TextBox 22">
+            <a:extLst>
+              <a:ext uri="{FF2B5EF4-FFF2-40B4-BE49-F238E27FC236}">
+                <a16:creationId xmlns:a16="http://schemas.microsoft.com/office/drawing/2014/main" id="{A5E976ED-F9B2-43EF-90AB-5CAB006822FC}"/>
+              </a:ext>
+            </a:extLst>
+          </p:cNvPr>
+          <p:cNvSpPr txBox="1"/>
+          <p:nvPr/>
+        </p:nvSpPr>
+        <p:spPr>
+          <a:xfrm>
+            <a:off x="5759704" y="5968970"/>
+            <a:ext cx="5486400" cy="369332"/>
+          </a:xfrm>
+          <a:prstGeom prst="rect">
+            <a:avLst/>
+          </a:prstGeom>
+          <a:noFill/>
+        </p:spPr>
+        <p:txBody>
+          <a:bodyPr wrap="square" rtlCol="0">
+            <a:spAutoFit/>
+          </a:bodyPr>
+          <a:lstStyle/>
+          <a:p>
+            <a:r>
+              <a:rPr lang="en-US" dirty="0">
+                <a:hlinkClick r:id="rId5"/>
+              </a:rPr>
+              <a:t>Blockchain 101 Visual Demo</a:t>
+            </a:r>
+            <a:endParaRPr lang="en-US" dirty="0"/>
+          </a:p>
+        </p:txBody>
+      </p:sp>
+    </p:spTree>
+    <p:extLst>
+      <p:ext uri="{BB962C8B-B14F-4D97-AF65-F5344CB8AC3E}">
+        <p14:creationId xmlns:p14="http://schemas.microsoft.com/office/powerpoint/2010/main" val="4026179288"/>
+      </p:ext>
+    </p:extLst>
+  </p:cSld>
+  <p:clrMapOvr>
+    <a:masterClrMapping/>
+  </p:clrMapOvr>
+</p:sld>
+</file>
+
+<file path=ppt/slides/slide4.xml><?xml version="1.0" encoding="utf-8"?>
+<p:sld xmlns:a="http://schemas.openxmlformats.org/drawingml/2006/main" xmlns:r="http://schemas.openxmlformats.org/officeDocument/2006/relationships" xmlns:p="http://schemas.openxmlformats.org/presentationml/2006/main">
+  <p:cSld>
+    <p:spTree>
+      <p:nvGrpSpPr>
+        <p:cNvPr id="1" name=""/>
+        <p:cNvGrpSpPr/>
+        <p:nvPr/>
+      </p:nvGrpSpPr>
+      <p:grpSpPr>
+        <a:xfrm>
+          <a:off x="0" y="0"/>
+          <a:ext cx="0" cy="0"/>
+          <a:chOff x="0" y="0"/>
+          <a:chExt cx="0" cy="0"/>
+        </a:xfrm>
+      </p:grpSpPr>
+      <p:sp>
+        <p:nvSpPr>
+          <p:cNvPr id="3" name="Title 2">
+            <a:extLst>
+              <a:ext uri="{FF2B5EF4-FFF2-40B4-BE49-F238E27FC236}">
+                <a16:creationId xmlns:a16="http://schemas.microsoft.com/office/drawing/2014/main" id="{01C7A0F6-AA7D-46B8-94E5-AA3D4BC48269}"/>
+              </a:ext>
+            </a:extLst>
+          </p:cNvPr>
+          <p:cNvSpPr>
+            <a:spLocks noGrp="1"/>
+          </p:cNvSpPr>
+          <p:nvPr>
+            <p:ph type="title"/>
+          </p:nvPr>
+        </p:nvSpPr>
+        <p:spPr/>
+        <p:txBody>
+          <a:bodyPr>
+            <a:normAutofit fontScale="90000"/>
+          </a:bodyPr>
+          <a:lstStyle/>
+          <a:p>
+            <a:r>
+              <a:rPr lang="en-US" dirty="0"/>
+              <a:t>D-Apps(Decentralized </a:t>
+            </a:r>
+            <a:br>
+              <a:rPr lang="en-US" dirty="0"/>
+            </a:br>
+            <a:r>
+              <a:rPr lang="en-US" dirty="0"/>
+              <a:t>Applications)</a:t>
+            </a:r>
+          </a:p>
+        </p:txBody>
+      </p:sp>
+      <p:sp>
+        <p:nvSpPr>
+          <p:cNvPr id="5" name="Rectangle 4">
+            <a:extLst>
+              <a:ext uri="{FF2B5EF4-FFF2-40B4-BE49-F238E27FC236}">
+                <a16:creationId xmlns:a16="http://schemas.microsoft.com/office/drawing/2014/main" id="{D598F40E-CA1F-48F6-81DB-E6BFE7C02C5E}"/>
+              </a:ext>
+            </a:extLst>
+          </p:cNvPr>
+          <p:cNvSpPr/>
+          <p:nvPr/>
+        </p:nvSpPr>
+        <p:spPr>
+          <a:xfrm>
+            <a:off x="207264" y="1668655"/>
+            <a:ext cx="11789664" cy="1477328"/>
+          </a:xfrm>
+          <a:prstGeom prst="rect">
+            <a:avLst/>
+          </a:prstGeom>
+        </p:spPr>
+        <p:txBody>
+          <a:bodyPr wrap="square">
+            <a:spAutoFit/>
+          </a:bodyPr>
+          <a:lstStyle/>
+          <a:p>
+            <a:pPr marL="285750" indent="-285750">
+              <a:buFont typeface="Arial" panose="020B0604020202020204" pitchFamily="34" charset="0"/>
+              <a:buChar char="•"/>
+            </a:pPr>
+            <a:r>
+              <a:rPr lang="en-US" dirty="0"/>
+              <a:t>Decentralized applications (D-Apps) are applications that run on a P2P network of computers rather than some kind of hosting service.</a:t>
+            </a:r>
+          </a:p>
+          <a:p>
+            <a:pPr marL="285750" indent="-285750">
+              <a:buFont typeface="Arial" panose="020B0604020202020204" pitchFamily="34" charset="0"/>
+              <a:buChar char="•"/>
+            </a:pPr>
+            <a:r>
+              <a:rPr lang="en-US" dirty="0"/>
+              <a:t>D-Apps are a ‘blockchain enabled’, where the Smart Contract is used to connect to the blockchain</a:t>
+            </a:r>
+          </a:p>
+          <a:p>
+            <a:pPr marL="285750" indent="-285750">
+              <a:buFont typeface="Arial" panose="020B0604020202020204" pitchFamily="34" charset="0"/>
+              <a:buChar char="•"/>
+            </a:pPr>
+            <a:r>
+              <a:rPr lang="en-US" dirty="0"/>
+              <a:t>D-Apps backend is immutable. Not a general data platform that can be used for any types of applications. </a:t>
+            </a:r>
+          </a:p>
+          <a:p>
+            <a:pPr marL="285750" indent="-285750">
+              <a:buFont typeface="Arial" panose="020B0604020202020204" pitchFamily="34" charset="0"/>
+              <a:buChar char="•"/>
+            </a:pPr>
+            <a:r>
+              <a:rPr lang="en-US" dirty="0"/>
+              <a:t>Typically has an off chain database</a:t>
+            </a:r>
+          </a:p>
+        </p:txBody>
+      </p:sp>
+      <p:sp>
+        <p:nvSpPr>
+          <p:cNvPr id="6" name="Rectangle: Rounded Corners 5">
+            <a:extLst>
+              <a:ext uri="{FF2B5EF4-FFF2-40B4-BE49-F238E27FC236}">
+                <a16:creationId xmlns:a16="http://schemas.microsoft.com/office/drawing/2014/main" id="{CE32A826-1A6D-47B8-BF4A-0156FA19569C}"/>
+              </a:ext>
+            </a:extLst>
+          </p:cNvPr>
+          <p:cNvSpPr/>
+          <p:nvPr/>
+        </p:nvSpPr>
+        <p:spPr>
+          <a:xfrm>
+            <a:off x="2170176" y="3465576"/>
+            <a:ext cx="2767584" cy="633984"/>
+          </a:xfrm>
+          <a:prstGeom prst="roundRect">
+            <a:avLst/>
+          </a:prstGeom>
+          <a:solidFill>
+            <a:schemeClr val="bg1"/>
+          </a:solidFill>
+        </p:spPr>
+        <p:style>
+          <a:lnRef idx="2">
+            <a:schemeClr val="accent1">
+              <a:shade val="50000"/>
+            </a:schemeClr>
+          </a:lnRef>
+          <a:fillRef idx="1">
+            <a:schemeClr val="accent1"/>
+          </a:fillRef>
+          <a:effectRef idx="0">
+            <a:schemeClr val="accent1"/>
+          </a:effectRef>
+          <a:fontRef idx="minor">
+            <a:schemeClr val="lt1"/>
+          </a:fontRef>
+        </p:style>
+        <p:txBody>
+          <a:bodyPr rtlCol="0" anchor="ctr"/>
+          <a:lstStyle/>
+          <a:p>
+            <a:pPr algn="ctr"/>
+            <a:r>
+              <a:rPr lang="en-US" dirty="0">
+                <a:solidFill>
+                  <a:schemeClr val="tx1"/>
+                </a:solidFill>
+              </a:rPr>
+              <a:t>      Front End</a:t>
+            </a:r>
+          </a:p>
+        </p:txBody>
+      </p:sp>
+      <p:sp>
+        <p:nvSpPr>
+          <p:cNvPr id="7" name="Rectangle: Rounded Corners 6">
+            <a:extLst>
+              <a:ext uri="{FF2B5EF4-FFF2-40B4-BE49-F238E27FC236}">
+                <a16:creationId xmlns:a16="http://schemas.microsoft.com/office/drawing/2014/main" id="{C6C7A8A1-A47C-4AD3-8A51-D635ABF0090E}"/>
+              </a:ext>
+            </a:extLst>
+          </p:cNvPr>
+          <p:cNvSpPr/>
+          <p:nvPr/>
+        </p:nvSpPr>
+        <p:spPr>
+          <a:xfrm>
+            <a:off x="2170176" y="4464136"/>
+            <a:ext cx="2767584" cy="633984"/>
+          </a:xfrm>
+          <a:prstGeom prst="roundRect">
+            <a:avLst/>
+          </a:prstGeom>
+          <a:solidFill>
+            <a:schemeClr val="bg1"/>
+          </a:solidFill>
+        </p:spPr>
+        <p:style>
+          <a:lnRef idx="2">
+            <a:schemeClr val="accent1">
+              <a:shade val="50000"/>
+            </a:schemeClr>
+          </a:lnRef>
+          <a:fillRef idx="1">
+            <a:schemeClr val="accent1"/>
+          </a:fillRef>
+          <a:effectRef idx="0">
+            <a:schemeClr val="accent1"/>
+          </a:effectRef>
+          <a:fontRef idx="minor">
+            <a:schemeClr val="lt1"/>
+          </a:fontRef>
+        </p:style>
+        <p:txBody>
+          <a:bodyPr rot="0" spcFirstLastPara="0" vertOverflow="overflow" horzOverflow="overflow" vert="horz" wrap="square" lIns="91440" tIns="45720" rIns="91440" bIns="45720" numCol="1" spcCol="0" rtlCol="0" fromWordArt="0" anchor="ctr" anchorCtr="0" forceAA="0" compatLnSpc="1">
+            <a:prstTxWarp prst="textNoShape">
+              <a:avLst/>
+            </a:prstTxWarp>
+            <a:noAutofit/>
+          </a:bodyPr>
+          <a:lstStyle/>
+          <a:p>
+            <a:pPr algn="ctr"/>
+            <a:endParaRPr lang="en-US" dirty="0">
+              <a:solidFill>
+                <a:schemeClr val="tx1"/>
+              </a:solidFill>
+            </a:endParaRPr>
+          </a:p>
+        </p:txBody>
+      </p:sp>
+      <p:pic>
+        <p:nvPicPr>
+          <p:cNvPr id="2050" name="Picture 2" descr="Related image">
+            <a:extLst>
+              <a:ext uri="{FF2B5EF4-FFF2-40B4-BE49-F238E27FC236}">
+                <a16:creationId xmlns:a16="http://schemas.microsoft.com/office/drawing/2014/main" id="{22B4AC60-06D9-4B45-BF95-0E00509D6E7A}"/>
+              </a:ext>
+            </a:extLst>
+          </p:cNvPr>
+          <p:cNvPicPr>
+            <a:picLocks noChangeAspect="1" noChangeArrowheads="1"/>
+          </p:cNvPicPr>
+          <p:nvPr/>
+        </p:nvPicPr>
+        <p:blipFill>
+          <a:blip r:embed="rId2" cstate="print">
+            <a:extLst>
+              <a:ext uri="{28A0092B-C50C-407E-A947-70E740481C1C}">
+                <a14:useLocalDpi xmlns:a14="http://schemas.microsoft.com/office/drawing/2010/main" val="0"/>
+              </a:ext>
+            </a:extLst>
+          </a:blip>
+          <a:srcRect/>
+          <a:stretch>
+            <a:fillRect/>
+          </a:stretch>
+        </p:blipFill>
+        <p:spPr bwMode="auto">
+          <a:xfrm>
+            <a:off x="3982053" y="5696712"/>
+            <a:ext cx="704405" cy="866220"/>
+          </a:xfrm>
+          <a:prstGeom prst="rect">
+            <a:avLst/>
+          </a:prstGeom>
+          <a:noFill/>
+          <a:extLst>
+            <a:ext uri="{909E8E84-426E-40DD-AFC4-6F175D3DCCD1}">
+              <a14:hiddenFill xmlns:a14="http://schemas.microsoft.com/office/drawing/2010/main">
+                <a:solidFill>
+                  <a:srgbClr val="FFFFFF"/>
+                </a:solidFill>
+              </a14:hiddenFill>
+            </a:ext>
+          </a:extLst>
+        </p:spPr>
+      </p:pic>
+      <p:pic>
+        <p:nvPicPr>
+          <p:cNvPr id="2052" name="Picture 4" descr="Image result for web services">
+            <a:extLst>
+              <a:ext uri="{FF2B5EF4-FFF2-40B4-BE49-F238E27FC236}">
+                <a16:creationId xmlns:a16="http://schemas.microsoft.com/office/drawing/2014/main" id="{A73237B1-09AF-4AA4-9C6C-8BA4355870E5}"/>
+              </a:ext>
+            </a:extLst>
+          </p:cNvPr>
+          <p:cNvPicPr>
+            <a:picLocks noChangeAspect="1" noChangeArrowheads="1"/>
+          </p:cNvPicPr>
+          <p:nvPr/>
+        </p:nvPicPr>
+        <p:blipFill>
+          <a:blip r:embed="rId3" cstate="print">
+            <a:extLst>
+              <a:ext uri="{28A0092B-C50C-407E-A947-70E740481C1C}">
+                <a14:useLocalDpi xmlns:a14="http://schemas.microsoft.com/office/drawing/2010/main" val="0"/>
+              </a:ext>
+            </a:extLst>
+          </a:blip>
+          <a:srcRect/>
+          <a:stretch>
+            <a:fillRect/>
+          </a:stretch>
+        </p:blipFill>
+        <p:spPr bwMode="auto">
+          <a:xfrm>
+            <a:off x="2450797" y="5696711"/>
+            <a:ext cx="1121459" cy="871467"/>
+          </a:xfrm>
+          <a:prstGeom prst="rect">
+            <a:avLst/>
+          </a:prstGeom>
+          <a:noFill/>
+          <a:extLst>
+            <a:ext uri="{909E8E84-426E-40DD-AFC4-6F175D3DCCD1}">
+              <a14:hiddenFill xmlns:a14="http://schemas.microsoft.com/office/drawing/2010/main">
+                <a:solidFill>
+                  <a:srgbClr val="FFFFFF"/>
+                </a:solidFill>
+              </a14:hiddenFill>
+            </a:ext>
+          </a:extLst>
+        </p:spPr>
+      </p:pic>
+      <p:sp>
+        <p:nvSpPr>
+          <p:cNvPr id="16" name="Rectangle: Rounded Corners 15">
+            <a:extLst>
+              <a:ext uri="{FF2B5EF4-FFF2-40B4-BE49-F238E27FC236}">
+                <a16:creationId xmlns:a16="http://schemas.microsoft.com/office/drawing/2014/main" id="{7A7A2121-9E4A-42C7-9334-525DF4491814}"/>
+              </a:ext>
+            </a:extLst>
+          </p:cNvPr>
+          <p:cNvSpPr/>
+          <p:nvPr/>
+        </p:nvSpPr>
+        <p:spPr>
+          <a:xfrm>
+            <a:off x="7114032" y="3065423"/>
+            <a:ext cx="2767584" cy="633984"/>
+          </a:xfrm>
+          <a:prstGeom prst="roundRect">
+            <a:avLst/>
+          </a:prstGeom>
+          <a:solidFill>
+            <a:schemeClr val="bg1"/>
+          </a:solidFill>
+        </p:spPr>
+        <p:style>
+          <a:lnRef idx="2">
+            <a:schemeClr val="accent1">
+              <a:shade val="50000"/>
+            </a:schemeClr>
+          </a:lnRef>
+          <a:fillRef idx="1">
+            <a:schemeClr val="accent1"/>
+          </a:fillRef>
+          <a:effectRef idx="0">
+            <a:schemeClr val="accent1"/>
+          </a:effectRef>
+          <a:fontRef idx="minor">
+            <a:schemeClr val="lt1"/>
+          </a:fontRef>
+        </p:style>
+        <p:txBody>
+          <a:bodyPr rot="0" spcFirstLastPara="0" vertOverflow="overflow" horzOverflow="overflow" vert="horz" wrap="square" lIns="91440" tIns="45720" rIns="91440" bIns="45720" numCol="1" spcCol="0" rtlCol="0" fromWordArt="0" anchor="ctr" anchorCtr="0" forceAA="0" compatLnSpc="1">
+            <a:prstTxWarp prst="textNoShape">
+              <a:avLst/>
+            </a:prstTxWarp>
+            <a:noAutofit/>
+          </a:bodyPr>
+          <a:lstStyle/>
+          <a:p>
+            <a:pPr algn="ctr"/>
+            <a:r>
+              <a:rPr lang="en-US" dirty="0">
+                <a:solidFill>
+                  <a:schemeClr val="tx1"/>
+                </a:solidFill>
+              </a:rPr>
+              <a:t>        Front End</a:t>
+            </a:r>
+          </a:p>
+        </p:txBody>
+      </p:sp>
+      <p:sp>
+        <p:nvSpPr>
+          <p:cNvPr id="17" name="Rectangle: Rounded Corners 16">
+            <a:extLst>
+              <a:ext uri="{FF2B5EF4-FFF2-40B4-BE49-F238E27FC236}">
+                <a16:creationId xmlns:a16="http://schemas.microsoft.com/office/drawing/2014/main" id="{9E3FEF91-9ADF-4198-B176-C09F82FE8628}"/>
+              </a:ext>
+            </a:extLst>
+          </p:cNvPr>
+          <p:cNvSpPr/>
+          <p:nvPr/>
+        </p:nvSpPr>
+        <p:spPr>
+          <a:xfrm>
+            <a:off x="7114032" y="4063983"/>
+            <a:ext cx="2767584" cy="633984"/>
+          </a:xfrm>
+          <a:prstGeom prst="roundRect">
+            <a:avLst/>
+          </a:prstGeom>
+          <a:solidFill>
+            <a:schemeClr val="bg1"/>
+          </a:solidFill>
+        </p:spPr>
+        <p:style>
+          <a:lnRef idx="2">
+            <a:schemeClr val="accent1">
+              <a:shade val="50000"/>
+            </a:schemeClr>
+          </a:lnRef>
+          <a:fillRef idx="1">
+            <a:schemeClr val="accent1"/>
+          </a:fillRef>
+          <a:effectRef idx="0">
+            <a:schemeClr val="accent1"/>
+          </a:effectRef>
+          <a:fontRef idx="minor">
+            <a:schemeClr val="lt1"/>
+          </a:fontRef>
+        </p:style>
+        <p:txBody>
+          <a:bodyPr rot="0" spcFirstLastPara="0" vertOverflow="overflow" horzOverflow="overflow" vert="horz" wrap="square" lIns="91440" tIns="45720" rIns="91440" bIns="45720" numCol="1" spcCol="0" rtlCol="0" fromWordArt="0" anchor="ctr" anchorCtr="0" forceAA="0" compatLnSpc="1">
+            <a:prstTxWarp prst="textNoShape">
+              <a:avLst/>
+            </a:prstTxWarp>
+            <a:noAutofit/>
+          </a:bodyPr>
+          <a:lstStyle/>
+          <a:p>
+            <a:pPr algn="ctr"/>
+            <a:endParaRPr lang="en-US" dirty="0">
+              <a:solidFill>
+                <a:schemeClr val="tx1"/>
+              </a:solidFill>
+            </a:endParaRPr>
+          </a:p>
+        </p:txBody>
+      </p:sp>
+      <p:sp>
+        <p:nvSpPr>
+          <p:cNvPr id="8" name="Rectangle: Rounded Corners 7">
+            <a:extLst>
+              <a:ext uri="{FF2B5EF4-FFF2-40B4-BE49-F238E27FC236}">
+                <a16:creationId xmlns:a16="http://schemas.microsoft.com/office/drawing/2014/main" id="{E777A729-1F6F-4F6E-8A93-208948500B01}"/>
+              </a:ext>
+            </a:extLst>
+          </p:cNvPr>
+          <p:cNvSpPr/>
+          <p:nvPr/>
+        </p:nvSpPr>
+        <p:spPr>
+          <a:xfrm>
+            <a:off x="7144512" y="5010912"/>
+            <a:ext cx="2767584" cy="1584960"/>
+          </a:xfrm>
+          <a:prstGeom prst="roundRect">
+            <a:avLst/>
+          </a:prstGeom>
+          <a:solidFill>
+            <a:schemeClr val="bg1"/>
+          </a:solidFill>
+        </p:spPr>
+        <p:style>
+          <a:lnRef idx="2">
+            <a:schemeClr val="accent1">
+              <a:shade val="50000"/>
+            </a:schemeClr>
+          </a:lnRef>
+          <a:fillRef idx="1">
+            <a:schemeClr val="accent1"/>
+          </a:fillRef>
+          <a:effectRef idx="0">
+            <a:schemeClr val="accent1"/>
+          </a:effectRef>
+          <a:fontRef idx="minor">
+            <a:schemeClr val="lt1"/>
+          </a:fontRef>
+        </p:style>
+        <p:txBody>
+          <a:bodyPr rot="0" spcFirstLastPara="0" vertOverflow="overflow" horzOverflow="overflow" vert="horz" wrap="square" lIns="91440" tIns="45720" rIns="91440" bIns="45720" numCol="1" spcCol="0" rtlCol="0" fromWordArt="0" anchor="b" anchorCtr="0" forceAA="0" compatLnSpc="1">
+            <a:prstTxWarp prst="textNoShape">
+              <a:avLst/>
+            </a:prstTxWarp>
+            <a:noAutofit/>
+          </a:bodyPr>
+          <a:lstStyle/>
+          <a:p>
+            <a:endParaRPr lang="en-US" dirty="0">
+              <a:solidFill>
+                <a:schemeClr val="tx1"/>
+              </a:solidFill>
+            </a:endParaRPr>
+          </a:p>
+        </p:txBody>
+      </p:sp>
+      <p:sp>
+        <p:nvSpPr>
+          <p:cNvPr id="21" name="Rectangle: Rounded Corners 20">
+            <a:extLst>
+              <a:ext uri="{FF2B5EF4-FFF2-40B4-BE49-F238E27FC236}">
+                <a16:creationId xmlns:a16="http://schemas.microsoft.com/office/drawing/2014/main" id="{04571AC8-F05E-4422-A0AC-C85B0DC4FF60}"/>
+              </a:ext>
+            </a:extLst>
+          </p:cNvPr>
+          <p:cNvSpPr/>
+          <p:nvPr/>
+        </p:nvSpPr>
+        <p:spPr>
+          <a:xfrm>
+            <a:off x="7370064" y="5172455"/>
+            <a:ext cx="2292096" cy="481584"/>
+          </a:xfrm>
+          <a:prstGeom prst="roundRect">
+            <a:avLst/>
+          </a:prstGeom>
+          <a:solidFill>
+            <a:schemeClr val="bg1"/>
+          </a:solidFill>
+        </p:spPr>
+        <p:style>
+          <a:lnRef idx="2">
+            <a:schemeClr val="accent1">
+              <a:shade val="50000"/>
+            </a:schemeClr>
+          </a:lnRef>
+          <a:fillRef idx="1">
+            <a:schemeClr val="accent1"/>
+          </a:fillRef>
+          <a:effectRef idx="0">
+            <a:schemeClr val="accent1"/>
+          </a:effectRef>
+          <a:fontRef idx="minor">
+            <a:schemeClr val="lt1"/>
+          </a:fontRef>
+        </p:style>
+        <p:txBody>
+          <a:bodyPr rot="0" spcFirstLastPara="0" vertOverflow="overflow" horzOverflow="overflow" vert="horz" wrap="square" lIns="91440" tIns="45720" rIns="91440" bIns="45720" numCol="1" spcCol="0" rtlCol="0" fromWordArt="0" anchor="ctr" anchorCtr="0" forceAA="0" compatLnSpc="1">
+            <a:prstTxWarp prst="textNoShape">
+              <a:avLst/>
+            </a:prstTxWarp>
+            <a:noAutofit/>
+          </a:bodyPr>
+          <a:lstStyle/>
+          <a:p>
+            <a:pPr algn="ctr"/>
+            <a:r>
+              <a:rPr lang="en-US" dirty="0">
+                <a:solidFill>
+                  <a:schemeClr val="tx1"/>
+                </a:solidFill>
+              </a:rPr>
+              <a:t>Smart Contracts</a:t>
+            </a:r>
+          </a:p>
+        </p:txBody>
+      </p:sp>
+      <p:pic>
+        <p:nvPicPr>
+          <p:cNvPr id="1026" name="Picture 2" descr="Related image">
+            <a:extLst>
+              <a:ext uri="{FF2B5EF4-FFF2-40B4-BE49-F238E27FC236}">
+                <a16:creationId xmlns:a16="http://schemas.microsoft.com/office/drawing/2014/main" id="{FECB5605-E0CB-4EC0-92D1-E13CB5CC0FB1}"/>
+              </a:ext>
+            </a:extLst>
+          </p:cNvPr>
+          <p:cNvPicPr>
+            <a:picLocks noChangeAspect="1" noChangeArrowheads="1"/>
+          </p:cNvPicPr>
+          <p:nvPr/>
+        </p:nvPicPr>
+        <p:blipFill>
+          <a:blip r:embed="rId4" cstate="print">
+            <a:extLst>
+              <a:ext uri="{28A0092B-C50C-407E-A947-70E740481C1C}">
+                <a14:useLocalDpi xmlns:a14="http://schemas.microsoft.com/office/drawing/2010/main" val="0"/>
+              </a:ext>
+            </a:extLst>
+          </a:blip>
+          <a:srcRect/>
+          <a:stretch>
+            <a:fillRect/>
+          </a:stretch>
+        </p:blipFill>
+        <p:spPr bwMode="auto">
+          <a:xfrm>
+            <a:off x="8124601" y="5780419"/>
+            <a:ext cx="789655" cy="789655"/>
+          </a:xfrm>
+          <a:prstGeom prst="rect">
+            <a:avLst/>
+          </a:prstGeom>
+          <a:noFill/>
+          <a:extLst>
+            <a:ext uri="{909E8E84-426E-40DD-AFC4-6F175D3DCCD1}">
+              <a14:hiddenFill xmlns:a14="http://schemas.microsoft.com/office/drawing/2010/main">
+                <a:solidFill>
+                  <a:srgbClr val="FFFFFF"/>
+                </a:solidFill>
+              </a14:hiddenFill>
+            </a:ext>
+          </a:extLst>
+        </p:spPr>
+      </p:pic>
+      <p:cxnSp>
+        <p:nvCxnSpPr>
+          <p:cNvPr id="4" name="Straight Arrow Connector 3">
+            <a:extLst>
+              <a:ext uri="{FF2B5EF4-FFF2-40B4-BE49-F238E27FC236}">
+                <a16:creationId xmlns:a16="http://schemas.microsoft.com/office/drawing/2014/main" id="{B595E536-3DF7-4D6D-95A0-5D8F4B6CDFBA}"/>
+              </a:ext>
+            </a:extLst>
+          </p:cNvPr>
+          <p:cNvCxnSpPr>
+            <a:stCxn id="16" idx="2"/>
+            <a:endCxn id="17" idx="0"/>
+          </p:cNvCxnSpPr>
+          <p:nvPr/>
+        </p:nvCxnSpPr>
+        <p:spPr>
+          <a:xfrm>
+            <a:off x="8497824" y="3699407"/>
+            <a:ext cx="0" cy="364576"/>
+          </a:xfrm>
+          <a:prstGeom prst="straightConnector1">
+            <a:avLst/>
+          </a:prstGeom>
+          <a:ln w="38100">
+            <a:tailEnd type="triangle"/>
+          </a:ln>
+        </p:spPr>
+        <p:style>
+          <a:lnRef idx="1">
+            <a:schemeClr val="accent1"/>
+          </a:lnRef>
+          <a:fillRef idx="0">
+            <a:schemeClr val="accent1"/>
+          </a:fillRef>
+          <a:effectRef idx="0">
+            <a:schemeClr val="accent1"/>
+          </a:effectRef>
+          <a:fontRef idx="minor">
+            <a:schemeClr val="tx1"/>
+          </a:fontRef>
+        </p:style>
+      </p:cxnSp>
+      <p:cxnSp>
+        <p:nvCxnSpPr>
+          <p:cNvPr id="15" name="Straight Arrow Connector 14">
+            <a:extLst>
+              <a:ext uri="{FF2B5EF4-FFF2-40B4-BE49-F238E27FC236}">
+                <a16:creationId xmlns:a16="http://schemas.microsoft.com/office/drawing/2014/main" id="{DD1BE848-EF8E-4A88-AD11-5F466840E067}"/>
+              </a:ext>
+            </a:extLst>
+          </p:cNvPr>
+          <p:cNvCxnSpPr>
+            <a:cxnSpLocks/>
+            <a:stCxn id="17" idx="2"/>
+            <a:endCxn id="21" idx="0"/>
+          </p:cNvCxnSpPr>
+          <p:nvPr/>
+        </p:nvCxnSpPr>
+        <p:spPr>
+          <a:xfrm>
+            <a:off x="8497824" y="4697967"/>
+            <a:ext cx="18288" cy="474488"/>
+          </a:xfrm>
+          <a:prstGeom prst="straightConnector1">
+            <a:avLst/>
+          </a:prstGeom>
+          <a:ln w="38100">
+            <a:tailEnd type="triangle"/>
+          </a:ln>
+        </p:spPr>
+        <p:style>
+          <a:lnRef idx="1">
+            <a:schemeClr val="accent1"/>
+          </a:lnRef>
+          <a:fillRef idx="0">
+            <a:schemeClr val="accent1"/>
+          </a:fillRef>
+          <a:effectRef idx="0">
+            <a:schemeClr val="accent1"/>
+          </a:effectRef>
+          <a:fontRef idx="minor">
+            <a:schemeClr val="tx1"/>
+          </a:fontRef>
+        </p:style>
+      </p:cxnSp>
+      <p:cxnSp>
+        <p:nvCxnSpPr>
+          <p:cNvPr id="22" name="Straight Arrow Connector 21">
+            <a:extLst>
+              <a:ext uri="{FF2B5EF4-FFF2-40B4-BE49-F238E27FC236}">
+                <a16:creationId xmlns:a16="http://schemas.microsoft.com/office/drawing/2014/main" id="{29A6E4E9-7CB0-4D96-9C38-AA8A084C9D41}"/>
+              </a:ext>
+            </a:extLst>
+          </p:cNvPr>
+          <p:cNvCxnSpPr>
+            <a:cxnSpLocks/>
+            <a:stCxn id="6" idx="2"/>
+            <a:endCxn id="7" idx="0"/>
+          </p:cNvCxnSpPr>
+          <p:nvPr/>
+        </p:nvCxnSpPr>
+        <p:spPr>
+          <a:xfrm>
+            <a:off x="3553968" y="4099560"/>
+            <a:ext cx="0" cy="364576"/>
+          </a:xfrm>
+          <a:prstGeom prst="straightConnector1">
+            <a:avLst/>
+          </a:prstGeom>
+          <a:ln w="38100">
+            <a:tailEnd type="triangle"/>
+          </a:ln>
+        </p:spPr>
+        <p:style>
+          <a:lnRef idx="1">
+            <a:schemeClr val="accent1"/>
+          </a:lnRef>
+          <a:fillRef idx="0">
+            <a:schemeClr val="accent1"/>
+          </a:fillRef>
+          <a:effectRef idx="0">
+            <a:schemeClr val="accent1"/>
+          </a:effectRef>
+          <a:fontRef idx="minor">
+            <a:schemeClr val="tx1"/>
+          </a:fontRef>
+        </p:style>
+      </p:cxnSp>
+      <p:cxnSp>
+        <p:nvCxnSpPr>
+          <p:cNvPr id="25" name="Straight Arrow Connector 24">
+            <a:extLst>
+              <a:ext uri="{FF2B5EF4-FFF2-40B4-BE49-F238E27FC236}">
+                <a16:creationId xmlns:a16="http://schemas.microsoft.com/office/drawing/2014/main" id="{21DEB215-F5B4-479E-9371-71FA34E2436F}"/>
+              </a:ext>
+            </a:extLst>
+          </p:cNvPr>
+          <p:cNvCxnSpPr>
+            <a:cxnSpLocks/>
+            <a:stCxn id="7" idx="2"/>
+            <a:endCxn id="2052" idx="0"/>
+          </p:cNvCxnSpPr>
+          <p:nvPr/>
+        </p:nvCxnSpPr>
+        <p:spPr>
+          <a:xfrm flipH="1">
+            <a:off x="3011527" y="5098120"/>
+            <a:ext cx="542441" cy="598591"/>
+          </a:xfrm>
+          <a:prstGeom prst="straightConnector1">
+            <a:avLst/>
+          </a:prstGeom>
+          <a:ln w="38100">
+            <a:tailEnd type="triangle"/>
+          </a:ln>
+        </p:spPr>
+        <p:style>
+          <a:lnRef idx="1">
+            <a:schemeClr val="accent1"/>
+          </a:lnRef>
+          <a:fillRef idx="0">
+            <a:schemeClr val="accent1"/>
+          </a:fillRef>
+          <a:effectRef idx="0">
+            <a:schemeClr val="accent1"/>
+          </a:effectRef>
+          <a:fontRef idx="minor">
+            <a:schemeClr val="tx1"/>
+          </a:fontRef>
+        </p:style>
+      </p:cxnSp>
+      <p:cxnSp>
+        <p:nvCxnSpPr>
+          <p:cNvPr id="28" name="Straight Arrow Connector 27">
+            <a:extLst>
+              <a:ext uri="{FF2B5EF4-FFF2-40B4-BE49-F238E27FC236}">
+                <a16:creationId xmlns:a16="http://schemas.microsoft.com/office/drawing/2014/main" id="{9F01BF60-2D54-4641-8A7C-D28EAC34D4D8}"/>
+              </a:ext>
+            </a:extLst>
+          </p:cNvPr>
+          <p:cNvCxnSpPr>
+            <a:cxnSpLocks/>
+            <a:endCxn id="2050" idx="0"/>
+          </p:cNvCxnSpPr>
+          <p:nvPr/>
+        </p:nvCxnSpPr>
+        <p:spPr>
+          <a:xfrm>
+            <a:off x="3572256" y="5098120"/>
+            <a:ext cx="762000" cy="598592"/>
+          </a:xfrm>
+          <a:prstGeom prst="straightConnector1">
+            <a:avLst/>
+          </a:prstGeom>
+          <a:ln w="38100">
+            <a:tailEnd type="triangle"/>
+          </a:ln>
+        </p:spPr>
+        <p:style>
+          <a:lnRef idx="1">
+            <a:schemeClr val="accent1"/>
+          </a:lnRef>
+          <a:fillRef idx="0">
+            <a:schemeClr val="accent1"/>
+          </a:fillRef>
+          <a:effectRef idx="0">
+            <a:schemeClr val="accent1"/>
+          </a:effectRef>
+          <a:fontRef idx="minor">
+            <a:schemeClr val="tx1"/>
+          </a:fontRef>
+        </p:style>
+      </p:cxnSp>
+      <p:sp>
+        <p:nvSpPr>
+          <p:cNvPr id="27" name="TextBox 26">
+            <a:extLst>
+              <a:ext uri="{FF2B5EF4-FFF2-40B4-BE49-F238E27FC236}">
+                <a16:creationId xmlns:a16="http://schemas.microsoft.com/office/drawing/2014/main" id="{6A1F886E-A87F-4099-B880-15770B7C60B3}"/>
+              </a:ext>
+            </a:extLst>
+          </p:cNvPr>
+          <p:cNvSpPr txBox="1"/>
+          <p:nvPr/>
+        </p:nvSpPr>
+        <p:spPr>
+          <a:xfrm>
+            <a:off x="8816720" y="5942600"/>
+            <a:ext cx="1082308" cy="338554"/>
+          </a:xfrm>
+          <a:prstGeom prst="rect">
+            <a:avLst/>
+          </a:prstGeom>
+          <a:noFill/>
+        </p:spPr>
+        <p:txBody>
+          <a:bodyPr wrap="square" rtlCol="0">
+            <a:spAutoFit/>
+          </a:bodyPr>
+          <a:lstStyle/>
+          <a:p>
+            <a:r>
+              <a:rPr lang="en-US" sz="1600" dirty="0"/>
+              <a:t>Blockchain</a:t>
+            </a:r>
+          </a:p>
+        </p:txBody>
+      </p:sp>
+      <p:cxnSp>
+        <p:nvCxnSpPr>
+          <p:cNvPr id="33" name="Straight Arrow Connector 32">
+            <a:extLst>
+              <a:ext uri="{FF2B5EF4-FFF2-40B4-BE49-F238E27FC236}">
+                <a16:creationId xmlns:a16="http://schemas.microsoft.com/office/drawing/2014/main" id="{4ED94B98-5A58-4DCA-87E7-E777F8A97BF4}"/>
+              </a:ext>
+            </a:extLst>
+          </p:cNvPr>
+          <p:cNvCxnSpPr>
+            <a:cxnSpLocks/>
+          </p:cNvCxnSpPr>
+          <p:nvPr/>
+        </p:nvCxnSpPr>
+        <p:spPr>
+          <a:xfrm>
+            <a:off x="8497824" y="5654039"/>
+            <a:ext cx="18288" cy="288561"/>
+          </a:xfrm>
+          <a:prstGeom prst="straightConnector1">
+            <a:avLst/>
+          </a:prstGeom>
+          <a:ln w="38100">
+            <a:tailEnd type="triangle"/>
+          </a:ln>
+        </p:spPr>
+        <p:style>
+          <a:lnRef idx="1">
+            <a:schemeClr val="accent1"/>
+          </a:lnRef>
+          <a:fillRef idx="0">
+            <a:schemeClr val="accent1"/>
+          </a:fillRef>
+          <a:effectRef idx="0">
+            <a:schemeClr val="accent1"/>
+          </a:effectRef>
+          <a:fontRef idx="minor">
+            <a:schemeClr val="tx1"/>
+          </a:fontRef>
+        </p:style>
+      </p:cxnSp>
+      <p:pic>
+        <p:nvPicPr>
+          <p:cNvPr id="1030" name="Picture 6" descr="Image result for Web API icons">
+            <a:extLst>
+              <a:ext uri="{FF2B5EF4-FFF2-40B4-BE49-F238E27FC236}">
+                <a16:creationId xmlns:a16="http://schemas.microsoft.com/office/drawing/2014/main" id="{8A4DD7FB-6A8D-4922-A555-365B67A3F19F}"/>
+              </a:ext>
+            </a:extLst>
+          </p:cNvPr>
+          <p:cNvPicPr>
+            <a:picLocks noChangeAspect="1" noChangeArrowheads="1"/>
+          </p:cNvPicPr>
+          <p:nvPr/>
+        </p:nvPicPr>
+        <p:blipFill>
+          <a:blip r:embed="rId5" cstate="print">
+            <a:extLst>
+              <a:ext uri="{28A0092B-C50C-407E-A947-70E740481C1C}">
+                <a14:useLocalDpi xmlns:a14="http://schemas.microsoft.com/office/drawing/2010/main" val="0"/>
+              </a:ext>
+            </a:extLst>
+          </a:blip>
+          <a:srcRect/>
+          <a:stretch>
+            <a:fillRect/>
+          </a:stretch>
+        </p:blipFill>
+        <p:spPr bwMode="auto">
+          <a:xfrm>
+            <a:off x="8013875" y="3866869"/>
+            <a:ext cx="1028858" cy="1028858"/>
+          </a:xfrm>
+          <a:prstGeom prst="rect">
+            <a:avLst/>
+          </a:prstGeom>
+          <a:noFill/>
+          <a:extLst>
+            <a:ext uri="{909E8E84-426E-40DD-AFC4-6F175D3DCCD1}">
+              <a14:hiddenFill xmlns:a14="http://schemas.microsoft.com/office/drawing/2010/main">
+                <a:solidFill>
+                  <a:srgbClr val="FFFFFF"/>
+                </a:solidFill>
+              </a14:hiddenFill>
+            </a:ext>
+          </a:extLst>
+        </p:spPr>
+      </p:pic>
+      <p:pic>
+        <p:nvPicPr>
+          <p:cNvPr id="40" name="Picture 6" descr="Image result for Web API icons">
+            <a:extLst>
+              <a:ext uri="{FF2B5EF4-FFF2-40B4-BE49-F238E27FC236}">
+                <a16:creationId xmlns:a16="http://schemas.microsoft.com/office/drawing/2014/main" id="{58B544AE-E51A-4F0B-8744-35929D603DFF}"/>
+              </a:ext>
+            </a:extLst>
+          </p:cNvPr>
+          <p:cNvPicPr>
+            <a:picLocks noChangeAspect="1" noChangeArrowheads="1"/>
+          </p:cNvPicPr>
+          <p:nvPr/>
+        </p:nvPicPr>
+        <p:blipFill>
+          <a:blip r:embed="rId5" cstate="print">
+            <a:extLst>
+              <a:ext uri="{28A0092B-C50C-407E-A947-70E740481C1C}">
+                <a14:useLocalDpi xmlns:a14="http://schemas.microsoft.com/office/drawing/2010/main" val="0"/>
+              </a:ext>
+            </a:extLst>
+          </a:blip>
+          <a:srcRect/>
+          <a:stretch>
+            <a:fillRect/>
+          </a:stretch>
+        </p:blipFill>
+        <p:spPr bwMode="auto">
+          <a:xfrm>
+            <a:off x="3011526" y="4259921"/>
+            <a:ext cx="1028858" cy="1028858"/>
+          </a:xfrm>
+          <a:prstGeom prst="rect">
+            <a:avLst/>
+          </a:prstGeom>
+          <a:noFill/>
+          <a:extLst>
+            <a:ext uri="{909E8E84-426E-40DD-AFC4-6F175D3DCCD1}">
+              <a14:hiddenFill xmlns:a14="http://schemas.microsoft.com/office/drawing/2010/main">
+                <a:solidFill>
+                  <a:srgbClr val="FFFFFF"/>
+                </a:solidFill>
+              </a14:hiddenFill>
+            </a:ext>
+          </a:extLst>
+        </p:spPr>
+      </p:pic>
+      <p:sp>
+        <p:nvSpPr>
+          <p:cNvPr id="2051" name="TextBox 2050">
+            <a:extLst>
+              <a:ext uri="{FF2B5EF4-FFF2-40B4-BE49-F238E27FC236}">
+                <a16:creationId xmlns:a16="http://schemas.microsoft.com/office/drawing/2014/main" id="{F6EF2CBF-60CB-4FED-8C12-10D2C401611F}"/>
+              </a:ext>
+            </a:extLst>
+          </p:cNvPr>
+          <p:cNvSpPr txBox="1"/>
+          <p:nvPr/>
+        </p:nvSpPr>
+        <p:spPr>
+          <a:xfrm>
+            <a:off x="255920" y="4082457"/>
+            <a:ext cx="1906879" cy="707886"/>
+          </a:xfrm>
+          <a:prstGeom prst="rect">
+            <a:avLst/>
+          </a:prstGeom>
+          <a:noFill/>
+        </p:spPr>
+        <p:txBody>
+          <a:bodyPr wrap="square" rtlCol="0">
+            <a:spAutoFit/>
+          </a:bodyPr>
+          <a:lstStyle/>
+          <a:p>
+            <a:r>
+              <a:rPr lang="en-US" sz="2000" i="1" dirty="0"/>
+              <a:t>Traditional Web Applications</a:t>
+            </a:r>
+          </a:p>
+        </p:txBody>
+      </p:sp>
+      <p:sp>
+        <p:nvSpPr>
+          <p:cNvPr id="42" name="TextBox 41">
+            <a:extLst>
+              <a:ext uri="{FF2B5EF4-FFF2-40B4-BE49-F238E27FC236}">
+                <a16:creationId xmlns:a16="http://schemas.microsoft.com/office/drawing/2014/main" id="{2DFD3EF5-752C-4A6D-BDEC-E07341E4C0D0}"/>
+              </a:ext>
+            </a:extLst>
+          </p:cNvPr>
+          <p:cNvSpPr txBox="1"/>
+          <p:nvPr/>
+        </p:nvSpPr>
+        <p:spPr>
+          <a:xfrm>
+            <a:off x="10055936" y="3928280"/>
+            <a:ext cx="1906879" cy="707886"/>
+          </a:xfrm>
+          <a:prstGeom prst="rect">
+            <a:avLst/>
+          </a:prstGeom>
+          <a:noFill/>
+        </p:spPr>
+        <p:txBody>
+          <a:bodyPr wrap="square" rtlCol="0">
+            <a:spAutoFit/>
+          </a:bodyPr>
+          <a:lstStyle>
+            <a:defPPr>
+              <a:defRPr lang="en-US"/>
+            </a:defPPr>
+            <a:lvl1pPr>
+              <a:defRPr sz="2000" i="1"/>
+            </a:lvl1pPr>
+          </a:lstStyle>
+          <a:p>
+            <a:r>
+              <a:rPr lang="en-US" dirty="0"/>
+              <a:t>Decentralized</a:t>
+            </a:r>
+          </a:p>
+          <a:p>
+            <a:r>
+              <a:rPr lang="en-US" dirty="0"/>
+              <a:t>Applications</a:t>
+            </a:r>
+          </a:p>
+        </p:txBody>
+      </p:sp>
+      <p:cxnSp>
+        <p:nvCxnSpPr>
+          <p:cNvPr id="2054" name="Straight Connector 2053">
+            <a:extLst>
+              <a:ext uri="{FF2B5EF4-FFF2-40B4-BE49-F238E27FC236}">
+                <a16:creationId xmlns:a16="http://schemas.microsoft.com/office/drawing/2014/main" id="{9C8456F9-3BCD-4757-BCAB-E96726C06EB0}"/>
+              </a:ext>
+            </a:extLst>
+          </p:cNvPr>
+          <p:cNvCxnSpPr/>
+          <p:nvPr/>
+        </p:nvCxnSpPr>
+        <p:spPr>
+          <a:xfrm>
+            <a:off x="5949696" y="2677329"/>
+            <a:ext cx="0" cy="3918543"/>
+          </a:xfrm>
+          <a:prstGeom prst="line">
+            <a:avLst/>
+          </a:prstGeom>
+          <a:ln w="38100">
+            <a:prstDash val="sysDash"/>
+          </a:ln>
+        </p:spPr>
+        <p:style>
+          <a:lnRef idx="1">
+            <a:schemeClr val="accent1"/>
+          </a:lnRef>
+          <a:fillRef idx="0">
+            <a:schemeClr val="accent1"/>
+          </a:fillRef>
+          <a:effectRef idx="0">
+            <a:schemeClr val="accent1"/>
+          </a:effectRef>
+          <a:fontRef idx="minor">
+            <a:schemeClr val="tx1"/>
+          </a:fontRef>
+        </p:style>
+      </p:cxnSp>
+      <p:pic>
+        <p:nvPicPr>
+          <p:cNvPr id="1034" name="Picture 10" descr="Related image">
+            <a:extLst>
+              <a:ext uri="{FF2B5EF4-FFF2-40B4-BE49-F238E27FC236}">
+                <a16:creationId xmlns:a16="http://schemas.microsoft.com/office/drawing/2014/main" id="{E348A3B8-C6A8-40CF-A882-61131F89C9DF}"/>
+              </a:ext>
+            </a:extLst>
+          </p:cNvPr>
+          <p:cNvPicPr>
+            <a:picLocks noChangeAspect="1" noChangeArrowheads="1"/>
+          </p:cNvPicPr>
+          <p:nvPr/>
+        </p:nvPicPr>
+        <p:blipFill>
+          <a:blip r:embed="rId6" cstate="print">
+            <a:extLst>
+              <a:ext uri="{28A0092B-C50C-407E-A947-70E740481C1C}">
+                <a14:useLocalDpi xmlns:a14="http://schemas.microsoft.com/office/drawing/2010/main" val="0"/>
+              </a:ext>
+            </a:extLst>
+          </a:blip>
+          <a:srcRect/>
+          <a:stretch>
+            <a:fillRect/>
+          </a:stretch>
+        </p:blipFill>
+        <p:spPr bwMode="auto">
+          <a:xfrm>
+            <a:off x="2178200" y="3485355"/>
+            <a:ext cx="996535" cy="583907"/>
+          </a:xfrm>
+          <a:prstGeom prst="rect">
+            <a:avLst/>
+          </a:prstGeom>
+          <a:noFill/>
+          <a:extLst>
+            <a:ext uri="{909E8E84-426E-40DD-AFC4-6F175D3DCCD1}">
+              <a14:hiddenFill xmlns:a14="http://schemas.microsoft.com/office/drawing/2010/main">
+                <a:solidFill>
+                  <a:srgbClr val="FFFFFF"/>
+                </a:solidFill>
+              </a14:hiddenFill>
+            </a:ext>
+          </a:extLst>
+        </p:spPr>
+      </p:pic>
+      <p:pic>
+        <p:nvPicPr>
+          <p:cNvPr id="48" name="Picture 10" descr="Related image">
+            <a:extLst>
+              <a:ext uri="{FF2B5EF4-FFF2-40B4-BE49-F238E27FC236}">
+                <a16:creationId xmlns:a16="http://schemas.microsoft.com/office/drawing/2014/main" id="{2AB90FCC-B200-4709-81F5-BC6EFB64F83E}"/>
+              </a:ext>
+            </a:extLst>
+          </p:cNvPr>
+          <p:cNvPicPr>
+            <a:picLocks noChangeAspect="1" noChangeArrowheads="1"/>
+          </p:cNvPicPr>
+          <p:nvPr/>
+        </p:nvPicPr>
+        <p:blipFill>
+          <a:blip r:embed="rId6" cstate="print">
+            <a:extLst>
+              <a:ext uri="{28A0092B-C50C-407E-A947-70E740481C1C}">
+                <a14:useLocalDpi xmlns:a14="http://schemas.microsoft.com/office/drawing/2010/main" val="0"/>
+              </a:ext>
+            </a:extLst>
+          </a:blip>
+          <a:srcRect/>
+          <a:stretch>
+            <a:fillRect/>
+          </a:stretch>
+        </p:blipFill>
+        <p:spPr bwMode="auto">
+          <a:xfrm>
+            <a:off x="7150931" y="3078702"/>
+            <a:ext cx="996535" cy="583907"/>
+          </a:xfrm>
+          <a:prstGeom prst="rect">
+            <a:avLst/>
+          </a:prstGeom>
+          <a:noFill/>
+          <a:extLst>
+            <a:ext uri="{909E8E84-426E-40DD-AFC4-6F175D3DCCD1}">
+              <a14:hiddenFill xmlns:a14="http://schemas.microsoft.com/office/drawing/2010/main">
+                <a:solidFill>
+                  <a:srgbClr val="FFFFFF"/>
+                </a:solidFill>
+              </a14:hiddenFill>
+            </a:ext>
+          </a:extLst>
+        </p:spPr>
+      </p:pic>
+    </p:spTree>
+    <p:extLst>
+      <p:ext uri="{BB962C8B-B14F-4D97-AF65-F5344CB8AC3E}">
+        <p14:creationId xmlns:p14="http://schemas.microsoft.com/office/powerpoint/2010/main" val="2426859290"/>
+      </p:ext>
+    </p:extLst>
+  </p:cSld>
+  <p:clrMapOvr>
+    <a:masterClrMapping/>
+  </p:clrMapOvr>
+</p:sld>
+</file>
+
+<file path=ppt/slides/slide5.xml><?xml version="1.0" encoding="utf-8"?>
+<p:sld xmlns:a="http://schemas.openxmlformats.org/drawingml/2006/main" xmlns:r="http://schemas.openxmlformats.org/officeDocument/2006/relationships" xmlns:p="http://schemas.openxmlformats.org/presentationml/2006/main">
+  <p:cSld>
+    <p:spTree>
+      <p:nvGrpSpPr>
+        <p:cNvPr id="1" name=""/>
+        <p:cNvGrpSpPr/>
+        <p:nvPr/>
+      </p:nvGrpSpPr>
+      <p:grpSpPr>
+        <a:xfrm>
+          <a:off x="0" y="0"/>
+          <a:ext cx="0" cy="0"/>
+          <a:chOff x="0" y="0"/>
+          <a:chExt cx="0" cy="0"/>
+        </a:xfrm>
+      </p:grpSpPr>
+      <p:sp>
+        <p:nvSpPr>
+          <p:cNvPr id="3" name="Title 2">
+            <a:extLst>
+              <a:ext uri="{FF2B5EF4-FFF2-40B4-BE49-F238E27FC236}">
+                <a16:creationId xmlns:a16="http://schemas.microsoft.com/office/drawing/2014/main" id="{0B30A54D-CCF9-4454-8B39-632541823F06}"/>
+              </a:ext>
+            </a:extLst>
+          </p:cNvPr>
+          <p:cNvSpPr>
+            <a:spLocks noGrp="1"/>
+          </p:cNvSpPr>
+          <p:nvPr>
+            <p:ph type="title"/>
+          </p:nvPr>
+        </p:nvSpPr>
+        <p:spPr/>
+        <p:txBody>
+          <a:bodyPr/>
+          <a:lstStyle/>
+          <a:p>
+            <a:r>
+              <a:rPr lang="en-US" dirty="0"/>
+              <a:t>Smart Contracts</a:t>
+            </a:r>
+          </a:p>
+        </p:txBody>
+      </p:sp>
+      <p:sp>
+        <p:nvSpPr>
+          <p:cNvPr id="5" name="Content Placeholder 2">
+            <a:extLst>
+              <a:ext uri="{FF2B5EF4-FFF2-40B4-BE49-F238E27FC236}">
+                <a16:creationId xmlns:a16="http://schemas.microsoft.com/office/drawing/2014/main" id="{A185BF19-8BEF-4EA9-9F30-01345CD1DF6F}"/>
+              </a:ext>
+            </a:extLst>
+          </p:cNvPr>
+          <p:cNvSpPr>
+            <a:spLocks noGrp="1"/>
+          </p:cNvSpPr>
+          <p:nvPr>
+            <p:ph idx="1"/>
+          </p:nvPr>
+        </p:nvSpPr>
+        <p:spPr>
+          <a:xfrm>
+            <a:off x="252983" y="1913878"/>
+            <a:ext cx="6946469" cy="4486921"/>
+          </a:xfrm>
+        </p:spPr>
+        <p:txBody>
+          <a:bodyPr>
+            <a:noAutofit/>
+          </a:bodyPr>
+          <a:lstStyle/>
+          <a:p>
+            <a:pPr marL="0" indent="0" algn="just">
+              <a:buNone/>
+            </a:pPr>
+            <a:r>
+              <a:rPr lang="en-US" sz="2800" dirty="0"/>
+              <a:t>What are Smart contracts</a:t>
+            </a:r>
+          </a:p>
+          <a:p>
+            <a:pPr algn="just"/>
+            <a:r>
+              <a:rPr lang="en-US" sz="2000" dirty="0"/>
+              <a:t>Smart contracts are applications that run on the Ethereum network.</a:t>
+            </a:r>
+          </a:p>
+          <a:p>
+            <a:pPr algn="just"/>
+            <a:r>
+              <a:rPr lang="en-US" sz="2000" dirty="0"/>
+              <a:t>It is a computer program that implements and enforces business login for an application.</a:t>
+            </a:r>
+          </a:p>
+          <a:p>
+            <a:pPr algn="just"/>
+            <a:r>
+              <a:rPr lang="en-US" sz="2000" dirty="0"/>
+              <a:t>Similar to physical contract but its digital and is represented by program </a:t>
+            </a:r>
+          </a:p>
+          <a:p>
+            <a:pPr algn="just"/>
+            <a:r>
+              <a:rPr lang="en-US" sz="2000" dirty="0"/>
+              <a:t>Function calls that change the state of the contract are written to the blockchain.</a:t>
+            </a:r>
+          </a:p>
+          <a:p>
+            <a:pPr algn="just"/>
+            <a:r>
+              <a:rPr lang="en-US" sz="2000" dirty="0"/>
+              <a:t>Works on the principle of the IFTTT logic aka the </a:t>
+            </a:r>
+            <a:r>
+              <a:rPr lang="en-US" sz="2000" dirty="0">
+                <a:hlinkClick r:id="rId2">
+                  <a:extLst>
+                    <a:ext uri="{A12FA001-AC4F-418D-AE19-62706E023703}">
+                      <ahyp:hlinkClr xmlns:ahyp="http://schemas.microsoft.com/office/drawing/2018/hyperlinkcolor" val="tx"/>
+                    </a:ext>
+                  </a:extLst>
+                </a:hlinkClick>
+              </a:rPr>
+              <a:t>IF-THIS-THEN-THAT logic</a:t>
+            </a:r>
+            <a:r>
+              <a:rPr lang="en-US" sz="2000" dirty="0"/>
+              <a:t>. Basically, if the first set of instructions are done then execute the next function and after that the next until you reach the end of the contract.</a:t>
+            </a:r>
+          </a:p>
+          <a:p>
+            <a:pPr algn="just"/>
+            <a:endParaRPr lang="en-US" sz="2000" dirty="0"/>
+          </a:p>
+        </p:txBody>
+      </p:sp>
+      <p:pic>
+        <p:nvPicPr>
+          <p:cNvPr id="4098" name="Picture 2" descr="Image result for smart contracts">
+            <a:extLst>
+              <a:ext uri="{FF2B5EF4-FFF2-40B4-BE49-F238E27FC236}">
+                <a16:creationId xmlns:a16="http://schemas.microsoft.com/office/drawing/2014/main" id="{F7565D4F-8E6C-4A57-B09E-62180894F107}"/>
+              </a:ext>
+            </a:extLst>
+          </p:cNvPr>
+          <p:cNvPicPr>
+            <a:picLocks noChangeAspect="1" noChangeArrowheads="1"/>
+          </p:cNvPicPr>
+          <p:nvPr/>
+        </p:nvPicPr>
+        <p:blipFill>
+          <a:blip r:embed="rId3" cstate="print">
+            <a:extLst>
+              <a:ext uri="{28A0092B-C50C-407E-A947-70E740481C1C}">
+                <a14:useLocalDpi xmlns:a14="http://schemas.microsoft.com/office/drawing/2010/main" val="0"/>
+              </a:ext>
+            </a:extLst>
+          </a:blip>
+          <a:srcRect/>
+          <a:stretch>
+            <a:fillRect/>
+          </a:stretch>
+        </p:blipFill>
+        <p:spPr bwMode="auto">
+          <a:xfrm>
+            <a:off x="7330321" y="2465408"/>
+            <a:ext cx="4711568" cy="2650602"/>
+          </a:xfrm>
+          <a:prstGeom prst="rect">
+            <a:avLst/>
+          </a:prstGeom>
+          <a:noFill/>
+          <a:extLst>
+            <a:ext uri="{909E8E84-426E-40DD-AFC4-6F175D3DCCD1}">
+              <a14:hiddenFill xmlns:a14="http://schemas.microsoft.com/office/drawing/2010/main">
+                <a:solidFill>
+                  <a:srgbClr val="FFFFFF"/>
+                </a:solidFill>
+              </a14:hiddenFill>
+            </a:ext>
+          </a:extLst>
+        </p:spPr>
+      </p:pic>
+    </p:spTree>
+    <p:extLst>
+      <p:ext uri="{BB962C8B-B14F-4D97-AF65-F5344CB8AC3E}">
+        <p14:creationId xmlns:p14="http://schemas.microsoft.com/office/powerpoint/2010/main" val="26127237"/>
+      </p:ext>
+    </p:extLst>
+  </p:cSld>
+  <p:clrMapOvr>
+    <a:masterClrMapping/>
+  </p:clrMapOvr>
+</p:sld>
+</file>
+
+<file path=ppt/slides/slide6.xml><?xml version="1.0" encoding="utf-8"?>
+<p:sld xmlns:a="http://schemas.openxmlformats.org/drawingml/2006/main" xmlns:r="http://schemas.openxmlformats.org/officeDocument/2006/relationships" xmlns:p="http://schemas.openxmlformats.org/presentationml/2006/main">
+  <p:cSld>
+    <p:spTree>
+      <p:nvGrpSpPr>
+        <p:cNvPr id="1" name=""/>
+        <p:cNvGrpSpPr/>
+        <p:nvPr/>
+      </p:nvGrpSpPr>
+      <p:grpSpPr>
+        <a:xfrm>
+          <a:off x="0" y="0"/>
+          <a:ext cx="0" cy="0"/>
+          <a:chOff x="0" y="0"/>
+          <a:chExt cx="0" cy="0"/>
+        </a:xfrm>
+      </p:grpSpPr>
+      <p:sp>
+        <p:nvSpPr>
+          <p:cNvPr id="7" name="Rectangle 6">
+            <a:extLst>
+              <a:ext uri="{FF2B5EF4-FFF2-40B4-BE49-F238E27FC236}">
+                <a16:creationId xmlns:a16="http://schemas.microsoft.com/office/drawing/2014/main" id="{02A245AD-4595-4AED-9F58-50AFA566F429}"/>
+              </a:ext>
+            </a:extLst>
+          </p:cNvPr>
+          <p:cNvSpPr/>
+          <p:nvPr/>
+        </p:nvSpPr>
+        <p:spPr>
+          <a:xfrm>
+            <a:off x="256032" y="2084832"/>
+            <a:ext cx="5462016" cy="1709927"/>
+          </a:xfrm>
+          <a:prstGeom prst="rect">
+            <a:avLst/>
+          </a:prstGeom>
+        </p:spPr>
+        <p:style>
+          <a:lnRef idx="2">
+            <a:schemeClr val="accent1">
+              <a:shade val="50000"/>
+            </a:schemeClr>
+          </a:lnRef>
+          <a:fillRef idx="1">
+            <a:schemeClr val="accent1"/>
+          </a:fillRef>
+          <a:effectRef idx="0">
+            <a:schemeClr val="accent1"/>
+          </a:effectRef>
+          <a:fontRef idx="minor">
+            <a:schemeClr val="lt1"/>
+          </a:fontRef>
+        </p:style>
+        <p:txBody>
+          <a:bodyPr rtlCol="0" anchor="ctr"/>
+          <a:lstStyle/>
+          <a:p>
+            <a:pPr algn="ctr"/>
+            <a:endParaRPr lang="en-US"/>
+          </a:p>
+        </p:txBody>
+      </p:sp>
+      <p:sp>
+        <p:nvSpPr>
+          <p:cNvPr id="3" name="Title 2">
+            <a:extLst>
+              <a:ext uri="{FF2B5EF4-FFF2-40B4-BE49-F238E27FC236}">
+                <a16:creationId xmlns:a16="http://schemas.microsoft.com/office/drawing/2014/main" id="{F29CA3E4-23AC-4378-B05B-C160D84E479C}"/>
+              </a:ext>
+            </a:extLst>
+          </p:cNvPr>
+          <p:cNvSpPr>
+            <a:spLocks noGrp="1"/>
+          </p:cNvSpPr>
+          <p:nvPr>
+            <p:ph type="title"/>
+          </p:nvPr>
+        </p:nvSpPr>
+        <p:spPr/>
+        <p:txBody>
+          <a:bodyPr>
+            <a:normAutofit fontScale="90000"/>
+          </a:bodyPr>
+          <a:lstStyle/>
+          <a:p>
+            <a:r>
+              <a:rPr lang="en-US" dirty="0"/>
+              <a:t>Smart Contract Platforms </a:t>
+            </a:r>
+            <a:br>
+              <a:rPr lang="en-US" dirty="0"/>
+            </a:br>
+            <a:r>
+              <a:rPr lang="en-US" dirty="0"/>
+              <a:t>OPTIONS</a:t>
+            </a:r>
+          </a:p>
+        </p:txBody>
+      </p:sp>
+      <p:pic>
+        <p:nvPicPr>
+          <p:cNvPr id="1026" name="Picture 2" descr="Image result for quorum blockchain logo">
+            <a:extLst>
+              <a:ext uri="{FF2B5EF4-FFF2-40B4-BE49-F238E27FC236}">
+                <a16:creationId xmlns:a16="http://schemas.microsoft.com/office/drawing/2014/main" id="{3F714D0B-A332-45EF-A850-CF8106F4166C}"/>
+              </a:ext>
+            </a:extLst>
+          </p:cNvPr>
+          <p:cNvPicPr>
+            <a:picLocks noChangeAspect="1" noChangeArrowheads="1"/>
+          </p:cNvPicPr>
+          <p:nvPr/>
+        </p:nvPicPr>
+        <p:blipFill>
+          <a:blip r:embed="rId3">
+            <a:extLst>
+              <a:ext uri="{28A0092B-C50C-407E-A947-70E740481C1C}">
+                <a14:useLocalDpi xmlns:a14="http://schemas.microsoft.com/office/drawing/2010/main" val="0"/>
+              </a:ext>
+            </a:extLst>
+          </a:blip>
+          <a:srcRect/>
+          <a:stretch>
+            <a:fillRect/>
+          </a:stretch>
+        </p:blipFill>
+        <p:spPr bwMode="auto">
+          <a:xfrm>
+            <a:off x="256032" y="2079800"/>
+            <a:ext cx="1709927" cy="1709927"/>
+          </a:xfrm>
+          <a:prstGeom prst="rect">
+            <a:avLst/>
+          </a:prstGeom>
+          <a:noFill/>
+          <a:ln>
+            <a:solidFill>
+              <a:schemeClr val="tx1"/>
+            </a:solidFill>
+          </a:ln>
+          <a:extLst>
+            <a:ext uri="{909E8E84-426E-40DD-AFC4-6F175D3DCCD1}">
+              <a14:hiddenFill xmlns:a14="http://schemas.microsoft.com/office/drawing/2010/main">
+                <a:solidFill>
+                  <a:srgbClr val="FFFFFF"/>
+                </a:solidFill>
+              </a14:hiddenFill>
+            </a:ext>
+          </a:extLst>
+        </p:spPr>
+      </p:pic>
+      <p:sp>
+        <p:nvSpPr>
+          <p:cNvPr id="6" name="Rectangle 5">
+            <a:extLst>
+              <a:ext uri="{FF2B5EF4-FFF2-40B4-BE49-F238E27FC236}">
+                <a16:creationId xmlns:a16="http://schemas.microsoft.com/office/drawing/2014/main" id="{44C74AED-4A82-4507-A915-9FB4BC38E77F}"/>
+              </a:ext>
+            </a:extLst>
+          </p:cNvPr>
+          <p:cNvSpPr/>
+          <p:nvPr/>
+        </p:nvSpPr>
+        <p:spPr>
+          <a:xfrm>
+            <a:off x="2025395" y="2103703"/>
+            <a:ext cx="3633216" cy="1200329"/>
+          </a:xfrm>
+          <a:prstGeom prst="rect">
+            <a:avLst/>
+          </a:prstGeom>
+        </p:spPr>
+        <p:txBody>
+          <a:bodyPr wrap="square">
+            <a:spAutoFit/>
+          </a:bodyPr>
+          <a:lstStyle/>
+          <a:p>
+            <a:pPr algn="just"/>
+            <a:r>
+              <a:rPr lang="en-US" b="1" dirty="0">
+                <a:solidFill>
+                  <a:schemeClr val="bg1"/>
+                </a:solidFill>
+              </a:rPr>
+              <a:t>Quorum</a:t>
+            </a:r>
+            <a:r>
+              <a:rPr lang="en-US" dirty="0">
+                <a:solidFill>
+                  <a:schemeClr val="bg1"/>
+                </a:solidFill>
+              </a:rPr>
+              <a:t> – Fork of Ethereum, enterprise focused version of Ethereum. Backed by JP Morgan chase.  </a:t>
+            </a:r>
+          </a:p>
+        </p:txBody>
+      </p:sp>
+      <p:sp>
+        <p:nvSpPr>
+          <p:cNvPr id="9" name="Rectangle 8">
+            <a:extLst>
+              <a:ext uri="{FF2B5EF4-FFF2-40B4-BE49-F238E27FC236}">
+                <a16:creationId xmlns:a16="http://schemas.microsoft.com/office/drawing/2014/main" id="{CF8E8C4D-0614-435F-82F0-F324B879838A}"/>
+              </a:ext>
+            </a:extLst>
+          </p:cNvPr>
+          <p:cNvSpPr/>
+          <p:nvPr/>
+        </p:nvSpPr>
+        <p:spPr>
+          <a:xfrm>
+            <a:off x="6187440" y="2084832"/>
+            <a:ext cx="5541264" cy="1709927"/>
+          </a:xfrm>
+          <a:prstGeom prst="rect">
+            <a:avLst/>
+          </a:prstGeom>
+        </p:spPr>
+        <p:style>
+          <a:lnRef idx="2">
+            <a:schemeClr val="accent1">
+              <a:shade val="50000"/>
+            </a:schemeClr>
+          </a:lnRef>
+          <a:fillRef idx="1">
+            <a:schemeClr val="accent1"/>
+          </a:fillRef>
+          <a:effectRef idx="0">
+            <a:schemeClr val="accent1"/>
+          </a:effectRef>
+          <a:fontRef idx="minor">
+            <a:schemeClr val="lt1"/>
+          </a:fontRef>
+        </p:style>
+        <p:txBody>
+          <a:bodyPr rtlCol="0" anchor="ctr"/>
+          <a:lstStyle/>
+          <a:p>
+            <a:pPr algn="ctr"/>
+            <a:endParaRPr lang="en-US"/>
+          </a:p>
+        </p:txBody>
+      </p:sp>
+      <p:sp>
+        <p:nvSpPr>
+          <p:cNvPr id="11" name="Rectangle 10">
+            <a:extLst>
+              <a:ext uri="{FF2B5EF4-FFF2-40B4-BE49-F238E27FC236}">
+                <a16:creationId xmlns:a16="http://schemas.microsoft.com/office/drawing/2014/main" id="{5DF9EE21-4924-497C-BE4B-93F7B7E4765F}"/>
+              </a:ext>
+            </a:extLst>
+          </p:cNvPr>
+          <p:cNvSpPr/>
+          <p:nvPr/>
+        </p:nvSpPr>
+        <p:spPr>
+          <a:xfrm>
+            <a:off x="8205173" y="2103703"/>
+            <a:ext cx="3523531" cy="1754326"/>
+          </a:xfrm>
+          <a:prstGeom prst="rect">
+            <a:avLst/>
+          </a:prstGeom>
+        </p:spPr>
+        <p:txBody>
+          <a:bodyPr wrap="square">
+            <a:spAutoFit/>
+          </a:bodyPr>
+          <a:lstStyle/>
+          <a:p>
+            <a:pPr algn="just"/>
+            <a:r>
+              <a:rPr lang="en-US" b="1" dirty="0" err="1">
+                <a:solidFill>
+                  <a:schemeClr val="bg1"/>
+                </a:solidFill>
+              </a:rPr>
+              <a:t>Stratis</a:t>
+            </a:r>
+            <a:r>
+              <a:rPr lang="en-US" dirty="0">
+                <a:solidFill>
+                  <a:schemeClr val="bg1"/>
+                </a:solidFill>
+              </a:rPr>
+              <a:t> – More inclined towards C# and .NET ecosystem, you can write smart contracts in C#. In very early stages not that mature.</a:t>
+            </a:r>
+          </a:p>
+          <a:p>
+            <a:pPr algn="just"/>
+            <a:endParaRPr lang="en-US" dirty="0"/>
+          </a:p>
+          <a:p>
+            <a:pPr algn="just"/>
+            <a:endParaRPr lang="en-US" dirty="0">
+              <a:solidFill>
+                <a:schemeClr val="bg1"/>
+              </a:solidFill>
+            </a:endParaRPr>
+          </a:p>
+        </p:txBody>
+      </p:sp>
+      <p:pic>
+        <p:nvPicPr>
+          <p:cNvPr id="1030" name="Picture 6" descr="Image result for Stratis C# blockchain">
+            <a:extLst>
+              <a:ext uri="{FF2B5EF4-FFF2-40B4-BE49-F238E27FC236}">
+                <a16:creationId xmlns:a16="http://schemas.microsoft.com/office/drawing/2014/main" id="{BEA23515-3CDD-464E-B0B9-03F349FF2FF0}"/>
+              </a:ext>
+            </a:extLst>
+          </p:cNvPr>
+          <p:cNvPicPr>
+            <a:picLocks noChangeAspect="1" noChangeArrowheads="1"/>
+          </p:cNvPicPr>
+          <p:nvPr/>
+        </p:nvPicPr>
+        <p:blipFill>
+          <a:blip r:embed="rId4" cstate="print">
+            <a:extLst>
+              <a:ext uri="{28A0092B-C50C-407E-A947-70E740481C1C}">
+                <a14:useLocalDpi xmlns:a14="http://schemas.microsoft.com/office/drawing/2010/main" val="0"/>
+              </a:ext>
+            </a:extLst>
+          </a:blip>
+          <a:srcRect/>
+          <a:stretch>
+            <a:fillRect/>
+          </a:stretch>
+        </p:blipFill>
+        <p:spPr bwMode="auto">
+          <a:xfrm>
+            <a:off x="6187440" y="2121407"/>
+            <a:ext cx="2029968" cy="1668319"/>
+          </a:xfrm>
+          <a:prstGeom prst="rect">
+            <a:avLst/>
+          </a:prstGeom>
+          <a:noFill/>
+          <a:extLst>
+            <a:ext uri="{909E8E84-426E-40DD-AFC4-6F175D3DCCD1}">
+              <a14:hiddenFill xmlns:a14="http://schemas.microsoft.com/office/drawing/2010/main">
+                <a:solidFill>
+                  <a:srgbClr val="FFFFFF"/>
+                </a:solidFill>
+              </a14:hiddenFill>
+            </a:ext>
+          </a:extLst>
+        </p:spPr>
+      </p:pic>
+      <p:sp>
+        <p:nvSpPr>
+          <p:cNvPr id="14" name="Rectangle 13">
+            <a:extLst>
+              <a:ext uri="{FF2B5EF4-FFF2-40B4-BE49-F238E27FC236}">
+                <a16:creationId xmlns:a16="http://schemas.microsoft.com/office/drawing/2014/main" id="{511C7E8B-5F83-4705-A292-CC42EA663DBC}"/>
+              </a:ext>
+            </a:extLst>
+          </p:cNvPr>
+          <p:cNvSpPr/>
+          <p:nvPr/>
+        </p:nvSpPr>
+        <p:spPr>
+          <a:xfrm>
+            <a:off x="256032" y="4273296"/>
+            <a:ext cx="5462016" cy="1709927"/>
+          </a:xfrm>
+          <a:prstGeom prst="rect">
+            <a:avLst/>
+          </a:prstGeom>
+        </p:spPr>
+        <p:style>
+          <a:lnRef idx="2">
+            <a:schemeClr val="accent1">
+              <a:shade val="50000"/>
+            </a:schemeClr>
+          </a:lnRef>
+          <a:fillRef idx="1">
+            <a:schemeClr val="accent1"/>
+          </a:fillRef>
+          <a:effectRef idx="0">
+            <a:schemeClr val="accent1"/>
+          </a:effectRef>
+          <a:fontRef idx="minor">
+            <a:schemeClr val="lt1"/>
+          </a:fontRef>
+        </p:style>
+        <p:txBody>
+          <a:bodyPr rtlCol="0" anchor="ctr"/>
+          <a:lstStyle/>
+          <a:p>
+            <a:pPr algn="ctr"/>
+            <a:endParaRPr lang="en-US"/>
+          </a:p>
+        </p:txBody>
+      </p:sp>
+      <p:sp>
+        <p:nvSpPr>
+          <p:cNvPr id="16" name="Rectangle 15">
+            <a:extLst>
+              <a:ext uri="{FF2B5EF4-FFF2-40B4-BE49-F238E27FC236}">
+                <a16:creationId xmlns:a16="http://schemas.microsoft.com/office/drawing/2014/main" id="{1A478BE3-EACD-47DF-8FD4-A2A742B57E36}"/>
+              </a:ext>
+            </a:extLst>
+          </p:cNvPr>
+          <p:cNvSpPr/>
+          <p:nvPr/>
+        </p:nvSpPr>
+        <p:spPr>
+          <a:xfrm>
+            <a:off x="2121407" y="4292167"/>
+            <a:ext cx="3537203" cy="923330"/>
+          </a:xfrm>
+          <a:prstGeom prst="rect">
+            <a:avLst/>
+          </a:prstGeom>
+        </p:spPr>
+        <p:txBody>
+          <a:bodyPr wrap="square">
+            <a:spAutoFit/>
+          </a:bodyPr>
+          <a:lstStyle/>
+          <a:p>
+            <a:pPr algn="just"/>
+            <a:r>
+              <a:rPr lang="en-US" dirty="0">
+                <a:solidFill>
+                  <a:schemeClr val="bg1"/>
+                </a:solidFill>
+              </a:rPr>
+              <a:t>Supported by the Ethereum Foundation and a large community of developers worldwide.</a:t>
+            </a:r>
+          </a:p>
+        </p:txBody>
+      </p:sp>
+      <p:pic>
+        <p:nvPicPr>
+          <p:cNvPr id="1032" name="Picture 8" descr="Image result for Ethereum blockchain">
+            <a:extLst>
+              <a:ext uri="{FF2B5EF4-FFF2-40B4-BE49-F238E27FC236}">
+                <a16:creationId xmlns:a16="http://schemas.microsoft.com/office/drawing/2014/main" id="{311E1831-B8CE-4C1F-87DF-A19A432771DB}"/>
+              </a:ext>
+            </a:extLst>
+          </p:cNvPr>
+          <p:cNvPicPr>
+            <a:picLocks noChangeAspect="1" noChangeArrowheads="1"/>
+          </p:cNvPicPr>
+          <p:nvPr/>
+        </p:nvPicPr>
+        <p:blipFill>
+          <a:blip r:embed="rId5">
+            <a:extLst>
+              <a:ext uri="{28A0092B-C50C-407E-A947-70E740481C1C}">
+                <a14:useLocalDpi xmlns:a14="http://schemas.microsoft.com/office/drawing/2010/main" val="0"/>
+              </a:ext>
+            </a:extLst>
+          </a:blip>
+          <a:srcRect/>
+          <a:stretch>
+            <a:fillRect/>
+          </a:stretch>
+        </p:blipFill>
+        <p:spPr bwMode="auto">
+          <a:xfrm>
+            <a:off x="256034" y="4279976"/>
+            <a:ext cx="1865374" cy="1709926"/>
+          </a:xfrm>
+          <a:prstGeom prst="rect">
+            <a:avLst/>
+          </a:prstGeom>
+          <a:noFill/>
+          <a:ln>
+            <a:solidFill>
+              <a:schemeClr val="tx1"/>
+            </a:solidFill>
+          </a:ln>
+          <a:extLst>
+            <a:ext uri="{909E8E84-426E-40DD-AFC4-6F175D3DCCD1}">
+              <a14:hiddenFill xmlns:a14="http://schemas.microsoft.com/office/drawing/2010/main">
+                <a:solidFill>
+                  <a:srgbClr val="FFFFFF"/>
+                </a:solidFill>
+              </a14:hiddenFill>
+            </a:ext>
+          </a:extLst>
+        </p:spPr>
+      </p:pic>
+      <p:sp>
+        <p:nvSpPr>
+          <p:cNvPr id="18" name="Rectangle 17">
+            <a:extLst>
+              <a:ext uri="{FF2B5EF4-FFF2-40B4-BE49-F238E27FC236}">
+                <a16:creationId xmlns:a16="http://schemas.microsoft.com/office/drawing/2014/main" id="{28F20620-1AA3-4F25-AE51-367DAEDE8859}"/>
+              </a:ext>
+            </a:extLst>
+          </p:cNvPr>
+          <p:cNvSpPr/>
+          <p:nvPr/>
+        </p:nvSpPr>
+        <p:spPr>
+          <a:xfrm>
+            <a:off x="6187440" y="4273295"/>
+            <a:ext cx="5541264" cy="1709927"/>
+          </a:xfrm>
+          <a:prstGeom prst="rect">
+            <a:avLst/>
+          </a:prstGeom>
+        </p:spPr>
+        <p:style>
+          <a:lnRef idx="2">
+            <a:schemeClr val="accent1">
+              <a:shade val="50000"/>
+            </a:schemeClr>
+          </a:lnRef>
+          <a:fillRef idx="1">
+            <a:schemeClr val="accent1"/>
+          </a:fillRef>
+          <a:effectRef idx="0">
+            <a:schemeClr val="accent1"/>
+          </a:effectRef>
+          <a:fontRef idx="minor">
+            <a:schemeClr val="lt1"/>
+          </a:fontRef>
+        </p:style>
+        <p:txBody>
+          <a:bodyPr rtlCol="0" anchor="ctr"/>
+          <a:lstStyle/>
+          <a:p>
+            <a:pPr marL="285750" indent="-285750">
+              <a:buFont typeface="Arial" panose="020B0604020202020204" pitchFamily="34" charset="0"/>
+              <a:buChar char="•"/>
+            </a:pPr>
+            <a:endParaRPr lang="en-US" dirty="0"/>
+          </a:p>
+        </p:txBody>
+      </p:sp>
+      <p:pic>
+        <p:nvPicPr>
+          <p:cNvPr id="2" name="Picture 2" descr="Image result for hyperledger fabric icon">
+            <a:extLst>
+              <a:ext uri="{FF2B5EF4-FFF2-40B4-BE49-F238E27FC236}">
+                <a16:creationId xmlns:a16="http://schemas.microsoft.com/office/drawing/2014/main" id="{BCD67F5A-79D6-41B9-A7A8-23E2F40B76AD}"/>
+              </a:ext>
+            </a:extLst>
+          </p:cNvPr>
+          <p:cNvPicPr>
+            <a:picLocks noChangeAspect="1" noChangeArrowheads="1"/>
+          </p:cNvPicPr>
+          <p:nvPr/>
+        </p:nvPicPr>
+        <p:blipFill>
+          <a:blip r:embed="rId6" cstate="print">
+            <a:extLst>
+              <a:ext uri="{28A0092B-C50C-407E-A947-70E740481C1C}">
+                <a14:useLocalDpi xmlns:a14="http://schemas.microsoft.com/office/drawing/2010/main" val="0"/>
+              </a:ext>
+            </a:extLst>
+          </a:blip>
+          <a:srcRect/>
+          <a:stretch>
+            <a:fillRect/>
+          </a:stretch>
+        </p:blipFill>
+        <p:spPr bwMode="auto">
+          <a:xfrm>
+            <a:off x="6187439" y="4280454"/>
+            <a:ext cx="2676874" cy="1709927"/>
+          </a:xfrm>
+          <a:prstGeom prst="rect">
+            <a:avLst/>
+          </a:prstGeom>
+          <a:solidFill>
+            <a:schemeClr val="bg1"/>
+          </a:solidFill>
+          <a:ln>
+            <a:solidFill>
+              <a:schemeClr val="tx1"/>
+            </a:solidFill>
+          </a:ln>
+        </p:spPr>
+      </p:pic>
+      <p:sp>
+        <p:nvSpPr>
+          <p:cNvPr id="4" name="TextBox 3">
+            <a:extLst>
+              <a:ext uri="{FF2B5EF4-FFF2-40B4-BE49-F238E27FC236}">
+                <a16:creationId xmlns:a16="http://schemas.microsoft.com/office/drawing/2014/main" id="{4EFC7C79-5FB1-487B-B01B-F6CE86BD0702}"/>
+              </a:ext>
+            </a:extLst>
+          </p:cNvPr>
+          <p:cNvSpPr txBox="1"/>
+          <p:nvPr/>
+        </p:nvSpPr>
+        <p:spPr>
+          <a:xfrm>
+            <a:off x="8958072" y="4384500"/>
+            <a:ext cx="2676874" cy="923330"/>
+          </a:xfrm>
+          <a:prstGeom prst="rect">
+            <a:avLst/>
+          </a:prstGeom>
+          <a:noFill/>
+        </p:spPr>
+        <p:txBody>
+          <a:bodyPr wrap="square" rtlCol="0">
+            <a:spAutoFit/>
+          </a:bodyPr>
+          <a:lstStyle/>
+          <a:p>
+            <a:r>
+              <a:rPr lang="en-US" dirty="0">
+                <a:solidFill>
+                  <a:schemeClr val="bg1"/>
+                </a:solidFill>
+              </a:rPr>
+              <a:t>Supported By IBM, development tools with Java and Node.JS </a:t>
+            </a:r>
+          </a:p>
+        </p:txBody>
+      </p:sp>
+    </p:spTree>
+    <p:extLst>
+      <p:ext uri="{BB962C8B-B14F-4D97-AF65-F5344CB8AC3E}">
+        <p14:creationId xmlns:p14="http://schemas.microsoft.com/office/powerpoint/2010/main" val="1459417111"/>
+      </p:ext>
+    </p:extLst>
+  </p:cSld>
+  <p:clrMapOvr>
+    <a:masterClrMapping/>
+  </p:clrMapOvr>
+</p:sld>
+</file>
+
+<file path=ppt/slides/slide7.xml><?xml version="1.0" encoding="utf-8"?>
+<p:sld xmlns:a="http://schemas.openxmlformats.org/drawingml/2006/main" xmlns:r="http://schemas.openxmlformats.org/officeDocument/2006/relationships" xmlns:p="http://schemas.openxmlformats.org/presentationml/2006/main">
+  <p:cSld>
+    <p:spTree>
+      <p:nvGrpSpPr>
+        <p:cNvPr id="1" name=""/>
+        <p:cNvGrpSpPr/>
+        <p:nvPr/>
+      </p:nvGrpSpPr>
+      <p:grpSpPr>
+        <a:xfrm>
+          <a:off x="0" y="0"/>
+          <a:ext cx="0" cy="0"/>
+          <a:chOff x="0" y="0"/>
+          <a:chExt cx="0" cy="0"/>
+        </a:xfrm>
+      </p:grpSpPr>
+      <p:sp>
+        <p:nvSpPr>
+          <p:cNvPr id="3" name="Title 2">
+            <a:extLst>
+              <a:ext uri="{FF2B5EF4-FFF2-40B4-BE49-F238E27FC236}">
+                <a16:creationId xmlns:a16="http://schemas.microsoft.com/office/drawing/2014/main" id="{D87CCF86-B832-4483-866C-1E9731C8D036}"/>
+              </a:ext>
+            </a:extLst>
+          </p:cNvPr>
+          <p:cNvSpPr>
+            <a:spLocks noGrp="1"/>
+          </p:cNvSpPr>
+          <p:nvPr>
+            <p:ph type="title"/>
+          </p:nvPr>
+        </p:nvSpPr>
+        <p:spPr/>
+        <p:txBody>
+          <a:bodyPr>
+            <a:normAutofit fontScale="90000"/>
+          </a:bodyPr>
+          <a:lstStyle/>
+          <a:p>
+            <a:r>
+              <a:rPr lang="en-US" dirty="0"/>
+              <a:t>Core Smart Contract Concepts/</a:t>
+            </a:r>
+            <a:br>
+              <a:rPr lang="en-US" dirty="0"/>
+            </a:br>
+            <a:r>
+              <a:rPr lang="en-US" dirty="0"/>
+              <a:t>Limitations</a:t>
+            </a:r>
+          </a:p>
+        </p:txBody>
+      </p:sp>
+      <p:sp>
+        <p:nvSpPr>
+          <p:cNvPr id="7" name="Content Placeholder 2">
+            <a:extLst>
+              <a:ext uri="{FF2B5EF4-FFF2-40B4-BE49-F238E27FC236}">
+                <a16:creationId xmlns:a16="http://schemas.microsoft.com/office/drawing/2014/main" id="{E3EB911A-DF16-408F-83F4-87B67AA134E5}"/>
+              </a:ext>
+            </a:extLst>
+          </p:cNvPr>
+          <p:cNvSpPr>
+            <a:spLocks noGrp="1"/>
+          </p:cNvSpPr>
+          <p:nvPr>
+            <p:ph idx="1"/>
+          </p:nvPr>
+        </p:nvSpPr>
+        <p:spPr>
+          <a:xfrm>
+            <a:off x="252983" y="2023606"/>
+            <a:ext cx="11939017" cy="4486921"/>
+          </a:xfrm>
+        </p:spPr>
+        <p:txBody>
+          <a:bodyPr>
+            <a:noAutofit/>
+          </a:bodyPr>
+          <a:lstStyle/>
+          <a:p>
+            <a:pPr algn="just"/>
+            <a:r>
+              <a:rPr lang="en-US" sz="2000" dirty="0"/>
+              <a:t>Cannot have logic changes after deployment (Immutable)</a:t>
+            </a:r>
+          </a:p>
+          <a:p>
+            <a:pPr algn="just"/>
+            <a:r>
+              <a:rPr lang="en-US" sz="2000" dirty="0"/>
+              <a:t>Cannot call external web services or do any kind of looks ups from contract in Ethereum</a:t>
+            </a:r>
+          </a:p>
+          <a:p>
+            <a:pPr algn="just"/>
+            <a:r>
+              <a:rPr lang="en-US" sz="2000" dirty="0"/>
+              <a:t>Contract gets executed all the nodes on the Ethereum network.</a:t>
+            </a:r>
+          </a:p>
+          <a:p>
+            <a:pPr algn="just"/>
+            <a:r>
+              <a:rPr lang="en-US" sz="2000" dirty="0"/>
+              <a:t>Languages are relatively new and need close code reviews before deployments.</a:t>
+            </a:r>
+          </a:p>
+          <a:p>
+            <a:pPr algn="just"/>
+            <a:r>
+              <a:rPr lang="en-US" sz="2000" dirty="0"/>
+              <a:t>Two types of functions on Smart contract</a:t>
+            </a:r>
+          </a:p>
+          <a:p>
+            <a:pPr lvl="1" algn="just"/>
+            <a:r>
+              <a:rPr lang="en-US" sz="1800" dirty="0"/>
+              <a:t>Write functions – These perform state changes and require Gas for the execution</a:t>
+            </a:r>
+          </a:p>
+          <a:p>
+            <a:pPr lvl="1" algn="just"/>
+            <a:r>
+              <a:rPr lang="en-US" sz="1800" dirty="0"/>
+              <a:t>Read Functions – These are free and do not require any Gas.</a:t>
+            </a:r>
+          </a:p>
+          <a:p>
+            <a:pPr algn="just"/>
+            <a:endParaRPr lang="en-US" sz="2000" dirty="0"/>
+          </a:p>
+        </p:txBody>
+      </p:sp>
+    </p:spTree>
+    <p:extLst>
+      <p:ext uri="{BB962C8B-B14F-4D97-AF65-F5344CB8AC3E}">
+        <p14:creationId xmlns:p14="http://schemas.microsoft.com/office/powerpoint/2010/main" val="2771232756"/>
+      </p:ext>
+    </p:extLst>
+  </p:cSld>
+  <p:clrMapOvr>
+    <a:masterClrMapping/>
+  </p:clrMapOvr>
+</p:sld>
+</file>
+
+<file path=ppt/slides/slide8.xml><?xml version="1.0" encoding="utf-8"?>
 <p:sld xmlns:a="http://schemas.openxmlformats.org/drawingml/2006/main" xmlns:r="http://schemas.openxmlformats.org/officeDocument/2006/relationships" xmlns:p="http://schemas.openxmlformats.org/presentationml/2006/main">
   <p:cSld>
     <p:spTree>
@@ -11286,7 +14905,7 @@
             </a:pPr>
             <a:r>
               <a:rPr lang="en-US" sz="1600" dirty="0"/>
-              <a:t>Storing 10 in a variable. Let’s say this operation costs 45 gas.</a:t>
+              <a:t>Storing two numbers in a variable. Let’s say this operation costs 45 gas.</a:t>
             </a:r>
           </a:p>
           <a:p>
@@ -11412,7 +15031,7 @@
 </p:sld>
 </file>
 
-<file path=ppt/slides/slide14.xml><?xml version="1.0" encoding="utf-8"?>
+<file path=ppt/slides/slide9.xml><?xml version="1.0" encoding="utf-8"?>
 <p:sld xmlns:a="http://schemas.openxmlformats.org/drawingml/2006/main" xmlns:r="http://schemas.openxmlformats.org/officeDocument/2006/relationships" xmlns:p="http://schemas.openxmlformats.org/presentationml/2006/main">
   <p:cSld>
     <p:spTree>
@@ -11431,347 +15050,6 @@
       </p:grpSpPr>
       <p:sp>
         <p:nvSpPr>
-          <p:cNvPr id="5" name="Title 4">
-            <a:extLst>
-              <a:ext uri="{FF2B5EF4-FFF2-40B4-BE49-F238E27FC236}">
-                <a16:creationId xmlns:a16="http://schemas.microsoft.com/office/drawing/2014/main" id="{8B7E9EE4-5252-46A4-86C9-96F48C290BC2}"/>
-              </a:ext>
-            </a:extLst>
-          </p:cNvPr>
-          <p:cNvSpPr>
-            <a:spLocks noGrp="1"/>
-          </p:cNvSpPr>
-          <p:nvPr>
-            <p:ph type="title"/>
-          </p:nvPr>
-        </p:nvSpPr>
-        <p:spPr>
-          <a:xfrm>
-            <a:off x="569976" y="2856694"/>
-            <a:ext cx="11353800" cy="1325563"/>
-          </a:xfrm>
-        </p:spPr>
-        <p:txBody>
-          <a:bodyPr/>
-          <a:lstStyle/>
-          <a:p>
-            <a:pPr algn="ctr"/>
-            <a:r>
-              <a:rPr lang="en-US" dirty="0">
-                <a:solidFill>
-                  <a:schemeClr val="tx1"/>
-                </a:solidFill>
-              </a:rPr>
-              <a:t>Code Walk through</a:t>
-            </a:r>
-          </a:p>
-        </p:txBody>
-      </p:sp>
-      <p:pic>
-        <p:nvPicPr>
-          <p:cNvPr id="3074" name="Picture 2" descr="Image result for step by step guide">
-            <a:extLst>
-              <a:ext uri="{FF2B5EF4-FFF2-40B4-BE49-F238E27FC236}">
-                <a16:creationId xmlns:a16="http://schemas.microsoft.com/office/drawing/2014/main" id="{EE7F1202-1170-4F6F-AB86-34BB039B8E73}"/>
-              </a:ext>
-            </a:extLst>
-          </p:cNvPr>
-          <p:cNvPicPr>
-            <a:picLocks noChangeAspect="1" noChangeArrowheads="1"/>
-          </p:cNvPicPr>
-          <p:nvPr/>
-        </p:nvPicPr>
-        <p:blipFill>
-          <a:blip r:embed="rId2">
-            <a:extLst>
-              <a:ext uri="{28A0092B-C50C-407E-A947-70E740481C1C}">
-                <a14:useLocalDpi xmlns:a14="http://schemas.microsoft.com/office/drawing/2010/main" val="0"/>
-              </a:ext>
-            </a:extLst>
-          </a:blip>
-          <a:srcRect/>
-          <a:stretch>
-            <a:fillRect/>
-          </a:stretch>
-        </p:blipFill>
-        <p:spPr bwMode="auto">
-          <a:xfrm>
-            <a:off x="4876800" y="3843528"/>
-            <a:ext cx="2767584" cy="2767584"/>
-          </a:xfrm>
-          <a:prstGeom prst="rect">
-            <a:avLst/>
-          </a:prstGeom>
-          <a:noFill/>
-          <a:extLst>
-            <a:ext uri="{909E8E84-426E-40DD-AFC4-6F175D3DCCD1}">
-              <a14:hiddenFill xmlns:a14="http://schemas.microsoft.com/office/drawing/2010/main">
-                <a:solidFill>
-                  <a:srgbClr val="FFFFFF"/>
-                </a:solidFill>
-              </a14:hiddenFill>
-            </a:ext>
-          </a:extLst>
-        </p:spPr>
-      </p:pic>
-    </p:spTree>
-    <p:extLst>
-      <p:ext uri="{BB962C8B-B14F-4D97-AF65-F5344CB8AC3E}">
-        <p14:creationId xmlns:p14="http://schemas.microsoft.com/office/powerpoint/2010/main" val="1973230044"/>
-      </p:ext>
-    </p:extLst>
-  </p:cSld>
-  <p:clrMapOvr>
-    <a:masterClrMapping/>
-  </p:clrMapOvr>
-</p:sld>
-</file>
-
-<file path=ppt/slides/slide15.xml><?xml version="1.0" encoding="utf-8"?>
-<p:sld xmlns:a="http://schemas.openxmlformats.org/drawingml/2006/main" xmlns:r="http://schemas.openxmlformats.org/officeDocument/2006/relationships" xmlns:p="http://schemas.openxmlformats.org/presentationml/2006/main">
-  <p:cSld>
-    <p:spTree>
-      <p:nvGrpSpPr>
-        <p:cNvPr id="1" name=""/>
-        <p:cNvGrpSpPr/>
-        <p:nvPr/>
-      </p:nvGrpSpPr>
-      <p:grpSpPr>
-        <a:xfrm>
-          <a:off x="0" y="0"/>
-          <a:ext cx="0" cy="0"/>
-          <a:chOff x="0" y="0"/>
-          <a:chExt cx="0" cy="0"/>
-        </a:xfrm>
-      </p:grpSpPr>
-      <p:pic>
-        <p:nvPicPr>
-          <p:cNvPr id="4098" name="Picture 2" descr="Image result for question and answer">
-            <a:extLst>
-              <a:ext uri="{FF2B5EF4-FFF2-40B4-BE49-F238E27FC236}">
-                <a16:creationId xmlns:a16="http://schemas.microsoft.com/office/drawing/2014/main" id="{4B625241-B303-41E2-B5BC-3B15BAF30D90}"/>
-              </a:ext>
-            </a:extLst>
-          </p:cNvPr>
-          <p:cNvPicPr>
-            <a:picLocks noChangeAspect="1" noChangeArrowheads="1"/>
-          </p:cNvPicPr>
-          <p:nvPr/>
-        </p:nvPicPr>
-        <p:blipFill>
-          <a:blip r:embed="rId2">
-            <a:extLst>
-              <a:ext uri="{28A0092B-C50C-407E-A947-70E740481C1C}">
-                <a14:useLocalDpi xmlns:a14="http://schemas.microsoft.com/office/drawing/2010/main" val="0"/>
-              </a:ext>
-            </a:extLst>
-          </a:blip>
-          <a:srcRect/>
-          <a:stretch>
-            <a:fillRect/>
-          </a:stretch>
-        </p:blipFill>
-        <p:spPr bwMode="auto">
-          <a:xfrm>
-            <a:off x="4085654" y="2211134"/>
-            <a:ext cx="3961066" cy="3961066"/>
-          </a:xfrm>
-          <a:prstGeom prst="rect">
-            <a:avLst/>
-          </a:prstGeom>
-          <a:noFill/>
-          <a:extLst>
-            <a:ext uri="{909E8E84-426E-40DD-AFC4-6F175D3DCCD1}">
-              <a14:hiddenFill xmlns:a14="http://schemas.microsoft.com/office/drawing/2010/main">
-                <a:solidFill>
-                  <a:srgbClr val="FFFFFF"/>
-                </a:solidFill>
-              </a14:hiddenFill>
-            </a:ext>
-          </a:extLst>
-        </p:spPr>
-      </p:pic>
-    </p:spTree>
-    <p:extLst>
-      <p:ext uri="{BB962C8B-B14F-4D97-AF65-F5344CB8AC3E}">
-        <p14:creationId xmlns:p14="http://schemas.microsoft.com/office/powerpoint/2010/main" val="1420639569"/>
-      </p:ext>
-    </p:extLst>
-  </p:cSld>
-  <p:clrMapOvr>
-    <a:masterClrMapping/>
-  </p:clrMapOvr>
-</p:sld>
-</file>
-
-<file path=ppt/slides/slide16.xml><?xml version="1.0" encoding="utf-8"?>
-<p:sld xmlns:a="http://schemas.openxmlformats.org/drawingml/2006/main" xmlns:r="http://schemas.openxmlformats.org/officeDocument/2006/relationships" xmlns:p="http://schemas.openxmlformats.org/presentationml/2006/main">
-  <p:cSld>
-    <p:spTree>
-      <p:nvGrpSpPr>
-        <p:cNvPr id="1" name=""/>
-        <p:cNvGrpSpPr/>
-        <p:nvPr/>
-      </p:nvGrpSpPr>
-      <p:grpSpPr>
-        <a:xfrm>
-          <a:off x="0" y="0"/>
-          <a:ext cx="0" cy="0"/>
-          <a:chOff x="0" y="0"/>
-          <a:chExt cx="0" cy="0"/>
-        </a:xfrm>
-      </p:grpSpPr>
-      <p:pic>
-        <p:nvPicPr>
-          <p:cNvPr id="2050" name="Picture 2" descr="Image result for Thank YOu">
-            <a:extLst>
-              <a:ext uri="{FF2B5EF4-FFF2-40B4-BE49-F238E27FC236}">
-                <a16:creationId xmlns:a16="http://schemas.microsoft.com/office/drawing/2014/main" id="{080F98D0-F647-433D-9787-CE384F3C8EB9}"/>
-              </a:ext>
-            </a:extLst>
-          </p:cNvPr>
-          <p:cNvPicPr>
-            <a:picLocks noChangeAspect="1" noChangeArrowheads="1"/>
-          </p:cNvPicPr>
-          <p:nvPr/>
-        </p:nvPicPr>
-        <p:blipFill>
-          <a:blip r:embed="rId2">
-            <a:extLst>
-              <a:ext uri="{28A0092B-C50C-407E-A947-70E740481C1C}">
-                <a14:useLocalDpi xmlns:a14="http://schemas.microsoft.com/office/drawing/2010/main" val="0"/>
-              </a:ext>
-            </a:extLst>
-          </a:blip>
-          <a:srcRect/>
-          <a:stretch>
-            <a:fillRect/>
-          </a:stretch>
-        </p:blipFill>
-        <p:spPr bwMode="auto">
-          <a:xfrm>
-            <a:off x="3584448" y="2607375"/>
-            <a:ext cx="5413248" cy="3050238"/>
-          </a:xfrm>
-          <a:prstGeom prst="rect">
-            <a:avLst/>
-          </a:prstGeom>
-          <a:noFill/>
-          <a:extLst>
-            <a:ext uri="{909E8E84-426E-40DD-AFC4-6F175D3DCCD1}">
-              <a14:hiddenFill xmlns:a14="http://schemas.microsoft.com/office/drawing/2010/main">
-                <a:solidFill>
-                  <a:srgbClr val="FFFFFF"/>
-                </a:solidFill>
-              </a14:hiddenFill>
-            </a:ext>
-          </a:extLst>
-        </p:spPr>
-      </p:pic>
-    </p:spTree>
-    <p:extLst>
-      <p:ext uri="{BB962C8B-B14F-4D97-AF65-F5344CB8AC3E}">
-        <p14:creationId xmlns:p14="http://schemas.microsoft.com/office/powerpoint/2010/main" val="4183868056"/>
-      </p:ext>
-    </p:extLst>
-  </p:cSld>
-  <p:clrMapOvr>
-    <a:masterClrMapping/>
-  </p:clrMapOvr>
-</p:sld>
-</file>
-
-<file path=ppt/slides/slide2.xml><?xml version="1.0" encoding="utf-8"?>
-<p:sld xmlns:a="http://schemas.openxmlformats.org/drawingml/2006/main" xmlns:r="http://schemas.openxmlformats.org/officeDocument/2006/relationships" xmlns:p="http://schemas.openxmlformats.org/presentationml/2006/main">
-  <p:cSld>
-    <p:spTree>
-      <p:nvGrpSpPr>
-        <p:cNvPr id="1" name=""/>
-        <p:cNvGrpSpPr/>
-        <p:nvPr/>
-      </p:nvGrpSpPr>
-      <p:grpSpPr>
-        <a:xfrm>
-          <a:off x="0" y="0"/>
-          <a:ext cx="0" cy="0"/>
-          <a:chOff x="0" y="0"/>
-          <a:chExt cx="0" cy="0"/>
-        </a:xfrm>
-      </p:grpSpPr>
-      <p:sp>
-        <p:nvSpPr>
-          <p:cNvPr id="3" name="Content Placeholder 2"/>
-          <p:cNvSpPr>
-            <a:spLocks noGrp="1"/>
-          </p:cNvSpPr>
-          <p:nvPr>
-            <p:ph idx="1"/>
-          </p:nvPr>
-        </p:nvSpPr>
-        <p:spPr>
-          <a:xfrm>
-            <a:off x="560408" y="2171763"/>
-            <a:ext cx="10515600" cy="3970476"/>
-          </a:xfrm>
-        </p:spPr>
-        <p:txBody>
-          <a:bodyPr>
-            <a:noAutofit/>
-          </a:bodyPr>
-          <a:lstStyle/>
-          <a:p>
-            <a:pPr algn="just"/>
-            <a:r>
-              <a:rPr lang="en-US" sz="2800" dirty="0"/>
-              <a:t>Blockchain, D-Apps and Smart Contracts</a:t>
-            </a:r>
-          </a:p>
-          <a:p>
-            <a:pPr algn="just"/>
-            <a:r>
-              <a:rPr lang="en-US" sz="2800" dirty="0"/>
-              <a:t>Dev tools</a:t>
-            </a:r>
-          </a:p>
-          <a:p>
-            <a:pPr algn="just"/>
-            <a:r>
-              <a:rPr lang="en-US" sz="2800" dirty="0"/>
-              <a:t>Demo implementation architecture. </a:t>
-            </a:r>
-          </a:p>
-          <a:p>
-            <a:pPr algn="just"/>
-            <a:r>
-              <a:rPr lang="en-US" sz="2800" dirty="0"/>
-              <a:t>Setting Up Private Ethereum chain</a:t>
-            </a:r>
-          </a:p>
-          <a:p>
-            <a:pPr algn="just"/>
-            <a:r>
-              <a:rPr lang="en-US" sz="2800" dirty="0"/>
-              <a:t>Sample Smart contract (Asset transfer), solidity.</a:t>
-            </a:r>
-          </a:p>
-          <a:p>
-            <a:pPr algn="just"/>
-            <a:r>
-              <a:rPr lang="en-US" sz="2800" dirty="0"/>
-              <a:t>Demo </a:t>
-            </a:r>
-          </a:p>
-          <a:p>
-            <a:pPr algn="just"/>
-            <a:r>
-              <a:rPr lang="en-US" sz="2800" dirty="0"/>
-              <a:t>Code (API’s)</a:t>
-            </a:r>
-          </a:p>
-        </p:txBody>
-      </p:sp>
-      <p:sp>
-        <p:nvSpPr>
           <p:cNvPr id="6" name="Slide Number Placeholder 5"/>
           <p:cNvSpPr>
             <a:spLocks noGrp="1"/>
@@ -11787,7 +15065,7 @@
           <a:p>
             <a:fld id="{0FA269BB-9CF1-436E-9ADF-E46804694E4E}" type="slidenum">
               <a:rPr lang="en-US" smtClean="0"/>
-              <a:t>2</a:t>
+              <a:t>9</a:t>
             </a:fld>
             <a:endParaRPr lang="en-US"/>
           </a:p>
@@ -11803,56 +15081,27 @@
             <p:ph type="title"/>
           </p:nvPr>
         </p:nvSpPr>
-        <p:spPr>
-          <a:xfrm>
-            <a:off x="838200" y="15958"/>
-            <a:ext cx="11353800" cy="823253"/>
-          </a:xfrm>
-        </p:spPr>
+        <p:spPr/>
         <p:txBody>
           <a:bodyPr/>
           <a:lstStyle/>
           <a:p>
             <a:r>
               <a:rPr lang="en-US" dirty="0"/>
-              <a:t>Agenda</a:t>
-            </a:r>
-          </a:p>
-        </p:txBody>
-      </p:sp>
-    </p:spTree>
-    <p:extLst>
-      <p:ext uri="{BB962C8B-B14F-4D97-AF65-F5344CB8AC3E}">
-        <p14:creationId xmlns:p14="http://schemas.microsoft.com/office/powerpoint/2010/main" val="26355787"/>
-      </p:ext>
-    </p:extLst>
-  </p:cSld>
-  <p:clrMapOvr>
-    <a:masterClrMapping/>
-  </p:clrMapOvr>
-</p:sld>
-</file>
-
-<file path=ppt/slides/slide3.xml><?xml version="1.0" encoding="utf-8"?>
-<p:sld xmlns:a="http://schemas.openxmlformats.org/drawingml/2006/main" xmlns:r="http://schemas.openxmlformats.org/officeDocument/2006/relationships" xmlns:p="http://schemas.openxmlformats.org/presentationml/2006/main">
-  <p:cSld>
-    <p:spTree>
-      <p:nvGrpSpPr>
-        <p:cNvPr id="1" name=""/>
-        <p:cNvGrpSpPr/>
-        <p:nvPr/>
-      </p:nvGrpSpPr>
-      <p:grpSpPr>
-        <a:xfrm>
-          <a:off x="0" y="0"/>
-          <a:ext cx="0" cy="0"/>
-          <a:chOff x="0" y="0"/>
-          <a:chExt cx="0" cy="0"/>
-        </a:xfrm>
-      </p:grpSpPr>
-      <p:sp>
-        <p:nvSpPr>
-          <p:cNvPr id="3" name="Content Placeholder 2"/>
+              <a:t>Dev tools</a:t>
+            </a:r>
+          </a:p>
+        </p:txBody>
+      </p:sp>
+      <p:sp>
+        <p:nvSpPr>
+          <p:cNvPr id="12" name="Content Placeholder 2">
+            <a:extLst>
+              <a:ext uri="{FF2B5EF4-FFF2-40B4-BE49-F238E27FC236}">
+                <a16:creationId xmlns:a16="http://schemas.microsoft.com/office/drawing/2014/main" id="{73EE1E34-AA80-4D48-9F43-0D297FCECEC2}"/>
+              </a:ext>
+            </a:extLst>
+          </p:cNvPr>
           <p:cNvSpPr>
             <a:spLocks noGrp="1"/>
           </p:cNvSpPr>
@@ -11862,8 +15111,8 @@
         </p:nvSpPr>
         <p:spPr>
           <a:xfrm>
-            <a:off x="252984" y="2133335"/>
-            <a:ext cx="4892040" cy="3970476"/>
+            <a:off x="252984" y="2133334"/>
+            <a:ext cx="8439603" cy="4074425"/>
           </a:xfrm>
         </p:spPr>
         <p:txBody>
@@ -11876,2615 +15125,6 @@
               <a:buNone/>
             </a:pPr>
             <a:r>
-              <a:rPr lang="en-US" sz="2800" dirty="0"/>
-              <a:t>What is Blockchain</a:t>
-            </a:r>
-          </a:p>
-          <a:p>
-            <a:pPr algn="just"/>
-            <a:r>
-              <a:rPr lang="en-US" sz="2000" dirty="0"/>
-              <a:t>Technology that relies on cryptography to store data in distributed ledger</a:t>
-            </a:r>
-          </a:p>
-          <a:p>
-            <a:pPr algn="just"/>
-            <a:r>
-              <a:rPr lang="en-US" sz="2000" dirty="0"/>
-              <a:t>Every block contains a hash of the previous block and a new added only after all previous hashes are recomputed </a:t>
-            </a:r>
-          </a:p>
-          <a:p>
-            <a:pPr algn="just"/>
-            <a:r>
-              <a:rPr lang="en-US" sz="2000" dirty="0"/>
-              <a:t>Distributed data store</a:t>
-            </a:r>
-          </a:p>
-          <a:p>
-            <a:pPr algn="just"/>
-            <a:r>
-              <a:rPr lang="en-US" sz="2000" dirty="0"/>
-              <a:t>Immutability of data stored.</a:t>
-            </a:r>
-          </a:p>
-          <a:p>
-            <a:pPr algn="just"/>
-            <a:r>
-              <a:rPr lang="en-US" sz="2000" dirty="0"/>
-              <a:t>Storing of data is based on agreements between all parties</a:t>
-            </a:r>
-          </a:p>
-          <a:p>
-            <a:pPr algn="just"/>
-            <a:endParaRPr lang="en-US" sz="2000" dirty="0"/>
-          </a:p>
-          <a:p>
-            <a:pPr algn="just"/>
-            <a:endParaRPr lang="en-US" sz="2000" dirty="0"/>
-          </a:p>
-        </p:txBody>
-      </p:sp>
-      <p:sp>
-        <p:nvSpPr>
-          <p:cNvPr id="6" name="Slide Number Placeholder 5"/>
-          <p:cNvSpPr>
-            <a:spLocks noGrp="1"/>
-          </p:cNvSpPr>
-          <p:nvPr>
-            <p:ph type="sldNum" sz="quarter" idx="12"/>
-          </p:nvPr>
-        </p:nvSpPr>
-        <p:spPr>
-          <a:xfrm>
-            <a:off x="9220200" y="6280150"/>
-            <a:ext cx="2743200" cy="365125"/>
-          </a:xfrm>
-        </p:spPr>
-        <p:txBody>
-          <a:bodyPr/>
-          <a:lstStyle/>
-          <a:p>
-            <a:fld id="{0FA269BB-9CF1-436E-9ADF-E46804694E4E}" type="slidenum">
-              <a:rPr lang="en-US" smtClean="0"/>
-              <a:t>3</a:t>
-            </a:fld>
-            <a:endParaRPr lang="en-US" dirty="0"/>
-          </a:p>
-        </p:txBody>
-      </p:sp>
-      <p:sp>
-        <p:nvSpPr>
-          <p:cNvPr id="2" name="Title 1"/>
-          <p:cNvSpPr>
-            <a:spLocks noGrp="1"/>
-          </p:cNvSpPr>
-          <p:nvPr>
-            <p:ph type="title"/>
-          </p:nvPr>
-        </p:nvSpPr>
-        <p:spPr>
-          <a:xfrm>
-            <a:off x="792480" y="15958"/>
-            <a:ext cx="11399520" cy="1325563"/>
-          </a:xfrm>
-        </p:spPr>
-        <p:txBody>
-          <a:bodyPr/>
-          <a:lstStyle/>
-          <a:p>
-            <a:r>
-              <a:rPr lang="en-US" dirty="0"/>
-              <a:t>Blockchain</a:t>
-            </a:r>
-          </a:p>
-        </p:txBody>
-      </p:sp>
-      <p:pic>
-        <p:nvPicPr>
-          <p:cNvPr id="2050" name="Picture 2" descr="Image result for WHat is block chain">
-            <a:extLst>
-              <a:ext uri="{FF2B5EF4-FFF2-40B4-BE49-F238E27FC236}">
-                <a16:creationId xmlns:a16="http://schemas.microsoft.com/office/drawing/2014/main" id="{56E9F3B5-D131-4DEE-BE12-E8437DBE0BFD}"/>
-              </a:ext>
-            </a:extLst>
-          </p:cNvPr>
-          <p:cNvPicPr>
-            <a:picLocks noChangeAspect="1" noChangeArrowheads="1"/>
-          </p:cNvPicPr>
-          <p:nvPr/>
-        </p:nvPicPr>
-        <p:blipFill>
-          <a:blip r:embed="rId3">
-            <a:extLst>
-              <a:ext uri="{28A0092B-C50C-407E-A947-70E740481C1C}">
-                <a14:useLocalDpi xmlns:a14="http://schemas.microsoft.com/office/drawing/2010/main" val="0"/>
-              </a:ext>
-            </a:extLst>
-          </a:blip>
-          <a:srcRect/>
-          <a:stretch>
-            <a:fillRect/>
-          </a:stretch>
-        </p:blipFill>
-        <p:spPr bwMode="auto">
-          <a:xfrm>
-            <a:off x="5218176" y="1978390"/>
-            <a:ext cx="6973824" cy="2901220"/>
-          </a:xfrm>
-          <a:prstGeom prst="rect">
-            <a:avLst/>
-          </a:prstGeom>
-          <a:noFill/>
-          <a:extLst>
-            <a:ext uri="{909E8E84-426E-40DD-AFC4-6F175D3DCCD1}">
-              <a14:hiddenFill xmlns:a14="http://schemas.microsoft.com/office/drawing/2010/main">
-                <a:solidFill>
-                  <a:srgbClr val="FFFFFF"/>
-                </a:solidFill>
-              </a14:hiddenFill>
-            </a:ext>
-          </a:extLst>
-        </p:spPr>
-      </p:pic>
-      <p:sp>
-        <p:nvSpPr>
-          <p:cNvPr id="15" name="Content Placeholder 2">
-            <a:extLst>
-              <a:ext uri="{FF2B5EF4-FFF2-40B4-BE49-F238E27FC236}">
-                <a16:creationId xmlns:a16="http://schemas.microsoft.com/office/drawing/2014/main" id="{1C1BA68A-36E9-4BE8-AF0B-A341A6FFE2F4}"/>
-              </a:ext>
-            </a:extLst>
-          </p:cNvPr>
-          <p:cNvSpPr txBox="1">
-            <a:spLocks/>
-          </p:cNvSpPr>
-          <p:nvPr/>
-        </p:nvSpPr>
-        <p:spPr>
-          <a:xfrm>
-            <a:off x="5623560" y="4856804"/>
-            <a:ext cx="6568440" cy="934396"/>
-          </a:xfrm>
-          <a:prstGeom prst="rect">
-            <a:avLst/>
-          </a:prstGeom>
-        </p:spPr>
-        <p:txBody>
-          <a:bodyPr vert="horz" lIns="91440" tIns="45720" rIns="91440" bIns="45720" rtlCol="0">
-            <a:noAutofit/>
-          </a:bodyPr>
-          <a:lstStyle>
-            <a:lvl1pPr marL="228600" indent="-228600" algn="l" defTabSz="914400" rtl="0" eaLnBrk="1" latinLnBrk="0" hangingPunct="1">
-              <a:lnSpc>
-                <a:spcPct val="90000"/>
-              </a:lnSpc>
-              <a:spcBef>
-                <a:spcPts val="1000"/>
-              </a:spcBef>
-              <a:buFont typeface="Arial" panose="020B0604020202020204" pitchFamily="34" charset="0"/>
-              <a:buChar char="•"/>
-              <a:defRPr sz="3600" kern="1200">
-                <a:solidFill>
-                  <a:schemeClr val="tx1"/>
-                </a:solidFill>
-                <a:latin typeface="+mn-lt"/>
-                <a:ea typeface="+mn-ea"/>
-                <a:cs typeface="+mn-cs"/>
-              </a:defRPr>
-            </a:lvl1pPr>
-            <a:lvl2pPr marL="685800" indent="-228600" algn="l" defTabSz="914400" rtl="0" eaLnBrk="1" latinLnBrk="0" hangingPunct="1">
-              <a:lnSpc>
-                <a:spcPct val="90000"/>
-              </a:lnSpc>
-              <a:spcBef>
-                <a:spcPts val="500"/>
-              </a:spcBef>
-              <a:buFont typeface="Arial" panose="020B0604020202020204" pitchFamily="34" charset="0"/>
-              <a:buChar char="•"/>
-              <a:defRPr sz="3200" kern="1200">
-                <a:solidFill>
-                  <a:schemeClr val="tx1"/>
-                </a:solidFill>
-                <a:latin typeface="+mn-lt"/>
-                <a:ea typeface="+mn-ea"/>
-                <a:cs typeface="+mn-cs"/>
-              </a:defRPr>
-            </a:lvl2pPr>
-            <a:lvl3pPr marL="1143000" indent="-228600" algn="l" defTabSz="914400" rtl="0" eaLnBrk="1" latinLnBrk="0" hangingPunct="1">
-              <a:lnSpc>
-                <a:spcPct val="90000"/>
-              </a:lnSpc>
-              <a:spcBef>
-                <a:spcPts val="500"/>
-              </a:spcBef>
-              <a:buFont typeface="Arial" panose="020B0604020202020204" pitchFamily="34" charset="0"/>
-              <a:buChar char="•"/>
-              <a:defRPr sz="2800" kern="1200">
-                <a:solidFill>
-                  <a:schemeClr val="tx1"/>
-                </a:solidFill>
-                <a:latin typeface="+mn-lt"/>
-                <a:ea typeface="+mn-ea"/>
-                <a:cs typeface="+mn-cs"/>
-              </a:defRPr>
-            </a:lvl3pPr>
-            <a:lvl4pPr marL="1600200" indent="-228600" algn="l" defTabSz="914400" rtl="0" eaLnBrk="1" latinLnBrk="0" hangingPunct="1">
-              <a:lnSpc>
-                <a:spcPct val="90000"/>
-              </a:lnSpc>
-              <a:spcBef>
-                <a:spcPts val="500"/>
-              </a:spcBef>
-              <a:buFont typeface="Arial" panose="020B0604020202020204" pitchFamily="34" charset="0"/>
-              <a:buChar char="•"/>
-              <a:defRPr sz="2400" kern="1200">
-                <a:solidFill>
-                  <a:schemeClr val="tx1"/>
-                </a:solidFill>
-                <a:latin typeface="+mn-lt"/>
-                <a:ea typeface="+mn-ea"/>
-                <a:cs typeface="+mn-cs"/>
-              </a:defRPr>
-            </a:lvl4pPr>
-            <a:lvl5pPr marL="2057400" indent="-228600" algn="l" defTabSz="914400" rtl="0" eaLnBrk="1" latinLnBrk="0" hangingPunct="1">
-              <a:lnSpc>
-                <a:spcPct val="90000"/>
-              </a:lnSpc>
-              <a:spcBef>
-                <a:spcPts val="500"/>
-              </a:spcBef>
-              <a:buFont typeface="Arial" panose="020B0604020202020204" pitchFamily="34" charset="0"/>
-              <a:buChar char="•"/>
-              <a:defRPr sz="2400" kern="1200">
-                <a:solidFill>
-                  <a:schemeClr val="tx1"/>
-                </a:solidFill>
-                <a:latin typeface="+mn-lt"/>
-                <a:ea typeface="+mn-ea"/>
-                <a:cs typeface="+mn-cs"/>
-              </a:defRPr>
-            </a:lvl5pPr>
-            <a:lvl6pPr marL="2514600" indent="-228600" algn="l" defTabSz="914400" rtl="0" eaLnBrk="1" latinLnBrk="0" hangingPunct="1">
-              <a:lnSpc>
-                <a:spcPct val="90000"/>
-              </a:lnSpc>
-              <a:spcBef>
-                <a:spcPts val="500"/>
-              </a:spcBef>
-              <a:buFont typeface="Arial" panose="020B0604020202020204" pitchFamily="34" charset="0"/>
-              <a:buChar char="•"/>
-              <a:defRPr sz="1800" kern="1200">
-                <a:solidFill>
-                  <a:schemeClr val="tx1"/>
-                </a:solidFill>
-                <a:latin typeface="+mn-lt"/>
-                <a:ea typeface="+mn-ea"/>
-                <a:cs typeface="+mn-cs"/>
-              </a:defRPr>
-            </a:lvl6pPr>
-            <a:lvl7pPr marL="2971800" indent="-228600" algn="l" defTabSz="914400" rtl="0" eaLnBrk="1" latinLnBrk="0" hangingPunct="1">
-              <a:lnSpc>
-                <a:spcPct val="90000"/>
-              </a:lnSpc>
-              <a:spcBef>
-                <a:spcPts val="500"/>
-              </a:spcBef>
-              <a:buFont typeface="Arial" panose="020B0604020202020204" pitchFamily="34" charset="0"/>
-              <a:buChar char="•"/>
-              <a:defRPr sz="1800" kern="1200">
-                <a:solidFill>
-                  <a:schemeClr val="tx1"/>
-                </a:solidFill>
-                <a:latin typeface="+mn-lt"/>
-                <a:ea typeface="+mn-ea"/>
-                <a:cs typeface="+mn-cs"/>
-              </a:defRPr>
-            </a:lvl7pPr>
-            <a:lvl8pPr marL="3429000" indent="-228600" algn="l" defTabSz="914400" rtl="0" eaLnBrk="1" latinLnBrk="0" hangingPunct="1">
-              <a:lnSpc>
-                <a:spcPct val="90000"/>
-              </a:lnSpc>
-              <a:spcBef>
-                <a:spcPts val="500"/>
-              </a:spcBef>
-              <a:buFont typeface="Arial" panose="020B0604020202020204" pitchFamily="34" charset="0"/>
-              <a:buChar char="•"/>
-              <a:defRPr sz="1800" kern="1200">
-                <a:solidFill>
-                  <a:schemeClr val="tx1"/>
-                </a:solidFill>
-                <a:latin typeface="+mn-lt"/>
-                <a:ea typeface="+mn-ea"/>
-                <a:cs typeface="+mn-cs"/>
-              </a:defRPr>
-            </a:lvl8pPr>
-            <a:lvl9pPr marL="3886200" indent="-228600" algn="l" defTabSz="914400" rtl="0" eaLnBrk="1" latinLnBrk="0" hangingPunct="1">
-              <a:lnSpc>
-                <a:spcPct val="90000"/>
-              </a:lnSpc>
-              <a:spcBef>
-                <a:spcPts val="500"/>
-              </a:spcBef>
-              <a:buFont typeface="Arial" panose="020B0604020202020204" pitchFamily="34" charset="0"/>
-              <a:buChar char="•"/>
-              <a:defRPr sz="1800" kern="1200">
-                <a:solidFill>
-                  <a:schemeClr val="tx1"/>
-                </a:solidFill>
-                <a:latin typeface="+mn-lt"/>
-                <a:ea typeface="+mn-ea"/>
-                <a:cs typeface="+mn-cs"/>
-              </a:defRPr>
-            </a:lvl9pPr>
-          </a:lstStyle>
-          <a:p>
-            <a:pPr marL="0" indent="0" algn="just">
-              <a:buNone/>
-            </a:pPr>
-            <a:r>
-              <a:rPr lang="en-US" sz="1600" b="1" dirty="0"/>
-              <a:t>**Genesis block </a:t>
-            </a:r>
-          </a:p>
-          <a:p>
-            <a:pPr algn="just"/>
-            <a:r>
-              <a:rPr lang="en-US" sz="1400" dirty="0"/>
-              <a:t>It is first block for the chain</a:t>
-            </a:r>
-          </a:p>
-          <a:p>
-            <a:pPr algn="just"/>
-            <a:r>
-              <a:rPr lang="en-US" sz="1400" dirty="0"/>
-              <a:t>It is created using the genesis state file or </a:t>
-            </a:r>
-            <a:r>
-              <a:rPr lang="en-US" sz="1400" dirty="0" err="1"/>
-              <a:t>genesis.json</a:t>
-            </a:r>
-            <a:endParaRPr lang="en-US" sz="1400" dirty="0"/>
-          </a:p>
-          <a:p>
-            <a:pPr algn="just"/>
-            <a:endParaRPr lang="en-US" sz="1400" dirty="0"/>
-          </a:p>
-          <a:p>
-            <a:pPr algn="just"/>
-            <a:endParaRPr lang="en-US" sz="1400" dirty="0"/>
-          </a:p>
-        </p:txBody>
-      </p:sp>
-      <p:sp>
-        <p:nvSpPr>
-          <p:cNvPr id="20" name="TextBox 19">
-            <a:extLst>
-              <a:ext uri="{FF2B5EF4-FFF2-40B4-BE49-F238E27FC236}">
-                <a16:creationId xmlns:a16="http://schemas.microsoft.com/office/drawing/2014/main" id="{C620E2B9-AA12-466F-A29C-243D5E1680ED}"/>
-              </a:ext>
-            </a:extLst>
-          </p:cNvPr>
-          <p:cNvSpPr txBox="1"/>
-          <p:nvPr/>
-        </p:nvSpPr>
-        <p:spPr>
-          <a:xfrm>
-            <a:off x="258064" y="5964659"/>
-            <a:ext cx="5501640" cy="369332"/>
-          </a:xfrm>
-          <a:prstGeom prst="rect">
-            <a:avLst/>
-          </a:prstGeom>
-          <a:noFill/>
-        </p:spPr>
-        <p:txBody>
-          <a:bodyPr wrap="square" rtlCol="0">
-            <a:spAutoFit/>
-          </a:bodyPr>
-          <a:lstStyle/>
-          <a:p>
-            <a:r>
-              <a:rPr lang="en-US" dirty="0">
-                <a:hlinkClick r:id="rId4"/>
-              </a:rPr>
-              <a:t>Blockchain 101 Visual Demo Video</a:t>
-            </a:r>
-            <a:endParaRPr lang="en-US" dirty="0"/>
-          </a:p>
-        </p:txBody>
-      </p:sp>
-      <p:sp>
-        <p:nvSpPr>
-          <p:cNvPr id="23" name="TextBox 22">
-            <a:extLst>
-              <a:ext uri="{FF2B5EF4-FFF2-40B4-BE49-F238E27FC236}">
-                <a16:creationId xmlns:a16="http://schemas.microsoft.com/office/drawing/2014/main" id="{A5E976ED-F9B2-43EF-90AB-5CAB006822FC}"/>
-              </a:ext>
-            </a:extLst>
-          </p:cNvPr>
-          <p:cNvSpPr txBox="1"/>
-          <p:nvPr/>
-        </p:nvSpPr>
-        <p:spPr>
-          <a:xfrm>
-            <a:off x="5759704" y="5968970"/>
-            <a:ext cx="5486400" cy="369332"/>
-          </a:xfrm>
-          <a:prstGeom prst="rect">
-            <a:avLst/>
-          </a:prstGeom>
-          <a:noFill/>
-        </p:spPr>
-        <p:txBody>
-          <a:bodyPr wrap="square" rtlCol="0">
-            <a:spAutoFit/>
-          </a:bodyPr>
-          <a:lstStyle/>
-          <a:p>
-            <a:r>
-              <a:rPr lang="en-US" dirty="0">
-                <a:hlinkClick r:id="rId5"/>
-              </a:rPr>
-              <a:t>Blockchain 101 Visual Demo</a:t>
-            </a:r>
-            <a:endParaRPr lang="en-US" dirty="0"/>
-          </a:p>
-        </p:txBody>
-      </p:sp>
-    </p:spTree>
-    <p:extLst>
-      <p:ext uri="{BB962C8B-B14F-4D97-AF65-F5344CB8AC3E}">
-        <p14:creationId xmlns:p14="http://schemas.microsoft.com/office/powerpoint/2010/main" val="4026179288"/>
-      </p:ext>
-    </p:extLst>
-  </p:cSld>
-  <p:clrMapOvr>
-    <a:masterClrMapping/>
-  </p:clrMapOvr>
-</p:sld>
-</file>
-
-<file path=ppt/slides/slide4.xml><?xml version="1.0" encoding="utf-8"?>
-<p:sld xmlns:a="http://schemas.openxmlformats.org/drawingml/2006/main" xmlns:r="http://schemas.openxmlformats.org/officeDocument/2006/relationships" xmlns:p="http://schemas.openxmlformats.org/presentationml/2006/main">
-  <p:cSld>
-    <p:spTree>
-      <p:nvGrpSpPr>
-        <p:cNvPr id="1" name=""/>
-        <p:cNvGrpSpPr/>
-        <p:nvPr/>
-      </p:nvGrpSpPr>
-      <p:grpSpPr>
-        <a:xfrm>
-          <a:off x="0" y="0"/>
-          <a:ext cx="0" cy="0"/>
-          <a:chOff x="0" y="0"/>
-          <a:chExt cx="0" cy="0"/>
-        </a:xfrm>
-      </p:grpSpPr>
-      <p:sp>
-        <p:nvSpPr>
-          <p:cNvPr id="3" name="Title 2">
-            <a:extLst>
-              <a:ext uri="{FF2B5EF4-FFF2-40B4-BE49-F238E27FC236}">
-                <a16:creationId xmlns:a16="http://schemas.microsoft.com/office/drawing/2014/main" id="{01C7A0F6-AA7D-46B8-94E5-AA3D4BC48269}"/>
-              </a:ext>
-            </a:extLst>
-          </p:cNvPr>
-          <p:cNvSpPr>
-            <a:spLocks noGrp="1"/>
-          </p:cNvSpPr>
-          <p:nvPr>
-            <p:ph type="title"/>
-          </p:nvPr>
-        </p:nvSpPr>
-        <p:spPr/>
-        <p:txBody>
-          <a:bodyPr>
-            <a:normAutofit fontScale="90000"/>
-          </a:bodyPr>
-          <a:lstStyle/>
-          <a:p>
-            <a:r>
-              <a:rPr lang="en-US" dirty="0"/>
-              <a:t>D-Apps(Decentralized </a:t>
-            </a:r>
-            <a:br>
-              <a:rPr lang="en-US" dirty="0"/>
-            </a:br>
-            <a:r>
-              <a:rPr lang="en-US" dirty="0"/>
-              <a:t>Applications)</a:t>
-            </a:r>
-          </a:p>
-        </p:txBody>
-      </p:sp>
-      <p:sp>
-        <p:nvSpPr>
-          <p:cNvPr id="5" name="Rectangle 4">
-            <a:extLst>
-              <a:ext uri="{FF2B5EF4-FFF2-40B4-BE49-F238E27FC236}">
-                <a16:creationId xmlns:a16="http://schemas.microsoft.com/office/drawing/2014/main" id="{D598F40E-CA1F-48F6-81DB-E6BFE7C02C5E}"/>
-              </a:ext>
-            </a:extLst>
-          </p:cNvPr>
-          <p:cNvSpPr/>
-          <p:nvPr/>
-        </p:nvSpPr>
-        <p:spPr>
-          <a:xfrm>
-            <a:off x="207264" y="1753999"/>
-            <a:ext cx="11789664" cy="923330"/>
-          </a:xfrm>
-          <a:prstGeom prst="rect">
-            <a:avLst/>
-          </a:prstGeom>
-        </p:spPr>
-        <p:txBody>
-          <a:bodyPr wrap="square">
-            <a:spAutoFit/>
-          </a:bodyPr>
-          <a:lstStyle/>
-          <a:p>
-            <a:pPr marL="285750" indent="-285750">
-              <a:buFont typeface="Arial" panose="020B0604020202020204" pitchFamily="34" charset="0"/>
-              <a:buChar char="•"/>
-            </a:pPr>
-            <a:r>
-              <a:rPr lang="en-US" dirty="0"/>
-              <a:t>Decentralized applications (</a:t>
-            </a:r>
-            <a:r>
-              <a:rPr lang="en-US" dirty="0" err="1"/>
-              <a:t>dApps</a:t>
-            </a:r>
-            <a:r>
-              <a:rPr lang="en-US" dirty="0"/>
-              <a:t>) are applications that run on a P2P network of computers rather than some kind of hosting service.</a:t>
-            </a:r>
-          </a:p>
-          <a:p>
-            <a:pPr marL="285750" indent="-285750">
-              <a:buFont typeface="Arial" panose="020B0604020202020204" pitchFamily="34" charset="0"/>
-              <a:buChar char="•"/>
-            </a:pPr>
-            <a:r>
-              <a:rPr lang="en-US" dirty="0"/>
-              <a:t>D-Apps are a ‘blockchain enabled’, where the Smart Contract is used to connect to the blockchain</a:t>
-            </a:r>
-          </a:p>
-        </p:txBody>
-      </p:sp>
-      <p:sp>
-        <p:nvSpPr>
-          <p:cNvPr id="6" name="Rectangle: Rounded Corners 5">
-            <a:extLst>
-              <a:ext uri="{FF2B5EF4-FFF2-40B4-BE49-F238E27FC236}">
-                <a16:creationId xmlns:a16="http://schemas.microsoft.com/office/drawing/2014/main" id="{CE32A826-1A6D-47B8-BF4A-0156FA19569C}"/>
-              </a:ext>
-            </a:extLst>
-          </p:cNvPr>
-          <p:cNvSpPr/>
-          <p:nvPr/>
-        </p:nvSpPr>
-        <p:spPr>
-          <a:xfrm>
-            <a:off x="2170176" y="3112008"/>
-            <a:ext cx="2767584" cy="633984"/>
-          </a:xfrm>
-          <a:prstGeom prst="roundRect">
-            <a:avLst/>
-          </a:prstGeom>
-          <a:solidFill>
-            <a:schemeClr val="bg1"/>
-          </a:solidFill>
-        </p:spPr>
-        <p:style>
-          <a:lnRef idx="2">
-            <a:schemeClr val="accent1">
-              <a:shade val="50000"/>
-            </a:schemeClr>
-          </a:lnRef>
-          <a:fillRef idx="1">
-            <a:schemeClr val="accent1"/>
-          </a:fillRef>
-          <a:effectRef idx="0">
-            <a:schemeClr val="accent1"/>
-          </a:effectRef>
-          <a:fontRef idx="minor">
-            <a:schemeClr val="lt1"/>
-          </a:fontRef>
-        </p:style>
-        <p:txBody>
-          <a:bodyPr rtlCol="0" anchor="ctr"/>
-          <a:lstStyle/>
-          <a:p>
-            <a:pPr algn="ctr"/>
-            <a:r>
-              <a:rPr lang="en-US" dirty="0">
-                <a:solidFill>
-                  <a:schemeClr val="tx1"/>
-                </a:solidFill>
-              </a:rPr>
-              <a:t>      Front End</a:t>
-            </a:r>
-          </a:p>
-        </p:txBody>
-      </p:sp>
-      <p:sp>
-        <p:nvSpPr>
-          <p:cNvPr id="7" name="Rectangle: Rounded Corners 6">
-            <a:extLst>
-              <a:ext uri="{FF2B5EF4-FFF2-40B4-BE49-F238E27FC236}">
-                <a16:creationId xmlns:a16="http://schemas.microsoft.com/office/drawing/2014/main" id="{C6C7A8A1-A47C-4AD3-8A51-D635ABF0090E}"/>
-              </a:ext>
-            </a:extLst>
-          </p:cNvPr>
-          <p:cNvSpPr/>
-          <p:nvPr/>
-        </p:nvSpPr>
-        <p:spPr>
-          <a:xfrm>
-            <a:off x="2170176" y="4110568"/>
-            <a:ext cx="2767584" cy="633984"/>
-          </a:xfrm>
-          <a:prstGeom prst="roundRect">
-            <a:avLst/>
-          </a:prstGeom>
-          <a:solidFill>
-            <a:schemeClr val="bg1"/>
-          </a:solidFill>
-        </p:spPr>
-        <p:style>
-          <a:lnRef idx="2">
-            <a:schemeClr val="accent1">
-              <a:shade val="50000"/>
-            </a:schemeClr>
-          </a:lnRef>
-          <a:fillRef idx="1">
-            <a:schemeClr val="accent1"/>
-          </a:fillRef>
-          <a:effectRef idx="0">
-            <a:schemeClr val="accent1"/>
-          </a:effectRef>
-          <a:fontRef idx="minor">
-            <a:schemeClr val="lt1"/>
-          </a:fontRef>
-        </p:style>
-        <p:txBody>
-          <a:bodyPr rot="0" spcFirstLastPara="0" vertOverflow="overflow" horzOverflow="overflow" vert="horz" wrap="square" lIns="91440" tIns="45720" rIns="91440" bIns="45720" numCol="1" spcCol="0" rtlCol="0" fromWordArt="0" anchor="ctr" anchorCtr="0" forceAA="0" compatLnSpc="1">
-            <a:prstTxWarp prst="textNoShape">
-              <a:avLst/>
-            </a:prstTxWarp>
-            <a:noAutofit/>
-          </a:bodyPr>
-          <a:lstStyle/>
-          <a:p>
-            <a:pPr algn="ctr"/>
-            <a:endParaRPr lang="en-US" dirty="0">
-              <a:solidFill>
-                <a:schemeClr val="tx1"/>
-              </a:solidFill>
-            </a:endParaRPr>
-          </a:p>
-        </p:txBody>
-      </p:sp>
-      <p:pic>
-        <p:nvPicPr>
-          <p:cNvPr id="2050" name="Picture 2" descr="Related image">
-            <a:extLst>
-              <a:ext uri="{FF2B5EF4-FFF2-40B4-BE49-F238E27FC236}">
-                <a16:creationId xmlns:a16="http://schemas.microsoft.com/office/drawing/2014/main" id="{22B4AC60-06D9-4B45-BF95-0E00509D6E7A}"/>
-              </a:ext>
-            </a:extLst>
-          </p:cNvPr>
-          <p:cNvPicPr>
-            <a:picLocks noChangeAspect="1" noChangeArrowheads="1"/>
-          </p:cNvPicPr>
-          <p:nvPr/>
-        </p:nvPicPr>
-        <p:blipFill>
-          <a:blip r:embed="rId2" cstate="print">
-            <a:extLst>
-              <a:ext uri="{28A0092B-C50C-407E-A947-70E740481C1C}">
-                <a14:useLocalDpi xmlns:a14="http://schemas.microsoft.com/office/drawing/2010/main" val="0"/>
-              </a:ext>
-            </a:extLst>
-          </a:blip>
-          <a:srcRect/>
-          <a:stretch>
-            <a:fillRect/>
-          </a:stretch>
-        </p:blipFill>
-        <p:spPr bwMode="auto">
-          <a:xfrm>
-            <a:off x="3982053" y="5343144"/>
-            <a:ext cx="704405" cy="866220"/>
-          </a:xfrm>
-          <a:prstGeom prst="rect">
-            <a:avLst/>
-          </a:prstGeom>
-          <a:noFill/>
-          <a:extLst>
-            <a:ext uri="{909E8E84-426E-40DD-AFC4-6F175D3DCCD1}">
-              <a14:hiddenFill xmlns:a14="http://schemas.microsoft.com/office/drawing/2010/main">
-                <a:solidFill>
-                  <a:srgbClr val="FFFFFF"/>
-                </a:solidFill>
-              </a14:hiddenFill>
-            </a:ext>
-          </a:extLst>
-        </p:spPr>
-      </p:pic>
-      <p:pic>
-        <p:nvPicPr>
-          <p:cNvPr id="2052" name="Picture 4" descr="Image result for web services">
-            <a:extLst>
-              <a:ext uri="{FF2B5EF4-FFF2-40B4-BE49-F238E27FC236}">
-                <a16:creationId xmlns:a16="http://schemas.microsoft.com/office/drawing/2014/main" id="{A73237B1-09AF-4AA4-9C6C-8BA4355870E5}"/>
-              </a:ext>
-            </a:extLst>
-          </p:cNvPr>
-          <p:cNvPicPr>
-            <a:picLocks noChangeAspect="1" noChangeArrowheads="1"/>
-          </p:cNvPicPr>
-          <p:nvPr/>
-        </p:nvPicPr>
-        <p:blipFill>
-          <a:blip r:embed="rId3" cstate="print">
-            <a:extLst>
-              <a:ext uri="{28A0092B-C50C-407E-A947-70E740481C1C}">
-                <a14:useLocalDpi xmlns:a14="http://schemas.microsoft.com/office/drawing/2010/main" val="0"/>
-              </a:ext>
-            </a:extLst>
-          </a:blip>
-          <a:srcRect/>
-          <a:stretch>
-            <a:fillRect/>
-          </a:stretch>
-        </p:blipFill>
-        <p:spPr bwMode="auto">
-          <a:xfrm>
-            <a:off x="2450797" y="5343143"/>
-            <a:ext cx="1121459" cy="871467"/>
-          </a:xfrm>
-          <a:prstGeom prst="rect">
-            <a:avLst/>
-          </a:prstGeom>
-          <a:noFill/>
-          <a:extLst>
-            <a:ext uri="{909E8E84-426E-40DD-AFC4-6F175D3DCCD1}">
-              <a14:hiddenFill xmlns:a14="http://schemas.microsoft.com/office/drawing/2010/main">
-                <a:solidFill>
-                  <a:srgbClr val="FFFFFF"/>
-                </a:solidFill>
-              </a14:hiddenFill>
-            </a:ext>
-          </a:extLst>
-        </p:spPr>
-      </p:pic>
-      <p:sp>
-        <p:nvSpPr>
-          <p:cNvPr id="16" name="Rectangle: Rounded Corners 15">
-            <a:extLst>
-              <a:ext uri="{FF2B5EF4-FFF2-40B4-BE49-F238E27FC236}">
-                <a16:creationId xmlns:a16="http://schemas.microsoft.com/office/drawing/2014/main" id="{7A7A2121-9E4A-42C7-9334-525DF4491814}"/>
-              </a:ext>
-            </a:extLst>
-          </p:cNvPr>
-          <p:cNvSpPr/>
-          <p:nvPr/>
-        </p:nvSpPr>
-        <p:spPr>
-          <a:xfrm>
-            <a:off x="7114032" y="3065423"/>
-            <a:ext cx="2767584" cy="633984"/>
-          </a:xfrm>
-          <a:prstGeom prst="roundRect">
-            <a:avLst/>
-          </a:prstGeom>
-          <a:solidFill>
-            <a:schemeClr val="bg1"/>
-          </a:solidFill>
-        </p:spPr>
-        <p:style>
-          <a:lnRef idx="2">
-            <a:schemeClr val="accent1">
-              <a:shade val="50000"/>
-            </a:schemeClr>
-          </a:lnRef>
-          <a:fillRef idx="1">
-            <a:schemeClr val="accent1"/>
-          </a:fillRef>
-          <a:effectRef idx="0">
-            <a:schemeClr val="accent1"/>
-          </a:effectRef>
-          <a:fontRef idx="minor">
-            <a:schemeClr val="lt1"/>
-          </a:fontRef>
-        </p:style>
-        <p:txBody>
-          <a:bodyPr rot="0" spcFirstLastPara="0" vertOverflow="overflow" horzOverflow="overflow" vert="horz" wrap="square" lIns="91440" tIns="45720" rIns="91440" bIns="45720" numCol="1" spcCol="0" rtlCol="0" fromWordArt="0" anchor="ctr" anchorCtr="0" forceAA="0" compatLnSpc="1">
-            <a:prstTxWarp prst="textNoShape">
-              <a:avLst/>
-            </a:prstTxWarp>
-            <a:noAutofit/>
-          </a:bodyPr>
-          <a:lstStyle/>
-          <a:p>
-            <a:pPr algn="ctr"/>
-            <a:r>
-              <a:rPr lang="en-US" dirty="0">
-                <a:solidFill>
-                  <a:schemeClr val="tx1"/>
-                </a:solidFill>
-              </a:rPr>
-              <a:t>        Front End</a:t>
-            </a:r>
-          </a:p>
-        </p:txBody>
-      </p:sp>
-      <p:sp>
-        <p:nvSpPr>
-          <p:cNvPr id="17" name="Rectangle: Rounded Corners 16">
-            <a:extLst>
-              <a:ext uri="{FF2B5EF4-FFF2-40B4-BE49-F238E27FC236}">
-                <a16:creationId xmlns:a16="http://schemas.microsoft.com/office/drawing/2014/main" id="{9E3FEF91-9ADF-4198-B176-C09F82FE8628}"/>
-              </a:ext>
-            </a:extLst>
-          </p:cNvPr>
-          <p:cNvSpPr/>
-          <p:nvPr/>
-        </p:nvSpPr>
-        <p:spPr>
-          <a:xfrm>
-            <a:off x="7114032" y="4063983"/>
-            <a:ext cx="2767584" cy="633984"/>
-          </a:xfrm>
-          <a:prstGeom prst="roundRect">
-            <a:avLst/>
-          </a:prstGeom>
-          <a:solidFill>
-            <a:schemeClr val="bg1"/>
-          </a:solidFill>
-        </p:spPr>
-        <p:style>
-          <a:lnRef idx="2">
-            <a:schemeClr val="accent1">
-              <a:shade val="50000"/>
-            </a:schemeClr>
-          </a:lnRef>
-          <a:fillRef idx="1">
-            <a:schemeClr val="accent1"/>
-          </a:fillRef>
-          <a:effectRef idx="0">
-            <a:schemeClr val="accent1"/>
-          </a:effectRef>
-          <a:fontRef idx="minor">
-            <a:schemeClr val="lt1"/>
-          </a:fontRef>
-        </p:style>
-        <p:txBody>
-          <a:bodyPr rot="0" spcFirstLastPara="0" vertOverflow="overflow" horzOverflow="overflow" vert="horz" wrap="square" lIns="91440" tIns="45720" rIns="91440" bIns="45720" numCol="1" spcCol="0" rtlCol="0" fromWordArt="0" anchor="ctr" anchorCtr="0" forceAA="0" compatLnSpc="1">
-            <a:prstTxWarp prst="textNoShape">
-              <a:avLst/>
-            </a:prstTxWarp>
-            <a:noAutofit/>
-          </a:bodyPr>
-          <a:lstStyle/>
-          <a:p>
-            <a:pPr algn="ctr"/>
-            <a:endParaRPr lang="en-US" dirty="0">
-              <a:solidFill>
-                <a:schemeClr val="tx1"/>
-              </a:solidFill>
-            </a:endParaRPr>
-          </a:p>
-        </p:txBody>
-      </p:sp>
-      <p:sp>
-        <p:nvSpPr>
-          <p:cNvPr id="8" name="Rectangle: Rounded Corners 7">
-            <a:extLst>
-              <a:ext uri="{FF2B5EF4-FFF2-40B4-BE49-F238E27FC236}">
-                <a16:creationId xmlns:a16="http://schemas.microsoft.com/office/drawing/2014/main" id="{E777A729-1F6F-4F6E-8A93-208948500B01}"/>
-              </a:ext>
-            </a:extLst>
-          </p:cNvPr>
-          <p:cNvSpPr/>
-          <p:nvPr/>
-        </p:nvSpPr>
-        <p:spPr>
-          <a:xfrm>
-            <a:off x="7144512" y="5010912"/>
-            <a:ext cx="2767584" cy="1584960"/>
-          </a:xfrm>
-          <a:prstGeom prst="roundRect">
-            <a:avLst/>
-          </a:prstGeom>
-          <a:solidFill>
-            <a:schemeClr val="bg1"/>
-          </a:solidFill>
-        </p:spPr>
-        <p:style>
-          <a:lnRef idx="2">
-            <a:schemeClr val="accent1">
-              <a:shade val="50000"/>
-            </a:schemeClr>
-          </a:lnRef>
-          <a:fillRef idx="1">
-            <a:schemeClr val="accent1"/>
-          </a:fillRef>
-          <a:effectRef idx="0">
-            <a:schemeClr val="accent1"/>
-          </a:effectRef>
-          <a:fontRef idx="minor">
-            <a:schemeClr val="lt1"/>
-          </a:fontRef>
-        </p:style>
-        <p:txBody>
-          <a:bodyPr rot="0" spcFirstLastPara="0" vertOverflow="overflow" horzOverflow="overflow" vert="horz" wrap="square" lIns="91440" tIns="45720" rIns="91440" bIns="45720" numCol="1" spcCol="0" rtlCol="0" fromWordArt="0" anchor="b" anchorCtr="0" forceAA="0" compatLnSpc="1">
-            <a:prstTxWarp prst="textNoShape">
-              <a:avLst/>
-            </a:prstTxWarp>
-            <a:noAutofit/>
-          </a:bodyPr>
-          <a:lstStyle/>
-          <a:p>
-            <a:endParaRPr lang="en-US" dirty="0">
-              <a:solidFill>
-                <a:schemeClr val="tx1"/>
-              </a:solidFill>
-            </a:endParaRPr>
-          </a:p>
-        </p:txBody>
-      </p:sp>
-      <p:sp>
-        <p:nvSpPr>
-          <p:cNvPr id="21" name="Rectangle: Rounded Corners 20">
-            <a:extLst>
-              <a:ext uri="{FF2B5EF4-FFF2-40B4-BE49-F238E27FC236}">
-                <a16:creationId xmlns:a16="http://schemas.microsoft.com/office/drawing/2014/main" id="{04571AC8-F05E-4422-A0AC-C85B0DC4FF60}"/>
-              </a:ext>
-            </a:extLst>
-          </p:cNvPr>
-          <p:cNvSpPr/>
-          <p:nvPr/>
-        </p:nvSpPr>
-        <p:spPr>
-          <a:xfrm>
-            <a:off x="7370064" y="5172455"/>
-            <a:ext cx="2292096" cy="481584"/>
-          </a:xfrm>
-          <a:prstGeom prst="roundRect">
-            <a:avLst/>
-          </a:prstGeom>
-          <a:solidFill>
-            <a:schemeClr val="bg1"/>
-          </a:solidFill>
-        </p:spPr>
-        <p:style>
-          <a:lnRef idx="2">
-            <a:schemeClr val="accent1">
-              <a:shade val="50000"/>
-            </a:schemeClr>
-          </a:lnRef>
-          <a:fillRef idx="1">
-            <a:schemeClr val="accent1"/>
-          </a:fillRef>
-          <a:effectRef idx="0">
-            <a:schemeClr val="accent1"/>
-          </a:effectRef>
-          <a:fontRef idx="minor">
-            <a:schemeClr val="lt1"/>
-          </a:fontRef>
-        </p:style>
-        <p:txBody>
-          <a:bodyPr rot="0" spcFirstLastPara="0" vertOverflow="overflow" horzOverflow="overflow" vert="horz" wrap="square" lIns="91440" tIns="45720" rIns="91440" bIns="45720" numCol="1" spcCol="0" rtlCol="0" fromWordArt="0" anchor="ctr" anchorCtr="0" forceAA="0" compatLnSpc="1">
-            <a:prstTxWarp prst="textNoShape">
-              <a:avLst/>
-            </a:prstTxWarp>
-            <a:noAutofit/>
-          </a:bodyPr>
-          <a:lstStyle/>
-          <a:p>
-            <a:pPr algn="ctr"/>
-            <a:r>
-              <a:rPr lang="en-US" dirty="0">
-                <a:solidFill>
-                  <a:schemeClr val="tx1"/>
-                </a:solidFill>
-              </a:rPr>
-              <a:t>Smart Contracts</a:t>
-            </a:r>
-          </a:p>
-        </p:txBody>
-      </p:sp>
-      <p:pic>
-        <p:nvPicPr>
-          <p:cNvPr id="1026" name="Picture 2" descr="Related image">
-            <a:extLst>
-              <a:ext uri="{FF2B5EF4-FFF2-40B4-BE49-F238E27FC236}">
-                <a16:creationId xmlns:a16="http://schemas.microsoft.com/office/drawing/2014/main" id="{FECB5605-E0CB-4EC0-92D1-E13CB5CC0FB1}"/>
-              </a:ext>
-            </a:extLst>
-          </p:cNvPr>
-          <p:cNvPicPr>
-            <a:picLocks noChangeAspect="1" noChangeArrowheads="1"/>
-          </p:cNvPicPr>
-          <p:nvPr/>
-        </p:nvPicPr>
-        <p:blipFill>
-          <a:blip r:embed="rId4" cstate="print">
-            <a:extLst>
-              <a:ext uri="{28A0092B-C50C-407E-A947-70E740481C1C}">
-                <a14:useLocalDpi xmlns:a14="http://schemas.microsoft.com/office/drawing/2010/main" val="0"/>
-              </a:ext>
-            </a:extLst>
-          </a:blip>
-          <a:srcRect/>
-          <a:stretch>
-            <a:fillRect/>
-          </a:stretch>
-        </p:blipFill>
-        <p:spPr bwMode="auto">
-          <a:xfrm>
-            <a:off x="8124601" y="5780419"/>
-            <a:ext cx="789655" cy="789655"/>
-          </a:xfrm>
-          <a:prstGeom prst="rect">
-            <a:avLst/>
-          </a:prstGeom>
-          <a:noFill/>
-          <a:extLst>
-            <a:ext uri="{909E8E84-426E-40DD-AFC4-6F175D3DCCD1}">
-              <a14:hiddenFill xmlns:a14="http://schemas.microsoft.com/office/drawing/2010/main">
-                <a:solidFill>
-                  <a:srgbClr val="FFFFFF"/>
-                </a:solidFill>
-              </a14:hiddenFill>
-            </a:ext>
-          </a:extLst>
-        </p:spPr>
-      </p:pic>
-      <p:cxnSp>
-        <p:nvCxnSpPr>
-          <p:cNvPr id="4" name="Straight Arrow Connector 3">
-            <a:extLst>
-              <a:ext uri="{FF2B5EF4-FFF2-40B4-BE49-F238E27FC236}">
-                <a16:creationId xmlns:a16="http://schemas.microsoft.com/office/drawing/2014/main" id="{B595E536-3DF7-4D6D-95A0-5D8F4B6CDFBA}"/>
-              </a:ext>
-            </a:extLst>
-          </p:cNvPr>
-          <p:cNvCxnSpPr>
-            <a:stCxn id="16" idx="2"/>
-            <a:endCxn id="17" idx="0"/>
-          </p:cNvCxnSpPr>
-          <p:nvPr/>
-        </p:nvCxnSpPr>
-        <p:spPr>
-          <a:xfrm>
-            <a:off x="8497824" y="3699407"/>
-            <a:ext cx="0" cy="364576"/>
-          </a:xfrm>
-          <a:prstGeom prst="straightConnector1">
-            <a:avLst/>
-          </a:prstGeom>
-          <a:ln w="38100">
-            <a:tailEnd type="triangle"/>
-          </a:ln>
-        </p:spPr>
-        <p:style>
-          <a:lnRef idx="1">
-            <a:schemeClr val="accent1"/>
-          </a:lnRef>
-          <a:fillRef idx="0">
-            <a:schemeClr val="accent1"/>
-          </a:fillRef>
-          <a:effectRef idx="0">
-            <a:schemeClr val="accent1"/>
-          </a:effectRef>
-          <a:fontRef idx="minor">
-            <a:schemeClr val="tx1"/>
-          </a:fontRef>
-        </p:style>
-      </p:cxnSp>
-      <p:cxnSp>
-        <p:nvCxnSpPr>
-          <p:cNvPr id="15" name="Straight Arrow Connector 14">
-            <a:extLst>
-              <a:ext uri="{FF2B5EF4-FFF2-40B4-BE49-F238E27FC236}">
-                <a16:creationId xmlns:a16="http://schemas.microsoft.com/office/drawing/2014/main" id="{DD1BE848-EF8E-4A88-AD11-5F466840E067}"/>
-              </a:ext>
-            </a:extLst>
-          </p:cNvPr>
-          <p:cNvCxnSpPr>
-            <a:cxnSpLocks/>
-            <a:stCxn id="17" idx="2"/>
-            <a:endCxn id="21" idx="0"/>
-          </p:cNvCxnSpPr>
-          <p:nvPr/>
-        </p:nvCxnSpPr>
-        <p:spPr>
-          <a:xfrm>
-            <a:off x="8497824" y="4697967"/>
-            <a:ext cx="18288" cy="474488"/>
-          </a:xfrm>
-          <a:prstGeom prst="straightConnector1">
-            <a:avLst/>
-          </a:prstGeom>
-          <a:ln w="38100">
-            <a:tailEnd type="triangle"/>
-          </a:ln>
-        </p:spPr>
-        <p:style>
-          <a:lnRef idx="1">
-            <a:schemeClr val="accent1"/>
-          </a:lnRef>
-          <a:fillRef idx="0">
-            <a:schemeClr val="accent1"/>
-          </a:fillRef>
-          <a:effectRef idx="0">
-            <a:schemeClr val="accent1"/>
-          </a:effectRef>
-          <a:fontRef idx="minor">
-            <a:schemeClr val="tx1"/>
-          </a:fontRef>
-        </p:style>
-      </p:cxnSp>
-      <p:cxnSp>
-        <p:nvCxnSpPr>
-          <p:cNvPr id="22" name="Straight Arrow Connector 21">
-            <a:extLst>
-              <a:ext uri="{FF2B5EF4-FFF2-40B4-BE49-F238E27FC236}">
-                <a16:creationId xmlns:a16="http://schemas.microsoft.com/office/drawing/2014/main" id="{29A6E4E9-7CB0-4D96-9C38-AA8A084C9D41}"/>
-              </a:ext>
-            </a:extLst>
-          </p:cNvPr>
-          <p:cNvCxnSpPr>
-            <a:cxnSpLocks/>
-            <a:stCxn id="6" idx="2"/>
-            <a:endCxn id="7" idx="0"/>
-          </p:cNvCxnSpPr>
-          <p:nvPr/>
-        </p:nvCxnSpPr>
-        <p:spPr>
-          <a:xfrm>
-            <a:off x="3553968" y="3745992"/>
-            <a:ext cx="0" cy="364576"/>
-          </a:xfrm>
-          <a:prstGeom prst="straightConnector1">
-            <a:avLst/>
-          </a:prstGeom>
-          <a:ln w="38100">
-            <a:tailEnd type="triangle"/>
-          </a:ln>
-        </p:spPr>
-        <p:style>
-          <a:lnRef idx="1">
-            <a:schemeClr val="accent1"/>
-          </a:lnRef>
-          <a:fillRef idx="0">
-            <a:schemeClr val="accent1"/>
-          </a:fillRef>
-          <a:effectRef idx="0">
-            <a:schemeClr val="accent1"/>
-          </a:effectRef>
-          <a:fontRef idx="minor">
-            <a:schemeClr val="tx1"/>
-          </a:fontRef>
-        </p:style>
-      </p:cxnSp>
-      <p:cxnSp>
-        <p:nvCxnSpPr>
-          <p:cNvPr id="25" name="Straight Arrow Connector 24">
-            <a:extLst>
-              <a:ext uri="{FF2B5EF4-FFF2-40B4-BE49-F238E27FC236}">
-                <a16:creationId xmlns:a16="http://schemas.microsoft.com/office/drawing/2014/main" id="{21DEB215-F5B4-479E-9371-71FA34E2436F}"/>
-              </a:ext>
-            </a:extLst>
-          </p:cNvPr>
-          <p:cNvCxnSpPr>
-            <a:cxnSpLocks/>
-            <a:stCxn id="7" idx="2"/>
-            <a:endCxn id="2052" idx="0"/>
-          </p:cNvCxnSpPr>
-          <p:nvPr/>
-        </p:nvCxnSpPr>
-        <p:spPr>
-          <a:xfrm flipH="1">
-            <a:off x="3011527" y="4744552"/>
-            <a:ext cx="542441" cy="598591"/>
-          </a:xfrm>
-          <a:prstGeom prst="straightConnector1">
-            <a:avLst/>
-          </a:prstGeom>
-          <a:ln w="38100">
-            <a:tailEnd type="triangle"/>
-          </a:ln>
-        </p:spPr>
-        <p:style>
-          <a:lnRef idx="1">
-            <a:schemeClr val="accent1"/>
-          </a:lnRef>
-          <a:fillRef idx="0">
-            <a:schemeClr val="accent1"/>
-          </a:fillRef>
-          <a:effectRef idx="0">
-            <a:schemeClr val="accent1"/>
-          </a:effectRef>
-          <a:fontRef idx="minor">
-            <a:schemeClr val="tx1"/>
-          </a:fontRef>
-        </p:style>
-      </p:cxnSp>
-      <p:cxnSp>
-        <p:nvCxnSpPr>
-          <p:cNvPr id="28" name="Straight Arrow Connector 27">
-            <a:extLst>
-              <a:ext uri="{FF2B5EF4-FFF2-40B4-BE49-F238E27FC236}">
-                <a16:creationId xmlns:a16="http://schemas.microsoft.com/office/drawing/2014/main" id="{9F01BF60-2D54-4641-8A7C-D28EAC34D4D8}"/>
-              </a:ext>
-            </a:extLst>
-          </p:cNvPr>
-          <p:cNvCxnSpPr>
-            <a:cxnSpLocks/>
-            <a:endCxn id="2050" idx="0"/>
-          </p:cNvCxnSpPr>
-          <p:nvPr/>
-        </p:nvCxnSpPr>
-        <p:spPr>
-          <a:xfrm>
-            <a:off x="3572256" y="4744552"/>
-            <a:ext cx="762000" cy="598592"/>
-          </a:xfrm>
-          <a:prstGeom prst="straightConnector1">
-            <a:avLst/>
-          </a:prstGeom>
-          <a:ln w="38100">
-            <a:tailEnd type="triangle"/>
-          </a:ln>
-        </p:spPr>
-        <p:style>
-          <a:lnRef idx="1">
-            <a:schemeClr val="accent1"/>
-          </a:lnRef>
-          <a:fillRef idx="0">
-            <a:schemeClr val="accent1"/>
-          </a:fillRef>
-          <a:effectRef idx="0">
-            <a:schemeClr val="accent1"/>
-          </a:effectRef>
-          <a:fontRef idx="minor">
-            <a:schemeClr val="tx1"/>
-          </a:fontRef>
-        </p:style>
-      </p:cxnSp>
-      <p:sp>
-        <p:nvSpPr>
-          <p:cNvPr id="27" name="TextBox 26">
-            <a:extLst>
-              <a:ext uri="{FF2B5EF4-FFF2-40B4-BE49-F238E27FC236}">
-                <a16:creationId xmlns:a16="http://schemas.microsoft.com/office/drawing/2014/main" id="{6A1F886E-A87F-4099-B880-15770B7C60B3}"/>
-              </a:ext>
-            </a:extLst>
-          </p:cNvPr>
-          <p:cNvSpPr txBox="1"/>
-          <p:nvPr/>
-        </p:nvSpPr>
-        <p:spPr>
-          <a:xfrm>
-            <a:off x="8816720" y="5942600"/>
-            <a:ext cx="1082308" cy="338554"/>
-          </a:xfrm>
-          <a:prstGeom prst="rect">
-            <a:avLst/>
-          </a:prstGeom>
-          <a:noFill/>
-        </p:spPr>
-        <p:txBody>
-          <a:bodyPr wrap="square" rtlCol="0">
-            <a:spAutoFit/>
-          </a:bodyPr>
-          <a:lstStyle/>
-          <a:p>
-            <a:r>
-              <a:rPr lang="en-US" sz="1600" dirty="0"/>
-              <a:t>Blockchain</a:t>
-            </a:r>
-          </a:p>
-        </p:txBody>
-      </p:sp>
-      <p:cxnSp>
-        <p:nvCxnSpPr>
-          <p:cNvPr id="33" name="Straight Arrow Connector 32">
-            <a:extLst>
-              <a:ext uri="{FF2B5EF4-FFF2-40B4-BE49-F238E27FC236}">
-                <a16:creationId xmlns:a16="http://schemas.microsoft.com/office/drawing/2014/main" id="{4ED94B98-5A58-4DCA-87E7-E777F8A97BF4}"/>
-              </a:ext>
-            </a:extLst>
-          </p:cNvPr>
-          <p:cNvCxnSpPr>
-            <a:cxnSpLocks/>
-          </p:cNvCxnSpPr>
-          <p:nvPr/>
-        </p:nvCxnSpPr>
-        <p:spPr>
-          <a:xfrm>
-            <a:off x="8497824" y="5654039"/>
-            <a:ext cx="18288" cy="288561"/>
-          </a:xfrm>
-          <a:prstGeom prst="straightConnector1">
-            <a:avLst/>
-          </a:prstGeom>
-          <a:ln w="38100">
-            <a:tailEnd type="triangle"/>
-          </a:ln>
-        </p:spPr>
-        <p:style>
-          <a:lnRef idx="1">
-            <a:schemeClr val="accent1"/>
-          </a:lnRef>
-          <a:fillRef idx="0">
-            <a:schemeClr val="accent1"/>
-          </a:fillRef>
-          <a:effectRef idx="0">
-            <a:schemeClr val="accent1"/>
-          </a:effectRef>
-          <a:fontRef idx="minor">
-            <a:schemeClr val="tx1"/>
-          </a:fontRef>
-        </p:style>
-      </p:cxnSp>
-      <p:pic>
-        <p:nvPicPr>
-          <p:cNvPr id="1030" name="Picture 6" descr="Image result for Web API icons">
-            <a:extLst>
-              <a:ext uri="{FF2B5EF4-FFF2-40B4-BE49-F238E27FC236}">
-                <a16:creationId xmlns:a16="http://schemas.microsoft.com/office/drawing/2014/main" id="{8A4DD7FB-6A8D-4922-A555-365B67A3F19F}"/>
-              </a:ext>
-            </a:extLst>
-          </p:cNvPr>
-          <p:cNvPicPr>
-            <a:picLocks noChangeAspect="1" noChangeArrowheads="1"/>
-          </p:cNvPicPr>
-          <p:nvPr/>
-        </p:nvPicPr>
-        <p:blipFill>
-          <a:blip r:embed="rId5" cstate="print">
-            <a:extLst>
-              <a:ext uri="{28A0092B-C50C-407E-A947-70E740481C1C}">
-                <a14:useLocalDpi xmlns:a14="http://schemas.microsoft.com/office/drawing/2010/main" val="0"/>
-              </a:ext>
-            </a:extLst>
-          </a:blip>
-          <a:srcRect/>
-          <a:stretch>
-            <a:fillRect/>
-          </a:stretch>
-        </p:blipFill>
-        <p:spPr bwMode="auto">
-          <a:xfrm>
-            <a:off x="8013875" y="3866869"/>
-            <a:ext cx="1028858" cy="1028858"/>
-          </a:xfrm>
-          <a:prstGeom prst="rect">
-            <a:avLst/>
-          </a:prstGeom>
-          <a:noFill/>
-          <a:extLst>
-            <a:ext uri="{909E8E84-426E-40DD-AFC4-6F175D3DCCD1}">
-              <a14:hiddenFill xmlns:a14="http://schemas.microsoft.com/office/drawing/2010/main">
-                <a:solidFill>
-                  <a:srgbClr val="FFFFFF"/>
-                </a:solidFill>
-              </a14:hiddenFill>
-            </a:ext>
-          </a:extLst>
-        </p:spPr>
-      </p:pic>
-      <p:pic>
-        <p:nvPicPr>
-          <p:cNvPr id="40" name="Picture 6" descr="Image result for Web API icons">
-            <a:extLst>
-              <a:ext uri="{FF2B5EF4-FFF2-40B4-BE49-F238E27FC236}">
-                <a16:creationId xmlns:a16="http://schemas.microsoft.com/office/drawing/2014/main" id="{58B544AE-E51A-4F0B-8744-35929D603DFF}"/>
-              </a:ext>
-            </a:extLst>
-          </p:cNvPr>
-          <p:cNvPicPr>
-            <a:picLocks noChangeAspect="1" noChangeArrowheads="1"/>
-          </p:cNvPicPr>
-          <p:nvPr/>
-        </p:nvPicPr>
-        <p:blipFill>
-          <a:blip r:embed="rId5" cstate="print">
-            <a:extLst>
-              <a:ext uri="{28A0092B-C50C-407E-A947-70E740481C1C}">
-                <a14:useLocalDpi xmlns:a14="http://schemas.microsoft.com/office/drawing/2010/main" val="0"/>
-              </a:ext>
-            </a:extLst>
-          </a:blip>
-          <a:srcRect/>
-          <a:stretch>
-            <a:fillRect/>
-          </a:stretch>
-        </p:blipFill>
-        <p:spPr bwMode="auto">
-          <a:xfrm>
-            <a:off x="3011526" y="3906353"/>
-            <a:ext cx="1028858" cy="1028858"/>
-          </a:xfrm>
-          <a:prstGeom prst="rect">
-            <a:avLst/>
-          </a:prstGeom>
-          <a:noFill/>
-          <a:extLst>
-            <a:ext uri="{909E8E84-426E-40DD-AFC4-6F175D3DCCD1}">
-              <a14:hiddenFill xmlns:a14="http://schemas.microsoft.com/office/drawing/2010/main">
-                <a:solidFill>
-                  <a:srgbClr val="FFFFFF"/>
-                </a:solidFill>
-              </a14:hiddenFill>
-            </a:ext>
-          </a:extLst>
-        </p:spPr>
-      </p:pic>
-      <p:sp>
-        <p:nvSpPr>
-          <p:cNvPr id="2051" name="TextBox 2050">
-            <a:extLst>
-              <a:ext uri="{FF2B5EF4-FFF2-40B4-BE49-F238E27FC236}">
-                <a16:creationId xmlns:a16="http://schemas.microsoft.com/office/drawing/2014/main" id="{F6EF2CBF-60CB-4FED-8C12-10D2C401611F}"/>
-              </a:ext>
-            </a:extLst>
-          </p:cNvPr>
-          <p:cNvSpPr txBox="1"/>
-          <p:nvPr/>
-        </p:nvSpPr>
-        <p:spPr>
-          <a:xfrm>
-            <a:off x="255920" y="3728889"/>
-            <a:ext cx="1906879" cy="707886"/>
-          </a:xfrm>
-          <a:prstGeom prst="rect">
-            <a:avLst/>
-          </a:prstGeom>
-          <a:noFill/>
-        </p:spPr>
-        <p:txBody>
-          <a:bodyPr wrap="square" rtlCol="0">
-            <a:spAutoFit/>
-          </a:bodyPr>
-          <a:lstStyle/>
-          <a:p>
-            <a:r>
-              <a:rPr lang="en-US" sz="2000" i="1" dirty="0"/>
-              <a:t>Traditional Web Applications</a:t>
-            </a:r>
-          </a:p>
-        </p:txBody>
-      </p:sp>
-      <p:sp>
-        <p:nvSpPr>
-          <p:cNvPr id="42" name="TextBox 41">
-            <a:extLst>
-              <a:ext uri="{FF2B5EF4-FFF2-40B4-BE49-F238E27FC236}">
-                <a16:creationId xmlns:a16="http://schemas.microsoft.com/office/drawing/2014/main" id="{2DFD3EF5-752C-4A6D-BDEC-E07341E4C0D0}"/>
-              </a:ext>
-            </a:extLst>
-          </p:cNvPr>
-          <p:cNvSpPr txBox="1"/>
-          <p:nvPr/>
-        </p:nvSpPr>
-        <p:spPr>
-          <a:xfrm>
-            <a:off x="10055936" y="3928280"/>
-            <a:ext cx="1906879" cy="707886"/>
-          </a:xfrm>
-          <a:prstGeom prst="rect">
-            <a:avLst/>
-          </a:prstGeom>
-          <a:noFill/>
-        </p:spPr>
-        <p:txBody>
-          <a:bodyPr wrap="square" rtlCol="0">
-            <a:spAutoFit/>
-          </a:bodyPr>
-          <a:lstStyle>
-            <a:defPPr>
-              <a:defRPr lang="en-US"/>
-            </a:defPPr>
-            <a:lvl1pPr>
-              <a:defRPr sz="2000" i="1"/>
-            </a:lvl1pPr>
-          </a:lstStyle>
-          <a:p>
-            <a:r>
-              <a:rPr lang="en-US" dirty="0"/>
-              <a:t>Decentralized</a:t>
-            </a:r>
-          </a:p>
-          <a:p>
-            <a:r>
-              <a:rPr lang="en-US" dirty="0"/>
-              <a:t>Applications</a:t>
-            </a:r>
-          </a:p>
-        </p:txBody>
-      </p:sp>
-      <p:cxnSp>
-        <p:nvCxnSpPr>
-          <p:cNvPr id="2054" name="Straight Connector 2053">
-            <a:extLst>
-              <a:ext uri="{FF2B5EF4-FFF2-40B4-BE49-F238E27FC236}">
-                <a16:creationId xmlns:a16="http://schemas.microsoft.com/office/drawing/2014/main" id="{9C8456F9-3BCD-4757-BCAB-E96726C06EB0}"/>
-              </a:ext>
-            </a:extLst>
-          </p:cNvPr>
-          <p:cNvCxnSpPr/>
-          <p:nvPr/>
-        </p:nvCxnSpPr>
-        <p:spPr>
-          <a:xfrm>
-            <a:off x="5949696" y="2677329"/>
-            <a:ext cx="0" cy="3918543"/>
-          </a:xfrm>
-          <a:prstGeom prst="line">
-            <a:avLst/>
-          </a:prstGeom>
-          <a:ln w="38100">
-            <a:prstDash val="sysDash"/>
-          </a:ln>
-        </p:spPr>
-        <p:style>
-          <a:lnRef idx="1">
-            <a:schemeClr val="accent1"/>
-          </a:lnRef>
-          <a:fillRef idx="0">
-            <a:schemeClr val="accent1"/>
-          </a:fillRef>
-          <a:effectRef idx="0">
-            <a:schemeClr val="accent1"/>
-          </a:effectRef>
-          <a:fontRef idx="minor">
-            <a:schemeClr val="tx1"/>
-          </a:fontRef>
-        </p:style>
-      </p:cxnSp>
-      <p:pic>
-        <p:nvPicPr>
-          <p:cNvPr id="1034" name="Picture 10" descr="Related image">
-            <a:extLst>
-              <a:ext uri="{FF2B5EF4-FFF2-40B4-BE49-F238E27FC236}">
-                <a16:creationId xmlns:a16="http://schemas.microsoft.com/office/drawing/2014/main" id="{E348A3B8-C6A8-40CF-A882-61131F89C9DF}"/>
-              </a:ext>
-            </a:extLst>
-          </p:cNvPr>
-          <p:cNvPicPr>
-            <a:picLocks noChangeAspect="1" noChangeArrowheads="1"/>
-          </p:cNvPicPr>
-          <p:nvPr/>
-        </p:nvPicPr>
-        <p:blipFill>
-          <a:blip r:embed="rId6" cstate="print">
-            <a:extLst>
-              <a:ext uri="{28A0092B-C50C-407E-A947-70E740481C1C}">
-                <a14:useLocalDpi xmlns:a14="http://schemas.microsoft.com/office/drawing/2010/main" val="0"/>
-              </a:ext>
-            </a:extLst>
-          </a:blip>
-          <a:srcRect/>
-          <a:stretch>
-            <a:fillRect/>
-          </a:stretch>
-        </p:blipFill>
-        <p:spPr bwMode="auto">
-          <a:xfrm>
-            <a:off x="2178200" y="3131787"/>
-            <a:ext cx="996535" cy="583907"/>
-          </a:xfrm>
-          <a:prstGeom prst="rect">
-            <a:avLst/>
-          </a:prstGeom>
-          <a:noFill/>
-          <a:extLst>
-            <a:ext uri="{909E8E84-426E-40DD-AFC4-6F175D3DCCD1}">
-              <a14:hiddenFill xmlns:a14="http://schemas.microsoft.com/office/drawing/2010/main">
-                <a:solidFill>
-                  <a:srgbClr val="FFFFFF"/>
-                </a:solidFill>
-              </a14:hiddenFill>
-            </a:ext>
-          </a:extLst>
-        </p:spPr>
-      </p:pic>
-      <p:pic>
-        <p:nvPicPr>
-          <p:cNvPr id="48" name="Picture 10" descr="Related image">
-            <a:extLst>
-              <a:ext uri="{FF2B5EF4-FFF2-40B4-BE49-F238E27FC236}">
-                <a16:creationId xmlns:a16="http://schemas.microsoft.com/office/drawing/2014/main" id="{2AB90FCC-B200-4709-81F5-BC6EFB64F83E}"/>
-              </a:ext>
-            </a:extLst>
-          </p:cNvPr>
-          <p:cNvPicPr>
-            <a:picLocks noChangeAspect="1" noChangeArrowheads="1"/>
-          </p:cNvPicPr>
-          <p:nvPr/>
-        </p:nvPicPr>
-        <p:blipFill>
-          <a:blip r:embed="rId6" cstate="print">
-            <a:extLst>
-              <a:ext uri="{28A0092B-C50C-407E-A947-70E740481C1C}">
-                <a14:useLocalDpi xmlns:a14="http://schemas.microsoft.com/office/drawing/2010/main" val="0"/>
-              </a:ext>
-            </a:extLst>
-          </a:blip>
-          <a:srcRect/>
-          <a:stretch>
-            <a:fillRect/>
-          </a:stretch>
-        </p:blipFill>
-        <p:spPr bwMode="auto">
-          <a:xfrm>
-            <a:off x="7150931" y="3078702"/>
-            <a:ext cx="996535" cy="583907"/>
-          </a:xfrm>
-          <a:prstGeom prst="rect">
-            <a:avLst/>
-          </a:prstGeom>
-          <a:noFill/>
-          <a:extLst>
-            <a:ext uri="{909E8E84-426E-40DD-AFC4-6F175D3DCCD1}">
-              <a14:hiddenFill xmlns:a14="http://schemas.microsoft.com/office/drawing/2010/main">
-                <a:solidFill>
-                  <a:srgbClr val="FFFFFF"/>
-                </a:solidFill>
-              </a14:hiddenFill>
-            </a:ext>
-          </a:extLst>
-        </p:spPr>
-      </p:pic>
-    </p:spTree>
-    <p:extLst>
-      <p:ext uri="{BB962C8B-B14F-4D97-AF65-F5344CB8AC3E}">
-        <p14:creationId xmlns:p14="http://schemas.microsoft.com/office/powerpoint/2010/main" val="2426859290"/>
-      </p:ext>
-    </p:extLst>
-  </p:cSld>
-  <p:clrMapOvr>
-    <a:masterClrMapping/>
-  </p:clrMapOvr>
-</p:sld>
-</file>
-
-<file path=ppt/slides/slide5.xml><?xml version="1.0" encoding="utf-8"?>
-<p:sld xmlns:a="http://schemas.openxmlformats.org/drawingml/2006/main" xmlns:r="http://schemas.openxmlformats.org/officeDocument/2006/relationships" xmlns:p="http://schemas.openxmlformats.org/presentationml/2006/main">
-  <p:cSld>
-    <p:spTree>
-      <p:nvGrpSpPr>
-        <p:cNvPr id="1" name=""/>
-        <p:cNvGrpSpPr/>
-        <p:nvPr/>
-      </p:nvGrpSpPr>
-      <p:grpSpPr>
-        <a:xfrm>
-          <a:off x="0" y="0"/>
-          <a:ext cx="0" cy="0"/>
-          <a:chOff x="0" y="0"/>
-          <a:chExt cx="0" cy="0"/>
-        </a:xfrm>
-      </p:grpSpPr>
-      <p:sp>
-        <p:nvSpPr>
-          <p:cNvPr id="3" name="Title 2">
-            <a:extLst>
-              <a:ext uri="{FF2B5EF4-FFF2-40B4-BE49-F238E27FC236}">
-                <a16:creationId xmlns:a16="http://schemas.microsoft.com/office/drawing/2014/main" id="{0B30A54D-CCF9-4454-8B39-632541823F06}"/>
-              </a:ext>
-            </a:extLst>
-          </p:cNvPr>
-          <p:cNvSpPr>
-            <a:spLocks noGrp="1"/>
-          </p:cNvSpPr>
-          <p:nvPr>
-            <p:ph type="title"/>
-          </p:nvPr>
-        </p:nvSpPr>
-        <p:spPr/>
-        <p:txBody>
-          <a:bodyPr/>
-          <a:lstStyle/>
-          <a:p>
-            <a:r>
-              <a:rPr lang="en-US" dirty="0"/>
-              <a:t>Smart Contracts</a:t>
-            </a:r>
-          </a:p>
-        </p:txBody>
-      </p:sp>
-      <p:sp>
-        <p:nvSpPr>
-          <p:cNvPr id="5" name="Content Placeholder 2">
-            <a:extLst>
-              <a:ext uri="{FF2B5EF4-FFF2-40B4-BE49-F238E27FC236}">
-                <a16:creationId xmlns:a16="http://schemas.microsoft.com/office/drawing/2014/main" id="{A185BF19-8BEF-4EA9-9F30-01345CD1DF6F}"/>
-              </a:ext>
-            </a:extLst>
-          </p:cNvPr>
-          <p:cNvSpPr>
-            <a:spLocks noGrp="1"/>
-          </p:cNvSpPr>
-          <p:nvPr>
-            <p:ph idx="1"/>
-          </p:nvPr>
-        </p:nvSpPr>
-        <p:spPr>
-          <a:xfrm>
-            <a:off x="252983" y="1913878"/>
-            <a:ext cx="6946469" cy="4486921"/>
-          </a:xfrm>
-        </p:spPr>
-        <p:txBody>
-          <a:bodyPr>
-            <a:noAutofit/>
-          </a:bodyPr>
-          <a:lstStyle/>
-          <a:p>
-            <a:pPr marL="0" indent="0" algn="just">
-              <a:buNone/>
-            </a:pPr>
-            <a:r>
-              <a:rPr lang="en-US" sz="2800" dirty="0"/>
-              <a:t>What are Smart contracts</a:t>
-            </a:r>
-          </a:p>
-          <a:p>
-            <a:pPr algn="just"/>
-            <a:r>
-              <a:rPr lang="en-US" sz="2000" dirty="0"/>
-              <a:t>Smart contracts are applications that run on the Ethereum network.</a:t>
-            </a:r>
-          </a:p>
-          <a:p>
-            <a:pPr algn="just"/>
-            <a:r>
-              <a:rPr lang="en-US" sz="2000" dirty="0"/>
-              <a:t>It is a computer program that implements and enforces business login for an application.</a:t>
-            </a:r>
-          </a:p>
-          <a:p>
-            <a:pPr algn="just"/>
-            <a:r>
-              <a:rPr lang="en-US" sz="2000" dirty="0"/>
-              <a:t>Similar to physical contract but its digital and is represented by program </a:t>
-            </a:r>
-          </a:p>
-          <a:p>
-            <a:pPr algn="just"/>
-            <a:r>
-              <a:rPr lang="en-US" sz="2000" dirty="0"/>
-              <a:t>Function calls that change the state of the contract are written to the blockchain.</a:t>
-            </a:r>
-          </a:p>
-          <a:p>
-            <a:pPr algn="just"/>
-            <a:r>
-              <a:rPr lang="en-US" sz="2000" dirty="0"/>
-              <a:t>Works on the principle of the IFTTT logic aka the </a:t>
-            </a:r>
-            <a:r>
-              <a:rPr lang="en-US" sz="2000" dirty="0">
-                <a:hlinkClick r:id="rId2">
-                  <a:extLst>
-                    <a:ext uri="{A12FA001-AC4F-418D-AE19-62706E023703}">
-                      <ahyp:hlinkClr xmlns:ahyp="http://schemas.microsoft.com/office/drawing/2018/hyperlinkcolor" val="tx"/>
-                    </a:ext>
-                  </a:extLst>
-                </a:hlinkClick>
-              </a:rPr>
-              <a:t>IF-THIS-THEN-THAT logic</a:t>
-            </a:r>
-            <a:r>
-              <a:rPr lang="en-US" sz="2000" dirty="0"/>
-              <a:t>. Basically, if the first set of instructions are done then execute the next function and after that the next until you reach the end of the contract.</a:t>
-            </a:r>
-          </a:p>
-          <a:p>
-            <a:pPr algn="just"/>
-            <a:endParaRPr lang="en-US" sz="2000" dirty="0"/>
-          </a:p>
-        </p:txBody>
-      </p:sp>
-      <p:pic>
-        <p:nvPicPr>
-          <p:cNvPr id="4098" name="Picture 2" descr="Image result for smart contracts">
-            <a:extLst>
-              <a:ext uri="{FF2B5EF4-FFF2-40B4-BE49-F238E27FC236}">
-                <a16:creationId xmlns:a16="http://schemas.microsoft.com/office/drawing/2014/main" id="{F7565D4F-8E6C-4A57-B09E-62180894F107}"/>
-              </a:ext>
-            </a:extLst>
-          </p:cNvPr>
-          <p:cNvPicPr>
-            <a:picLocks noChangeAspect="1" noChangeArrowheads="1"/>
-          </p:cNvPicPr>
-          <p:nvPr/>
-        </p:nvPicPr>
-        <p:blipFill>
-          <a:blip r:embed="rId3" cstate="print">
-            <a:extLst>
-              <a:ext uri="{28A0092B-C50C-407E-A947-70E740481C1C}">
-                <a14:useLocalDpi xmlns:a14="http://schemas.microsoft.com/office/drawing/2010/main" val="0"/>
-              </a:ext>
-            </a:extLst>
-          </a:blip>
-          <a:srcRect/>
-          <a:stretch>
-            <a:fillRect/>
-          </a:stretch>
-        </p:blipFill>
-        <p:spPr bwMode="auto">
-          <a:xfrm>
-            <a:off x="7330321" y="2465408"/>
-            <a:ext cx="4711568" cy="2650602"/>
-          </a:xfrm>
-          <a:prstGeom prst="rect">
-            <a:avLst/>
-          </a:prstGeom>
-          <a:noFill/>
-          <a:extLst>
-            <a:ext uri="{909E8E84-426E-40DD-AFC4-6F175D3DCCD1}">
-              <a14:hiddenFill xmlns:a14="http://schemas.microsoft.com/office/drawing/2010/main">
-                <a:solidFill>
-                  <a:srgbClr val="FFFFFF"/>
-                </a:solidFill>
-              </a14:hiddenFill>
-            </a:ext>
-          </a:extLst>
-        </p:spPr>
-      </p:pic>
-    </p:spTree>
-    <p:extLst>
-      <p:ext uri="{BB962C8B-B14F-4D97-AF65-F5344CB8AC3E}">
-        <p14:creationId xmlns:p14="http://schemas.microsoft.com/office/powerpoint/2010/main" val="26127237"/>
-      </p:ext>
-    </p:extLst>
-  </p:cSld>
-  <p:clrMapOvr>
-    <a:masterClrMapping/>
-  </p:clrMapOvr>
-</p:sld>
-</file>
-
-<file path=ppt/slides/slide6.xml><?xml version="1.0" encoding="utf-8"?>
-<p:sld xmlns:a="http://schemas.openxmlformats.org/drawingml/2006/main" xmlns:r="http://schemas.openxmlformats.org/officeDocument/2006/relationships" xmlns:p="http://schemas.openxmlformats.org/presentationml/2006/main">
-  <p:cSld>
-    <p:spTree>
-      <p:nvGrpSpPr>
-        <p:cNvPr id="1" name=""/>
-        <p:cNvGrpSpPr/>
-        <p:nvPr/>
-      </p:nvGrpSpPr>
-      <p:grpSpPr>
-        <a:xfrm>
-          <a:off x="0" y="0"/>
-          <a:ext cx="0" cy="0"/>
-          <a:chOff x="0" y="0"/>
-          <a:chExt cx="0" cy="0"/>
-        </a:xfrm>
-      </p:grpSpPr>
-      <p:sp>
-        <p:nvSpPr>
-          <p:cNvPr id="7" name="Rectangle 6">
-            <a:extLst>
-              <a:ext uri="{FF2B5EF4-FFF2-40B4-BE49-F238E27FC236}">
-                <a16:creationId xmlns:a16="http://schemas.microsoft.com/office/drawing/2014/main" id="{02A245AD-4595-4AED-9F58-50AFA566F429}"/>
-              </a:ext>
-            </a:extLst>
-          </p:cNvPr>
-          <p:cNvSpPr/>
-          <p:nvPr/>
-        </p:nvSpPr>
-        <p:spPr>
-          <a:xfrm>
-            <a:off x="256032" y="2084832"/>
-            <a:ext cx="5462016" cy="1709927"/>
-          </a:xfrm>
-          <a:prstGeom prst="rect">
-            <a:avLst/>
-          </a:prstGeom>
-        </p:spPr>
-        <p:style>
-          <a:lnRef idx="2">
-            <a:schemeClr val="accent1">
-              <a:shade val="50000"/>
-            </a:schemeClr>
-          </a:lnRef>
-          <a:fillRef idx="1">
-            <a:schemeClr val="accent1"/>
-          </a:fillRef>
-          <a:effectRef idx="0">
-            <a:schemeClr val="accent1"/>
-          </a:effectRef>
-          <a:fontRef idx="minor">
-            <a:schemeClr val="lt1"/>
-          </a:fontRef>
-        </p:style>
-        <p:txBody>
-          <a:bodyPr rtlCol="0" anchor="ctr"/>
-          <a:lstStyle/>
-          <a:p>
-            <a:pPr algn="ctr"/>
-            <a:endParaRPr lang="en-US"/>
-          </a:p>
-        </p:txBody>
-      </p:sp>
-      <p:sp>
-        <p:nvSpPr>
-          <p:cNvPr id="3" name="Title 2">
-            <a:extLst>
-              <a:ext uri="{FF2B5EF4-FFF2-40B4-BE49-F238E27FC236}">
-                <a16:creationId xmlns:a16="http://schemas.microsoft.com/office/drawing/2014/main" id="{F29CA3E4-23AC-4378-B05B-C160D84E479C}"/>
-              </a:ext>
-            </a:extLst>
-          </p:cNvPr>
-          <p:cNvSpPr>
-            <a:spLocks noGrp="1"/>
-          </p:cNvSpPr>
-          <p:nvPr>
-            <p:ph type="title"/>
-          </p:nvPr>
-        </p:nvSpPr>
-        <p:spPr/>
-        <p:txBody>
-          <a:bodyPr>
-            <a:normAutofit fontScale="90000"/>
-          </a:bodyPr>
-          <a:lstStyle/>
-          <a:p>
-            <a:r>
-              <a:rPr lang="en-US" dirty="0"/>
-              <a:t>Smart Contract Platforms </a:t>
-            </a:r>
-            <a:br>
-              <a:rPr lang="en-US" dirty="0"/>
-            </a:br>
-            <a:r>
-              <a:rPr lang="en-US" dirty="0"/>
-              <a:t>OPTIONS</a:t>
-            </a:r>
-          </a:p>
-        </p:txBody>
-      </p:sp>
-      <p:pic>
-        <p:nvPicPr>
-          <p:cNvPr id="1026" name="Picture 2" descr="Image result for quorum blockchain logo">
-            <a:extLst>
-              <a:ext uri="{FF2B5EF4-FFF2-40B4-BE49-F238E27FC236}">
-                <a16:creationId xmlns:a16="http://schemas.microsoft.com/office/drawing/2014/main" id="{3F714D0B-A332-45EF-A850-CF8106F4166C}"/>
-              </a:ext>
-            </a:extLst>
-          </p:cNvPr>
-          <p:cNvPicPr>
-            <a:picLocks noChangeAspect="1" noChangeArrowheads="1"/>
-          </p:cNvPicPr>
-          <p:nvPr/>
-        </p:nvPicPr>
-        <p:blipFill>
-          <a:blip r:embed="rId3">
-            <a:extLst>
-              <a:ext uri="{28A0092B-C50C-407E-A947-70E740481C1C}">
-                <a14:useLocalDpi xmlns:a14="http://schemas.microsoft.com/office/drawing/2010/main" val="0"/>
-              </a:ext>
-            </a:extLst>
-          </a:blip>
-          <a:srcRect/>
-          <a:stretch>
-            <a:fillRect/>
-          </a:stretch>
-        </p:blipFill>
-        <p:spPr bwMode="auto">
-          <a:xfrm>
-            <a:off x="256032" y="2079800"/>
-            <a:ext cx="1709927" cy="1709927"/>
-          </a:xfrm>
-          <a:prstGeom prst="rect">
-            <a:avLst/>
-          </a:prstGeom>
-          <a:noFill/>
-          <a:ln>
-            <a:solidFill>
-              <a:schemeClr val="tx1"/>
-            </a:solidFill>
-          </a:ln>
-          <a:extLst>
-            <a:ext uri="{909E8E84-426E-40DD-AFC4-6F175D3DCCD1}">
-              <a14:hiddenFill xmlns:a14="http://schemas.microsoft.com/office/drawing/2010/main">
-                <a:solidFill>
-                  <a:srgbClr val="FFFFFF"/>
-                </a:solidFill>
-              </a14:hiddenFill>
-            </a:ext>
-          </a:extLst>
-        </p:spPr>
-      </p:pic>
-      <p:sp>
-        <p:nvSpPr>
-          <p:cNvPr id="6" name="Rectangle 5">
-            <a:extLst>
-              <a:ext uri="{FF2B5EF4-FFF2-40B4-BE49-F238E27FC236}">
-                <a16:creationId xmlns:a16="http://schemas.microsoft.com/office/drawing/2014/main" id="{44C74AED-4A82-4507-A915-9FB4BC38E77F}"/>
-              </a:ext>
-            </a:extLst>
-          </p:cNvPr>
-          <p:cNvSpPr/>
-          <p:nvPr/>
-        </p:nvSpPr>
-        <p:spPr>
-          <a:xfrm>
-            <a:off x="2025395" y="2103703"/>
-            <a:ext cx="3633216" cy="1200329"/>
-          </a:xfrm>
-          <a:prstGeom prst="rect">
-            <a:avLst/>
-          </a:prstGeom>
-        </p:spPr>
-        <p:txBody>
-          <a:bodyPr wrap="square">
-            <a:spAutoFit/>
-          </a:bodyPr>
-          <a:lstStyle/>
-          <a:p>
-            <a:pPr algn="just"/>
-            <a:r>
-              <a:rPr lang="en-US" b="1" dirty="0">
-                <a:solidFill>
-                  <a:schemeClr val="bg1"/>
-                </a:solidFill>
-              </a:rPr>
-              <a:t>Quorum</a:t>
-            </a:r>
-            <a:r>
-              <a:rPr lang="en-US" dirty="0">
-                <a:solidFill>
-                  <a:schemeClr val="bg1"/>
-                </a:solidFill>
-              </a:rPr>
-              <a:t> – Fork of Ethereum, enterprise focused version of Ethereum. Backed by JP Morgan chase.  </a:t>
-            </a:r>
-          </a:p>
-        </p:txBody>
-      </p:sp>
-      <p:sp>
-        <p:nvSpPr>
-          <p:cNvPr id="9" name="Rectangle 8">
-            <a:extLst>
-              <a:ext uri="{FF2B5EF4-FFF2-40B4-BE49-F238E27FC236}">
-                <a16:creationId xmlns:a16="http://schemas.microsoft.com/office/drawing/2014/main" id="{CF8E8C4D-0614-435F-82F0-F324B879838A}"/>
-              </a:ext>
-            </a:extLst>
-          </p:cNvPr>
-          <p:cNvSpPr/>
-          <p:nvPr/>
-        </p:nvSpPr>
-        <p:spPr>
-          <a:xfrm>
-            <a:off x="6187440" y="2084832"/>
-            <a:ext cx="5541264" cy="1709927"/>
-          </a:xfrm>
-          <a:prstGeom prst="rect">
-            <a:avLst/>
-          </a:prstGeom>
-        </p:spPr>
-        <p:style>
-          <a:lnRef idx="2">
-            <a:schemeClr val="accent1">
-              <a:shade val="50000"/>
-            </a:schemeClr>
-          </a:lnRef>
-          <a:fillRef idx="1">
-            <a:schemeClr val="accent1"/>
-          </a:fillRef>
-          <a:effectRef idx="0">
-            <a:schemeClr val="accent1"/>
-          </a:effectRef>
-          <a:fontRef idx="minor">
-            <a:schemeClr val="lt1"/>
-          </a:fontRef>
-        </p:style>
-        <p:txBody>
-          <a:bodyPr rtlCol="0" anchor="ctr"/>
-          <a:lstStyle/>
-          <a:p>
-            <a:pPr algn="ctr"/>
-            <a:endParaRPr lang="en-US"/>
-          </a:p>
-        </p:txBody>
-      </p:sp>
-      <p:sp>
-        <p:nvSpPr>
-          <p:cNvPr id="11" name="Rectangle 10">
-            <a:extLst>
-              <a:ext uri="{FF2B5EF4-FFF2-40B4-BE49-F238E27FC236}">
-                <a16:creationId xmlns:a16="http://schemas.microsoft.com/office/drawing/2014/main" id="{5DF9EE21-4924-497C-BE4B-93F7B7E4765F}"/>
-              </a:ext>
-            </a:extLst>
-          </p:cNvPr>
-          <p:cNvSpPr/>
-          <p:nvPr/>
-        </p:nvSpPr>
-        <p:spPr>
-          <a:xfrm>
-            <a:off x="8205173" y="2103703"/>
-            <a:ext cx="3523531" cy="1754326"/>
-          </a:xfrm>
-          <a:prstGeom prst="rect">
-            <a:avLst/>
-          </a:prstGeom>
-        </p:spPr>
-        <p:txBody>
-          <a:bodyPr wrap="square">
-            <a:spAutoFit/>
-          </a:bodyPr>
-          <a:lstStyle/>
-          <a:p>
-            <a:pPr algn="just"/>
-            <a:r>
-              <a:rPr lang="en-US" b="1" dirty="0" err="1">
-                <a:solidFill>
-                  <a:schemeClr val="bg1"/>
-                </a:solidFill>
-              </a:rPr>
-              <a:t>Stratis</a:t>
-            </a:r>
-            <a:r>
-              <a:rPr lang="en-US" dirty="0">
-                <a:solidFill>
-                  <a:schemeClr val="bg1"/>
-                </a:solidFill>
-              </a:rPr>
-              <a:t> – More inclined towards C# and .NET ecosystem, you can write smart contracts in C#. In very early stages not that mature.</a:t>
-            </a:r>
-          </a:p>
-          <a:p>
-            <a:pPr algn="just"/>
-            <a:endParaRPr lang="en-US" dirty="0"/>
-          </a:p>
-          <a:p>
-            <a:pPr algn="just"/>
-            <a:endParaRPr lang="en-US" dirty="0">
-              <a:solidFill>
-                <a:schemeClr val="bg1"/>
-              </a:solidFill>
-            </a:endParaRPr>
-          </a:p>
-        </p:txBody>
-      </p:sp>
-      <p:pic>
-        <p:nvPicPr>
-          <p:cNvPr id="1030" name="Picture 6" descr="Image result for Stratis C# blockchain">
-            <a:extLst>
-              <a:ext uri="{FF2B5EF4-FFF2-40B4-BE49-F238E27FC236}">
-                <a16:creationId xmlns:a16="http://schemas.microsoft.com/office/drawing/2014/main" id="{BEA23515-3CDD-464E-B0B9-03F349FF2FF0}"/>
-              </a:ext>
-            </a:extLst>
-          </p:cNvPr>
-          <p:cNvPicPr>
-            <a:picLocks noChangeAspect="1" noChangeArrowheads="1"/>
-          </p:cNvPicPr>
-          <p:nvPr/>
-        </p:nvPicPr>
-        <p:blipFill>
-          <a:blip r:embed="rId4" cstate="print">
-            <a:extLst>
-              <a:ext uri="{28A0092B-C50C-407E-A947-70E740481C1C}">
-                <a14:useLocalDpi xmlns:a14="http://schemas.microsoft.com/office/drawing/2010/main" val="0"/>
-              </a:ext>
-            </a:extLst>
-          </a:blip>
-          <a:srcRect/>
-          <a:stretch>
-            <a:fillRect/>
-          </a:stretch>
-        </p:blipFill>
-        <p:spPr bwMode="auto">
-          <a:xfrm>
-            <a:off x="6187440" y="2121407"/>
-            <a:ext cx="2029968" cy="1668319"/>
-          </a:xfrm>
-          <a:prstGeom prst="rect">
-            <a:avLst/>
-          </a:prstGeom>
-          <a:noFill/>
-          <a:extLst>
-            <a:ext uri="{909E8E84-426E-40DD-AFC4-6F175D3DCCD1}">
-              <a14:hiddenFill xmlns:a14="http://schemas.microsoft.com/office/drawing/2010/main">
-                <a:solidFill>
-                  <a:srgbClr val="FFFFFF"/>
-                </a:solidFill>
-              </a14:hiddenFill>
-            </a:ext>
-          </a:extLst>
-        </p:spPr>
-      </p:pic>
-      <p:sp>
-        <p:nvSpPr>
-          <p:cNvPr id="14" name="Rectangle 13">
-            <a:extLst>
-              <a:ext uri="{FF2B5EF4-FFF2-40B4-BE49-F238E27FC236}">
-                <a16:creationId xmlns:a16="http://schemas.microsoft.com/office/drawing/2014/main" id="{511C7E8B-5F83-4705-A292-CC42EA663DBC}"/>
-              </a:ext>
-            </a:extLst>
-          </p:cNvPr>
-          <p:cNvSpPr/>
-          <p:nvPr/>
-        </p:nvSpPr>
-        <p:spPr>
-          <a:xfrm>
-            <a:off x="256032" y="4273296"/>
-            <a:ext cx="5462016" cy="1709927"/>
-          </a:xfrm>
-          <a:prstGeom prst="rect">
-            <a:avLst/>
-          </a:prstGeom>
-        </p:spPr>
-        <p:style>
-          <a:lnRef idx="2">
-            <a:schemeClr val="accent1">
-              <a:shade val="50000"/>
-            </a:schemeClr>
-          </a:lnRef>
-          <a:fillRef idx="1">
-            <a:schemeClr val="accent1"/>
-          </a:fillRef>
-          <a:effectRef idx="0">
-            <a:schemeClr val="accent1"/>
-          </a:effectRef>
-          <a:fontRef idx="minor">
-            <a:schemeClr val="lt1"/>
-          </a:fontRef>
-        </p:style>
-        <p:txBody>
-          <a:bodyPr rtlCol="0" anchor="ctr"/>
-          <a:lstStyle/>
-          <a:p>
-            <a:pPr algn="ctr"/>
-            <a:endParaRPr lang="en-US"/>
-          </a:p>
-        </p:txBody>
-      </p:sp>
-      <p:sp>
-        <p:nvSpPr>
-          <p:cNvPr id="16" name="Rectangle 15">
-            <a:extLst>
-              <a:ext uri="{FF2B5EF4-FFF2-40B4-BE49-F238E27FC236}">
-                <a16:creationId xmlns:a16="http://schemas.microsoft.com/office/drawing/2014/main" id="{1A478BE3-EACD-47DF-8FD4-A2A742B57E36}"/>
-              </a:ext>
-            </a:extLst>
-          </p:cNvPr>
-          <p:cNvSpPr/>
-          <p:nvPr/>
-        </p:nvSpPr>
-        <p:spPr>
-          <a:xfrm>
-            <a:off x="2121407" y="4292167"/>
-            <a:ext cx="3537203" cy="923330"/>
-          </a:xfrm>
-          <a:prstGeom prst="rect">
-            <a:avLst/>
-          </a:prstGeom>
-        </p:spPr>
-        <p:txBody>
-          <a:bodyPr wrap="square">
-            <a:spAutoFit/>
-          </a:bodyPr>
-          <a:lstStyle/>
-          <a:p>
-            <a:pPr algn="just"/>
-            <a:r>
-              <a:rPr lang="en-US" dirty="0">
-                <a:solidFill>
-                  <a:schemeClr val="bg1"/>
-                </a:solidFill>
-              </a:rPr>
-              <a:t>Supported by the Ethereum Foundation and a large community of developers worldwide.</a:t>
-            </a:r>
-          </a:p>
-        </p:txBody>
-      </p:sp>
-      <p:pic>
-        <p:nvPicPr>
-          <p:cNvPr id="1032" name="Picture 8" descr="Image result for Ethereum blockchain">
-            <a:extLst>
-              <a:ext uri="{FF2B5EF4-FFF2-40B4-BE49-F238E27FC236}">
-                <a16:creationId xmlns:a16="http://schemas.microsoft.com/office/drawing/2014/main" id="{311E1831-B8CE-4C1F-87DF-A19A432771DB}"/>
-              </a:ext>
-            </a:extLst>
-          </p:cNvPr>
-          <p:cNvPicPr>
-            <a:picLocks noChangeAspect="1" noChangeArrowheads="1"/>
-          </p:cNvPicPr>
-          <p:nvPr/>
-        </p:nvPicPr>
-        <p:blipFill>
-          <a:blip r:embed="rId5">
-            <a:extLst>
-              <a:ext uri="{28A0092B-C50C-407E-A947-70E740481C1C}">
-                <a14:useLocalDpi xmlns:a14="http://schemas.microsoft.com/office/drawing/2010/main" val="0"/>
-              </a:ext>
-            </a:extLst>
-          </a:blip>
-          <a:srcRect/>
-          <a:stretch>
-            <a:fillRect/>
-          </a:stretch>
-        </p:blipFill>
-        <p:spPr bwMode="auto">
-          <a:xfrm>
-            <a:off x="256034" y="4279976"/>
-            <a:ext cx="1865374" cy="1709926"/>
-          </a:xfrm>
-          <a:prstGeom prst="rect">
-            <a:avLst/>
-          </a:prstGeom>
-          <a:noFill/>
-          <a:ln>
-            <a:solidFill>
-              <a:schemeClr val="tx1"/>
-            </a:solidFill>
-          </a:ln>
-          <a:extLst>
-            <a:ext uri="{909E8E84-426E-40DD-AFC4-6F175D3DCCD1}">
-              <a14:hiddenFill xmlns:a14="http://schemas.microsoft.com/office/drawing/2010/main">
-                <a:solidFill>
-                  <a:srgbClr val="FFFFFF"/>
-                </a:solidFill>
-              </a14:hiddenFill>
-            </a:ext>
-          </a:extLst>
-        </p:spPr>
-      </p:pic>
-      <p:sp>
-        <p:nvSpPr>
-          <p:cNvPr id="18" name="Rectangle 17">
-            <a:extLst>
-              <a:ext uri="{FF2B5EF4-FFF2-40B4-BE49-F238E27FC236}">
-                <a16:creationId xmlns:a16="http://schemas.microsoft.com/office/drawing/2014/main" id="{28F20620-1AA3-4F25-AE51-367DAEDE8859}"/>
-              </a:ext>
-            </a:extLst>
-          </p:cNvPr>
-          <p:cNvSpPr/>
-          <p:nvPr/>
-        </p:nvSpPr>
-        <p:spPr>
-          <a:xfrm>
-            <a:off x="6187440" y="4273295"/>
-            <a:ext cx="5541264" cy="1709927"/>
-          </a:xfrm>
-          <a:prstGeom prst="rect">
-            <a:avLst/>
-          </a:prstGeom>
-        </p:spPr>
-        <p:style>
-          <a:lnRef idx="2">
-            <a:schemeClr val="accent1">
-              <a:shade val="50000"/>
-            </a:schemeClr>
-          </a:lnRef>
-          <a:fillRef idx="1">
-            <a:schemeClr val="accent1"/>
-          </a:fillRef>
-          <a:effectRef idx="0">
-            <a:schemeClr val="accent1"/>
-          </a:effectRef>
-          <a:fontRef idx="minor">
-            <a:schemeClr val="lt1"/>
-          </a:fontRef>
-        </p:style>
-        <p:txBody>
-          <a:bodyPr rtlCol="0" anchor="ctr"/>
-          <a:lstStyle/>
-          <a:p>
-            <a:pPr marL="285750" indent="-285750">
-              <a:buFont typeface="Arial" panose="020B0604020202020204" pitchFamily="34" charset="0"/>
-              <a:buChar char="•"/>
-            </a:pPr>
-            <a:endParaRPr lang="en-US" dirty="0"/>
-          </a:p>
-        </p:txBody>
-      </p:sp>
-      <p:pic>
-        <p:nvPicPr>
-          <p:cNvPr id="2" name="Picture 2" descr="Image result for hyperledger fabric icon">
-            <a:extLst>
-              <a:ext uri="{FF2B5EF4-FFF2-40B4-BE49-F238E27FC236}">
-                <a16:creationId xmlns:a16="http://schemas.microsoft.com/office/drawing/2014/main" id="{BCD67F5A-79D6-41B9-A7A8-23E2F40B76AD}"/>
-              </a:ext>
-            </a:extLst>
-          </p:cNvPr>
-          <p:cNvPicPr>
-            <a:picLocks noChangeAspect="1" noChangeArrowheads="1"/>
-          </p:cNvPicPr>
-          <p:nvPr/>
-        </p:nvPicPr>
-        <p:blipFill>
-          <a:blip r:embed="rId6" cstate="print">
-            <a:extLst>
-              <a:ext uri="{28A0092B-C50C-407E-A947-70E740481C1C}">
-                <a14:useLocalDpi xmlns:a14="http://schemas.microsoft.com/office/drawing/2010/main" val="0"/>
-              </a:ext>
-            </a:extLst>
-          </a:blip>
-          <a:srcRect/>
-          <a:stretch>
-            <a:fillRect/>
-          </a:stretch>
-        </p:blipFill>
-        <p:spPr bwMode="auto">
-          <a:xfrm>
-            <a:off x="6187439" y="4280454"/>
-            <a:ext cx="2676874" cy="1709927"/>
-          </a:xfrm>
-          <a:prstGeom prst="rect">
-            <a:avLst/>
-          </a:prstGeom>
-          <a:solidFill>
-            <a:schemeClr val="bg1"/>
-          </a:solidFill>
-          <a:ln>
-            <a:solidFill>
-              <a:schemeClr val="tx1"/>
-            </a:solidFill>
-          </a:ln>
-        </p:spPr>
-      </p:pic>
-      <p:sp>
-        <p:nvSpPr>
-          <p:cNvPr id="4" name="TextBox 3">
-            <a:extLst>
-              <a:ext uri="{FF2B5EF4-FFF2-40B4-BE49-F238E27FC236}">
-                <a16:creationId xmlns:a16="http://schemas.microsoft.com/office/drawing/2014/main" id="{4EFC7C79-5FB1-487B-B01B-F6CE86BD0702}"/>
-              </a:ext>
-            </a:extLst>
-          </p:cNvPr>
-          <p:cNvSpPr txBox="1"/>
-          <p:nvPr/>
-        </p:nvSpPr>
-        <p:spPr>
-          <a:xfrm>
-            <a:off x="8958072" y="4384500"/>
-            <a:ext cx="2676874" cy="923330"/>
-          </a:xfrm>
-          <a:prstGeom prst="rect">
-            <a:avLst/>
-          </a:prstGeom>
-          <a:noFill/>
-        </p:spPr>
-        <p:txBody>
-          <a:bodyPr wrap="square" rtlCol="0">
-            <a:spAutoFit/>
-          </a:bodyPr>
-          <a:lstStyle/>
-          <a:p>
-            <a:r>
-              <a:rPr lang="en-US" dirty="0">
-                <a:solidFill>
-                  <a:schemeClr val="bg1"/>
-                </a:solidFill>
-              </a:rPr>
-              <a:t>Supported By IBM, development tools with Java and Node.JS </a:t>
-            </a:r>
-          </a:p>
-        </p:txBody>
-      </p:sp>
-    </p:spTree>
-    <p:extLst>
-      <p:ext uri="{BB962C8B-B14F-4D97-AF65-F5344CB8AC3E}">
-        <p14:creationId xmlns:p14="http://schemas.microsoft.com/office/powerpoint/2010/main" val="1459417111"/>
-      </p:ext>
-    </p:extLst>
-  </p:cSld>
-  <p:clrMapOvr>
-    <a:masterClrMapping/>
-  </p:clrMapOvr>
-</p:sld>
-</file>
-
-<file path=ppt/slides/slide7.xml><?xml version="1.0" encoding="utf-8"?>
-<p:sld xmlns:a="http://schemas.openxmlformats.org/drawingml/2006/main" xmlns:r="http://schemas.openxmlformats.org/officeDocument/2006/relationships" xmlns:p="http://schemas.openxmlformats.org/presentationml/2006/main">
-  <p:cSld>
-    <p:spTree>
-      <p:nvGrpSpPr>
-        <p:cNvPr id="1" name=""/>
-        <p:cNvGrpSpPr/>
-        <p:nvPr/>
-      </p:nvGrpSpPr>
-      <p:grpSpPr>
-        <a:xfrm>
-          <a:off x="0" y="0"/>
-          <a:ext cx="0" cy="0"/>
-          <a:chOff x="0" y="0"/>
-          <a:chExt cx="0" cy="0"/>
-        </a:xfrm>
-      </p:grpSpPr>
-      <p:sp>
-        <p:nvSpPr>
-          <p:cNvPr id="6" name="Slide Number Placeholder 5"/>
-          <p:cNvSpPr>
-            <a:spLocks noGrp="1"/>
-          </p:cNvSpPr>
-          <p:nvPr>
-            <p:ph type="sldNum" sz="quarter" idx="12"/>
-          </p:nvPr>
-        </p:nvSpPr>
-        <p:spPr/>
-        <p:txBody>
-          <a:bodyPr/>
-          <a:lstStyle/>
-          <a:p>
-            <a:fld id="{0FA269BB-9CF1-436E-9ADF-E46804694E4E}" type="slidenum">
-              <a:rPr lang="en-US" smtClean="0"/>
-              <a:t>7</a:t>
-            </a:fld>
-            <a:endParaRPr lang="en-US"/>
-          </a:p>
-        </p:txBody>
-      </p:sp>
-      <p:sp>
-        <p:nvSpPr>
-          <p:cNvPr id="2" name="Title 1"/>
-          <p:cNvSpPr>
-            <a:spLocks noGrp="1"/>
-          </p:cNvSpPr>
-          <p:nvPr>
-            <p:ph type="title"/>
-          </p:nvPr>
-        </p:nvSpPr>
-        <p:spPr/>
-        <p:txBody>
-          <a:bodyPr/>
-          <a:lstStyle/>
-          <a:p>
-            <a:r>
-              <a:rPr lang="en-US" dirty="0"/>
-              <a:t>Dev tools</a:t>
-            </a:r>
-          </a:p>
-        </p:txBody>
-      </p:sp>
-      <p:sp>
-        <p:nvSpPr>
-          <p:cNvPr id="12" name="Content Placeholder 2">
-            <a:extLst>
-              <a:ext uri="{FF2B5EF4-FFF2-40B4-BE49-F238E27FC236}">
-                <a16:creationId xmlns:a16="http://schemas.microsoft.com/office/drawing/2014/main" id="{73EE1E34-AA80-4D48-9F43-0D297FCECEC2}"/>
-              </a:ext>
-            </a:extLst>
-          </p:cNvPr>
-          <p:cNvSpPr>
-            <a:spLocks noGrp="1"/>
-          </p:cNvSpPr>
-          <p:nvPr>
-            <p:ph idx="1"/>
-          </p:nvPr>
-        </p:nvSpPr>
-        <p:spPr>
-          <a:xfrm>
-            <a:off x="252984" y="2133334"/>
-            <a:ext cx="8439603" cy="4074425"/>
-          </a:xfrm>
-        </p:spPr>
-        <p:txBody>
-          <a:bodyPr>
-            <a:noAutofit/>
-          </a:bodyPr>
-          <a:lstStyle/>
-          <a:p>
-            <a:pPr marL="0" indent="0" algn="just">
-              <a:buNone/>
-            </a:pPr>
-            <a:r>
               <a:rPr lang="en-US" sz="2000" dirty="0"/>
               <a:t>Ethereum Nodes</a:t>
             </a:r>
@@ -14532,15 +15172,7 @@
             </a:pPr>
             <a:r>
               <a:rPr lang="en-US" sz="2000" dirty="0"/>
-              <a:t>Solidity (Contract oriented </a:t>
-            </a:r>
-            <a:r>
-              <a:rPr lang="en-US" sz="2000" dirty="0" err="1"/>
-              <a:t>progamming</a:t>
-            </a:r>
-            <a:r>
-              <a:rPr lang="en-US" sz="2000" dirty="0"/>
-              <a:t> language for writing smart contract)</a:t>
+              <a:t>Solidity (Contract oriented programming language for writing smart contract)</a:t>
             </a:r>
           </a:p>
           <a:p>
@@ -14643,349 +15275,6 @@
     <p:extLst>
       <p:ext uri="{BB962C8B-B14F-4D97-AF65-F5344CB8AC3E}">
         <p14:creationId xmlns:p14="http://schemas.microsoft.com/office/powerpoint/2010/main" val="2520003504"/>
-      </p:ext>
-    </p:extLst>
-  </p:cSld>
-  <p:clrMapOvr>
-    <a:masterClrMapping/>
-  </p:clrMapOvr>
-</p:sld>
-</file>
-
-<file path=ppt/slides/slide8.xml><?xml version="1.0" encoding="utf-8"?>
-<p:sld xmlns:a="http://schemas.openxmlformats.org/drawingml/2006/main" xmlns:r="http://schemas.openxmlformats.org/officeDocument/2006/relationships" xmlns:p="http://schemas.openxmlformats.org/presentationml/2006/main">
-  <p:cSld>
-    <p:spTree>
-      <p:nvGrpSpPr>
-        <p:cNvPr id="1" name=""/>
-        <p:cNvGrpSpPr/>
-        <p:nvPr/>
-      </p:nvGrpSpPr>
-      <p:grpSpPr>
-        <a:xfrm>
-          <a:off x="0" y="0"/>
-          <a:ext cx="0" cy="0"/>
-          <a:chOff x="0" y="0"/>
-          <a:chExt cx="0" cy="0"/>
-        </a:xfrm>
-      </p:grpSpPr>
-      <p:sp>
-        <p:nvSpPr>
-          <p:cNvPr id="3" name="Title 2">
-            <a:extLst>
-              <a:ext uri="{FF2B5EF4-FFF2-40B4-BE49-F238E27FC236}">
-                <a16:creationId xmlns:a16="http://schemas.microsoft.com/office/drawing/2014/main" id="{4C3A51A3-34CD-4950-8D86-F1DF9969DDFD}"/>
-              </a:ext>
-            </a:extLst>
-          </p:cNvPr>
-          <p:cNvSpPr>
-            <a:spLocks noGrp="1"/>
-          </p:cNvSpPr>
-          <p:nvPr>
-            <p:ph type="title"/>
-          </p:nvPr>
-        </p:nvSpPr>
-        <p:spPr/>
-        <p:txBody>
-          <a:bodyPr/>
-          <a:lstStyle/>
-          <a:p>
-            <a:r>
-              <a:rPr lang="en-US" dirty="0"/>
-              <a:t>Demo BAAS Architecture </a:t>
-            </a:r>
-          </a:p>
-        </p:txBody>
-      </p:sp>
-      <p:pic>
-        <p:nvPicPr>
-          <p:cNvPr id="9" name="Picture 8">
-            <a:extLst>
-              <a:ext uri="{FF2B5EF4-FFF2-40B4-BE49-F238E27FC236}">
-                <a16:creationId xmlns:a16="http://schemas.microsoft.com/office/drawing/2014/main" id="{1CF6870E-AE4E-458B-B2D8-ED571ED11D23}"/>
-              </a:ext>
-            </a:extLst>
-          </p:cNvPr>
-          <p:cNvPicPr>
-            <a:picLocks noChangeAspect="1"/>
-          </p:cNvPicPr>
-          <p:nvPr/>
-        </p:nvPicPr>
-        <p:blipFill>
-          <a:blip r:embed="rId2">
-            <a:extLst>
-              <a:ext uri="{28A0092B-C50C-407E-A947-70E740481C1C}">
-                <a14:useLocalDpi xmlns:a14="http://schemas.microsoft.com/office/drawing/2010/main" val="0"/>
-              </a:ext>
-            </a:extLst>
-          </a:blip>
-          <a:stretch>
-            <a:fillRect/>
-          </a:stretch>
-        </p:blipFill>
-        <p:spPr>
-          <a:xfrm>
-            <a:off x="405116" y="1186022"/>
-            <a:ext cx="11227443" cy="5316422"/>
-          </a:xfrm>
-          <a:prstGeom prst="rect">
-            <a:avLst/>
-          </a:prstGeom>
-        </p:spPr>
-      </p:pic>
-    </p:spTree>
-    <p:extLst>
-      <p:ext uri="{BB962C8B-B14F-4D97-AF65-F5344CB8AC3E}">
-        <p14:creationId xmlns:p14="http://schemas.microsoft.com/office/powerpoint/2010/main" val="1956885687"/>
-      </p:ext>
-    </p:extLst>
-  </p:cSld>
-  <p:clrMapOvr>
-    <a:masterClrMapping/>
-  </p:clrMapOvr>
-</p:sld>
-</file>
-
-<file path=ppt/slides/slide9.xml><?xml version="1.0" encoding="utf-8"?>
-<p:sld xmlns:a="http://schemas.openxmlformats.org/drawingml/2006/main" xmlns:r="http://schemas.openxmlformats.org/officeDocument/2006/relationships" xmlns:p="http://schemas.openxmlformats.org/presentationml/2006/main">
-  <p:cSld>
-    <p:spTree>
-      <p:nvGrpSpPr>
-        <p:cNvPr id="1" name=""/>
-        <p:cNvGrpSpPr/>
-        <p:nvPr/>
-      </p:nvGrpSpPr>
-      <p:grpSpPr>
-        <a:xfrm>
-          <a:off x="0" y="0"/>
-          <a:ext cx="0" cy="0"/>
-          <a:chOff x="0" y="0"/>
-          <a:chExt cx="0" cy="0"/>
-        </a:xfrm>
-      </p:grpSpPr>
-      <p:sp>
-        <p:nvSpPr>
-          <p:cNvPr id="3" name="Title 2">
-            <a:extLst>
-              <a:ext uri="{FF2B5EF4-FFF2-40B4-BE49-F238E27FC236}">
-                <a16:creationId xmlns:a16="http://schemas.microsoft.com/office/drawing/2014/main" id="{79695BFC-A958-4523-AC5D-DF775D42E102}"/>
-              </a:ext>
-            </a:extLst>
-          </p:cNvPr>
-          <p:cNvSpPr>
-            <a:spLocks noGrp="1"/>
-          </p:cNvSpPr>
-          <p:nvPr>
-            <p:ph type="title"/>
-          </p:nvPr>
-        </p:nvSpPr>
-        <p:spPr/>
-        <p:txBody>
-          <a:bodyPr/>
-          <a:lstStyle/>
-          <a:p>
-            <a:r>
-              <a:rPr lang="en-US" dirty="0"/>
-              <a:t>Setting Up Private Network</a:t>
-            </a:r>
-          </a:p>
-        </p:txBody>
-      </p:sp>
-      <p:sp>
-        <p:nvSpPr>
-          <p:cNvPr id="5" name="Content Placeholder 2">
-            <a:extLst>
-              <a:ext uri="{FF2B5EF4-FFF2-40B4-BE49-F238E27FC236}">
-                <a16:creationId xmlns:a16="http://schemas.microsoft.com/office/drawing/2014/main" id="{FB58EEFA-7F07-462B-9BE1-F83EA3C64275}"/>
-              </a:ext>
-            </a:extLst>
-          </p:cNvPr>
-          <p:cNvSpPr>
-            <a:spLocks noGrp="1"/>
-          </p:cNvSpPr>
-          <p:nvPr>
-            <p:ph idx="1"/>
-          </p:nvPr>
-        </p:nvSpPr>
-        <p:spPr>
-          <a:xfrm>
-            <a:off x="206685" y="2179633"/>
-            <a:ext cx="6401379" cy="4440064"/>
-          </a:xfrm>
-        </p:spPr>
-        <p:txBody>
-          <a:bodyPr>
-            <a:noAutofit/>
-          </a:bodyPr>
-          <a:lstStyle/>
-          <a:p>
-            <a:pPr algn="just"/>
-            <a:r>
-              <a:rPr lang="en-US" sz="2000" dirty="0" err="1"/>
-              <a:t>Genesis.json</a:t>
-            </a:r>
-            <a:endParaRPr lang="en-US" sz="2000" dirty="0"/>
-          </a:p>
-          <a:p>
-            <a:pPr algn="just"/>
-            <a:r>
-              <a:rPr lang="en-US" sz="2000" dirty="0"/>
-              <a:t>Initialize network</a:t>
-            </a:r>
-          </a:p>
-          <a:p>
-            <a:pPr algn="just"/>
-            <a:r>
-              <a:rPr lang="en-US" sz="2000" dirty="0"/>
-              <a:t>Spin off various nodes (RPC, web3, mine).</a:t>
-            </a:r>
-          </a:p>
-          <a:p>
-            <a:pPr algn="just"/>
-            <a:r>
-              <a:rPr lang="en-US" sz="2000" dirty="0"/>
-              <a:t>Network communication across nodes and Static nodes</a:t>
-            </a:r>
-          </a:p>
-          <a:p>
-            <a:pPr algn="just"/>
-            <a:r>
-              <a:rPr lang="en-US" sz="2000" dirty="0"/>
-              <a:t>Each node contains full copy of blockchain </a:t>
-            </a:r>
-            <a:r>
-              <a:rPr lang="en-US" sz="2000" dirty="0" err="1"/>
-              <a:t>db</a:t>
-            </a:r>
-            <a:r>
-              <a:rPr lang="en-US" sz="2000" dirty="0"/>
-              <a:t> which stores a record of every transaction.</a:t>
-            </a:r>
-          </a:p>
-          <a:p>
-            <a:pPr algn="just"/>
-            <a:r>
-              <a:rPr lang="en-US" sz="2000" dirty="0"/>
-              <a:t>Different types of networks</a:t>
-            </a:r>
-          </a:p>
-          <a:p>
-            <a:pPr lvl="1" algn="just"/>
-            <a:r>
-              <a:rPr lang="en-US" sz="1600" dirty="0"/>
-              <a:t>Private </a:t>
-            </a:r>
-            <a:r>
-              <a:rPr lang="en-US" sz="1600" dirty="0" err="1"/>
-              <a:t>Newtorks</a:t>
-            </a:r>
-            <a:endParaRPr lang="en-US" sz="1600" dirty="0"/>
-          </a:p>
-          <a:p>
-            <a:pPr lvl="1" algn="just"/>
-            <a:r>
-              <a:rPr lang="en-US" sz="1600" dirty="0"/>
-              <a:t>Public networks</a:t>
-            </a:r>
-          </a:p>
-          <a:p>
-            <a:pPr lvl="2" algn="just"/>
-            <a:r>
-              <a:rPr lang="en-US" sz="1400" dirty="0"/>
-              <a:t>Main Network (Ether Based)</a:t>
-            </a:r>
-          </a:p>
-          <a:p>
-            <a:pPr lvl="2" algn="just"/>
-            <a:r>
-              <a:rPr lang="en-US" sz="1400" dirty="0">
-                <a:hlinkClick r:id="rId2"/>
-              </a:rPr>
-              <a:t>Test Networks</a:t>
-            </a:r>
-            <a:endParaRPr lang="en-US" sz="1400" dirty="0"/>
-          </a:p>
-          <a:p>
-            <a:pPr lvl="3" algn="just"/>
-            <a:r>
-              <a:rPr lang="en-US" sz="1400" dirty="0" err="1"/>
-              <a:t>Ropsten</a:t>
-            </a:r>
-            <a:endParaRPr lang="en-US" sz="1400" dirty="0"/>
-          </a:p>
-          <a:p>
-            <a:pPr lvl="3" algn="just"/>
-            <a:r>
-              <a:rPr lang="en-US" sz="1400" dirty="0" err="1"/>
-              <a:t>Kovan</a:t>
-            </a:r>
-            <a:endParaRPr lang="en-US" sz="1400" dirty="0"/>
-          </a:p>
-          <a:p>
-            <a:pPr lvl="3" algn="just"/>
-            <a:r>
-              <a:rPr lang="en-US" sz="1400" dirty="0" err="1"/>
-              <a:t>Rinkeby</a:t>
-            </a:r>
-            <a:endParaRPr lang="en-US" sz="1400" dirty="0"/>
-          </a:p>
-          <a:p>
-            <a:pPr algn="just"/>
-            <a:endParaRPr lang="en-US" sz="2000" dirty="0"/>
-          </a:p>
-        </p:txBody>
-      </p:sp>
-      <p:pic>
-        <p:nvPicPr>
-          <p:cNvPr id="5122" name="Picture 2" descr="Related image">
-            <a:extLst>
-              <a:ext uri="{FF2B5EF4-FFF2-40B4-BE49-F238E27FC236}">
-                <a16:creationId xmlns:a16="http://schemas.microsoft.com/office/drawing/2014/main" id="{DCEA2D9B-AE58-477E-B210-E43991FF4701}"/>
-              </a:ext>
-            </a:extLst>
-          </p:cNvPr>
-          <p:cNvPicPr>
-            <a:picLocks noChangeAspect="1" noChangeArrowheads="1"/>
-          </p:cNvPicPr>
-          <p:nvPr/>
-        </p:nvPicPr>
-        <p:blipFill>
-          <a:blip r:embed="rId3">
-            <a:extLst>
-              <a:ext uri="{28A0092B-C50C-407E-A947-70E740481C1C}">
-                <a14:useLocalDpi xmlns:a14="http://schemas.microsoft.com/office/drawing/2010/main" val="0"/>
-              </a:ext>
-            </a:extLst>
-          </a:blip>
-          <a:srcRect/>
-          <a:stretch>
-            <a:fillRect/>
-          </a:stretch>
-        </p:blipFill>
-        <p:spPr bwMode="auto">
-          <a:xfrm>
-            <a:off x="6389226" y="1379420"/>
-            <a:ext cx="5034987" cy="5202378"/>
-          </a:xfrm>
-          <a:prstGeom prst="rect">
-            <a:avLst/>
-          </a:prstGeom>
-          <a:noFill/>
-          <a:extLst>
-            <a:ext uri="{909E8E84-426E-40DD-AFC4-6F175D3DCCD1}">
-              <a14:hiddenFill xmlns:a14="http://schemas.microsoft.com/office/drawing/2010/main">
-                <a:solidFill>
-                  <a:srgbClr val="FFFFFF"/>
-                </a:solidFill>
-              </a14:hiddenFill>
-            </a:ext>
-          </a:extLst>
-        </p:spPr>
-      </p:pic>
-    </p:spTree>
-    <p:extLst>
-      <p:ext uri="{BB962C8B-B14F-4D97-AF65-F5344CB8AC3E}">
-        <p14:creationId xmlns:p14="http://schemas.microsoft.com/office/powerpoint/2010/main" val="1704684537"/>
       </p:ext>
     </p:extLst>
   </p:cSld>

--- a/PPTX/BAAS.pptx
+++ b/PPTX/BAAS.pptx
@@ -6,20 +6,20 @@
     <p:sldMasterId id="2147483692" r:id="rId2"/>
   </p:sldMasterIdLst>
   <p:notesMasterIdLst>
-    <p:notesMasterId r:id="rId21"/>
+    <p:notesMasterId r:id="rId22"/>
   </p:notesMasterIdLst>
   <p:handoutMasterIdLst>
-    <p:handoutMasterId r:id="rId22"/>
+    <p:handoutMasterId r:id="rId23"/>
   </p:handoutMasterIdLst>
   <p:sldIdLst>
     <p:sldId id="330" r:id="rId3"/>
-    <p:sldId id="333" r:id="rId4"/>
-    <p:sldId id="331" r:id="rId5"/>
-    <p:sldId id="343" r:id="rId6"/>
-    <p:sldId id="334" r:id="rId7"/>
-    <p:sldId id="340" r:id="rId8"/>
-    <p:sldId id="346" r:id="rId9"/>
-    <p:sldId id="338" r:id="rId10"/>
+    <p:sldId id="348" r:id="rId4"/>
+    <p:sldId id="333" r:id="rId5"/>
+    <p:sldId id="331" r:id="rId6"/>
+    <p:sldId id="343" r:id="rId7"/>
+    <p:sldId id="334" r:id="rId8"/>
+    <p:sldId id="340" r:id="rId9"/>
+    <p:sldId id="346" r:id="rId10"/>
     <p:sldId id="332" r:id="rId11"/>
     <p:sldId id="335" r:id="rId12"/>
     <p:sldId id="347" r:id="rId13"/>
@@ -28,8 +28,9 @@
     <p:sldId id="337" r:id="rId16"/>
     <p:sldId id="342" r:id="rId17"/>
     <p:sldId id="344" r:id="rId18"/>
-    <p:sldId id="345" r:id="rId19"/>
-    <p:sldId id="341" r:id="rId20"/>
+    <p:sldId id="338" r:id="rId19"/>
+    <p:sldId id="345" r:id="rId20"/>
+    <p:sldId id="341" r:id="rId21"/>
   </p:sldIdLst>
   <p:sldSz cx="12192000" cy="6858000"/>
   <p:notesSz cx="6858000" cy="9144000"/>
@@ -244,7 +245,7 @@
           <a:p>
             <a:fld id="{FA763208-4D5B-44C4-A045-6495A8B44929}" type="datetimeFigureOut">
               <a:rPr lang="en-US" smtClean="0"/>
-              <a:t>10/13/2018</a:t>
+              <a:t>10/15/2018</a:t>
             </a:fld>
             <a:endParaRPr lang="en-US"/>
           </a:p>
@@ -421,7 +422,7 @@
           <a:p>
             <a:fld id="{3389243F-B1BB-4202-BD78-416ACA555174}" type="datetimeFigureOut">
               <a:rPr lang="en-US" smtClean="0"/>
-              <a:t>10/13/2018</a:t>
+              <a:t>10/15/2018</a:t>
             </a:fld>
             <a:endParaRPr lang="en-US"/>
           </a:p>
@@ -868,7 +869,7 @@
     </p:spTree>
     <p:extLst>
       <p:ext uri="{BB962C8B-B14F-4D97-AF65-F5344CB8AC3E}">
-        <p14:creationId xmlns:p14="http://schemas.microsoft.com/office/powerpoint/2010/main" val="4275323434"/>
+        <p14:creationId xmlns:p14="http://schemas.microsoft.com/office/powerpoint/2010/main" val="3726614493"/>
       </p:ext>
     </p:extLst>
   </p:cSld>
@@ -945,24 +946,25 @@
               <a:defRPr/>
             </a:pPr>
             <a:r>
-              <a:rPr lang="en-US" dirty="0"/>
+              <a:rPr lang="en-US"/>
               <a:t>© Copyright </a:t>
             </a:r>
             <a:r>
-              <a:rPr lang="en-US" b="1" dirty="0"/>
+              <a:rPr lang="en-US" b="1"/>
               <a:t>PresentationGo.com</a:t>
             </a:r>
             <a:r>
-              <a:rPr lang="en-US" dirty="0"/>
+              <a:rPr lang="en-US"/>
               <a:t> – The free PowerPoint template library</a:t>
             </a:r>
+            <a:endParaRPr lang="en-US" dirty="0"/>
           </a:p>
         </p:txBody>
       </p:sp>
     </p:spTree>
     <p:extLst>
       <p:ext uri="{BB962C8B-B14F-4D97-AF65-F5344CB8AC3E}">
-        <p14:creationId xmlns:p14="http://schemas.microsoft.com/office/powerpoint/2010/main" val="2908664092"/>
+        <p14:creationId xmlns:p14="http://schemas.microsoft.com/office/powerpoint/2010/main" val="4275323434"/>
       </p:ext>
     </p:extLst>
   </p:cSld>
@@ -999,7 +1001,12 @@
             <p:ph type="sldImg"/>
           </p:nvPr>
         </p:nvSpPr>
-        <p:spPr/>
+        <p:spPr>
+          <a:xfrm>
+            <a:off x="381000" y="685800"/>
+            <a:ext cx="6096000" cy="3429000"/>
+          </a:xfrm>
+        </p:spPr>
       </p:sp>
       <p:sp>
         <p:nvSpPr>
@@ -1016,6 +1023,95 @@
           <a:bodyPr/>
           <a:lstStyle/>
           <a:p>
+            <a:pPr marL="0" marR="0" indent="0" algn="l" defTabSz="914400" rtl="0" eaLnBrk="1" fontAlgn="auto" latinLnBrk="0" hangingPunct="1">
+              <a:lnSpc>
+                <a:spcPct val="100000"/>
+              </a:lnSpc>
+              <a:spcBef>
+                <a:spcPts val="0"/>
+              </a:spcBef>
+              <a:spcAft>
+                <a:spcPts val="0"/>
+              </a:spcAft>
+              <a:buClrTx/>
+              <a:buSzTx/>
+              <a:buFontTx/>
+              <a:buNone/>
+              <a:tabLst/>
+              <a:defRPr/>
+            </a:pPr>
+            <a:r>
+              <a:rPr lang="en-US" dirty="0"/>
+              <a:t>© Copyright </a:t>
+            </a:r>
+            <a:r>
+              <a:rPr lang="en-US" b="1" dirty="0"/>
+              <a:t>PresentationGo.com</a:t>
+            </a:r>
+            <a:r>
+              <a:rPr lang="en-US" dirty="0"/>
+              <a:t> – The free PowerPoint template library</a:t>
+            </a:r>
+          </a:p>
+        </p:txBody>
+      </p:sp>
+    </p:spTree>
+    <p:extLst>
+      <p:ext uri="{BB962C8B-B14F-4D97-AF65-F5344CB8AC3E}">
+        <p14:creationId xmlns:p14="http://schemas.microsoft.com/office/powerpoint/2010/main" val="2908664092"/>
+      </p:ext>
+    </p:extLst>
+  </p:cSld>
+  <p:clrMapOvr>
+    <a:masterClrMapping/>
+  </p:clrMapOvr>
+</p:notes>
+</file>
+
+<file path=ppt/notesSlides/notesSlide5.xml><?xml version="1.0" encoding="utf-8"?>
+<p:notes xmlns:a="http://schemas.openxmlformats.org/drawingml/2006/main" xmlns:r="http://schemas.openxmlformats.org/officeDocument/2006/relationships" xmlns:p="http://schemas.openxmlformats.org/presentationml/2006/main">
+  <p:cSld>
+    <p:spTree>
+      <p:nvGrpSpPr>
+        <p:cNvPr id="1" name=""/>
+        <p:cNvGrpSpPr/>
+        <p:nvPr/>
+      </p:nvGrpSpPr>
+      <p:grpSpPr>
+        <a:xfrm>
+          <a:off x="0" y="0"/>
+          <a:ext cx="0" cy="0"/>
+          <a:chOff x="0" y="0"/>
+          <a:chExt cx="0" cy="0"/>
+        </a:xfrm>
+      </p:grpSpPr>
+      <p:sp>
+        <p:nvSpPr>
+          <p:cNvPr id="2" name="Slide Image Placeholder 1"/>
+          <p:cNvSpPr>
+            <a:spLocks noGrp="1" noRot="1" noChangeAspect="1"/>
+          </p:cNvSpPr>
+          <p:nvPr>
+            <p:ph type="sldImg"/>
+          </p:nvPr>
+        </p:nvSpPr>
+        <p:spPr/>
+      </p:sp>
+      <p:sp>
+        <p:nvSpPr>
+          <p:cNvPr id="3" name="Notes Placeholder 2"/>
+          <p:cNvSpPr>
+            <a:spLocks noGrp="1"/>
+          </p:cNvSpPr>
+          <p:nvPr>
+            <p:ph type="body" idx="1"/>
+          </p:nvPr>
+        </p:nvSpPr>
+        <p:spPr/>
+        <p:txBody>
+          <a:bodyPr/>
+          <a:lstStyle/>
+          <a:p>
             <a:endParaRPr lang="en-US" dirty="0"/>
           </a:p>
         </p:txBody>
@@ -1037,7 +1133,7 @@
           <a:p>
             <a:fld id="{B68D2766-C49B-4C1A-9FEE-6F146754B02B}" type="slidenum">
               <a:rPr lang="en-US" smtClean="0"/>
-              <a:t>6</a:t>
+              <a:t>7</a:t>
             </a:fld>
             <a:endParaRPr lang="en-US"/>
           </a:p>
@@ -1056,7 +1152,7 @@
 </p:notes>
 </file>
 
-<file path=ppt/notesSlides/notesSlide5.xml><?xml version="1.0" encoding="utf-8"?>
+<file path=ppt/notesSlides/notesSlide6.xml><?xml version="1.0" encoding="utf-8"?>
 <p:notes xmlns:a="http://schemas.openxmlformats.org/drawingml/2006/main" xmlns:r="http://schemas.openxmlformats.org/officeDocument/2006/relationships" xmlns:p="http://schemas.openxmlformats.org/presentationml/2006/main">
   <p:cSld>
     <p:spTree>
@@ -2176,7 +2272,7 @@
             <a:fld id="{18D9E8F6-4D81-4B3A-BC45-BBA4A1C9BD0F}" type="datetimeFigureOut">
               <a:rPr lang="en-US" smtClean="0"/>
               <a:pPr/>
-              <a:t>10/13/2018</a:t>
+              <a:t>10/15/2018</a:t>
             </a:fld>
             <a:endParaRPr lang="en-US"/>
           </a:p>
@@ -2504,7 +2600,7 @@
           <a:p>
             <a:fld id="{18D9E8F6-4D81-4B3A-BC45-BBA4A1C9BD0F}" type="datetimeFigureOut">
               <a:rPr lang="en-US" smtClean="0"/>
-              <a:t>10/13/2018</a:t>
+              <a:t>10/15/2018</a:t>
             </a:fld>
             <a:endParaRPr lang="en-US"/>
           </a:p>
@@ -2795,7 +2891,7 @@
           <a:p>
             <a:fld id="{18D9E8F6-4D81-4B3A-BC45-BBA4A1C9BD0F}" type="datetimeFigureOut">
               <a:rPr lang="en-US" smtClean="0"/>
-              <a:t>10/13/2018</a:t>
+              <a:t>10/15/2018</a:t>
             </a:fld>
             <a:endParaRPr lang="en-US"/>
           </a:p>
@@ -2993,7 +3089,7 @@
           <a:p>
             <a:fld id="{18D9E8F6-4D81-4B3A-BC45-BBA4A1C9BD0F}" type="datetimeFigureOut">
               <a:rPr lang="en-US" smtClean="0"/>
-              <a:t>10/13/2018</a:t>
+              <a:t>10/15/2018</a:t>
             </a:fld>
             <a:endParaRPr lang="en-US"/>
           </a:p>
@@ -3201,7 +3297,7 @@
           <a:p>
             <a:fld id="{18D9E8F6-4D81-4B3A-BC45-BBA4A1C9BD0F}" type="datetimeFigureOut">
               <a:rPr lang="en-US" smtClean="0"/>
-              <a:t>10/13/2018</a:t>
+              <a:t>10/15/2018</a:t>
             </a:fld>
             <a:endParaRPr lang="en-US"/>
           </a:p>
@@ -3943,7 +4039,7 @@
             <a:fld id="{18D9E8F6-4D81-4B3A-BC45-BBA4A1C9BD0F}" type="datetimeFigureOut">
               <a:rPr lang="en-US" smtClean="0"/>
               <a:pPr/>
-              <a:t>10/13/2018</a:t>
+              <a:t>10/15/2018</a:t>
             </a:fld>
             <a:endParaRPr lang="en-US"/>
           </a:p>
@@ -4567,7 +4663,7 @@
             <a:fld id="{18D9E8F6-4D81-4B3A-BC45-BBA4A1C9BD0F}" type="datetimeFigureOut">
               <a:rPr lang="en-US" smtClean="0"/>
               <a:pPr/>
-              <a:t>10/13/2018</a:t>
+              <a:t>10/15/2018</a:t>
             </a:fld>
             <a:endParaRPr lang="en-US"/>
           </a:p>
@@ -5196,7 +5292,7 @@
             <a:fld id="{18D9E8F6-4D81-4B3A-BC45-BBA4A1C9BD0F}" type="datetimeFigureOut">
               <a:rPr lang="en-US" smtClean="0"/>
               <a:pPr/>
-              <a:t>10/13/2018</a:t>
+              <a:t>10/15/2018</a:t>
             </a:fld>
             <a:endParaRPr lang="en-US"/>
           </a:p>
@@ -5901,7 +5997,7 @@
           <a:p>
             <a:fld id="{18D9E8F6-4D81-4B3A-BC45-BBA4A1C9BD0F}" type="datetimeFigureOut">
               <a:rPr lang="en-US" smtClean="0"/>
-              <a:t>10/13/2018</a:t>
+              <a:t>10/15/2018</a:t>
             </a:fld>
             <a:endParaRPr lang="en-US"/>
           </a:p>
@@ -6166,7 +6262,7 @@
           <a:p>
             <a:fld id="{18D9E8F6-4D81-4B3A-BC45-BBA4A1C9BD0F}" type="datetimeFigureOut">
               <a:rPr lang="en-US" smtClean="0"/>
-              <a:t>10/13/2018</a:t>
+              <a:t>10/15/2018</a:t>
             </a:fld>
             <a:endParaRPr lang="en-US"/>
           </a:p>
@@ -6578,7 +6674,7 @@
           <a:p>
             <a:fld id="{18D9E8F6-4D81-4B3A-BC45-BBA4A1C9BD0F}" type="datetimeFigureOut">
               <a:rPr lang="en-US" smtClean="0"/>
-              <a:t>10/13/2018</a:t>
+              <a:t>10/15/2018</a:t>
             </a:fld>
             <a:endParaRPr lang="en-US"/>
           </a:p>
@@ -6719,7 +6815,7 @@
           <a:p>
             <a:fld id="{18D9E8F6-4D81-4B3A-BC45-BBA4A1C9BD0F}" type="datetimeFigureOut">
               <a:rPr lang="en-US" smtClean="0"/>
-              <a:t>10/13/2018</a:t>
+              <a:t>10/15/2018</a:t>
             </a:fld>
             <a:endParaRPr lang="en-US"/>
           </a:p>
@@ -6832,7 +6928,7 @@
           <a:p>
             <a:fld id="{18D9E8F6-4D81-4B3A-BC45-BBA4A1C9BD0F}" type="datetimeFigureOut">
               <a:rPr lang="en-US" smtClean="0"/>
-              <a:t>10/13/2018</a:t>
+              <a:t>10/15/2018</a:t>
             </a:fld>
             <a:endParaRPr lang="en-US"/>
           </a:p>
@@ -7073,7 +7169,7 @@
             <a:fld id="{18D9E8F6-4D81-4B3A-BC45-BBA4A1C9BD0F}" type="datetimeFigureOut">
               <a:rPr lang="en-US" smtClean="0"/>
               <a:pPr/>
-              <a:t>10/13/2018</a:t>
+              <a:t>10/15/2018</a:t>
             </a:fld>
             <a:endParaRPr lang="en-US"/>
           </a:p>
@@ -9113,6 +9209,71 @@
               <a:t>https://remix.ethereum.org</a:t>
             </a:r>
             <a:endParaRPr lang="en-US" dirty="0"/>
+          </a:p>
+        </p:txBody>
+      </p:sp>
+      <p:sp>
+        <p:nvSpPr>
+          <p:cNvPr id="2" name="TextBox 1">
+            <a:extLst>
+              <a:ext uri="{FF2B5EF4-FFF2-40B4-BE49-F238E27FC236}">
+                <a16:creationId xmlns:a16="http://schemas.microsoft.com/office/drawing/2014/main" id="{57407B34-B2B5-4332-A411-132B7EF1B859}"/>
+              </a:ext>
+            </a:extLst>
+          </p:cNvPr>
+          <p:cNvSpPr txBox="1"/>
+          <p:nvPr/>
+        </p:nvSpPr>
+        <p:spPr>
+          <a:xfrm>
+            <a:off x="426720" y="2328672"/>
+            <a:ext cx="4940450" cy="2862322"/>
+          </a:xfrm>
+          <a:prstGeom prst="rect">
+            <a:avLst/>
+          </a:prstGeom>
+          <a:noFill/>
+        </p:spPr>
+        <p:txBody>
+          <a:bodyPr wrap="square" rtlCol="0">
+            <a:spAutoFit/>
+          </a:bodyPr>
+          <a:lstStyle/>
+          <a:p>
+            <a:r>
+              <a:rPr lang="en-US" dirty="0"/>
+              <a:t>ABI – Application Binary Interface </a:t>
+            </a:r>
+          </a:p>
+          <a:p>
+            <a:pPr marL="285750" indent="-285750">
+              <a:buFont typeface="Arial" panose="020B0604020202020204" pitchFamily="34" charset="0"/>
+              <a:buChar char="•"/>
+            </a:pPr>
+            <a:r>
+              <a:rPr lang="en-US" dirty="0"/>
+              <a:t>It is the standard way to interact with contracts, both from outside the blockchain and for contract-to-contract interaction. </a:t>
+            </a:r>
+          </a:p>
+          <a:p>
+            <a:pPr marL="285750" indent="-285750">
+              <a:buFont typeface="Arial" panose="020B0604020202020204" pitchFamily="34" charset="0"/>
+              <a:buChar char="•"/>
+            </a:pPr>
+            <a:r>
+              <a:rPr lang="en-US" dirty="0"/>
+              <a:t>Metadata for interacting with Smart contracts. It defines which functions you can invoke and their associated inputs/outputs.</a:t>
+            </a:r>
+          </a:p>
+          <a:p>
+            <a:pPr marL="285750" indent="-285750">
+              <a:buFont typeface="Arial" panose="020B0604020202020204" pitchFamily="34" charset="0"/>
+              <a:buChar char="•"/>
+            </a:pPr>
+            <a:r>
+              <a:rPr lang="en-US" dirty="0"/>
+              <a:t>Smart contract is stored as byte code in blockchain under a specific address known as contract address.</a:t>
+            </a:r>
           </a:p>
         </p:txBody>
       </p:sp>
@@ -11453,3031 +11614,6 @@
           <a:chExt cx="0" cy="0"/>
         </a:xfrm>
       </p:grpSpPr>
-      <p:pic>
-        <p:nvPicPr>
-          <p:cNvPr id="4098" name="Picture 2" descr="Image result for question and answer">
-            <a:extLst>
-              <a:ext uri="{FF2B5EF4-FFF2-40B4-BE49-F238E27FC236}">
-                <a16:creationId xmlns:a16="http://schemas.microsoft.com/office/drawing/2014/main" id="{4B625241-B303-41E2-B5BC-3B15BAF30D90}"/>
-              </a:ext>
-            </a:extLst>
-          </p:cNvPr>
-          <p:cNvPicPr>
-            <a:picLocks noChangeAspect="1" noChangeArrowheads="1"/>
-          </p:cNvPicPr>
-          <p:nvPr/>
-        </p:nvPicPr>
-        <p:blipFill>
-          <a:blip r:embed="rId2">
-            <a:extLst>
-              <a:ext uri="{28A0092B-C50C-407E-A947-70E740481C1C}">
-                <a14:useLocalDpi xmlns:a14="http://schemas.microsoft.com/office/drawing/2010/main" val="0"/>
-              </a:ext>
-            </a:extLst>
-          </a:blip>
-          <a:srcRect/>
-          <a:stretch>
-            <a:fillRect/>
-          </a:stretch>
-        </p:blipFill>
-        <p:spPr bwMode="auto">
-          <a:xfrm>
-            <a:off x="4085654" y="2211134"/>
-            <a:ext cx="3961066" cy="3961066"/>
-          </a:xfrm>
-          <a:prstGeom prst="rect">
-            <a:avLst/>
-          </a:prstGeom>
-          <a:noFill/>
-          <a:extLst>
-            <a:ext uri="{909E8E84-426E-40DD-AFC4-6F175D3DCCD1}">
-              <a14:hiddenFill xmlns:a14="http://schemas.microsoft.com/office/drawing/2010/main">
-                <a:solidFill>
-                  <a:srgbClr val="FFFFFF"/>
-                </a:solidFill>
-              </a14:hiddenFill>
-            </a:ext>
-          </a:extLst>
-        </p:spPr>
-      </p:pic>
-    </p:spTree>
-    <p:extLst>
-      <p:ext uri="{BB962C8B-B14F-4D97-AF65-F5344CB8AC3E}">
-        <p14:creationId xmlns:p14="http://schemas.microsoft.com/office/powerpoint/2010/main" val="1420639569"/>
-      </p:ext>
-    </p:extLst>
-  </p:cSld>
-  <p:clrMapOvr>
-    <a:masterClrMapping/>
-  </p:clrMapOvr>
-</p:sld>
-</file>
-
-<file path=ppt/slides/slide18.xml><?xml version="1.0" encoding="utf-8"?>
-<p:sld xmlns:a="http://schemas.openxmlformats.org/drawingml/2006/main" xmlns:r="http://schemas.openxmlformats.org/officeDocument/2006/relationships" xmlns:p="http://schemas.openxmlformats.org/presentationml/2006/main">
-  <p:cSld>
-    <p:spTree>
-      <p:nvGrpSpPr>
-        <p:cNvPr id="1" name=""/>
-        <p:cNvGrpSpPr/>
-        <p:nvPr/>
-      </p:nvGrpSpPr>
-      <p:grpSpPr>
-        <a:xfrm>
-          <a:off x="0" y="0"/>
-          <a:ext cx="0" cy="0"/>
-          <a:chOff x="0" y="0"/>
-          <a:chExt cx="0" cy="0"/>
-        </a:xfrm>
-      </p:grpSpPr>
-      <p:pic>
-        <p:nvPicPr>
-          <p:cNvPr id="2050" name="Picture 2" descr="Image result for Thank YOu">
-            <a:extLst>
-              <a:ext uri="{FF2B5EF4-FFF2-40B4-BE49-F238E27FC236}">
-                <a16:creationId xmlns:a16="http://schemas.microsoft.com/office/drawing/2014/main" id="{080F98D0-F647-433D-9787-CE384F3C8EB9}"/>
-              </a:ext>
-            </a:extLst>
-          </p:cNvPr>
-          <p:cNvPicPr>
-            <a:picLocks noChangeAspect="1" noChangeArrowheads="1"/>
-          </p:cNvPicPr>
-          <p:nvPr/>
-        </p:nvPicPr>
-        <p:blipFill>
-          <a:blip r:embed="rId2">
-            <a:extLst>
-              <a:ext uri="{28A0092B-C50C-407E-A947-70E740481C1C}">
-                <a14:useLocalDpi xmlns:a14="http://schemas.microsoft.com/office/drawing/2010/main" val="0"/>
-              </a:ext>
-            </a:extLst>
-          </a:blip>
-          <a:srcRect/>
-          <a:stretch>
-            <a:fillRect/>
-          </a:stretch>
-        </p:blipFill>
-        <p:spPr bwMode="auto">
-          <a:xfrm>
-            <a:off x="3584448" y="2607375"/>
-            <a:ext cx="5413248" cy="3050238"/>
-          </a:xfrm>
-          <a:prstGeom prst="rect">
-            <a:avLst/>
-          </a:prstGeom>
-          <a:noFill/>
-          <a:extLst>
-            <a:ext uri="{909E8E84-426E-40DD-AFC4-6F175D3DCCD1}">
-              <a14:hiddenFill xmlns:a14="http://schemas.microsoft.com/office/drawing/2010/main">
-                <a:solidFill>
-                  <a:srgbClr val="FFFFFF"/>
-                </a:solidFill>
-              </a14:hiddenFill>
-            </a:ext>
-          </a:extLst>
-        </p:spPr>
-      </p:pic>
-    </p:spTree>
-    <p:extLst>
-      <p:ext uri="{BB962C8B-B14F-4D97-AF65-F5344CB8AC3E}">
-        <p14:creationId xmlns:p14="http://schemas.microsoft.com/office/powerpoint/2010/main" val="4183868056"/>
-      </p:ext>
-    </p:extLst>
-  </p:cSld>
-  <p:clrMapOvr>
-    <a:masterClrMapping/>
-  </p:clrMapOvr>
-</p:sld>
-</file>
-
-<file path=ppt/slides/slide2.xml><?xml version="1.0" encoding="utf-8"?>
-<p:sld xmlns:a="http://schemas.openxmlformats.org/drawingml/2006/main" xmlns:r="http://schemas.openxmlformats.org/officeDocument/2006/relationships" xmlns:p="http://schemas.openxmlformats.org/presentationml/2006/main">
-  <p:cSld>
-    <p:spTree>
-      <p:nvGrpSpPr>
-        <p:cNvPr id="1" name=""/>
-        <p:cNvGrpSpPr/>
-        <p:nvPr/>
-      </p:nvGrpSpPr>
-      <p:grpSpPr>
-        <a:xfrm>
-          <a:off x="0" y="0"/>
-          <a:ext cx="0" cy="0"/>
-          <a:chOff x="0" y="0"/>
-          <a:chExt cx="0" cy="0"/>
-        </a:xfrm>
-      </p:grpSpPr>
-      <p:sp>
-        <p:nvSpPr>
-          <p:cNvPr id="3" name="Content Placeholder 2"/>
-          <p:cNvSpPr>
-            <a:spLocks noGrp="1"/>
-          </p:cNvSpPr>
-          <p:nvPr>
-            <p:ph idx="1"/>
-          </p:nvPr>
-        </p:nvSpPr>
-        <p:spPr>
-          <a:xfrm>
-            <a:off x="560408" y="2171763"/>
-            <a:ext cx="10515600" cy="3970476"/>
-          </a:xfrm>
-        </p:spPr>
-        <p:txBody>
-          <a:bodyPr>
-            <a:noAutofit/>
-          </a:bodyPr>
-          <a:lstStyle/>
-          <a:p>
-            <a:pPr algn="just"/>
-            <a:r>
-              <a:rPr lang="en-US" sz="2800" dirty="0"/>
-              <a:t>Blockchain, D-Apps and Smart Contracts</a:t>
-            </a:r>
-          </a:p>
-          <a:p>
-            <a:pPr algn="just"/>
-            <a:r>
-              <a:rPr lang="en-US" sz="2800" dirty="0"/>
-              <a:t>Dev tools</a:t>
-            </a:r>
-          </a:p>
-          <a:p>
-            <a:pPr algn="just"/>
-            <a:r>
-              <a:rPr lang="en-US" sz="2800" dirty="0"/>
-              <a:t>Demo implementation architecture. </a:t>
-            </a:r>
-          </a:p>
-          <a:p>
-            <a:pPr algn="just"/>
-            <a:r>
-              <a:rPr lang="en-US" sz="2800" dirty="0"/>
-              <a:t>Setting Up Private Ethereum chain</a:t>
-            </a:r>
-          </a:p>
-          <a:p>
-            <a:pPr algn="just"/>
-            <a:r>
-              <a:rPr lang="en-US" sz="2800" dirty="0"/>
-              <a:t>Sample Smart contract (Asset transfer), solidity.</a:t>
-            </a:r>
-          </a:p>
-          <a:p>
-            <a:pPr algn="just"/>
-            <a:r>
-              <a:rPr lang="en-US" sz="2800" dirty="0"/>
-              <a:t>Demo </a:t>
-            </a:r>
-          </a:p>
-          <a:p>
-            <a:pPr algn="just"/>
-            <a:r>
-              <a:rPr lang="en-US" sz="2800" dirty="0"/>
-              <a:t>Code (API’s)</a:t>
-            </a:r>
-          </a:p>
-        </p:txBody>
-      </p:sp>
-      <p:sp>
-        <p:nvSpPr>
-          <p:cNvPr id="6" name="Slide Number Placeholder 5"/>
-          <p:cNvSpPr>
-            <a:spLocks noGrp="1"/>
-          </p:cNvSpPr>
-          <p:nvPr>
-            <p:ph type="sldNum" sz="quarter" idx="12"/>
-          </p:nvPr>
-        </p:nvSpPr>
-        <p:spPr/>
-        <p:txBody>
-          <a:bodyPr/>
-          <a:lstStyle/>
-          <a:p>
-            <a:fld id="{0FA269BB-9CF1-436E-9ADF-E46804694E4E}" type="slidenum">
-              <a:rPr lang="en-US" smtClean="0"/>
-              <a:t>2</a:t>
-            </a:fld>
-            <a:endParaRPr lang="en-US"/>
-          </a:p>
-        </p:txBody>
-      </p:sp>
-      <p:sp>
-        <p:nvSpPr>
-          <p:cNvPr id="2" name="Title 1"/>
-          <p:cNvSpPr>
-            <a:spLocks noGrp="1"/>
-          </p:cNvSpPr>
-          <p:nvPr>
-            <p:ph type="title"/>
-          </p:nvPr>
-        </p:nvSpPr>
-        <p:spPr>
-          <a:xfrm>
-            <a:off x="838200" y="15958"/>
-            <a:ext cx="11353800" cy="823253"/>
-          </a:xfrm>
-        </p:spPr>
-        <p:txBody>
-          <a:bodyPr/>
-          <a:lstStyle/>
-          <a:p>
-            <a:r>
-              <a:rPr lang="en-US" dirty="0"/>
-              <a:t>Agenda</a:t>
-            </a:r>
-          </a:p>
-        </p:txBody>
-      </p:sp>
-    </p:spTree>
-    <p:extLst>
-      <p:ext uri="{BB962C8B-B14F-4D97-AF65-F5344CB8AC3E}">
-        <p14:creationId xmlns:p14="http://schemas.microsoft.com/office/powerpoint/2010/main" val="26355787"/>
-      </p:ext>
-    </p:extLst>
-  </p:cSld>
-  <p:clrMapOvr>
-    <a:masterClrMapping/>
-  </p:clrMapOvr>
-</p:sld>
-</file>
-
-<file path=ppt/slides/slide3.xml><?xml version="1.0" encoding="utf-8"?>
-<p:sld xmlns:a="http://schemas.openxmlformats.org/drawingml/2006/main" xmlns:r="http://schemas.openxmlformats.org/officeDocument/2006/relationships" xmlns:p="http://schemas.openxmlformats.org/presentationml/2006/main">
-  <p:cSld>
-    <p:spTree>
-      <p:nvGrpSpPr>
-        <p:cNvPr id="1" name=""/>
-        <p:cNvGrpSpPr/>
-        <p:nvPr/>
-      </p:nvGrpSpPr>
-      <p:grpSpPr>
-        <a:xfrm>
-          <a:off x="0" y="0"/>
-          <a:ext cx="0" cy="0"/>
-          <a:chOff x="0" y="0"/>
-          <a:chExt cx="0" cy="0"/>
-        </a:xfrm>
-      </p:grpSpPr>
-      <p:sp>
-        <p:nvSpPr>
-          <p:cNvPr id="3" name="Content Placeholder 2"/>
-          <p:cNvSpPr>
-            <a:spLocks noGrp="1"/>
-          </p:cNvSpPr>
-          <p:nvPr>
-            <p:ph idx="1"/>
-          </p:nvPr>
-        </p:nvSpPr>
-        <p:spPr>
-          <a:xfrm>
-            <a:off x="252984" y="2133335"/>
-            <a:ext cx="4892040" cy="3970476"/>
-          </a:xfrm>
-        </p:spPr>
-        <p:txBody>
-          <a:bodyPr>
-            <a:noAutofit/>
-          </a:bodyPr>
-          <a:lstStyle/>
-          <a:p>
-            <a:pPr marL="0" indent="0" algn="just">
-              <a:buNone/>
-            </a:pPr>
-            <a:r>
-              <a:rPr lang="en-US" sz="2800" dirty="0"/>
-              <a:t>What is Blockchain</a:t>
-            </a:r>
-          </a:p>
-          <a:p>
-            <a:pPr algn="just"/>
-            <a:r>
-              <a:rPr lang="en-US" sz="2000" dirty="0"/>
-              <a:t>Technology that relies on cryptography to store data in distributed ledger</a:t>
-            </a:r>
-          </a:p>
-          <a:p>
-            <a:pPr algn="just"/>
-            <a:r>
-              <a:rPr lang="en-US" sz="2000" dirty="0"/>
-              <a:t>Every block contains a hash of the previous block and a new added only after all previous hashes are recomputed </a:t>
-            </a:r>
-          </a:p>
-          <a:p>
-            <a:pPr algn="just"/>
-            <a:r>
-              <a:rPr lang="en-US" sz="2000" dirty="0"/>
-              <a:t>Distributed data store</a:t>
-            </a:r>
-          </a:p>
-          <a:p>
-            <a:pPr algn="just"/>
-            <a:r>
-              <a:rPr lang="en-US" sz="2000" dirty="0"/>
-              <a:t>Immutability of data stored.</a:t>
-            </a:r>
-          </a:p>
-          <a:p>
-            <a:pPr algn="just"/>
-            <a:r>
-              <a:rPr lang="en-US" sz="2000" dirty="0"/>
-              <a:t>Storing of data is based on agreements between all parties</a:t>
-            </a:r>
-          </a:p>
-          <a:p>
-            <a:pPr algn="just"/>
-            <a:endParaRPr lang="en-US" sz="2000" dirty="0"/>
-          </a:p>
-          <a:p>
-            <a:pPr algn="just"/>
-            <a:endParaRPr lang="en-US" sz="2000" dirty="0"/>
-          </a:p>
-        </p:txBody>
-      </p:sp>
-      <p:sp>
-        <p:nvSpPr>
-          <p:cNvPr id="6" name="Slide Number Placeholder 5"/>
-          <p:cNvSpPr>
-            <a:spLocks noGrp="1"/>
-          </p:cNvSpPr>
-          <p:nvPr>
-            <p:ph type="sldNum" sz="quarter" idx="12"/>
-          </p:nvPr>
-        </p:nvSpPr>
-        <p:spPr>
-          <a:xfrm>
-            <a:off x="9220200" y="6280150"/>
-            <a:ext cx="2743200" cy="365125"/>
-          </a:xfrm>
-        </p:spPr>
-        <p:txBody>
-          <a:bodyPr/>
-          <a:lstStyle/>
-          <a:p>
-            <a:fld id="{0FA269BB-9CF1-436E-9ADF-E46804694E4E}" type="slidenum">
-              <a:rPr lang="en-US" smtClean="0"/>
-              <a:t>3</a:t>
-            </a:fld>
-            <a:endParaRPr lang="en-US" dirty="0"/>
-          </a:p>
-        </p:txBody>
-      </p:sp>
-      <p:sp>
-        <p:nvSpPr>
-          <p:cNvPr id="2" name="Title 1"/>
-          <p:cNvSpPr>
-            <a:spLocks noGrp="1"/>
-          </p:cNvSpPr>
-          <p:nvPr>
-            <p:ph type="title"/>
-          </p:nvPr>
-        </p:nvSpPr>
-        <p:spPr>
-          <a:xfrm>
-            <a:off x="792480" y="15958"/>
-            <a:ext cx="11399520" cy="1325563"/>
-          </a:xfrm>
-        </p:spPr>
-        <p:txBody>
-          <a:bodyPr/>
-          <a:lstStyle/>
-          <a:p>
-            <a:r>
-              <a:rPr lang="en-US" dirty="0"/>
-              <a:t>Blockchain</a:t>
-            </a:r>
-          </a:p>
-        </p:txBody>
-      </p:sp>
-      <p:pic>
-        <p:nvPicPr>
-          <p:cNvPr id="2050" name="Picture 2" descr="Image result for WHat is block chain">
-            <a:extLst>
-              <a:ext uri="{FF2B5EF4-FFF2-40B4-BE49-F238E27FC236}">
-                <a16:creationId xmlns:a16="http://schemas.microsoft.com/office/drawing/2014/main" id="{56E9F3B5-D131-4DEE-BE12-E8437DBE0BFD}"/>
-              </a:ext>
-            </a:extLst>
-          </p:cNvPr>
-          <p:cNvPicPr>
-            <a:picLocks noChangeAspect="1" noChangeArrowheads="1"/>
-          </p:cNvPicPr>
-          <p:nvPr/>
-        </p:nvPicPr>
-        <p:blipFill>
-          <a:blip r:embed="rId3">
-            <a:extLst>
-              <a:ext uri="{28A0092B-C50C-407E-A947-70E740481C1C}">
-                <a14:useLocalDpi xmlns:a14="http://schemas.microsoft.com/office/drawing/2010/main" val="0"/>
-              </a:ext>
-            </a:extLst>
-          </a:blip>
-          <a:srcRect/>
-          <a:stretch>
-            <a:fillRect/>
-          </a:stretch>
-        </p:blipFill>
-        <p:spPr bwMode="auto">
-          <a:xfrm>
-            <a:off x="5218176" y="1978390"/>
-            <a:ext cx="6973824" cy="2901220"/>
-          </a:xfrm>
-          <a:prstGeom prst="rect">
-            <a:avLst/>
-          </a:prstGeom>
-          <a:noFill/>
-          <a:extLst>
-            <a:ext uri="{909E8E84-426E-40DD-AFC4-6F175D3DCCD1}">
-              <a14:hiddenFill xmlns:a14="http://schemas.microsoft.com/office/drawing/2010/main">
-                <a:solidFill>
-                  <a:srgbClr val="FFFFFF"/>
-                </a:solidFill>
-              </a14:hiddenFill>
-            </a:ext>
-          </a:extLst>
-        </p:spPr>
-      </p:pic>
-      <p:sp>
-        <p:nvSpPr>
-          <p:cNvPr id="15" name="Content Placeholder 2">
-            <a:extLst>
-              <a:ext uri="{FF2B5EF4-FFF2-40B4-BE49-F238E27FC236}">
-                <a16:creationId xmlns:a16="http://schemas.microsoft.com/office/drawing/2014/main" id="{1C1BA68A-36E9-4BE8-AF0B-A341A6FFE2F4}"/>
-              </a:ext>
-            </a:extLst>
-          </p:cNvPr>
-          <p:cNvSpPr txBox="1">
-            <a:spLocks/>
-          </p:cNvSpPr>
-          <p:nvPr/>
-        </p:nvSpPr>
-        <p:spPr>
-          <a:xfrm>
-            <a:off x="5623560" y="4856804"/>
-            <a:ext cx="6568440" cy="934396"/>
-          </a:xfrm>
-          <a:prstGeom prst="rect">
-            <a:avLst/>
-          </a:prstGeom>
-        </p:spPr>
-        <p:txBody>
-          <a:bodyPr vert="horz" lIns="91440" tIns="45720" rIns="91440" bIns="45720" rtlCol="0">
-            <a:noAutofit/>
-          </a:bodyPr>
-          <a:lstStyle>
-            <a:lvl1pPr marL="228600" indent="-228600" algn="l" defTabSz="914400" rtl="0" eaLnBrk="1" latinLnBrk="0" hangingPunct="1">
-              <a:lnSpc>
-                <a:spcPct val="90000"/>
-              </a:lnSpc>
-              <a:spcBef>
-                <a:spcPts val="1000"/>
-              </a:spcBef>
-              <a:buFont typeface="Arial" panose="020B0604020202020204" pitchFamily="34" charset="0"/>
-              <a:buChar char="•"/>
-              <a:defRPr sz="3600" kern="1200">
-                <a:solidFill>
-                  <a:schemeClr val="tx1"/>
-                </a:solidFill>
-                <a:latin typeface="+mn-lt"/>
-                <a:ea typeface="+mn-ea"/>
-                <a:cs typeface="+mn-cs"/>
-              </a:defRPr>
-            </a:lvl1pPr>
-            <a:lvl2pPr marL="685800" indent="-228600" algn="l" defTabSz="914400" rtl="0" eaLnBrk="1" latinLnBrk="0" hangingPunct="1">
-              <a:lnSpc>
-                <a:spcPct val="90000"/>
-              </a:lnSpc>
-              <a:spcBef>
-                <a:spcPts val="500"/>
-              </a:spcBef>
-              <a:buFont typeface="Arial" panose="020B0604020202020204" pitchFamily="34" charset="0"/>
-              <a:buChar char="•"/>
-              <a:defRPr sz="3200" kern="1200">
-                <a:solidFill>
-                  <a:schemeClr val="tx1"/>
-                </a:solidFill>
-                <a:latin typeface="+mn-lt"/>
-                <a:ea typeface="+mn-ea"/>
-                <a:cs typeface="+mn-cs"/>
-              </a:defRPr>
-            </a:lvl2pPr>
-            <a:lvl3pPr marL="1143000" indent="-228600" algn="l" defTabSz="914400" rtl="0" eaLnBrk="1" latinLnBrk="0" hangingPunct="1">
-              <a:lnSpc>
-                <a:spcPct val="90000"/>
-              </a:lnSpc>
-              <a:spcBef>
-                <a:spcPts val="500"/>
-              </a:spcBef>
-              <a:buFont typeface="Arial" panose="020B0604020202020204" pitchFamily="34" charset="0"/>
-              <a:buChar char="•"/>
-              <a:defRPr sz="2800" kern="1200">
-                <a:solidFill>
-                  <a:schemeClr val="tx1"/>
-                </a:solidFill>
-                <a:latin typeface="+mn-lt"/>
-                <a:ea typeface="+mn-ea"/>
-                <a:cs typeface="+mn-cs"/>
-              </a:defRPr>
-            </a:lvl3pPr>
-            <a:lvl4pPr marL="1600200" indent="-228600" algn="l" defTabSz="914400" rtl="0" eaLnBrk="1" latinLnBrk="0" hangingPunct="1">
-              <a:lnSpc>
-                <a:spcPct val="90000"/>
-              </a:lnSpc>
-              <a:spcBef>
-                <a:spcPts val="500"/>
-              </a:spcBef>
-              <a:buFont typeface="Arial" panose="020B0604020202020204" pitchFamily="34" charset="0"/>
-              <a:buChar char="•"/>
-              <a:defRPr sz="2400" kern="1200">
-                <a:solidFill>
-                  <a:schemeClr val="tx1"/>
-                </a:solidFill>
-                <a:latin typeface="+mn-lt"/>
-                <a:ea typeface="+mn-ea"/>
-                <a:cs typeface="+mn-cs"/>
-              </a:defRPr>
-            </a:lvl4pPr>
-            <a:lvl5pPr marL="2057400" indent="-228600" algn="l" defTabSz="914400" rtl="0" eaLnBrk="1" latinLnBrk="0" hangingPunct="1">
-              <a:lnSpc>
-                <a:spcPct val="90000"/>
-              </a:lnSpc>
-              <a:spcBef>
-                <a:spcPts val="500"/>
-              </a:spcBef>
-              <a:buFont typeface="Arial" panose="020B0604020202020204" pitchFamily="34" charset="0"/>
-              <a:buChar char="•"/>
-              <a:defRPr sz="2400" kern="1200">
-                <a:solidFill>
-                  <a:schemeClr val="tx1"/>
-                </a:solidFill>
-                <a:latin typeface="+mn-lt"/>
-                <a:ea typeface="+mn-ea"/>
-                <a:cs typeface="+mn-cs"/>
-              </a:defRPr>
-            </a:lvl5pPr>
-            <a:lvl6pPr marL="2514600" indent="-228600" algn="l" defTabSz="914400" rtl="0" eaLnBrk="1" latinLnBrk="0" hangingPunct="1">
-              <a:lnSpc>
-                <a:spcPct val="90000"/>
-              </a:lnSpc>
-              <a:spcBef>
-                <a:spcPts val="500"/>
-              </a:spcBef>
-              <a:buFont typeface="Arial" panose="020B0604020202020204" pitchFamily="34" charset="0"/>
-              <a:buChar char="•"/>
-              <a:defRPr sz="1800" kern="1200">
-                <a:solidFill>
-                  <a:schemeClr val="tx1"/>
-                </a:solidFill>
-                <a:latin typeface="+mn-lt"/>
-                <a:ea typeface="+mn-ea"/>
-                <a:cs typeface="+mn-cs"/>
-              </a:defRPr>
-            </a:lvl6pPr>
-            <a:lvl7pPr marL="2971800" indent="-228600" algn="l" defTabSz="914400" rtl="0" eaLnBrk="1" latinLnBrk="0" hangingPunct="1">
-              <a:lnSpc>
-                <a:spcPct val="90000"/>
-              </a:lnSpc>
-              <a:spcBef>
-                <a:spcPts val="500"/>
-              </a:spcBef>
-              <a:buFont typeface="Arial" panose="020B0604020202020204" pitchFamily="34" charset="0"/>
-              <a:buChar char="•"/>
-              <a:defRPr sz="1800" kern="1200">
-                <a:solidFill>
-                  <a:schemeClr val="tx1"/>
-                </a:solidFill>
-                <a:latin typeface="+mn-lt"/>
-                <a:ea typeface="+mn-ea"/>
-                <a:cs typeface="+mn-cs"/>
-              </a:defRPr>
-            </a:lvl7pPr>
-            <a:lvl8pPr marL="3429000" indent="-228600" algn="l" defTabSz="914400" rtl="0" eaLnBrk="1" latinLnBrk="0" hangingPunct="1">
-              <a:lnSpc>
-                <a:spcPct val="90000"/>
-              </a:lnSpc>
-              <a:spcBef>
-                <a:spcPts val="500"/>
-              </a:spcBef>
-              <a:buFont typeface="Arial" panose="020B0604020202020204" pitchFamily="34" charset="0"/>
-              <a:buChar char="•"/>
-              <a:defRPr sz="1800" kern="1200">
-                <a:solidFill>
-                  <a:schemeClr val="tx1"/>
-                </a:solidFill>
-                <a:latin typeface="+mn-lt"/>
-                <a:ea typeface="+mn-ea"/>
-                <a:cs typeface="+mn-cs"/>
-              </a:defRPr>
-            </a:lvl8pPr>
-            <a:lvl9pPr marL="3886200" indent="-228600" algn="l" defTabSz="914400" rtl="0" eaLnBrk="1" latinLnBrk="0" hangingPunct="1">
-              <a:lnSpc>
-                <a:spcPct val="90000"/>
-              </a:lnSpc>
-              <a:spcBef>
-                <a:spcPts val="500"/>
-              </a:spcBef>
-              <a:buFont typeface="Arial" panose="020B0604020202020204" pitchFamily="34" charset="0"/>
-              <a:buChar char="•"/>
-              <a:defRPr sz="1800" kern="1200">
-                <a:solidFill>
-                  <a:schemeClr val="tx1"/>
-                </a:solidFill>
-                <a:latin typeface="+mn-lt"/>
-                <a:ea typeface="+mn-ea"/>
-                <a:cs typeface="+mn-cs"/>
-              </a:defRPr>
-            </a:lvl9pPr>
-          </a:lstStyle>
-          <a:p>
-            <a:pPr marL="0" indent="0" algn="just">
-              <a:buNone/>
-            </a:pPr>
-            <a:r>
-              <a:rPr lang="en-US" sz="1600" b="1" dirty="0"/>
-              <a:t>**Genesis block </a:t>
-            </a:r>
-          </a:p>
-          <a:p>
-            <a:pPr algn="just"/>
-            <a:r>
-              <a:rPr lang="en-US" sz="1400" dirty="0"/>
-              <a:t>It is first block for the chain</a:t>
-            </a:r>
-          </a:p>
-          <a:p>
-            <a:pPr algn="just"/>
-            <a:r>
-              <a:rPr lang="en-US" sz="1400" dirty="0"/>
-              <a:t>It is created using the genesis state file or </a:t>
-            </a:r>
-            <a:r>
-              <a:rPr lang="en-US" sz="1400" dirty="0" err="1"/>
-              <a:t>genesis.json</a:t>
-            </a:r>
-            <a:endParaRPr lang="en-US" sz="1400" dirty="0"/>
-          </a:p>
-          <a:p>
-            <a:pPr algn="just"/>
-            <a:endParaRPr lang="en-US" sz="1400" dirty="0"/>
-          </a:p>
-          <a:p>
-            <a:pPr algn="just"/>
-            <a:endParaRPr lang="en-US" sz="1400" dirty="0"/>
-          </a:p>
-        </p:txBody>
-      </p:sp>
-      <p:sp>
-        <p:nvSpPr>
-          <p:cNvPr id="20" name="TextBox 19">
-            <a:extLst>
-              <a:ext uri="{FF2B5EF4-FFF2-40B4-BE49-F238E27FC236}">
-                <a16:creationId xmlns:a16="http://schemas.microsoft.com/office/drawing/2014/main" id="{C620E2B9-AA12-466F-A29C-243D5E1680ED}"/>
-              </a:ext>
-            </a:extLst>
-          </p:cNvPr>
-          <p:cNvSpPr txBox="1"/>
-          <p:nvPr/>
-        </p:nvSpPr>
-        <p:spPr>
-          <a:xfrm>
-            <a:off x="258064" y="5964659"/>
-            <a:ext cx="5501640" cy="369332"/>
-          </a:xfrm>
-          <a:prstGeom prst="rect">
-            <a:avLst/>
-          </a:prstGeom>
-          <a:noFill/>
-        </p:spPr>
-        <p:txBody>
-          <a:bodyPr wrap="square" rtlCol="0">
-            <a:spAutoFit/>
-          </a:bodyPr>
-          <a:lstStyle/>
-          <a:p>
-            <a:r>
-              <a:rPr lang="en-US" dirty="0">
-                <a:hlinkClick r:id="rId4"/>
-              </a:rPr>
-              <a:t>Blockchain 101 Visual Demo Video</a:t>
-            </a:r>
-            <a:endParaRPr lang="en-US" dirty="0"/>
-          </a:p>
-        </p:txBody>
-      </p:sp>
-      <p:sp>
-        <p:nvSpPr>
-          <p:cNvPr id="23" name="TextBox 22">
-            <a:extLst>
-              <a:ext uri="{FF2B5EF4-FFF2-40B4-BE49-F238E27FC236}">
-                <a16:creationId xmlns:a16="http://schemas.microsoft.com/office/drawing/2014/main" id="{A5E976ED-F9B2-43EF-90AB-5CAB006822FC}"/>
-              </a:ext>
-            </a:extLst>
-          </p:cNvPr>
-          <p:cNvSpPr txBox="1"/>
-          <p:nvPr/>
-        </p:nvSpPr>
-        <p:spPr>
-          <a:xfrm>
-            <a:off x="5759704" y="5968970"/>
-            <a:ext cx="5486400" cy="369332"/>
-          </a:xfrm>
-          <a:prstGeom prst="rect">
-            <a:avLst/>
-          </a:prstGeom>
-          <a:noFill/>
-        </p:spPr>
-        <p:txBody>
-          <a:bodyPr wrap="square" rtlCol="0">
-            <a:spAutoFit/>
-          </a:bodyPr>
-          <a:lstStyle/>
-          <a:p>
-            <a:r>
-              <a:rPr lang="en-US" dirty="0">
-                <a:hlinkClick r:id="rId5"/>
-              </a:rPr>
-              <a:t>Blockchain 101 Visual Demo</a:t>
-            </a:r>
-            <a:endParaRPr lang="en-US" dirty="0"/>
-          </a:p>
-        </p:txBody>
-      </p:sp>
-    </p:spTree>
-    <p:extLst>
-      <p:ext uri="{BB962C8B-B14F-4D97-AF65-F5344CB8AC3E}">
-        <p14:creationId xmlns:p14="http://schemas.microsoft.com/office/powerpoint/2010/main" val="4026179288"/>
-      </p:ext>
-    </p:extLst>
-  </p:cSld>
-  <p:clrMapOvr>
-    <a:masterClrMapping/>
-  </p:clrMapOvr>
-</p:sld>
-</file>
-
-<file path=ppt/slides/slide4.xml><?xml version="1.0" encoding="utf-8"?>
-<p:sld xmlns:a="http://schemas.openxmlformats.org/drawingml/2006/main" xmlns:r="http://schemas.openxmlformats.org/officeDocument/2006/relationships" xmlns:p="http://schemas.openxmlformats.org/presentationml/2006/main">
-  <p:cSld>
-    <p:spTree>
-      <p:nvGrpSpPr>
-        <p:cNvPr id="1" name=""/>
-        <p:cNvGrpSpPr/>
-        <p:nvPr/>
-      </p:nvGrpSpPr>
-      <p:grpSpPr>
-        <a:xfrm>
-          <a:off x="0" y="0"/>
-          <a:ext cx="0" cy="0"/>
-          <a:chOff x="0" y="0"/>
-          <a:chExt cx="0" cy="0"/>
-        </a:xfrm>
-      </p:grpSpPr>
-      <p:sp>
-        <p:nvSpPr>
-          <p:cNvPr id="3" name="Title 2">
-            <a:extLst>
-              <a:ext uri="{FF2B5EF4-FFF2-40B4-BE49-F238E27FC236}">
-                <a16:creationId xmlns:a16="http://schemas.microsoft.com/office/drawing/2014/main" id="{01C7A0F6-AA7D-46B8-94E5-AA3D4BC48269}"/>
-              </a:ext>
-            </a:extLst>
-          </p:cNvPr>
-          <p:cNvSpPr>
-            <a:spLocks noGrp="1"/>
-          </p:cNvSpPr>
-          <p:nvPr>
-            <p:ph type="title"/>
-          </p:nvPr>
-        </p:nvSpPr>
-        <p:spPr/>
-        <p:txBody>
-          <a:bodyPr>
-            <a:normAutofit fontScale="90000"/>
-          </a:bodyPr>
-          <a:lstStyle/>
-          <a:p>
-            <a:r>
-              <a:rPr lang="en-US" dirty="0"/>
-              <a:t>D-Apps(Decentralized </a:t>
-            </a:r>
-            <a:br>
-              <a:rPr lang="en-US" dirty="0"/>
-            </a:br>
-            <a:r>
-              <a:rPr lang="en-US" dirty="0"/>
-              <a:t>Applications)</a:t>
-            </a:r>
-          </a:p>
-        </p:txBody>
-      </p:sp>
-      <p:sp>
-        <p:nvSpPr>
-          <p:cNvPr id="5" name="Rectangle 4">
-            <a:extLst>
-              <a:ext uri="{FF2B5EF4-FFF2-40B4-BE49-F238E27FC236}">
-                <a16:creationId xmlns:a16="http://schemas.microsoft.com/office/drawing/2014/main" id="{D598F40E-CA1F-48F6-81DB-E6BFE7C02C5E}"/>
-              </a:ext>
-            </a:extLst>
-          </p:cNvPr>
-          <p:cNvSpPr/>
-          <p:nvPr/>
-        </p:nvSpPr>
-        <p:spPr>
-          <a:xfrm>
-            <a:off x="207264" y="1668655"/>
-            <a:ext cx="11789664" cy="1477328"/>
-          </a:xfrm>
-          <a:prstGeom prst="rect">
-            <a:avLst/>
-          </a:prstGeom>
-        </p:spPr>
-        <p:txBody>
-          <a:bodyPr wrap="square">
-            <a:spAutoFit/>
-          </a:bodyPr>
-          <a:lstStyle/>
-          <a:p>
-            <a:pPr marL="285750" indent="-285750">
-              <a:buFont typeface="Arial" panose="020B0604020202020204" pitchFamily="34" charset="0"/>
-              <a:buChar char="•"/>
-            </a:pPr>
-            <a:r>
-              <a:rPr lang="en-US" dirty="0"/>
-              <a:t>Decentralized applications (D-Apps) are applications that run on a P2P network of computers rather than some kind of hosting service.</a:t>
-            </a:r>
-          </a:p>
-          <a:p>
-            <a:pPr marL="285750" indent="-285750">
-              <a:buFont typeface="Arial" panose="020B0604020202020204" pitchFamily="34" charset="0"/>
-              <a:buChar char="•"/>
-            </a:pPr>
-            <a:r>
-              <a:rPr lang="en-US" dirty="0"/>
-              <a:t>D-Apps are a ‘blockchain enabled’, where the Smart Contract is used to connect to the blockchain</a:t>
-            </a:r>
-          </a:p>
-          <a:p>
-            <a:pPr marL="285750" indent="-285750">
-              <a:buFont typeface="Arial" panose="020B0604020202020204" pitchFamily="34" charset="0"/>
-              <a:buChar char="•"/>
-            </a:pPr>
-            <a:r>
-              <a:rPr lang="en-US" dirty="0"/>
-              <a:t>D-Apps backend is immutable. Not a general data platform that can be used for any types of applications. </a:t>
-            </a:r>
-          </a:p>
-          <a:p>
-            <a:pPr marL="285750" indent="-285750">
-              <a:buFont typeface="Arial" panose="020B0604020202020204" pitchFamily="34" charset="0"/>
-              <a:buChar char="•"/>
-            </a:pPr>
-            <a:r>
-              <a:rPr lang="en-US" dirty="0"/>
-              <a:t>Typically has an off chain database</a:t>
-            </a:r>
-          </a:p>
-        </p:txBody>
-      </p:sp>
-      <p:sp>
-        <p:nvSpPr>
-          <p:cNvPr id="6" name="Rectangle: Rounded Corners 5">
-            <a:extLst>
-              <a:ext uri="{FF2B5EF4-FFF2-40B4-BE49-F238E27FC236}">
-                <a16:creationId xmlns:a16="http://schemas.microsoft.com/office/drawing/2014/main" id="{CE32A826-1A6D-47B8-BF4A-0156FA19569C}"/>
-              </a:ext>
-            </a:extLst>
-          </p:cNvPr>
-          <p:cNvSpPr/>
-          <p:nvPr/>
-        </p:nvSpPr>
-        <p:spPr>
-          <a:xfrm>
-            <a:off x="2170176" y="3465576"/>
-            <a:ext cx="2767584" cy="633984"/>
-          </a:xfrm>
-          <a:prstGeom prst="roundRect">
-            <a:avLst/>
-          </a:prstGeom>
-          <a:solidFill>
-            <a:schemeClr val="bg1"/>
-          </a:solidFill>
-        </p:spPr>
-        <p:style>
-          <a:lnRef idx="2">
-            <a:schemeClr val="accent1">
-              <a:shade val="50000"/>
-            </a:schemeClr>
-          </a:lnRef>
-          <a:fillRef idx="1">
-            <a:schemeClr val="accent1"/>
-          </a:fillRef>
-          <a:effectRef idx="0">
-            <a:schemeClr val="accent1"/>
-          </a:effectRef>
-          <a:fontRef idx="minor">
-            <a:schemeClr val="lt1"/>
-          </a:fontRef>
-        </p:style>
-        <p:txBody>
-          <a:bodyPr rtlCol="0" anchor="ctr"/>
-          <a:lstStyle/>
-          <a:p>
-            <a:pPr algn="ctr"/>
-            <a:r>
-              <a:rPr lang="en-US" dirty="0">
-                <a:solidFill>
-                  <a:schemeClr val="tx1"/>
-                </a:solidFill>
-              </a:rPr>
-              <a:t>      Front End</a:t>
-            </a:r>
-          </a:p>
-        </p:txBody>
-      </p:sp>
-      <p:sp>
-        <p:nvSpPr>
-          <p:cNvPr id="7" name="Rectangle: Rounded Corners 6">
-            <a:extLst>
-              <a:ext uri="{FF2B5EF4-FFF2-40B4-BE49-F238E27FC236}">
-                <a16:creationId xmlns:a16="http://schemas.microsoft.com/office/drawing/2014/main" id="{C6C7A8A1-A47C-4AD3-8A51-D635ABF0090E}"/>
-              </a:ext>
-            </a:extLst>
-          </p:cNvPr>
-          <p:cNvSpPr/>
-          <p:nvPr/>
-        </p:nvSpPr>
-        <p:spPr>
-          <a:xfrm>
-            <a:off x="2170176" y="4464136"/>
-            <a:ext cx="2767584" cy="633984"/>
-          </a:xfrm>
-          <a:prstGeom prst="roundRect">
-            <a:avLst/>
-          </a:prstGeom>
-          <a:solidFill>
-            <a:schemeClr val="bg1"/>
-          </a:solidFill>
-        </p:spPr>
-        <p:style>
-          <a:lnRef idx="2">
-            <a:schemeClr val="accent1">
-              <a:shade val="50000"/>
-            </a:schemeClr>
-          </a:lnRef>
-          <a:fillRef idx="1">
-            <a:schemeClr val="accent1"/>
-          </a:fillRef>
-          <a:effectRef idx="0">
-            <a:schemeClr val="accent1"/>
-          </a:effectRef>
-          <a:fontRef idx="minor">
-            <a:schemeClr val="lt1"/>
-          </a:fontRef>
-        </p:style>
-        <p:txBody>
-          <a:bodyPr rot="0" spcFirstLastPara="0" vertOverflow="overflow" horzOverflow="overflow" vert="horz" wrap="square" lIns="91440" tIns="45720" rIns="91440" bIns="45720" numCol="1" spcCol="0" rtlCol="0" fromWordArt="0" anchor="ctr" anchorCtr="0" forceAA="0" compatLnSpc="1">
-            <a:prstTxWarp prst="textNoShape">
-              <a:avLst/>
-            </a:prstTxWarp>
-            <a:noAutofit/>
-          </a:bodyPr>
-          <a:lstStyle/>
-          <a:p>
-            <a:pPr algn="ctr"/>
-            <a:endParaRPr lang="en-US" dirty="0">
-              <a:solidFill>
-                <a:schemeClr val="tx1"/>
-              </a:solidFill>
-            </a:endParaRPr>
-          </a:p>
-        </p:txBody>
-      </p:sp>
-      <p:pic>
-        <p:nvPicPr>
-          <p:cNvPr id="2050" name="Picture 2" descr="Related image">
-            <a:extLst>
-              <a:ext uri="{FF2B5EF4-FFF2-40B4-BE49-F238E27FC236}">
-                <a16:creationId xmlns:a16="http://schemas.microsoft.com/office/drawing/2014/main" id="{22B4AC60-06D9-4B45-BF95-0E00509D6E7A}"/>
-              </a:ext>
-            </a:extLst>
-          </p:cNvPr>
-          <p:cNvPicPr>
-            <a:picLocks noChangeAspect="1" noChangeArrowheads="1"/>
-          </p:cNvPicPr>
-          <p:nvPr/>
-        </p:nvPicPr>
-        <p:blipFill>
-          <a:blip r:embed="rId2" cstate="print">
-            <a:extLst>
-              <a:ext uri="{28A0092B-C50C-407E-A947-70E740481C1C}">
-                <a14:useLocalDpi xmlns:a14="http://schemas.microsoft.com/office/drawing/2010/main" val="0"/>
-              </a:ext>
-            </a:extLst>
-          </a:blip>
-          <a:srcRect/>
-          <a:stretch>
-            <a:fillRect/>
-          </a:stretch>
-        </p:blipFill>
-        <p:spPr bwMode="auto">
-          <a:xfrm>
-            <a:off x="3982053" y="5696712"/>
-            <a:ext cx="704405" cy="866220"/>
-          </a:xfrm>
-          <a:prstGeom prst="rect">
-            <a:avLst/>
-          </a:prstGeom>
-          <a:noFill/>
-          <a:extLst>
-            <a:ext uri="{909E8E84-426E-40DD-AFC4-6F175D3DCCD1}">
-              <a14:hiddenFill xmlns:a14="http://schemas.microsoft.com/office/drawing/2010/main">
-                <a:solidFill>
-                  <a:srgbClr val="FFFFFF"/>
-                </a:solidFill>
-              </a14:hiddenFill>
-            </a:ext>
-          </a:extLst>
-        </p:spPr>
-      </p:pic>
-      <p:pic>
-        <p:nvPicPr>
-          <p:cNvPr id="2052" name="Picture 4" descr="Image result for web services">
-            <a:extLst>
-              <a:ext uri="{FF2B5EF4-FFF2-40B4-BE49-F238E27FC236}">
-                <a16:creationId xmlns:a16="http://schemas.microsoft.com/office/drawing/2014/main" id="{A73237B1-09AF-4AA4-9C6C-8BA4355870E5}"/>
-              </a:ext>
-            </a:extLst>
-          </p:cNvPr>
-          <p:cNvPicPr>
-            <a:picLocks noChangeAspect="1" noChangeArrowheads="1"/>
-          </p:cNvPicPr>
-          <p:nvPr/>
-        </p:nvPicPr>
-        <p:blipFill>
-          <a:blip r:embed="rId3" cstate="print">
-            <a:extLst>
-              <a:ext uri="{28A0092B-C50C-407E-A947-70E740481C1C}">
-                <a14:useLocalDpi xmlns:a14="http://schemas.microsoft.com/office/drawing/2010/main" val="0"/>
-              </a:ext>
-            </a:extLst>
-          </a:blip>
-          <a:srcRect/>
-          <a:stretch>
-            <a:fillRect/>
-          </a:stretch>
-        </p:blipFill>
-        <p:spPr bwMode="auto">
-          <a:xfrm>
-            <a:off x="2450797" y="5696711"/>
-            <a:ext cx="1121459" cy="871467"/>
-          </a:xfrm>
-          <a:prstGeom prst="rect">
-            <a:avLst/>
-          </a:prstGeom>
-          <a:noFill/>
-          <a:extLst>
-            <a:ext uri="{909E8E84-426E-40DD-AFC4-6F175D3DCCD1}">
-              <a14:hiddenFill xmlns:a14="http://schemas.microsoft.com/office/drawing/2010/main">
-                <a:solidFill>
-                  <a:srgbClr val="FFFFFF"/>
-                </a:solidFill>
-              </a14:hiddenFill>
-            </a:ext>
-          </a:extLst>
-        </p:spPr>
-      </p:pic>
-      <p:sp>
-        <p:nvSpPr>
-          <p:cNvPr id="16" name="Rectangle: Rounded Corners 15">
-            <a:extLst>
-              <a:ext uri="{FF2B5EF4-FFF2-40B4-BE49-F238E27FC236}">
-                <a16:creationId xmlns:a16="http://schemas.microsoft.com/office/drawing/2014/main" id="{7A7A2121-9E4A-42C7-9334-525DF4491814}"/>
-              </a:ext>
-            </a:extLst>
-          </p:cNvPr>
-          <p:cNvSpPr/>
-          <p:nvPr/>
-        </p:nvSpPr>
-        <p:spPr>
-          <a:xfrm>
-            <a:off x="7114032" y="3065423"/>
-            <a:ext cx="2767584" cy="633984"/>
-          </a:xfrm>
-          <a:prstGeom prst="roundRect">
-            <a:avLst/>
-          </a:prstGeom>
-          <a:solidFill>
-            <a:schemeClr val="bg1"/>
-          </a:solidFill>
-        </p:spPr>
-        <p:style>
-          <a:lnRef idx="2">
-            <a:schemeClr val="accent1">
-              <a:shade val="50000"/>
-            </a:schemeClr>
-          </a:lnRef>
-          <a:fillRef idx="1">
-            <a:schemeClr val="accent1"/>
-          </a:fillRef>
-          <a:effectRef idx="0">
-            <a:schemeClr val="accent1"/>
-          </a:effectRef>
-          <a:fontRef idx="minor">
-            <a:schemeClr val="lt1"/>
-          </a:fontRef>
-        </p:style>
-        <p:txBody>
-          <a:bodyPr rot="0" spcFirstLastPara="0" vertOverflow="overflow" horzOverflow="overflow" vert="horz" wrap="square" lIns="91440" tIns="45720" rIns="91440" bIns="45720" numCol="1" spcCol="0" rtlCol="0" fromWordArt="0" anchor="ctr" anchorCtr="0" forceAA="0" compatLnSpc="1">
-            <a:prstTxWarp prst="textNoShape">
-              <a:avLst/>
-            </a:prstTxWarp>
-            <a:noAutofit/>
-          </a:bodyPr>
-          <a:lstStyle/>
-          <a:p>
-            <a:pPr algn="ctr"/>
-            <a:r>
-              <a:rPr lang="en-US" dirty="0">
-                <a:solidFill>
-                  <a:schemeClr val="tx1"/>
-                </a:solidFill>
-              </a:rPr>
-              <a:t>        Front End</a:t>
-            </a:r>
-          </a:p>
-        </p:txBody>
-      </p:sp>
-      <p:sp>
-        <p:nvSpPr>
-          <p:cNvPr id="17" name="Rectangle: Rounded Corners 16">
-            <a:extLst>
-              <a:ext uri="{FF2B5EF4-FFF2-40B4-BE49-F238E27FC236}">
-                <a16:creationId xmlns:a16="http://schemas.microsoft.com/office/drawing/2014/main" id="{9E3FEF91-9ADF-4198-B176-C09F82FE8628}"/>
-              </a:ext>
-            </a:extLst>
-          </p:cNvPr>
-          <p:cNvSpPr/>
-          <p:nvPr/>
-        </p:nvSpPr>
-        <p:spPr>
-          <a:xfrm>
-            <a:off x="7114032" y="4063983"/>
-            <a:ext cx="2767584" cy="633984"/>
-          </a:xfrm>
-          <a:prstGeom prst="roundRect">
-            <a:avLst/>
-          </a:prstGeom>
-          <a:solidFill>
-            <a:schemeClr val="bg1"/>
-          </a:solidFill>
-        </p:spPr>
-        <p:style>
-          <a:lnRef idx="2">
-            <a:schemeClr val="accent1">
-              <a:shade val="50000"/>
-            </a:schemeClr>
-          </a:lnRef>
-          <a:fillRef idx="1">
-            <a:schemeClr val="accent1"/>
-          </a:fillRef>
-          <a:effectRef idx="0">
-            <a:schemeClr val="accent1"/>
-          </a:effectRef>
-          <a:fontRef idx="minor">
-            <a:schemeClr val="lt1"/>
-          </a:fontRef>
-        </p:style>
-        <p:txBody>
-          <a:bodyPr rot="0" spcFirstLastPara="0" vertOverflow="overflow" horzOverflow="overflow" vert="horz" wrap="square" lIns="91440" tIns="45720" rIns="91440" bIns="45720" numCol="1" spcCol="0" rtlCol="0" fromWordArt="0" anchor="ctr" anchorCtr="0" forceAA="0" compatLnSpc="1">
-            <a:prstTxWarp prst="textNoShape">
-              <a:avLst/>
-            </a:prstTxWarp>
-            <a:noAutofit/>
-          </a:bodyPr>
-          <a:lstStyle/>
-          <a:p>
-            <a:pPr algn="ctr"/>
-            <a:endParaRPr lang="en-US" dirty="0">
-              <a:solidFill>
-                <a:schemeClr val="tx1"/>
-              </a:solidFill>
-            </a:endParaRPr>
-          </a:p>
-        </p:txBody>
-      </p:sp>
-      <p:sp>
-        <p:nvSpPr>
-          <p:cNvPr id="8" name="Rectangle: Rounded Corners 7">
-            <a:extLst>
-              <a:ext uri="{FF2B5EF4-FFF2-40B4-BE49-F238E27FC236}">
-                <a16:creationId xmlns:a16="http://schemas.microsoft.com/office/drawing/2014/main" id="{E777A729-1F6F-4F6E-8A93-208948500B01}"/>
-              </a:ext>
-            </a:extLst>
-          </p:cNvPr>
-          <p:cNvSpPr/>
-          <p:nvPr/>
-        </p:nvSpPr>
-        <p:spPr>
-          <a:xfrm>
-            <a:off x="7144512" y="5010912"/>
-            <a:ext cx="2767584" cy="1584960"/>
-          </a:xfrm>
-          <a:prstGeom prst="roundRect">
-            <a:avLst/>
-          </a:prstGeom>
-          <a:solidFill>
-            <a:schemeClr val="bg1"/>
-          </a:solidFill>
-        </p:spPr>
-        <p:style>
-          <a:lnRef idx="2">
-            <a:schemeClr val="accent1">
-              <a:shade val="50000"/>
-            </a:schemeClr>
-          </a:lnRef>
-          <a:fillRef idx="1">
-            <a:schemeClr val="accent1"/>
-          </a:fillRef>
-          <a:effectRef idx="0">
-            <a:schemeClr val="accent1"/>
-          </a:effectRef>
-          <a:fontRef idx="minor">
-            <a:schemeClr val="lt1"/>
-          </a:fontRef>
-        </p:style>
-        <p:txBody>
-          <a:bodyPr rot="0" spcFirstLastPara="0" vertOverflow="overflow" horzOverflow="overflow" vert="horz" wrap="square" lIns="91440" tIns="45720" rIns="91440" bIns="45720" numCol="1" spcCol="0" rtlCol="0" fromWordArt="0" anchor="b" anchorCtr="0" forceAA="0" compatLnSpc="1">
-            <a:prstTxWarp prst="textNoShape">
-              <a:avLst/>
-            </a:prstTxWarp>
-            <a:noAutofit/>
-          </a:bodyPr>
-          <a:lstStyle/>
-          <a:p>
-            <a:endParaRPr lang="en-US" dirty="0">
-              <a:solidFill>
-                <a:schemeClr val="tx1"/>
-              </a:solidFill>
-            </a:endParaRPr>
-          </a:p>
-        </p:txBody>
-      </p:sp>
-      <p:sp>
-        <p:nvSpPr>
-          <p:cNvPr id="21" name="Rectangle: Rounded Corners 20">
-            <a:extLst>
-              <a:ext uri="{FF2B5EF4-FFF2-40B4-BE49-F238E27FC236}">
-                <a16:creationId xmlns:a16="http://schemas.microsoft.com/office/drawing/2014/main" id="{04571AC8-F05E-4422-A0AC-C85B0DC4FF60}"/>
-              </a:ext>
-            </a:extLst>
-          </p:cNvPr>
-          <p:cNvSpPr/>
-          <p:nvPr/>
-        </p:nvSpPr>
-        <p:spPr>
-          <a:xfrm>
-            <a:off x="7370064" y="5172455"/>
-            <a:ext cx="2292096" cy="481584"/>
-          </a:xfrm>
-          <a:prstGeom prst="roundRect">
-            <a:avLst/>
-          </a:prstGeom>
-          <a:solidFill>
-            <a:schemeClr val="bg1"/>
-          </a:solidFill>
-        </p:spPr>
-        <p:style>
-          <a:lnRef idx="2">
-            <a:schemeClr val="accent1">
-              <a:shade val="50000"/>
-            </a:schemeClr>
-          </a:lnRef>
-          <a:fillRef idx="1">
-            <a:schemeClr val="accent1"/>
-          </a:fillRef>
-          <a:effectRef idx="0">
-            <a:schemeClr val="accent1"/>
-          </a:effectRef>
-          <a:fontRef idx="minor">
-            <a:schemeClr val="lt1"/>
-          </a:fontRef>
-        </p:style>
-        <p:txBody>
-          <a:bodyPr rot="0" spcFirstLastPara="0" vertOverflow="overflow" horzOverflow="overflow" vert="horz" wrap="square" lIns="91440" tIns="45720" rIns="91440" bIns="45720" numCol="1" spcCol="0" rtlCol="0" fromWordArt="0" anchor="ctr" anchorCtr="0" forceAA="0" compatLnSpc="1">
-            <a:prstTxWarp prst="textNoShape">
-              <a:avLst/>
-            </a:prstTxWarp>
-            <a:noAutofit/>
-          </a:bodyPr>
-          <a:lstStyle/>
-          <a:p>
-            <a:pPr algn="ctr"/>
-            <a:r>
-              <a:rPr lang="en-US" dirty="0">
-                <a:solidFill>
-                  <a:schemeClr val="tx1"/>
-                </a:solidFill>
-              </a:rPr>
-              <a:t>Smart Contracts</a:t>
-            </a:r>
-          </a:p>
-        </p:txBody>
-      </p:sp>
-      <p:pic>
-        <p:nvPicPr>
-          <p:cNvPr id="1026" name="Picture 2" descr="Related image">
-            <a:extLst>
-              <a:ext uri="{FF2B5EF4-FFF2-40B4-BE49-F238E27FC236}">
-                <a16:creationId xmlns:a16="http://schemas.microsoft.com/office/drawing/2014/main" id="{FECB5605-E0CB-4EC0-92D1-E13CB5CC0FB1}"/>
-              </a:ext>
-            </a:extLst>
-          </p:cNvPr>
-          <p:cNvPicPr>
-            <a:picLocks noChangeAspect="1" noChangeArrowheads="1"/>
-          </p:cNvPicPr>
-          <p:nvPr/>
-        </p:nvPicPr>
-        <p:blipFill>
-          <a:blip r:embed="rId4" cstate="print">
-            <a:extLst>
-              <a:ext uri="{28A0092B-C50C-407E-A947-70E740481C1C}">
-                <a14:useLocalDpi xmlns:a14="http://schemas.microsoft.com/office/drawing/2010/main" val="0"/>
-              </a:ext>
-            </a:extLst>
-          </a:blip>
-          <a:srcRect/>
-          <a:stretch>
-            <a:fillRect/>
-          </a:stretch>
-        </p:blipFill>
-        <p:spPr bwMode="auto">
-          <a:xfrm>
-            <a:off x="8124601" y="5780419"/>
-            <a:ext cx="789655" cy="789655"/>
-          </a:xfrm>
-          <a:prstGeom prst="rect">
-            <a:avLst/>
-          </a:prstGeom>
-          <a:noFill/>
-          <a:extLst>
-            <a:ext uri="{909E8E84-426E-40DD-AFC4-6F175D3DCCD1}">
-              <a14:hiddenFill xmlns:a14="http://schemas.microsoft.com/office/drawing/2010/main">
-                <a:solidFill>
-                  <a:srgbClr val="FFFFFF"/>
-                </a:solidFill>
-              </a14:hiddenFill>
-            </a:ext>
-          </a:extLst>
-        </p:spPr>
-      </p:pic>
-      <p:cxnSp>
-        <p:nvCxnSpPr>
-          <p:cNvPr id="4" name="Straight Arrow Connector 3">
-            <a:extLst>
-              <a:ext uri="{FF2B5EF4-FFF2-40B4-BE49-F238E27FC236}">
-                <a16:creationId xmlns:a16="http://schemas.microsoft.com/office/drawing/2014/main" id="{B595E536-3DF7-4D6D-95A0-5D8F4B6CDFBA}"/>
-              </a:ext>
-            </a:extLst>
-          </p:cNvPr>
-          <p:cNvCxnSpPr>
-            <a:stCxn id="16" idx="2"/>
-            <a:endCxn id="17" idx="0"/>
-          </p:cNvCxnSpPr>
-          <p:nvPr/>
-        </p:nvCxnSpPr>
-        <p:spPr>
-          <a:xfrm>
-            <a:off x="8497824" y="3699407"/>
-            <a:ext cx="0" cy="364576"/>
-          </a:xfrm>
-          <a:prstGeom prst="straightConnector1">
-            <a:avLst/>
-          </a:prstGeom>
-          <a:ln w="38100">
-            <a:tailEnd type="triangle"/>
-          </a:ln>
-        </p:spPr>
-        <p:style>
-          <a:lnRef idx="1">
-            <a:schemeClr val="accent1"/>
-          </a:lnRef>
-          <a:fillRef idx="0">
-            <a:schemeClr val="accent1"/>
-          </a:fillRef>
-          <a:effectRef idx="0">
-            <a:schemeClr val="accent1"/>
-          </a:effectRef>
-          <a:fontRef idx="minor">
-            <a:schemeClr val="tx1"/>
-          </a:fontRef>
-        </p:style>
-      </p:cxnSp>
-      <p:cxnSp>
-        <p:nvCxnSpPr>
-          <p:cNvPr id="15" name="Straight Arrow Connector 14">
-            <a:extLst>
-              <a:ext uri="{FF2B5EF4-FFF2-40B4-BE49-F238E27FC236}">
-                <a16:creationId xmlns:a16="http://schemas.microsoft.com/office/drawing/2014/main" id="{DD1BE848-EF8E-4A88-AD11-5F466840E067}"/>
-              </a:ext>
-            </a:extLst>
-          </p:cNvPr>
-          <p:cNvCxnSpPr>
-            <a:cxnSpLocks/>
-            <a:stCxn id="17" idx="2"/>
-            <a:endCxn id="21" idx="0"/>
-          </p:cNvCxnSpPr>
-          <p:nvPr/>
-        </p:nvCxnSpPr>
-        <p:spPr>
-          <a:xfrm>
-            <a:off x="8497824" y="4697967"/>
-            <a:ext cx="18288" cy="474488"/>
-          </a:xfrm>
-          <a:prstGeom prst="straightConnector1">
-            <a:avLst/>
-          </a:prstGeom>
-          <a:ln w="38100">
-            <a:tailEnd type="triangle"/>
-          </a:ln>
-        </p:spPr>
-        <p:style>
-          <a:lnRef idx="1">
-            <a:schemeClr val="accent1"/>
-          </a:lnRef>
-          <a:fillRef idx="0">
-            <a:schemeClr val="accent1"/>
-          </a:fillRef>
-          <a:effectRef idx="0">
-            <a:schemeClr val="accent1"/>
-          </a:effectRef>
-          <a:fontRef idx="minor">
-            <a:schemeClr val="tx1"/>
-          </a:fontRef>
-        </p:style>
-      </p:cxnSp>
-      <p:cxnSp>
-        <p:nvCxnSpPr>
-          <p:cNvPr id="22" name="Straight Arrow Connector 21">
-            <a:extLst>
-              <a:ext uri="{FF2B5EF4-FFF2-40B4-BE49-F238E27FC236}">
-                <a16:creationId xmlns:a16="http://schemas.microsoft.com/office/drawing/2014/main" id="{29A6E4E9-7CB0-4D96-9C38-AA8A084C9D41}"/>
-              </a:ext>
-            </a:extLst>
-          </p:cNvPr>
-          <p:cNvCxnSpPr>
-            <a:cxnSpLocks/>
-            <a:stCxn id="6" idx="2"/>
-            <a:endCxn id="7" idx="0"/>
-          </p:cNvCxnSpPr>
-          <p:nvPr/>
-        </p:nvCxnSpPr>
-        <p:spPr>
-          <a:xfrm>
-            <a:off x="3553968" y="4099560"/>
-            <a:ext cx="0" cy="364576"/>
-          </a:xfrm>
-          <a:prstGeom prst="straightConnector1">
-            <a:avLst/>
-          </a:prstGeom>
-          <a:ln w="38100">
-            <a:tailEnd type="triangle"/>
-          </a:ln>
-        </p:spPr>
-        <p:style>
-          <a:lnRef idx="1">
-            <a:schemeClr val="accent1"/>
-          </a:lnRef>
-          <a:fillRef idx="0">
-            <a:schemeClr val="accent1"/>
-          </a:fillRef>
-          <a:effectRef idx="0">
-            <a:schemeClr val="accent1"/>
-          </a:effectRef>
-          <a:fontRef idx="minor">
-            <a:schemeClr val="tx1"/>
-          </a:fontRef>
-        </p:style>
-      </p:cxnSp>
-      <p:cxnSp>
-        <p:nvCxnSpPr>
-          <p:cNvPr id="25" name="Straight Arrow Connector 24">
-            <a:extLst>
-              <a:ext uri="{FF2B5EF4-FFF2-40B4-BE49-F238E27FC236}">
-                <a16:creationId xmlns:a16="http://schemas.microsoft.com/office/drawing/2014/main" id="{21DEB215-F5B4-479E-9371-71FA34E2436F}"/>
-              </a:ext>
-            </a:extLst>
-          </p:cNvPr>
-          <p:cNvCxnSpPr>
-            <a:cxnSpLocks/>
-            <a:stCxn id="7" idx="2"/>
-            <a:endCxn id="2052" idx="0"/>
-          </p:cNvCxnSpPr>
-          <p:nvPr/>
-        </p:nvCxnSpPr>
-        <p:spPr>
-          <a:xfrm flipH="1">
-            <a:off x="3011527" y="5098120"/>
-            <a:ext cx="542441" cy="598591"/>
-          </a:xfrm>
-          <a:prstGeom prst="straightConnector1">
-            <a:avLst/>
-          </a:prstGeom>
-          <a:ln w="38100">
-            <a:tailEnd type="triangle"/>
-          </a:ln>
-        </p:spPr>
-        <p:style>
-          <a:lnRef idx="1">
-            <a:schemeClr val="accent1"/>
-          </a:lnRef>
-          <a:fillRef idx="0">
-            <a:schemeClr val="accent1"/>
-          </a:fillRef>
-          <a:effectRef idx="0">
-            <a:schemeClr val="accent1"/>
-          </a:effectRef>
-          <a:fontRef idx="minor">
-            <a:schemeClr val="tx1"/>
-          </a:fontRef>
-        </p:style>
-      </p:cxnSp>
-      <p:cxnSp>
-        <p:nvCxnSpPr>
-          <p:cNvPr id="28" name="Straight Arrow Connector 27">
-            <a:extLst>
-              <a:ext uri="{FF2B5EF4-FFF2-40B4-BE49-F238E27FC236}">
-                <a16:creationId xmlns:a16="http://schemas.microsoft.com/office/drawing/2014/main" id="{9F01BF60-2D54-4641-8A7C-D28EAC34D4D8}"/>
-              </a:ext>
-            </a:extLst>
-          </p:cNvPr>
-          <p:cNvCxnSpPr>
-            <a:cxnSpLocks/>
-            <a:endCxn id="2050" idx="0"/>
-          </p:cNvCxnSpPr>
-          <p:nvPr/>
-        </p:nvCxnSpPr>
-        <p:spPr>
-          <a:xfrm>
-            <a:off x="3572256" y="5098120"/>
-            <a:ext cx="762000" cy="598592"/>
-          </a:xfrm>
-          <a:prstGeom prst="straightConnector1">
-            <a:avLst/>
-          </a:prstGeom>
-          <a:ln w="38100">
-            <a:tailEnd type="triangle"/>
-          </a:ln>
-        </p:spPr>
-        <p:style>
-          <a:lnRef idx="1">
-            <a:schemeClr val="accent1"/>
-          </a:lnRef>
-          <a:fillRef idx="0">
-            <a:schemeClr val="accent1"/>
-          </a:fillRef>
-          <a:effectRef idx="0">
-            <a:schemeClr val="accent1"/>
-          </a:effectRef>
-          <a:fontRef idx="minor">
-            <a:schemeClr val="tx1"/>
-          </a:fontRef>
-        </p:style>
-      </p:cxnSp>
-      <p:sp>
-        <p:nvSpPr>
-          <p:cNvPr id="27" name="TextBox 26">
-            <a:extLst>
-              <a:ext uri="{FF2B5EF4-FFF2-40B4-BE49-F238E27FC236}">
-                <a16:creationId xmlns:a16="http://schemas.microsoft.com/office/drawing/2014/main" id="{6A1F886E-A87F-4099-B880-15770B7C60B3}"/>
-              </a:ext>
-            </a:extLst>
-          </p:cNvPr>
-          <p:cNvSpPr txBox="1"/>
-          <p:nvPr/>
-        </p:nvSpPr>
-        <p:spPr>
-          <a:xfrm>
-            <a:off x="8816720" y="5942600"/>
-            <a:ext cx="1082308" cy="338554"/>
-          </a:xfrm>
-          <a:prstGeom prst="rect">
-            <a:avLst/>
-          </a:prstGeom>
-          <a:noFill/>
-        </p:spPr>
-        <p:txBody>
-          <a:bodyPr wrap="square" rtlCol="0">
-            <a:spAutoFit/>
-          </a:bodyPr>
-          <a:lstStyle/>
-          <a:p>
-            <a:r>
-              <a:rPr lang="en-US" sz="1600" dirty="0"/>
-              <a:t>Blockchain</a:t>
-            </a:r>
-          </a:p>
-        </p:txBody>
-      </p:sp>
-      <p:cxnSp>
-        <p:nvCxnSpPr>
-          <p:cNvPr id="33" name="Straight Arrow Connector 32">
-            <a:extLst>
-              <a:ext uri="{FF2B5EF4-FFF2-40B4-BE49-F238E27FC236}">
-                <a16:creationId xmlns:a16="http://schemas.microsoft.com/office/drawing/2014/main" id="{4ED94B98-5A58-4DCA-87E7-E777F8A97BF4}"/>
-              </a:ext>
-            </a:extLst>
-          </p:cNvPr>
-          <p:cNvCxnSpPr>
-            <a:cxnSpLocks/>
-          </p:cNvCxnSpPr>
-          <p:nvPr/>
-        </p:nvCxnSpPr>
-        <p:spPr>
-          <a:xfrm>
-            <a:off x="8497824" y="5654039"/>
-            <a:ext cx="18288" cy="288561"/>
-          </a:xfrm>
-          <a:prstGeom prst="straightConnector1">
-            <a:avLst/>
-          </a:prstGeom>
-          <a:ln w="38100">
-            <a:tailEnd type="triangle"/>
-          </a:ln>
-        </p:spPr>
-        <p:style>
-          <a:lnRef idx="1">
-            <a:schemeClr val="accent1"/>
-          </a:lnRef>
-          <a:fillRef idx="0">
-            <a:schemeClr val="accent1"/>
-          </a:fillRef>
-          <a:effectRef idx="0">
-            <a:schemeClr val="accent1"/>
-          </a:effectRef>
-          <a:fontRef idx="minor">
-            <a:schemeClr val="tx1"/>
-          </a:fontRef>
-        </p:style>
-      </p:cxnSp>
-      <p:pic>
-        <p:nvPicPr>
-          <p:cNvPr id="1030" name="Picture 6" descr="Image result for Web API icons">
-            <a:extLst>
-              <a:ext uri="{FF2B5EF4-FFF2-40B4-BE49-F238E27FC236}">
-                <a16:creationId xmlns:a16="http://schemas.microsoft.com/office/drawing/2014/main" id="{8A4DD7FB-6A8D-4922-A555-365B67A3F19F}"/>
-              </a:ext>
-            </a:extLst>
-          </p:cNvPr>
-          <p:cNvPicPr>
-            <a:picLocks noChangeAspect="1" noChangeArrowheads="1"/>
-          </p:cNvPicPr>
-          <p:nvPr/>
-        </p:nvPicPr>
-        <p:blipFill>
-          <a:blip r:embed="rId5" cstate="print">
-            <a:extLst>
-              <a:ext uri="{28A0092B-C50C-407E-A947-70E740481C1C}">
-                <a14:useLocalDpi xmlns:a14="http://schemas.microsoft.com/office/drawing/2010/main" val="0"/>
-              </a:ext>
-            </a:extLst>
-          </a:blip>
-          <a:srcRect/>
-          <a:stretch>
-            <a:fillRect/>
-          </a:stretch>
-        </p:blipFill>
-        <p:spPr bwMode="auto">
-          <a:xfrm>
-            <a:off x="8013875" y="3866869"/>
-            <a:ext cx="1028858" cy="1028858"/>
-          </a:xfrm>
-          <a:prstGeom prst="rect">
-            <a:avLst/>
-          </a:prstGeom>
-          <a:noFill/>
-          <a:extLst>
-            <a:ext uri="{909E8E84-426E-40DD-AFC4-6F175D3DCCD1}">
-              <a14:hiddenFill xmlns:a14="http://schemas.microsoft.com/office/drawing/2010/main">
-                <a:solidFill>
-                  <a:srgbClr val="FFFFFF"/>
-                </a:solidFill>
-              </a14:hiddenFill>
-            </a:ext>
-          </a:extLst>
-        </p:spPr>
-      </p:pic>
-      <p:pic>
-        <p:nvPicPr>
-          <p:cNvPr id="40" name="Picture 6" descr="Image result for Web API icons">
-            <a:extLst>
-              <a:ext uri="{FF2B5EF4-FFF2-40B4-BE49-F238E27FC236}">
-                <a16:creationId xmlns:a16="http://schemas.microsoft.com/office/drawing/2014/main" id="{58B544AE-E51A-4F0B-8744-35929D603DFF}"/>
-              </a:ext>
-            </a:extLst>
-          </p:cNvPr>
-          <p:cNvPicPr>
-            <a:picLocks noChangeAspect="1" noChangeArrowheads="1"/>
-          </p:cNvPicPr>
-          <p:nvPr/>
-        </p:nvPicPr>
-        <p:blipFill>
-          <a:blip r:embed="rId5" cstate="print">
-            <a:extLst>
-              <a:ext uri="{28A0092B-C50C-407E-A947-70E740481C1C}">
-                <a14:useLocalDpi xmlns:a14="http://schemas.microsoft.com/office/drawing/2010/main" val="0"/>
-              </a:ext>
-            </a:extLst>
-          </a:blip>
-          <a:srcRect/>
-          <a:stretch>
-            <a:fillRect/>
-          </a:stretch>
-        </p:blipFill>
-        <p:spPr bwMode="auto">
-          <a:xfrm>
-            <a:off x="3011526" y="4259921"/>
-            <a:ext cx="1028858" cy="1028858"/>
-          </a:xfrm>
-          <a:prstGeom prst="rect">
-            <a:avLst/>
-          </a:prstGeom>
-          <a:noFill/>
-          <a:extLst>
-            <a:ext uri="{909E8E84-426E-40DD-AFC4-6F175D3DCCD1}">
-              <a14:hiddenFill xmlns:a14="http://schemas.microsoft.com/office/drawing/2010/main">
-                <a:solidFill>
-                  <a:srgbClr val="FFFFFF"/>
-                </a:solidFill>
-              </a14:hiddenFill>
-            </a:ext>
-          </a:extLst>
-        </p:spPr>
-      </p:pic>
-      <p:sp>
-        <p:nvSpPr>
-          <p:cNvPr id="2051" name="TextBox 2050">
-            <a:extLst>
-              <a:ext uri="{FF2B5EF4-FFF2-40B4-BE49-F238E27FC236}">
-                <a16:creationId xmlns:a16="http://schemas.microsoft.com/office/drawing/2014/main" id="{F6EF2CBF-60CB-4FED-8C12-10D2C401611F}"/>
-              </a:ext>
-            </a:extLst>
-          </p:cNvPr>
-          <p:cNvSpPr txBox="1"/>
-          <p:nvPr/>
-        </p:nvSpPr>
-        <p:spPr>
-          <a:xfrm>
-            <a:off x="255920" y="4082457"/>
-            <a:ext cx="1906879" cy="707886"/>
-          </a:xfrm>
-          <a:prstGeom prst="rect">
-            <a:avLst/>
-          </a:prstGeom>
-          <a:noFill/>
-        </p:spPr>
-        <p:txBody>
-          <a:bodyPr wrap="square" rtlCol="0">
-            <a:spAutoFit/>
-          </a:bodyPr>
-          <a:lstStyle/>
-          <a:p>
-            <a:r>
-              <a:rPr lang="en-US" sz="2000" i="1" dirty="0"/>
-              <a:t>Traditional Web Applications</a:t>
-            </a:r>
-          </a:p>
-        </p:txBody>
-      </p:sp>
-      <p:sp>
-        <p:nvSpPr>
-          <p:cNvPr id="42" name="TextBox 41">
-            <a:extLst>
-              <a:ext uri="{FF2B5EF4-FFF2-40B4-BE49-F238E27FC236}">
-                <a16:creationId xmlns:a16="http://schemas.microsoft.com/office/drawing/2014/main" id="{2DFD3EF5-752C-4A6D-BDEC-E07341E4C0D0}"/>
-              </a:ext>
-            </a:extLst>
-          </p:cNvPr>
-          <p:cNvSpPr txBox="1"/>
-          <p:nvPr/>
-        </p:nvSpPr>
-        <p:spPr>
-          <a:xfrm>
-            <a:off x="10055936" y="3928280"/>
-            <a:ext cx="1906879" cy="707886"/>
-          </a:xfrm>
-          <a:prstGeom prst="rect">
-            <a:avLst/>
-          </a:prstGeom>
-          <a:noFill/>
-        </p:spPr>
-        <p:txBody>
-          <a:bodyPr wrap="square" rtlCol="0">
-            <a:spAutoFit/>
-          </a:bodyPr>
-          <a:lstStyle>
-            <a:defPPr>
-              <a:defRPr lang="en-US"/>
-            </a:defPPr>
-            <a:lvl1pPr>
-              <a:defRPr sz="2000" i="1"/>
-            </a:lvl1pPr>
-          </a:lstStyle>
-          <a:p>
-            <a:r>
-              <a:rPr lang="en-US" dirty="0"/>
-              <a:t>Decentralized</a:t>
-            </a:r>
-          </a:p>
-          <a:p>
-            <a:r>
-              <a:rPr lang="en-US" dirty="0"/>
-              <a:t>Applications</a:t>
-            </a:r>
-          </a:p>
-        </p:txBody>
-      </p:sp>
-      <p:cxnSp>
-        <p:nvCxnSpPr>
-          <p:cNvPr id="2054" name="Straight Connector 2053">
-            <a:extLst>
-              <a:ext uri="{FF2B5EF4-FFF2-40B4-BE49-F238E27FC236}">
-                <a16:creationId xmlns:a16="http://schemas.microsoft.com/office/drawing/2014/main" id="{9C8456F9-3BCD-4757-BCAB-E96726C06EB0}"/>
-              </a:ext>
-            </a:extLst>
-          </p:cNvPr>
-          <p:cNvCxnSpPr/>
-          <p:nvPr/>
-        </p:nvCxnSpPr>
-        <p:spPr>
-          <a:xfrm>
-            <a:off x="5949696" y="2677329"/>
-            <a:ext cx="0" cy="3918543"/>
-          </a:xfrm>
-          <a:prstGeom prst="line">
-            <a:avLst/>
-          </a:prstGeom>
-          <a:ln w="38100">
-            <a:prstDash val="sysDash"/>
-          </a:ln>
-        </p:spPr>
-        <p:style>
-          <a:lnRef idx="1">
-            <a:schemeClr val="accent1"/>
-          </a:lnRef>
-          <a:fillRef idx="0">
-            <a:schemeClr val="accent1"/>
-          </a:fillRef>
-          <a:effectRef idx="0">
-            <a:schemeClr val="accent1"/>
-          </a:effectRef>
-          <a:fontRef idx="minor">
-            <a:schemeClr val="tx1"/>
-          </a:fontRef>
-        </p:style>
-      </p:cxnSp>
-      <p:pic>
-        <p:nvPicPr>
-          <p:cNvPr id="1034" name="Picture 10" descr="Related image">
-            <a:extLst>
-              <a:ext uri="{FF2B5EF4-FFF2-40B4-BE49-F238E27FC236}">
-                <a16:creationId xmlns:a16="http://schemas.microsoft.com/office/drawing/2014/main" id="{E348A3B8-C6A8-40CF-A882-61131F89C9DF}"/>
-              </a:ext>
-            </a:extLst>
-          </p:cNvPr>
-          <p:cNvPicPr>
-            <a:picLocks noChangeAspect="1" noChangeArrowheads="1"/>
-          </p:cNvPicPr>
-          <p:nvPr/>
-        </p:nvPicPr>
-        <p:blipFill>
-          <a:blip r:embed="rId6" cstate="print">
-            <a:extLst>
-              <a:ext uri="{28A0092B-C50C-407E-A947-70E740481C1C}">
-                <a14:useLocalDpi xmlns:a14="http://schemas.microsoft.com/office/drawing/2010/main" val="0"/>
-              </a:ext>
-            </a:extLst>
-          </a:blip>
-          <a:srcRect/>
-          <a:stretch>
-            <a:fillRect/>
-          </a:stretch>
-        </p:blipFill>
-        <p:spPr bwMode="auto">
-          <a:xfrm>
-            <a:off x="2178200" y="3485355"/>
-            <a:ext cx="996535" cy="583907"/>
-          </a:xfrm>
-          <a:prstGeom prst="rect">
-            <a:avLst/>
-          </a:prstGeom>
-          <a:noFill/>
-          <a:extLst>
-            <a:ext uri="{909E8E84-426E-40DD-AFC4-6F175D3DCCD1}">
-              <a14:hiddenFill xmlns:a14="http://schemas.microsoft.com/office/drawing/2010/main">
-                <a:solidFill>
-                  <a:srgbClr val="FFFFFF"/>
-                </a:solidFill>
-              </a14:hiddenFill>
-            </a:ext>
-          </a:extLst>
-        </p:spPr>
-      </p:pic>
-      <p:pic>
-        <p:nvPicPr>
-          <p:cNvPr id="48" name="Picture 10" descr="Related image">
-            <a:extLst>
-              <a:ext uri="{FF2B5EF4-FFF2-40B4-BE49-F238E27FC236}">
-                <a16:creationId xmlns:a16="http://schemas.microsoft.com/office/drawing/2014/main" id="{2AB90FCC-B200-4709-81F5-BC6EFB64F83E}"/>
-              </a:ext>
-            </a:extLst>
-          </p:cNvPr>
-          <p:cNvPicPr>
-            <a:picLocks noChangeAspect="1" noChangeArrowheads="1"/>
-          </p:cNvPicPr>
-          <p:nvPr/>
-        </p:nvPicPr>
-        <p:blipFill>
-          <a:blip r:embed="rId6" cstate="print">
-            <a:extLst>
-              <a:ext uri="{28A0092B-C50C-407E-A947-70E740481C1C}">
-                <a14:useLocalDpi xmlns:a14="http://schemas.microsoft.com/office/drawing/2010/main" val="0"/>
-              </a:ext>
-            </a:extLst>
-          </a:blip>
-          <a:srcRect/>
-          <a:stretch>
-            <a:fillRect/>
-          </a:stretch>
-        </p:blipFill>
-        <p:spPr bwMode="auto">
-          <a:xfrm>
-            <a:off x="7150931" y="3078702"/>
-            <a:ext cx="996535" cy="583907"/>
-          </a:xfrm>
-          <a:prstGeom prst="rect">
-            <a:avLst/>
-          </a:prstGeom>
-          <a:noFill/>
-          <a:extLst>
-            <a:ext uri="{909E8E84-426E-40DD-AFC4-6F175D3DCCD1}">
-              <a14:hiddenFill xmlns:a14="http://schemas.microsoft.com/office/drawing/2010/main">
-                <a:solidFill>
-                  <a:srgbClr val="FFFFFF"/>
-                </a:solidFill>
-              </a14:hiddenFill>
-            </a:ext>
-          </a:extLst>
-        </p:spPr>
-      </p:pic>
-    </p:spTree>
-    <p:extLst>
-      <p:ext uri="{BB962C8B-B14F-4D97-AF65-F5344CB8AC3E}">
-        <p14:creationId xmlns:p14="http://schemas.microsoft.com/office/powerpoint/2010/main" val="2426859290"/>
-      </p:ext>
-    </p:extLst>
-  </p:cSld>
-  <p:clrMapOvr>
-    <a:masterClrMapping/>
-  </p:clrMapOvr>
-</p:sld>
-</file>
-
-<file path=ppt/slides/slide5.xml><?xml version="1.0" encoding="utf-8"?>
-<p:sld xmlns:a="http://schemas.openxmlformats.org/drawingml/2006/main" xmlns:r="http://schemas.openxmlformats.org/officeDocument/2006/relationships" xmlns:p="http://schemas.openxmlformats.org/presentationml/2006/main">
-  <p:cSld>
-    <p:spTree>
-      <p:nvGrpSpPr>
-        <p:cNvPr id="1" name=""/>
-        <p:cNvGrpSpPr/>
-        <p:nvPr/>
-      </p:nvGrpSpPr>
-      <p:grpSpPr>
-        <a:xfrm>
-          <a:off x="0" y="0"/>
-          <a:ext cx="0" cy="0"/>
-          <a:chOff x="0" y="0"/>
-          <a:chExt cx="0" cy="0"/>
-        </a:xfrm>
-      </p:grpSpPr>
-      <p:sp>
-        <p:nvSpPr>
-          <p:cNvPr id="3" name="Title 2">
-            <a:extLst>
-              <a:ext uri="{FF2B5EF4-FFF2-40B4-BE49-F238E27FC236}">
-                <a16:creationId xmlns:a16="http://schemas.microsoft.com/office/drawing/2014/main" id="{0B30A54D-CCF9-4454-8B39-632541823F06}"/>
-              </a:ext>
-            </a:extLst>
-          </p:cNvPr>
-          <p:cNvSpPr>
-            <a:spLocks noGrp="1"/>
-          </p:cNvSpPr>
-          <p:nvPr>
-            <p:ph type="title"/>
-          </p:nvPr>
-        </p:nvSpPr>
-        <p:spPr/>
-        <p:txBody>
-          <a:bodyPr/>
-          <a:lstStyle/>
-          <a:p>
-            <a:r>
-              <a:rPr lang="en-US" dirty="0"/>
-              <a:t>Smart Contracts</a:t>
-            </a:r>
-          </a:p>
-        </p:txBody>
-      </p:sp>
-      <p:sp>
-        <p:nvSpPr>
-          <p:cNvPr id="5" name="Content Placeholder 2">
-            <a:extLst>
-              <a:ext uri="{FF2B5EF4-FFF2-40B4-BE49-F238E27FC236}">
-                <a16:creationId xmlns:a16="http://schemas.microsoft.com/office/drawing/2014/main" id="{A185BF19-8BEF-4EA9-9F30-01345CD1DF6F}"/>
-              </a:ext>
-            </a:extLst>
-          </p:cNvPr>
-          <p:cNvSpPr>
-            <a:spLocks noGrp="1"/>
-          </p:cNvSpPr>
-          <p:nvPr>
-            <p:ph idx="1"/>
-          </p:nvPr>
-        </p:nvSpPr>
-        <p:spPr>
-          <a:xfrm>
-            <a:off x="252983" y="1913878"/>
-            <a:ext cx="6946469" cy="4486921"/>
-          </a:xfrm>
-        </p:spPr>
-        <p:txBody>
-          <a:bodyPr>
-            <a:noAutofit/>
-          </a:bodyPr>
-          <a:lstStyle/>
-          <a:p>
-            <a:pPr marL="0" indent="0" algn="just">
-              <a:buNone/>
-            </a:pPr>
-            <a:r>
-              <a:rPr lang="en-US" sz="2800" dirty="0"/>
-              <a:t>What are Smart contracts</a:t>
-            </a:r>
-          </a:p>
-          <a:p>
-            <a:pPr algn="just"/>
-            <a:r>
-              <a:rPr lang="en-US" sz="2000" dirty="0"/>
-              <a:t>Smart contracts are applications that run on the Ethereum network.</a:t>
-            </a:r>
-          </a:p>
-          <a:p>
-            <a:pPr algn="just"/>
-            <a:r>
-              <a:rPr lang="en-US" sz="2000" dirty="0"/>
-              <a:t>It is a computer program that implements and enforces business login for an application.</a:t>
-            </a:r>
-          </a:p>
-          <a:p>
-            <a:pPr algn="just"/>
-            <a:r>
-              <a:rPr lang="en-US" sz="2000" dirty="0"/>
-              <a:t>Similar to physical contract but its digital and is represented by program </a:t>
-            </a:r>
-          </a:p>
-          <a:p>
-            <a:pPr algn="just"/>
-            <a:r>
-              <a:rPr lang="en-US" sz="2000" dirty="0"/>
-              <a:t>Function calls that change the state of the contract are written to the blockchain.</a:t>
-            </a:r>
-          </a:p>
-          <a:p>
-            <a:pPr algn="just"/>
-            <a:r>
-              <a:rPr lang="en-US" sz="2000" dirty="0"/>
-              <a:t>Works on the principle of the IFTTT logic aka the </a:t>
-            </a:r>
-            <a:r>
-              <a:rPr lang="en-US" sz="2000" dirty="0">
-                <a:hlinkClick r:id="rId2">
-                  <a:extLst>
-                    <a:ext uri="{A12FA001-AC4F-418D-AE19-62706E023703}">
-                      <ahyp:hlinkClr xmlns:ahyp="http://schemas.microsoft.com/office/drawing/2018/hyperlinkcolor" val="tx"/>
-                    </a:ext>
-                  </a:extLst>
-                </a:hlinkClick>
-              </a:rPr>
-              <a:t>IF-THIS-THEN-THAT logic</a:t>
-            </a:r>
-            <a:r>
-              <a:rPr lang="en-US" sz="2000" dirty="0"/>
-              <a:t>. Basically, if the first set of instructions are done then execute the next function and after that the next until you reach the end of the contract.</a:t>
-            </a:r>
-          </a:p>
-          <a:p>
-            <a:pPr algn="just"/>
-            <a:endParaRPr lang="en-US" sz="2000" dirty="0"/>
-          </a:p>
-        </p:txBody>
-      </p:sp>
-      <p:pic>
-        <p:nvPicPr>
-          <p:cNvPr id="4098" name="Picture 2" descr="Image result for smart contracts">
-            <a:extLst>
-              <a:ext uri="{FF2B5EF4-FFF2-40B4-BE49-F238E27FC236}">
-                <a16:creationId xmlns:a16="http://schemas.microsoft.com/office/drawing/2014/main" id="{F7565D4F-8E6C-4A57-B09E-62180894F107}"/>
-              </a:ext>
-            </a:extLst>
-          </p:cNvPr>
-          <p:cNvPicPr>
-            <a:picLocks noChangeAspect="1" noChangeArrowheads="1"/>
-          </p:cNvPicPr>
-          <p:nvPr/>
-        </p:nvPicPr>
-        <p:blipFill>
-          <a:blip r:embed="rId3" cstate="print">
-            <a:extLst>
-              <a:ext uri="{28A0092B-C50C-407E-A947-70E740481C1C}">
-                <a14:useLocalDpi xmlns:a14="http://schemas.microsoft.com/office/drawing/2010/main" val="0"/>
-              </a:ext>
-            </a:extLst>
-          </a:blip>
-          <a:srcRect/>
-          <a:stretch>
-            <a:fillRect/>
-          </a:stretch>
-        </p:blipFill>
-        <p:spPr bwMode="auto">
-          <a:xfrm>
-            <a:off x="7330321" y="2465408"/>
-            <a:ext cx="4711568" cy="2650602"/>
-          </a:xfrm>
-          <a:prstGeom prst="rect">
-            <a:avLst/>
-          </a:prstGeom>
-          <a:noFill/>
-          <a:extLst>
-            <a:ext uri="{909E8E84-426E-40DD-AFC4-6F175D3DCCD1}">
-              <a14:hiddenFill xmlns:a14="http://schemas.microsoft.com/office/drawing/2010/main">
-                <a:solidFill>
-                  <a:srgbClr val="FFFFFF"/>
-                </a:solidFill>
-              </a14:hiddenFill>
-            </a:ext>
-          </a:extLst>
-        </p:spPr>
-      </p:pic>
-    </p:spTree>
-    <p:extLst>
-      <p:ext uri="{BB962C8B-B14F-4D97-AF65-F5344CB8AC3E}">
-        <p14:creationId xmlns:p14="http://schemas.microsoft.com/office/powerpoint/2010/main" val="26127237"/>
-      </p:ext>
-    </p:extLst>
-  </p:cSld>
-  <p:clrMapOvr>
-    <a:masterClrMapping/>
-  </p:clrMapOvr>
-</p:sld>
-</file>
-
-<file path=ppt/slides/slide6.xml><?xml version="1.0" encoding="utf-8"?>
-<p:sld xmlns:a="http://schemas.openxmlformats.org/drawingml/2006/main" xmlns:r="http://schemas.openxmlformats.org/officeDocument/2006/relationships" xmlns:p="http://schemas.openxmlformats.org/presentationml/2006/main">
-  <p:cSld>
-    <p:spTree>
-      <p:nvGrpSpPr>
-        <p:cNvPr id="1" name=""/>
-        <p:cNvGrpSpPr/>
-        <p:nvPr/>
-      </p:nvGrpSpPr>
-      <p:grpSpPr>
-        <a:xfrm>
-          <a:off x="0" y="0"/>
-          <a:ext cx="0" cy="0"/>
-          <a:chOff x="0" y="0"/>
-          <a:chExt cx="0" cy="0"/>
-        </a:xfrm>
-      </p:grpSpPr>
-      <p:sp>
-        <p:nvSpPr>
-          <p:cNvPr id="7" name="Rectangle 6">
-            <a:extLst>
-              <a:ext uri="{FF2B5EF4-FFF2-40B4-BE49-F238E27FC236}">
-                <a16:creationId xmlns:a16="http://schemas.microsoft.com/office/drawing/2014/main" id="{02A245AD-4595-4AED-9F58-50AFA566F429}"/>
-              </a:ext>
-            </a:extLst>
-          </p:cNvPr>
-          <p:cNvSpPr/>
-          <p:nvPr/>
-        </p:nvSpPr>
-        <p:spPr>
-          <a:xfrm>
-            <a:off x="256032" y="2084832"/>
-            <a:ext cx="5462016" cy="1709927"/>
-          </a:xfrm>
-          <a:prstGeom prst="rect">
-            <a:avLst/>
-          </a:prstGeom>
-        </p:spPr>
-        <p:style>
-          <a:lnRef idx="2">
-            <a:schemeClr val="accent1">
-              <a:shade val="50000"/>
-            </a:schemeClr>
-          </a:lnRef>
-          <a:fillRef idx="1">
-            <a:schemeClr val="accent1"/>
-          </a:fillRef>
-          <a:effectRef idx="0">
-            <a:schemeClr val="accent1"/>
-          </a:effectRef>
-          <a:fontRef idx="minor">
-            <a:schemeClr val="lt1"/>
-          </a:fontRef>
-        </p:style>
-        <p:txBody>
-          <a:bodyPr rtlCol="0" anchor="ctr"/>
-          <a:lstStyle/>
-          <a:p>
-            <a:pPr algn="ctr"/>
-            <a:endParaRPr lang="en-US"/>
-          </a:p>
-        </p:txBody>
-      </p:sp>
-      <p:sp>
-        <p:nvSpPr>
-          <p:cNvPr id="3" name="Title 2">
-            <a:extLst>
-              <a:ext uri="{FF2B5EF4-FFF2-40B4-BE49-F238E27FC236}">
-                <a16:creationId xmlns:a16="http://schemas.microsoft.com/office/drawing/2014/main" id="{F29CA3E4-23AC-4378-B05B-C160D84E479C}"/>
-              </a:ext>
-            </a:extLst>
-          </p:cNvPr>
-          <p:cNvSpPr>
-            <a:spLocks noGrp="1"/>
-          </p:cNvSpPr>
-          <p:nvPr>
-            <p:ph type="title"/>
-          </p:nvPr>
-        </p:nvSpPr>
-        <p:spPr/>
-        <p:txBody>
-          <a:bodyPr>
-            <a:normAutofit fontScale="90000"/>
-          </a:bodyPr>
-          <a:lstStyle/>
-          <a:p>
-            <a:r>
-              <a:rPr lang="en-US" dirty="0"/>
-              <a:t>Smart Contract Platforms </a:t>
-            </a:r>
-            <a:br>
-              <a:rPr lang="en-US" dirty="0"/>
-            </a:br>
-            <a:r>
-              <a:rPr lang="en-US" dirty="0"/>
-              <a:t>OPTIONS</a:t>
-            </a:r>
-          </a:p>
-        </p:txBody>
-      </p:sp>
-      <p:pic>
-        <p:nvPicPr>
-          <p:cNvPr id="1026" name="Picture 2" descr="Image result for quorum blockchain logo">
-            <a:extLst>
-              <a:ext uri="{FF2B5EF4-FFF2-40B4-BE49-F238E27FC236}">
-                <a16:creationId xmlns:a16="http://schemas.microsoft.com/office/drawing/2014/main" id="{3F714D0B-A332-45EF-A850-CF8106F4166C}"/>
-              </a:ext>
-            </a:extLst>
-          </p:cNvPr>
-          <p:cNvPicPr>
-            <a:picLocks noChangeAspect="1" noChangeArrowheads="1"/>
-          </p:cNvPicPr>
-          <p:nvPr/>
-        </p:nvPicPr>
-        <p:blipFill>
-          <a:blip r:embed="rId3">
-            <a:extLst>
-              <a:ext uri="{28A0092B-C50C-407E-A947-70E740481C1C}">
-                <a14:useLocalDpi xmlns:a14="http://schemas.microsoft.com/office/drawing/2010/main" val="0"/>
-              </a:ext>
-            </a:extLst>
-          </a:blip>
-          <a:srcRect/>
-          <a:stretch>
-            <a:fillRect/>
-          </a:stretch>
-        </p:blipFill>
-        <p:spPr bwMode="auto">
-          <a:xfrm>
-            <a:off x="256032" y="2079800"/>
-            <a:ext cx="1709927" cy="1709927"/>
-          </a:xfrm>
-          <a:prstGeom prst="rect">
-            <a:avLst/>
-          </a:prstGeom>
-          <a:noFill/>
-          <a:ln>
-            <a:solidFill>
-              <a:schemeClr val="tx1"/>
-            </a:solidFill>
-          </a:ln>
-          <a:extLst>
-            <a:ext uri="{909E8E84-426E-40DD-AFC4-6F175D3DCCD1}">
-              <a14:hiddenFill xmlns:a14="http://schemas.microsoft.com/office/drawing/2010/main">
-                <a:solidFill>
-                  <a:srgbClr val="FFFFFF"/>
-                </a:solidFill>
-              </a14:hiddenFill>
-            </a:ext>
-          </a:extLst>
-        </p:spPr>
-      </p:pic>
-      <p:sp>
-        <p:nvSpPr>
-          <p:cNvPr id="6" name="Rectangle 5">
-            <a:extLst>
-              <a:ext uri="{FF2B5EF4-FFF2-40B4-BE49-F238E27FC236}">
-                <a16:creationId xmlns:a16="http://schemas.microsoft.com/office/drawing/2014/main" id="{44C74AED-4A82-4507-A915-9FB4BC38E77F}"/>
-              </a:ext>
-            </a:extLst>
-          </p:cNvPr>
-          <p:cNvSpPr/>
-          <p:nvPr/>
-        </p:nvSpPr>
-        <p:spPr>
-          <a:xfrm>
-            <a:off x="2025395" y="2103703"/>
-            <a:ext cx="3633216" cy="1200329"/>
-          </a:xfrm>
-          <a:prstGeom prst="rect">
-            <a:avLst/>
-          </a:prstGeom>
-        </p:spPr>
-        <p:txBody>
-          <a:bodyPr wrap="square">
-            <a:spAutoFit/>
-          </a:bodyPr>
-          <a:lstStyle/>
-          <a:p>
-            <a:pPr algn="just"/>
-            <a:r>
-              <a:rPr lang="en-US" b="1" dirty="0">
-                <a:solidFill>
-                  <a:schemeClr val="bg1"/>
-                </a:solidFill>
-              </a:rPr>
-              <a:t>Quorum</a:t>
-            </a:r>
-            <a:r>
-              <a:rPr lang="en-US" dirty="0">
-                <a:solidFill>
-                  <a:schemeClr val="bg1"/>
-                </a:solidFill>
-              </a:rPr>
-              <a:t> – Fork of Ethereum, enterprise focused version of Ethereum. Backed by JP Morgan chase.  </a:t>
-            </a:r>
-          </a:p>
-        </p:txBody>
-      </p:sp>
-      <p:sp>
-        <p:nvSpPr>
-          <p:cNvPr id="9" name="Rectangle 8">
-            <a:extLst>
-              <a:ext uri="{FF2B5EF4-FFF2-40B4-BE49-F238E27FC236}">
-                <a16:creationId xmlns:a16="http://schemas.microsoft.com/office/drawing/2014/main" id="{CF8E8C4D-0614-435F-82F0-F324B879838A}"/>
-              </a:ext>
-            </a:extLst>
-          </p:cNvPr>
-          <p:cNvSpPr/>
-          <p:nvPr/>
-        </p:nvSpPr>
-        <p:spPr>
-          <a:xfrm>
-            <a:off x="6187440" y="2084832"/>
-            <a:ext cx="5541264" cy="1709927"/>
-          </a:xfrm>
-          <a:prstGeom prst="rect">
-            <a:avLst/>
-          </a:prstGeom>
-        </p:spPr>
-        <p:style>
-          <a:lnRef idx="2">
-            <a:schemeClr val="accent1">
-              <a:shade val="50000"/>
-            </a:schemeClr>
-          </a:lnRef>
-          <a:fillRef idx="1">
-            <a:schemeClr val="accent1"/>
-          </a:fillRef>
-          <a:effectRef idx="0">
-            <a:schemeClr val="accent1"/>
-          </a:effectRef>
-          <a:fontRef idx="minor">
-            <a:schemeClr val="lt1"/>
-          </a:fontRef>
-        </p:style>
-        <p:txBody>
-          <a:bodyPr rtlCol="0" anchor="ctr"/>
-          <a:lstStyle/>
-          <a:p>
-            <a:pPr algn="ctr"/>
-            <a:endParaRPr lang="en-US"/>
-          </a:p>
-        </p:txBody>
-      </p:sp>
-      <p:sp>
-        <p:nvSpPr>
-          <p:cNvPr id="11" name="Rectangle 10">
-            <a:extLst>
-              <a:ext uri="{FF2B5EF4-FFF2-40B4-BE49-F238E27FC236}">
-                <a16:creationId xmlns:a16="http://schemas.microsoft.com/office/drawing/2014/main" id="{5DF9EE21-4924-497C-BE4B-93F7B7E4765F}"/>
-              </a:ext>
-            </a:extLst>
-          </p:cNvPr>
-          <p:cNvSpPr/>
-          <p:nvPr/>
-        </p:nvSpPr>
-        <p:spPr>
-          <a:xfrm>
-            <a:off x="8205173" y="2103703"/>
-            <a:ext cx="3523531" cy="1754326"/>
-          </a:xfrm>
-          <a:prstGeom prst="rect">
-            <a:avLst/>
-          </a:prstGeom>
-        </p:spPr>
-        <p:txBody>
-          <a:bodyPr wrap="square">
-            <a:spAutoFit/>
-          </a:bodyPr>
-          <a:lstStyle/>
-          <a:p>
-            <a:pPr algn="just"/>
-            <a:r>
-              <a:rPr lang="en-US" b="1" dirty="0" err="1">
-                <a:solidFill>
-                  <a:schemeClr val="bg1"/>
-                </a:solidFill>
-              </a:rPr>
-              <a:t>Stratis</a:t>
-            </a:r>
-            <a:r>
-              <a:rPr lang="en-US" dirty="0">
-                <a:solidFill>
-                  <a:schemeClr val="bg1"/>
-                </a:solidFill>
-              </a:rPr>
-              <a:t> – More inclined towards C# and .NET ecosystem, you can write smart contracts in C#. In very early stages not that mature.</a:t>
-            </a:r>
-          </a:p>
-          <a:p>
-            <a:pPr algn="just"/>
-            <a:endParaRPr lang="en-US" dirty="0"/>
-          </a:p>
-          <a:p>
-            <a:pPr algn="just"/>
-            <a:endParaRPr lang="en-US" dirty="0">
-              <a:solidFill>
-                <a:schemeClr val="bg1"/>
-              </a:solidFill>
-            </a:endParaRPr>
-          </a:p>
-        </p:txBody>
-      </p:sp>
-      <p:pic>
-        <p:nvPicPr>
-          <p:cNvPr id="1030" name="Picture 6" descr="Image result for Stratis C# blockchain">
-            <a:extLst>
-              <a:ext uri="{FF2B5EF4-FFF2-40B4-BE49-F238E27FC236}">
-                <a16:creationId xmlns:a16="http://schemas.microsoft.com/office/drawing/2014/main" id="{BEA23515-3CDD-464E-B0B9-03F349FF2FF0}"/>
-              </a:ext>
-            </a:extLst>
-          </p:cNvPr>
-          <p:cNvPicPr>
-            <a:picLocks noChangeAspect="1" noChangeArrowheads="1"/>
-          </p:cNvPicPr>
-          <p:nvPr/>
-        </p:nvPicPr>
-        <p:blipFill>
-          <a:blip r:embed="rId4" cstate="print">
-            <a:extLst>
-              <a:ext uri="{28A0092B-C50C-407E-A947-70E740481C1C}">
-                <a14:useLocalDpi xmlns:a14="http://schemas.microsoft.com/office/drawing/2010/main" val="0"/>
-              </a:ext>
-            </a:extLst>
-          </a:blip>
-          <a:srcRect/>
-          <a:stretch>
-            <a:fillRect/>
-          </a:stretch>
-        </p:blipFill>
-        <p:spPr bwMode="auto">
-          <a:xfrm>
-            <a:off x="6187440" y="2121407"/>
-            <a:ext cx="2029968" cy="1668319"/>
-          </a:xfrm>
-          <a:prstGeom prst="rect">
-            <a:avLst/>
-          </a:prstGeom>
-          <a:noFill/>
-          <a:extLst>
-            <a:ext uri="{909E8E84-426E-40DD-AFC4-6F175D3DCCD1}">
-              <a14:hiddenFill xmlns:a14="http://schemas.microsoft.com/office/drawing/2010/main">
-                <a:solidFill>
-                  <a:srgbClr val="FFFFFF"/>
-                </a:solidFill>
-              </a14:hiddenFill>
-            </a:ext>
-          </a:extLst>
-        </p:spPr>
-      </p:pic>
-      <p:sp>
-        <p:nvSpPr>
-          <p:cNvPr id="14" name="Rectangle 13">
-            <a:extLst>
-              <a:ext uri="{FF2B5EF4-FFF2-40B4-BE49-F238E27FC236}">
-                <a16:creationId xmlns:a16="http://schemas.microsoft.com/office/drawing/2014/main" id="{511C7E8B-5F83-4705-A292-CC42EA663DBC}"/>
-              </a:ext>
-            </a:extLst>
-          </p:cNvPr>
-          <p:cNvSpPr/>
-          <p:nvPr/>
-        </p:nvSpPr>
-        <p:spPr>
-          <a:xfrm>
-            <a:off x="256032" y="4273296"/>
-            <a:ext cx="5462016" cy="1709927"/>
-          </a:xfrm>
-          <a:prstGeom prst="rect">
-            <a:avLst/>
-          </a:prstGeom>
-        </p:spPr>
-        <p:style>
-          <a:lnRef idx="2">
-            <a:schemeClr val="accent1">
-              <a:shade val="50000"/>
-            </a:schemeClr>
-          </a:lnRef>
-          <a:fillRef idx="1">
-            <a:schemeClr val="accent1"/>
-          </a:fillRef>
-          <a:effectRef idx="0">
-            <a:schemeClr val="accent1"/>
-          </a:effectRef>
-          <a:fontRef idx="minor">
-            <a:schemeClr val="lt1"/>
-          </a:fontRef>
-        </p:style>
-        <p:txBody>
-          <a:bodyPr rtlCol="0" anchor="ctr"/>
-          <a:lstStyle/>
-          <a:p>
-            <a:pPr algn="ctr"/>
-            <a:endParaRPr lang="en-US"/>
-          </a:p>
-        </p:txBody>
-      </p:sp>
-      <p:sp>
-        <p:nvSpPr>
-          <p:cNvPr id="16" name="Rectangle 15">
-            <a:extLst>
-              <a:ext uri="{FF2B5EF4-FFF2-40B4-BE49-F238E27FC236}">
-                <a16:creationId xmlns:a16="http://schemas.microsoft.com/office/drawing/2014/main" id="{1A478BE3-EACD-47DF-8FD4-A2A742B57E36}"/>
-              </a:ext>
-            </a:extLst>
-          </p:cNvPr>
-          <p:cNvSpPr/>
-          <p:nvPr/>
-        </p:nvSpPr>
-        <p:spPr>
-          <a:xfrm>
-            <a:off x="2121407" y="4292167"/>
-            <a:ext cx="3537203" cy="923330"/>
-          </a:xfrm>
-          <a:prstGeom prst="rect">
-            <a:avLst/>
-          </a:prstGeom>
-        </p:spPr>
-        <p:txBody>
-          <a:bodyPr wrap="square">
-            <a:spAutoFit/>
-          </a:bodyPr>
-          <a:lstStyle/>
-          <a:p>
-            <a:pPr algn="just"/>
-            <a:r>
-              <a:rPr lang="en-US" dirty="0">
-                <a:solidFill>
-                  <a:schemeClr val="bg1"/>
-                </a:solidFill>
-              </a:rPr>
-              <a:t>Supported by the Ethereum Foundation and a large community of developers worldwide.</a:t>
-            </a:r>
-          </a:p>
-        </p:txBody>
-      </p:sp>
-      <p:pic>
-        <p:nvPicPr>
-          <p:cNvPr id="1032" name="Picture 8" descr="Image result for Ethereum blockchain">
-            <a:extLst>
-              <a:ext uri="{FF2B5EF4-FFF2-40B4-BE49-F238E27FC236}">
-                <a16:creationId xmlns:a16="http://schemas.microsoft.com/office/drawing/2014/main" id="{311E1831-B8CE-4C1F-87DF-A19A432771DB}"/>
-              </a:ext>
-            </a:extLst>
-          </p:cNvPr>
-          <p:cNvPicPr>
-            <a:picLocks noChangeAspect="1" noChangeArrowheads="1"/>
-          </p:cNvPicPr>
-          <p:nvPr/>
-        </p:nvPicPr>
-        <p:blipFill>
-          <a:blip r:embed="rId5">
-            <a:extLst>
-              <a:ext uri="{28A0092B-C50C-407E-A947-70E740481C1C}">
-                <a14:useLocalDpi xmlns:a14="http://schemas.microsoft.com/office/drawing/2010/main" val="0"/>
-              </a:ext>
-            </a:extLst>
-          </a:blip>
-          <a:srcRect/>
-          <a:stretch>
-            <a:fillRect/>
-          </a:stretch>
-        </p:blipFill>
-        <p:spPr bwMode="auto">
-          <a:xfrm>
-            <a:off x="256034" y="4279976"/>
-            <a:ext cx="1865374" cy="1709926"/>
-          </a:xfrm>
-          <a:prstGeom prst="rect">
-            <a:avLst/>
-          </a:prstGeom>
-          <a:noFill/>
-          <a:ln>
-            <a:solidFill>
-              <a:schemeClr val="tx1"/>
-            </a:solidFill>
-          </a:ln>
-          <a:extLst>
-            <a:ext uri="{909E8E84-426E-40DD-AFC4-6F175D3DCCD1}">
-              <a14:hiddenFill xmlns:a14="http://schemas.microsoft.com/office/drawing/2010/main">
-                <a:solidFill>
-                  <a:srgbClr val="FFFFFF"/>
-                </a:solidFill>
-              </a14:hiddenFill>
-            </a:ext>
-          </a:extLst>
-        </p:spPr>
-      </p:pic>
-      <p:sp>
-        <p:nvSpPr>
-          <p:cNvPr id="18" name="Rectangle 17">
-            <a:extLst>
-              <a:ext uri="{FF2B5EF4-FFF2-40B4-BE49-F238E27FC236}">
-                <a16:creationId xmlns:a16="http://schemas.microsoft.com/office/drawing/2014/main" id="{28F20620-1AA3-4F25-AE51-367DAEDE8859}"/>
-              </a:ext>
-            </a:extLst>
-          </p:cNvPr>
-          <p:cNvSpPr/>
-          <p:nvPr/>
-        </p:nvSpPr>
-        <p:spPr>
-          <a:xfrm>
-            <a:off x="6187440" y="4273295"/>
-            <a:ext cx="5541264" cy="1709927"/>
-          </a:xfrm>
-          <a:prstGeom prst="rect">
-            <a:avLst/>
-          </a:prstGeom>
-        </p:spPr>
-        <p:style>
-          <a:lnRef idx="2">
-            <a:schemeClr val="accent1">
-              <a:shade val="50000"/>
-            </a:schemeClr>
-          </a:lnRef>
-          <a:fillRef idx="1">
-            <a:schemeClr val="accent1"/>
-          </a:fillRef>
-          <a:effectRef idx="0">
-            <a:schemeClr val="accent1"/>
-          </a:effectRef>
-          <a:fontRef idx="minor">
-            <a:schemeClr val="lt1"/>
-          </a:fontRef>
-        </p:style>
-        <p:txBody>
-          <a:bodyPr rtlCol="0" anchor="ctr"/>
-          <a:lstStyle/>
-          <a:p>
-            <a:pPr marL="285750" indent="-285750">
-              <a:buFont typeface="Arial" panose="020B0604020202020204" pitchFamily="34" charset="0"/>
-              <a:buChar char="•"/>
-            </a:pPr>
-            <a:endParaRPr lang="en-US" dirty="0"/>
-          </a:p>
-        </p:txBody>
-      </p:sp>
-      <p:pic>
-        <p:nvPicPr>
-          <p:cNvPr id="2" name="Picture 2" descr="Image result for hyperledger fabric icon">
-            <a:extLst>
-              <a:ext uri="{FF2B5EF4-FFF2-40B4-BE49-F238E27FC236}">
-                <a16:creationId xmlns:a16="http://schemas.microsoft.com/office/drawing/2014/main" id="{BCD67F5A-79D6-41B9-A7A8-23E2F40B76AD}"/>
-              </a:ext>
-            </a:extLst>
-          </p:cNvPr>
-          <p:cNvPicPr>
-            <a:picLocks noChangeAspect="1" noChangeArrowheads="1"/>
-          </p:cNvPicPr>
-          <p:nvPr/>
-        </p:nvPicPr>
-        <p:blipFill>
-          <a:blip r:embed="rId6" cstate="print">
-            <a:extLst>
-              <a:ext uri="{28A0092B-C50C-407E-A947-70E740481C1C}">
-                <a14:useLocalDpi xmlns:a14="http://schemas.microsoft.com/office/drawing/2010/main" val="0"/>
-              </a:ext>
-            </a:extLst>
-          </a:blip>
-          <a:srcRect/>
-          <a:stretch>
-            <a:fillRect/>
-          </a:stretch>
-        </p:blipFill>
-        <p:spPr bwMode="auto">
-          <a:xfrm>
-            <a:off x="6187439" y="4280454"/>
-            <a:ext cx="2676874" cy="1709927"/>
-          </a:xfrm>
-          <a:prstGeom prst="rect">
-            <a:avLst/>
-          </a:prstGeom>
-          <a:solidFill>
-            <a:schemeClr val="bg1"/>
-          </a:solidFill>
-          <a:ln>
-            <a:solidFill>
-              <a:schemeClr val="tx1"/>
-            </a:solidFill>
-          </a:ln>
-        </p:spPr>
-      </p:pic>
-      <p:sp>
-        <p:nvSpPr>
-          <p:cNvPr id="4" name="TextBox 3">
-            <a:extLst>
-              <a:ext uri="{FF2B5EF4-FFF2-40B4-BE49-F238E27FC236}">
-                <a16:creationId xmlns:a16="http://schemas.microsoft.com/office/drawing/2014/main" id="{4EFC7C79-5FB1-487B-B01B-F6CE86BD0702}"/>
-              </a:ext>
-            </a:extLst>
-          </p:cNvPr>
-          <p:cNvSpPr txBox="1"/>
-          <p:nvPr/>
-        </p:nvSpPr>
-        <p:spPr>
-          <a:xfrm>
-            <a:off x="8958072" y="4384500"/>
-            <a:ext cx="2676874" cy="923330"/>
-          </a:xfrm>
-          <a:prstGeom prst="rect">
-            <a:avLst/>
-          </a:prstGeom>
-          <a:noFill/>
-        </p:spPr>
-        <p:txBody>
-          <a:bodyPr wrap="square" rtlCol="0">
-            <a:spAutoFit/>
-          </a:bodyPr>
-          <a:lstStyle/>
-          <a:p>
-            <a:r>
-              <a:rPr lang="en-US" dirty="0">
-                <a:solidFill>
-                  <a:schemeClr val="bg1"/>
-                </a:solidFill>
-              </a:rPr>
-              <a:t>Supported By IBM, development tools with Java and Node.JS </a:t>
-            </a:r>
-          </a:p>
-        </p:txBody>
-      </p:sp>
-    </p:spTree>
-    <p:extLst>
-      <p:ext uri="{BB962C8B-B14F-4D97-AF65-F5344CB8AC3E}">
-        <p14:creationId xmlns:p14="http://schemas.microsoft.com/office/powerpoint/2010/main" val="1459417111"/>
-      </p:ext>
-    </p:extLst>
-  </p:cSld>
-  <p:clrMapOvr>
-    <a:masterClrMapping/>
-  </p:clrMapOvr>
-</p:sld>
-</file>
-
-<file path=ppt/slides/slide7.xml><?xml version="1.0" encoding="utf-8"?>
-<p:sld xmlns:a="http://schemas.openxmlformats.org/drawingml/2006/main" xmlns:r="http://schemas.openxmlformats.org/officeDocument/2006/relationships" xmlns:p="http://schemas.openxmlformats.org/presentationml/2006/main">
-  <p:cSld>
-    <p:spTree>
-      <p:nvGrpSpPr>
-        <p:cNvPr id="1" name=""/>
-        <p:cNvGrpSpPr/>
-        <p:nvPr/>
-      </p:nvGrpSpPr>
-      <p:grpSpPr>
-        <a:xfrm>
-          <a:off x="0" y="0"/>
-          <a:ext cx="0" cy="0"/>
-          <a:chOff x="0" y="0"/>
-          <a:chExt cx="0" cy="0"/>
-        </a:xfrm>
-      </p:grpSpPr>
-      <p:sp>
-        <p:nvSpPr>
-          <p:cNvPr id="3" name="Title 2">
-            <a:extLst>
-              <a:ext uri="{FF2B5EF4-FFF2-40B4-BE49-F238E27FC236}">
-                <a16:creationId xmlns:a16="http://schemas.microsoft.com/office/drawing/2014/main" id="{D87CCF86-B832-4483-866C-1E9731C8D036}"/>
-              </a:ext>
-            </a:extLst>
-          </p:cNvPr>
-          <p:cNvSpPr>
-            <a:spLocks noGrp="1"/>
-          </p:cNvSpPr>
-          <p:nvPr>
-            <p:ph type="title"/>
-          </p:nvPr>
-        </p:nvSpPr>
-        <p:spPr/>
-        <p:txBody>
-          <a:bodyPr>
-            <a:normAutofit fontScale="90000"/>
-          </a:bodyPr>
-          <a:lstStyle/>
-          <a:p>
-            <a:r>
-              <a:rPr lang="en-US" dirty="0"/>
-              <a:t>Core Smart Contract Concepts/</a:t>
-            </a:r>
-            <a:br>
-              <a:rPr lang="en-US" dirty="0"/>
-            </a:br>
-            <a:r>
-              <a:rPr lang="en-US" dirty="0"/>
-              <a:t>Limitations</a:t>
-            </a:r>
-          </a:p>
-        </p:txBody>
-      </p:sp>
-      <p:sp>
-        <p:nvSpPr>
-          <p:cNvPr id="7" name="Content Placeholder 2">
-            <a:extLst>
-              <a:ext uri="{FF2B5EF4-FFF2-40B4-BE49-F238E27FC236}">
-                <a16:creationId xmlns:a16="http://schemas.microsoft.com/office/drawing/2014/main" id="{E3EB911A-DF16-408F-83F4-87B67AA134E5}"/>
-              </a:ext>
-            </a:extLst>
-          </p:cNvPr>
-          <p:cNvSpPr>
-            <a:spLocks noGrp="1"/>
-          </p:cNvSpPr>
-          <p:nvPr>
-            <p:ph idx="1"/>
-          </p:nvPr>
-        </p:nvSpPr>
-        <p:spPr>
-          <a:xfrm>
-            <a:off x="252983" y="2023606"/>
-            <a:ext cx="11939017" cy="4486921"/>
-          </a:xfrm>
-        </p:spPr>
-        <p:txBody>
-          <a:bodyPr>
-            <a:noAutofit/>
-          </a:bodyPr>
-          <a:lstStyle/>
-          <a:p>
-            <a:pPr algn="just"/>
-            <a:r>
-              <a:rPr lang="en-US" sz="2000" dirty="0"/>
-              <a:t>Cannot have logic changes after deployment (Immutable)</a:t>
-            </a:r>
-          </a:p>
-          <a:p>
-            <a:pPr algn="just"/>
-            <a:r>
-              <a:rPr lang="en-US" sz="2000" dirty="0"/>
-              <a:t>Cannot call external web services or do any kind of looks ups from contract in Ethereum</a:t>
-            </a:r>
-          </a:p>
-          <a:p>
-            <a:pPr algn="just"/>
-            <a:r>
-              <a:rPr lang="en-US" sz="2000" dirty="0"/>
-              <a:t>Contract gets executed all the nodes on the Ethereum network.</a:t>
-            </a:r>
-          </a:p>
-          <a:p>
-            <a:pPr algn="just"/>
-            <a:r>
-              <a:rPr lang="en-US" sz="2000" dirty="0"/>
-              <a:t>Languages are relatively new and need close code reviews before deployments.</a:t>
-            </a:r>
-          </a:p>
-          <a:p>
-            <a:pPr algn="just"/>
-            <a:r>
-              <a:rPr lang="en-US" sz="2000" dirty="0"/>
-              <a:t>Two types of functions on Smart contract</a:t>
-            </a:r>
-          </a:p>
-          <a:p>
-            <a:pPr lvl="1" algn="just"/>
-            <a:r>
-              <a:rPr lang="en-US" sz="1800" dirty="0"/>
-              <a:t>Write functions – These perform state changes and require Gas for the execution</a:t>
-            </a:r>
-          </a:p>
-          <a:p>
-            <a:pPr lvl="1" algn="just"/>
-            <a:r>
-              <a:rPr lang="en-US" sz="1800" dirty="0"/>
-              <a:t>Read Functions – These are free and do not require any Gas.</a:t>
-            </a:r>
-          </a:p>
-          <a:p>
-            <a:pPr algn="just"/>
-            <a:endParaRPr lang="en-US" sz="2000" dirty="0"/>
-          </a:p>
-        </p:txBody>
-      </p:sp>
-    </p:spTree>
-    <p:extLst>
-      <p:ext uri="{BB962C8B-B14F-4D97-AF65-F5344CB8AC3E}">
-        <p14:creationId xmlns:p14="http://schemas.microsoft.com/office/powerpoint/2010/main" val="2771232756"/>
-      </p:ext>
-    </p:extLst>
-  </p:cSld>
-  <p:clrMapOvr>
-    <a:masterClrMapping/>
-  </p:clrMapOvr>
-</p:sld>
-</file>
-
-<file path=ppt/slides/slide8.xml><?xml version="1.0" encoding="utf-8"?>
-<p:sld xmlns:a="http://schemas.openxmlformats.org/drawingml/2006/main" xmlns:r="http://schemas.openxmlformats.org/officeDocument/2006/relationships" xmlns:p="http://schemas.openxmlformats.org/presentationml/2006/main">
-  <p:cSld>
-    <p:spTree>
-      <p:nvGrpSpPr>
-        <p:cNvPr id="1" name=""/>
-        <p:cNvGrpSpPr/>
-        <p:nvPr/>
-      </p:nvGrpSpPr>
-      <p:grpSpPr>
-        <a:xfrm>
-          <a:off x="0" y="0"/>
-          <a:ext cx="0" cy="0"/>
-          <a:chOff x="0" y="0"/>
-          <a:chExt cx="0" cy="0"/>
-        </a:xfrm>
-      </p:grpSpPr>
       <p:sp>
         <p:nvSpPr>
           <p:cNvPr id="5" name="Title 2">
@@ -15022,6 +12158,3196 @@
     <p:extLst>
       <p:ext uri="{BB962C8B-B14F-4D97-AF65-F5344CB8AC3E}">
         <p14:creationId xmlns:p14="http://schemas.microsoft.com/office/powerpoint/2010/main" val="3247151688"/>
+      </p:ext>
+    </p:extLst>
+  </p:cSld>
+  <p:clrMapOvr>
+    <a:masterClrMapping/>
+  </p:clrMapOvr>
+</p:sld>
+</file>
+
+<file path=ppt/slides/slide18.xml><?xml version="1.0" encoding="utf-8"?>
+<p:sld xmlns:a="http://schemas.openxmlformats.org/drawingml/2006/main" xmlns:r="http://schemas.openxmlformats.org/officeDocument/2006/relationships" xmlns:p="http://schemas.openxmlformats.org/presentationml/2006/main">
+  <p:cSld>
+    <p:spTree>
+      <p:nvGrpSpPr>
+        <p:cNvPr id="1" name=""/>
+        <p:cNvGrpSpPr/>
+        <p:nvPr/>
+      </p:nvGrpSpPr>
+      <p:grpSpPr>
+        <a:xfrm>
+          <a:off x="0" y="0"/>
+          <a:ext cx="0" cy="0"/>
+          <a:chOff x="0" y="0"/>
+          <a:chExt cx="0" cy="0"/>
+        </a:xfrm>
+      </p:grpSpPr>
+      <p:pic>
+        <p:nvPicPr>
+          <p:cNvPr id="4098" name="Picture 2" descr="Image result for question and answer">
+            <a:extLst>
+              <a:ext uri="{FF2B5EF4-FFF2-40B4-BE49-F238E27FC236}">
+                <a16:creationId xmlns:a16="http://schemas.microsoft.com/office/drawing/2014/main" id="{4B625241-B303-41E2-B5BC-3B15BAF30D90}"/>
+              </a:ext>
+            </a:extLst>
+          </p:cNvPr>
+          <p:cNvPicPr>
+            <a:picLocks noChangeAspect="1" noChangeArrowheads="1"/>
+          </p:cNvPicPr>
+          <p:nvPr/>
+        </p:nvPicPr>
+        <p:blipFill>
+          <a:blip r:embed="rId2">
+            <a:extLst>
+              <a:ext uri="{28A0092B-C50C-407E-A947-70E740481C1C}">
+                <a14:useLocalDpi xmlns:a14="http://schemas.microsoft.com/office/drawing/2010/main" val="0"/>
+              </a:ext>
+            </a:extLst>
+          </a:blip>
+          <a:srcRect/>
+          <a:stretch>
+            <a:fillRect/>
+          </a:stretch>
+        </p:blipFill>
+        <p:spPr bwMode="auto">
+          <a:xfrm>
+            <a:off x="4085654" y="2211134"/>
+            <a:ext cx="3961066" cy="3961066"/>
+          </a:xfrm>
+          <a:prstGeom prst="rect">
+            <a:avLst/>
+          </a:prstGeom>
+          <a:noFill/>
+          <a:extLst>
+            <a:ext uri="{909E8E84-426E-40DD-AFC4-6F175D3DCCD1}">
+              <a14:hiddenFill xmlns:a14="http://schemas.microsoft.com/office/drawing/2010/main">
+                <a:solidFill>
+                  <a:srgbClr val="FFFFFF"/>
+                </a:solidFill>
+              </a14:hiddenFill>
+            </a:ext>
+          </a:extLst>
+        </p:spPr>
+      </p:pic>
+    </p:spTree>
+    <p:extLst>
+      <p:ext uri="{BB962C8B-B14F-4D97-AF65-F5344CB8AC3E}">
+        <p14:creationId xmlns:p14="http://schemas.microsoft.com/office/powerpoint/2010/main" val="1420639569"/>
+      </p:ext>
+    </p:extLst>
+  </p:cSld>
+  <p:clrMapOvr>
+    <a:masterClrMapping/>
+  </p:clrMapOvr>
+</p:sld>
+</file>
+
+<file path=ppt/slides/slide19.xml><?xml version="1.0" encoding="utf-8"?>
+<p:sld xmlns:a="http://schemas.openxmlformats.org/drawingml/2006/main" xmlns:r="http://schemas.openxmlformats.org/officeDocument/2006/relationships" xmlns:p="http://schemas.openxmlformats.org/presentationml/2006/main">
+  <p:cSld>
+    <p:spTree>
+      <p:nvGrpSpPr>
+        <p:cNvPr id="1" name=""/>
+        <p:cNvGrpSpPr/>
+        <p:nvPr/>
+      </p:nvGrpSpPr>
+      <p:grpSpPr>
+        <a:xfrm>
+          <a:off x="0" y="0"/>
+          <a:ext cx="0" cy="0"/>
+          <a:chOff x="0" y="0"/>
+          <a:chExt cx="0" cy="0"/>
+        </a:xfrm>
+      </p:grpSpPr>
+      <p:pic>
+        <p:nvPicPr>
+          <p:cNvPr id="2050" name="Picture 2" descr="Image result for Thank YOu">
+            <a:extLst>
+              <a:ext uri="{FF2B5EF4-FFF2-40B4-BE49-F238E27FC236}">
+                <a16:creationId xmlns:a16="http://schemas.microsoft.com/office/drawing/2014/main" id="{080F98D0-F647-433D-9787-CE384F3C8EB9}"/>
+              </a:ext>
+            </a:extLst>
+          </p:cNvPr>
+          <p:cNvPicPr>
+            <a:picLocks noChangeAspect="1" noChangeArrowheads="1"/>
+          </p:cNvPicPr>
+          <p:nvPr/>
+        </p:nvPicPr>
+        <p:blipFill>
+          <a:blip r:embed="rId2">
+            <a:extLst>
+              <a:ext uri="{28A0092B-C50C-407E-A947-70E740481C1C}">
+                <a14:useLocalDpi xmlns:a14="http://schemas.microsoft.com/office/drawing/2010/main" val="0"/>
+              </a:ext>
+            </a:extLst>
+          </a:blip>
+          <a:srcRect/>
+          <a:stretch>
+            <a:fillRect/>
+          </a:stretch>
+        </p:blipFill>
+        <p:spPr bwMode="auto">
+          <a:xfrm>
+            <a:off x="3584448" y="2607375"/>
+            <a:ext cx="5413248" cy="3050238"/>
+          </a:xfrm>
+          <a:prstGeom prst="rect">
+            <a:avLst/>
+          </a:prstGeom>
+          <a:noFill/>
+          <a:extLst>
+            <a:ext uri="{909E8E84-426E-40DD-AFC4-6F175D3DCCD1}">
+              <a14:hiddenFill xmlns:a14="http://schemas.microsoft.com/office/drawing/2010/main">
+                <a:solidFill>
+                  <a:srgbClr val="FFFFFF"/>
+                </a:solidFill>
+              </a14:hiddenFill>
+            </a:ext>
+          </a:extLst>
+        </p:spPr>
+      </p:pic>
+    </p:spTree>
+    <p:extLst>
+      <p:ext uri="{BB962C8B-B14F-4D97-AF65-F5344CB8AC3E}">
+        <p14:creationId xmlns:p14="http://schemas.microsoft.com/office/powerpoint/2010/main" val="4183868056"/>
+      </p:ext>
+    </p:extLst>
+  </p:cSld>
+  <p:clrMapOvr>
+    <a:masterClrMapping/>
+  </p:clrMapOvr>
+</p:sld>
+</file>
+
+<file path=ppt/slides/slide2.xml><?xml version="1.0" encoding="utf-8"?>
+<p:sld xmlns:a="http://schemas.openxmlformats.org/drawingml/2006/main" xmlns:r="http://schemas.openxmlformats.org/officeDocument/2006/relationships" xmlns:p="http://schemas.openxmlformats.org/presentationml/2006/main">
+  <p:cSld>
+    <p:spTree>
+      <p:nvGrpSpPr>
+        <p:cNvPr id="1" name=""/>
+        <p:cNvGrpSpPr/>
+        <p:nvPr/>
+      </p:nvGrpSpPr>
+      <p:grpSpPr>
+        <a:xfrm>
+          <a:off x="0" y="0"/>
+          <a:ext cx="0" cy="0"/>
+          <a:chOff x="0" y="0"/>
+          <a:chExt cx="0" cy="0"/>
+        </a:xfrm>
+      </p:grpSpPr>
+      <p:sp>
+        <p:nvSpPr>
+          <p:cNvPr id="3" name="Content Placeholder 2"/>
+          <p:cNvSpPr>
+            <a:spLocks noGrp="1"/>
+          </p:cNvSpPr>
+          <p:nvPr>
+            <p:ph idx="1"/>
+          </p:nvPr>
+        </p:nvSpPr>
+        <p:spPr>
+          <a:xfrm>
+            <a:off x="560408" y="2171763"/>
+            <a:ext cx="10515600" cy="3970476"/>
+          </a:xfrm>
+        </p:spPr>
+        <p:txBody>
+          <a:bodyPr>
+            <a:noAutofit/>
+          </a:bodyPr>
+          <a:lstStyle/>
+          <a:p>
+            <a:pPr algn="just"/>
+            <a:r>
+              <a:rPr lang="en-US" sz="2800" dirty="0"/>
+              <a:t>My Blog - </a:t>
+            </a:r>
+            <a:r>
+              <a:rPr lang="en-US" sz="2800" dirty="0">
+                <a:hlinkClick r:id="rId3"/>
+              </a:rPr>
+              <a:t>https://mytechnetknowhows.wordpress.com/</a:t>
+            </a:r>
+            <a:endParaRPr lang="en-US" sz="2800" dirty="0"/>
+          </a:p>
+          <a:p>
+            <a:pPr algn="just"/>
+            <a:r>
+              <a:rPr lang="en-US" sz="2800" dirty="0"/>
+              <a:t>Linked In - </a:t>
+            </a:r>
+            <a:r>
+              <a:rPr lang="en-US" sz="2800" dirty="0">
+                <a:hlinkClick r:id="rId4"/>
+              </a:rPr>
+              <a:t>http://www.linkedin.com/in/aamolgote</a:t>
+            </a:r>
+            <a:endParaRPr lang="en-US" sz="2800" dirty="0"/>
+          </a:p>
+          <a:p>
+            <a:pPr algn="just"/>
+            <a:r>
+              <a:rPr lang="en-US" sz="2800" dirty="0"/>
+              <a:t>GitHub - </a:t>
+            </a:r>
+            <a:r>
+              <a:rPr lang="en-US" sz="2800" dirty="0">
+                <a:hlinkClick r:id="rId5"/>
+              </a:rPr>
+              <a:t>https://github.com/aamolgote/</a:t>
+            </a:r>
+            <a:endParaRPr lang="en-US" sz="2800" dirty="0"/>
+          </a:p>
+          <a:p>
+            <a:pPr algn="just"/>
+            <a:r>
+              <a:rPr lang="en-US" sz="2800" dirty="0"/>
+              <a:t>Twitter - </a:t>
+            </a:r>
+            <a:r>
+              <a:rPr lang="en-US" sz="2800" dirty="0">
+                <a:hlinkClick r:id="rId6"/>
+              </a:rPr>
+              <a:t>@</a:t>
+            </a:r>
+            <a:r>
+              <a:rPr lang="en-US" sz="2800" dirty="0" err="1">
+                <a:hlinkClick r:id="rId6"/>
+              </a:rPr>
+              <a:t>mytechnetnohows</a:t>
+            </a:r>
+            <a:endParaRPr lang="en-US" sz="2800" dirty="0"/>
+          </a:p>
+        </p:txBody>
+      </p:sp>
+      <p:sp>
+        <p:nvSpPr>
+          <p:cNvPr id="6" name="Slide Number Placeholder 5"/>
+          <p:cNvSpPr>
+            <a:spLocks noGrp="1"/>
+          </p:cNvSpPr>
+          <p:nvPr>
+            <p:ph type="sldNum" sz="quarter" idx="12"/>
+          </p:nvPr>
+        </p:nvSpPr>
+        <p:spPr/>
+        <p:txBody>
+          <a:bodyPr/>
+          <a:lstStyle/>
+          <a:p>
+            <a:fld id="{0FA269BB-9CF1-436E-9ADF-E46804694E4E}" type="slidenum">
+              <a:rPr lang="en-US" smtClean="0"/>
+              <a:t>2</a:t>
+            </a:fld>
+            <a:endParaRPr lang="en-US"/>
+          </a:p>
+        </p:txBody>
+      </p:sp>
+      <p:sp>
+        <p:nvSpPr>
+          <p:cNvPr id="2" name="Title 1"/>
+          <p:cNvSpPr>
+            <a:spLocks noGrp="1"/>
+          </p:cNvSpPr>
+          <p:nvPr>
+            <p:ph type="title"/>
+          </p:nvPr>
+        </p:nvSpPr>
+        <p:spPr>
+          <a:xfrm>
+            <a:off x="838200" y="15958"/>
+            <a:ext cx="11353800" cy="823253"/>
+          </a:xfrm>
+        </p:spPr>
+        <p:txBody>
+          <a:bodyPr/>
+          <a:lstStyle/>
+          <a:p>
+            <a:r>
+              <a:rPr lang="en-US" dirty="0"/>
+              <a:t>About ME</a:t>
+            </a:r>
+          </a:p>
+        </p:txBody>
+      </p:sp>
+    </p:spTree>
+    <p:extLst>
+      <p:ext uri="{BB962C8B-B14F-4D97-AF65-F5344CB8AC3E}">
+        <p14:creationId xmlns:p14="http://schemas.microsoft.com/office/powerpoint/2010/main" val="1396314986"/>
+      </p:ext>
+    </p:extLst>
+  </p:cSld>
+  <p:clrMapOvr>
+    <a:masterClrMapping/>
+  </p:clrMapOvr>
+</p:sld>
+</file>
+
+<file path=ppt/slides/slide3.xml><?xml version="1.0" encoding="utf-8"?>
+<p:sld xmlns:a="http://schemas.openxmlformats.org/drawingml/2006/main" xmlns:r="http://schemas.openxmlformats.org/officeDocument/2006/relationships" xmlns:p="http://schemas.openxmlformats.org/presentationml/2006/main">
+  <p:cSld>
+    <p:spTree>
+      <p:nvGrpSpPr>
+        <p:cNvPr id="1" name=""/>
+        <p:cNvGrpSpPr/>
+        <p:nvPr/>
+      </p:nvGrpSpPr>
+      <p:grpSpPr>
+        <a:xfrm>
+          <a:off x="0" y="0"/>
+          <a:ext cx="0" cy="0"/>
+          <a:chOff x="0" y="0"/>
+          <a:chExt cx="0" cy="0"/>
+        </a:xfrm>
+      </p:grpSpPr>
+      <p:sp>
+        <p:nvSpPr>
+          <p:cNvPr id="3" name="Content Placeholder 2"/>
+          <p:cNvSpPr>
+            <a:spLocks noGrp="1"/>
+          </p:cNvSpPr>
+          <p:nvPr>
+            <p:ph idx="1"/>
+          </p:nvPr>
+        </p:nvSpPr>
+        <p:spPr>
+          <a:xfrm>
+            <a:off x="560408" y="2171763"/>
+            <a:ext cx="10515600" cy="3970476"/>
+          </a:xfrm>
+        </p:spPr>
+        <p:txBody>
+          <a:bodyPr>
+            <a:noAutofit/>
+          </a:bodyPr>
+          <a:lstStyle/>
+          <a:p>
+            <a:pPr algn="just"/>
+            <a:r>
+              <a:rPr lang="en-US" sz="2800" dirty="0"/>
+              <a:t>Blockchain, D-Apps and Smart Contracts</a:t>
+            </a:r>
+          </a:p>
+          <a:p>
+            <a:pPr algn="just"/>
+            <a:r>
+              <a:rPr lang="en-US" sz="2800" dirty="0"/>
+              <a:t>Dev tools</a:t>
+            </a:r>
+          </a:p>
+          <a:p>
+            <a:pPr algn="just"/>
+            <a:r>
+              <a:rPr lang="en-US" sz="2800" dirty="0"/>
+              <a:t>Demo implementation architecture. </a:t>
+            </a:r>
+          </a:p>
+          <a:p>
+            <a:pPr algn="just"/>
+            <a:r>
+              <a:rPr lang="en-US" sz="2800" dirty="0"/>
+              <a:t>Setting Up Private Ethereum chain</a:t>
+            </a:r>
+          </a:p>
+          <a:p>
+            <a:pPr algn="just"/>
+            <a:r>
+              <a:rPr lang="en-US" sz="2800" dirty="0"/>
+              <a:t>Sample Smart contract (Asset transfer), solidity.</a:t>
+            </a:r>
+          </a:p>
+          <a:p>
+            <a:pPr algn="just"/>
+            <a:r>
+              <a:rPr lang="en-US" sz="2800" dirty="0"/>
+              <a:t>Demo </a:t>
+            </a:r>
+          </a:p>
+          <a:p>
+            <a:pPr algn="just"/>
+            <a:r>
+              <a:rPr lang="en-US" sz="2800" dirty="0"/>
+              <a:t>Code (API’s)</a:t>
+            </a:r>
+          </a:p>
+        </p:txBody>
+      </p:sp>
+      <p:sp>
+        <p:nvSpPr>
+          <p:cNvPr id="6" name="Slide Number Placeholder 5"/>
+          <p:cNvSpPr>
+            <a:spLocks noGrp="1"/>
+          </p:cNvSpPr>
+          <p:nvPr>
+            <p:ph type="sldNum" sz="quarter" idx="12"/>
+          </p:nvPr>
+        </p:nvSpPr>
+        <p:spPr/>
+        <p:txBody>
+          <a:bodyPr/>
+          <a:lstStyle/>
+          <a:p>
+            <a:fld id="{0FA269BB-9CF1-436E-9ADF-E46804694E4E}" type="slidenum">
+              <a:rPr lang="en-US" smtClean="0"/>
+              <a:t>3</a:t>
+            </a:fld>
+            <a:endParaRPr lang="en-US"/>
+          </a:p>
+        </p:txBody>
+      </p:sp>
+      <p:sp>
+        <p:nvSpPr>
+          <p:cNvPr id="2" name="Title 1"/>
+          <p:cNvSpPr>
+            <a:spLocks noGrp="1"/>
+          </p:cNvSpPr>
+          <p:nvPr>
+            <p:ph type="title"/>
+          </p:nvPr>
+        </p:nvSpPr>
+        <p:spPr>
+          <a:xfrm>
+            <a:off x="838200" y="15958"/>
+            <a:ext cx="11353800" cy="823253"/>
+          </a:xfrm>
+        </p:spPr>
+        <p:txBody>
+          <a:bodyPr/>
+          <a:lstStyle/>
+          <a:p>
+            <a:r>
+              <a:rPr lang="en-US" dirty="0"/>
+              <a:t>Agenda</a:t>
+            </a:r>
+          </a:p>
+        </p:txBody>
+      </p:sp>
+    </p:spTree>
+    <p:extLst>
+      <p:ext uri="{BB962C8B-B14F-4D97-AF65-F5344CB8AC3E}">
+        <p14:creationId xmlns:p14="http://schemas.microsoft.com/office/powerpoint/2010/main" val="26355787"/>
+      </p:ext>
+    </p:extLst>
+  </p:cSld>
+  <p:clrMapOvr>
+    <a:masterClrMapping/>
+  </p:clrMapOvr>
+</p:sld>
+</file>
+
+<file path=ppt/slides/slide4.xml><?xml version="1.0" encoding="utf-8"?>
+<p:sld xmlns:a="http://schemas.openxmlformats.org/drawingml/2006/main" xmlns:r="http://schemas.openxmlformats.org/officeDocument/2006/relationships" xmlns:p="http://schemas.openxmlformats.org/presentationml/2006/main">
+  <p:cSld>
+    <p:spTree>
+      <p:nvGrpSpPr>
+        <p:cNvPr id="1" name=""/>
+        <p:cNvGrpSpPr/>
+        <p:nvPr/>
+      </p:nvGrpSpPr>
+      <p:grpSpPr>
+        <a:xfrm>
+          <a:off x="0" y="0"/>
+          <a:ext cx="0" cy="0"/>
+          <a:chOff x="0" y="0"/>
+          <a:chExt cx="0" cy="0"/>
+        </a:xfrm>
+      </p:grpSpPr>
+      <p:sp>
+        <p:nvSpPr>
+          <p:cNvPr id="3" name="Content Placeholder 2"/>
+          <p:cNvSpPr>
+            <a:spLocks noGrp="1"/>
+          </p:cNvSpPr>
+          <p:nvPr>
+            <p:ph idx="1"/>
+          </p:nvPr>
+        </p:nvSpPr>
+        <p:spPr>
+          <a:xfrm>
+            <a:off x="252984" y="2133335"/>
+            <a:ext cx="4892040" cy="3970476"/>
+          </a:xfrm>
+        </p:spPr>
+        <p:txBody>
+          <a:bodyPr>
+            <a:noAutofit/>
+          </a:bodyPr>
+          <a:lstStyle/>
+          <a:p>
+            <a:pPr marL="0" indent="0" algn="just">
+              <a:buNone/>
+            </a:pPr>
+            <a:r>
+              <a:rPr lang="en-US" sz="2800" dirty="0"/>
+              <a:t>What is Blockchain</a:t>
+            </a:r>
+          </a:p>
+          <a:p>
+            <a:pPr algn="just"/>
+            <a:r>
+              <a:rPr lang="en-US" sz="2000" dirty="0"/>
+              <a:t>Technology that relies on cryptography to store data in distributed ledger</a:t>
+            </a:r>
+          </a:p>
+          <a:p>
+            <a:pPr algn="just"/>
+            <a:r>
+              <a:rPr lang="en-US" sz="2000" dirty="0"/>
+              <a:t>Every block contains a hash of the previous block and a new added only after all previous hashes are recomputed </a:t>
+            </a:r>
+          </a:p>
+          <a:p>
+            <a:pPr algn="just"/>
+            <a:r>
+              <a:rPr lang="en-US" sz="2000" dirty="0"/>
+              <a:t>Distributed data store</a:t>
+            </a:r>
+          </a:p>
+          <a:p>
+            <a:pPr algn="just"/>
+            <a:r>
+              <a:rPr lang="en-US" sz="2000" dirty="0"/>
+              <a:t>Immutability of data stored.</a:t>
+            </a:r>
+          </a:p>
+          <a:p>
+            <a:pPr algn="just"/>
+            <a:r>
+              <a:rPr lang="en-US" sz="2000" dirty="0"/>
+              <a:t>Storing of data is based on agreements between all parties</a:t>
+            </a:r>
+          </a:p>
+          <a:p>
+            <a:pPr algn="just"/>
+            <a:endParaRPr lang="en-US" sz="2000" dirty="0"/>
+          </a:p>
+          <a:p>
+            <a:pPr algn="just"/>
+            <a:endParaRPr lang="en-US" sz="2000" dirty="0"/>
+          </a:p>
+        </p:txBody>
+      </p:sp>
+      <p:sp>
+        <p:nvSpPr>
+          <p:cNvPr id="6" name="Slide Number Placeholder 5"/>
+          <p:cNvSpPr>
+            <a:spLocks noGrp="1"/>
+          </p:cNvSpPr>
+          <p:nvPr>
+            <p:ph type="sldNum" sz="quarter" idx="12"/>
+          </p:nvPr>
+        </p:nvSpPr>
+        <p:spPr>
+          <a:xfrm>
+            <a:off x="9220200" y="6280150"/>
+            <a:ext cx="2743200" cy="365125"/>
+          </a:xfrm>
+        </p:spPr>
+        <p:txBody>
+          <a:bodyPr/>
+          <a:lstStyle/>
+          <a:p>
+            <a:fld id="{0FA269BB-9CF1-436E-9ADF-E46804694E4E}" type="slidenum">
+              <a:rPr lang="en-US" smtClean="0"/>
+              <a:t>4</a:t>
+            </a:fld>
+            <a:endParaRPr lang="en-US" dirty="0"/>
+          </a:p>
+        </p:txBody>
+      </p:sp>
+      <p:sp>
+        <p:nvSpPr>
+          <p:cNvPr id="2" name="Title 1"/>
+          <p:cNvSpPr>
+            <a:spLocks noGrp="1"/>
+          </p:cNvSpPr>
+          <p:nvPr>
+            <p:ph type="title"/>
+          </p:nvPr>
+        </p:nvSpPr>
+        <p:spPr>
+          <a:xfrm>
+            <a:off x="792480" y="15958"/>
+            <a:ext cx="11399520" cy="1325563"/>
+          </a:xfrm>
+        </p:spPr>
+        <p:txBody>
+          <a:bodyPr/>
+          <a:lstStyle/>
+          <a:p>
+            <a:r>
+              <a:rPr lang="en-US" dirty="0"/>
+              <a:t>Blockchain</a:t>
+            </a:r>
+          </a:p>
+        </p:txBody>
+      </p:sp>
+      <p:pic>
+        <p:nvPicPr>
+          <p:cNvPr id="2050" name="Picture 2" descr="Image result for WHat is block chain">
+            <a:extLst>
+              <a:ext uri="{FF2B5EF4-FFF2-40B4-BE49-F238E27FC236}">
+                <a16:creationId xmlns:a16="http://schemas.microsoft.com/office/drawing/2014/main" id="{56E9F3B5-D131-4DEE-BE12-E8437DBE0BFD}"/>
+              </a:ext>
+            </a:extLst>
+          </p:cNvPr>
+          <p:cNvPicPr>
+            <a:picLocks noChangeAspect="1" noChangeArrowheads="1"/>
+          </p:cNvPicPr>
+          <p:nvPr/>
+        </p:nvPicPr>
+        <p:blipFill>
+          <a:blip r:embed="rId3">
+            <a:extLst>
+              <a:ext uri="{28A0092B-C50C-407E-A947-70E740481C1C}">
+                <a14:useLocalDpi xmlns:a14="http://schemas.microsoft.com/office/drawing/2010/main" val="0"/>
+              </a:ext>
+            </a:extLst>
+          </a:blip>
+          <a:srcRect/>
+          <a:stretch>
+            <a:fillRect/>
+          </a:stretch>
+        </p:blipFill>
+        <p:spPr bwMode="auto">
+          <a:xfrm>
+            <a:off x="5218176" y="1978390"/>
+            <a:ext cx="6973824" cy="2901220"/>
+          </a:xfrm>
+          <a:prstGeom prst="rect">
+            <a:avLst/>
+          </a:prstGeom>
+          <a:noFill/>
+          <a:extLst>
+            <a:ext uri="{909E8E84-426E-40DD-AFC4-6F175D3DCCD1}">
+              <a14:hiddenFill xmlns:a14="http://schemas.microsoft.com/office/drawing/2010/main">
+                <a:solidFill>
+                  <a:srgbClr val="FFFFFF"/>
+                </a:solidFill>
+              </a14:hiddenFill>
+            </a:ext>
+          </a:extLst>
+        </p:spPr>
+      </p:pic>
+      <p:sp>
+        <p:nvSpPr>
+          <p:cNvPr id="15" name="Content Placeholder 2">
+            <a:extLst>
+              <a:ext uri="{FF2B5EF4-FFF2-40B4-BE49-F238E27FC236}">
+                <a16:creationId xmlns:a16="http://schemas.microsoft.com/office/drawing/2014/main" id="{1C1BA68A-36E9-4BE8-AF0B-A341A6FFE2F4}"/>
+              </a:ext>
+            </a:extLst>
+          </p:cNvPr>
+          <p:cNvSpPr txBox="1">
+            <a:spLocks/>
+          </p:cNvSpPr>
+          <p:nvPr/>
+        </p:nvSpPr>
+        <p:spPr>
+          <a:xfrm>
+            <a:off x="5623560" y="4856804"/>
+            <a:ext cx="6568440" cy="934396"/>
+          </a:xfrm>
+          <a:prstGeom prst="rect">
+            <a:avLst/>
+          </a:prstGeom>
+        </p:spPr>
+        <p:txBody>
+          <a:bodyPr vert="horz" lIns="91440" tIns="45720" rIns="91440" bIns="45720" rtlCol="0">
+            <a:noAutofit/>
+          </a:bodyPr>
+          <a:lstStyle>
+            <a:lvl1pPr marL="228600" indent="-228600" algn="l" defTabSz="914400" rtl="0" eaLnBrk="1" latinLnBrk="0" hangingPunct="1">
+              <a:lnSpc>
+                <a:spcPct val="90000"/>
+              </a:lnSpc>
+              <a:spcBef>
+                <a:spcPts val="1000"/>
+              </a:spcBef>
+              <a:buFont typeface="Arial" panose="020B0604020202020204" pitchFamily="34" charset="0"/>
+              <a:buChar char="•"/>
+              <a:defRPr sz="3600" kern="1200">
+                <a:solidFill>
+                  <a:schemeClr val="tx1"/>
+                </a:solidFill>
+                <a:latin typeface="+mn-lt"/>
+                <a:ea typeface="+mn-ea"/>
+                <a:cs typeface="+mn-cs"/>
+              </a:defRPr>
+            </a:lvl1pPr>
+            <a:lvl2pPr marL="685800" indent="-228600" algn="l" defTabSz="914400" rtl="0" eaLnBrk="1" latinLnBrk="0" hangingPunct="1">
+              <a:lnSpc>
+                <a:spcPct val="90000"/>
+              </a:lnSpc>
+              <a:spcBef>
+                <a:spcPts val="500"/>
+              </a:spcBef>
+              <a:buFont typeface="Arial" panose="020B0604020202020204" pitchFamily="34" charset="0"/>
+              <a:buChar char="•"/>
+              <a:defRPr sz="3200" kern="1200">
+                <a:solidFill>
+                  <a:schemeClr val="tx1"/>
+                </a:solidFill>
+                <a:latin typeface="+mn-lt"/>
+                <a:ea typeface="+mn-ea"/>
+                <a:cs typeface="+mn-cs"/>
+              </a:defRPr>
+            </a:lvl2pPr>
+            <a:lvl3pPr marL="1143000" indent="-228600" algn="l" defTabSz="914400" rtl="0" eaLnBrk="1" latinLnBrk="0" hangingPunct="1">
+              <a:lnSpc>
+                <a:spcPct val="90000"/>
+              </a:lnSpc>
+              <a:spcBef>
+                <a:spcPts val="500"/>
+              </a:spcBef>
+              <a:buFont typeface="Arial" panose="020B0604020202020204" pitchFamily="34" charset="0"/>
+              <a:buChar char="•"/>
+              <a:defRPr sz="2800" kern="1200">
+                <a:solidFill>
+                  <a:schemeClr val="tx1"/>
+                </a:solidFill>
+                <a:latin typeface="+mn-lt"/>
+                <a:ea typeface="+mn-ea"/>
+                <a:cs typeface="+mn-cs"/>
+              </a:defRPr>
+            </a:lvl3pPr>
+            <a:lvl4pPr marL="1600200" indent="-228600" algn="l" defTabSz="914400" rtl="0" eaLnBrk="1" latinLnBrk="0" hangingPunct="1">
+              <a:lnSpc>
+                <a:spcPct val="90000"/>
+              </a:lnSpc>
+              <a:spcBef>
+                <a:spcPts val="500"/>
+              </a:spcBef>
+              <a:buFont typeface="Arial" panose="020B0604020202020204" pitchFamily="34" charset="0"/>
+              <a:buChar char="•"/>
+              <a:defRPr sz="2400" kern="1200">
+                <a:solidFill>
+                  <a:schemeClr val="tx1"/>
+                </a:solidFill>
+                <a:latin typeface="+mn-lt"/>
+                <a:ea typeface="+mn-ea"/>
+                <a:cs typeface="+mn-cs"/>
+              </a:defRPr>
+            </a:lvl4pPr>
+            <a:lvl5pPr marL="2057400" indent="-228600" algn="l" defTabSz="914400" rtl="0" eaLnBrk="1" latinLnBrk="0" hangingPunct="1">
+              <a:lnSpc>
+                <a:spcPct val="90000"/>
+              </a:lnSpc>
+              <a:spcBef>
+                <a:spcPts val="500"/>
+              </a:spcBef>
+              <a:buFont typeface="Arial" panose="020B0604020202020204" pitchFamily="34" charset="0"/>
+              <a:buChar char="•"/>
+              <a:defRPr sz="2400" kern="1200">
+                <a:solidFill>
+                  <a:schemeClr val="tx1"/>
+                </a:solidFill>
+                <a:latin typeface="+mn-lt"/>
+                <a:ea typeface="+mn-ea"/>
+                <a:cs typeface="+mn-cs"/>
+              </a:defRPr>
+            </a:lvl5pPr>
+            <a:lvl6pPr marL="2514600" indent="-228600" algn="l" defTabSz="914400" rtl="0" eaLnBrk="1" latinLnBrk="0" hangingPunct="1">
+              <a:lnSpc>
+                <a:spcPct val="90000"/>
+              </a:lnSpc>
+              <a:spcBef>
+                <a:spcPts val="500"/>
+              </a:spcBef>
+              <a:buFont typeface="Arial" panose="020B0604020202020204" pitchFamily="34" charset="0"/>
+              <a:buChar char="•"/>
+              <a:defRPr sz="1800" kern="1200">
+                <a:solidFill>
+                  <a:schemeClr val="tx1"/>
+                </a:solidFill>
+                <a:latin typeface="+mn-lt"/>
+                <a:ea typeface="+mn-ea"/>
+                <a:cs typeface="+mn-cs"/>
+              </a:defRPr>
+            </a:lvl6pPr>
+            <a:lvl7pPr marL="2971800" indent="-228600" algn="l" defTabSz="914400" rtl="0" eaLnBrk="1" latinLnBrk="0" hangingPunct="1">
+              <a:lnSpc>
+                <a:spcPct val="90000"/>
+              </a:lnSpc>
+              <a:spcBef>
+                <a:spcPts val="500"/>
+              </a:spcBef>
+              <a:buFont typeface="Arial" panose="020B0604020202020204" pitchFamily="34" charset="0"/>
+              <a:buChar char="•"/>
+              <a:defRPr sz="1800" kern="1200">
+                <a:solidFill>
+                  <a:schemeClr val="tx1"/>
+                </a:solidFill>
+                <a:latin typeface="+mn-lt"/>
+                <a:ea typeface="+mn-ea"/>
+                <a:cs typeface="+mn-cs"/>
+              </a:defRPr>
+            </a:lvl7pPr>
+            <a:lvl8pPr marL="3429000" indent="-228600" algn="l" defTabSz="914400" rtl="0" eaLnBrk="1" latinLnBrk="0" hangingPunct="1">
+              <a:lnSpc>
+                <a:spcPct val="90000"/>
+              </a:lnSpc>
+              <a:spcBef>
+                <a:spcPts val="500"/>
+              </a:spcBef>
+              <a:buFont typeface="Arial" panose="020B0604020202020204" pitchFamily="34" charset="0"/>
+              <a:buChar char="•"/>
+              <a:defRPr sz="1800" kern="1200">
+                <a:solidFill>
+                  <a:schemeClr val="tx1"/>
+                </a:solidFill>
+                <a:latin typeface="+mn-lt"/>
+                <a:ea typeface="+mn-ea"/>
+                <a:cs typeface="+mn-cs"/>
+              </a:defRPr>
+            </a:lvl8pPr>
+            <a:lvl9pPr marL="3886200" indent="-228600" algn="l" defTabSz="914400" rtl="0" eaLnBrk="1" latinLnBrk="0" hangingPunct="1">
+              <a:lnSpc>
+                <a:spcPct val="90000"/>
+              </a:lnSpc>
+              <a:spcBef>
+                <a:spcPts val="500"/>
+              </a:spcBef>
+              <a:buFont typeface="Arial" panose="020B0604020202020204" pitchFamily="34" charset="0"/>
+              <a:buChar char="•"/>
+              <a:defRPr sz="1800" kern="1200">
+                <a:solidFill>
+                  <a:schemeClr val="tx1"/>
+                </a:solidFill>
+                <a:latin typeface="+mn-lt"/>
+                <a:ea typeface="+mn-ea"/>
+                <a:cs typeface="+mn-cs"/>
+              </a:defRPr>
+            </a:lvl9pPr>
+          </a:lstStyle>
+          <a:p>
+            <a:pPr marL="0" indent="0" algn="just">
+              <a:buNone/>
+            </a:pPr>
+            <a:r>
+              <a:rPr lang="en-US" sz="1600" b="1" dirty="0"/>
+              <a:t>**Genesis block </a:t>
+            </a:r>
+          </a:p>
+          <a:p>
+            <a:pPr algn="just"/>
+            <a:r>
+              <a:rPr lang="en-US" sz="1400" dirty="0"/>
+              <a:t>It is first block for the chain</a:t>
+            </a:r>
+          </a:p>
+          <a:p>
+            <a:pPr algn="just"/>
+            <a:r>
+              <a:rPr lang="en-US" sz="1400" dirty="0"/>
+              <a:t>It is created using the genesis state file or </a:t>
+            </a:r>
+            <a:r>
+              <a:rPr lang="en-US" sz="1400" dirty="0" err="1"/>
+              <a:t>genesis.json</a:t>
+            </a:r>
+            <a:endParaRPr lang="en-US" sz="1400" dirty="0"/>
+          </a:p>
+          <a:p>
+            <a:pPr algn="just"/>
+            <a:endParaRPr lang="en-US" sz="1400" dirty="0"/>
+          </a:p>
+          <a:p>
+            <a:pPr algn="just"/>
+            <a:endParaRPr lang="en-US" sz="1400" dirty="0"/>
+          </a:p>
+        </p:txBody>
+      </p:sp>
+      <p:sp>
+        <p:nvSpPr>
+          <p:cNvPr id="20" name="TextBox 19">
+            <a:extLst>
+              <a:ext uri="{FF2B5EF4-FFF2-40B4-BE49-F238E27FC236}">
+                <a16:creationId xmlns:a16="http://schemas.microsoft.com/office/drawing/2014/main" id="{C620E2B9-AA12-466F-A29C-243D5E1680ED}"/>
+              </a:ext>
+            </a:extLst>
+          </p:cNvPr>
+          <p:cNvSpPr txBox="1"/>
+          <p:nvPr/>
+        </p:nvSpPr>
+        <p:spPr>
+          <a:xfrm>
+            <a:off x="258064" y="5964659"/>
+            <a:ext cx="5501640" cy="369332"/>
+          </a:xfrm>
+          <a:prstGeom prst="rect">
+            <a:avLst/>
+          </a:prstGeom>
+          <a:noFill/>
+        </p:spPr>
+        <p:txBody>
+          <a:bodyPr wrap="square" rtlCol="0">
+            <a:spAutoFit/>
+          </a:bodyPr>
+          <a:lstStyle/>
+          <a:p>
+            <a:r>
+              <a:rPr lang="en-US" dirty="0">
+                <a:hlinkClick r:id="rId4"/>
+              </a:rPr>
+              <a:t>Blockchain 101 Visual Demo Video</a:t>
+            </a:r>
+            <a:endParaRPr lang="en-US" dirty="0"/>
+          </a:p>
+        </p:txBody>
+      </p:sp>
+      <p:sp>
+        <p:nvSpPr>
+          <p:cNvPr id="23" name="TextBox 22">
+            <a:extLst>
+              <a:ext uri="{FF2B5EF4-FFF2-40B4-BE49-F238E27FC236}">
+                <a16:creationId xmlns:a16="http://schemas.microsoft.com/office/drawing/2014/main" id="{A5E976ED-F9B2-43EF-90AB-5CAB006822FC}"/>
+              </a:ext>
+            </a:extLst>
+          </p:cNvPr>
+          <p:cNvSpPr txBox="1"/>
+          <p:nvPr/>
+        </p:nvSpPr>
+        <p:spPr>
+          <a:xfrm>
+            <a:off x="5759704" y="5968970"/>
+            <a:ext cx="5486400" cy="369332"/>
+          </a:xfrm>
+          <a:prstGeom prst="rect">
+            <a:avLst/>
+          </a:prstGeom>
+          <a:noFill/>
+        </p:spPr>
+        <p:txBody>
+          <a:bodyPr wrap="square" rtlCol="0">
+            <a:spAutoFit/>
+          </a:bodyPr>
+          <a:lstStyle/>
+          <a:p>
+            <a:r>
+              <a:rPr lang="en-US" dirty="0">
+                <a:hlinkClick r:id="rId5"/>
+              </a:rPr>
+              <a:t>Blockchain 101 Visual Demo</a:t>
+            </a:r>
+            <a:endParaRPr lang="en-US" dirty="0"/>
+          </a:p>
+        </p:txBody>
+      </p:sp>
+    </p:spTree>
+    <p:extLst>
+      <p:ext uri="{BB962C8B-B14F-4D97-AF65-F5344CB8AC3E}">
+        <p14:creationId xmlns:p14="http://schemas.microsoft.com/office/powerpoint/2010/main" val="4026179288"/>
+      </p:ext>
+    </p:extLst>
+  </p:cSld>
+  <p:clrMapOvr>
+    <a:masterClrMapping/>
+  </p:clrMapOvr>
+</p:sld>
+</file>
+
+<file path=ppt/slides/slide5.xml><?xml version="1.0" encoding="utf-8"?>
+<p:sld xmlns:a="http://schemas.openxmlformats.org/drawingml/2006/main" xmlns:r="http://schemas.openxmlformats.org/officeDocument/2006/relationships" xmlns:p="http://schemas.openxmlformats.org/presentationml/2006/main">
+  <p:cSld>
+    <p:spTree>
+      <p:nvGrpSpPr>
+        <p:cNvPr id="1" name=""/>
+        <p:cNvGrpSpPr/>
+        <p:nvPr/>
+      </p:nvGrpSpPr>
+      <p:grpSpPr>
+        <a:xfrm>
+          <a:off x="0" y="0"/>
+          <a:ext cx="0" cy="0"/>
+          <a:chOff x="0" y="0"/>
+          <a:chExt cx="0" cy="0"/>
+        </a:xfrm>
+      </p:grpSpPr>
+      <p:sp>
+        <p:nvSpPr>
+          <p:cNvPr id="3" name="Title 2">
+            <a:extLst>
+              <a:ext uri="{FF2B5EF4-FFF2-40B4-BE49-F238E27FC236}">
+                <a16:creationId xmlns:a16="http://schemas.microsoft.com/office/drawing/2014/main" id="{01C7A0F6-AA7D-46B8-94E5-AA3D4BC48269}"/>
+              </a:ext>
+            </a:extLst>
+          </p:cNvPr>
+          <p:cNvSpPr>
+            <a:spLocks noGrp="1"/>
+          </p:cNvSpPr>
+          <p:nvPr>
+            <p:ph type="title"/>
+          </p:nvPr>
+        </p:nvSpPr>
+        <p:spPr/>
+        <p:txBody>
+          <a:bodyPr>
+            <a:normAutofit fontScale="90000"/>
+          </a:bodyPr>
+          <a:lstStyle/>
+          <a:p>
+            <a:r>
+              <a:rPr lang="en-US" dirty="0"/>
+              <a:t>D-Apps(Decentralized </a:t>
+            </a:r>
+            <a:br>
+              <a:rPr lang="en-US" dirty="0"/>
+            </a:br>
+            <a:r>
+              <a:rPr lang="en-US" dirty="0"/>
+              <a:t>Applications)</a:t>
+            </a:r>
+          </a:p>
+        </p:txBody>
+      </p:sp>
+      <p:sp>
+        <p:nvSpPr>
+          <p:cNvPr id="5" name="Rectangle 4">
+            <a:extLst>
+              <a:ext uri="{FF2B5EF4-FFF2-40B4-BE49-F238E27FC236}">
+                <a16:creationId xmlns:a16="http://schemas.microsoft.com/office/drawing/2014/main" id="{D598F40E-CA1F-48F6-81DB-E6BFE7C02C5E}"/>
+              </a:ext>
+            </a:extLst>
+          </p:cNvPr>
+          <p:cNvSpPr/>
+          <p:nvPr/>
+        </p:nvSpPr>
+        <p:spPr>
+          <a:xfrm>
+            <a:off x="207264" y="1668655"/>
+            <a:ext cx="11789664" cy="1477328"/>
+          </a:xfrm>
+          <a:prstGeom prst="rect">
+            <a:avLst/>
+          </a:prstGeom>
+        </p:spPr>
+        <p:txBody>
+          <a:bodyPr wrap="square">
+            <a:spAutoFit/>
+          </a:bodyPr>
+          <a:lstStyle/>
+          <a:p>
+            <a:pPr marL="285750" indent="-285750">
+              <a:buFont typeface="Arial" panose="020B0604020202020204" pitchFamily="34" charset="0"/>
+              <a:buChar char="•"/>
+            </a:pPr>
+            <a:r>
+              <a:rPr lang="en-US" dirty="0"/>
+              <a:t>Decentralized applications (D-Apps) are applications that run on a P2P network of computers rather than some kind of hosting service.</a:t>
+            </a:r>
+          </a:p>
+          <a:p>
+            <a:pPr marL="285750" indent="-285750">
+              <a:buFont typeface="Arial" panose="020B0604020202020204" pitchFamily="34" charset="0"/>
+              <a:buChar char="•"/>
+            </a:pPr>
+            <a:r>
+              <a:rPr lang="en-US" dirty="0"/>
+              <a:t>D-Apps are a ‘blockchain enabled’, where the Smart Contract is used to connect to the blockchain</a:t>
+            </a:r>
+          </a:p>
+          <a:p>
+            <a:pPr marL="285750" indent="-285750">
+              <a:buFont typeface="Arial" panose="020B0604020202020204" pitchFamily="34" charset="0"/>
+              <a:buChar char="•"/>
+            </a:pPr>
+            <a:r>
+              <a:rPr lang="en-US" dirty="0"/>
+              <a:t>D-Apps backend is immutable. Not a general data platform that can be used for any types of applications. </a:t>
+            </a:r>
+          </a:p>
+          <a:p>
+            <a:pPr marL="285750" indent="-285750">
+              <a:buFont typeface="Arial" panose="020B0604020202020204" pitchFamily="34" charset="0"/>
+              <a:buChar char="•"/>
+            </a:pPr>
+            <a:r>
+              <a:rPr lang="en-US" dirty="0"/>
+              <a:t>Typically has an off chain database</a:t>
+            </a:r>
+          </a:p>
+        </p:txBody>
+      </p:sp>
+      <p:sp>
+        <p:nvSpPr>
+          <p:cNvPr id="6" name="Rectangle: Rounded Corners 5">
+            <a:extLst>
+              <a:ext uri="{FF2B5EF4-FFF2-40B4-BE49-F238E27FC236}">
+                <a16:creationId xmlns:a16="http://schemas.microsoft.com/office/drawing/2014/main" id="{CE32A826-1A6D-47B8-BF4A-0156FA19569C}"/>
+              </a:ext>
+            </a:extLst>
+          </p:cNvPr>
+          <p:cNvSpPr/>
+          <p:nvPr/>
+        </p:nvSpPr>
+        <p:spPr>
+          <a:xfrm>
+            <a:off x="2170176" y="3465576"/>
+            <a:ext cx="2767584" cy="633984"/>
+          </a:xfrm>
+          <a:prstGeom prst="roundRect">
+            <a:avLst/>
+          </a:prstGeom>
+          <a:solidFill>
+            <a:schemeClr val="bg1"/>
+          </a:solidFill>
+        </p:spPr>
+        <p:style>
+          <a:lnRef idx="2">
+            <a:schemeClr val="accent1">
+              <a:shade val="50000"/>
+            </a:schemeClr>
+          </a:lnRef>
+          <a:fillRef idx="1">
+            <a:schemeClr val="accent1"/>
+          </a:fillRef>
+          <a:effectRef idx="0">
+            <a:schemeClr val="accent1"/>
+          </a:effectRef>
+          <a:fontRef idx="minor">
+            <a:schemeClr val="lt1"/>
+          </a:fontRef>
+        </p:style>
+        <p:txBody>
+          <a:bodyPr rtlCol="0" anchor="ctr"/>
+          <a:lstStyle/>
+          <a:p>
+            <a:pPr algn="ctr"/>
+            <a:r>
+              <a:rPr lang="en-US" dirty="0">
+                <a:solidFill>
+                  <a:schemeClr val="tx1"/>
+                </a:solidFill>
+              </a:rPr>
+              <a:t>      Front End</a:t>
+            </a:r>
+          </a:p>
+        </p:txBody>
+      </p:sp>
+      <p:sp>
+        <p:nvSpPr>
+          <p:cNvPr id="7" name="Rectangle: Rounded Corners 6">
+            <a:extLst>
+              <a:ext uri="{FF2B5EF4-FFF2-40B4-BE49-F238E27FC236}">
+                <a16:creationId xmlns:a16="http://schemas.microsoft.com/office/drawing/2014/main" id="{C6C7A8A1-A47C-4AD3-8A51-D635ABF0090E}"/>
+              </a:ext>
+            </a:extLst>
+          </p:cNvPr>
+          <p:cNvSpPr/>
+          <p:nvPr/>
+        </p:nvSpPr>
+        <p:spPr>
+          <a:xfrm>
+            <a:off x="2170176" y="4464136"/>
+            <a:ext cx="2767584" cy="633984"/>
+          </a:xfrm>
+          <a:prstGeom prst="roundRect">
+            <a:avLst/>
+          </a:prstGeom>
+          <a:solidFill>
+            <a:schemeClr val="bg1"/>
+          </a:solidFill>
+        </p:spPr>
+        <p:style>
+          <a:lnRef idx="2">
+            <a:schemeClr val="accent1">
+              <a:shade val="50000"/>
+            </a:schemeClr>
+          </a:lnRef>
+          <a:fillRef idx="1">
+            <a:schemeClr val="accent1"/>
+          </a:fillRef>
+          <a:effectRef idx="0">
+            <a:schemeClr val="accent1"/>
+          </a:effectRef>
+          <a:fontRef idx="minor">
+            <a:schemeClr val="lt1"/>
+          </a:fontRef>
+        </p:style>
+        <p:txBody>
+          <a:bodyPr rot="0" spcFirstLastPara="0" vertOverflow="overflow" horzOverflow="overflow" vert="horz" wrap="square" lIns="91440" tIns="45720" rIns="91440" bIns="45720" numCol="1" spcCol="0" rtlCol="0" fromWordArt="0" anchor="ctr" anchorCtr="0" forceAA="0" compatLnSpc="1">
+            <a:prstTxWarp prst="textNoShape">
+              <a:avLst/>
+            </a:prstTxWarp>
+            <a:noAutofit/>
+          </a:bodyPr>
+          <a:lstStyle/>
+          <a:p>
+            <a:pPr algn="ctr"/>
+            <a:endParaRPr lang="en-US" dirty="0">
+              <a:solidFill>
+                <a:schemeClr val="tx1"/>
+              </a:solidFill>
+            </a:endParaRPr>
+          </a:p>
+        </p:txBody>
+      </p:sp>
+      <p:pic>
+        <p:nvPicPr>
+          <p:cNvPr id="2050" name="Picture 2" descr="Related image">
+            <a:extLst>
+              <a:ext uri="{FF2B5EF4-FFF2-40B4-BE49-F238E27FC236}">
+                <a16:creationId xmlns:a16="http://schemas.microsoft.com/office/drawing/2014/main" id="{22B4AC60-06D9-4B45-BF95-0E00509D6E7A}"/>
+              </a:ext>
+            </a:extLst>
+          </p:cNvPr>
+          <p:cNvPicPr>
+            <a:picLocks noChangeAspect="1" noChangeArrowheads="1"/>
+          </p:cNvPicPr>
+          <p:nvPr/>
+        </p:nvPicPr>
+        <p:blipFill>
+          <a:blip r:embed="rId2" cstate="print">
+            <a:extLst>
+              <a:ext uri="{28A0092B-C50C-407E-A947-70E740481C1C}">
+                <a14:useLocalDpi xmlns:a14="http://schemas.microsoft.com/office/drawing/2010/main" val="0"/>
+              </a:ext>
+            </a:extLst>
+          </a:blip>
+          <a:srcRect/>
+          <a:stretch>
+            <a:fillRect/>
+          </a:stretch>
+        </p:blipFill>
+        <p:spPr bwMode="auto">
+          <a:xfrm>
+            <a:off x="3982053" y="5696712"/>
+            <a:ext cx="704405" cy="866220"/>
+          </a:xfrm>
+          <a:prstGeom prst="rect">
+            <a:avLst/>
+          </a:prstGeom>
+          <a:noFill/>
+          <a:extLst>
+            <a:ext uri="{909E8E84-426E-40DD-AFC4-6F175D3DCCD1}">
+              <a14:hiddenFill xmlns:a14="http://schemas.microsoft.com/office/drawing/2010/main">
+                <a:solidFill>
+                  <a:srgbClr val="FFFFFF"/>
+                </a:solidFill>
+              </a14:hiddenFill>
+            </a:ext>
+          </a:extLst>
+        </p:spPr>
+      </p:pic>
+      <p:pic>
+        <p:nvPicPr>
+          <p:cNvPr id="2052" name="Picture 4" descr="Image result for web services">
+            <a:extLst>
+              <a:ext uri="{FF2B5EF4-FFF2-40B4-BE49-F238E27FC236}">
+                <a16:creationId xmlns:a16="http://schemas.microsoft.com/office/drawing/2014/main" id="{A73237B1-09AF-4AA4-9C6C-8BA4355870E5}"/>
+              </a:ext>
+            </a:extLst>
+          </p:cNvPr>
+          <p:cNvPicPr>
+            <a:picLocks noChangeAspect="1" noChangeArrowheads="1"/>
+          </p:cNvPicPr>
+          <p:nvPr/>
+        </p:nvPicPr>
+        <p:blipFill>
+          <a:blip r:embed="rId3" cstate="print">
+            <a:extLst>
+              <a:ext uri="{28A0092B-C50C-407E-A947-70E740481C1C}">
+                <a14:useLocalDpi xmlns:a14="http://schemas.microsoft.com/office/drawing/2010/main" val="0"/>
+              </a:ext>
+            </a:extLst>
+          </a:blip>
+          <a:srcRect/>
+          <a:stretch>
+            <a:fillRect/>
+          </a:stretch>
+        </p:blipFill>
+        <p:spPr bwMode="auto">
+          <a:xfrm>
+            <a:off x="2450797" y="5696711"/>
+            <a:ext cx="1121459" cy="871467"/>
+          </a:xfrm>
+          <a:prstGeom prst="rect">
+            <a:avLst/>
+          </a:prstGeom>
+          <a:noFill/>
+          <a:extLst>
+            <a:ext uri="{909E8E84-426E-40DD-AFC4-6F175D3DCCD1}">
+              <a14:hiddenFill xmlns:a14="http://schemas.microsoft.com/office/drawing/2010/main">
+                <a:solidFill>
+                  <a:srgbClr val="FFFFFF"/>
+                </a:solidFill>
+              </a14:hiddenFill>
+            </a:ext>
+          </a:extLst>
+        </p:spPr>
+      </p:pic>
+      <p:sp>
+        <p:nvSpPr>
+          <p:cNvPr id="16" name="Rectangle: Rounded Corners 15">
+            <a:extLst>
+              <a:ext uri="{FF2B5EF4-FFF2-40B4-BE49-F238E27FC236}">
+                <a16:creationId xmlns:a16="http://schemas.microsoft.com/office/drawing/2014/main" id="{7A7A2121-9E4A-42C7-9334-525DF4491814}"/>
+              </a:ext>
+            </a:extLst>
+          </p:cNvPr>
+          <p:cNvSpPr/>
+          <p:nvPr/>
+        </p:nvSpPr>
+        <p:spPr>
+          <a:xfrm>
+            <a:off x="7114032" y="3065423"/>
+            <a:ext cx="2767584" cy="633984"/>
+          </a:xfrm>
+          <a:prstGeom prst="roundRect">
+            <a:avLst/>
+          </a:prstGeom>
+          <a:solidFill>
+            <a:schemeClr val="bg1"/>
+          </a:solidFill>
+        </p:spPr>
+        <p:style>
+          <a:lnRef idx="2">
+            <a:schemeClr val="accent1">
+              <a:shade val="50000"/>
+            </a:schemeClr>
+          </a:lnRef>
+          <a:fillRef idx="1">
+            <a:schemeClr val="accent1"/>
+          </a:fillRef>
+          <a:effectRef idx="0">
+            <a:schemeClr val="accent1"/>
+          </a:effectRef>
+          <a:fontRef idx="minor">
+            <a:schemeClr val="lt1"/>
+          </a:fontRef>
+        </p:style>
+        <p:txBody>
+          <a:bodyPr rot="0" spcFirstLastPara="0" vertOverflow="overflow" horzOverflow="overflow" vert="horz" wrap="square" lIns="91440" tIns="45720" rIns="91440" bIns="45720" numCol="1" spcCol="0" rtlCol="0" fromWordArt="0" anchor="ctr" anchorCtr="0" forceAA="0" compatLnSpc="1">
+            <a:prstTxWarp prst="textNoShape">
+              <a:avLst/>
+            </a:prstTxWarp>
+            <a:noAutofit/>
+          </a:bodyPr>
+          <a:lstStyle/>
+          <a:p>
+            <a:pPr algn="ctr"/>
+            <a:r>
+              <a:rPr lang="en-US" dirty="0">
+                <a:solidFill>
+                  <a:schemeClr val="tx1"/>
+                </a:solidFill>
+              </a:rPr>
+              <a:t>        Front End</a:t>
+            </a:r>
+          </a:p>
+        </p:txBody>
+      </p:sp>
+      <p:sp>
+        <p:nvSpPr>
+          <p:cNvPr id="17" name="Rectangle: Rounded Corners 16">
+            <a:extLst>
+              <a:ext uri="{FF2B5EF4-FFF2-40B4-BE49-F238E27FC236}">
+                <a16:creationId xmlns:a16="http://schemas.microsoft.com/office/drawing/2014/main" id="{9E3FEF91-9ADF-4198-B176-C09F82FE8628}"/>
+              </a:ext>
+            </a:extLst>
+          </p:cNvPr>
+          <p:cNvSpPr/>
+          <p:nvPr/>
+        </p:nvSpPr>
+        <p:spPr>
+          <a:xfrm>
+            <a:off x="7114032" y="4063983"/>
+            <a:ext cx="2767584" cy="633984"/>
+          </a:xfrm>
+          <a:prstGeom prst="roundRect">
+            <a:avLst/>
+          </a:prstGeom>
+          <a:solidFill>
+            <a:schemeClr val="bg1"/>
+          </a:solidFill>
+        </p:spPr>
+        <p:style>
+          <a:lnRef idx="2">
+            <a:schemeClr val="accent1">
+              <a:shade val="50000"/>
+            </a:schemeClr>
+          </a:lnRef>
+          <a:fillRef idx="1">
+            <a:schemeClr val="accent1"/>
+          </a:fillRef>
+          <a:effectRef idx="0">
+            <a:schemeClr val="accent1"/>
+          </a:effectRef>
+          <a:fontRef idx="minor">
+            <a:schemeClr val="lt1"/>
+          </a:fontRef>
+        </p:style>
+        <p:txBody>
+          <a:bodyPr rot="0" spcFirstLastPara="0" vertOverflow="overflow" horzOverflow="overflow" vert="horz" wrap="square" lIns="91440" tIns="45720" rIns="91440" bIns="45720" numCol="1" spcCol="0" rtlCol="0" fromWordArt="0" anchor="ctr" anchorCtr="0" forceAA="0" compatLnSpc="1">
+            <a:prstTxWarp prst="textNoShape">
+              <a:avLst/>
+            </a:prstTxWarp>
+            <a:noAutofit/>
+          </a:bodyPr>
+          <a:lstStyle/>
+          <a:p>
+            <a:pPr algn="ctr"/>
+            <a:endParaRPr lang="en-US" dirty="0">
+              <a:solidFill>
+                <a:schemeClr val="tx1"/>
+              </a:solidFill>
+            </a:endParaRPr>
+          </a:p>
+        </p:txBody>
+      </p:sp>
+      <p:sp>
+        <p:nvSpPr>
+          <p:cNvPr id="8" name="Rectangle: Rounded Corners 7">
+            <a:extLst>
+              <a:ext uri="{FF2B5EF4-FFF2-40B4-BE49-F238E27FC236}">
+                <a16:creationId xmlns:a16="http://schemas.microsoft.com/office/drawing/2014/main" id="{E777A729-1F6F-4F6E-8A93-208948500B01}"/>
+              </a:ext>
+            </a:extLst>
+          </p:cNvPr>
+          <p:cNvSpPr/>
+          <p:nvPr/>
+        </p:nvSpPr>
+        <p:spPr>
+          <a:xfrm>
+            <a:off x="7144512" y="5010912"/>
+            <a:ext cx="2767584" cy="1584960"/>
+          </a:xfrm>
+          <a:prstGeom prst="roundRect">
+            <a:avLst/>
+          </a:prstGeom>
+          <a:solidFill>
+            <a:schemeClr val="bg1"/>
+          </a:solidFill>
+        </p:spPr>
+        <p:style>
+          <a:lnRef idx="2">
+            <a:schemeClr val="accent1">
+              <a:shade val="50000"/>
+            </a:schemeClr>
+          </a:lnRef>
+          <a:fillRef idx="1">
+            <a:schemeClr val="accent1"/>
+          </a:fillRef>
+          <a:effectRef idx="0">
+            <a:schemeClr val="accent1"/>
+          </a:effectRef>
+          <a:fontRef idx="minor">
+            <a:schemeClr val="lt1"/>
+          </a:fontRef>
+        </p:style>
+        <p:txBody>
+          <a:bodyPr rot="0" spcFirstLastPara="0" vertOverflow="overflow" horzOverflow="overflow" vert="horz" wrap="square" lIns="91440" tIns="45720" rIns="91440" bIns="45720" numCol="1" spcCol="0" rtlCol="0" fromWordArt="0" anchor="b" anchorCtr="0" forceAA="0" compatLnSpc="1">
+            <a:prstTxWarp prst="textNoShape">
+              <a:avLst/>
+            </a:prstTxWarp>
+            <a:noAutofit/>
+          </a:bodyPr>
+          <a:lstStyle/>
+          <a:p>
+            <a:endParaRPr lang="en-US" dirty="0">
+              <a:solidFill>
+                <a:schemeClr val="tx1"/>
+              </a:solidFill>
+            </a:endParaRPr>
+          </a:p>
+        </p:txBody>
+      </p:sp>
+      <p:sp>
+        <p:nvSpPr>
+          <p:cNvPr id="21" name="Rectangle: Rounded Corners 20">
+            <a:extLst>
+              <a:ext uri="{FF2B5EF4-FFF2-40B4-BE49-F238E27FC236}">
+                <a16:creationId xmlns:a16="http://schemas.microsoft.com/office/drawing/2014/main" id="{04571AC8-F05E-4422-A0AC-C85B0DC4FF60}"/>
+              </a:ext>
+            </a:extLst>
+          </p:cNvPr>
+          <p:cNvSpPr/>
+          <p:nvPr/>
+        </p:nvSpPr>
+        <p:spPr>
+          <a:xfrm>
+            <a:off x="7370064" y="5172455"/>
+            <a:ext cx="2292096" cy="481584"/>
+          </a:xfrm>
+          <a:prstGeom prst="roundRect">
+            <a:avLst/>
+          </a:prstGeom>
+          <a:solidFill>
+            <a:schemeClr val="bg1"/>
+          </a:solidFill>
+        </p:spPr>
+        <p:style>
+          <a:lnRef idx="2">
+            <a:schemeClr val="accent1">
+              <a:shade val="50000"/>
+            </a:schemeClr>
+          </a:lnRef>
+          <a:fillRef idx="1">
+            <a:schemeClr val="accent1"/>
+          </a:fillRef>
+          <a:effectRef idx="0">
+            <a:schemeClr val="accent1"/>
+          </a:effectRef>
+          <a:fontRef idx="minor">
+            <a:schemeClr val="lt1"/>
+          </a:fontRef>
+        </p:style>
+        <p:txBody>
+          <a:bodyPr rot="0" spcFirstLastPara="0" vertOverflow="overflow" horzOverflow="overflow" vert="horz" wrap="square" lIns="91440" tIns="45720" rIns="91440" bIns="45720" numCol="1" spcCol="0" rtlCol="0" fromWordArt="0" anchor="ctr" anchorCtr="0" forceAA="0" compatLnSpc="1">
+            <a:prstTxWarp prst="textNoShape">
+              <a:avLst/>
+            </a:prstTxWarp>
+            <a:noAutofit/>
+          </a:bodyPr>
+          <a:lstStyle/>
+          <a:p>
+            <a:pPr algn="ctr"/>
+            <a:r>
+              <a:rPr lang="en-US" dirty="0">
+                <a:solidFill>
+                  <a:schemeClr val="tx1"/>
+                </a:solidFill>
+              </a:rPr>
+              <a:t>Smart Contracts</a:t>
+            </a:r>
+          </a:p>
+        </p:txBody>
+      </p:sp>
+      <p:pic>
+        <p:nvPicPr>
+          <p:cNvPr id="1026" name="Picture 2" descr="Related image">
+            <a:extLst>
+              <a:ext uri="{FF2B5EF4-FFF2-40B4-BE49-F238E27FC236}">
+                <a16:creationId xmlns:a16="http://schemas.microsoft.com/office/drawing/2014/main" id="{FECB5605-E0CB-4EC0-92D1-E13CB5CC0FB1}"/>
+              </a:ext>
+            </a:extLst>
+          </p:cNvPr>
+          <p:cNvPicPr>
+            <a:picLocks noChangeAspect="1" noChangeArrowheads="1"/>
+          </p:cNvPicPr>
+          <p:nvPr/>
+        </p:nvPicPr>
+        <p:blipFill>
+          <a:blip r:embed="rId4" cstate="print">
+            <a:extLst>
+              <a:ext uri="{28A0092B-C50C-407E-A947-70E740481C1C}">
+                <a14:useLocalDpi xmlns:a14="http://schemas.microsoft.com/office/drawing/2010/main" val="0"/>
+              </a:ext>
+            </a:extLst>
+          </a:blip>
+          <a:srcRect/>
+          <a:stretch>
+            <a:fillRect/>
+          </a:stretch>
+        </p:blipFill>
+        <p:spPr bwMode="auto">
+          <a:xfrm>
+            <a:off x="8124601" y="5780419"/>
+            <a:ext cx="789655" cy="789655"/>
+          </a:xfrm>
+          <a:prstGeom prst="rect">
+            <a:avLst/>
+          </a:prstGeom>
+          <a:noFill/>
+          <a:extLst>
+            <a:ext uri="{909E8E84-426E-40DD-AFC4-6F175D3DCCD1}">
+              <a14:hiddenFill xmlns:a14="http://schemas.microsoft.com/office/drawing/2010/main">
+                <a:solidFill>
+                  <a:srgbClr val="FFFFFF"/>
+                </a:solidFill>
+              </a14:hiddenFill>
+            </a:ext>
+          </a:extLst>
+        </p:spPr>
+      </p:pic>
+      <p:cxnSp>
+        <p:nvCxnSpPr>
+          <p:cNvPr id="4" name="Straight Arrow Connector 3">
+            <a:extLst>
+              <a:ext uri="{FF2B5EF4-FFF2-40B4-BE49-F238E27FC236}">
+                <a16:creationId xmlns:a16="http://schemas.microsoft.com/office/drawing/2014/main" id="{B595E536-3DF7-4D6D-95A0-5D8F4B6CDFBA}"/>
+              </a:ext>
+            </a:extLst>
+          </p:cNvPr>
+          <p:cNvCxnSpPr>
+            <a:stCxn id="16" idx="2"/>
+            <a:endCxn id="17" idx="0"/>
+          </p:cNvCxnSpPr>
+          <p:nvPr/>
+        </p:nvCxnSpPr>
+        <p:spPr>
+          <a:xfrm>
+            <a:off x="8497824" y="3699407"/>
+            <a:ext cx="0" cy="364576"/>
+          </a:xfrm>
+          <a:prstGeom prst="straightConnector1">
+            <a:avLst/>
+          </a:prstGeom>
+          <a:ln w="38100">
+            <a:tailEnd type="triangle"/>
+          </a:ln>
+        </p:spPr>
+        <p:style>
+          <a:lnRef idx="1">
+            <a:schemeClr val="accent1"/>
+          </a:lnRef>
+          <a:fillRef idx="0">
+            <a:schemeClr val="accent1"/>
+          </a:fillRef>
+          <a:effectRef idx="0">
+            <a:schemeClr val="accent1"/>
+          </a:effectRef>
+          <a:fontRef idx="minor">
+            <a:schemeClr val="tx1"/>
+          </a:fontRef>
+        </p:style>
+      </p:cxnSp>
+      <p:cxnSp>
+        <p:nvCxnSpPr>
+          <p:cNvPr id="15" name="Straight Arrow Connector 14">
+            <a:extLst>
+              <a:ext uri="{FF2B5EF4-FFF2-40B4-BE49-F238E27FC236}">
+                <a16:creationId xmlns:a16="http://schemas.microsoft.com/office/drawing/2014/main" id="{DD1BE848-EF8E-4A88-AD11-5F466840E067}"/>
+              </a:ext>
+            </a:extLst>
+          </p:cNvPr>
+          <p:cNvCxnSpPr>
+            <a:cxnSpLocks/>
+            <a:stCxn id="17" idx="2"/>
+            <a:endCxn id="21" idx="0"/>
+          </p:cNvCxnSpPr>
+          <p:nvPr/>
+        </p:nvCxnSpPr>
+        <p:spPr>
+          <a:xfrm>
+            <a:off x="8497824" y="4697967"/>
+            <a:ext cx="18288" cy="474488"/>
+          </a:xfrm>
+          <a:prstGeom prst="straightConnector1">
+            <a:avLst/>
+          </a:prstGeom>
+          <a:ln w="38100">
+            <a:tailEnd type="triangle"/>
+          </a:ln>
+        </p:spPr>
+        <p:style>
+          <a:lnRef idx="1">
+            <a:schemeClr val="accent1"/>
+          </a:lnRef>
+          <a:fillRef idx="0">
+            <a:schemeClr val="accent1"/>
+          </a:fillRef>
+          <a:effectRef idx="0">
+            <a:schemeClr val="accent1"/>
+          </a:effectRef>
+          <a:fontRef idx="minor">
+            <a:schemeClr val="tx1"/>
+          </a:fontRef>
+        </p:style>
+      </p:cxnSp>
+      <p:cxnSp>
+        <p:nvCxnSpPr>
+          <p:cNvPr id="22" name="Straight Arrow Connector 21">
+            <a:extLst>
+              <a:ext uri="{FF2B5EF4-FFF2-40B4-BE49-F238E27FC236}">
+                <a16:creationId xmlns:a16="http://schemas.microsoft.com/office/drawing/2014/main" id="{29A6E4E9-7CB0-4D96-9C38-AA8A084C9D41}"/>
+              </a:ext>
+            </a:extLst>
+          </p:cNvPr>
+          <p:cNvCxnSpPr>
+            <a:cxnSpLocks/>
+            <a:stCxn id="6" idx="2"/>
+            <a:endCxn id="7" idx="0"/>
+          </p:cNvCxnSpPr>
+          <p:nvPr/>
+        </p:nvCxnSpPr>
+        <p:spPr>
+          <a:xfrm>
+            <a:off x="3553968" y="4099560"/>
+            <a:ext cx="0" cy="364576"/>
+          </a:xfrm>
+          <a:prstGeom prst="straightConnector1">
+            <a:avLst/>
+          </a:prstGeom>
+          <a:ln w="38100">
+            <a:tailEnd type="triangle"/>
+          </a:ln>
+        </p:spPr>
+        <p:style>
+          <a:lnRef idx="1">
+            <a:schemeClr val="accent1"/>
+          </a:lnRef>
+          <a:fillRef idx="0">
+            <a:schemeClr val="accent1"/>
+          </a:fillRef>
+          <a:effectRef idx="0">
+            <a:schemeClr val="accent1"/>
+          </a:effectRef>
+          <a:fontRef idx="minor">
+            <a:schemeClr val="tx1"/>
+          </a:fontRef>
+        </p:style>
+      </p:cxnSp>
+      <p:cxnSp>
+        <p:nvCxnSpPr>
+          <p:cNvPr id="25" name="Straight Arrow Connector 24">
+            <a:extLst>
+              <a:ext uri="{FF2B5EF4-FFF2-40B4-BE49-F238E27FC236}">
+                <a16:creationId xmlns:a16="http://schemas.microsoft.com/office/drawing/2014/main" id="{21DEB215-F5B4-479E-9371-71FA34E2436F}"/>
+              </a:ext>
+            </a:extLst>
+          </p:cNvPr>
+          <p:cNvCxnSpPr>
+            <a:cxnSpLocks/>
+            <a:stCxn id="7" idx="2"/>
+            <a:endCxn id="2052" idx="0"/>
+          </p:cNvCxnSpPr>
+          <p:nvPr/>
+        </p:nvCxnSpPr>
+        <p:spPr>
+          <a:xfrm flipH="1">
+            <a:off x="3011527" y="5098120"/>
+            <a:ext cx="542441" cy="598591"/>
+          </a:xfrm>
+          <a:prstGeom prst="straightConnector1">
+            <a:avLst/>
+          </a:prstGeom>
+          <a:ln w="38100">
+            <a:tailEnd type="triangle"/>
+          </a:ln>
+        </p:spPr>
+        <p:style>
+          <a:lnRef idx="1">
+            <a:schemeClr val="accent1"/>
+          </a:lnRef>
+          <a:fillRef idx="0">
+            <a:schemeClr val="accent1"/>
+          </a:fillRef>
+          <a:effectRef idx="0">
+            <a:schemeClr val="accent1"/>
+          </a:effectRef>
+          <a:fontRef idx="minor">
+            <a:schemeClr val="tx1"/>
+          </a:fontRef>
+        </p:style>
+      </p:cxnSp>
+      <p:cxnSp>
+        <p:nvCxnSpPr>
+          <p:cNvPr id="28" name="Straight Arrow Connector 27">
+            <a:extLst>
+              <a:ext uri="{FF2B5EF4-FFF2-40B4-BE49-F238E27FC236}">
+                <a16:creationId xmlns:a16="http://schemas.microsoft.com/office/drawing/2014/main" id="{9F01BF60-2D54-4641-8A7C-D28EAC34D4D8}"/>
+              </a:ext>
+            </a:extLst>
+          </p:cNvPr>
+          <p:cNvCxnSpPr>
+            <a:cxnSpLocks/>
+            <a:endCxn id="2050" idx="0"/>
+          </p:cNvCxnSpPr>
+          <p:nvPr/>
+        </p:nvCxnSpPr>
+        <p:spPr>
+          <a:xfrm>
+            <a:off x="3572256" y="5098120"/>
+            <a:ext cx="762000" cy="598592"/>
+          </a:xfrm>
+          <a:prstGeom prst="straightConnector1">
+            <a:avLst/>
+          </a:prstGeom>
+          <a:ln w="38100">
+            <a:tailEnd type="triangle"/>
+          </a:ln>
+        </p:spPr>
+        <p:style>
+          <a:lnRef idx="1">
+            <a:schemeClr val="accent1"/>
+          </a:lnRef>
+          <a:fillRef idx="0">
+            <a:schemeClr val="accent1"/>
+          </a:fillRef>
+          <a:effectRef idx="0">
+            <a:schemeClr val="accent1"/>
+          </a:effectRef>
+          <a:fontRef idx="minor">
+            <a:schemeClr val="tx1"/>
+          </a:fontRef>
+        </p:style>
+      </p:cxnSp>
+      <p:sp>
+        <p:nvSpPr>
+          <p:cNvPr id="27" name="TextBox 26">
+            <a:extLst>
+              <a:ext uri="{FF2B5EF4-FFF2-40B4-BE49-F238E27FC236}">
+                <a16:creationId xmlns:a16="http://schemas.microsoft.com/office/drawing/2014/main" id="{6A1F886E-A87F-4099-B880-15770B7C60B3}"/>
+              </a:ext>
+            </a:extLst>
+          </p:cNvPr>
+          <p:cNvSpPr txBox="1"/>
+          <p:nvPr/>
+        </p:nvSpPr>
+        <p:spPr>
+          <a:xfrm>
+            <a:off x="8816720" y="5942600"/>
+            <a:ext cx="1082308" cy="338554"/>
+          </a:xfrm>
+          <a:prstGeom prst="rect">
+            <a:avLst/>
+          </a:prstGeom>
+          <a:noFill/>
+        </p:spPr>
+        <p:txBody>
+          <a:bodyPr wrap="square" rtlCol="0">
+            <a:spAutoFit/>
+          </a:bodyPr>
+          <a:lstStyle/>
+          <a:p>
+            <a:r>
+              <a:rPr lang="en-US" sz="1600" dirty="0"/>
+              <a:t>Blockchain</a:t>
+            </a:r>
+          </a:p>
+        </p:txBody>
+      </p:sp>
+      <p:cxnSp>
+        <p:nvCxnSpPr>
+          <p:cNvPr id="33" name="Straight Arrow Connector 32">
+            <a:extLst>
+              <a:ext uri="{FF2B5EF4-FFF2-40B4-BE49-F238E27FC236}">
+                <a16:creationId xmlns:a16="http://schemas.microsoft.com/office/drawing/2014/main" id="{4ED94B98-5A58-4DCA-87E7-E777F8A97BF4}"/>
+              </a:ext>
+            </a:extLst>
+          </p:cNvPr>
+          <p:cNvCxnSpPr>
+            <a:cxnSpLocks/>
+          </p:cNvCxnSpPr>
+          <p:nvPr/>
+        </p:nvCxnSpPr>
+        <p:spPr>
+          <a:xfrm>
+            <a:off x="8497824" y="5654039"/>
+            <a:ext cx="18288" cy="288561"/>
+          </a:xfrm>
+          <a:prstGeom prst="straightConnector1">
+            <a:avLst/>
+          </a:prstGeom>
+          <a:ln w="38100">
+            <a:tailEnd type="triangle"/>
+          </a:ln>
+        </p:spPr>
+        <p:style>
+          <a:lnRef idx="1">
+            <a:schemeClr val="accent1"/>
+          </a:lnRef>
+          <a:fillRef idx="0">
+            <a:schemeClr val="accent1"/>
+          </a:fillRef>
+          <a:effectRef idx="0">
+            <a:schemeClr val="accent1"/>
+          </a:effectRef>
+          <a:fontRef idx="minor">
+            <a:schemeClr val="tx1"/>
+          </a:fontRef>
+        </p:style>
+      </p:cxnSp>
+      <p:pic>
+        <p:nvPicPr>
+          <p:cNvPr id="1030" name="Picture 6" descr="Image result for Web API icons">
+            <a:extLst>
+              <a:ext uri="{FF2B5EF4-FFF2-40B4-BE49-F238E27FC236}">
+                <a16:creationId xmlns:a16="http://schemas.microsoft.com/office/drawing/2014/main" id="{8A4DD7FB-6A8D-4922-A555-365B67A3F19F}"/>
+              </a:ext>
+            </a:extLst>
+          </p:cNvPr>
+          <p:cNvPicPr>
+            <a:picLocks noChangeAspect="1" noChangeArrowheads="1"/>
+          </p:cNvPicPr>
+          <p:nvPr/>
+        </p:nvPicPr>
+        <p:blipFill>
+          <a:blip r:embed="rId5" cstate="print">
+            <a:extLst>
+              <a:ext uri="{28A0092B-C50C-407E-A947-70E740481C1C}">
+                <a14:useLocalDpi xmlns:a14="http://schemas.microsoft.com/office/drawing/2010/main" val="0"/>
+              </a:ext>
+            </a:extLst>
+          </a:blip>
+          <a:srcRect/>
+          <a:stretch>
+            <a:fillRect/>
+          </a:stretch>
+        </p:blipFill>
+        <p:spPr bwMode="auto">
+          <a:xfrm>
+            <a:off x="8013875" y="3866869"/>
+            <a:ext cx="1028858" cy="1028858"/>
+          </a:xfrm>
+          <a:prstGeom prst="rect">
+            <a:avLst/>
+          </a:prstGeom>
+          <a:noFill/>
+          <a:extLst>
+            <a:ext uri="{909E8E84-426E-40DD-AFC4-6F175D3DCCD1}">
+              <a14:hiddenFill xmlns:a14="http://schemas.microsoft.com/office/drawing/2010/main">
+                <a:solidFill>
+                  <a:srgbClr val="FFFFFF"/>
+                </a:solidFill>
+              </a14:hiddenFill>
+            </a:ext>
+          </a:extLst>
+        </p:spPr>
+      </p:pic>
+      <p:pic>
+        <p:nvPicPr>
+          <p:cNvPr id="40" name="Picture 6" descr="Image result for Web API icons">
+            <a:extLst>
+              <a:ext uri="{FF2B5EF4-FFF2-40B4-BE49-F238E27FC236}">
+                <a16:creationId xmlns:a16="http://schemas.microsoft.com/office/drawing/2014/main" id="{58B544AE-E51A-4F0B-8744-35929D603DFF}"/>
+              </a:ext>
+            </a:extLst>
+          </p:cNvPr>
+          <p:cNvPicPr>
+            <a:picLocks noChangeAspect="1" noChangeArrowheads="1"/>
+          </p:cNvPicPr>
+          <p:nvPr/>
+        </p:nvPicPr>
+        <p:blipFill>
+          <a:blip r:embed="rId5" cstate="print">
+            <a:extLst>
+              <a:ext uri="{28A0092B-C50C-407E-A947-70E740481C1C}">
+                <a14:useLocalDpi xmlns:a14="http://schemas.microsoft.com/office/drawing/2010/main" val="0"/>
+              </a:ext>
+            </a:extLst>
+          </a:blip>
+          <a:srcRect/>
+          <a:stretch>
+            <a:fillRect/>
+          </a:stretch>
+        </p:blipFill>
+        <p:spPr bwMode="auto">
+          <a:xfrm>
+            <a:off x="3011526" y="4259921"/>
+            <a:ext cx="1028858" cy="1028858"/>
+          </a:xfrm>
+          <a:prstGeom prst="rect">
+            <a:avLst/>
+          </a:prstGeom>
+          <a:noFill/>
+          <a:extLst>
+            <a:ext uri="{909E8E84-426E-40DD-AFC4-6F175D3DCCD1}">
+              <a14:hiddenFill xmlns:a14="http://schemas.microsoft.com/office/drawing/2010/main">
+                <a:solidFill>
+                  <a:srgbClr val="FFFFFF"/>
+                </a:solidFill>
+              </a14:hiddenFill>
+            </a:ext>
+          </a:extLst>
+        </p:spPr>
+      </p:pic>
+      <p:sp>
+        <p:nvSpPr>
+          <p:cNvPr id="2051" name="TextBox 2050">
+            <a:extLst>
+              <a:ext uri="{FF2B5EF4-FFF2-40B4-BE49-F238E27FC236}">
+                <a16:creationId xmlns:a16="http://schemas.microsoft.com/office/drawing/2014/main" id="{F6EF2CBF-60CB-4FED-8C12-10D2C401611F}"/>
+              </a:ext>
+            </a:extLst>
+          </p:cNvPr>
+          <p:cNvSpPr txBox="1"/>
+          <p:nvPr/>
+        </p:nvSpPr>
+        <p:spPr>
+          <a:xfrm>
+            <a:off x="255920" y="4082457"/>
+            <a:ext cx="1906879" cy="707886"/>
+          </a:xfrm>
+          <a:prstGeom prst="rect">
+            <a:avLst/>
+          </a:prstGeom>
+          <a:noFill/>
+        </p:spPr>
+        <p:txBody>
+          <a:bodyPr wrap="square" rtlCol="0">
+            <a:spAutoFit/>
+          </a:bodyPr>
+          <a:lstStyle/>
+          <a:p>
+            <a:r>
+              <a:rPr lang="en-US" sz="2000" i="1" dirty="0"/>
+              <a:t>Traditional Web Applications</a:t>
+            </a:r>
+          </a:p>
+        </p:txBody>
+      </p:sp>
+      <p:sp>
+        <p:nvSpPr>
+          <p:cNvPr id="42" name="TextBox 41">
+            <a:extLst>
+              <a:ext uri="{FF2B5EF4-FFF2-40B4-BE49-F238E27FC236}">
+                <a16:creationId xmlns:a16="http://schemas.microsoft.com/office/drawing/2014/main" id="{2DFD3EF5-752C-4A6D-BDEC-E07341E4C0D0}"/>
+              </a:ext>
+            </a:extLst>
+          </p:cNvPr>
+          <p:cNvSpPr txBox="1"/>
+          <p:nvPr/>
+        </p:nvSpPr>
+        <p:spPr>
+          <a:xfrm>
+            <a:off x="10055936" y="3928280"/>
+            <a:ext cx="1906879" cy="707886"/>
+          </a:xfrm>
+          <a:prstGeom prst="rect">
+            <a:avLst/>
+          </a:prstGeom>
+          <a:noFill/>
+        </p:spPr>
+        <p:txBody>
+          <a:bodyPr wrap="square" rtlCol="0">
+            <a:spAutoFit/>
+          </a:bodyPr>
+          <a:lstStyle>
+            <a:defPPr>
+              <a:defRPr lang="en-US"/>
+            </a:defPPr>
+            <a:lvl1pPr>
+              <a:defRPr sz="2000" i="1"/>
+            </a:lvl1pPr>
+          </a:lstStyle>
+          <a:p>
+            <a:r>
+              <a:rPr lang="en-US" dirty="0"/>
+              <a:t>Decentralized</a:t>
+            </a:r>
+          </a:p>
+          <a:p>
+            <a:r>
+              <a:rPr lang="en-US" dirty="0"/>
+              <a:t>Applications</a:t>
+            </a:r>
+          </a:p>
+        </p:txBody>
+      </p:sp>
+      <p:cxnSp>
+        <p:nvCxnSpPr>
+          <p:cNvPr id="2054" name="Straight Connector 2053">
+            <a:extLst>
+              <a:ext uri="{FF2B5EF4-FFF2-40B4-BE49-F238E27FC236}">
+                <a16:creationId xmlns:a16="http://schemas.microsoft.com/office/drawing/2014/main" id="{9C8456F9-3BCD-4757-BCAB-E96726C06EB0}"/>
+              </a:ext>
+            </a:extLst>
+          </p:cNvPr>
+          <p:cNvCxnSpPr/>
+          <p:nvPr/>
+        </p:nvCxnSpPr>
+        <p:spPr>
+          <a:xfrm>
+            <a:off x="5949696" y="2677329"/>
+            <a:ext cx="0" cy="3918543"/>
+          </a:xfrm>
+          <a:prstGeom prst="line">
+            <a:avLst/>
+          </a:prstGeom>
+          <a:ln w="38100">
+            <a:prstDash val="sysDash"/>
+          </a:ln>
+        </p:spPr>
+        <p:style>
+          <a:lnRef idx="1">
+            <a:schemeClr val="accent1"/>
+          </a:lnRef>
+          <a:fillRef idx="0">
+            <a:schemeClr val="accent1"/>
+          </a:fillRef>
+          <a:effectRef idx="0">
+            <a:schemeClr val="accent1"/>
+          </a:effectRef>
+          <a:fontRef idx="minor">
+            <a:schemeClr val="tx1"/>
+          </a:fontRef>
+        </p:style>
+      </p:cxnSp>
+      <p:pic>
+        <p:nvPicPr>
+          <p:cNvPr id="1034" name="Picture 10" descr="Related image">
+            <a:extLst>
+              <a:ext uri="{FF2B5EF4-FFF2-40B4-BE49-F238E27FC236}">
+                <a16:creationId xmlns:a16="http://schemas.microsoft.com/office/drawing/2014/main" id="{E348A3B8-C6A8-40CF-A882-61131F89C9DF}"/>
+              </a:ext>
+            </a:extLst>
+          </p:cNvPr>
+          <p:cNvPicPr>
+            <a:picLocks noChangeAspect="1" noChangeArrowheads="1"/>
+          </p:cNvPicPr>
+          <p:nvPr/>
+        </p:nvPicPr>
+        <p:blipFill>
+          <a:blip r:embed="rId6" cstate="print">
+            <a:extLst>
+              <a:ext uri="{28A0092B-C50C-407E-A947-70E740481C1C}">
+                <a14:useLocalDpi xmlns:a14="http://schemas.microsoft.com/office/drawing/2010/main" val="0"/>
+              </a:ext>
+            </a:extLst>
+          </a:blip>
+          <a:srcRect/>
+          <a:stretch>
+            <a:fillRect/>
+          </a:stretch>
+        </p:blipFill>
+        <p:spPr bwMode="auto">
+          <a:xfrm>
+            <a:off x="2178200" y="3485355"/>
+            <a:ext cx="996535" cy="583907"/>
+          </a:xfrm>
+          <a:prstGeom prst="rect">
+            <a:avLst/>
+          </a:prstGeom>
+          <a:noFill/>
+          <a:extLst>
+            <a:ext uri="{909E8E84-426E-40DD-AFC4-6F175D3DCCD1}">
+              <a14:hiddenFill xmlns:a14="http://schemas.microsoft.com/office/drawing/2010/main">
+                <a:solidFill>
+                  <a:srgbClr val="FFFFFF"/>
+                </a:solidFill>
+              </a14:hiddenFill>
+            </a:ext>
+          </a:extLst>
+        </p:spPr>
+      </p:pic>
+      <p:pic>
+        <p:nvPicPr>
+          <p:cNvPr id="48" name="Picture 10" descr="Related image">
+            <a:extLst>
+              <a:ext uri="{FF2B5EF4-FFF2-40B4-BE49-F238E27FC236}">
+                <a16:creationId xmlns:a16="http://schemas.microsoft.com/office/drawing/2014/main" id="{2AB90FCC-B200-4709-81F5-BC6EFB64F83E}"/>
+              </a:ext>
+            </a:extLst>
+          </p:cNvPr>
+          <p:cNvPicPr>
+            <a:picLocks noChangeAspect="1" noChangeArrowheads="1"/>
+          </p:cNvPicPr>
+          <p:nvPr/>
+        </p:nvPicPr>
+        <p:blipFill>
+          <a:blip r:embed="rId6" cstate="print">
+            <a:extLst>
+              <a:ext uri="{28A0092B-C50C-407E-A947-70E740481C1C}">
+                <a14:useLocalDpi xmlns:a14="http://schemas.microsoft.com/office/drawing/2010/main" val="0"/>
+              </a:ext>
+            </a:extLst>
+          </a:blip>
+          <a:srcRect/>
+          <a:stretch>
+            <a:fillRect/>
+          </a:stretch>
+        </p:blipFill>
+        <p:spPr bwMode="auto">
+          <a:xfrm>
+            <a:off x="7150931" y="3078702"/>
+            <a:ext cx="996535" cy="583907"/>
+          </a:xfrm>
+          <a:prstGeom prst="rect">
+            <a:avLst/>
+          </a:prstGeom>
+          <a:noFill/>
+          <a:extLst>
+            <a:ext uri="{909E8E84-426E-40DD-AFC4-6F175D3DCCD1}">
+              <a14:hiddenFill xmlns:a14="http://schemas.microsoft.com/office/drawing/2010/main">
+                <a:solidFill>
+                  <a:srgbClr val="FFFFFF"/>
+                </a:solidFill>
+              </a14:hiddenFill>
+            </a:ext>
+          </a:extLst>
+        </p:spPr>
+      </p:pic>
+    </p:spTree>
+    <p:extLst>
+      <p:ext uri="{BB962C8B-B14F-4D97-AF65-F5344CB8AC3E}">
+        <p14:creationId xmlns:p14="http://schemas.microsoft.com/office/powerpoint/2010/main" val="2426859290"/>
+      </p:ext>
+    </p:extLst>
+  </p:cSld>
+  <p:clrMapOvr>
+    <a:masterClrMapping/>
+  </p:clrMapOvr>
+</p:sld>
+</file>
+
+<file path=ppt/slides/slide6.xml><?xml version="1.0" encoding="utf-8"?>
+<p:sld xmlns:a="http://schemas.openxmlformats.org/drawingml/2006/main" xmlns:r="http://schemas.openxmlformats.org/officeDocument/2006/relationships" xmlns:p="http://schemas.openxmlformats.org/presentationml/2006/main">
+  <p:cSld>
+    <p:spTree>
+      <p:nvGrpSpPr>
+        <p:cNvPr id="1" name=""/>
+        <p:cNvGrpSpPr/>
+        <p:nvPr/>
+      </p:nvGrpSpPr>
+      <p:grpSpPr>
+        <a:xfrm>
+          <a:off x="0" y="0"/>
+          <a:ext cx="0" cy="0"/>
+          <a:chOff x="0" y="0"/>
+          <a:chExt cx="0" cy="0"/>
+        </a:xfrm>
+      </p:grpSpPr>
+      <p:sp>
+        <p:nvSpPr>
+          <p:cNvPr id="3" name="Title 2">
+            <a:extLst>
+              <a:ext uri="{FF2B5EF4-FFF2-40B4-BE49-F238E27FC236}">
+                <a16:creationId xmlns:a16="http://schemas.microsoft.com/office/drawing/2014/main" id="{0B30A54D-CCF9-4454-8B39-632541823F06}"/>
+              </a:ext>
+            </a:extLst>
+          </p:cNvPr>
+          <p:cNvSpPr>
+            <a:spLocks noGrp="1"/>
+          </p:cNvSpPr>
+          <p:nvPr>
+            <p:ph type="title"/>
+          </p:nvPr>
+        </p:nvSpPr>
+        <p:spPr/>
+        <p:txBody>
+          <a:bodyPr/>
+          <a:lstStyle/>
+          <a:p>
+            <a:r>
+              <a:rPr lang="en-US" dirty="0"/>
+              <a:t>Smart Contracts</a:t>
+            </a:r>
+          </a:p>
+        </p:txBody>
+      </p:sp>
+      <p:sp>
+        <p:nvSpPr>
+          <p:cNvPr id="5" name="Content Placeholder 2">
+            <a:extLst>
+              <a:ext uri="{FF2B5EF4-FFF2-40B4-BE49-F238E27FC236}">
+                <a16:creationId xmlns:a16="http://schemas.microsoft.com/office/drawing/2014/main" id="{A185BF19-8BEF-4EA9-9F30-01345CD1DF6F}"/>
+              </a:ext>
+            </a:extLst>
+          </p:cNvPr>
+          <p:cNvSpPr>
+            <a:spLocks noGrp="1"/>
+          </p:cNvSpPr>
+          <p:nvPr>
+            <p:ph idx="1"/>
+          </p:nvPr>
+        </p:nvSpPr>
+        <p:spPr>
+          <a:xfrm>
+            <a:off x="252983" y="1913878"/>
+            <a:ext cx="6946469" cy="4486921"/>
+          </a:xfrm>
+        </p:spPr>
+        <p:txBody>
+          <a:bodyPr>
+            <a:noAutofit/>
+          </a:bodyPr>
+          <a:lstStyle/>
+          <a:p>
+            <a:pPr marL="0" indent="0" algn="just">
+              <a:buNone/>
+            </a:pPr>
+            <a:r>
+              <a:rPr lang="en-US" sz="2800" dirty="0"/>
+              <a:t>What are Smart contracts</a:t>
+            </a:r>
+          </a:p>
+          <a:p>
+            <a:pPr algn="just"/>
+            <a:r>
+              <a:rPr lang="en-US" sz="2000" dirty="0"/>
+              <a:t>Smart contracts are applications that run on the Ethereum network.</a:t>
+            </a:r>
+          </a:p>
+          <a:p>
+            <a:pPr algn="just"/>
+            <a:r>
+              <a:rPr lang="en-US" sz="2000" dirty="0"/>
+              <a:t>It is a computer program that implements and enforces business login for an application.</a:t>
+            </a:r>
+          </a:p>
+          <a:p>
+            <a:pPr algn="just"/>
+            <a:r>
+              <a:rPr lang="en-US" sz="2000" dirty="0"/>
+              <a:t>Similar to physical contract but its digital and is represented by program </a:t>
+            </a:r>
+          </a:p>
+          <a:p>
+            <a:pPr algn="just"/>
+            <a:r>
+              <a:rPr lang="en-US" sz="2000" dirty="0"/>
+              <a:t>Function calls that change the state of the contract are written to the blockchain.</a:t>
+            </a:r>
+          </a:p>
+          <a:p>
+            <a:pPr algn="just"/>
+            <a:r>
+              <a:rPr lang="en-US" sz="2000" dirty="0"/>
+              <a:t>Works on the principle of the IFTTT logic aka the </a:t>
+            </a:r>
+            <a:r>
+              <a:rPr lang="en-US" sz="2000" dirty="0">
+                <a:hlinkClick r:id="rId2">
+                  <a:extLst>
+                    <a:ext uri="{A12FA001-AC4F-418D-AE19-62706E023703}">
+                      <ahyp:hlinkClr xmlns:ahyp="http://schemas.microsoft.com/office/drawing/2018/hyperlinkcolor" val="tx"/>
+                    </a:ext>
+                  </a:extLst>
+                </a:hlinkClick>
+              </a:rPr>
+              <a:t>IF-THIS-THEN-THAT logic</a:t>
+            </a:r>
+            <a:r>
+              <a:rPr lang="en-US" sz="2000" dirty="0"/>
+              <a:t>. Basically, if the first set of instructions are done then execute the next function and after that the next until you reach the end of the contract.</a:t>
+            </a:r>
+          </a:p>
+          <a:p>
+            <a:pPr algn="just"/>
+            <a:endParaRPr lang="en-US" sz="2000" dirty="0"/>
+          </a:p>
+        </p:txBody>
+      </p:sp>
+      <p:pic>
+        <p:nvPicPr>
+          <p:cNvPr id="4098" name="Picture 2" descr="Image result for smart contracts">
+            <a:extLst>
+              <a:ext uri="{FF2B5EF4-FFF2-40B4-BE49-F238E27FC236}">
+                <a16:creationId xmlns:a16="http://schemas.microsoft.com/office/drawing/2014/main" id="{F7565D4F-8E6C-4A57-B09E-62180894F107}"/>
+              </a:ext>
+            </a:extLst>
+          </p:cNvPr>
+          <p:cNvPicPr>
+            <a:picLocks noChangeAspect="1" noChangeArrowheads="1"/>
+          </p:cNvPicPr>
+          <p:nvPr/>
+        </p:nvPicPr>
+        <p:blipFill>
+          <a:blip r:embed="rId3" cstate="print">
+            <a:extLst>
+              <a:ext uri="{28A0092B-C50C-407E-A947-70E740481C1C}">
+                <a14:useLocalDpi xmlns:a14="http://schemas.microsoft.com/office/drawing/2010/main" val="0"/>
+              </a:ext>
+            </a:extLst>
+          </a:blip>
+          <a:srcRect/>
+          <a:stretch>
+            <a:fillRect/>
+          </a:stretch>
+        </p:blipFill>
+        <p:spPr bwMode="auto">
+          <a:xfrm>
+            <a:off x="7330321" y="2465408"/>
+            <a:ext cx="4711568" cy="2650602"/>
+          </a:xfrm>
+          <a:prstGeom prst="rect">
+            <a:avLst/>
+          </a:prstGeom>
+          <a:noFill/>
+          <a:extLst>
+            <a:ext uri="{909E8E84-426E-40DD-AFC4-6F175D3DCCD1}">
+              <a14:hiddenFill xmlns:a14="http://schemas.microsoft.com/office/drawing/2010/main">
+                <a:solidFill>
+                  <a:srgbClr val="FFFFFF"/>
+                </a:solidFill>
+              </a14:hiddenFill>
+            </a:ext>
+          </a:extLst>
+        </p:spPr>
+      </p:pic>
+    </p:spTree>
+    <p:extLst>
+      <p:ext uri="{BB962C8B-B14F-4D97-AF65-F5344CB8AC3E}">
+        <p14:creationId xmlns:p14="http://schemas.microsoft.com/office/powerpoint/2010/main" val="26127237"/>
+      </p:ext>
+    </p:extLst>
+  </p:cSld>
+  <p:clrMapOvr>
+    <a:masterClrMapping/>
+  </p:clrMapOvr>
+</p:sld>
+</file>
+
+<file path=ppt/slides/slide7.xml><?xml version="1.0" encoding="utf-8"?>
+<p:sld xmlns:a="http://schemas.openxmlformats.org/drawingml/2006/main" xmlns:r="http://schemas.openxmlformats.org/officeDocument/2006/relationships" xmlns:p="http://schemas.openxmlformats.org/presentationml/2006/main">
+  <p:cSld>
+    <p:spTree>
+      <p:nvGrpSpPr>
+        <p:cNvPr id="1" name=""/>
+        <p:cNvGrpSpPr/>
+        <p:nvPr/>
+      </p:nvGrpSpPr>
+      <p:grpSpPr>
+        <a:xfrm>
+          <a:off x="0" y="0"/>
+          <a:ext cx="0" cy="0"/>
+          <a:chOff x="0" y="0"/>
+          <a:chExt cx="0" cy="0"/>
+        </a:xfrm>
+      </p:grpSpPr>
+      <p:sp>
+        <p:nvSpPr>
+          <p:cNvPr id="7" name="Rectangle 6">
+            <a:extLst>
+              <a:ext uri="{FF2B5EF4-FFF2-40B4-BE49-F238E27FC236}">
+                <a16:creationId xmlns:a16="http://schemas.microsoft.com/office/drawing/2014/main" id="{02A245AD-4595-4AED-9F58-50AFA566F429}"/>
+              </a:ext>
+            </a:extLst>
+          </p:cNvPr>
+          <p:cNvSpPr/>
+          <p:nvPr/>
+        </p:nvSpPr>
+        <p:spPr>
+          <a:xfrm>
+            <a:off x="256032" y="2084832"/>
+            <a:ext cx="5462016" cy="1709927"/>
+          </a:xfrm>
+          <a:prstGeom prst="rect">
+            <a:avLst/>
+          </a:prstGeom>
+        </p:spPr>
+        <p:style>
+          <a:lnRef idx="2">
+            <a:schemeClr val="accent1">
+              <a:shade val="50000"/>
+            </a:schemeClr>
+          </a:lnRef>
+          <a:fillRef idx="1">
+            <a:schemeClr val="accent1"/>
+          </a:fillRef>
+          <a:effectRef idx="0">
+            <a:schemeClr val="accent1"/>
+          </a:effectRef>
+          <a:fontRef idx="minor">
+            <a:schemeClr val="lt1"/>
+          </a:fontRef>
+        </p:style>
+        <p:txBody>
+          <a:bodyPr rtlCol="0" anchor="ctr"/>
+          <a:lstStyle/>
+          <a:p>
+            <a:pPr algn="ctr"/>
+            <a:endParaRPr lang="en-US"/>
+          </a:p>
+        </p:txBody>
+      </p:sp>
+      <p:sp>
+        <p:nvSpPr>
+          <p:cNvPr id="3" name="Title 2">
+            <a:extLst>
+              <a:ext uri="{FF2B5EF4-FFF2-40B4-BE49-F238E27FC236}">
+                <a16:creationId xmlns:a16="http://schemas.microsoft.com/office/drawing/2014/main" id="{F29CA3E4-23AC-4378-B05B-C160D84E479C}"/>
+              </a:ext>
+            </a:extLst>
+          </p:cNvPr>
+          <p:cNvSpPr>
+            <a:spLocks noGrp="1"/>
+          </p:cNvSpPr>
+          <p:nvPr>
+            <p:ph type="title"/>
+          </p:nvPr>
+        </p:nvSpPr>
+        <p:spPr/>
+        <p:txBody>
+          <a:bodyPr>
+            <a:normAutofit fontScale="90000"/>
+          </a:bodyPr>
+          <a:lstStyle/>
+          <a:p>
+            <a:r>
+              <a:rPr lang="en-US" dirty="0"/>
+              <a:t>Smart Contract Platforms </a:t>
+            </a:r>
+            <a:br>
+              <a:rPr lang="en-US" dirty="0"/>
+            </a:br>
+            <a:r>
+              <a:rPr lang="en-US" dirty="0"/>
+              <a:t>OPTIONS</a:t>
+            </a:r>
+          </a:p>
+        </p:txBody>
+      </p:sp>
+      <p:pic>
+        <p:nvPicPr>
+          <p:cNvPr id="1026" name="Picture 2" descr="Image result for quorum blockchain logo">
+            <a:extLst>
+              <a:ext uri="{FF2B5EF4-FFF2-40B4-BE49-F238E27FC236}">
+                <a16:creationId xmlns:a16="http://schemas.microsoft.com/office/drawing/2014/main" id="{3F714D0B-A332-45EF-A850-CF8106F4166C}"/>
+              </a:ext>
+            </a:extLst>
+          </p:cNvPr>
+          <p:cNvPicPr>
+            <a:picLocks noChangeAspect="1" noChangeArrowheads="1"/>
+          </p:cNvPicPr>
+          <p:nvPr/>
+        </p:nvPicPr>
+        <p:blipFill>
+          <a:blip r:embed="rId3">
+            <a:extLst>
+              <a:ext uri="{28A0092B-C50C-407E-A947-70E740481C1C}">
+                <a14:useLocalDpi xmlns:a14="http://schemas.microsoft.com/office/drawing/2010/main" val="0"/>
+              </a:ext>
+            </a:extLst>
+          </a:blip>
+          <a:srcRect/>
+          <a:stretch>
+            <a:fillRect/>
+          </a:stretch>
+        </p:blipFill>
+        <p:spPr bwMode="auto">
+          <a:xfrm>
+            <a:off x="256032" y="2079800"/>
+            <a:ext cx="1709927" cy="1709927"/>
+          </a:xfrm>
+          <a:prstGeom prst="rect">
+            <a:avLst/>
+          </a:prstGeom>
+          <a:noFill/>
+          <a:ln>
+            <a:solidFill>
+              <a:schemeClr val="tx1"/>
+            </a:solidFill>
+          </a:ln>
+          <a:extLst>
+            <a:ext uri="{909E8E84-426E-40DD-AFC4-6F175D3DCCD1}">
+              <a14:hiddenFill xmlns:a14="http://schemas.microsoft.com/office/drawing/2010/main">
+                <a:solidFill>
+                  <a:srgbClr val="FFFFFF"/>
+                </a:solidFill>
+              </a14:hiddenFill>
+            </a:ext>
+          </a:extLst>
+        </p:spPr>
+      </p:pic>
+      <p:sp>
+        <p:nvSpPr>
+          <p:cNvPr id="6" name="Rectangle 5">
+            <a:extLst>
+              <a:ext uri="{FF2B5EF4-FFF2-40B4-BE49-F238E27FC236}">
+                <a16:creationId xmlns:a16="http://schemas.microsoft.com/office/drawing/2014/main" id="{44C74AED-4A82-4507-A915-9FB4BC38E77F}"/>
+              </a:ext>
+            </a:extLst>
+          </p:cNvPr>
+          <p:cNvSpPr/>
+          <p:nvPr/>
+        </p:nvSpPr>
+        <p:spPr>
+          <a:xfrm>
+            <a:off x="2025395" y="2103703"/>
+            <a:ext cx="3633216" cy="1200329"/>
+          </a:xfrm>
+          <a:prstGeom prst="rect">
+            <a:avLst/>
+          </a:prstGeom>
+        </p:spPr>
+        <p:txBody>
+          <a:bodyPr wrap="square">
+            <a:spAutoFit/>
+          </a:bodyPr>
+          <a:lstStyle/>
+          <a:p>
+            <a:pPr algn="just"/>
+            <a:r>
+              <a:rPr lang="en-US" b="1" dirty="0">
+                <a:solidFill>
+                  <a:schemeClr val="bg1"/>
+                </a:solidFill>
+              </a:rPr>
+              <a:t>Quorum</a:t>
+            </a:r>
+            <a:r>
+              <a:rPr lang="en-US" dirty="0">
+                <a:solidFill>
+                  <a:schemeClr val="bg1"/>
+                </a:solidFill>
+              </a:rPr>
+              <a:t> – Fork of Ethereum, enterprise focused version of Ethereum. Backed by JP Morgan chase.  </a:t>
+            </a:r>
+          </a:p>
+        </p:txBody>
+      </p:sp>
+      <p:sp>
+        <p:nvSpPr>
+          <p:cNvPr id="9" name="Rectangle 8">
+            <a:extLst>
+              <a:ext uri="{FF2B5EF4-FFF2-40B4-BE49-F238E27FC236}">
+                <a16:creationId xmlns:a16="http://schemas.microsoft.com/office/drawing/2014/main" id="{CF8E8C4D-0614-435F-82F0-F324B879838A}"/>
+              </a:ext>
+            </a:extLst>
+          </p:cNvPr>
+          <p:cNvSpPr/>
+          <p:nvPr/>
+        </p:nvSpPr>
+        <p:spPr>
+          <a:xfrm>
+            <a:off x="6187440" y="2084832"/>
+            <a:ext cx="5541264" cy="1709927"/>
+          </a:xfrm>
+          <a:prstGeom prst="rect">
+            <a:avLst/>
+          </a:prstGeom>
+        </p:spPr>
+        <p:style>
+          <a:lnRef idx="2">
+            <a:schemeClr val="accent1">
+              <a:shade val="50000"/>
+            </a:schemeClr>
+          </a:lnRef>
+          <a:fillRef idx="1">
+            <a:schemeClr val="accent1"/>
+          </a:fillRef>
+          <a:effectRef idx="0">
+            <a:schemeClr val="accent1"/>
+          </a:effectRef>
+          <a:fontRef idx="minor">
+            <a:schemeClr val="lt1"/>
+          </a:fontRef>
+        </p:style>
+        <p:txBody>
+          <a:bodyPr rtlCol="0" anchor="ctr"/>
+          <a:lstStyle/>
+          <a:p>
+            <a:pPr algn="ctr"/>
+            <a:endParaRPr lang="en-US"/>
+          </a:p>
+        </p:txBody>
+      </p:sp>
+      <p:sp>
+        <p:nvSpPr>
+          <p:cNvPr id="11" name="Rectangle 10">
+            <a:extLst>
+              <a:ext uri="{FF2B5EF4-FFF2-40B4-BE49-F238E27FC236}">
+                <a16:creationId xmlns:a16="http://schemas.microsoft.com/office/drawing/2014/main" id="{5DF9EE21-4924-497C-BE4B-93F7B7E4765F}"/>
+              </a:ext>
+            </a:extLst>
+          </p:cNvPr>
+          <p:cNvSpPr/>
+          <p:nvPr/>
+        </p:nvSpPr>
+        <p:spPr>
+          <a:xfrm>
+            <a:off x="8205173" y="2103703"/>
+            <a:ext cx="3523531" cy="1754326"/>
+          </a:xfrm>
+          <a:prstGeom prst="rect">
+            <a:avLst/>
+          </a:prstGeom>
+        </p:spPr>
+        <p:txBody>
+          <a:bodyPr wrap="square">
+            <a:spAutoFit/>
+          </a:bodyPr>
+          <a:lstStyle/>
+          <a:p>
+            <a:pPr algn="just"/>
+            <a:r>
+              <a:rPr lang="en-US" b="1" dirty="0" err="1">
+                <a:solidFill>
+                  <a:schemeClr val="bg1"/>
+                </a:solidFill>
+              </a:rPr>
+              <a:t>Stratis</a:t>
+            </a:r>
+            <a:r>
+              <a:rPr lang="en-US" dirty="0">
+                <a:solidFill>
+                  <a:schemeClr val="bg1"/>
+                </a:solidFill>
+              </a:rPr>
+              <a:t> – More inclined towards C# and .NET ecosystem, you can write smart contracts in C#. In very early stages not that mature.</a:t>
+            </a:r>
+          </a:p>
+          <a:p>
+            <a:pPr algn="just"/>
+            <a:endParaRPr lang="en-US" dirty="0"/>
+          </a:p>
+          <a:p>
+            <a:pPr algn="just"/>
+            <a:endParaRPr lang="en-US" dirty="0">
+              <a:solidFill>
+                <a:schemeClr val="bg1"/>
+              </a:solidFill>
+            </a:endParaRPr>
+          </a:p>
+        </p:txBody>
+      </p:sp>
+      <p:pic>
+        <p:nvPicPr>
+          <p:cNvPr id="1030" name="Picture 6" descr="Image result for Stratis C# blockchain">
+            <a:extLst>
+              <a:ext uri="{FF2B5EF4-FFF2-40B4-BE49-F238E27FC236}">
+                <a16:creationId xmlns:a16="http://schemas.microsoft.com/office/drawing/2014/main" id="{BEA23515-3CDD-464E-B0B9-03F349FF2FF0}"/>
+              </a:ext>
+            </a:extLst>
+          </p:cNvPr>
+          <p:cNvPicPr>
+            <a:picLocks noChangeAspect="1" noChangeArrowheads="1"/>
+          </p:cNvPicPr>
+          <p:nvPr/>
+        </p:nvPicPr>
+        <p:blipFill>
+          <a:blip r:embed="rId4" cstate="print">
+            <a:extLst>
+              <a:ext uri="{28A0092B-C50C-407E-A947-70E740481C1C}">
+                <a14:useLocalDpi xmlns:a14="http://schemas.microsoft.com/office/drawing/2010/main" val="0"/>
+              </a:ext>
+            </a:extLst>
+          </a:blip>
+          <a:srcRect/>
+          <a:stretch>
+            <a:fillRect/>
+          </a:stretch>
+        </p:blipFill>
+        <p:spPr bwMode="auto">
+          <a:xfrm>
+            <a:off x="6187440" y="2121407"/>
+            <a:ext cx="2029968" cy="1668319"/>
+          </a:xfrm>
+          <a:prstGeom prst="rect">
+            <a:avLst/>
+          </a:prstGeom>
+          <a:noFill/>
+          <a:extLst>
+            <a:ext uri="{909E8E84-426E-40DD-AFC4-6F175D3DCCD1}">
+              <a14:hiddenFill xmlns:a14="http://schemas.microsoft.com/office/drawing/2010/main">
+                <a:solidFill>
+                  <a:srgbClr val="FFFFFF"/>
+                </a:solidFill>
+              </a14:hiddenFill>
+            </a:ext>
+          </a:extLst>
+        </p:spPr>
+      </p:pic>
+      <p:sp>
+        <p:nvSpPr>
+          <p:cNvPr id="14" name="Rectangle 13">
+            <a:extLst>
+              <a:ext uri="{FF2B5EF4-FFF2-40B4-BE49-F238E27FC236}">
+                <a16:creationId xmlns:a16="http://schemas.microsoft.com/office/drawing/2014/main" id="{511C7E8B-5F83-4705-A292-CC42EA663DBC}"/>
+              </a:ext>
+            </a:extLst>
+          </p:cNvPr>
+          <p:cNvSpPr/>
+          <p:nvPr/>
+        </p:nvSpPr>
+        <p:spPr>
+          <a:xfrm>
+            <a:off x="256032" y="4273296"/>
+            <a:ext cx="5462016" cy="1709927"/>
+          </a:xfrm>
+          <a:prstGeom prst="rect">
+            <a:avLst/>
+          </a:prstGeom>
+        </p:spPr>
+        <p:style>
+          <a:lnRef idx="2">
+            <a:schemeClr val="accent1">
+              <a:shade val="50000"/>
+            </a:schemeClr>
+          </a:lnRef>
+          <a:fillRef idx="1">
+            <a:schemeClr val="accent1"/>
+          </a:fillRef>
+          <a:effectRef idx="0">
+            <a:schemeClr val="accent1"/>
+          </a:effectRef>
+          <a:fontRef idx="minor">
+            <a:schemeClr val="lt1"/>
+          </a:fontRef>
+        </p:style>
+        <p:txBody>
+          <a:bodyPr rtlCol="0" anchor="ctr"/>
+          <a:lstStyle/>
+          <a:p>
+            <a:pPr algn="ctr"/>
+            <a:endParaRPr lang="en-US"/>
+          </a:p>
+        </p:txBody>
+      </p:sp>
+      <p:sp>
+        <p:nvSpPr>
+          <p:cNvPr id="16" name="Rectangle 15">
+            <a:extLst>
+              <a:ext uri="{FF2B5EF4-FFF2-40B4-BE49-F238E27FC236}">
+                <a16:creationId xmlns:a16="http://schemas.microsoft.com/office/drawing/2014/main" id="{1A478BE3-EACD-47DF-8FD4-A2A742B57E36}"/>
+              </a:ext>
+            </a:extLst>
+          </p:cNvPr>
+          <p:cNvSpPr/>
+          <p:nvPr/>
+        </p:nvSpPr>
+        <p:spPr>
+          <a:xfrm>
+            <a:off x="2121407" y="4292167"/>
+            <a:ext cx="3537203" cy="923330"/>
+          </a:xfrm>
+          <a:prstGeom prst="rect">
+            <a:avLst/>
+          </a:prstGeom>
+        </p:spPr>
+        <p:txBody>
+          <a:bodyPr wrap="square">
+            <a:spAutoFit/>
+          </a:bodyPr>
+          <a:lstStyle/>
+          <a:p>
+            <a:pPr algn="just"/>
+            <a:r>
+              <a:rPr lang="en-US" dirty="0">
+                <a:solidFill>
+                  <a:schemeClr val="bg1"/>
+                </a:solidFill>
+              </a:rPr>
+              <a:t>Supported by the Ethereum Foundation and a large community of developers worldwide.</a:t>
+            </a:r>
+          </a:p>
+        </p:txBody>
+      </p:sp>
+      <p:pic>
+        <p:nvPicPr>
+          <p:cNvPr id="1032" name="Picture 8" descr="Image result for Ethereum blockchain">
+            <a:extLst>
+              <a:ext uri="{FF2B5EF4-FFF2-40B4-BE49-F238E27FC236}">
+                <a16:creationId xmlns:a16="http://schemas.microsoft.com/office/drawing/2014/main" id="{311E1831-B8CE-4C1F-87DF-A19A432771DB}"/>
+              </a:ext>
+            </a:extLst>
+          </p:cNvPr>
+          <p:cNvPicPr>
+            <a:picLocks noChangeAspect="1" noChangeArrowheads="1"/>
+          </p:cNvPicPr>
+          <p:nvPr/>
+        </p:nvPicPr>
+        <p:blipFill>
+          <a:blip r:embed="rId5">
+            <a:extLst>
+              <a:ext uri="{28A0092B-C50C-407E-A947-70E740481C1C}">
+                <a14:useLocalDpi xmlns:a14="http://schemas.microsoft.com/office/drawing/2010/main" val="0"/>
+              </a:ext>
+            </a:extLst>
+          </a:blip>
+          <a:srcRect/>
+          <a:stretch>
+            <a:fillRect/>
+          </a:stretch>
+        </p:blipFill>
+        <p:spPr bwMode="auto">
+          <a:xfrm>
+            <a:off x="256034" y="4279976"/>
+            <a:ext cx="1865374" cy="1709926"/>
+          </a:xfrm>
+          <a:prstGeom prst="rect">
+            <a:avLst/>
+          </a:prstGeom>
+          <a:noFill/>
+          <a:ln>
+            <a:solidFill>
+              <a:schemeClr val="tx1"/>
+            </a:solidFill>
+          </a:ln>
+          <a:extLst>
+            <a:ext uri="{909E8E84-426E-40DD-AFC4-6F175D3DCCD1}">
+              <a14:hiddenFill xmlns:a14="http://schemas.microsoft.com/office/drawing/2010/main">
+                <a:solidFill>
+                  <a:srgbClr val="FFFFFF"/>
+                </a:solidFill>
+              </a14:hiddenFill>
+            </a:ext>
+          </a:extLst>
+        </p:spPr>
+      </p:pic>
+      <p:sp>
+        <p:nvSpPr>
+          <p:cNvPr id="18" name="Rectangle 17">
+            <a:extLst>
+              <a:ext uri="{FF2B5EF4-FFF2-40B4-BE49-F238E27FC236}">
+                <a16:creationId xmlns:a16="http://schemas.microsoft.com/office/drawing/2014/main" id="{28F20620-1AA3-4F25-AE51-367DAEDE8859}"/>
+              </a:ext>
+            </a:extLst>
+          </p:cNvPr>
+          <p:cNvSpPr/>
+          <p:nvPr/>
+        </p:nvSpPr>
+        <p:spPr>
+          <a:xfrm>
+            <a:off x="6187440" y="4273295"/>
+            <a:ext cx="5541264" cy="1709927"/>
+          </a:xfrm>
+          <a:prstGeom prst="rect">
+            <a:avLst/>
+          </a:prstGeom>
+        </p:spPr>
+        <p:style>
+          <a:lnRef idx="2">
+            <a:schemeClr val="accent1">
+              <a:shade val="50000"/>
+            </a:schemeClr>
+          </a:lnRef>
+          <a:fillRef idx="1">
+            <a:schemeClr val="accent1"/>
+          </a:fillRef>
+          <a:effectRef idx="0">
+            <a:schemeClr val="accent1"/>
+          </a:effectRef>
+          <a:fontRef idx="minor">
+            <a:schemeClr val="lt1"/>
+          </a:fontRef>
+        </p:style>
+        <p:txBody>
+          <a:bodyPr rtlCol="0" anchor="ctr"/>
+          <a:lstStyle/>
+          <a:p>
+            <a:pPr marL="285750" indent="-285750">
+              <a:buFont typeface="Arial" panose="020B0604020202020204" pitchFamily="34" charset="0"/>
+              <a:buChar char="•"/>
+            </a:pPr>
+            <a:endParaRPr lang="en-US" dirty="0"/>
+          </a:p>
+        </p:txBody>
+      </p:sp>
+      <p:pic>
+        <p:nvPicPr>
+          <p:cNvPr id="2" name="Picture 2" descr="Image result for hyperledger fabric icon">
+            <a:extLst>
+              <a:ext uri="{FF2B5EF4-FFF2-40B4-BE49-F238E27FC236}">
+                <a16:creationId xmlns:a16="http://schemas.microsoft.com/office/drawing/2014/main" id="{BCD67F5A-79D6-41B9-A7A8-23E2F40B76AD}"/>
+              </a:ext>
+            </a:extLst>
+          </p:cNvPr>
+          <p:cNvPicPr>
+            <a:picLocks noChangeAspect="1" noChangeArrowheads="1"/>
+          </p:cNvPicPr>
+          <p:nvPr/>
+        </p:nvPicPr>
+        <p:blipFill>
+          <a:blip r:embed="rId6" cstate="print">
+            <a:extLst>
+              <a:ext uri="{28A0092B-C50C-407E-A947-70E740481C1C}">
+                <a14:useLocalDpi xmlns:a14="http://schemas.microsoft.com/office/drawing/2010/main" val="0"/>
+              </a:ext>
+            </a:extLst>
+          </a:blip>
+          <a:srcRect/>
+          <a:stretch>
+            <a:fillRect/>
+          </a:stretch>
+        </p:blipFill>
+        <p:spPr bwMode="auto">
+          <a:xfrm>
+            <a:off x="6187439" y="4280454"/>
+            <a:ext cx="2676874" cy="1709927"/>
+          </a:xfrm>
+          <a:prstGeom prst="rect">
+            <a:avLst/>
+          </a:prstGeom>
+          <a:solidFill>
+            <a:schemeClr val="bg1"/>
+          </a:solidFill>
+          <a:ln>
+            <a:solidFill>
+              <a:schemeClr val="tx1"/>
+            </a:solidFill>
+          </a:ln>
+        </p:spPr>
+      </p:pic>
+      <p:sp>
+        <p:nvSpPr>
+          <p:cNvPr id="4" name="TextBox 3">
+            <a:extLst>
+              <a:ext uri="{FF2B5EF4-FFF2-40B4-BE49-F238E27FC236}">
+                <a16:creationId xmlns:a16="http://schemas.microsoft.com/office/drawing/2014/main" id="{4EFC7C79-5FB1-487B-B01B-F6CE86BD0702}"/>
+              </a:ext>
+            </a:extLst>
+          </p:cNvPr>
+          <p:cNvSpPr txBox="1"/>
+          <p:nvPr/>
+        </p:nvSpPr>
+        <p:spPr>
+          <a:xfrm>
+            <a:off x="8958072" y="4384500"/>
+            <a:ext cx="2676874" cy="923330"/>
+          </a:xfrm>
+          <a:prstGeom prst="rect">
+            <a:avLst/>
+          </a:prstGeom>
+          <a:noFill/>
+        </p:spPr>
+        <p:txBody>
+          <a:bodyPr wrap="square" rtlCol="0">
+            <a:spAutoFit/>
+          </a:bodyPr>
+          <a:lstStyle/>
+          <a:p>
+            <a:r>
+              <a:rPr lang="en-US" dirty="0">
+                <a:solidFill>
+                  <a:schemeClr val="bg1"/>
+                </a:solidFill>
+              </a:rPr>
+              <a:t>Supported By IBM, development tools with Java and Node.JS </a:t>
+            </a:r>
+          </a:p>
+        </p:txBody>
+      </p:sp>
+    </p:spTree>
+    <p:extLst>
+      <p:ext uri="{BB962C8B-B14F-4D97-AF65-F5344CB8AC3E}">
+        <p14:creationId xmlns:p14="http://schemas.microsoft.com/office/powerpoint/2010/main" val="1459417111"/>
+      </p:ext>
+    </p:extLst>
+  </p:cSld>
+  <p:clrMapOvr>
+    <a:masterClrMapping/>
+  </p:clrMapOvr>
+</p:sld>
+</file>
+
+<file path=ppt/slides/slide8.xml><?xml version="1.0" encoding="utf-8"?>
+<p:sld xmlns:a="http://schemas.openxmlformats.org/drawingml/2006/main" xmlns:r="http://schemas.openxmlformats.org/officeDocument/2006/relationships" xmlns:p="http://schemas.openxmlformats.org/presentationml/2006/main">
+  <p:cSld>
+    <p:spTree>
+      <p:nvGrpSpPr>
+        <p:cNvPr id="1" name=""/>
+        <p:cNvGrpSpPr/>
+        <p:nvPr/>
+      </p:nvGrpSpPr>
+      <p:grpSpPr>
+        <a:xfrm>
+          <a:off x="0" y="0"/>
+          <a:ext cx="0" cy="0"/>
+          <a:chOff x="0" y="0"/>
+          <a:chExt cx="0" cy="0"/>
+        </a:xfrm>
+      </p:grpSpPr>
+      <p:sp>
+        <p:nvSpPr>
+          <p:cNvPr id="3" name="Title 2">
+            <a:extLst>
+              <a:ext uri="{FF2B5EF4-FFF2-40B4-BE49-F238E27FC236}">
+                <a16:creationId xmlns:a16="http://schemas.microsoft.com/office/drawing/2014/main" id="{D87CCF86-B832-4483-866C-1E9731C8D036}"/>
+              </a:ext>
+            </a:extLst>
+          </p:cNvPr>
+          <p:cNvSpPr>
+            <a:spLocks noGrp="1"/>
+          </p:cNvSpPr>
+          <p:nvPr>
+            <p:ph type="title"/>
+          </p:nvPr>
+        </p:nvSpPr>
+        <p:spPr/>
+        <p:txBody>
+          <a:bodyPr>
+            <a:normAutofit fontScale="90000"/>
+          </a:bodyPr>
+          <a:lstStyle/>
+          <a:p>
+            <a:r>
+              <a:rPr lang="en-US" dirty="0"/>
+              <a:t>Core Smart Contract Concepts/</a:t>
+            </a:r>
+            <a:br>
+              <a:rPr lang="en-US" dirty="0"/>
+            </a:br>
+            <a:r>
+              <a:rPr lang="en-US" dirty="0"/>
+              <a:t>Limitations</a:t>
+            </a:r>
+          </a:p>
+        </p:txBody>
+      </p:sp>
+      <p:sp>
+        <p:nvSpPr>
+          <p:cNvPr id="7" name="Content Placeholder 2">
+            <a:extLst>
+              <a:ext uri="{FF2B5EF4-FFF2-40B4-BE49-F238E27FC236}">
+                <a16:creationId xmlns:a16="http://schemas.microsoft.com/office/drawing/2014/main" id="{E3EB911A-DF16-408F-83F4-87B67AA134E5}"/>
+              </a:ext>
+            </a:extLst>
+          </p:cNvPr>
+          <p:cNvSpPr>
+            <a:spLocks noGrp="1"/>
+          </p:cNvSpPr>
+          <p:nvPr>
+            <p:ph idx="1"/>
+          </p:nvPr>
+        </p:nvSpPr>
+        <p:spPr>
+          <a:xfrm>
+            <a:off x="252983" y="2023606"/>
+            <a:ext cx="11939017" cy="4486921"/>
+          </a:xfrm>
+        </p:spPr>
+        <p:txBody>
+          <a:bodyPr>
+            <a:noAutofit/>
+          </a:bodyPr>
+          <a:lstStyle/>
+          <a:p>
+            <a:pPr algn="just"/>
+            <a:r>
+              <a:rPr lang="en-US" sz="2000" dirty="0"/>
+              <a:t>Cannot have logic changes after deployment (Immutable)</a:t>
+            </a:r>
+          </a:p>
+          <a:p>
+            <a:pPr algn="just"/>
+            <a:r>
+              <a:rPr lang="en-US" sz="2000" dirty="0"/>
+              <a:t>Cannot call external web services or do any kind of looks ups from contract in Ethereum</a:t>
+            </a:r>
+          </a:p>
+          <a:p>
+            <a:pPr algn="just"/>
+            <a:r>
+              <a:rPr lang="en-US" sz="2000" dirty="0"/>
+              <a:t>Contract gets executed all the nodes on the Ethereum network.</a:t>
+            </a:r>
+          </a:p>
+          <a:p>
+            <a:pPr algn="just"/>
+            <a:r>
+              <a:rPr lang="en-US" sz="2000" dirty="0"/>
+              <a:t>Languages are relatively new and need close code reviews before deployments.</a:t>
+            </a:r>
+          </a:p>
+          <a:p>
+            <a:pPr algn="just"/>
+            <a:r>
+              <a:rPr lang="en-US" sz="2000" dirty="0"/>
+              <a:t>Two types of functions on Smart contract</a:t>
+            </a:r>
+          </a:p>
+          <a:p>
+            <a:pPr lvl="1" algn="just"/>
+            <a:r>
+              <a:rPr lang="en-US" sz="1800" dirty="0"/>
+              <a:t>Write functions – These perform state changes and require Gas for the execution</a:t>
+            </a:r>
+          </a:p>
+          <a:p>
+            <a:pPr lvl="1" algn="just"/>
+            <a:r>
+              <a:rPr lang="en-US" sz="1800" dirty="0"/>
+              <a:t>Read Functions – These are free and do not require any Gas.</a:t>
+            </a:r>
+          </a:p>
+          <a:p>
+            <a:pPr algn="just"/>
+            <a:endParaRPr lang="en-US" sz="2000" dirty="0"/>
+          </a:p>
+        </p:txBody>
+      </p:sp>
+    </p:spTree>
+    <p:extLst>
+      <p:ext uri="{BB962C8B-B14F-4D97-AF65-F5344CB8AC3E}">
+        <p14:creationId xmlns:p14="http://schemas.microsoft.com/office/powerpoint/2010/main" val="2771232756"/>
       </p:ext>
     </p:extLst>
   </p:cSld>

--- a/PPTX/BAAS.pptx
+++ b/PPTX/BAAS.pptx
@@ -245,7 +245,7 @@
           <a:p>
             <a:fld id="{FA763208-4D5B-44C4-A045-6495A8B44929}" type="datetimeFigureOut">
               <a:rPr lang="en-US" smtClean="0"/>
-              <a:t>10/15/2018</a:t>
+              <a:t>10/19/2018</a:t>
             </a:fld>
             <a:endParaRPr lang="en-US"/>
           </a:p>
@@ -422,7 +422,7 @@
           <a:p>
             <a:fld id="{3389243F-B1BB-4202-BD78-416ACA555174}" type="datetimeFigureOut">
               <a:rPr lang="en-US" smtClean="0"/>
-              <a:t>10/15/2018</a:t>
+              <a:t>10/19/2018</a:t>
             </a:fld>
             <a:endParaRPr lang="en-US"/>
           </a:p>
@@ -755,18 +755,6 @@
               <a:tabLst/>
               <a:defRPr/>
             </a:pPr>
-            <a:r>
-              <a:rPr lang="en-US"/>
-              <a:t>© Copyright </a:t>
-            </a:r>
-            <a:r>
-              <a:rPr lang="en-US" b="1"/>
-              <a:t>PresentationGo.com</a:t>
-            </a:r>
-            <a:r>
-              <a:rPr lang="en-US"/>
-              <a:t> – The free PowerPoint template library</a:t>
-            </a:r>
             <a:endParaRPr lang="en-US" dirty="0"/>
           </a:p>
         </p:txBody>
@@ -850,18 +838,6 @@
               <a:tabLst/>
               <a:defRPr/>
             </a:pPr>
-            <a:r>
-              <a:rPr lang="en-US"/>
-              <a:t>© Copyright </a:t>
-            </a:r>
-            <a:r>
-              <a:rPr lang="en-US" b="1"/>
-              <a:t>PresentationGo.com</a:t>
-            </a:r>
-            <a:r>
-              <a:rPr lang="en-US"/>
-              <a:t> – The free PowerPoint template library</a:t>
-            </a:r>
             <a:endParaRPr lang="en-US" dirty="0"/>
           </a:p>
         </p:txBody>
@@ -945,18 +921,6 @@
               <a:tabLst/>
               <a:defRPr/>
             </a:pPr>
-            <a:r>
-              <a:rPr lang="en-US"/>
-              <a:t>© Copyright </a:t>
-            </a:r>
-            <a:r>
-              <a:rPr lang="en-US" b="1"/>
-              <a:t>PresentationGo.com</a:t>
-            </a:r>
-            <a:r>
-              <a:rPr lang="en-US"/>
-              <a:t> – The free PowerPoint template library</a:t>
-            </a:r>
             <a:endParaRPr lang="en-US" dirty="0"/>
           </a:p>
         </p:txBody>
@@ -1040,18 +1004,7 @@
               <a:tabLst/>
               <a:defRPr/>
             </a:pPr>
-            <a:r>
-              <a:rPr lang="en-US" dirty="0"/>
-              <a:t>© Copyright </a:t>
-            </a:r>
-            <a:r>
-              <a:rPr lang="en-US" b="1" dirty="0"/>
-              <a:t>PresentationGo.com</a:t>
-            </a:r>
-            <a:r>
-              <a:rPr lang="en-US" dirty="0"/>
-              <a:t> – The free PowerPoint template library</a:t>
-            </a:r>
+            <a:endParaRPr lang="en-US" dirty="0"/>
           </a:p>
         </p:txBody>
       </p:sp>
@@ -2240,115 +2193,6 @@
           </a:p>
         </p:txBody>
       </p:sp>
-      <p:sp>
-        <p:nvSpPr>
-          <p:cNvPr id="4" name="Date Placeholder 3">
-            <a:extLst>
-              <a:ext uri="{FF2B5EF4-FFF2-40B4-BE49-F238E27FC236}">
-                <a16:creationId xmlns:a16="http://schemas.microsoft.com/office/drawing/2014/main" id="{B0EC0A06-6586-46C1-B5BF-0E56DC48AFFE}"/>
-              </a:ext>
-            </a:extLst>
-          </p:cNvPr>
-          <p:cNvSpPr>
-            <a:spLocks noGrp="1"/>
-          </p:cNvSpPr>
-          <p:nvPr>
-            <p:ph type="dt" sz="half" idx="10"/>
-          </p:nvPr>
-        </p:nvSpPr>
-        <p:spPr/>
-        <p:txBody>
-          <a:bodyPr/>
-          <a:lstStyle>
-            <a:lvl1pPr>
-              <a:defRPr>
-                <a:solidFill>
-                  <a:srgbClr val="F57921"/>
-                </a:solidFill>
-              </a:defRPr>
-            </a:lvl1pPr>
-          </a:lstStyle>
-          <a:p>
-            <a:fld id="{18D9E8F6-4D81-4B3A-BC45-BBA4A1C9BD0F}" type="datetimeFigureOut">
-              <a:rPr lang="en-US" smtClean="0"/>
-              <a:pPr/>
-              <a:t>10/15/2018</a:t>
-            </a:fld>
-            <a:endParaRPr lang="en-US"/>
-          </a:p>
-        </p:txBody>
-      </p:sp>
-      <p:sp>
-        <p:nvSpPr>
-          <p:cNvPr id="5" name="Footer Placeholder 4">
-            <a:extLst>
-              <a:ext uri="{FF2B5EF4-FFF2-40B4-BE49-F238E27FC236}">
-                <a16:creationId xmlns:a16="http://schemas.microsoft.com/office/drawing/2014/main" id="{336BDF8E-04ED-4796-A02C-D6887C621C9F}"/>
-              </a:ext>
-            </a:extLst>
-          </p:cNvPr>
-          <p:cNvSpPr>
-            <a:spLocks noGrp="1"/>
-          </p:cNvSpPr>
-          <p:nvPr>
-            <p:ph type="ftr" sz="quarter" idx="11"/>
-          </p:nvPr>
-        </p:nvSpPr>
-        <p:spPr/>
-        <p:txBody>
-          <a:bodyPr/>
-          <a:lstStyle>
-            <a:lvl1pPr>
-              <a:defRPr>
-                <a:solidFill>
-                  <a:srgbClr val="F57921"/>
-                </a:solidFill>
-              </a:defRPr>
-            </a:lvl1pPr>
-          </a:lstStyle>
-          <a:p>
-            <a:endParaRPr lang="en-US"/>
-          </a:p>
-        </p:txBody>
-      </p:sp>
-      <p:sp>
-        <p:nvSpPr>
-          <p:cNvPr id="6" name="Slide Number Placeholder 5">
-            <a:extLst>
-              <a:ext uri="{FF2B5EF4-FFF2-40B4-BE49-F238E27FC236}">
-                <a16:creationId xmlns:a16="http://schemas.microsoft.com/office/drawing/2014/main" id="{14707708-0653-4BFE-BDCB-7EDB4C08A37C}"/>
-              </a:ext>
-            </a:extLst>
-          </p:cNvPr>
-          <p:cNvSpPr>
-            <a:spLocks noGrp="1"/>
-          </p:cNvSpPr>
-          <p:nvPr>
-            <p:ph type="sldNum" sz="quarter" idx="12"/>
-          </p:nvPr>
-        </p:nvSpPr>
-        <p:spPr/>
-        <p:txBody>
-          <a:bodyPr/>
-          <a:lstStyle>
-            <a:lvl1pPr>
-              <a:defRPr>
-                <a:solidFill>
-                  <a:schemeClr val="bg1"/>
-                </a:solidFill>
-              </a:defRPr>
-            </a:lvl1pPr>
-          </a:lstStyle>
-          <a:p>
-            <a:fld id="{E505F7C3-4860-4DB0-A451-57EE24F2F70B}" type="slidenum">
-              <a:rPr lang="en-US" smtClean="0"/>
-              <a:pPr/>
-              <a:t>‹#›</a:t>
-            </a:fld>
-            <a:endParaRPr lang="en-US"/>
-          </a:p>
-        </p:txBody>
-      </p:sp>
     </p:spTree>
     <p:extLst>
       <p:ext uri="{BB962C8B-B14F-4D97-AF65-F5344CB8AC3E}">
@@ -2600,7 +2444,7 @@
           <a:p>
             <a:fld id="{18D9E8F6-4D81-4B3A-BC45-BBA4A1C9BD0F}" type="datetimeFigureOut">
               <a:rPr lang="en-US" smtClean="0"/>
-              <a:t>10/15/2018</a:t>
+              <a:t>10/19/2018</a:t>
             </a:fld>
             <a:endParaRPr lang="en-US"/>
           </a:p>
@@ -2891,7 +2735,7 @@
           <a:p>
             <a:fld id="{18D9E8F6-4D81-4B3A-BC45-BBA4A1C9BD0F}" type="datetimeFigureOut">
               <a:rPr lang="en-US" smtClean="0"/>
-              <a:t>10/15/2018</a:t>
+              <a:t>10/19/2018</a:t>
             </a:fld>
             <a:endParaRPr lang="en-US"/>
           </a:p>
@@ -3089,7 +2933,7 @@
           <a:p>
             <a:fld id="{18D9E8F6-4D81-4B3A-BC45-BBA4A1C9BD0F}" type="datetimeFigureOut">
               <a:rPr lang="en-US" smtClean="0"/>
-              <a:t>10/15/2018</a:t>
+              <a:t>10/19/2018</a:t>
             </a:fld>
             <a:endParaRPr lang="en-US"/>
           </a:p>
@@ -3297,7 +3141,7 @@
           <a:p>
             <a:fld id="{18D9E8F6-4D81-4B3A-BC45-BBA4A1C9BD0F}" type="datetimeFigureOut">
               <a:rPr lang="en-US" smtClean="0"/>
-              <a:t>10/15/2018</a:t>
+              <a:t>10/19/2018</a:t>
             </a:fld>
             <a:endParaRPr lang="en-US"/>
           </a:p>
@@ -4039,7 +3883,7 @@
             <a:fld id="{18D9E8F6-4D81-4B3A-BC45-BBA4A1C9BD0F}" type="datetimeFigureOut">
               <a:rPr lang="en-US" smtClean="0"/>
               <a:pPr/>
-              <a:t>10/15/2018</a:t>
+              <a:t>10/19/2018</a:t>
             </a:fld>
             <a:endParaRPr lang="en-US"/>
           </a:p>
@@ -4663,7 +4507,7 @@
             <a:fld id="{18D9E8F6-4D81-4B3A-BC45-BBA4A1C9BD0F}" type="datetimeFigureOut">
               <a:rPr lang="en-US" smtClean="0"/>
               <a:pPr/>
-              <a:t>10/15/2018</a:t>
+              <a:t>10/19/2018</a:t>
             </a:fld>
             <a:endParaRPr lang="en-US"/>
           </a:p>
@@ -5292,7 +5136,7 @@
             <a:fld id="{18D9E8F6-4D81-4B3A-BC45-BBA4A1C9BD0F}" type="datetimeFigureOut">
               <a:rPr lang="en-US" smtClean="0"/>
               <a:pPr/>
-              <a:t>10/15/2018</a:t>
+              <a:t>10/19/2018</a:t>
             </a:fld>
             <a:endParaRPr lang="en-US"/>
           </a:p>
@@ -5997,7 +5841,7 @@
           <a:p>
             <a:fld id="{18D9E8F6-4D81-4B3A-BC45-BBA4A1C9BD0F}" type="datetimeFigureOut">
               <a:rPr lang="en-US" smtClean="0"/>
-              <a:t>10/15/2018</a:t>
+              <a:t>10/19/2018</a:t>
             </a:fld>
             <a:endParaRPr lang="en-US"/>
           </a:p>
@@ -6262,7 +6106,7 @@
           <a:p>
             <a:fld id="{18D9E8F6-4D81-4B3A-BC45-BBA4A1C9BD0F}" type="datetimeFigureOut">
               <a:rPr lang="en-US" smtClean="0"/>
-              <a:t>10/15/2018</a:t>
+              <a:t>10/19/2018</a:t>
             </a:fld>
             <a:endParaRPr lang="en-US"/>
           </a:p>
@@ -6674,7 +6518,7 @@
           <a:p>
             <a:fld id="{18D9E8F6-4D81-4B3A-BC45-BBA4A1C9BD0F}" type="datetimeFigureOut">
               <a:rPr lang="en-US" smtClean="0"/>
-              <a:t>10/15/2018</a:t>
+              <a:t>10/19/2018</a:t>
             </a:fld>
             <a:endParaRPr lang="en-US"/>
           </a:p>
@@ -6815,7 +6659,7 @@
           <a:p>
             <a:fld id="{18D9E8F6-4D81-4B3A-BC45-BBA4A1C9BD0F}" type="datetimeFigureOut">
               <a:rPr lang="en-US" smtClean="0"/>
-              <a:t>10/15/2018</a:t>
+              <a:t>10/19/2018</a:t>
             </a:fld>
             <a:endParaRPr lang="en-US"/>
           </a:p>
@@ -6928,7 +6772,7 @@
           <a:p>
             <a:fld id="{18D9E8F6-4D81-4B3A-BC45-BBA4A1C9BD0F}" type="datetimeFigureOut">
               <a:rPr lang="en-US" smtClean="0"/>
-              <a:t>10/15/2018</a:t>
+              <a:t>10/19/2018</a:t>
             </a:fld>
             <a:endParaRPr lang="en-US"/>
           </a:p>
@@ -7169,7 +7013,7 @@
             <a:fld id="{18D9E8F6-4D81-4B3A-BC45-BBA4A1C9BD0F}" type="datetimeFigureOut">
               <a:rPr lang="en-US" smtClean="0"/>
               <a:pPr/>
-              <a:t>10/15/2018</a:t>
+              <a:t>10/19/2018</a:t>
             </a:fld>
             <a:endParaRPr lang="en-US"/>
           </a:p>
@@ -7314,135 +7158,6 @@
           </a:p>
         </p:txBody>
       </p:sp>
-      <p:grpSp>
-        <p:nvGrpSpPr>
-          <p:cNvPr id="8" name="Group 7">
-            <a:extLst>
-              <a:ext uri="{FF2B5EF4-FFF2-40B4-BE49-F238E27FC236}">
-                <a16:creationId xmlns:a16="http://schemas.microsoft.com/office/drawing/2014/main" id="{5B9598CF-92E8-45BD-884E-AFB827C1311E}"/>
-              </a:ext>
-            </a:extLst>
-          </p:cNvPr>
-          <p:cNvGrpSpPr/>
-          <p:nvPr userDrawn="1"/>
-        </p:nvGrpSpPr>
-        <p:grpSpPr>
-          <a:xfrm>
-            <a:off x="-1654908" y="-16654"/>
-            <a:ext cx="1569183" cy="612144"/>
-            <a:chOff x="-2096383" y="21447"/>
-            <a:chExt cx="1569183" cy="612144"/>
-          </a:xfrm>
-        </p:grpSpPr>
-        <p:sp>
-          <p:nvSpPr>
-            <p:cNvPr id="9" name="TextBox 8">
-              <a:extLst>
-                <a:ext uri="{FF2B5EF4-FFF2-40B4-BE49-F238E27FC236}">
-                  <a16:creationId xmlns:a16="http://schemas.microsoft.com/office/drawing/2014/main" id="{C3B3DA16-62CF-49AF-9B2D-01A786E29D65}"/>
-                </a:ext>
-              </a:extLst>
-            </p:cNvPr>
-            <p:cNvSpPr txBox="1"/>
-            <p:nvPr userDrawn="1"/>
-          </p:nvSpPr>
-          <p:spPr>
-            <a:xfrm>
-              <a:off x="-2096383" y="21447"/>
-              <a:ext cx="365806" cy="246221"/>
-            </a:xfrm>
-            <a:prstGeom prst="rect">
-              <a:avLst/>
-            </a:prstGeom>
-            <a:noFill/>
-          </p:spPr>
-          <p:txBody>
-            <a:bodyPr wrap="none" rtlCol="0">
-              <a:spAutoFit/>
-            </a:bodyPr>
-            <a:lstStyle/>
-            <a:p>
-              <a:r>
-                <a:rPr lang="en-US" sz="1000" dirty="0">
-                  <a:latin typeface="Open Sans" panose="020B0606030504020204" pitchFamily="34" charset="0"/>
-                  <a:ea typeface="Open Sans" panose="020B0606030504020204" pitchFamily="34" charset="0"/>
-                  <a:cs typeface="Open Sans" panose="020B0606030504020204" pitchFamily="34" charset="0"/>
-                </a:rPr>
-                <a:t>By:</a:t>
-              </a:r>
-            </a:p>
-          </p:txBody>
-        </p:sp>
-        <p:sp>
-          <p:nvSpPr>
-            <p:cNvPr id="10" name="TextBox 9">
-              <a:extLst>
-                <a:ext uri="{FF2B5EF4-FFF2-40B4-BE49-F238E27FC236}">
-                  <a16:creationId xmlns:a16="http://schemas.microsoft.com/office/drawing/2014/main" id="{6DD0F24F-F3D9-4255-8887-CDC22426826E}"/>
-                </a:ext>
-              </a:extLst>
-            </p:cNvPr>
-            <p:cNvSpPr txBox="1"/>
-            <p:nvPr userDrawn="1"/>
-          </p:nvSpPr>
-          <p:spPr>
-            <a:xfrm>
-              <a:off x="-1002010" y="387370"/>
-              <a:ext cx="474810" cy="246221"/>
-            </a:xfrm>
-            <a:prstGeom prst="rect">
-              <a:avLst/>
-            </a:prstGeom>
-            <a:noFill/>
-          </p:spPr>
-          <p:txBody>
-            <a:bodyPr wrap="none" rtlCol="0">
-              <a:spAutoFit/>
-            </a:bodyPr>
-            <a:lstStyle/>
-            <a:p>
-              <a:r>
-                <a:rPr lang="en-US" sz="1000" dirty="0">
-                  <a:latin typeface="Open Sans" panose="020B0606030504020204" pitchFamily="34" charset="0"/>
-                  <a:ea typeface="Open Sans" panose="020B0606030504020204" pitchFamily="34" charset="0"/>
-                  <a:cs typeface="Open Sans" panose="020B0606030504020204" pitchFamily="34" charset="0"/>
-                </a:rPr>
-                <a:t>.com</a:t>
-              </a:r>
-            </a:p>
-          </p:txBody>
-        </p:sp>
-        <p:pic>
-          <p:nvPicPr>
-            <p:cNvPr id="11" name="Picture 10">
-              <a:extLst>
-                <a:ext uri="{FF2B5EF4-FFF2-40B4-BE49-F238E27FC236}">
-                  <a16:creationId xmlns:a16="http://schemas.microsoft.com/office/drawing/2014/main" id="{150FB697-DEAA-42BC-86CE-F3D23992345D}"/>
-                </a:ext>
-              </a:extLst>
-            </p:cNvPr>
-            <p:cNvPicPr>
-              <a:picLocks noChangeAspect="1"/>
-            </p:cNvPicPr>
-            <p:nvPr userDrawn="1"/>
-          </p:nvPicPr>
-          <p:blipFill>
-            <a:blip r:embed="rId16"/>
-            <a:stretch>
-              <a:fillRect/>
-            </a:stretch>
-          </p:blipFill>
-          <p:spPr>
-            <a:xfrm>
-              <a:off x="-2018604" y="234547"/>
-              <a:ext cx="1405251" cy="185944"/>
-            </a:xfrm>
-            <a:prstGeom prst="rect">
-              <a:avLst/>
-            </a:prstGeom>
-          </p:spPr>
-        </p:pic>
-      </p:grpSp>
     </p:spTree>
     <p:extLst>
       <p:ext uri="{BB962C8B-B14F-4D97-AF65-F5344CB8AC3E}">
@@ -8324,15 +8039,7 @@
           <a:p>
             <a:r>
               <a:rPr lang="en-US" sz="3200" dirty="0"/>
-              <a:t>Building Blockchain </a:t>
-            </a:r>
-            <a:r>
-              <a:rPr lang="en-US" sz="3200" dirty="0" err="1"/>
-              <a:t>Dapps</a:t>
-            </a:r>
-            <a:r>
-              <a:rPr lang="en-US" sz="3200" dirty="0"/>
-              <a:t> (Decentralized Applications ) using Ethereum, </a:t>
+              <a:t>Building Blockchain D-apps (Decentralized Applications ) using Ethereum, </a:t>
             </a:r>
             <a:r>
               <a:rPr lang="en-US" sz="3200" dirty="0" err="1"/>
@@ -8550,7 +8257,7 @@
           <a:p>
             <a:r>
               <a:rPr lang="en-US" sz="3200" dirty="0"/>
-              <a:t>Amol Gote</a:t>
+              <a:t>Aamol Gote</a:t>
             </a:r>
           </a:p>
         </p:txBody>
@@ -10314,14 +10021,14 @@
           <p:nvPr>
             <p:extLst>
               <p:ext uri="{D42A27DB-BD31-4B8C-83A1-F6EECF244321}">
-                <p14:modId xmlns:p14="http://schemas.microsoft.com/office/powerpoint/2010/main" val="1468188579"/>
+                <p14:modId xmlns:p14="http://schemas.microsoft.com/office/powerpoint/2010/main" val="3916325431"/>
               </p:ext>
             </p:extLst>
           </p:nvPr>
         </p:nvGraphicFramePr>
         <p:xfrm>
-          <a:off x="4064000" y="3869993"/>
-          <a:ext cx="8128000" cy="2966720"/>
+          <a:off x="3899098" y="3747684"/>
+          <a:ext cx="7754114" cy="2998935"/>
         </p:xfrm>
         <a:graphic>
           <a:graphicData uri="http://schemas.openxmlformats.org/drawingml/2006/table">
@@ -10330,14 +10037,14 @@
                 <a:tableStyleId>{2D5ABB26-0587-4C30-8999-92F81FD0307C}</a:tableStyleId>
               </a:tblPr>
               <a:tblGrid>
-                <a:gridCol w="2087174">
+                <a:gridCol w="1991165">
                   <a:extLst>
                     <a:ext uri="{9D8B030D-6E8A-4147-A177-3AD203B41FA5}">
                       <a16:colId xmlns:a16="http://schemas.microsoft.com/office/drawing/2014/main" val="2764076090"/>
                     </a:ext>
                   </a:extLst>
                 </a:gridCol>
-                <a:gridCol w="6040826">
+                <a:gridCol w="5762949">
                   <a:extLst>
                     <a:ext uri="{9D8B030D-6E8A-4147-A177-3AD203B41FA5}">
                       <a16:colId xmlns:a16="http://schemas.microsoft.com/office/drawing/2014/main" val="3359725540"/>
@@ -10345,7 +10052,7 @@
                   </a:extLst>
                 </a:gridCol>
               </a:tblGrid>
-              <a:tr h="370840">
+              <a:tr h="333215">
                 <a:tc>
                   <a:txBody>
                     <a:bodyPr/>
@@ -10353,7 +10060,7 @@
                     <a:p>
                       <a:r>
                         <a:rPr lang="en-US" sz="1400" b="1" dirty="0"/>
-                        <a:t>Active</a:t>
+                        <a:t>Active – 0</a:t>
                       </a:r>
                     </a:p>
                   </a:txBody>
@@ -10398,7 +10105,7 @@
                   </a:ext>
                 </a:extLst>
               </a:tr>
-              <a:tr h="370840">
+              <a:tr h="333215">
                 <a:tc>
                   <a:txBody>
                     <a:bodyPr/>
@@ -10406,7 +10113,7 @@
                     <a:p>
                       <a:r>
                         <a:rPr lang="en-US" sz="1400" b="1" dirty="0"/>
-                        <a:t>Offer Placed</a:t>
+                        <a:t>Offer Placed – 1</a:t>
                       </a:r>
                     </a:p>
                   </a:txBody>
@@ -10469,7 +10176,7 @@
                   </a:ext>
                 </a:extLst>
               </a:tr>
-              <a:tr h="370840">
+              <a:tr h="333215">
                 <a:tc>
                   <a:txBody>
                     <a:bodyPr/>
@@ -10477,7 +10184,7 @@
                     <a:p>
                       <a:r>
                         <a:rPr lang="en-US" sz="1400" b="1" dirty="0"/>
-                        <a:t>Pending Inspection</a:t>
+                        <a:t>Pending Inspection – 2</a:t>
                       </a:r>
                     </a:p>
                   </a:txBody>
@@ -10540,7 +10247,7 @@
                   </a:ext>
                 </a:extLst>
               </a:tr>
-              <a:tr h="370840">
+              <a:tr h="333215">
                 <a:tc>
                   <a:txBody>
                     <a:bodyPr/>
@@ -10548,7 +10255,7 @@
                     <a:p>
                       <a:r>
                         <a:rPr lang="en-US" sz="1400" b="1" dirty="0"/>
-                        <a:t>Inspected</a:t>
+                        <a:t>Inspected – 3</a:t>
                       </a:r>
                     </a:p>
                   </a:txBody>
@@ -10611,7 +10318,7 @@
                   </a:ext>
                 </a:extLst>
               </a:tr>
-              <a:tr h="370840">
+              <a:tr h="333215">
                 <a:tc>
                   <a:txBody>
                     <a:bodyPr/>
@@ -10619,7 +10326,7 @@
                     <a:p>
                       <a:r>
                         <a:rPr lang="en-US" sz="1400" b="1" dirty="0"/>
-                        <a:t>Appraised</a:t>
+                        <a:t>Appraised – 4</a:t>
                       </a:r>
                     </a:p>
                   </a:txBody>
@@ -10678,11 +10385,11 @@
                 </a:tc>
                 <a:extLst>
                   <a:ext uri="{0D108BD9-81ED-4DB2-BD59-A6C34878D82A}">
-                    <a16:rowId xmlns:a16="http://schemas.microsoft.com/office/drawing/2014/main" val="3415009234"/>
+                    <a16:rowId xmlns:a16="http://schemas.microsoft.com/office/drawing/2014/main" val="3099237188"/>
                   </a:ext>
                 </a:extLst>
               </a:tr>
-              <a:tr h="370840">
+              <a:tr h="333215">
                 <a:tc>
                   <a:txBody>
                     <a:bodyPr/>
@@ -10690,7 +10397,78 @@
                     <a:p>
                       <a:r>
                         <a:rPr lang="en-US" sz="1400" b="1" dirty="0"/>
-                        <a:t>Seller Accepted</a:t>
+                        <a:t>Notional Acceptance – 5</a:t>
+                      </a:r>
+                    </a:p>
+                  </a:txBody>
+                  <a:tcPr>
+                    <a:lnT w="12700" cap="flat" cmpd="sng" algn="ctr">
+                      <a:solidFill>
+                        <a:schemeClr val="tx1"/>
+                      </a:solidFill>
+                      <a:prstDash val="solid"/>
+                      <a:round/>
+                      <a:headEnd type="none" w="med" len="med"/>
+                      <a:tailEnd type="none" w="med" len="med"/>
+                    </a:lnT>
+                    <a:lnB w="12700" cap="flat" cmpd="sng" algn="ctr">
+                      <a:solidFill>
+                        <a:schemeClr val="tx1"/>
+                      </a:solidFill>
+                      <a:prstDash val="solid"/>
+                      <a:round/>
+                      <a:headEnd type="none" w="med" len="med"/>
+                      <a:tailEnd type="none" w="med" len="med"/>
+                    </a:lnB>
+                  </a:tcPr>
+                </a:tc>
+                <a:tc>
+                  <a:txBody>
+                    <a:bodyPr/>
+                    <a:lstStyle/>
+                    <a:p>
+                      <a:r>
+                        <a:rPr lang="en-US" sz="1400" dirty="0"/>
+                        <a:t>Indicates Appraised and Inspected</a:t>
+                      </a:r>
+                    </a:p>
+                  </a:txBody>
+                  <a:tcPr>
+                    <a:lnT w="12700" cap="flat" cmpd="sng" algn="ctr">
+                      <a:solidFill>
+                        <a:schemeClr val="tx1"/>
+                      </a:solidFill>
+                      <a:prstDash val="solid"/>
+                      <a:round/>
+                      <a:headEnd type="none" w="med" len="med"/>
+                      <a:tailEnd type="none" w="med" len="med"/>
+                    </a:lnT>
+                    <a:lnB w="12700" cap="flat" cmpd="sng" algn="ctr">
+                      <a:solidFill>
+                        <a:schemeClr val="tx1"/>
+                      </a:solidFill>
+                      <a:prstDash val="solid"/>
+                      <a:round/>
+                      <a:headEnd type="none" w="med" len="med"/>
+                      <a:tailEnd type="none" w="med" len="med"/>
+                    </a:lnB>
+                  </a:tcPr>
+                </a:tc>
+                <a:extLst>
+                  <a:ext uri="{0D108BD9-81ED-4DB2-BD59-A6C34878D82A}">
+                    <a16:rowId xmlns:a16="http://schemas.microsoft.com/office/drawing/2014/main" val="3865687045"/>
+                  </a:ext>
+                </a:extLst>
+              </a:tr>
+              <a:tr h="333215">
+                <a:tc>
+                  <a:txBody>
+                    <a:bodyPr/>
+                    <a:lstStyle/>
+                    <a:p>
+                      <a:r>
+                        <a:rPr lang="en-US" sz="1400" b="1" dirty="0"/>
+                        <a:t>Seller Accepted – 6</a:t>
                       </a:r>
                     </a:p>
                   </a:txBody>
@@ -10749,11 +10527,11 @@
                 </a:tc>
                 <a:extLst>
                   <a:ext uri="{0D108BD9-81ED-4DB2-BD59-A6C34878D82A}">
-                    <a16:rowId xmlns:a16="http://schemas.microsoft.com/office/drawing/2014/main" val="1308999662"/>
+                    <a16:rowId xmlns:a16="http://schemas.microsoft.com/office/drawing/2014/main" val="2439716075"/>
                   </a:ext>
                 </a:extLst>
               </a:tr>
-              <a:tr h="370840">
+              <a:tr h="333215">
                 <a:tc>
                   <a:txBody>
                     <a:bodyPr/>
@@ -10761,7 +10539,7 @@
                     <a:p>
                       <a:r>
                         <a:rPr lang="en-US" sz="1400" b="1" dirty="0"/>
-                        <a:t>Buyer Accepted</a:t>
+                        <a:t>Buyer Accepted – 7</a:t>
                       </a:r>
                     </a:p>
                   </a:txBody>
@@ -10820,11 +10598,11 @@
                 </a:tc>
                 <a:extLst>
                   <a:ext uri="{0D108BD9-81ED-4DB2-BD59-A6C34878D82A}">
-                    <a16:rowId xmlns:a16="http://schemas.microsoft.com/office/drawing/2014/main" val="3170892852"/>
+                    <a16:rowId xmlns:a16="http://schemas.microsoft.com/office/drawing/2014/main" val="2398673939"/>
                   </a:ext>
                 </a:extLst>
               </a:tr>
-              <a:tr h="370840">
+              <a:tr h="333215">
                 <a:tc>
                   <a:txBody>
                     <a:bodyPr/>
@@ -10832,7 +10610,7 @@
                     <a:p>
                       <a:r>
                         <a:rPr lang="en-US" sz="1400" b="1" dirty="0"/>
-                        <a:t>Accepted</a:t>
+                        <a:t>Accepted - 8</a:t>
                       </a:r>
                     </a:p>
                   </a:txBody>
@@ -10873,7 +10651,7 @@
                 </a:tc>
                 <a:extLst>
                   <a:ext uri="{0D108BD9-81ED-4DB2-BD59-A6C34878D82A}">
-                    <a16:rowId xmlns:a16="http://schemas.microsoft.com/office/drawing/2014/main" val="1386723900"/>
+                    <a16:rowId xmlns:a16="http://schemas.microsoft.com/office/drawing/2014/main" val="60512184"/>
                   </a:ext>
                 </a:extLst>
               </a:tr>
@@ -10896,7 +10674,7 @@
           <p:nvPr>
             <p:extLst>
               <p:ext uri="{D42A27DB-BD31-4B8C-83A1-F6EECF244321}">
-                <p14:modId xmlns:p14="http://schemas.microsoft.com/office/powerpoint/2010/main" val="600083487"/>
+                <p14:modId xmlns:p14="http://schemas.microsoft.com/office/powerpoint/2010/main" val="250312952"/>
               </p:ext>
             </p:extLst>
           </p:nvPr>
@@ -11057,7 +10835,7 @@
                           <a:ea typeface="+mn-ea"/>
                           <a:cs typeface="+mn-cs"/>
                         </a:rPr>
-                        <a:t>A person who is chose by the buyer to be the inspector of the asset being considered for buying</a:t>
+                        <a:t>A person who is chosen by the buyer to be the inspector of the asset being considered for buying</a:t>
                       </a:r>
                     </a:p>
                   </a:txBody>
@@ -12402,20 +12180,36 @@
             <a:endParaRPr lang="en-US" sz="2800" dirty="0"/>
           </a:p>
           <a:p>
-            <a:pPr algn="just"/>
+            <a:pPr marL="1371600" lvl="3" indent="0" algn="just">
+              <a:buNone/>
+            </a:pPr>
             <a:r>
               <a:rPr lang="en-US" sz="2800" dirty="0"/>
-              <a:t>Twitter - </a:t>
+              <a:t>  </a:t>
             </a:r>
             <a:r>
               <a:rPr lang="en-US" sz="2800" dirty="0">
                 <a:hlinkClick r:id="rId6"/>
               </a:rPr>
+              <a:t>https://github.com/aamolgote/codecampynyc2018</a:t>
+            </a:r>
+            <a:endParaRPr lang="en-US" sz="2800" dirty="0"/>
+          </a:p>
+          <a:p>
+            <a:pPr algn="just"/>
+            <a:r>
+              <a:rPr lang="en-US" sz="2800" dirty="0"/>
+              <a:t>Twitter - </a:t>
+            </a:r>
+            <a:r>
+              <a:rPr lang="en-US" sz="2800" dirty="0">
+                <a:hlinkClick r:id="rId7"/>
+              </a:rPr>
               <a:t>@</a:t>
             </a:r>
             <a:r>
               <a:rPr lang="en-US" sz="2800" dirty="0" err="1">
-                <a:hlinkClick r:id="rId6"/>
+                <a:hlinkClick r:id="rId7"/>
               </a:rPr>
               <a:t>mytechnetnohows</a:t>
             </a:r>
@@ -12542,7 +12336,7 @@
             <a:pPr algn="just"/>
             <a:r>
               <a:rPr lang="en-US" sz="2800" dirty="0"/>
-              <a:t>Demo implementation architecture. </a:t>
+              <a:t>Architecture of Demo D-App(End State). </a:t>
             </a:r>
           </a:p>
           <a:p>
@@ -12696,7 +12490,7 @@
             <a:pPr algn="just"/>
             <a:r>
               <a:rPr lang="en-US" sz="2000" dirty="0"/>
-              <a:t>Every block contains a hash of the previous block and a new added only after all previous hashes are recomputed </a:t>
+              <a:t>Every block contains a hash of the previous block</a:t>
             </a:r>
           </a:p>
           <a:p>
@@ -14461,14 +14255,14 @@
             <a:pPr algn="just"/>
             <a:r>
               <a:rPr lang="en-US" sz="2000" dirty="0"/>
-              <a:t>Smart contracts are applications that run on the Ethereum network.</a:t>
+              <a:t>Smart contracts are applications that run on the blockchain network. Ethereum is pioneer.</a:t>
             </a:r>
           </a:p>
           <a:p>
             <a:pPr algn="just"/>
             <a:r>
               <a:rPr lang="en-US" sz="2000" dirty="0"/>
-              <a:t>It is a computer program that implements and enforces business login for an application.</a:t>
+              <a:t>It is a computer program that implements and enforces business logic for an application.</a:t>
             </a:r>
           </a:p>
           <a:p>
@@ -15314,7 +15108,7 @@
             <a:pPr algn="just"/>
             <a:r>
               <a:rPr lang="en-US" sz="2000" dirty="0"/>
-              <a:t>Languages are relatively new and need close code reviews before deployments.</a:t>
+              <a:t>Language is relatively new and need close code reviews before deployments.</a:t>
             </a:r>
           </a:p>
           <a:p>

--- a/PPTX/BAAS.pptx
+++ b/PPTX/BAAS.pptx
@@ -6,31 +6,33 @@
     <p:sldMasterId id="2147483692" r:id="rId2"/>
   </p:sldMasterIdLst>
   <p:notesMasterIdLst>
-    <p:notesMasterId r:id="rId22"/>
+    <p:notesMasterId r:id="rId24"/>
   </p:notesMasterIdLst>
   <p:handoutMasterIdLst>
-    <p:handoutMasterId r:id="rId23"/>
+    <p:handoutMasterId r:id="rId25"/>
   </p:handoutMasterIdLst>
   <p:sldIdLst>
     <p:sldId id="330" r:id="rId3"/>
-    <p:sldId id="348" r:id="rId4"/>
-    <p:sldId id="333" r:id="rId5"/>
-    <p:sldId id="331" r:id="rId6"/>
-    <p:sldId id="343" r:id="rId7"/>
-    <p:sldId id="334" r:id="rId8"/>
-    <p:sldId id="340" r:id="rId9"/>
-    <p:sldId id="346" r:id="rId10"/>
-    <p:sldId id="332" r:id="rId11"/>
-    <p:sldId id="335" r:id="rId12"/>
-    <p:sldId id="347" r:id="rId13"/>
-    <p:sldId id="336" r:id="rId14"/>
-    <p:sldId id="339" r:id="rId15"/>
-    <p:sldId id="337" r:id="rId16"/>
-    <p:sldId id="342" r:id="rId17"/>
-    <p:sldId id="344" r:id="rId18"/>
-    <p:sldId id="338" r:id="rId19"/>
-    <p:sldId id="345" r:id="rId20"/>
-    <p:sldId id="341" r:id="rId21"/>
+    <p:sldId id="349" r:id="rId4"/>
+    <p:sldId id="350" r:id="rId5"/>
+    <p:sldId id="348" r:id="rId6"/>
+    <p:sldId id="333" r:id="rId7"/>
+    <p:sldId id="331" r:id="rId8"/>
+    <p:sldId id="343" r:id="rId9"/>
+    <p:sldId id="334" r:id="rId10"/>
+    <p:sldId id="340" r:id="rId11"/>
+    <p:sldId id="346" r:id="rId12"/>
+    <p:sldId id="332" r:id="rId13"/>
+    <p:sldId id="335" r:id="rId14"/>
+    <p:sldId id="347" r:id="rId15"/>
+    <p:sldId id="336" r:id="rId16"/>
+    <p:sldId id="339" r:id="rId17"/>
+    <p:sldId id="337" r:id="rId18"/>
+    <p:sldId id="342" r:id="rId19"/>
+    <p:sldId id="344" r:id="rId20"/>
+    <p:sldId id="338" r:id="rId21"/>
+    <p:sldId id="345" r:id="rId22"/>
+    <p:sldId id="341" r:id="rId23"/>
   </p:sldIdLst>
   <p:sldSz cx="12192000" cy="6858000"/>
   <p:notesSz cx="6858000" cy="9144000"/>
@@ -1086,7 +1088,7 @@
           <a:p>
             <a:fld id="{B68D2766-C49B-4C1A-9FEE-6F146754B02B}" type="slidenum">
               <a:rPr lang="en-US" smtClean="0"/>
-              <a:t>7</a:t>
+              <a:t>9</a:t>
             </a:fld>
             <a:endParaRPr lang="en-US"/>
           </a:p>
@@ -8297,7 +8299,7 @@
           <p:cNvPr id="3" name="Title 2">
             <a:extLst>
               <a:ext uri="{FF2B5EF4-FFF2-40B4-BE49-F238E27FC236}">
-                <a16:creationId xmlns:a16="http://schemas.microsoft.com/office/drawing/2014/main" id="{4C3A51A3-34CD-4950-8D86-F1DF9969DDFD}"/>
+                <a16:creationId xmlns:a16="http://schemas.microsoft.com/office/drawing/2014/main" id="{D87CCF86-B832-4483-866C-1E9731C8D036}"/>
               </a:ext>
             </a:extLst>
           </p:cNvPr>
@@ -8310,61 +8312,111 @@
         </p:nvSpPr>
         <p:spPr/>
         <p:txBody>
-          <a:bodyPr/>
+          <a:bodyPr>
+            <a:normAutofit fontScale="90000"/>
+          </a:bodyPr>
           <a:lstStyle/>
           <a:p>
             <a:r>
               <a:rPr lang="en-US" dirty="0"/>
-              <a:t>END State BAAS Architecture </a:t>
-            </a:r>
-          </a:p>
-        </p:txBody>
-      </p:sp>
-      <p:pic>
-        <p:nvPicPr>
-          <p:cNvPr id="4" name="Picture 3">
-            <a:extLst>
-              <a:ext uri="{FF2B5EF4-FFF2-40B4-BE49-F238E27FC236}">
-                <a16:creationId xmlns:a16="http://schemas.microsoft.com/office/drawing/2014/main" id="{DC4648A6-5469-479D-AC2A-2CEC3165BCC9}"/>
-              </a:ext>
-            </a:extLst>
-          </p:cNvPr>
-          <p:cNvPicPr>
-            <a:picLocks noChangeAspect="1"/>
-          </p:cNvPicPr>
-          <p:nvPr/>
-        </p:nvPicPr>
-        <p:blipFill>
-          <a:blip r:embed="rId2">
-            <a:extLst>
-              <a:ext uri="{28A0092B-C50C-407E-A947-70E740481C1C}">
-                <a14:useLocalDpi xmlns:a14="http://schemas.microsoft.com/office/drawing/2010/main" val="0"/>
-              </a:ext>
-            </a:extLst>
-          </a:blip>
-          <a:stretch>
-            <a:fillRect/>
-          </a:stretch>
-        </p:blipFill>
+              <a:t>Core Smart Contract Concepts/</a:t>
+            </a:r>
+            <a:br>
+              <a:rPr lang="en-US" dirty="0"/>
+            </a:br>
+            <a:r>
+              <a:rPr lang="en-US" dirty="0"/>
+              <a:t>Limitations</a:t>
+            </a:r>
+          </a:p>
+        </p:txBody>
+      </p:sp>
+      <p:sp>
+        <p:nvSpPr>
+          <p:cNvPr id="7" name="Content Placeholder 2">
+            <a:extLst>
+              <a:ext uri="{FF2B5EF4-FFF2-40B4-BE49-F238E27FC236}">
+                <a16:creationId xmlns:a16="http://schemas.microsoft.com/office/drawing/2014/main" id="{E3EB911A-DF16-408F-83F4-87B67AA134E5}"/>
+              </a:ext>
+            </a:extLst>
+          </p:cNvPr>
+          <p:cNvSpPr>
+            <a:spLocks noGrp="1"/>
+          </p:cNvSpPr>
+          <p:nvPr>
+            <p:ph idx="1"/>
+          </p:nvPr>
+        </p:nvSpPr>
         <p:spPr>
           <a:xfrm>
-            <a:off x="180363" y="1042293"/>
-            <a:ext cx="11831274" cy="5602348"/>
-          </a:xfrm>
-          <a:prstGeom prst="rect">
-            <a:avLst/>
-          </a:prstGeom>
-          <a:ln>
-            <a:solidFill>
-              <a:schemeClr val="tx1"/>
-            </a:solidFill>
-          </a:ln>
-        </p:spPr>
-      </p:pic>
+            <a:off x="252983" y="2023606"/>
+            <a:ext cx="11939017" cy="4486921"/>
+          </a:xfrm>
+        </p:spPr>
+        <p:txBody>
+          <a:bodyPr>
+            <a:noAutofit/>
+          </a:bodyPr>
+          <a:lstStyle/>
+          <a:p>
+            <a:pPr algn="just"/>
+            <a:r>
+              <a:rPr lang="en-US" sz="2000" dirty="0"/>
+              <a:t>Cannot have logic changes after deployment (Immutable)</a:t>
+            </a:r>
+          </a:p>
+          <a:p>
+            <a:pPr algn="just"/>
+            <a:r>
+              <a:rPr lang="en-US" sz="2000" dirty="0"/>
+              <a:t>Cannot call external web services or do any kind of looks ups from contract in Ethereum</a:t>
+            </a:r>
+          </a:p>
+          <a:p>
+            <a:pPr algn="just"/>
+            <a:r>
+              <a:rPr lang="en-US" sz="2000" dirty="0"/>
+              <a:t>Contract gets executed all the nodes on the Ethereum network.</a:t>
+            </a:r>
+          </a:p>
+          <a:p>
+            <a:pPr algn="just"/>
+            <a:r>
+              <a:rPr lang="en-US" sz="2000" dirty="0"/>
+              <a:t>Language is relatively new and need close code reviews before deployments.</a:t>
+            </a:r>
+          </a:p>
+          <a:p>
+            <a:pPr algn="just"/>
+            <a:r>
+              <a:rPr lang="en-US" sz="2000" dirty="0"/>
+              <a:t>Two types of functions on Smart contract</a:t>
+            </a:r>
+          </a:p>
+          <a:p>
+            <a:pPr lvl="1" algn="just"/>
+            <a:r>
+              <a:rPr lang="en-US" sz="1800" dirty="0"/>
+              <a:t>Write functions – These perform state changes and require Gas for the execution</a:t>
+            </a:r>
+          </a:p>
+          <a:p>
+            <a:pPr lvl="1" algn="just"/>
+            <a:r>
+              <a:rPr lang="en-US" sz="1800" dirty="0"/>
+              <a:t>Read Functions – These are free and do not require any Gas.</a:t>
+            </a:r>
+          </a:p>
+          <a:p>
+            <a:pPr algn="just"/>
+            <a:endParaRPr lang="en-US" sz="2000" dirty="0"/>
+          </a:p>
+        </p:txBody>
+      </p:sp>
     </p:spTree>
     <p:extLst>
       <p:ext uri="{BB962C8B-B14F-4D97-AF65-F5344CB8AC3E}">
-        <p14:creationId xmlns:p14="http://schemas.microsoft.com/office/powerpoint/2010/main" val="1956885687"/>
+        <p14:creationId xmlns:p14="http://schemas.microsoft.com/office/powerpoint/2010/main" val="2771232756"/>
       </p:ext>
     </p:extLst>
   </p:cSld>
@@ -8393,13 +8445,30 @@
       </p:grpSpPr>
       <p:sp>
         <p:nvSpPr>
-          <p:cNvPr id="3" name="Title 2">
-            <a:extLst>
-              <a:ext uri="{FF2B5EF4-FFF2-40B4-BE49-F238E27FC236}">
-                <a16:creationId xmlns:a16="http://schemas.microsoft.com/office/drawing/2014/main" id="{01FCBCAC-37E2-4D22-9B54-5E4250B4FB23}"/>
-              </a:ext>
-            </a:extLst>
-          </p:cNvPr>
+          <p:cNvPr id="6" name="Slide Number Placeholder 5"/>
+          <p:cNvSpPr>
+            <a:spLocks noGrp="1"/>
+          </p:cNvSpPr>
+          <p:nvPr>
+            <p:ph type="sldNum" sz="quarter" idx="12"/>
+          </p:nvPr>
+        </p:nvSpPr>
+        <p:spPr/>
+        <p:txBody>
+          <a:bodyPr/>
+          <a:lstStyle/>
+          <a:p>
+            <a:fld id="{0FA269BB-9CF1-436E-9ADF-E46804694E4E}" type="slidenum">
+              <a:rPr lang="en-US" smtClean="0"/>
+              <a:t>11</a:t>
+            </a:fld>
+            <a:endParaRPr lang="en-US"/>
+          </a:p>
+        </p:txBody>
+      </p:sp>
+      <p:sp>
+        <p:nvSpPr>
+          <p:cNvPr id="2" name="Title 1"/>
           <p:cNvSpPr>
             <a:spLocks noGrp="1"/>
           </p:cNvSpPr>
@@ -8414,56 +8483,193 @@
           <a:p>
             <a:r>
               <a:rPr lang="en-US" dirty="0"/>
-              <a:t>Current Demo Set Up</a:t>
-            </a:r>
+              <a:t>Dev tools</a:t>
+            </a:r>
+          </a:p>
+        </p:txBody>
+      </p:sp>
+      <p:sp>
+        <p:nvSpPr>
+          <p:cNvPr id="12" name="Content Placeholder 2">
+            <a:extLst>
+              <a:ext uri="{FF2B5EF4-FFF2-40B4-BE49-F238E27FC236}">
+                <a16:creationId xmlns:a16="http://schemas.microsoft.com/office/drawing/2014/main" id="{73EE1E34-AA80-4D48-9F43-0D297FCECEC2}"/>
+              </a:ext>
+            </a:extLst>
+          </p:cNvPr>
+          <p:cNvSpPr>
+            <a:spLocks noGrp="1"/>
+          </p:cNvSpPr>
+          <p:nvPr>
+            <p:ph idx="1"/>
+          </p:nvPr>
+        </p:nvSpPr>
+        <p:spPr>
+          <a:xfrm>
+            <a:off x="252984" y="2133334"/>
+            <a:ext cx="8439603" cy="4074425"/>
+          </a:xfrm>
+        </p:spPr>
+        <p:txBody>
+          <a:bodyPr>
+            <a:noAutofit/>
+          </a:bodyPr>
+          <a:lstStyle/>
+          <a:p>
+            <a:pPr marL="0" indent="0" algn="just">
+              <a:buNone/>
+            </a:pPr>
+            <a:r>
+              <a:rPr lang="en-US" sz="2000" dirty="0"/>
+              <a:t>Ethereum Nodes</a:t>
+            </a:r>
+          </a:p>
+          <a:p>
+            <a:pPr algn="just"/>
+            <a:r>
+              <a:rPr lang="en-US" sz="1400" dirty="0"/>
+              <a:t>GETH – Command line interface for running full Ethereum nodes and spinning of distributed ledger.</a:t>
+            </a:r>
+          </a:p>
+          <a:p>
+            <a:pPr marL="0" indent="0" algn="just">
+              <a:buNone/>
+            </a:pPr>
+            <a:r>
+              <a:rPr lang="en-US" sz="2000" dirty="0"/>
+              <a:t>Ethereum Client</a:t>
+            </a:r>
+          </a:p>
+          <a:p>
+            <a:pPr algn="just"/>
+            <a:r>
+              <a:rPr lang="en-US" sz="1400" dirty="0"/>
+              <a:t>Nethereum.web3 </a:t>
+            </a:r>
+            <a:r>
+              <a:rPr lang="en-US" sz="1400" dirty="0" err="1"/>
+              <a:t>nuget</a:t>
+            </a:r>
+            <a:r>
+              <a:rPr lang="en-US" sz="1400" dirty="0"/>
+              <a:t> – For interacting with distributed ledger using RPC.</a:t>
+            </a:r>
+          </a:p>
+          <a:p>
+            <a:pPr marL="0" indent="0" algn="just">
+              <a:buNone/>
+            </a:pPr>
+            <a:endParaRPr lang="en-US" sz="2000" dirty="0"/>
+          </a:p>
+          <a:p>
+            <a:pPr marL="0" indent="0" algn="just">
+              <a:buNone/>
+            </a:pPr>
+            <a:r>
+              <a:rPr lang="en-US" sz="2000" dirty="0"/>
+              <a:t>Solidity (Contract oriented programming language for writing smart contract)</a:t>
+            </a:r>
+          </a:p>
+          <a:p>
+            <a:pPr algn="just"/>
+            <a:r>
+              <a:rPr lang="en-US" sz="1400" dirty="0"/>
+              <a:t>Visual studio plugin</a:t>
+            </a:r>
+          </a:p>
+          <a:p>
+            <a:pPr algn="just"/>
+            <a:r>
+              <a:rPr lang="en-US" sz="1400" dirty="0"/>
+              <a:t>Remix online editor</a:t>
+            </a:r>
+          </a:p>
+          <a:p>
+            <a:pPr marL="0" indent="0" algn="just">
+              <a:buNone/>
+            </a:pPr>
+            <a:endParaRPr lang="en-US" sz="2000" dirty="0"/>
+          </a:p>
+          <a:p>
+            <a:pPr marL="0" indent="0" algn="just">
+              <a:buNone/>
+            </a:pPr>
+            <a:r>
+              <a:rPr lang="en-US" sz="2000" dirty="0"/>
+              <a:t>Standard dev tools</a:t>
+            </a:r>
+          </a:p>
+          <a:p>
+            <a:pPr algn="just"/>
+            <a:r>
+              <a:rPr lang="en-US" sz="1400" dirty="0"/>
+              <a:t>VS code for angular</a:t>
+            </a:r>
+          </a:p>
+          <a:p>
+            <a:pPr algn="just"/>
+            <a:r>
+              <a:rPr lang="en-US" sz="1400" dirty="0"/>
+              <a:t>VS for API’s</a:t>
+            </a:r>
+          </a:p>
+          <a:p>
+            <a:pPr lvl="1" algn="just"/>
+            <a:endParaRPr lang="en-US" sz="1600" dirty="0"/>
           </a:p>
         </p:txBody>
       </p:sp>
       <p:pic>
         <p:nvPicPr>
-          <p:cNvPr id="8" name="Picture 7">
-            <a:extLst>
-              <a:ext uri="{FF2B5EF4-FFF2-40B4-BE49-F238E27FC236}">
-                <a16:creationId xmlns:a16="http://schemas.microsoft.com/office/drawing/2014/main" id="{C18CBCED-E4C1-4F29-B1F0-E5727D563F16}"/>
+          <p:cNvPr id="3084" name="Picture 12" descr="Image result for ethereum">
+            <a:extLst>
+              <a:ext uri="{FF2B5EF4-FFF2-40B4-BE49-F238E27FC236}">
+                <a16:creationId xmlns:a16="http://schemas.microsoft.com/office/drawing/2014/main" id="{047E06DB-B555-46C8-BB4E-F9B23D1F6C1C}"/>
               </a:ext>
             </a:extLst>
           </p:cNvPr>
           <p:cNvPicPr>
-            <a:picLocks noChangeAspect="1"/>
+            <a:picLocks noChangeAspect="1" noChangeArrowheads="1"/>
           </p:cNvPicPr>
           <p:nvPr/>
         </p:nvPicPr>
         <p:blipFill>
-          <a:blip r:embed="rId2">
+          <a:blip r:embed="rId3">
             <a:extLst>
               <a:ext uri="{28A0092B-C50C-407E-A947-70E740481C1C}">
                 <a14:useLocalDpi xmlns:a14="http://schemas.microsoft.com/office/drawing/2010/main" val="0"/>
               </a:ext>
             </a:extLst>
           </a:blip>
+          <a:srcRect/>
           <a:stretch>
             <a:fillRect/>
           </a:stretch>
         </p:blipFill>
-        <p:spPr>
-          <a:xfrm>
-            <a:off x="2292096" y="1109551"/>
-            <a:ext cx="7989379" cy="5418883"/>
+        <p:spPr bwMode="auto">
+          <a:xfrm>
+            <a:off x="8839199" y="2196696"/>
+            <a:ext cx="2654461" cy="4180776"/>
           </a:xfrm>
           <a:prstGeom prst="rect">
             <a:avLst/>
           </a:prstGeom>
-          <a:ln>
-            <a:solidFill>
-              <a:schemeClr val="tx1"/>
-            </a:solidFill>
-          </a:ln>
+          <a:noFill/>
+          <a:extLst>
+            <a:ext uri="{909E8E84-426E-40DD-AFC4-6F175D3DCCD1}">
+              <a14:hiddenFill xmlns:a14="http://schemas.microsoft.com/office/drawing/2010/main">
+                <a:solidFill>
+                  <a:srgbClr val="FFFFFF"/>
+                </a:solidFill>
+              </a14:hiddenFill>
+            </a:ext>
+          </a:extLst>
         </p:spPr>
       </p:pic>
     </p:spTree>
     <p:extLst>
       <p:ext uri="{BB962C8B-B14F-4D97-AF65-F5344CB8AC3E}">
-        <p14:creationId xmlns:p14="http://schemas.microsoft.com/office/powerpoint/2010/main" val="830831817"/>
+        <p14:creationId xmlns:p14="http://schemas.microsoft.com/office/powerpoint/2010/main" val="2520003504"/>
       </p:ext>
     </p:extLst>
   </p:cSld>
@@ -8495,7 +8701,7 @@
           <p:cNvPr id="3" name="Title 2">
             <a:extLst>
               <a:ext uri="{FF2B5EF4-FFF2-40B4-BE49-F238E27FC236}">
-                <a16:creationId xmlns:a16="http://schemas.microsoft.com/office/drawing/2014/main" id="{79695BFC-A958-4523-AC5D-DF775D42E102}"/>
+                <a16:creationId xmlns:a16="http://schemas.microsoft.com/office/drawing/2014/main" id="{4C3A51A3-34CD-4950-8D86-F1DF9969DDFD}"/>
               </a:ext>
             </a:extLst>
           </p:cNvPr>
@@ -8513,208 +8719,17 @@
           <a:p>
             <a:r>
               <a:rPr lang="en-US" dirty="0"/>
-              <a:t>Setting Up Private Network</a:t>
-            </a:r>
-          </a:p>
-        </p:txBody>
-      </p:sp>
-      <p:sp>
-        <p:nvSpPr>
-          <p:cNvPr id="5" name="Content Placeholder 2">
-            <a:extLst>
-              <a:ext uri="{FF2B5EF4-FFF2-40B4-BE49-F238E27FC236}">
-                <a16:creationId xmlns:a16="http://schemas.microsoft.com/office/drawing/2014/main" id="{FB58EEFA-7F07-462B-9BE1-F83EA3C64275}"/>
-              </a:ext>
-            </a:extLst>
-          </p:cNvPr>
-          <p:cNvSpPr>
-            <a:spLocks noGrp="1"/>
-          </p:cNvSpPr>
-          <p:nvPr>
-            <p:ph idx="1"/>
-          </p:nvPr>
-        </p:nvSpPr>
-        <p:spPr>
-          <a:xfrm>
-            <a:off x="113721" y="1655377"/>
-            <a:ext cx="6401379" cy="4440064"/>
-          </a:xfrm>
-        </p:spPr>
-        <p:txBody>
-          <a:bodyPr>
-            <a:noAutofit/>
-          </a:bodyPr>
-          <a:lstStyle/>
-          <a:p>
-            <a:pPr algn="just"/>
-            <a:r>
-              <a:rPr lang="en-US" sz="2000" dirty="0" err="1"/>
-              <a:t>Genesis.json</a:t>
-            </a:r>
-            <a:endParaRPr lang="en-US" sz="2000" dirty="0"/>
-          </a:p>
-          <a:p>
-            <a:pPr algn="just"/>
-            <a:r>
-              <a:rPr lang="en-US" sz="2000" dirty="0"/>
-              <a:t>Initialize network</a:t>
-            </a:r>
-          </a:p>
-          <a:p>
-            <a:pPr algn="just"/>
-            <a:r>
-              <a:rPr lang="en-US" sz="2000" dirty="0"/>
-              <a:t>Spin off various nodes (RPC, web3, mine).</a:t>
-            </a:r>
-          </a:p>
-          <a:p>
-            <a:pPr algn="just"/>
-            <a:r>
-              <a:rPr lang="en-US" sz="2000" dirty="0"/>
-              <a:t>Network communication across nodes and Static nodes</a:t>
-            </a:r>
-          </a:p>
-          <a:p>
-            <a:pPr algn="just"/>
-            <a:r>
-              <a:rPr lang="en-US" sz="2000" dirty="0"/>
-              <a:t>Each node contains full copy of blockchain </a:t>
-            </a:r>
-            <a:r>
-              <a:rPr lang="en-US" sz="2000" dirty="0" err="1"/>
-              <a:t>db</a:t>
-            </a:r>
-            <a:r>
-              <a:rPr lang="en-US" sz="2000" dirty="0"/>
-              <a:t> which stores a record of every transaction.</a:t>
-            </a:r>
-          </a:p>
-          <a:p>
-            <a:pPr algn="just"/>
-            <a:r>
-              <a:rPr lang="en-US" sz="2000" dirty="0"/>
-              <a:t>Different types of networks</a:t>
-            </a:r>
-          </a:p>
-          <a:p>
-            <a:pPr lvl="1" algn="just"/>
-            <a:r>
-              <a:rPr lang="en-US" sz="1600" dirty="0"/>
-              <a:t>Private </a:t>
-            </a:r>
-            <a:r>
-              <a:rPr lang="en-US" sz="1600" dirty="0" err="1"/>
-              <a:t>Newtorks</a:t>
-            </a:r>
-            <a:endParaRPr lang="en-US" sz="1600" dirty="0"/>
-          </a:p>
-          <a:p>
-            <a:pPr lvl="1" algn="just"/>
-            <a:r>
-              <a:rPr lang="en-US" sz="1600" dirty="0"/>
-              <a:t>Public networks</a:t>
-            </a:r>
-          </a:p>
-          <a:p>
-            <a:pPr lvl="2" algn="just"/>
-            <a:r>
-              <a:rPr lang="en-US" sz="1400" dirty="0"/>
-              <a:t>Main Network (Ether Based)</a:t>
-            </a:r>
-          </a:p>
-          <a:p>
-            <a:pPr lvl="2" algn="just"/>
-            <a:r>
-              <a:rPr lang="en-US" sz="1400" dirty="0">
-                <a:hlinkClick r:id="rId2"/>
-              </a:rPr>
-              <a:t>Test Networks</a:t>
-            </a:r>
-            <a:endParaRPr lang="en-US" sz="1400" dirty="0"/>
-          </a:p>
-          <a:p>
-            <a:pPr lvl="3" algn="just"/>
-            <a:r>
-              <a:rPr lang="en-US" sz="1400" dirty="0" err="1"/>
-              <a:t>Ropsten</a:t>
-            </a:r>
-            <a:endParaRPr lang="en-US" sz="1400" dirty="0"/>
-          </a:p>
-          <a:p>
-            <a:pPr lvl="3" algn="just"/>
-            <a:r>
-              <a:rPr lang="en-US" sz="1400" dirty="0" err="1"/>
-              <a:t>Kovan</a:t>
-            </a:r>
-            <a:endParaRPr lang="en-US" sz="1400" dirty="0"/>
-          </a:p>
-          <a:p>
-            <a:pPr lvl="3" algn="just"/>
-            <a:r>
-              <a:rPr lang="en-US" sz="1400" dirty="0" err="1"/>
-              <a:t>Rinkeby</a:t>
-            </a:r>
-            <a:endParaRPr lang="en-US" sz="1400" dirty="0"/>
-          </a:p>
-          <a:p>
-            <a:pPr algn="just"/>
-            <a:endParaRPr lang="en-US" sz="2000" dirty="0"/>
+              <a:t>END State BAAS Architecture </a:t>
+            </a:r>
           </a:p>
         </p:txBody>
       </p:sp>
       <p:pic>
         <p:nvPicPr>
-          <p:cNvPr id="5122" name="Picture 2" descr="Related image">
-            <a:extLst>
-              <a:ext uri="{FF2B5EF4-FFF2-40B4-BE49-F238E27FC236}">
-                <a16:creationId xmlns:a16="http://schemas.microsoft.com/office/drawing/2014/main" id="{DCEA2D9B-AE58-477E-B210-E43991FF4701}"/>
-              </a:ext>
-            </a:extLst>
-          </p:cNvPr>
-          <p:cNvPicPr>
-            <a:picLocks noChangeAspect="1" noChangeArrowheads="1"/>
-          </p:cNvPicPr>
-          <p:nvPr/>
-        </p:nvPicPr>
-        <p:blipFill>
-          <a:blip r:embed="rId3" cstate="print">
-            <a:extLst>
-              <a:ext uri="{28A0092B-C50C-407E-A947-70E740481C1C}">
-                <a14:useLocalDpi xmlns:a14="http://schemas.microsoft.com/office/drawing/2010/main" val="0"/>
-              </a:ext>
-            </a:extLst>
-          </a:blip>
-          <a:srcRect/>
-          <a:stretch>
-            <a:fillRect/>
-          </a:stretch>
-        </p:blipFill>
-        <p:spPr bwMode="auto">
-          <a:xfrm>
-            <a:off x="6028693" y="1310808"/>
-            <a:ext cx="2969003" cy="3067710"/>
-          </a:xfrm>
-          <a:prstGeom prst="rect">
-            <a:avLst/>
-          </a:prstGeom>
-          <a:noFill/>
-          <a:extLst>
-            <a:ext uri="{909E8E84-426E-40DD-AFC4-6F175D3DCCD1}">
-              <a14:hiddenFill xmlns:a14="http://schemas.microsoft.com/office/drawing/2010/main">
-                <a:solidFill>
-                  <a:srgbClr val="FFFFFF"/>
-                </a:solidFill>
-              </a14:hiddenFill>
-            </a:ext>
-          </a:extLst>
-        </p:spPr>
-      </p:pic>
-      <p:pic>
-        <p:nvPicPr>
-          <p:cNvPr id="2" name="Picture 1">
-            <a:extLst>
-              <a:ext uri="{FF2B5EF4-FFF2-40B4-BE49-F238E27FC236}">
-                <a16:creationId xmlns:a16="http://schemas.microsoft.com/office/drawing/2014/main" id="{652CCB03-4C6E-4CB3-8203-E603268D32D4}"/>
+          <p:cNvPr id="4" name="Picture 3">
+            <a:extLst>
+              <a:ext uri="{FF2B5EF4-FFF2-40B4-BE49-F238E27FC236}">
+                <a16:creationId xmlns:a16="http://schemas.microsoft.com/office/drawing/2014/main" id="{DC4648A6-5469-479D-AC2A-2CEC3165BCC9}"/>
               </a:ext>
             </a:extLst>
           </p:cNvPr>
@@ -8724,25 +8739,36 @@
           <p:nvPr/>
         </p:nvPicPr>
         <p:blipFill>
-          <a:blip r:embed="rId4"/>
+          <a:blip r:embed="rId2">
+            <a:extLst>
+              <a:ext uri="{28A0092B-C50C-407E-A947-70E740481C1C}">
+                <a14:useLocalDpi xmlns:a14="http://schemas.microsoft.com/office/drawing/2010/main" val="0"/>
+              </a:ext>
+            </a:extLst>
+          </a:blip>
           <a:stretch>
             <a:fillRect/>
           </a:stretch>
         </p:blipFill>
         <p:spPr>
           <a:xfrm>
-            <a:off x="6028693" y="3988212"/>
-            <a:ext cx="5748779" cy="2770190"/>
+            <a:off x="180363" y="1042293"/>
+            <a:ext cx="11831274" cy="5602348"/>
           </a:xfrm>
           <a:prstGeom prst="rect">
             <a:avLst/>
           </a:prstGeom>
+          <a:ln>
+            <a:solidFill>
+              <a:schemeClr val="tx1"/>
+            </a:solidFill>
+          </a:ln>
         </p:spPr>
       </p:pic>
     </p:spTree>
     <p:extLst>
       <p:ext uri="{BB962C8B-B14F-4D97-AF65-F5344CB8AC3E}">
-        <p14:creationId xmlns:p14="http://schemas.microsoft.com/office/powerpoint/2010/main" val="1704684537"/>
+        <p14:creationId xmlns:p14="http://schemas.microsoft.com/office/powerpoint/2010/main" val="1956885687"/>
       </p:ext>
     </p:extLst>
   </p:cSld>
@@ -8769,12 +8795,40 @@
           <a:chExt cx="0" cy="0"/>
         </a:xfrm>
       </p:grpSpPr>
+      <p:sp>
+        <p:nvSpPr>
+          <p:cNvPr id="3" name="Title 2">
+            <a:extLst>
+              <a:ext uri="{FF2B5EF4-FFF2-40B4-BE49-F238E27FC236}">
+                <a16:creationId xmlns:a16="http://schemas.microsoft.com/office/drawing/2014/main" id="{01FCBCAC-37E2-4D22-9B54-5E4250B4FB23}"/>
+              </a:ext>
+            </a:extLst>
+          </p:cNvPr>
+          <p:cNvSpPr>
+            <a:spLocks noGrp="1"/>
+          </p:cNvSpPr>
+          <p:nvPr>
+            <p:ph type="title"/>
+          </p:nvPr>
+        </p:nvSpPr>
+        <p:spPr/>
+        <p:txBody>
+          <a:bodyPr/>
+          <a:lstStyle/>
+          <a:p>
+            <a:r>
+              <a:rPr lang="en-US" dirty="0"/>
+              <a:t>Current Demo Set Up</a:t>
+            </a:r>
+          </a:p>
+        </p:txBody>
+      </p:sp>
       <p:pic>
         <p:nvPicPr>
-          <p:cNvPr id="3" name="Picture 2">
-            <a:extLst>
-              <a:ext uri="{FF2B5EF4-FFF2-40B4-BE49-F238E27FC236}">
-                <a16:creationId xmlns:a16="http://schemas.microsoft.com/office/drawing/2014/main" id="{C568290D-8402-4995-BEA4-FE81C2832328}"/>
+          <p:cNvPr id="8" name="Picture 7">
+            <a:extLst>
+              <a:ext uri="{FF2B5EF4-FFF2-40B4-BE49-F238E27FC236}">
+                <a16:creationId xmlns:a16="http://schemas.microsoft.com/office/drawing/2014/main" id="{C18CBCED-E4C1-4F29-B1F0-E5727D563F16}"/>
               </a:ext>
             </a:extLst>
           </p:cNvPr>
@@ -8784,210 +8838,36 @@
           <p:nvPr/>
         </p:nvPicPr>
         <p:blipFill>
-          <a:blip r:embed="rId2"/>
+          <a:blip r:embed="rId2">
+            <a:extLst>
+              <a:ext uri="{28A0092B-C50C-407E-A947-70E740481C1C}">
+                <a14:useLocalDpi xmlns:a14="http://schemas.microsoft.com/office/drawing/2010/main" val="0"/>
+              </a:ext>
+            </a:extLst>
+          </a:blip>
           <a:stretch>
             <a:fillRect/>
           </a:stretch>
         </p:blipFill>
         <p:spPr>
           <a:xfrm>
-            <a:off x="5367170" y="0"/>
-            <a:ext cx="6824830" cy="6858000"/>
+            <a:off x="2292096" y="1109551"/>
+            <a:ext cx="7989379" cy="5418883"/>
           </a:xfrm>
           <a:prstGeom prst="rect">
             <a:avLst/>
           </a:prstGeom>
+          <a:ln>
+            <a:solidFill>
+              <a:schemeClr val="tx1"/>
+            </a:solidFill>
+          </a:ln>
         </p:spPr>
       </p:pic>
-      <p:sp>
-        <p:nvSpPr>
-          <p:cNvPr id="4" name="Title 2">
-            <a:extLst>
-              <a:ext uri="{FF2B5EF4-FFF2-40B4-BE49-F238E27FC236}">
-                <a16:creationId xmlns:a16="http://schemas.microsoft.com/office/drawing/2014/main" id="{94795480-F3ED-4202-878A-AFCAB21B646C}"/>
-              </a:ext>
-            </a:extLst>
-          </p:cNvPr>
-          <p:cNvSpPr txBox="1">
-            <a:spLocks/>
-          </p:cNvSpPr>
-          <p:nvPr/>
-        </p:nvSpPr>
-        <p:spPr>
-          <a:xfrm>
-            <a:off x="228600" y="296374"/>
-            <a:ext cx="4062984" cy="1325563"/>
-          </a:xfrm>
-          <a:prstGeom prst="rect">
-            <a:avLst/>
-          </a:prstGeom>
-        </p:spPr>
-        <p:txBody>
-          <a:bodyPr>
-            <a:normAutofit fontScale="75000" lnSpcReduction="20000"/>
-          </a:bodyPr>
-          <a:lstStyle>
-            <a:lvl1pPr algn="l" defTabSz="914400" rtl="0" eaLnBrk="1" latinLnBrk="0" hangingPunct="1">
-              <a:lnSpc>
-                <a:spcPct val="90000"/>
-              </a:lnSpc>
-              <a:spcBef>
-                <a:spcPct val="0"/>
-              </a:spcBef>
-              <a:buNone/>
-              <a:defRPr lang="en-US" sz="4800" b="1" kern="1200" cap="all" baseline="0" smtClean="0">
-                <a:solidFill>
-                  <a:schemeClr val="bg1"/>
-                </a:solidFill>
-                <a:latin typeface="+mj-lt"/>
-                <a:ea typeface="+mj-ea"/>
-                <a:cs typeface="+mj-cs"/>
-              </a:defRPr>
-            </a:lvl1pPr>
-          </a:lstStyle>
-          <a:p>
-            <a:r>
-              <a:rPr lang="en-US">
-                <a:solidFill>
-                  <a:schemeClr val="tx1"/>
-                </a:solidFill>
-              </a:rPr>
-              <a:t>Sample </a:t>
-            </a:r>
-            <a:br>
-              <a:rPr lang="en-US">
-                <a:solidFill>
-                  <a:schemeClr val="tx1"/>
-                </a:solidFill>
-              </a:rPr>
-            </a:br>
-            <a:r>
-              <a:rPr lang="en-US">
-                <a:solidFill>
-                  <a:schemeClr val="tx1"/>
-                </a:solidFill>
-              </a:rPr>
-              <a:t>SOLIDITY Contract</a:t>
-            </a:r>
-            <a:endParaRPr lang="en-US" dirty="0">
-              <a:solidFill>
-                <a:schemeClr val="tx1"/>
-              </a:solidFill>
-            </a:endParaRPr>
-          </a:p>
-        </p:txBody>
-      </p:sp>
-      <p:sp>
-        <p:nvSpPr>
-          <p:cNvPr id="5" name="TextBox 4">
-            <a:extLst>
-              <a:ext uri="{FF2B5EF4-FFF2-40B4-BE49-F238E27FC236}">
-                <a16:creationId xmlns:a16="http://schemas.microsoft.com/office/drawing/2014/main" id="{E6C14285-5399-4E30-8EAD-C571968E88A1}"/>
-              </a:ext>
-            </a:extLst>
-          </p:cNvPr>
-          <p:cNvSpPr txBox="1"/>
-          <p:nvPr/>
-        </p:nvSpPr>
-        <p:spPr>
-          <a:xfrm>
-            <a:off x="326136" y="1437271"/>
-            <a:ext cx="4696968" cy="369332"/>
-          </a:xfrm>
-          <a:prstGeom prst="rect">
-            <a:avLst/>
-          </a:prstGeom>
-          <a:noFill/>
-        </p:spPr>
-        <p:txBody>
-          <a:bodyPr wrap="square" rtlCol="0">
-            <a:spAutoFit/>
-          </a:bodyPr>
-          <a:lstStyle/>
-          <a:p>
-            <a:r>
-              <a:rPr lang="en-US" dirty="0"/>
-              <a:t>Online Editor - </a:t>
-            </a:r>
-            <a:r>
-              <a:rPr lang="en-US" dirty="0">
-                <a:hlinkClick r:id="rId3"/>
-              </a:rPr>
-              <a:t>https://remix.ethereum.org</a:t>
-            </a:r>
-            <a:endParaRPr lang="en-US" dirty="0"/>
-          </a:p>
-        </p:txBody>
-      </p:sp>
-      <p:sp>
-        <p:nvSpPr>
-          <p:cNvPr id="2" name="TextBox 1">
-            <a:extLst>
-              <a:ext uri="{FF2B5EF4-FFF2-40B4-BE49-F238E27FC236}">
-                <a16:creationId xmlns:a16="http://schemas.microsoft.com/office/drawing/2014/main" id="{57407B34-B2B5-4332-A411-132B7EF1B859}"/>
-              </a:ext>
-            </a:extLst>
-          </p:cNvPr>
-          <p:cNvSpPr txBox="1"/>
-          <p:nvPr/>
-        </p:nvSpPr>
-        <p:spPr>
-          <a:xfrm>
-            <a:off x="426720" y="2328672"/>
-            <a:ext cx="4940450" cy="2862322"/>
-          </a:xfrm>
-          <a:prstGeom prst="rect">
-            <a:avLst/>
-          </a:prstGeom>
-          <a:noFill/>
-        </p:spPr>
-        <p:txBody>
-          <a:bodyPr wrap="square" rtlCol="0">
-            <a:spAutoFit/>
-          </a:bodyPr>
-          <a:lstStyle/>
-          <a:p>
-            <a:r>
-              <a:rPr lang="en-US" dirty="0"/>
-              <a:t>ABI – Application Binary Interface </a:t>
-            </a:r>
-          </a:p>
-          <a:p>
-            <a:pPr marL="285750" indent="-285750">
-              <a:buFont typeface="Arial" panose="020B0604020202020204" pitchFamily="34" charset="0"/>
-              <a:buChar char="•"/>
-            </a:pPr>
-            <a:r>
-              <a:rPr lang="en-US" dirty="0"/>
-              <a:t>It is the standard way to interact with contracts, both from outside the blockchain and for contract-to-contract interaction. </a:t>
-            </a:r>
-          </a:p>
-          <a:p>
-            <a:pPr marL="285750" indent="-285750">
-              <a:buFont typeface="Arial" panose="020B0604020202020204" pitchFamily="34" charset="0"/>
-              <a:buChar char="•"/>
-            </a:pPr>
-            <a:r>
-              <a:rPr lang="en-US" dirty="0"/>
-              <a:t>Metadata for interacting with Smart contracts. It defines which functions you can invoke and their associated inputs/outputs.</a:t>
-            </a:r>
-          </a:p>
-          <a:p>
-            <a:pPr marL="285750" indent="-285750">
-              <a:buFont typeface="Arial" panose="020B0604020202020204" pitchFamily="34" charset="0"/>
-              <a:buChar char="•"/>
-            </a:pPr>
-            <a:r>
-              <a:rPr lang="en-US" dirty="0"/>
-              <a:t>Smart contract is stored as byte code in blockchain under a specific address known as contract address.</a:t>
-            </a:r>
-          </a:p>
-        </p:txBody>
-      </p:sp>
     </p:spTree>
     <p:extLst>
       <p:ext uri="{BB962C8B-B14F-4D97-AF65-F5344CB8AC3E}">
-        <p14:creationId xmlns:p14="http://schemas.microsoft.com/office/powerpoint/2010/main" val="839419340"/>
+        <p14:creationId xmlns:p14="http://schemas.microsoft.com/office/powerpoint/2010/main" val="830831817"/>
       </p:ext>
     </p:extLst>
   </p:cSld>
@@ -9016,6 +8896,530 @@
       </p:grpSpPr>
       <p:sp>
         <p:nvSpPr>
+          <p:cNvPr id="3" name="Title 2">
+            <a:extLst>
+              <a:ext uri="{FF2B5EF4-FFF2-40B4-BE49-F238E27FC236}">
+                <a16:creationId xmlns:a16="http://schemas.microsoft.com/office/drawing/2014/main" id="{79695BFC-A958-4523-AC5D-DF775D42E102}"/>
+              </a:ext>
+            </a:extLst>
+          </p:cNvPr>
+          <p:cNvSpPr>
+            <a:spLocks noGrp="1"/>
+          </p:cNvSpPr>
+          <p:nvPr>
+            <p:ph type="title"/>
+          </p:nvPr>
+        </p:nvSpPr>
+        <p:spPr/>
+        <p:txBody>
+          <a:bodyPr/>
+          <a:lstStyle/>
+          <a:p>
+            <a:r>
+              <a:rPr lang="en-US" dirty="0"/>
+              <a:t>Setting Up Private Network</a:t>
+            </a:r>
+          </a:p>
+        </p:txBody>
+      </p:sp>
+      <p:sp>
+        <p:nvSpPr>
+          <p:cNvPr id="5" name="Content Placeholder 2">
+            <a:extLst>
+              <a:ext uri="{FF2B5EF4-FFF2-40B4-BE49-F238E27FC236}">
+                <a16:creationId xmlns:a16="http://schemas.microsoft.com/office/drawing/2014/main" id="{FB58EEFA-7F07-462B-9BE1-F83EA3C64275}"/>
+              </a:ext>
+            </a:extLst>
+          </p:cNvPr>
+          <p:cNvSpPr>
+            <a:spLocks noGrp="1"/>
+          </p:cNvSpPr>
+          <p:nvPr>
+            <p:ph idx="1"/>
+          </p:nvPr>
+        </p:nvSpPr>
+        <p:spPr>
+          <a:xfrm>
+            <a:off x="113721" y="1655377"/>
+            <a:ext cx="6401379" cy="4440064"/>
+          </a:xfrm>
+        </p:spPr>
+        <p:txBody>
+          <a:bodyPr>
+            <a:noAutofit/>
+          </a:bodyPr>
+          <a:lstStyle/>
+          <a:p>
+            <a:pPr algn="just"/>
+            <a:r>
+              <a:rPr lang="en-US" sz="2000" dirty="0" err="1"/>
+              <a:t>Genesis.json</a:t>
+            </a:r>
+            <a:endParaRPr lang="en-US" sz="2000" dirty="0"/>
+          </a:p>
+          <a:p>
+            <a:pPr algn="just"/>
+            <a:r>
+              <a:rPr lang="en-US" sz="2000" dirty="0"/>
+              <a:t>Initialize network</a:t>
+            </a:r>
+          </a:p>
+          <a:p>
+            <a:pPr algn="just"/>
+            <a:r>
+              <a:rPr lang="en-US" sz="2000" dirty="0"/>
+              <a:t>Spin off various nodes (RPC, web3, mine).</a:t>
+            </a:r>
+          </a:p>
+          <a:p>
+            <a:pPr algn="just"/>
+            <a:r>
+              <a:rPr lang="en-US" sz="2000" dirty="0"/>
+              <a:t>Network communication across nodes and Static nodes</a:t>
+            </a:r>
+          </a:p>
+          <a:p>
+            <a:pPr algn="just"/>
+            <a:r>
+              <a:rPr lang="en-US" sz="2000" dirty="0"/>
+              <a:t>Each node contains full copy of blockchain </a:t>
+            </a:r>
+            <a:r>
+              <a:rPr lang="en-US" sz="2000" dirty="0" err="1"/>
+              <a:t>db</a:t>
+            </a:r>
+            <a:r>
+              <a:rPr lang="en-US" sz="2000" dirty="0"/>
+              <a:t> which stores a record of every transaction.</a:t>
+            </a:r>
+          </a:p>
+          <a:p>
+            <a:pPr algn="just"/>
+            <a:r>
+              <a:rPr lang="en-US" sz="2000" dirty="0"/>
+              <a:t>Different types of networks</a:t>
+            </a:r>
+          </a:p>
+          <a:p>
+            <a:pPr lvl="1" algn="just"/>
+            <a:r>
+              <a:rPr lang="en-US" sz="1600" dirty="0"/>
+              <a:t>Private </a:t>
+            </a:r>
+            <a:r>
+              <a:rPr lang="en-US" sz="1600" dirty="0" err="1"/>
+              <a:t>Newtorks</a:t>
+            </a:r>
+            <a:endParaRPr lang="en-US" sz="1600" dirty="0"/>
+          </a:p>
+          <a:p>
+            <a:pPr lvl="1" algn="just"/>
+            <a:r>
+              <a:rPr lang="en-US" sz="1600" dirty="0"/>
+              <a:t>Public networks</a:t>
+            </a:r>
+          </a:p>
+          <a:p>
+            <a:pPr lvl="2" algn="just"/>
+            <a:r>
+              <a:rPr lang="en-US" sz="1400" dirty="0"/>
+              <a:t>Main Network (Ether Based)</a:t>
+            </a:r>
+          </a:p>
+          <a:p>
+            <a:pPr lvl="2" algn="just"/>
+            <a:r>
+              <a:rPr lang="en-US" sz="1400" dirty="0">
+                <a:hlinkClick r:id="rId2"/>
+              </a:rPr>
+              <a:t>Test Networks</a:t>
+            </a:r>
+            <a:endParaRPr lang="en-US" sz="1400" dirty="0"/>
+          </a:p>
+          <a:p>
+            <a:pPr lvl="3" algn="just"/>
+            <a:r>
+              <a:rPr lang="en-US" sz="1400" dirty="0" err="1"/>
+              <a:t>Ropsten</a:t>
+            </a:r>
+            <a:endParaRPr lang="en-US" sz="1400" dirty="0"/>
+          </a:p>
+          <a:p>
+            <a:pPr lvl="3" algn="just"/>
+            <a:r>
+              <a:rPr lang="en-US" sz="1400" dirty="0" err="1"/>
+              <a:t>Kovan</a:t>
+            </a:r>
+            <a:endParaRPr lang="en-US" sz="1400" dirty="0"/>
+          </a:p>
+          <a:p>
+            <a:pPr lvl="3" algn="just"/>
+            <a:r>
+              <a:rPr lang="en-US" sz="1400" dirty="0" err="1"/>
+              <a:t>Rinkeby</a:t>
+            </a:r>
+            <a:endParaRPr lang="en-US" sz="1400" dirty="0"/>
+          </a:p>
+          <a:p>
+            <a:pPr algn="just"/>
+            <a:endParaRPr lang="en-US" sz="2000" dirty="0"/>
+          </a:p>
+        </p:txBody>
+      </p:sp>
+      <p:pic>
+        <p:nvPicPr>
+          <p:cNvPr id="5122" name="Picture 2" descr="Related image">
+            <a:extLst>
+              <a:ext uri="{FF2B5EF4-FFF2-40B4-BE49-F238E27FC236}">
+                <a16:creationId xmlns:a16="http://schemas.microsoft.com/office/drawing/2014/main" id="{DCEA2D9B-AE58-477E-B210-E43991FF4701}"/>
+              </a:ext>
+            </a:extLst>
+          </p:cNvPr>
+          <p:cNvPicPr>
+            <a:picLocks noChangeAspect="1" noChangeArrowheads="1"/>
+          </p:cNvPicPr>
+          <p:nvPr/>
+        </p:nvPicPr>
+        <p:blipFill>
+          <a:blip r:embed="rId3" cstate="print">
+            <a:extLst>
+              <a:ext uri="{28A0092B-C50C-407E-A947-70E740481C1C}">
+                <a14:useLocalDpi xmlns:a14="http://schemas.microsoft.com/office/drawing/2010/main" val="0"/>
+              </a:ext>
+            </a:extLst>
+          </a:blip>
+          <a:srcRect/>
+          <a:stretch>
+            <a:fillRect/>
+          </a:stretch>
+        </p:blipFill>
+        <p:spPr bwMode="auto">
+          <a:xfrm>
+            <a:off x="6028693" y="1310808"/>
+            <a:ext cx="2969003" cy="3067710"/>
+          </a:xfrm>
+          <a:prstGeom prst="rect">
+            <a:avLst/>
+          </a:prstGeom>
+          <a:noFill/>
+          <a:extLst>
+            <a:ext uri="{909E8E84-426E-40DD-AFC4-6F175D3DCCD1}">
+              <a14:hiddenFill xmlns:a14="http://schemas.microsoft.com/office/drawing/2010/main">
+                <a:solidFill>
+                  <a:srgbClr val="FFFFFF"/>
+                </a:solidFill>
+              </a14:hiddenFill>
+            </a:ext>
+          </a:extLst>
+        </p:spPr>
+      </p:pic>
+      <p:pic>
+        <p:nvPicPr>
+          <p:cNvPr id="2" name="Picture 1">
+            <a:extLst>
+              <a:ext uri="{FF2B5EF4-FFF2-40B4-BE49-F238E27FC236}">
+                <a16:creationId xmlns:a16="http://schemas.microsoft.com/office/drawing/2014/main" id="{652CCB03-4C6E-4CB3-8203-E603268D32D4}"/>
+              </a:ext>
+            </a:extLst>
+          </p:cNvPr>
+          <p:cNvPicPr>
+            <a:picLocks noChangeAspect="1"/>
+          </p:cNvPicPr>
+          <p:nvPr/>
+        </p:nvPicPr>
+        <p:blipFill>
+          <a:blip r:embed="rId4"/>
+          <a:stretch>
+            <a:fillRect/>
+          </a:stretch>
+        </p:blipFill>
+        <p:spPr>
+          <a:xfrm>
+            <a:off x="6028693" y="3988212"/>
+            <a:ext cx="5748779" cy="2770190"/>
+          </a:xfrm>
+          <a:prstGeom prst="rect">
+            <a:avLst/>
+          </a:prstGeom>
+        </p:spPr>
+      </p:pic>
+    </p:spTree>
+    <p:extLst>
+      <p:ext uri="{BB962C8B-B14F-4D97-AF65-F5344CB8AC3E}">
+        <p14:creationId xmlns:p14="http://schemas.microsoft.com/office/powerpoint/2010/main" val="1704684537"/>
+      </p:ext>
+    </p:extLst>
+  </p:cSld>
+  <p:clrMapOvr>
+    <a:masterClrMapping/>
+  </p:clrMapOvr>
+</p:sld>
+</file>
+
+<file path=ppt/slides/slide15.xml><?xml version="1.0" encoding="utf-8"?>
+<p:sld xmlns:a="http://schemas.openxmlformats.org/drawingml/2006/main" xmlns:r="http://schemas.openxmlformats.org/officeDocument/2006/relationships" xmlns:p="http://schemas.openxmlformats.org/presentationml/2006/main">
+  <p:cSld>
+    <p:spTree>
+      <p:nvGrpSpPr>
+        <p:cNvPr id="1" name=""/>
+        <p:cNvGrpSpPr/>
+        <p:nvPr/>
+      </p:nvGrpSpPr>
+      <p:grpSpPr>
+        <a:xfrm>
+          <a:off x="0" y="0"/>
+          <a:ext cx="0" cy="0"/>
+          <a:chOff x="0" y="0"/>
+          <a:chExt cx="0" cy="0"/>
+        </a:xfrm>
+      </p:grpSpPr>
+      <p:pic>
+        <p:nvPicPr>
+          <p:cNvPr id="3" name="Picture 2">
+            <a:extLst>
+              <a:ext uri="{FF2B5EF4-FFF2-40B4-BE49-F238E27FC236}">
+                <a16:creationId xmlns:a16="http://schemas.microsoft.com/office/drawing/2014/main" id="{C568290D-8402-4995-BEA4-FE81C2832328}"/>
+              </a:ext>
+            </a:extLst>
+          </p:cNvPr>
+          <p:cNvPicPr>
+            <a:picLocks noChangeAspect="1"/>
+          </p:cNvPicPr>
+          <p:nvPr/>
+        </p:nvPicPr>
+        <p:blipFill>
+          <a:blip r:embed="rId2"/>
+          <a:stretch>
+            <a:fillRect/>
+          </a:stretch>
+        </p:blipFill>
+        <p:spPr>
+          <a:xfrm>
+            <a:off x="5367170" y="0"/>
+            <a:ext cx="6824830" cy="6858000"/>
+          </a:xfrm>
+          <a:prstGeom prst="rect">
+            <a:avLst/>
+          </a:prstGeom>
+        </p:spPr>
+      </p:pic>
+      <p:sp>
+        <p:nvSpPr>
+          <p:cNvPr id="4" name="Title 2">
+            <a:extLst>
+              <a:ext uri="{FF2B5EF4-FFF2-40B4-BE49-F238E27FC236}">
+                <a16:creationId xmlns:a16="http://schemas.microsoft.com/office/drawing/2014/main" id="{94795480-F3ED-4202-878A-AFCAB21B646C}"/>
+              </a:ext>
+            </a:extLst>
+          </p:cNvPr>
+          <p:cNvSpPr txBox="1">
+            <a:spLocks/>
+          </p:cNvSpPr>
+          <p:nvPr/>
+        </p:nvSpPr>
+        <p:spPr>
+          <a:xfrm>
+            <a:off x="228600" y="296374"/>
+            <a:ext cx="4062984" cy="1325563"/>
+          </a:xfrm>
+          <a:prstGeom prst="rect">
+            <a:avLst/>
+          </a:prstGeom>
+        </p:spPr>
+        <p:txBody>
+          <a:bodyPr>
+            <a:normAutofit fontScale="75000" lnSpcReduction="20000"/>
+          </a:bodyPr>
+          <a:lstStyle>
+            <a:lvl1pPr algn="l" defTabSz="914400" rtl="0" eaLnBrk="1" latinLnBrk="0" hangingPunct="1">
+              <a:lnSpc>
+                <a:spcPct val="90000"/>
+              </a:lnSpc>
+              <a:spcBef>
+                <a:spcPct val="0"/>
+              </a:spcBef>
+              <a:buNone/>
+              <a:defRPr lang="en-US" sz="4800" b="1" kern="1200" cap="all" baseline="0" smtClean="0">
+                <a:solidFill>
+                  <a:schemeClr val="bg1"/>
+                </a:solidFill>
+                <a:latin typeface="+mj-lt"/>
+                <a:ea typeface="+mj-ea"/>
+                <a:cs typeface="+mj-cs"/>
+              </a:defRPr>
+            </a:lvl1pPr>
+          </a:lstStyle>
+          <a:p>
+            <a:r>
+              <a:rPr lang="en-US">
+                <a:solidFill>
+                  <a:schemeClr val="tx1"/>
+                </a:solidFill>
+              </a:rPr>
+              <a:t>Sample </a:t>
+            </a:r>
+            <a:br>
+              <a:rPr lang="en-US">
+                <a:solidFill>
+                  <a:schemeClr val="tx1"/>
+                </a:solidFill>
+              </a:rPr>
+            </a:br>
+            <a:r>
+              <a:rPr lang="en-US">
+                <a:solidFill>
+                  <a:schemeClr val="tx1"/>
+                </a:solidFill>
+              </a:rPr>
+              <a:t>SOLIDITY Contract</a:t>
+            </a:r>
+            <a:endParaRPr lang="en-US" dirty="0">
+              <a:solidFill>
+                <a:schemeClr val="tx1"/>
+              </a:solidFill>
+            </a:endParaRPr>
+          </a:p>
+        </p:txBody>
+      </p:sp>
+      <p:sp>
+        <p:nvSpPr>
+          <p:cNvPr id="5" name="TextBox 4">
+            <a:extLst>
+              <a:ext uri="{FF2B5EF4-FFF2-40B4-BE49-F238E27FC236}">
+                <a16:creationId xmlns:a16="http://schemas.microsoft.com/office/drawing/2014/main" id="{E6C14285-5399-4E30-8EAD-C571968E88A1}"/>
+              </a:ext>
+            </a:extLst>
+          </p:cNvPr>
+          <p:cNvSpPr txBox="1"/>
+          <p:nvPr/>
+        </p:nvSpPr>
+        <p:spPr>
+          <a:xfrm>
+            <a:off x="326136" y="1437271"/>
+            <a:ext cx="4696968" cy="369332"/>
+          </a:xfrm>
+          <a:prstGeom prst="rect">
+            <a:avLst/>
+          </a:prstGeom>
+          <a:noFill/>
+        </p:spPr>
+        <p:txBody>
+          <a:bodyPr wrap="square" rtlCol="0">
+            <a:spAutoFit/>
+          </a:bodyPr>
+          <a:lstStyle/>
+          <a:p>
+            <a:r>
+              <a:rPr lang="en-US" dirty="0"/>
+              <a:t>Online Editor - </a:t>
+            </a:r>
+            <a:r>
+              <a:rPr lang="en-US" dirty="0">
+                <a:hlinkClick r:id="rId3"/>
+              </a:rPr>
+              <a:t>https://remix.ethereum.org</a:t>
+            </a:r>
+            <a:endParaRPr lang="en-US" dirty="0"/>
+          </a:p>
+        </p:txBody>
+      </p:sp>
+      <p:sp>
+        <p:nvSpPr>
+          <p:cNvPr id="2" name="TextBox 1">
+            <a:extLst>
+              <a:ext uri="{FF2B5EF4-FFF2-40B4-BE49-F238E27FC236}">
+                <a16:creationId xmlns:a16="http://schemas.microsoft.com/office/drawing/2014/main" id="{57407B34-B2B5-4332-A411-132B7EF1B859}"/>
+              </a:ext>
+            </a:extLst>
+          </p:cNvPr>
+          <p:cNvSpPr txBox="1"/>
+          <p:nvPr/>
+        </p:nvSpPr>
+        <p:spPr>
+          <a:xfrm>
+            <a:off x="426720" y="2328672"/>
+            <a:ext cx="4940450" cy="2862322"/>
+          </a:xfrm>
+          <a:prstGeom prst="rect">
+            <a:avLst/>
+          </a:prstGeom>
+          <a:noFill/>
+        </p:spPr>
+        <p:txBody>
+          <a:bodyPr wrap="square" rtlCol="0">
+            <a:spAutoFit/>
+          </a:bodyPr>
+          <a:lstStyle/>
+          <a:p>
+            <a:r>
+              <a:rPr lang="en-US" dirty="0"/>
+              <a:t>ABI – Application Binary Interface </a:t>
+            </a:r>
+          </a:p>
+          <a:p>
+            <a:pPr marL="285750" indent="-285750">
+              <a:buFont typeface="Arial" panose="020B0604020202020204" pitchFamily="34" charset="0"/>
+              <a:buChar char="•"/>
+            </a:pPr>
+            <a:r>
+              <a:rPr lang="en-US" dirty="0"/>
+              <a:t>It is the standard way to interact with contracts, both from outside the blockchain and for contract-to-contract interaction. </a:t>
+            </a:r>
+          </a:p>
+          <a:p>
+            <a:pPr marL="285750" indent="-285750">
+              <a:buFont typeface="Arial" panose="020B0604020202020204" pitchFamily="34" charset="0"/>
+              <a:buChar char="•"/>
+            </a:pPr>
+            <a:r>
+              <a:rPr lang="en-US" dirty="0"/>
+              <a:t>Metadata for interacting with Smart contracts. It defines which functions you can invoke and their associated inputs/outputs.</a:t>
+            </a:r>
+          </a:p>
+          <a:p>
+            <a:pPr marL="285750" indent="-285750">
+              <a:buFont typeface="Arial" panose="020B0604020202020204" pitchFamily="34" charset="0"/>
+              <a:buChar char="•"/>
+            </a:pPr>
+            <a:r>
+              <a:rPr lang="en-US" dirty="0"/>
+              <a:t>Smart contract is stored as byte code in blockchain under a specific address known as contract address.</a:t>
+            </a:r>
+          </a:p>
+        </p:txBody>
+      </p:sp>
+    </p:spTree>
+    <p:extLst>
+      <p:ext uri="{BB962C8B-B14F-4D97-AF65-F5344CB8AC3E}">
+        <p14:creationId xmlns:p14="http://schemas.microsoft.com/office/powerpoint/2010/main" val="839419340"/>
+      </p:ext>
+    </p:extLst>
+  </p:cSld>
+  <p:clrMapOvr>
+    <a:masterClrMapping/>
+  </p:clrMapOvr>
+</p:sld>
+</file>
+
+<file path=ppt/slides/slide16.xml><?xml version="1.0" encoding="utf-8"?>
+<p:sld xmlns:a="http://schemas.openxmlformats.org/drawingml/2006/main" xmlns:r="http://schemas.openxmlformats.org/officeDocument/2006/relationships" xmlns:p="http://schemas.openxmlformats.org/presentationml/2006/main">
+  <p:cSld>
+    <p:spTree>
+      <p:nvGrpSpPr>
+        <p:cNvPr id="1" name=""/>
+        <p:cNvGrpSpPr/>
+        <p:nvPr/>
+      </p:nvGrpSpPr>
+      <p:grpSpPr>
+        <a:xfrm>
+          <a:off x="0" y="0"/>
+          <a:ext cx="0" cy="0"/>
+          <a:chOff x="0" y="0"/>
+          <a:chExt cx="0" cy="0"/>
+        </a:xfrm>
+      </p:grpSpPr>
+      <p:sp>
+        <p:nvSpPr>
           <p:cNvPr id="5" name="Title 4">
             <a:extLst>
               <a:ext uri="{FF2B5EF4-FFF2-40B4-BE49-F238E27FC236}">
@@ -9065,7 +9469,7 @@
 </p:sld>
 </file>
 
-<file path=ppt/slides/slide15.xml><?xml version="1.0" encoding="utf-8"?>
+<file path=ppt/slides/slide17.xml><?xml version="1.0" encoding="utf-8"?>
 <p:sld xmlns:a="http://schemas.openxmlformats.org/drawingml/2006/main" xmlns:r="http://schemas.openxmlformats.org/officeDocument/2006/relationships" xmlns:p="http://schemas.openxmlformats.org/presentationml/2006/main">
   <p:cSld>
     <p:spTree>
@@ -11260,7 +11664,7 @@
 </p:sld>
 </file>
 
-<file path=ppt/slides/slide16.xml><?xml version="1.0" encoding="utf-8"?>
+<file path=ppt/slides/slide18.xml><?xml version="1.0" encoding="utf-8"?>
 <p:sld xmlns:a="http://schemas.openxmlformats.org/drawingml/2006/main" xmlns:r="http://schemas.openxmlformats.org/officeDocument/2006/relationships" xmlns:p="http://schemas.openxmlformats.org/presentationml/2006/main">
   <p:cSld>
     <p:spTree>
@@ -11375,7 +11779,7 @@
 </p:sld>
 </file>
 
-<file path=ppt/slides/slide17.xml><?xml version="1.0" encoding="utf-8"?>
+<file path=ppt/slides/slide19.xml><?xml version="1.0" encoding="utf-8"?>
 <p:sld xmlns:a="http://schemas.openxmlformats.org/drawingml/2006/main" xmlns:r="http://schemas.openxmlformats.org/officeDocument/2006/relationships" xmlns:p="http://schemas.openxmlformats.org/presentationml/2006/main">
   <p:cSld>
     <p:spTree>
@@ -11945,7 +12349,202 @@
 </p:sld>
 </file>
 
-<file path=ppt/slides/slide18.xml><?xml version="1.0" encoding="utf-8"?>
+<file path=ppt/slides/slide2.xml><?xml version="1.0" encoding="utf-8"?>
+<p:sld xmlns:a="http://schemas.openxmlformats.org/drawingml/2006/main" xmlns:r="http://schemas.openxmlformats.org/officeDocument/2006/relationships" xmlns:p="http://schemas.openxmlformats.org/presentationml/2006/main">
+  <p:cSld>
+    <p:spTree>
+      <p:nvGrpSpPr>
+        <p:cNvPr id="1" name=""/>
+        <p:cNvGrpSpPr/>
+        <p:nvPr/>
+      </p:nvGrpSpPr>
+      <p:grpSpPr>
+        <a:xfrm>
+          <a:off x="0" y="0"/>
+          <a:ext cx="0" cy="0"/>
+          <a:chOff x="0" y="0"/>
+          <a:chExt cx="0" cy="0"/>
+        </a:xfrm>
+      </p:grpSpPr>
+      <p:pic>
+        <p:nvPicPr>
+          <p:cNvPr id="5" name="Picture 4">
+            <a:extLst>
+              <a:ext uri="{FF2B5EF4-FFF2-40B4-BE49-F238E27FC236}">
+                <a16:creationId xmlns:a16="http://schemas.microsoft.com/office/drawing/2014/main" id="{BF9F4FA9-DEEE-4D8B-AEF2-95204816E78D}"/>
+              </a:ext>
+            </a:extLst>
+          </p:cNvPr>
+          <p:cNvPicPr>
+            <a:picLocks noChangeAspect="1"/>
+          </p:cNvPicPr>
+          <p:nvPr/>
+        </p:nvPicPr>
+        <p:blipFill>
+          <a:blip r:embed="rId2" cstate="print">
+            <a:extLst>
+              <a:ext uri="{28A0092B-C50C-407E-A947-70E740481C1C}">
+                <a14:useLocalDpi xmlns:a14="http://schemas.microsoft.com/office/drawing/2010/main" val="0"/>
+              </a:ext>
+            </a:extLst>
+          </a:blip>
+          <a:stretch>
+            <a:fillRect/>
+          </a:stretch>
+        </p:blipFill>
+        <p:spPr>
+          <a:xfrm>
+            <a:off x="967323" y="1246696"/>
+            <a:ext cx="10257355" cy="3152538"/>
+          </a:xfrm>
+          <a:prstGeom prst="rect">
+            <a:avLst/>
+          </a:prstGeom>
+        </p:spPr>
+      </p:pic>
+      <p:sp>
+        <p:nvSpPr>
+          <p:cNvPr id="6" name="TextBox 3">
+            <a:extLst>
+              <a:ext uri="{FF2B5EF4-FFF2-40B4-BE49-F238E27FC236}">
+                <a16:creationId xmlns:a16="http://schemas.microsoft.com/office/drawing/2014/main" id="{2C073C10-2823-4B03-A0D1-20338368ADDD}"/>
+              </a:ext>
+            </a:extLst>
+          </p:cNvPr>
+          <p:cNvSpPr txBox="1"/>
+          <p:nvPr/>
+        </p:nvSpPr>
+        <p:spPr>
+          <a:xfrm>
+            <a:off x="4422612" y="5057306"/>
+            <a:ext cx="2971839" cy="553998"/>
+          </a:xfrm>
+          <a:prstGeom prst="rect">
+            <a:avLst/>
+          </a:prstGeom>
+          <a:noFill/>
+        </p:spPr>
+        <p:txBody>
+          <a:bodyPr wrap="none" rtlCol="0">
+            <a:spAutoFit/>
+          </a:bodyPr>
+          <a:lstStyle>
+            <a:defPPr>
+              <a:defRPr lang="en-US"/>
+            </a:defPPr>
+            <a:lvl1pPr marL="0" algn="l" defTabSz="914400" rtl="0" eaLnBrk="1" latinLnBrk="0" hangingPunct="1">
+              <a:defRPr sz="1800" kern="1200">
+                <a:solidFill>
+                  <a:schemeClr val="tx1"/>
+                </a:solidFill>
+                <a:latin typeface="+mn-lt"/>
+                <a:ea typeface="+mn-ea"/>
+                <a:cs typeface="+mn-cs"/>
+              </a:defRPr>
+            </a:lvl1pPr>
+            <a:lvl2pPr marL="457200" algn="l" defTabSz="914400" rtl="0" eaLnBrk="1" latinLnBrk="0" hangingPunct="1">
+              <a:defRPr sz="1800" kern="1200">
+                <a:solidFill>
+                  <a:schemeClr val="tx1"/>
+                </a:solidFill>
+                <a:latin typeface="+mn-lt"/>
+                <a:ea typeface="+mn-ea"/>
+                <a:cs typeface="+mn-cs"/>
+              </a:defRPr>
+            </a:lvl2pPr>
+            <a:lvl3pPr marL="914400" algn="l" defTabSz="914400" rtl="0" eaLnBrk="1" latinLnBrk="0" hangingPunct="1">
+              <a:defRPr sz="1800" kern="1200">
+                <a:solidFill>
+                  <a:schemeClr val="tx1"/>
+                </a:solidFill>
+                <a:latin typeface="+mn-lt"/>
+                <a:ea typeface="+mn-ea"/>
+                <a:cs typeface="+mn-cs"/>
+              </a:defRPr>
+            </a:lvl3pPr>
+            <a:lvl4pPr marL="1371600" algn="l" defTabSz="914400" rtl="0" eaLnBrk="1" latinLnBrk="0" hangingPunct="1">
+              <a:defRPr sz="1800" kern="1200">
+                <a:solidFill>
+                  <a:schemeClr val="tx1"/>
+                </a:solidFill>
+                <a:latin typeface="+mn-lt"/>
+                <a:ea typeface="+mn-ea"/>
+                <a:cs typeface="+mn-cs"/>
+              </a:defRPr>
+            </a:lvl4pPr>
+            <a:lvl5pPr marL="1828800" algn="l" defTabSz="914400" rtl="0" eaLnBrk="1" latinLnBrk="0" hangingPunct="1">
+              <a:defRPr sz="1800" kern="1200">
+                <a:solidFill>
+                  <a:schemeClr val="tx1"/>
+                </a:solidFill>
+                <a:latin typeface="+mn-lt"/>
+                <a:ea typeface="+mn-ea"/>
+                <a:cs typeface="+mn-cs"/>
+              </a:defRPr>
+            </a:lvl5pPr>
+            <a:lvl6pPr marL="2286000" algn="l" defTabSz="914400" rtl="0" eaLnBrk="1" latinLnBrk="0" hangingPunct="1">
+              <a:defRPr sz="1800" kern="1200">
+                <a:solidFill>
+                  <a:schemeClr val="tx1"/>
+                </a:solidFill>
+                <a:latin typeface="+mn-lt"/>
+                <a:ea typeface="+mn-ea"/>
+                <a:cs typeface="+mn-cs"/>
+              </a:defRPr>
+            </a:lvl6pPr>
+            <a:lvl7pPr marL="2743200" algn="l" defTabSz="914400" rtl="0" eaLnBrk="1" latinLnBrk="0" hangingPunct="1">
+              <a:defRPr sz="1800" kern="1200">
+                <a:solidFill>
+                  <a:schemeClr val="tx1"/>
+                </a:solidFill>
+                <a:latin typeface="+mn-lt"/>
+                <a:ea typeface="+mn-ea"/>
+                <a:cs typeface="+mn-cs"/>
+              </a:defRPr>
+            </a:lvl7pPr>
+            <a:lvl8pPr marL="3200400" algn="l" defTabSz="914400" rtl="0" eaLnBrk="1" latinLnBrk="0" hangingPunct="1">
+              <a:defRPr sz="1800" kern="1200">
+                <a:solidFill>
+                  <a:schemeClr val="tx1"/>
+                </a:solidFill>
+                <a:latin typeface="+mn-lt"/>
+                <a:ea typeface="+mn-ea"/>
+                <a:cs typeface="+mn-cs"/>
+              </a:defRPr>
+            </a:lvl8pPr>
+            <a:lvl9pPr marL="3657600" algn="l" defTabSz="914400" rtl="0" eaLnBrk="1" latinLnBrk="0" hangingPunct="1">
+              <a:defRPr sz="1800" kern="1200">
+                <a:solidFill>
+                  <a:schemeClr val="tx1"/>
+                </a:solidFill>
+                <a:latin typeface="+mn-lt"/>
+                <a:ea typeface="+mn-ea"/>
+                <a:cs typeface="+mn-cs"/>
+              </a:defRPr>
+            </a:lvl9pPr>
+          </a:lstStyle>
+          <a:p>
+            <a:r>
+              <a:rPr lang="en-US" sz="3000" dirty="0"/>
+              <a:t>Marquee Sponsor</a:t>
+            </a:r>
+          </a:p>
+        </p:txBody>
+      </p:sp>
+    </p:spTree>
+    <p:extLst>
+      <p:ext uri="{BB962C8B-B14F-4D97-AF65-F5344CB8AC3E}">
+        <p14:creationId xmlns:p14="http://schemas.microsoft.com/office/powerpoint/2010/main" val="1850932455"/>
+      </p:ext>
+    </p:extLst>
+  </p:cSld>
+  <p:clrMapOvr>
+    <a:masterClrMapping/>
+  </p:clrMapOvr>
+</p:sld>
+</file>
+
+<file path=ppt/slides/slide20.xml><?xml version="1.0" encoding="utf-8"?>
 <p:sld xmlns:a="http://schemas.openxmlformats.org/drawingml/2006/main" xmlns:r="http://schemas.openxmlformats.org/officeDocument/2006/relationships" xmlns:p="http://schemas.openxmlformats.org/presentationml/2006/main">
   <p:cSld>
     <p:spTree>
@@ -12022,7 +12621,7 @@
 </p:sld>
 </file>
 
-<file path=ppt/slides/slide19.xml><?xml version="1.0" encoding="utf-8"?>
+<file path=ppt/slides/slide21.xml><?xml version="1.0" encoding="utf-8"?>
 <p:sld xmlns:a="http://schemas.openxmlformats.org/drawingml/2006/main" xmlns:r="http://schemas.openxmlformats.org/officeDocument/2006/relationships" xmlns:p="http://schemas.openxmlformats.org/presentationml/2006/main">
   <p:cSld>
     <p:spTree>
@@ -12090,187 +12689,6 @@
     <p:extLst>
       <p:ext uri="{BB962C8B-B14F-4D97-AF65-F5344CB8AC3E}">
         <p14:creationId xmlns:p14="http://schemas.microsoft.com/office/powerpoint/2010/main" val="4183868056"/>
-      </p:ext>
-    </p:extLst>
-  </p:cSld>
-  <p:clrMapOvr>
-    <a:masterClrMapping/>
-  </p:clrMapOvr>
-</p:sld>
-</file>
-
-<file path=ppt/slides/slide2.xml><?xml version="1.0" encoding="utf-8"?>
-<p:sld xmlns:a="http://schemas.openxmlformats.org/drawingml/2006/main" xmlns:r="http://schemas.openxmlformats.org/officeDocument/2006/relationships" xmlns:p="http://schemas.openxmlformats.org/presentationml/2006/main">
-  <p:cSld>
-    <p:spTree>
-      <p:nvGrpSpPr>
-        <p:cNvPr id="1" name=""/>
-        <p:cNvGrpSpPr/>
-        <p:nvPr/>
-      </p:nvGrpSpPr>
-      <p:grpSpPr>
-        <a:xfrm>
-          <a:off x="0" y="0"/>
-          <a:ext cx="0" cy="0"/>
-          <a:chOff x="0" y="0"/>
-          <a:chExt cx="0" cy="0"/>
-        </a:xfrm>
-      </p:grpSpPr>
-      <p:sp>
-        <p:nvSpPr>
-          <p:cNvPr id="3" name="Content Placeholder 2"/>
-          <p:cNvSpPr>
-            <a:spLocks noGrp="1"/>
-          </p:cNvSpPr>
-          <p:nvPr>
-            <p:ph idx="1"/>
-          </p:nvPr>
-        </p:nvSpPr>
-        <p:spPr>
-          <a:xfrm>
-            <a:off x="560408" y="2171763"/>
-            <a:ext cx="10515600" cy="3970476"/>
-          </a:xfrm>
-        </p:spPr>
-        <p:txBody>
-          <a:bodyPr>
-            <a:noAutofit/>
-          </a:bodyPr>
-          <a:lstStyle/>
-          <a:p>
-            <a:pPr algn="just"/>
-            <a:r>
-              <a:rPr lang="en-US" sz="2800" dirty="0"/>
-              <a:t>My Blog - </a:t>
-            </a:r>
-            <a:r>
-              <a:rPr lang="en-US" sz="2800" dirty="0">
-                <a:hlinkClick r:id="rId3"/>
-              </a:rPr>
-              <a:t>https://mytechnetknowhows.wordpress.com/</a:t>
-            </a:r>
-            <a:endParaRPr lang="en-US" sz="2800" dirty="0"/>
-          </a:p>
-          <a:p>
-            <a:pPr algn="just"/>
-            <a:r>
-              <a:rPr lang="en-US" sz="2800" dirty="0"/>
-              <a:t>Linked In - </a:t>
-            </a:r>
-            <a:r>
-              <a:rPr lang="en-US" sz="2800" dirty="0">
-                <a:hlinkClick r:id="rId4"/>
-              </a:rPr>
-              <a:t>http://www.linkedin.com/in/aamolgote</a:t>
-            </a:r>
-            <a:endParaRPr lang="en-US" sz="2800" dirty="0"/>
-          </a:p>
-          <a:p>
-            <a:pPr algn="just"/>
-            <a:r>
-              <a:rPr lang="en-US" sz="2800" dirty="0"/>
-              <a:t>GitHub - </a:t>
-            </a:r>
-            <a:r>
-              <a:rPr lang="en-US" sz="2800" dirty="0">
-                <a:hlinkClick r:id="rId5"/>
-              </a:rPr>
-              <a:t>https://github.com/aamolgote/</a:t>
-            </a:r>
-            <a:endParaRPr lang="en-US" sz="2800" dirty="0"/>
-          </a:p>
-          <a:p>
-            <a:pPr marL="1371600" lvl="3" indent="0" algn="just">
-              <a:buNone/>
-            </a:pPr>
-            <a:r>
-              <a:rPr lang="en-US" sz="2800" dirty="0"/>
-              <a:t>  </a:t>
-            </a:r>
-            <a:r>
-              <a:rPr lang="en-US" sz="2800" dirty="0">
-                <a:hlinkClick r:id="rId6"/>
-              </a:rPr>
-              <a:t>https://github.com/aamolgote/codecampynyc2018</a:t>
-            </a:r>
-            <a:endParaRPr lang="en-US" sz="2800" dirty="0"/>
-          </a:p>
-          <a:p>
-            <a:pPr algn="just"/>
-            <a:r>
-              <a:rPr lang="en-US" sz="2800" dirty="0"/>
-              <a:t>Twitter - </a:t>
-            </a:r>
-            <a:r>
-              <a:rPr lang="en-US" sz="2800" dirty="0">
-                <a:hlinkClick r:id="rId7"/>
-              </a:rPr>
-              <a:t>@</a:t>
-            </a:r>
-            <a:r>
-              <a:rPr lang="en-US" sz="2800" dirty="0" err="1">
-                <a:hlinkClick r:id="rId7"/>
-              </a:rPr>
-              <a:t>mytechnetnohows</a:t>
-            </a:r>
-            <a:endParaRPr lang="en-US" sz="2800" dirty="0"/>
-          </a:p>
-        </p:txBody>
-      </p:sp>
-      <p:sp>
-        <p:nvSpPr>
-          <p:cNvPr id="6" name="Slide Number Placeholder 5"/>
-          <p:cNvSpPr>
-            <a:spLocks noGrp="1"/>
-          </p:cNvSpPr>
-          <p:nvPr>
-            <p:ph type="sldNum" sz="quarter" idx="12"/>
-          </p:nvPr>
-        </p:nvSpPr>
-        <p:spPr/>
-        <p:txBody>
-          <a:bodyPr/>
-          <a:lstStyle/>
-          <a:p>
-            <a:fld id="{0FA269BB-9CF1-436E-9ADF-E46804694E4E}" type="slidenum">
-              <a:rPr lang="en-US" smtClean="0"/>
-              <a:t>2</a:t>
-            </a:fld>
-            <a:endParaRPr lang="en-US"/>
-          </a:p>
-        </p:txBody>
-      </p:sp>
-      <p:sp>
-        <p:nvSpPr>
-          <p:cNvPr id="2" name="Title 1"/>
-          <p:cNvSpPr>
-            <a:spLocks noGrp="1"/>
-          </p:cNvSpPr>
-          <p:nvPr>
-            <p:ph type="title"/>
-          </p:nvPr>
-        </p:nvSpPr>
-        <p:spPr>
-          <a:xfrm>
-            <a:off x="838200" y="15958"/>
-            <a:ext cx="11353800" cy="823253"/>
-          </a:xfrm>
-        </p:spPr>
-        <p:txBody>
-          <a:bodyPr/>
-          <a:lstStyle/>
-          <a:p>
-            <a:r>
-              <a:rPr lang="en-US" dirty="0"/>
-              <a:t>About ME</a:t>
-            </a:r>
-          </a:p>
-        </p:txBody>
-      </p:sp>
-    </p:spTree>
-    <p:extLst>
-      <p:ext uri="{BB962C8B-B14F-4D97-AF65-F5344CB8AC3E}">
-        <p14:creationId xmlns:p14="http://schemas.microsoft.com/office/powerpoint/2010/main" val="1396314986"/>
       </p:ext>
     </p:extLst>
   </p:cSld>
@@ -12297,132 +12715,513 @@
           <a:chExt cx="0" cy="0"/>
         </a:xfrm>
       </p:grpSpPr>
-      <p:sp>
-        <p:nvSpPr>
-          <p:cNvPr id="3" name="Content Placeholder 2"/>
-          <p:cNvSpPr>
-            <a:spLocks noGrp="1"/>
-          </p:cNvSpPr>
-          <p:nvPr>
-            <p:ph idx="1"/>
-          </p:nvPr>
-        </p:nvSpPr>
+      <p:pic>
+        <p:nvPicPr>
+          <p:cNvPr id="5" name="Graphic 4">
+            <a:extLst>
+              <a:ext uri="{FF2B5EF4-FFF2-40B4-BE49-F238E27FC236}">
+                <a16:creationId xmlns:a16="http://schemas.microsoft.com/office/drawing/2014/main" id="{AE8D7785-3BC4-4BF8-AE70-1E0E8DDD186D}"/>
+              </a:ext>
+            </a:extLst>
+          </p:cNvPr>
+          <p:cNvPicPr>
+            <a:picLocks noChangeAspect="1"/>
+          </p:cNvPicPr>
+          <p:nvPr/>
+        </p:nvPicPr>
+        <p:blipFill>
+          <a:blip r:embed="rId2">
+            <a:extLst>
+              <a:ext uri="{28A0092B-C50C-407E-A947-70E740481C1C}">
+                <a14:useLocalDpi xmlns:a14="http://schemas.microsoft.com/office/drawing/2010/main" val="0"/>
+              </a:ext>
+              <a:ext uri="{96DAC541-7B7A-43D3-8B79-37D633B846F1}">
+                <asvg:svgBlip xmlns:asvg="http://schemas.microsoft.com/office/drawing/2016/SVG/main" r:embed="rId3"/>
+              </a:ext>
+            </a:extLst>
+          </a:blip>
+          <a:stretch>
+            <a:fillRect/>
+          </a:stretch>
+        </p:blipFill>
         <p:spPr>
           <a:xfrm>
-            <a:off x="560408" y="2171763"/>
-            <a:ext cx="10515600" cy="3970476"/>
-          </a:xfrm>
-        </p:spPr>
-        <p:txBody>
-          <a:bodyPr>
-            <a:noAutofit/>
+            <a:off x="-1498399" y="17680"/>
+            <a:ext cx="8768134" cy="4384067"/>
+          </a:xfrm>
+          <a:prstGeom prst="rect">
+            <a:avLst/>
+          </a:prstGeom>
+        </p:spPr>
+      </p:pic>
+      <p:sp>
+        <p:nvSpPr>
+          <p:cNvPr id="6" name="TextBox 5">
+            <a:extLst>
+              <a:ext uri="{FF2B5EF4-FFF2-40B4-BE49-F238E27FC236}">
+                <a16:creationId xmlns:a16="http://schemas.microsoft.com/office/drawing/2014/main" id="{5CDB0ACC-12C6-4CD3-94C5-D63370DA965B}"/>
+              </a:ext>
+            </a:extLst>
+          </p:cNvPr>
+          <p:cNvSpPr txBox="1"/>
+          <p:nvPr/>
+        </p:nvSpPr>
+        <p:spPr>
+          <a:xfrm>
+            <a:off x="4554039" y="2689071"/>
+            <a:ext cx="3083921" cy="553998"/>
+          </a:xfrm>
+          <a:prstGeom prst="rect">
+            <a:avLst/>
+          </a:prstGeom>
+          <a:noFill/>
+        </p:spPr>
+        <p:txBody>
+          <a:bodyPr wrap="none" rtlCol="0">
+            <a:spAutoFit/>
           </a:bodyPr>
           <a:lstStyle/>
           <a:p>
-            <a:pPr algn="just"/>
-            <a:r>
-              <a:rPr lang="en-US" sz="2800" dirty="0"/>
-              <a:t>Blockchain, D-Apps and Smart Contracts</a:t>
-            </a:r>
-          </a:p>
-          <a:p>
-            <a:pPr algn="just"/>
-            <a:r>
-              <a:rPr lang="en-US" sz="2800" dirty="0"/>
-              <a:t>Dev tools</a:t>
-            </a:r>
-          </a:p>
-          <a:p>
-            <a:pPr algn="just"/>
-            <a:r>
-              <a:rPr lang="en-US" sz="2800" dirty="0"/>
-              <a:t>Architecture of Demo D-App(End State). </a:t>
-            </a:r>
-          </a:p>
-          <a:p>
-            <a:pPr algn="just"/>
-            <a:r>
-              <a:rPr lang="en-US" sz="2800" dirty="0"/>
-              <a:t>Setting Up Private Ethereum chain</a:t>
-            </a:r>
-          </a:p>
-          <a:p>
-            <a:pPr algn="just"/>
-            <a:r>
-              <a:rPr lang="en-US" sz="2800" dirty="0"/>
-              <a:t>Sample Smart contract (Asset transfer), solidity.</a:t>
-            </a:r>
-          </a:p>
-          <a:p>
-            <a:pPr algn="just"/>
-            <a:r>
-              <a:rPr lang="en-US" sz="2800" dirty="0"/>
-              <a:t>Demo </a:t>
-            </a:r>
-          </a:p>
-          <a:p>
-            <a:pPr algn="just"/>
-            <a:r>
-              <a:rPr lang="en-US" sz="2800" dirty="0"/>
-              <a:t>Code (API’s)</a:t>
-            </a:r>
-          </a:p>
-        </p:txBody>
-      </p:sp>
-      <p:sp>
-        <p:nvSpPr>
-          <p:cNvPr id="6" name="Slide Number Placeholder 5"/>
-          <p:cNvSpPr>
-            <a:spLocks noGrp="1"/>
-          </p:cNvSpPr>
-          <p:nvPr>
-            <p:ph type="sldNum" sz="quarter" idx="12"/>
-          </p:nvPr>
-        </p:nvSpPr>
-        <p:spPr/>
-        <p:txBody>
-          <a:bodyPr/>
+            <a:pPr algn="ctr"/>
+            <a:r>
+              <a:rPr lang="en-US" sz="3000" dirty="0"/>
+              <a:t>Platinum Sponsors</a:t>
+            </a:r>
+          </a:p>
+        </p:txBody>
+      </p:sp>
+      <p:sp>
+        <p:nvSpPr>
+          <p:cNvPr id="7" name="TextBox 6">
+            <a:extLst>
+              <a:ext uri="{FF2B5EF4-FFF2-40B4-BE49-F238E27FC236}">
+                <a16:creationId xmlns:a16="http://schemas.microsoft.com/office/drawing/2014/main" id="{146863F7-00E1-45B8-8245-487A3A2925AA}"/>
+              </a:ext>
+            </a:extLst>
+          </p:cNvPr>
+          <p:cNvSpPr txBox="1"/>
+          <p:nvPr/>
+        </p:nvSpPr>
+        <p:spPr>
+          <a:xfrm>
+            <a:off x="5072641" y="4505706"/>
+            <a:ext cx="2046714" cy="477054"/>
+          </a:xfrm>
+          <a:prstGeom prst="rect">
+            <a:avLst/>
+          </a:prstGeom>
+          <a:noFill/>
+        </p:spPr>
+        <p:txBody>
+          <a:bodyPr wrap="none" rtlCol="0">
+            <a:spAutoFit/>
+          </a:bodyPr>
           <a:lstStyle/>
           <a:p>
-            <a:fld id="{0FA269BB-9CF1-436E-9ADF-E46804694E4E}" type="slidenum">
-              <a:rPr lang="en-US" smtClean="0"/>
-              <a:t>3</a:t>
-            </a:fld>
-            <a:endParaRPr lang="en-US"/>
-          </a:p>
-        </p:txBody>
-      </p:sp>
-      <p:sp>
-        <p:nvSpPr>
-          <p:cNvPr id="2" name="Title 1"/>
-          <p:cNvSpPr>
-            <a:spLocks noGrp="1"/>
-          </p:cNvSpPr>
-          <p:nvPr>
-            <p:ph type="title"/>
-          </p:nvPr>
+            <a:pPr algn="ctr"/>
+            <a:r>
+              <a:rPr lang="en-US" sz="2500" dirty="0"/>
+              <a:t>Gold Sponsors</a:t>
+            </a:r>
+          </a:p>
+        </p:txBody>
+      </p:sp>
+      <p:sp>
+        <p:nvSpPr>
+          <p:cNvPr id="8" name="TextBox 7">
+            <a:extLst>
+              <a:ext uri="{FF2B5EF4-FFF2-40B4-BE49-F238E27FC236}">
+                <a16:creationId xmlns:a16="http://schemas.microsoft.com/office/drawing/2014/main" id="{A0C26C5B-886C-4CD0-839B-2DFF600D2A49}"/>
+              </a:ext>
+            </a:extLst>
+          </p:cNvPr>
+          <p:cNvSpPr txBox="1"/>
+          <p:nvPr/>
         </p:nvSpPr>
         <p:spPr>
           <a:xfrm>
-            <a:off x="838200" y="15958"/>
-            <a:ext cx="11353800" cy="823253"/>
-          </a:xfrm>
-        </p:spPr>
-        <p:txBody>
-          <a:bodyPr/>
+            <a:off x="5024518" y="6238259"/>
+            <a:ext cx="2142959" cy="477054"/>
+          </a:xfrm>
+          <a:prstGeom prst="rect">
+            <a:avLst/>
+          </a:prstGeom>
+          <a:noFill/>
+        </p:spPr>
+        <p:txBody>
+          <a:bodyPr wrap="none" rtlCol="0">
+            <a:spAutoFit/>
+          </a:bodyPr>
           <a:lstStyle/>
           <a:p>
-            <a:r>
-              <a:rPr lang="en-US" dirty="0"/>
-              <a:t>Agenda</a:t>
-            </a:r>
-          </a:p>
-        </p:txBody>
-      </p:sp>
+            <a:pPr algn="ctr"/>
+            <a:r>
+              <a:rPr lang="en-US" sz="2500" dirty="0"/>
+              <a:t>Silver Sponsors</a:t>
+            </a:r>
+          </a:p>
+        </p:txBody>
+      </p:sp>
+      <p:pic>
+        <p:nvPicPr>
+          <p:cNvPr id="9" name="Graphic 8">
+            <a:extLst>
+              <a:ext uri="{FF2B5EF4-FFF2-40B4-BE49-F238E27FC236}">
+                <a16:creationId xmlns:a16="http://schemas.microsoft.com/office/drawing/2014/main" id="{54098365-0C34-40AF-AC73-639EA580DBFC}"/>
+              </a:ext>
+            </a:extLst>
+          </p:cNvPr>
+          <p:cNvPicPr>
+            <a:picLocks noChangeAspect="1"/>
+          </p:cNvPicPr>
+          <p:nvPr/>
+        </p:nvPicPr>
+        <p:blipFill>
+          <a:blip r:embed="rId4">
+            <a:extLst>
+              <a:ext uri="{28A0092B-C50C-407E-A947-70E740481C1C}">
+                <a14:useLocalDpi xmlns:a14="http://schemas.microsoft.com/office/drawing/2010/main" val="0"/>
+              </a:ext>
+              <a:ext uri="{96DAC541-7B7A-43D3-8B79-37D633B846F1}">
+                <asvg:svgBlip xmlns:asvg="http://schemas.microsoft.com/office/drawing/2016/SVG/main" r:embed="rId5"/>
+              </a:ext>
+            </a:extLst>
+          </a:blip>
+          <a:stretch>
+            <a:fillRect/>
+          </a:stretch>
+        </p:blipFill>
+        <p:spPr>
+          <a:xfrm>
+            <a:off x="7525767" y="4032760"/>
+            <a:ext cx="2876740" cy="863022"/>
+          </a:xfrm>
+          <a:prstGeom prst="rect">
+            <a:avLst/>
+          </a:prstGeom>
+        </p:spPr>
+      </p:pic>
+      <p:pic>
+        <p:nvPicPr>
+          <p:cNvPr id="10" name="Picture 9">
+            <a:extLst>
+              <a:ext uri="{FF2B5EF4-FFF2-40B4-BE49-F238E27FC236}">
+                <a16:creationId xmlns:a16="http://schemas.microsoft.com/office/drawing/2014/main" id="{80AA13DE-ADE9-4261-8B93-0167FB15D8D4}"/>
+              </a:ext>
+            </a:extLst>
+          </p:cNvPr>
+          <p:cNvPicPr>
+            <a:picLocks noChangeAspect="1"/>
+          </p:cNvPicPr>
+          <p:nvPr/>
+        </p:nvPicPr>
+        <p:blipFill>
+          <a:blip r:embed="rId6">
+            <a:extLst>
+              <a:ext uri="{28A0092B-C50C-407E-A947-70E740481C1C}">
+                <a14:useLocalDpi xmlns:a14="http://schemas.microsoft.com/office/drawing/2010/main" val="0"/>
+              </a:ext>
+            </a:extLst>
+          </a:blip>
+          <a:stretch>
+            <a:fillRect/>
+          </a:stretch>
+        </p:blipFill>
+        <p:spPr>
+          <a:xfrm>
+            <a:off x="9378379" y="5325753"/>
+            <a:ext cx="2590257" cy="887913"/>
+          </a:xfrm>
+          <a:prstGeom prst="rect">
+            <a:avLst/>
+          </a:prstGeom>
+        </p:spPr>
+      </p:pic>
+      <p:pic>
+        <p:nvPicPr>
+          <p:cNvPr id="11" name="Picture 10" descr="A close up of a sign&#10;&#10;Description automatically generated">
+            <a:extLst>
+              <a:ext uri="{FF2B5EF4-FFF2-40B4-BE49-F238E27FC236}">
+                <a16:creationId xmlns:a16="http://schemas.microsoft.com/office/drawing/2014/main" id="{A7FDB8F1-C58C-4D5F-8C3A-125E2C285DB4}"/>
+              </a:ext>
+            </a:extLst>
+          </p:cNvPr>
+          <p:cNvPicPr>
+            <a:picLocks noChangeAspect="1"/>
+          </p:cNvPicPr>
+          <p:nvPr/>
+        </p:nvPicPr>
+        <p:blipFill>
+          <a:blip r:embed="rId7">
+            <a:extLst>
+              <a:ext uri="{28A0092B-C50C-407E-A947-70E740481C1C}">
+                <a14:useLocalDpi xmlns:a14="http://schemas.microsoft.com/office/drawing/2010/main" val="0"/>
+              </a:ext>
+            </a:extLst>
+          </a:blip>
+          <a:stretch>
+            <a:fillRect/>
+          </a:stretch>
+        </p:blipFill>
+        <p:spPr>
+          <a:xfrm>
+            <a:off x="6750347" y="5371142"/>
+            <a:ext cx="1740869" cy="797135"/>
+          </a:xfrm>
+          <a:prstGeom prst="rect">
+            <a:avLst/>
+          </a:prstGeom>
+        </p:spPr>
+      </p:pic>
+      <p:pic>
+        <p:nvPicPr>
+          <p:cNvPr id="12" name="Picture 2" descr="https://codecampnyc.org/wp-content/uploads/2017/10/smartsheet-logo.png">
+            <a:extLst>
+              <a:ext uri="{FF2B5EF4-FFF2-40B4-BE49-F238E27FC236}">
+                <a16:creationId xmlns:a16="http://schemas.microsoft.com/office/drawing/2014/main" id="{E550C046-B96C-4F21-B33F-25A7283D312C}"/>
+              </a:ext>
+            </a:extLst>
+          </p:cNvPr>
+          <p:cNvPicPr>
+            <a:picLocks noChangeAspect="1" noChangeArrowheads="1"/>
+          </p:cNvPicPr>
+          <p:nvPr/>
+        </p:nvPicPr>
+        <p:blipFill>
+          <a:blip r:embed="rId8" cstate="print">
+            <a:extLst>
+              <a:ext uri="{28A0092B-C50C-407E-A947-70E740481C1C}">
+                <a14:useLocalDpi xmlns:a14="http://schemas.microsoft.com/office/drawing/2010/main" val="0"/>
+              </a:ext>
+            </a:extLst>
+          </a:blip>
+          <a:srcRect/>
+          <a:stretch>
+            <a:fillRect/>
+          </a:stretch>
+        </p:blipFill>
+        <p:spPr bwMode="auto">
+          <a:xfrm>
+            <a:off x="3454400" y="3373859"/>
+            <a:ext cx="1581213" cy="1581213"/>
+          </a:xfrm>
+          <a:prstGeom prst="rect">
+            <a:avLst/>
+          </a:prstGeom>
+          <a:noFill/>
+          <a:extLst>
+            <a:ext uri="{909E8E84-426E-40DD-AFC4-6F175D3DCCD1}">
+              <a14:hiddenFill xmlns:a14="http://schemas.microsoft.com/office/drawing/2010/main">
+                <a:solidFill>
+                  <a:srgbClr val="FFFFFF"/>
+                </a:solidFill>
+              </a14:hiddenFill>
+            </a:ext>
+          </a:extLst>
+        </p:spPr>
+      </p:pic>
+      <p:pic>
+        <p:nvPicPr>
+          <p:cNvPr id="13" name="Picture 4" descr="https://www.codecampnyc.org/wp-content/uploads/2012/08/logo_jetbrains.gif">
+            <a:extLst>
+              <a:ext uri="{FF2B5EF4-FFF2-40B4-BE49-F238E27FC236}">
+                <a16:creationId xmlns:a16="http://schemas.microsoft.com/office/drawing/2014/main" id="{A924B4D2-575D-4A27-BBCB-8A0C8C3CB10A}"/>
+              </a:ext>
+            </a:extLst>
+          </p:cNvPr>
+          <p:cNvPicPr>
+            <a:picLocks noChangeAspect="1" noChangeArrowheads="1"/>
+          </p:cNvPicPr>
+          <p:nvPr/>
+        </p:nvPicPr>
+        <p:blipFill>
+          <a:blip r:embed="rId9">
+            <a:extLst>
+              <a:ext uri="{28A0092B-C50C-407E-A947-70E740481C1C}">
+                <a14:useLocalDpi xmlns:a14="http://schemas.microsoft.com/office/drawing/2010/main" val="0"/>
+              </a:ext>
+            </a:extLst>
+          </a:blip>
+          <a:srcRect/>
+          <a:stretch>
+            <a:fillRect/>
+          </a:stretch>
+        </p:blipFill>
+        <p:spPr bwMode="auto">
+          <a:xfrm>
+            <a:off x="454778" y="5325752"/>
+            <a:ext cx="2312478" cy="887914"/>
+          </a:xfrm>
+          <a:prstGeom prst="rect">
+            <a:avLst/>
+          </a:prstGeom>
+          <a:noFill/>
+          <a:extLst>
+            <a:ext uri="{909E8E84-426E-40DD-AFC4-6F175D3DCCD1}">
+              <a14:hiddenFill xmlns:a14="http://schemas.microsoft.com/office/drawing/2010/main">
+                <a:solidFill>
+                  <a:srgbClr val="FFFFFF"/>
+                </a:solidFill>
+              </a14:hiddenFill>
+            </a:ext>
+          </a:extLst>
+        </p:spPr>
+      </p:pic>
+      <p:pic>
+        <p:nvPicPr>
+          <p:cNvPr id="14" name="Picture 13">
+            <a:extLst>
+              <a:ext uri="{FF2B5EF4-FFF2-40B4-BE49-F238E27FC236}">
+                <a16:creationId xmlns:a16="http://schemas.microsoft.com/office/drawing/2014/main" id="{C4A26A6C-AA27-4642-B680-8EFE58D19A42}"/>
+              </a:ext>
+            </a:extLst>
+          </p:cNvPr>
+          <p:cNvPicPr>
+            <a:picLocks noChangeAspect="1"/>
+          </p:cNvPicPr>
+          <p:nvPr/>
+        </p:nvPicPr>
+        <p:blipFill>
+          <a:blip r:embed="rId10" cstate="print">
+            <a:extLst>
+              <a:ext uri="{28A0092B-C50C-407E-A947-70E740481C1C}">
+                <a14:useLocalDpi xmlns:a14="http://schemas.microsoft.com/office/drawing/2010/main" val="0"/>
+              </a:ext>
+            </a:extLst>
+          </a:blip>
+          <a:stretch>
+            <a:fillRect/>
+          </a:stretch>
+        </p:blipFill>
+        <p:spPr>
+          <a:xfrm>
+            <a:off x="3654420" y="5391174"/>
+            <a:ext cx="2208763" cy="757070"/>
+          </a:xfrm>
+          <a:prstGeom prst="rect">
+            <a:avLst/>
+          </a:prstGeom>
+        </p:spPr>
+      </p:pic>
+      <p:cxnSp>
+        <p:nvCxnSpPr>
+          <p:cNvPr id="15" name="Straight Connector 14">
+            <a:extLst>
+              <a:ext uri="{FF2B5EF4-FFF2-40B4-BE49-F238E27FC236}">
+                <a16:creationId xmlns:a16="http://schemas.microsoft.com/office/drawing/2014/main" id="{956E997C-FC47-415B-AAD9-2C30CCFB6440}"/>
+              </a:ext>
+            </a:extLst>
+          </p:cNvPr>
+          <p:cNvCxnSpPr>
+            <a:cxnSpLocks/>
+          </p:cNvCxnSpPr>
+          <p:nvPr/>
+        </p:nvCxnSpPr>
+        <p:spPr>
+          <a:xfrm>
+            <a:off x="938306" y="3264472"/>
+            <a:ext cx="9879106" cy="0"/>
+          </a:xfrm>
+          <a:prstGeom prst="line">
+            <a:avLst/>
+          </a:prstGeom>
+        </p:spPr>
+        <p:style>
+          <a:lnRef idx="1">
+            <a:schemeClr val="accent1"/>
+          </a:lnRef>
+          <a:fillRef idx="0">
+            <a:schemeClr val="accent1"/>
+          </a:fillRef>
+          <a:effectRef idx="0">
+            <a:schemeClr val="accent1"/>
+          </a:effectRef>
+          <a:fontRef idx="minor">
+            <a:schemeClr val="tx1"/>
+          </a:fontRef>
+        </p:style>
+      </p:cxnSp>
+      <p:pic>
+        <p:nvPicPr>
+          <p:cNvPr id="16" name="Graphic 15">
+            <a:extLst>
+              <a:ext uri="{FF2B5EF4-FFF2-40B4-BE49-F238E27FC236}">
+                <a16:creationId xmlns:a16="http://schemas.microsoft.com/office/drawing/2014/main" id="{25521DF3-FB04-4FCE-AE74-0FBFA8CB020F}"/>
+              </a:ext>
+            </a:extLst>
+          </p:cNvPr>
+          <p:cNvPicPr>
+            <a:picLocks noChangeAspect="1"/>
+          </p:cNvPicPr>
+          <p:nvPr/>
+        </p:nvPicPr>
+        <p:blipFill>
+          <a:blip r:embed="rId11">
+            <a:extLst>
+              <a:ext uri="{28A0092B-C50C-407E-A947-70E740481C1C}">
+                <a14:useLocalDpi xmlns:a14="http://schemas.microsoft.com/office/drawing/2010/main" val="0"/>
+              </a:ext>
+              <a:ext uri="{96DAC541-7B7A-43D3-8B79-37D633B846F1}">
+                <asvg:svgBlip xmlns:asvg="http://schemas.microsoft.com/office/drawing/2016/SVG/main" r:embed="rId12"/>
+              </a:ext>
+            </a:extLst>
+          </a:blip>
+          <a:stretch>
+            <a:fillRect/>
+          </a:stretch>
+        </p:blipFill>
+        <p:spPr>
+          <a:xfrm>
+            <a:off x="6161409" y="1558620"/>
+            <a:ext cx="5801777" cy="1606646"/>
+          </a:xfrm>
+          <a:prstGeom prst="rect">
+            <a:avLst/>
+          </a:prstGeom>
+        </p:spPr>
+      </p:pic>
+      <p:cxnSp>
+        <p:nvCxnSpPr>
+          <p:cNvPr id="17" name="Straight Connector 16">
+            <a:extLst>
+              <a:ext uri="{FF2B5EF4-FFF2-40B4-BE49-F238E27FC236}">
+                <a16:creationId xmlns:a16="http://schemas.microsoft.com/office/drawing/2014/main" id="{8F6A1CFF-8400-41B6-9E0F-E91BBE1EDB9B}"/>
+              </a:ext>
+            </a:extLst>
+          </p:cNvPr>
+          <p:cNvCxnSpPr>
+            <a:cxnSpLocks/>
+          </p:cNvCxnSpPr>
+          <p:nvPr/>
+        </p:nvCxnSpPr>
+        <p:spPr>
+          <a:xfrm>
+            <a:off x="938306" y="5112396"/>
+            <a:ext cx="9879106" cy="0"/>
+          </a:xfrm>
+          <a:prstGeom prst="line">
+            <a:avLst/>
+          </a:prstGeom>
+        </p:spPr>
+        <p:style>
+          <a:lnRef idx="1">
+            <a:schemeClr val="accent1"/>
+          </a:lnRef>
+          <a:fillRef idx="0">
+            <a:schemeClr val="accent1"/>
+          </a:fillRef>
+          <a:effectRef idx="0">
+            <a:schemeClr val="accent1"/>
+          </a:effectRef>
+          <a:fontRef idx="minor">
+            <a:schemeClr val="tx1"/>
+          </a:fontRef>
+        </p:style>
+      </p:cxnSp>
     </p:spTree>
     <p:extLst>
       <p:ext uri="{BB962C8B-B14F-4D97-AF65-F5344CB8AC3E}">
-        <p14:creationId xmlns:p14="http://schemas.microsoft.com/office/powerpoint/2010/main" val="26355787"/>
+        <p14:creationId xmlns:p14="http://schemas.microsoft.com/office/powerpoint/2010/main" val="64606611"/>
       </p:ext>
     </p:extLst>
   </p:cSld>
@@ -12461,8 +13260,8 @@
         </p:nvSpPr>
         <p:spPr>
           <a:xfrm>
-            <a:off x="252984" y="2133335"/>
-            <a:ext cx="4892040" cy="3970476"/>
+            <a:off x="560408" y="2171763"/>
+            <a:ext cx="10515600" cy="3970476"/>
           </a:xfrm>
         </p:spPr>
         <p:txBody>
@@ -12471,56 +13270,82 @@
           </a:bodyPr>
           <a:lstStyle/>
           <a:p>
-            <a:pPr marL="0" indent="0" algn="just">
+            <a:pPr algn="just"/>
+            <a:r>
+              <a:rPr lang="en-US" sz="2800" dirty="0"/>
+              <a:t>My Blog - </a:t>
+            </a:r>
+            <a:r>
+              <a:rPr lang="en-US" sz="2800" dirty="0">
+                <a:hlinkClick r:id="rId3"/>
+              </a:rPr>
+              <a:t>https://mytechnetknowhows.wordpress.com/</a:t>
+            </a:r>
+            <a:endParaRPr lang="en-US" sz="2800" dirty="0"/>
+          </a:p>
+          <a:p>
+            <a:pPr algn="just"/>
+            <a:r>
+              <a:rPr lang="en-US" sz="2800" dirty="0"/>
+              <a:t>Linked In - </a:t>
+            </a:r>
+            <a:r>
+              <a:rPr lang="en-US" sz="2800" dirty="0">
+                <a:hlinkClick r:id="rId4"/>
+              </a:rPr>
+              <a:t>http://www.linkedin.com/in/aamolgote</a:t>
+            </a:r>
+            <a:endParaRPr lang="en-US" sz="2800" dirty="0"/>
+          </a:p>
+          <a:p>
+            <a:pPr algn="just"/>
+            <a:r>
+              <a:rPr lang="en-US" sz="2800" dirty="0"/>
+              <a:t>GitHub - </a:t>
+            </a:r>
+            <a:r>
+              <a:rPr lang="en-US" sz="2800" dirty="0">
+                <a:hlinkClick r:id="rId5"/>
+              </a:rPr>
+              <a:t>https://github.com/aamolgote/</a:t>
+            </a:r>
+            <a:endParaRPr lang="en-US" sz="2800" dirty="0"/>
+          </a:p>
+          <a:p>
+            <a:pPr marL="1371600" lvl="3" indent="0" algn="just">
               <a:buNone/>
             </a:pPr>
             <a:r>
               <a:rPr lang="en-US" sz="2800" dirty="0"/>
-              <a:t>What is Blockchain</a:t>
-            </a:r>
+              <a:t>  </a:t>
+            </a:r>
+            <a:r>
+              <a:rPr lang="en-US" sz="2800" dirty="0">
+                <a:hlinkClick r:id="rId6"/>
+              </a:rPr>
+              <a:t>https://github.com/aamolgote/codecampynyc2018</a:t>
+            </a:r>
+            <a:endParaRPr lang="en-US" sz="2800" dirty="0"/>
           </a:p>
           <a:p>
             <a:pPr algn="just"/>
             <a:r>
-              <a:rPr lang="en-US" sz="2000" dirty="0"/>
-              <a:t>Technology that relies on cryptography to store data in distributed ledger</a:t>
-            </a:r>
-          </a:p>
-          <a:p>
-            <a:pPr algn="just"/>
-            <a:r>
-              <a:rPr lang="en-US" sz="2000" dirty="0"/>
-              <a:t>Every block contains a hash of the previous block</a:t>
-            </a:r>
-          </a:p>
-          <a:p>
-            <a:pPr algn="just"/>
-            <a:r>
-              <a:rPr lang="en-US" sz="2000" dirty="0"/>
-              <a:t>Distributed data store</a:t>
-            </a:r>
-          </a:p>
-          <a:p>
-            <a:pPr algn="just"/>
-            <a:r>
-              <a:rPr lang="en-US" sz="2000" dirty="0"/>
-              <a:t>Immutability of data stored.</a:t>
-            </a:r>
-          </a:p>
-          <a:p>
-            <a:pPr algn="just"/>
-            <a:r>
-              <a:rPr lang="en-US" sz="2000" dirty="0"/>
-              <a:t>Storing of data is based on agreements between all parties</a:t>
-            </a:r>
-          </a:p>
-          <a:p>
-            <a:pPr algn="just"/>
-            <a:endParaRPr lang="en-US" sz="2000" dirty="0"/>
-          </a:p>
-          <a:p>
-            <a:pPr algn="just"/>
-            <a:endParaRPr lang="en-US" sz="2000" dirty="0"/>
+              <a:rPr lang="en-US" sz="2800" dirty="0"/>
+              <a:t>Twitter - </a:t>
+            </a:r>
+            <a:r>
+              <a:rPr lang="en-US" sz="2800" dirty="0">
+                <a:hlinkClick r:id="rId7"/>
+              </a:rPr>
+              <a:t>@</a:t>
+            </a:r>
+            <a:r>
+              <a:rPr lang="en-US" sz="2800" dirty="0" err="1">
+                <a:hlinkClick r:id="rId7"/>
+              </a:rPr>
+              <a:t>mytechnetnohows</a:t>
+            </a:r>
+            <a:endParaRPr lang="en-US" sz="2800" dirty="0"/>
           </a:p>
         </p:txBody>
       </p:sp>
@@ -12534,12 +13359,7 @@
             <p:ph type="sldNum" sz="quarter" idx="12"/>
           </p:nvPr>
         </p:nvSpPr>
-        <p:spPr>
-          <a:xfrm>
-            <a:off x="9220200" y="6280150"/>
-            <a:ext cx="2743200" cy="365125"/>
-          </a:xfrm>
-        </p:spPr>
+        <p:spPr/>
         <p:txBody>
           <a:bodyPr/>
           <a:lstStyle/>
@@ -12547,6 +13367,318 @@
             <a:fld id="{0FA269BB-9CF1-436E-9ADF-E46804694E4E}" type="slidenum">
               <a:rPr lang="en-US" smtClean="0"/>
               <a:t>4</a:t>
+            </a:fld>
+            <a:endParaRPr lang="en-US"/>
+          </a:p>
+        </p:txBody>
+      </p:sp>
+      <p:sp>
+        <p:nvSpPr>
+          <p:cNvPr id="2" name="Title 1"/>
+          <p:cNvSpPr>
+            <a:spLocks noGrp="1"/>
+          </p:cNvSpPr>
+          <p:nvPr>
+            <p:ph type="title"/>
+          </p:nvPr>
+        </p:nvSpPr>
+        <p:spPr>
+          <a:xfrm>
+            <a:off x="838200" y="15958"/>
+            <a:ext cx="11353800" cy="823253"/>
+          </a:xfrm>
+        </p:spPr>
+        <p:txBody>
+          <a:bodyPr/>
+          <a:lstStyle/>
+          <a:p>
+            <a:r>
+              <a:rPr lang="en-US" dirty="0"/>
+              <a:t>About ME</a:t>
+            </a:r>
+          </a:p>
+        </p:txBody>
+      </p:sp>
+    </p:spTree>
+    <p:extLst>
+      <p:ext uri="{BB962C8B-B14F-4D97-AF65-F5344CB8AC3E}">
+        <p14:creationId xmlns:p14="http://schemas.microsoft.com/office/powerpoint/2010/main" val="1396314986"/>
+      </p:ext>
+    </p:extLst>
+  </p:cSld>
+  <p:clrMapOvr>
+    <a:masterClrMapping/>
+  </p:clrMapOvr>
+</p:sld>
+</file>
+
+<file path=ppt/slides/slide5.xml><?xml version="1.0" encoding="utf-8"?>
+<p:sld xmlns:a="http://schemas.openxmlformats.org/drawingml/2006/main" xmlns:r="http://schemas.openxmlformats.org/officeDocument/2006/relationships" xmlns:p="http://schemas.openxmlformats.org/presentationml/2006/main">
+  <p:cSld>
+    <p:spTree>
+      <p:nvGrpSpPr>
+        <p:cNvPr id="1" name=""/>
+        <p:cNvGrpSpPr/>
+        <p:nvPr/>
+      </p:nvGrpSpPr>
+      <p:grpSpPr>
+        <a:xfrm>
+          <a:off x="0" y="0"/>
+          <a:ext cx="0" cy="0"/>
+          <a:chOff x="0" y="0"/>
+          <a:chExt cx="0" cy="0"/>
+        </a:xfrm>
+      </p:grpSpPr>
+      <p:sp>
+        <p:nvSpPr>
+          <p:cNvPr id="3" name="Content Placeholder 2"/>
+          <p:cNvSpPr>
+            <a:spLocks noGrp="1"/>
+          </p:cNvSpPr>
+          <p:nvPr>
+            <p:ph idx="1"/>
+          </p:nvPr>
+        </p:nvSpPr>
+        <p:spPr>
+          <a:xfrm>
+            <a:off x="560408" y="2171763"/>
+            <a:ext cx="10515600" cy="3970476"/>
+          </a:xfrm>
+        </p:spPr>
+        <p:txBody>
+          <a:bodyPr>
+            <a:noAutofit/>
+          </a:bodyPr>
+          <a:lstStyle/>
+          <a:p>
+            <a:pPr algn="just"/>
+            <a:r>
+              <a:rPr lang="en-US" sz="2800" dirty="0"/>
+              <a:t>Blockchain, D-Apps and Smart Contracts</a:t>
+            </a:r>
+          </a:p>
+          <a:p>
+            <a:pPr algn="just"/>
+            <a:r>
+              <a:rPr lang="en-US" sz="2800" dirty="0"/>
+              <a:t>Dev tools</a:t>
+            </a:r>
+          </a:p>
+          <a:p>
+            <a:pPr algn="just"/>
+            <a:r>
+              <a:rPr lang="en-US" sz="2800" dirty="0"/>
+              <a:t>Architecture of Demo D-App(End State). </a:t>
+            </a:r>
+          </a:p>
+          <a:p>
+            <a:pPr algn="just"/>
+            <a:r>
+              <a:rPr lang="en-US" sz="2800" dirty="0"/>
+              <a:t>Setting Up Private Ethereum chain</a:t>
+            </a:r>
+          </a:p>
+          <a:p>
+            <a:pPr algn="just"/>
+            <a:r>
+              <a:rPr lang="en-US" sz="2800" dirty="0"/>
+              <a:t>Sample Smart contract (Asset transfer), solidity.</a:t>
+            </a:r>
+          </a:p>
+          <a:p>
+            <a:pPr algn="just"/>
+            <a:r>
+              <a:rPr lang="en-US" sz="2800" dirty="0"/>
+              <a:t>Demo </a:t>
+            </a:r>
+          </a:p>
+          <a:p>
+            <a:pPr algn="just"/>
+            <a:r>
+              <a:rPr lang="en-US" sz="2800" dirty="0"/>
+              <a:t>Code (API’s)</a:t>
+            </a:r>
+          </a:p>
+        </p:txBody>
+      </p:sp>
+      <p:sp>
+        <p:nvSpPr>
+          <p:cNvPr id="6" name="Slide Number Placeholder 5"/>
+          <p:cNvSpPr>
+            <a:spLocks noGrp="1"/>
+          </p:cNvSpPr>
+          <p:nvPr>
+            <p:ph type="sldNum" sz="quarter" idx="12"/>
+          </p:nvPr>
+        </p:nvSpPr>
+        <p:spPr/>
+        <p:txBody>
+          <a:bodyPr/>
+          <a:lstStyle/>
+          <a:p>
+            <a:fld id="{0FA269BB-9CF1-436E-9ADF-E46804694E4E}" type="slidenum">
+              <a:rPr lang="en-US" smtClean="0"/>
+              <a:t>5</a:t>
+            </a:fld>
+            <a:endParaRPr lang="en-US"/>
+          </a:p>
+        </p:txBody>
+      </p:sp>
+      <p:sp>
+        <p:nvSpPr>
+          <p:cNvPr id="2" name="Title 1"/>
+          <p:cNvSpPr>
+            <a:spLocks noGrp="1"/>
+          </p:cNvSpPr>
+          <p:nvPr>
+            <p:ph type="title"/>
+          </p:nvPr>
+        </p:nvSpPr>
+        <p:spPr>
+          <a:xfrm>
+            <a:off x="838200" y="15958"/>
+            <a:ext cx="11353800" cy="823253"/>
+          </a:xfrm>
+        </p:spPr>
+        <p:txBody>
+          <a:bodyPr/>
+          <a:lstStyle/>
+          <a:p>
+            <a:r>
+              <a:rPr lang="en-US" dirty="0"/>
+              <a:t>Agenda</a:t>
+            </a:r>
+          </a:p>
+        </p:txBody>
+      </p:sp>
+    </p:spTree>
+    <p:extLst>
+      <p:ext uri="{BB962C8B-B14F-4D97-AF65-F5344CB8AC3E}">
+        <p14:creationId xmlns:p14="http://schemas.microsoft.com/office/powerpoint/2010/main" val="26355787"/>
+      </p:ext>
+    </p:extLst>
+  </p:cSld>
+  <p:clrMapOvr>
+    <a:masterClrMapping/>
+  </p:clrMapOvr>
+</p:sld>
+</file>
+
+<file path=ppt/slides/slide6.xml><?xml version="1.0" encoding="utf-8"?>
+<p:sld xmlns:a="http://schemas.openxmlformats.org/drawingml/2006/main" xmlns:r="http://schemas.openxmlformats.org/officeDocument/2006/relationships" xmlns:p="http://schemas.openxmlformats.org/presentationml/2006/main">
+  <p:cSld>
+    <p:spTree>
+      <p:nvGrpSpPr>
+        <p:cNvPr id="1" name=""/>
+        <p:cNvGrpSpPr/>
+        <p:nvPr/>
+      </p:nvGrpSpPr>
+      <p:grpSpPr>
+        <a:xfrm>
+          <a:off x="0" y="0"/>
+          <a:ext cx="0" cy="0"/>
+          <a:chOff x="0" y="0"/>
+          <a:chExt cx="0" cy="0"/>
+        </a:xfrm>
+      </p:grpSpPr>
+      <p:sp>
+        <p:nvSpPr>
+          <p:cNvPr id="3" name="Content Placeholder 2"/>
+          <p:cNvSpPr>
+            <a:spLocks noGrp="1"/>
+          </p:cNvSpPr>
+          <p:nvPr>
+            <p:ph idx="1"/>
+          </p:nvPr>
+        </p:nvSpPr>
+        <p:spPr>
+          <a:xfrm>
+            <a:off x="252984" y="2133335"/>
+            <a:ext cx="4892040" cy="3970476"/>
+          </a:xfrm>
+        </p:spPr>
+        <p:txBody>
+          <a:bodyPr>
+            <a:noAutofit/>
+          </a:bodyPr>
+          <a:lstStyle/>
+          <a:p>
+            <a:pPr marL="0" indent="0" algn="just">
+              <a:buNone/>
+            </a:pPr>
+            <a:r>
+              <a:rPr lang="en-US" sz="2800" dirty="0"/>
+              <a:t>What is Blockchain</a:t>
+            </a:r>
+          </a:p>
+          <a:p>
+            <a:pPr algn="just"/>
+            <a:r>
+              <a:rPr lang="en-US" sz="2000" dirty="0"/>
+              <a:t>Technology that relies on cryptography to store data in distributed ledger</a:t>
+            </a:r>
+          </a:p>
+          <a:p>
+            <a:pPr algn="just"/>
+            <a:r>
+              <a:rPr lang="en-US" sz="2000" dirty="0"/>
+              <a:t>Every block contains a hash of the previous block</a:t>
+            </a:r>
+          </a:p>
+          <a:p>
+            <a:pPr algn="just"/>
+            <a:r>
+              <a:rPr lang="en-US" sz="2000" dirty="0"/>
+              <a:t>Distributed data store</a:t>
+            </a:r>
+          </a:p>
+          <a:p>
+            <a:pPr algn="just"/>
+            <a:r>
+              <a:rPr lang="en-US" sz="2000" dirty="0"/>
+              <a:t>Immutability of data stored.</a:t>
+            </a:r>
+          </a:p>
+          <a:p>
+            <a:pPr algn="just"/>
+            <a:r>
+              <a:rPr lang="en-US" sz="2000" dirty="0"/>
+              <a:t>Storing of data is based on agreements between all parties</a:t>
+            </a:r>
+          </a:p>
+          <a:p>
+            <a:pPr algn="just"/>
+            <a:endParaRPr lang="en-US" sz="2000" dirty="0"/>
+          </a:p>
+          <a:p>
+            <a:pPr algn="just"/>
+            <a:endParaRPr lang="en-US" sz="2000" dirty="0"/>
+          </a:p>
+        </p:txBody>
+      </p:sp>
+      <p:sp>
+        <p:nvSpPr>
+          <p:cNvPr id="6" name="Slide Number Placeholder 5"/>
+          <p:cNvSpPr>
+            <a:spLocks noGrp="1"/>
+          </p:cNvSpPr>
+          <p:nvPr>
+            <p:ph type="sldNum" sz="quarter" idx="12"/>
+          </p:nvPr>
+        </p:nvSpPr>
+        <p:spPr>
+          <a:xfrm>
+            <a:off x="9220200" y="6280150"/>
+            <a:ext cx="2743200" cy="365125"/>
+          </a:xfrm>
+        </p:spPr>
+        <p:txBody>
+          <a:bodyPr/>
+          <a:lstStyle/>
+          <a:p>
+            <a:fld id="{0FA269BB-9CF1-436E-9ADF-E46804694E4E}" type="slidenum">
+              <a:rPr lang="en-US" smtClean="0"/>
+              <a:t>6</a:t>
             </a:fld>
             <a:endParaRPr lang="en-US" dirty="0"/>
           </a:p>
@@ -12944,7 +14076,7 @@
 </p:sld>
 </file>
 
-<file path=ppt/slides/slide5.xml><?xml version="1.0" encoding="utf-8"?>
+<file path=ppt/slides/slide7.xml><?xml version="1.0" encoding="utf-8"?>
 <p:sld xmlns:a="http://schemas.openxmlformats.org/drawingml/2006/main" xmlns:r="http://schemas.openxmlformats.org/officeDocument/2006/relationships" xmlns:p="http://schemas.openxmlformats.org/presentationml/2006/main">
   <p:cSld>
     <p:spTree>
@@ -14161,838 +15293,6 @@
     <p:extLst>
       <p:ext uri="{BB962C8B-B14F-4D97-AF65-F5344CB8AC3E}">
         <p14:creationId xmlns:p14="http://schemas.microsoft.com/office/powerpoint/2010/main" val="2426859290"/>
-      </p:ext>
-    </p:extLst>
-  </p:cSld>
-  <p:clrMapOvr>
-    <a:masterClrMapping/>
-  </p:clrMapOvr>
-</p:sld>
-</file>
-
-<file path=ppt/slides/slide6.xml><?xml version="1.0" encoding="utf-8"?>
-<p:sld xmlns:a="http://schemas.openxmlformats.org/drawingml/2006/main" xmlns:r="http://schemas.openxmlformats.org/officeDocument/2006/relationships" xmlns:p="http://schemas.openxmlformats.org/presentationml/2006/main">
-  <p:cSld>
-    <p:spTree>
-      <p:nvGrpSpPr>
-        <p:cNvPr id="1" name=""/>
-        <p:cNvGrpSpPr/>
-        <p:nvPr/>
-      </p:nvGrpSpPr>
-      <p:grpSpPr>
-        <a:xfrm>
-          <a:off x="0" y="0"/>
-          <a:ext cx="0" cy="0"/>
-          <a:chOff x="0" y="0"/>
-          <a:chExt cx="0" cy="0"/>
-        </a:xfrm>
-      </p:grpSpPr>
-      <p:sp>
-        <p:nvSpPr>
-          <p:cNvPr id="3" name="Title 2">
-            <a:extLst>
-              <a:ext uri="{FF2B5EF4-FFF2-40B4-BE49-F238E27FC236}">
-                <a16:creationId xmlns:a16="http://schemas.microsoft.com/office/drawing/2014/main" id="{0B30A54D-CCF9-4454-8B39-632541823F06}"/>
-              </a:ext>
-            </a:extLst>
-          </p:cNvPr>
-          <p:cNvSpPr>
-            <a:spLocks noGrp="1"/>
-          </p:cNvSpPr>
-          <p:nvPr>
-            <p:ph type="title"/>
-          </p:nvPr>
-        </p:nvSpPr>
-        <p:spPr/>
-        <p:txBody>
-          <a:bodyPr/>
-          <a:lstStyle/>
-          <a:p>
-            <a:r>
-              <a:rPr lang="en-US" dirty="0"/>
-              <a:t>Smart Contracts</a:t>
-            </a:r>
-          </a:p>
-        </p:txBody>
-      </p:sp>
-      <p:sp>
-        <p:nvSpPr>
-          <p:cNvPr id="5" name="Content Placeholder 2">
-            <a:extLst>
-              <a:ext uri="{FF2B5EF4-FFF2-40B4-BE49-F238E27FC236}">
-                <a16:creationId xmlns:a16="http://schemas.microsoft.com/office/drawing/2014/main" id="{A185BF19-8BEF-4EA9-9F30-01345CD1DF6F}"/>
-              </a:ext>
-            </a:extLst>
-          </p:cNvPr>
-          <p:cNvSpPr>
-            <a:spLocks noGrp="1"/>
-          </p:cNvSpPr>
-          <p:nvPr>
-            <p:ph idx="1"/>
-          </p:nvPr>
-        </p:nvSpPr>
-        <p:spPr>
-          <a:xfrm>
-            <a:off x="252983" y="1913878"/>
-            <a:ext cx="6946469" cy="4486921"/>
-          </a:xfrm>
-        </p:spPr>
-        <p:txBody>
-          <a:bodyPr>
-            <a:noAutofit/>
-          </a:bodyPr>
-          <a:lstStyle/>
-          <a:p>
-            <a:pPr marL="0" indent="0" algn="just">
-              <a:buNone/>
-            </a:pPr>
-            <a:r>
-              <a:rPr lang="en-US" sz="2800" dirty="0"/>
-              <a:t>What are Smart contracts</a:t>
-            </a:r>
-          </a:p>
-          <a:p>
-            <a:pPr algn="just"/>
-            <a:r>
-              <a:rPr lang="en-US" sz="2000" dirty="0"/>
-              <a:t>Smart contracts are applications that run on the blockchain network. Ethereum is pioneer.</a:t>
-            </a:r>
-          </a:p>
-          <a:p>
-            <a:pPr algn="just"/>
-            <a:r>
-              <a:rPr lang="en-US" sz="2000" dirty="0"/>
-              <a:t>It is a computer program that implements and enforces business logic for an application.</a:t>
-            </a:r>
-          </a:p>
-          <a:p>
-            <a:pPr algn="just"/>
-            <a:r>
-              <a:rPr lang="en-US" sz="2000" dirty="0"/>
-              <a:t>Similar to physical contract but its digital and is represented by program </a:t>
-            </a:r>
-          </a:p>
-          <a:p>
-            <a:pPr algn="just"/>
-            <a:r>
-              <a:rPr lang="en-US" sz="2000" dirty="0"/>
-              <a:t>Function calls that change the state of the contract are written to the blockchain.</a:t>
-            </a:r>
-          </a:p>
-          <a:p>
-            <a:pPr algn="just"/>
-            <a:r>
-              <a:rPr lang="en-US" sz="2000" dirty="0"/>
-              <a:t>Works on the principle of the IFTTT logic aka the </a:t>
-            </a:r>
-            <a:r>
-              <a:rPr lang="en-US" sz="2000" dirty="0">
-                <a:hlinkClick r:id="rId2">
-                  <a:extLst>
-                    <a:ext uri="{A12FA001-AC4F-418D-AE19-62706E023703}">
-                      <ahyp:hlinkClr xmlns:ahyp="http://schemas.microsoft.com/office/drawing/2018/hyperlinkcolor" val="tx"/>
-                    </a:ext>
-                  </a:extLst>
-                </a:hlinkClick>
-              </a:rPr>
-              <a:t>IF-THIS-THEN-THAT logic</a:t>
-            </a:r>
-            <a:r>
-              <a:rPr lang="en-US" sz="2000" dirty="0"/>
-              <a:t>. Basically, if the first set of instructions are done then execute the next function and after that the next until you reach the end of the contract.</a:t>
-            </a:r>
-          </a:p>
-          <a:p>
-            <a:pPr algn="just"/>
-            <a:endParaRPr lang="en-US" sz="2000" dirty="0"/>
-          </a:p>
-        </p:txBody>
-      </p:sp>
-      <p:pic>
-        <p:nvPicPr>
-          <p:cNvPr id="4098" name="Picture 2" descr="Image result for smart contracts">
-            <a:extLst>
-              <a:ext uri="{FF2B5EF4-FFF2-40B4-BE49-F238E27FC236}">
-                <a16:creationId xmlns:a16="http://schemas.microsoft.com/office/drawing/2014/main" id="{F7565D4F-8E6C-4A57-B09E-62180894F107}"/>
-              </a:ext>
-            </a:extLst>
-          </p:cNvPr>
-          <p:cNvPicPr>
-            <a:picLocks noChangeAspect="1" noChangeArrowheads="1"/>
-          </p:cNvPicPr>
-          <p:nvPr/>
-        </p:nvPicPr>
-        <p:blipFill>
-          <a:blip r:embed="rId3" cstate="print">
-            <a:extLst>
-              <a:ext uri="{28A0092B-C50C-407E-A947-70E740481C1C}">
-                <a14:useLocalDpi xmlns:a14="http://schemas.microsoft.com/office/drawing/2010/main" val="0"/>
-              </a:ext>
-            </a:extLst>
-          </a:blip>
-          <a:srcRect/>
-          <a:stretch>
-            <a:fillRect/>
-          </a:stretch>
-        </p:blipFill>
-        <p:spPr bwMode="auto">
-          <a:xfrm>
-            <a:off x="7330321" y="2465408"/>
-            <a:ext cx="4711568" cy="2650602"/>
-          </a:xfrm>
-          <a:prstGeom prst="rect">
-            <a:avLst/>
-          </a:prstGeom>
-          <a:noFill/>
-          <a:extLst>
-            <a:ext uri="{909E8E84-426E-40DD-AFC4-6F175D3DCCD1}">
-              <a14:hiddenFill xmlns:a14="http://schemas.microsoft.com/office/drawing/2010/main">
-                <a:solidFill>
-                  <a:srgbClr val="FFFFFF"/>
-                </a:solidFill>
-              </a14:hiddenFill>
-            </a:ext>
-          </a:extLst>
-        </p:spPr>
-      </p:pic>
-    </p:spTree>
-    <p:extLst>
-      <p:ext uri="{BB962C8B-B14F-4D97-AF65-F5344CB8AC3E}">
-        <p14:creationId xmlns:p14="http://schemas.microsoft.com/office/powerpoint/2010/main" val="26127237"/>
-      </p:ext>
-    </p:extLst>
-  </p:cSld>
-  <p:clrMapOvr>
-    <a:masterClrMapping/>
-  </p:clrMapOvr>
-</p:sld>
-</file>
-
-<file path=ppt/slides/slide7.xml><?xml version="1.0" encoding="utf-8"?>
-<p:sld xmlns:a="http://schemas.openxmlformats.org/drawingml/2006/main" xmlns:r="http://schemas.openxmlformats.org/officeDocument/2006/relationships" xmlns:p="http://schemas.openxmlformats.org/presentationml/2006/main">
-  <p:cSld>
-    <p:spTree>
-      <p:nvGrpSpPr>
-        <p:cNvPr id="1" name=""/>
-        <p:cNvGrpSpPr/>
-        <p:nvPr/>
-      </p:nvGrpSpPr>
-      <p:grpSpPr>
-        <a:xfrm>
-          <a:off x="0" y="0"/>
-          <a:ext cx="0" cy="0"/>
-          <a:chOff x="0" y="0"/>
-          <a:chExt cx="0" cy="0"/>
-        </a:xfrm>
-      </p:grpSpPr>
-      <p:sp>
-        <p:nvSpPr>
-          <p:cNvPr id="7" name="Rectangle 6">
-            <a:extLst>
-              <a:ext uri="{FF2B5EF4-FFF2-40B4-BE49-F238E27FC236}">
-                <a16:creationId xmlns:a16="http://schemas.microsoft.com/office/drawing/2014/main" id="{02A245AD-4595-4AED-9F58-50AFA566F429}"/>
-              </a:ext>
-            </a:extLst>
-          </p:cNvPr>
-          <p:cNvSpPr/>
-          <p:nvPr/>
-        </p:nvSpPr>
-        <p:spPr>
-          <a:xfrm>
-            <a:off x="256032" y="2084832"/>
-            <a:ext cx="5462016" cy="1709927"/>
-          </a:xfrm>
-          <a:prstGeom prst="rect">
-            <a:avLst/>
-          </a:prstGeom>
-        </p:spPr>
-        <p:style>
-          <a:lnRef idx="2">
-            <a:schemeClr val="accent1">
-              <a:shade val="50000"/>
-            </a:schemeClr>
-          </a:lnRef>
-          <a:fillRef idx="1">
-            <a:schemeClr val="accent1"/>
-          </a:fillRef>
-          <a:effectRef idx="0">
-            <a:schemeClr val="accent1"/>
-          </a:effectRef>
-          <a:fontRef idx="minor">
-            <a:schemeClr val="lt1"/>
-          </a:fontRef>
-        </p:style>
-        <p:txBody>
-          <a:bodyPr rtlCol="0" anchor="ctr"/>
-          <a:lstStyle/>
-          <a:p>
-            <a:pPr algn="ctr"/>
-            <a:endParaRPr lang="en-US"/>
-          </a:p>
-        </p:txBody>
-      </p:sp>
-      <p:sp>
-        <p:nvSpPr>
-          <p:cNvPr id="3" name="Title 2">
-            <a:extLst>
-              <a:ext uri="{FF2B5EF4-FFF2-40B4-BE49-F238E27FC236}">
-                <a16:creationId xmlns:a16="http://schemas.microsoft.com/office/drawing/2014/main" id="{F29CA3E4-23AC-4378-B05B-C160D84E479C}"/>
-              </a:ext>
-            </a:extLst>
-          </p:cNvPr>
-          <p:cNvSpPr>
-            <a:spLocks noGrp="1"/>
-          </p:cNvSpPr>
-          <p:nvPr>
-            <p:ph type="title"/>
-          </p:nvPr>
-        </p:nvSpPr>
-        <p:spPr/>
-        <p:txBody>
-          <a:bodyPr>
-            <a:normAutofit fontScale="90000"/>
-          </a:bodyPr>
-          <a:lstStyle/>
-          <a:p>
-            <a:r>
-              <a:rPr lang="en-US" dirty="0"/>
-              <a:t>Smart Contract Platforms </a:t>
-            </a:r>
-            <a:br>
-              <a:rPr lang="en-US" dirty="0"/>
-            </a:br>
-            <a:r>
-              <a:rPr lang="en-US" dirty="0"/>
-              <a:t>OPTIONS</a:t>
-            </a:r>
-          </a:p>
-        </p:txBody>
-      </p:sp>
-      <p:pic>
-        <p:nvPicPr>
-          <p:cNvPr id="1026" name="Picture 2" descr="Image result for quorum blockchain logo">
-            <a:extLst>
-              <a:ext uri="{FF2B5EF4-FFF2-40B4-BE49-F238E27FC236}">
-                <a16:creationId xmlns:a16="http://schemas.microsoft.com/office/drawing/2014/main" id="{3F714D0B-A332-45EF-A850-CF8106F4166C}"/>
-              </a:ext>
-            </a:extLst>
-          </p:cNvPr>
-          <p:cNvPicPr>
-            <a:picLocks noChangeAspect="1" noChangeArrowheads="1"/>
-          </p:cNvPicPr>
-          <p:nvPr/>
-        </p:nvPicPr>
-        <p:blipFill>
-          <a:blip r:embed="rId3">
-            <a:extLst>
-              <a:ext uri="{28A0092B-C50C-407E-A947-70E740481C1C}">
-                <a14:useLocalDpi xmlns:a14="http://schemas.microsoft.com/office/drawing/2010/main" val="0"/>
-              </a:ext>
-            </a:extLst>
-          </a:blip>
-          <a:srcRect/>
-          <a:stretch>
-            <a:fillRect/>
-          </a:stretch>
-        </p:blipFill>
-        <p:spPr bwMode="auto">
-          <a:xfrm>
-            <a:off x="256032" y="2079800"/>
-            <a:ext cx="1709927" cy="1709927"/>
-          </a:xfrm>
-          <a:prstGeom prst="rect">
-            <a:avLst/>
-          </a:prstGeom>
-          <a:noFill/>
-          <a:ln>
-            <a:solidFill>
-              <a:schemeClr val="tx1"/>
-            </a:solidFill>
-          </a:ln>
-          <a:extLst>
-            <a:ext uri="{909E8E84-426E-40DD-AFC4-6F175D3DCCD1}">
-              <a14:hiddenFill xmlns:a14="http://schemas.microsoft.com/office/drawing/2010/main">
-                <a:solidFill>
-                  <a:srgbClr val="FFFFFF"/>
-                </a:solidFill>
-              </a14:hiddenFill>
-            </a:ext>
-          </a:extLst>
-        </p:spPr>
-      </p:pic>
-      <p:sp>
-        <p:nvSpPr>
-          <p:cNvPr id="6" name="Rectangle 5">
-            <a:extLst>
-              <a:ext uri="{FF2B5EF4-FFF2-40B4-BE49-F238E27FC236}">
-                <a16:creationId xmlns:a16="http://schemas.microsoft.com/office/drawing/2014/main" id="{44C74AED-4A82-4507-A915-9FB4BC38E77F}"/>
-              </a:ext>
-            </a:extLst>
-          </p:cNvPr>
-          <p:cNvSpPr/>
-          <p:nvPr/>
-        </p:nvSpPr>
-        <p:spPr>
-          <a:xfrm>
-            <a:off x="2025395" y="2103703"/>
-            <a:ext cx="3633216" cy="1200329"/>
-          </a:xfrm>
-          <a:prstGeom prst="rect">
-            <a:avLst/>
-          </a:prstGeom>
-        </p:spPr>
-        <p:txBody>
-          <a:bodyPr wrap="square">
-            <a:spAutoFit/>
-          </a:bodyPr>
-          <a:lstStyle/>
-          <a:p>
-            <a:pPr algn="just"/>
-            <a:r>
-              <a:rPr lang="en-US" b="1" dirty="0">
-                <a:solidFill>
-                  <a:schemeClr val="bg1"/>
-                </a:solidFill>
-              </a:rPr>
-              <a:t>Quorum</a:t>
-            </a:r>
-            <a:r>
-              <a:rPr lang="en-US" dirty="0">
-                <a:solidFill>
-                  <a:schemeClr val="bg1"/>
-                </a:solidFill>
-              </a:rPr>
-              <a:t> – Fork of Ethereum, enterprise focused version of Ethereum. Backed by JP Morgan chase.  </a:t>
-            </a:r>
-          </a:p>
-        </p:txBody>
-      </p:sp>
-      <p:sp>
-        <p:nvSpPr>
-          <p:cNvPr id="9" name="Rectangle 8">
-            <a:extLst>
-              <a:ext uri="{FF2B5EF4-FFF2-40B4-BE49-F238E27FC236}">
-                <a16:creationId xmlns:a16="http://schemas.microsoft.com/office/drawing/2014/main" id="{CF8E8C4D-0614-435F-82F0-F324B879838A}"/>
-              </a:ext>
-            </a:extLst>
-          </p:cNvPr>
-          <p:cNvSpPr/>
-          <p:nvPr/>
-        </p:nvSpPr>
-        <p:spPr>
-          <a:xfrm>
-            <a:off x="6187440" y="2084832"/>
-            <a:ext cx="5541264" cy="1709927"/>
-          </a:xfrm>
-          <a:prstGeom prst="rect">
-            <a:avLst/>
-          </a:prstGeom>
-        </p:spPr>
-        <p:style>
-          <a:lnRef idx="2">
-            <a:schemeClr val="accent1">
-              <a:shade val="50000"/>
-            </a:schemeClr>
-          </a:lnRef>
-          <a:fillRef idx="1">
-            <a:schemeClr val="accent1"/>
-          </a:fillRef>
-          <a:effectRef idx="0">
-            <a:schemeClr val="accent1"/>
-          </a:effectRef>
-          <a:fontRef idx="minor">
-            <a:schemeClr val="lt1"/>
-          </a:fontRef>
-        </p:style>
-        <p:txBody>
-          <a:bodyPr rtlCol="0" anchor="ctr"/>
-          <a:lstStyle/>
-          <a:p>
-            <a:pPr algn="ctr"/>
-            <a:endParaRPr lang="en-US"/>
-          </a:p>
-        </p:txBody>
-      </p:sp>
-      <p:sp>
-        <p:nvSpPr>
-          <p:cNvPr id="11" name="Rectangle 10">
-            <a:extLst>
-              <a:ext uri="{FF2B5EF4-FFF2-40B4-BE49-F238E27FC236}">
-                <a16:creationId xmlns:a16="http://schemas.microsoft.com/office/drawing/2014/main" id="{5DF9EE21-4924-497C-BE4B-93F7B7E4765F}"/>
-              </a:ext>
-            </a:extLst>
-          </p:cNvPr>
-          <p:cNvSpPr/>
-          <p:nvPr/>
-        </p:nvSpPr>
-        <p:spPr>
-          <a:xfrm>
-            <a:off x="8205173" y="2103703"/>
-            <a:ext cx="3523531" cy="1754326"/>
-          </a:xfrm>
-          <a:prstGeom prst="rect">
-            <a:avLst/>
-          </a:prstGeom>
-        </p:spPr>
-        <p:txBody>
-          <a:bodyPr wrap="square">
-            <a:spAutoFit/>
-          </a:bodyPr>
-          <a:lstStyle/>
-          <a:p>
-            <a:pPr algn="just"/>
-            <a:r>
-              <a:rPr lang="en-US" b="1" dirty="0" err="1">
-                <a:solidFill>
-                  <a:schemeClr val="bg1"/>
-                </a:solidFill>
-              </a:rPr>
-              <a:t>Stratis</a:t>
-            </a:r>
-            <a:r>
-              <a:rPr lang="en-US" dirty="0">
-                <a:solidFill>
-                  <a:schemeClr val="bg1"/>
-                </a:solidFill>
-              </a:rPr>
-              <a:t> – More inclined towards C# and .NET ecosystem, you can write smart contracts in C#. In very early stages not that mature.</a:t>
-            </a:r>
-          </a:p>
-          <a:p>
-            <a:pPr algn="just"/>
-            <a:endParaRPr lang="en-US" dirty="0"/>
-          </a:p>
-          <a:p>
-            <a:pPr algn="just"/>
-            <a:endParaRPr lang="en-US" dirty="0">
-              <a:solidFill>
-                <a:schemeClr val="bg1"/>
-              </a:solidFill>
-            </a:endParaRPr>
-          </a:p>
-        </p:txBody>
-      </p:sp>
-      <p:pic>
-        <p:nvPicPr>
-          <p:cNvPr id="1030" name="Picture 6" descr="Image result for Stratis C# blockchain">
-            <a:extLst>
-              <a:ext uri="{FF2B5EF4-FFF2-40B4-BE49-F238E27FC236}">
-                <a16:creationId xmlns:a16="http://schemas.microsoft.com/office/drawing/2014/main" id="{BEA23515-3CDD-464E-B0B9-03F349FF2FF0}"/>
-              </a:ext>
-            </a:extLst>
-          </p:cNvPr>
-          <p:cNvPicPr>
-            <a:picLocks noChangeAspect="1" noChangeArrowheads="1"/>
-          </p:cNvPicPr>
-          <p:nvPr/>
-        </p:nvPicPr>
-        <p:blipFill>
-          <a:blip r:embed="rId4" cstate="print">
-            <a:extLst>
-              <a:ext uri="{28A0092B-C50C-407E-A947-70E740481C1C}">
-                <a14:useLocalDpi xmlns:a14="http://schemas.microsoft.com/office/drawing/2010/main" val="0"/>
-              </a:ext>
-            </a:extLst>
-          </a:blip>
-          <a:srcRect/>
-          <a:stretch>
-            <a:fillRect/>
-          </a:stretch>
-        </p:blipFill>
-        <p:spPr bwMode="auto">
-          <a:xfrm>
-            <a:off x="6187440" y="2121407"/>
-            <a:ext cx="2029968" cy="1668319"/>
-          </a:xfrm>
-          <a:prstGeom prst="rect">
-            <a:avLst/>
-          </a:prstGeom>
-          <a:noFill/>
-          <a:extLst>
-            <a:ext uri="{909E8E84-426E-40DD-AFC4-6F175D3DCCD1}">
-              <a14:hiddenFill xmlns:a14="http://schemas.microsoft.com/office/drawing/2010/main">
-                <a:solidFill>
-                  <a:srgbClr val="FFFFFF"/>
-                </a:solidFill>
-              </a14:hiddenFill>
-            </a:ext>
-          </a:extLst>
-        </p:spPr>
-      </p:pic>
-      <p:sp>
-        <p:nvSpPr>
-          <p:cNvPr id="14" name="Rectangle 13">
-            <a:extLst>
-              <a:ext uri="{FF2B5EF4-FFF2-40B4-BE49-F238E27FC236}">
-                <a16:creationId xmlns:a16="http://schemas.microsoft.com/office/drawing/2014/main" id="{511C7E8B-5F83-4705-A292-CC42EA663DBC}"/>
-              </a:ext>
-            </a:extLst>
-          </p:cNvPr>
-          <p:cNvSpPr/>
-          <p:nvPr/>
-        </p:nvSpPr>
-        <p:spPr>
-          <a:xfrm>
-            <a:off x="256032" y="4273296"/>
-            <a:ext cx="5462016" cy="1709927"/>
-          </a:xfrm>
-          <a:prstGeom prst="rect">
-            <a:avLst/>
-          </a:prstGeom>
-        </p:spPr>
-        <p:style>
-          <a:lnRef idx="2">
-            <a:schemeClr val="accent1">
-              <a:shade val="50000"/>
-            </a:schemeClr>
-          </a:lnRef>
-          <a:fillRef idx="1">
-            <a:schemeClr val="accent1"/>
-          </a:fillRef>
-          <a:effectRef idx="0">
-            <a:schemeClr val="accent1"/>
-          </a:effectRef>
-          <a:fontRef idx="minor">
-            <a:schemeClr val="lt1"/>
-          </a:fontRef>
-        </p:style>
-        <p:txBody>
-          <a:bodyPr rtlCol="0" anchor="ctr"/>
-          <a:lstStyle/>
-          <a:p>
-            <a:pPr algn="ctr"/>
-            <a:endParaRPr lang="en-US"/>
-          </a:p>
-        </p:txBody>
-      </p:sp>
-      <p:sp>
-        <p:nvSpPr>
-          <p:cNvPr id="16" name="Rectangle 15">
-            <a:extLst>
-              <a:ext uri="{FF2B5EF4-FFF2-40B4-BE49-F238E27FC236}">
-                <a16:creationId xmlns:a16="http://schemas.microsoft.com/office/drawing/2014/main" id="{1A478BE3-EACD-47DF-8FD4-A2A742B57E36}"/>
-              </a:ext>
-            </a:extLst>
-          </p:cNvPr>
-          <p:cNvSpPr/>
-          <p:nvPr/>
-        </p:nvSpPr>
-        <p:spPr>
-          <a:xfrm>
-            <a:off x="2121407" y="4292167"/>
-            <a:ext cx="3537203" cy="923330"/>
-          </a:xfrm>
-          <a:prstGeom prst="rect">
-            <a:avLst/>
-          </a:prstGeom>
-        </p:spPr>
-        <p:txBody>
-          <a:bodyPr wrap="square">
-            <a:spAutoFit/>
-          </a:bodyPr>
-          <a:lstStyle/>
-          <a:p>
-            <a:pPr algn="just"/>
-            <a:r>
-              <a:rPr lang="en-US" dirty="0">
-                <a:solidFill>
-                  <a:schemeClr val="bg1"/>
-                </a:solidFill>
-              </a:rPr>
-              <a:t>Supported by the Ethereum Foundation and a large community of developers worldwide.</a:t>
-            </a:r>
-          </a:p>
-        </p:txBody>
-      </p:sp>
-      <p:pic>
-        <p:nvPicPr>
-          <p:cNvPr id="1032" name="Picture 8" descr="Image result for Ethereum blockchain">
-            <a:extLst>
-              <a:ext uri="{FF2B5EF4-FFF2-40B4-BE49-F238E27FC236}">
-                <a16:creationId xmlns:a16="http://schemas.microsoft.com/office/drawing/2014/main" id="{311E1831-B8CE-4C1F-87DF-A19A432771DB}"/>
-              </a:ext>
-            </a:extLst>
-          </p:cNvPr>
-          <p:cNvPicPr>
-            <a:picLocks noChangeAspect="1" noChangeArrowheads="1"/>
-          </p:cNvPicPr>
-          <p:nvPr/>
-        </p:nvPicPr>
-        <p:blipFill>
-          <a:blip r:embed="rId5">
-            <a:extLst>
-              <a:ext uri="{28A0092B-C50C-407E-A947-70E740481C1C}">
-                <a14:useLocalDpi xmlns:a14="http://schemas.microsoft.com/office/drawing/2010/main" val="0"/>
-              </a:ext>
-            </a:extLst>
-          </a:blip>
-          <a:srcRect/>
-          <a:stretch>
-            <a:fillRect/>
-          </a:stretch>
-        </p:blipFill>
-        <p:spPr bwMode="auto">
-          <a:xfrm>
-            <a:off x="256034" y="4279976"/>
-            <a:ext cx="1865374" cy="1709926"/>
-          </a:xfrm>
-          <a:prstGeom prst="rect">
-            <a:avLst/>
-          </a:prstGeom>
-          <a:noFill/>
-          <a:ln>
-            <a:solidFill>
-              <a:schemeClr val="tx1"/>
-            </a:solidFill>
-          </a:ln>
-          <a:extLst>
-            <a:ext uri="{909E8E84-426E-40DD-AFC4-6F175D3DCCD1}">
-              <a14:hiddenFill xmlns:a14="http://schemas.microsoft.com/office/drawing/2010/main">
-                <a:solidFill>
-                  <a:srgbClr val="FFFFFF"/>
-                </a:solidFill>
-              </a14:hiddenFill>
-            </a:ext>
-          </a:extLst>
-        </p:spPr>
-      </p:pic>
-      <p:sp>
-        <p:nvSpPr>
-          <p:cNvPr id="18" name="Rectangle 17">
-            <a:extLst>
-              <a:ext uri="{FF2B5EF4-FFF2-40B4-BE49-F238E27FC236}">
-                <a16:creationId xmlns:a16="http://schemas.microsoft.com/office/drawing/2014/main" id="{28F20620-1AA3-4F25-AE51-367DAEDE8859}"/>
-              </a:ext>
-            </a:extLst>
-          </p:cNvPr>
-          <p:cNvSpPr/>
-          <p:nvPr/>
-        </p:nvSpPr>
-        <p:spPr>
-          <a:xfrm>
-            <a:off x="6187440" y="4273295"/>
-            <a:ext cx="5541264" cy="1709927"/>
-          </a:xfrm>
-          <a:prstGeom prst="rect">
-            <a:avLst/>
-          </a:prstGeom>
-        </p:spPr>
-        <p:style>
-          <a:lnRef idx="2">
-            <a:schemeClr val="accent1">
-              <a:shade val="50000"/>
-            </a:schemeClr>
-          </a:lnRef>
-          <a:fillRef idx="1">
-            <a:schemeClr val="accent1"/>
-          </a:fillRef>
-          <a:effectRef idx="0">
-            <a:schemeClr val="accent1"/>
-          </a:effectRef>
-          <a:fontRef idx="minor">
-            <a:schemeClr val="lt1"/>
-          </a:fontRef>
-        </p:style>
-        <p:txBody>
-          <a:bodyPr rtlCol="0" anchor="ctr"/>
-          <a:lstStyle/>
-          <a:p>
-            <a:pPr marL="285750" indent="-285750">
-              <a:buFont typeface="Arial" panose="020B0604020202020204" pitchFamily="34" charset="0"/>
-              <a:buChar char="•"/>
-            </a:pPr>
-            <a:endParaRPr lang="en-US" dirty="0"/>
-          </a:p>
-        </p:txBody>
-      </p:sp>
-      <p:pic>
-        <p:nvPicPr>
-          <p:cNvPr id="2" name="Picture 2" descr="Image result for hyperledger fabric icon">
-            <a:extLst>
-              <a:ext uri="{FF2B5EF4-FFF2-40B4-BE49-F238E27FC236}">
-                <a16:creationId xmlns:a16="http://schemas.microsoft.com/office/drawing/2014/main" id="{BCD67F5A-79D6-41B9-A7A8-23E2F40B76AD}"/>
-              </a:ext>
-            </a:extLst>
-          </p:cNvPr>
-          <p:cNvPicPr>
-            <a:picLocks noChangeAspect="1" noChangeArrowheads="1"/>
-          </p:cNvPicPr>
-          <p:nvPr/>
-        </p:nvPicPr>
-        <p:blipFill>
-          <a:blip r:embed="rId6" cstate="print">
-            <a:extLst>
-              <a:ext uri="{28A0092B-C50C-407E-A947-70E740481C1C}">
-                <a14:useLocalDpi xmlns:a14="http://schemas.microsoft.com/office/drawing/2010/main" val="0"/>
-              </a:ext>
-            </a:extLst>
-          </a:blip>
-          <a:srcRect/>
-          <a:stretch>
-            <a:fillRect/>
-          </a:stretch>
-        </p:blipFill>
-        <p:spPr bwMode="auto">
-          <a:xfrm>
-            <a:off x="6187439" y="4280454"/>
-            <a:ext cx="2676874" cy="1709927"/>
-          </a:xfrm>
-          <a:prstGeom prst="rect">
-            <a:avLst/>
-          </a:prstGeom>
-          <a:solidFill>
-            <a:schemeClr val="bg1"/>
-          </a:solidFill>
-          <a:ln>
-            <a:solidFill>
-              <a:schemeClr val="tx1"/>
-            </a:solidFill>
-          </a:ln>
-        </p:spPr>
-      </p:pic>
-      <p:sp>
-        <p:nvSpPr>
-          <p:cNvPr id="4" name="TextBox 3">
-            <a:extLst>
-              <a:ext uri="{FF2B5EF4-FFF2-40B4-BE49-F238E27FC236}">
-                <a16:creationId xmlns:a16="http://schemas.microsoft.com/office/drawing/2014/main" id="{4EFC7C79-5FB1-487B-B01B-F6CE86BD0702}"/>
-              </a:ext>
-            </a:extLst>
-          </p:cNvPr>
-          <p:cNvSpPr txBox="1"/>
-          <p:nvPr/>
-        </p:nvSpPr>
-        <p:spPr>
-          <a:xfrm>
-            <a:off x="8958072" y="4384500"/>
-            <a:ext cx="2676874" cy="923330"/>
-          </a:xfrm>
-          <a:prstGeom prst="rect">
-            <a:avLst/>
-          </a:prstGeom>
-          <a:noFill/>
-        </p:spPr>
-        <p:txBody>
-          <a:bodyPr wrap="square" rtlCol="0">
-            <a:spAutoFit/>
-          </a:bodyPr>
-          <a:lstStyle/>
-          <a:p>
-            <a:r>
-              <a:rPr lang="en-US" dirty="0">
-                <a:solidFill>
-                  <a:schemeClr val="bg1"/>
-                </a:solidFill>
-              </a:rPr>
-              <a:t>Supported By IBM, development tools with Java and Node.JS </a:t>
-            </a:r>
-          </a:p>
-        </p:txBody>
-      </p:sp>
-    </p:spTree>
-    <p:extLst>
-      <p:ext uri="{BB962C8B-B14F-4D97-AF65-F5344CB8AC3E}">
-        <p14:creationId xmlns:p14="http://schemas.microsoft.com/office/powerpoint/2010/main" val="1459417111"/>
       </p:ext>
     </p:extLst>
   </p:cSld>
@@ -15024,7 +15324,7 @@
           <p:cNvPr id="3" name="Title 2">
             <a:extLst>
               <a:ext uri="{FF2B5EF4-FFF2-40B4-BE49-F238E27FC236}">
-                <a16:creationId xmlns:a16="http://schemas.microsoft.com/office/drawing/2014/main" id="{D87CCF86-B832-4483-866C-1E9731C8D036}"/>
+                <a16:creationId xmlns:a16="http://schemas.microsoft.com/office/drawing/2014/main" id="{0B30A54D-CCF9-4454-8B39-632541823F06}"/>
               </a:ext>
             </a:extLst>
           </p:cNvPr>
@@ -15037,31 +15337,22 @@
         </p:nvSpPr>
         <p:spPr/>
         <p:txBody>
-          <a:bodyPr>
-            <a:normAutofit fontScale="90000"/>
-          </a:bodyPr>
+          <a:bodyPr/>
           <a:lstStyle/>
           <a:p>
             <a:r>
               <a:rPr lang="en-US" dirty="0"/>
-              <a:t>Core Smart Contract Concepts/</a:t>
-            </a:r>
-            <a:br>
-              <a:rPr lang="en-US" dirty="0"/>
-            </a:br>
-            <a:r>
-              <a:rPr lang="en-US" dirty="0"/>
-              <a:t>Limitations</a:t>
-            </a:r>
-          </a:p>
-        </p:txBody>
-      </p:sp>
-      <p:sp>
-        <p:nvSpPr>
-          <p:cNvPr id="7" name="Content Placeholder 2">
-            <a:extLst>
-              <a:ext uri="{FF2B5EF4-FFF2-40B4-BE49-F238E27FC236}">
-                <a16:creationId xmlns:a16="http://schemas.microsoft.com/office/drawing/2014/main" id="{E3EB911A-DF16-408F-83F4-87B67AA134E5}"/>
+              <a:t>Smart Contracts</a:t>
+            </a:r>
+          </a:p>
+        </p:txBody>
+      </p:sp>
+      <p:sp>
+        <p:nvSpPr>
+          <p:cNvPr id="5" name="Content Placeholder 2">
+            <a:extLst>
+              <a:ext uri="{FF2B5EF4-FFF2-40B4-BE49-F238E27FC236}">
+                <a16:creationId xmlns:a16="http://schemas.microsoft.com/office/drawing/2014/main" id="{A185BF19-8BEF-4EA9-9F30-01345CD1DF6F}"/>
               </a:ext>
             </a:extLst>
           </p:cNvPr>
@@ -15074,8 +15365,8 @@
         </p:nvSpPr>
         <p:spPr>
           <a:xfrm>
-            <a:off x="252983" y="2023606"/>
-            <a:ext cx="11939017" cy="4486921"/>
+            <a:off x="252983" y="1913878"/>
+            <a:ext cx="6946469" cy="4486921"/>
           </a:xfrm>
         </p:spPr>
         <p:txBody>
@@ -15084,52 +15375,63 @@
           </a:bodyPr>
           <a:lstStyle/>
           <a:p>
+            <a:pPr marL="0" indent="0" algn="just">
+              <a:buNone/>
+            </a:pPr>
+            <a:r>
+              <a:rPr lang="en-US" sz="2800" dirty="0"/>
+              <a:t>What are Smart contracts</a:t>
+            </a:r>
+          </a:p>
+          <a:p>
             <a:pPr algn="just"/>
             <a:r>
               <a:rPr lang="en-US" sz="2000" dirty="0"/>
-              <a:t>Cannot have logic changes after deployment (Immutable)</a:t>
+              <a:t>Smart contracts are applications that run on the blockchain network. Ethereum is pioneer.</a:t>
             </a:r>
           </a:p>
           <a:p>
             <a:pPr algn="just"/>
             <a:r>
               <a:rPr lang="en-US" sz="2000" dirty="0"/>
-              <a:t>Cannot call external web services or do any kind of looks ups from contract in Ethereum</a:t>
+              <a:t>It is a computer program that implements and enforces business logic for an application.</a:t>
             </a:r>
           </a:p>
           <a:p>
             <a:pPr algn="just"/>
             <a:r>
               <a:rPr lang="en-US" sz="2000" dirty="0"/>
-              <a:t>Contract gets executed all the nodes on the Ethereum network.</a:t>
+              <a:t>Similar to physical contract but its digital and is represented by program </a:t>
             </a:r>
           </a:p>
           <a:p>
             <a:pPr algn="just"/>
             <a:r>
               <a:rPr lang="en-US" sz="2000" dirty="0"/>
-              <a:t>Language is relatively new and need close code reviews before deployments.</a:t>
+              <a:t>Function calls that change the state of the contract are written to the blockchain.</a:t>
             </a:r>
           </a:p>
           <a:p>
             <a:pPr algn="just"/>
             <a:r>
               <a:rPr lang="en-US" sz="2000" dirty="0"/>
-              <a:t>Two types of functions on Smart contract</a:t>
-            </a:r>
-          </a:p>
-          <a:p>
-            <a:pPr lvl="1" algn="just"/>
-            <a:r>
-              <a:rPr lang="en-US" sz="1800" dirty="0"/>
-              <a:t>Write functions – These perform state changes and require Gas for the execution</a:t>
-            </a:r>
-          </a:p>
-          <a:p>
-            <a:pPr lvl="1" algn="just"/>
-            <a:r>
-              <a:rPr lang="en-US" sz="1800" dirty="0"/>
-              <a:t>Read Functions – These are free and do not require any Gas.</a:t>
+              <a:t>Works on the principle of the IFTTT logic aka the </a:t>
+            </a:r>
+            <a:r>
+              <a:rPr lang="en-US" sz="2000" dirty="0">
+                <a:hlinkClick r:id="rId2">
+                  <a:extLst>
+                    <a:ext uri="{A12FA001-AC4F-418D-AE19-62706E023703}">
+                      <ahyp:hlinkClr xmlns:ahyp="http://schemas.microsoft.com/office/drawing/2018/hyperlinkcolor" val="tx"/>
+                    </a:ext>
+                  </a:extLst>
+                </a:hlinkClick>
+              </a:rPr>
+              <a:t>IF-THIS-THEN-THAT logic</a:t>
+            </a:r>
+            <a:r>
+              <a:rPr lang="en-US" sz="2000" dirty="0"/>
+              <a:t>. Basically, if the first set of instructions are done then execute the next function and after that the next until you reach the end of the contract.</a:t>
             </a:r>
           </a:p>
           <a:p>
@@ -15138,10 +15440,57 @@
           </a:p>
         </p:txBody>
       </p:sp>
+      <p:pic>
+        <p:nvPicPr>
+          <p:cNvPr id="4098" name="Picture 2" descr="Image result for smart contracts">
+            <a:extLst>
+              <a:ext uri="{FF2B5EF4-FFF2-40B4-BE49-F238E27FC236}">
+                <a16:creationId xmlns:a16="http://schemas.microsoft.com/office/drawing/2014/main" id="{F7565D4F-8E6C-4A57-B09E-62180894F107}"/>
+              </a:ext>
+            </a:extLst>
+          </p:cNvPr>
+          <p:cNvPicPr>
+            <a:picLocks noChangeAspect="1" noChangeArrowheads="1"/>
+          </p:cNvPicPr>
+          <p:nvPr/>
+        </p:nvPicPr>
+        <p:blipFill>
+          <a:blip r:embed="rId3" cstate="print">
+            <a:extLst>
+              <a:ext uri="{28A0092B-C50C-407E-A947-70E740481C1C}">
+                <a14:useLocalDpi xmlns:a14="http://schemas.microsoft.com/office/drawing/2010/main" val="0"/>
+              </a:ext>
+            </a:extLst>
+          </a:blip>
+          <a:srcRect/>
+          <a:stretch>
+            <a:fillRect/>
+          </a:stretch>
+        </p:blipFill>
+        <p:spPr bwMode="auto">
+          <a:xfrm>
+            <a:off x="7330321" y="2465408"/>
+            <a:ext cx="4711568" cy="2650602"/>
+          </a:xfrm>
+          <a:prstGeom prst="rect">
+            <a:avLst/>
+          </a:prstGeom>
+          <a:noFill/>
+          <a:extLst>
+            <a:ext uri="{909E8E84-426E-40DD-AFC4-6F175D3DCCD1}">
+              <a14:hiddenFill xmlns:a14="http://schemas.microsoft.com/office/drawing/2010/main">
+                <a:solidFill>
+                  <a:srgbClr val="FFFFFF"/>
+                </a:solidFill>
+              </a14:hiddenFill>
+            </a:ext>
+          </a:extLst>
+        </p:spPr>
+      </p:pic>
     </p:spTree>
     <p:extLst>
       <p:ext uri="{BB962C8B-B14F-4D97-AF65-F5344CB8AC3E}">
-        <p14:creationId xmlns:p14="http://schemas.microsoft.com/office/powerpoint/2010/main" val="2771232756"/>
+        <p14:creationId xmlns:p14="http://schemas.microsoft.com/office/powerpoint/2010/main" val="26127237"/>
       </p:ext>
     </p:extLst>
   </p:cSld>
@@ -15170,30 +15519,59 @@
       </p:grpSpPr>
       <p:sp>
         <p:nvSpPr>
-          <p:cNvPr id="6" name="Slide Number Placeholder 5"/>
-          <p:cNvSpPr>
-            <a:spLocks noGrp="1"/>
-          </p:cNvSpPr>
-          <p:nvPr>
-            <p:ph type="sldNum" sz="quarter" idx="12"/>
-          </p:nvPr>
-        </p:nvSpPr>
-        <p:spPr/>
-        <p:txBody>
-          <a:bodyPr/>
+          <p:cNvPr id="7" name="Rectangle 6">
+            <a:extLst>
+              <a:ext uri="{FF2B5EF4-FFF2-40B4-BE49-F238E27FC236}">
+                <a16:creationId xmlns:a16="http://schemas.microsoft.com/office/drawing/2014/main" id="{02A245AD-4595-4AED-9F58-50AFA566F429}"/>
+              </a:ext>
+            </a:extLst>
+          </p:cNvPr>
+          <p:cNvSpPr/>
+          <p:nvPr/>
+        </p:nvSpPr>
+        <p:spPr>
+          <a:xfrm>
+            <a:off x="256032" y="2084832"/>
+            <a:ext cx="5462016" cy="1709927"/>
+          </a:xfrm>
+          <a:prstGeom prst="rect">
+            <a:avLst/>
+          </a:prstGeom>
+        </p:spPr>
+        <p:style>
+          <a:lnRef idx="2">
+            <a:schemeClr val="accent1">
+              <a:shade val="50000"/>
+            </a:schemeClr>
+          </a:lnRef>
+          <a:fillRef idx="1">
+            <a:schemeClr val="accent1"/>
+          </a:fillRef>
+          <a:effectRef idx="0">
+            <a:schemeClr val="accent1"/>
+          </a:effectRef>
+          <a:fontRef idx="minor">
+            <a:schemeClr val="lt1"/>
+          </a:fontRef>
+        </p:style>
+        <p:txBody>
+          <a:bodyPr rtlCol="0" anchor="ctr"/>
           <a:lstStyle/>
           <a:p>
-            <a:fld id="{0FA269BB-9CF1-436E-9ADF-E46804694E4E}" type="slidenum">
-              <a:rPr lang="en-US" smtClean="0"/>
-              <a:t>9</a:t>
-            </a:fld>
+            <a:pPr algn="ctr"/>
             <a:endParaRPr lang="en-US"/>
           </a:p>
         </p:txBody>
       </p:sp>
       <p:sp>
         <p:nvSpPr>
-          <p:cNvPr id="2" name="Title 1"/>
+          <p:cNvPr id="3" name="Title 2">
+            <a:extLst>
+              <a:ext uri="{FF2B5EF4-FFF2-40B4-BE49-F238E27FC236}">
+                <a16:creationId xmlns:a16="http://schemas.microsoft.com/office/drawing/2014/main" id="{F29CA3E4-23AC-4378-B05B-C160D84E479C}"/>
+              </a:ext>
+            </a:extLst>
+          </p:cNvPr>
           <p:cNvSpPr>
             <a:spLocks noGrp="1"/>
           </p:cNvSpPr>
@@ -15203,153 +15581,31 @@
         </p:nvSpPr>
         <p:spPr/>
         <p:txBody>
-          <a:bodyPr/>
-          <a:lstStyle/>
-          <a:p>
-            <a:r>
-              <a:rPr lang="en-US" dirty="0"/>
-              <a:t>Dev tools</a:t>
-            </a:r>
-          </a:p>
-        </p:txBody>
-      </p:sp>
-      <p:sp>
-        <p:nvSpPr>
-          <p:cNvPr id="12" name="Content Placeholder 2">
-            <a:extLst>
-              <a:ext uri="{FF2B5EF4-FFF2-40B4-BE49-F238E27FC236}">
-                <a16:creationId xmlns:a16="http://schemas.microsoft.com/office/drawing/2014/main" id="{73EE1E34-AA80-4D48-9F43-0D297FCECEC2}"/>
-              </a:ext>
-            </a:extLst>
-          </p:cNvPr>
-          <p:cNvSpPr>
-            <a:spLocks noGrp="1"/>
-          </p:cNvSpPr>
-          <p:nvPr>
-            <p:ph idx="1"/>
-          </p:nvPr>
-        </p:nvSpPr>
-        <p:spPr>
-          <a:xfrm>
-            <a:off x="252984" y="2133334"/>
-            <a:ext cx="8439603" cy="4074425"/>
-          </a:xfrm>
-        </p:spPr>
-        <p:txBody>
           <a:bodyPr>
-            <a:noAutofit/>
+            <a:normAutofit fontScale="90000"/>
           </a:bodyPr>
           <a:lstStyle/>
           <a:p>
-            <a:pPr marL="0" indent="0" algn="just">
-              <a:buNone/>
-            </a:pPr>
-            <a:r>
-              <a:rPr lang="en-US" sz="2000" dirty="0"/>
-              <a:t>Ethereum Nodes</a:t>
-            </a:r>
-          </a:p>
-          <a:p>
-            <a:pPr algn="just"/>
-            <a:r>
-              <a:rPr lang="en-US" sz="1400" dirty="0"/>
-              <a:t>GETH – Command line interface for running full Ethereum nodes and spinning of distributed ledger.</a:t>
-            </a:r>
-          </a:p>
-          <a:p>
-            <a:pPr marL="0" indent="0" algn="just">
-              <a:buNone/>
-            </a:pPr>
-            <a:r>
-              <a:rPr lang="en-US" sz="2000" dirty="0"/>
-              <a:t>Ethereum Client</a:t>
-            </a:r>
-          </a:p>
-          <a:p>
-            <a:pPr algn="just"/>
-            <a:r>
-              <a:rPr lang="en-US" sz="1400" dirty="0"/>
-              <a:t>Nethereum.web3 </a:t>
-            </a:r>
-            <a:r>
-              <a:rPr lang="en-US" sz="1400" dirty="0" err="1"/>
-              <a:t>nuget</a:t>
-            </a:r>
-            <a:r>
-              <a:rPr lang="en-US" sz="1400" dirty="0"/>
-              <a:t> – For interacting with distributed ledger using RPC.</a:t>
-            </a:r>
-          </a:p>
-          <a:p>
-            <a:pPr marL="0" indent="0" algn="just">
-              <a:buNone/>
-            </a:pPr>
-            <a:endParaRPr lang="en-US" sz="2000" dirty="0"/>
-          </a:p>
-          <a:p>
-            <a:pPr marL="0" indent="0" algn="just">
-              <a:buNone/>
-            </a:pPr>
-            <a:r>
-              <a:rPr lang="en-US" sz="2000" dirty="0"/>
-              <a:t>Solidity (Contract oriented programming language for writing smart contract)</a:t>
-            </a:r>
-          </a:p>
-          <a:p>
-            <a:pPr algn="just"/>
-            <a:r>
-              <a:rPr lang="en-US" sz="1400" dirty="0"/>
-              <a:t>Visual studio plugin</a:t>
-            </a:r>
-          </a:p>
-          <a:p>
-            <a:pPr algn="just"/>
-            <a:r>
-              <a:rPr lang="en-US" sz="1400" dirty="0"/>
-              <a:t>Remix online editor</a:t>
-            </a:r>
-          </a:p>
-          <a:p>
-            <a:pPr marL="0" indent="0" algn="just">
-              <a:buNone/>
-            </a:pPr>
-            <a:endParaRPr lang="en-US" sz="2000" dirty="0"/>
-          </a:p>
-          <a:p>
-            <a:pPr marL="0" indent="0" algn="just">
-              <a:buNone/>
-            </a:pPr>
-            <a:r>
-              <a:rPr lang="en-US" sz="2000" dirty="0"/>
-              <a:t>Standard dev tools</a:t>
-            </a:r>
-          </a:p>
-          <a:p>
-            <a:pPr algn="just"/>
-            <a:r>
-              <a:rPr lang="en-US" sz="1400" dirty="0"/>
-              <a:t>VS code for angular</a:t>
-            </a:r>
-          </a:p>
-          <a:p>
-            <a:pPr algn="just"/>
-            <a:r>
-              <a:rPr lang="en-US" sz="1400" dirty="0"/>
-              <a:t>VS for API’s</a:t>
-            </a:r>
-          </a:p>
-          <a:p>
-            <a:pPr lvl="1" algn="just"/>
-            <a:endParaRPr lang="en-US" sz="1600" dirty="0"/>
+            <a:r>
+              <a:rPr lang="en-US" dirty="0"/>
+              <a:t>Smart Contract Platforms </a:t>
+            </a:r>
+            <a:br>
+              <a:rPr lang="en-US" dirty="0"/>
+            </a:br>
+            <a:r>
+              <a:rPr lang="en-US" dirty="0"/>
+              <a:t>OPTIONS</a:t>
+            </a:r>
           </a:p>
         </p:txBody>
       </p:sp>
       <p:pic>
         <p:nvPicPr>
-          <p:cNvPr id="3084" name="Picture 12" descr="Image result for ethereum">
-            <a:extLst>
-              <a:ext uri="{FF2B5EF4-FFF2-40B4-BE49-F238E27FC236}">
-                <a16:creationId xmlns:a16="http://schemas.microsoft.com/office/drawing/2014/main" id="{047E06DB-B555-46C8-BB4E-F9B23D1F6C1C}"/>
+          <p:cNvPr id="1026" name="Picture 2" descr="Image result for quorum blockchain logo">
+            <a:extLst>
+              <a:ext uri="{FF2B5EF4-FFF2-40B4-BE49-F238E27FC236}">
+                <a16:creationId xmlns:a16="http://schemas.microsoft.com/office/drawing/2014/main" id="{3F714D0B-A332-45EF-A850-CF8106F4166C}"/>
               </a:ext>
             </a:extLst>
           </p:cNvPr>
@@ -15373,8 +15629,212 @@
         </p:blipFill>
         <p:spPr bwMode="auto">
           <a:xfrm>
-            <a:off x="8839199" y="2196696"/>
-            <a:ext cx="2654461" cy="4180776"/>
+            <a:off x="256032" y="2079800"/>
+            <a:ext cx="1709927" cy="1709927"/>
+          </a:xfrm>
+          <a:prstGeom prst="rect">
+            <a:avLst/>
+          </a:prstGeom>
+          <a:noFill/>
+          <a:ln>
+            <a:solidFill>
+              <a:schemeClr val="tx1"/>
+            </a:solidFill>
+          </a:ln>
+          <a:extLst>
+            <a:ext uri="{909E8E84-426E-40DD-AFC4-6F175D3DCCD1}">
+              <a14:hiddenFill xmlns:a14="http://schemas.microsoft.com/office/drawing/2010/main">
+                <a:solidFill>
+                  <a:srgbClr val="FFFFFF"/>
+                </a:solidFill>
+              </a14:hiddenFill>
+            </a:ext>
+          </a:extLst>
+        </p:spPr>
+      </p:pic>
+      <p:sp>
+        <p:nvSpPr>
+          <p:cNvPr id="6" name="Rectangle 5">
+            <a:extLst>
+              <a:ext uri="{FF2B5EF4-FFF2-40B4-BE49-F238E27FC236}">
+                <a16:creationId xmlns:a16="http://schemas.microsoft.com/office/drawing/2014/main" id="{44C74AED-4A82-4507-A915-9FB4BC38E77F}"/>
+              </a:ext>
+            </a:extLst>
+          </p:cNvPr>
+          <p:cNvSpPr/>
+          <p:nvPr/>
+        </p:nvSpPr>
+        <p:spPr>
+          <a:xfrm>
+            <a:off x="2025395" y="2103703"/>
+            <a:ext cx="3633216" cy="1200329"/>
+          </a:xfrm>
+          <a:prstGeom prst="rect">
+            <a:avLst/>
+          </a:prstGeom>
+        </p:spPr>
+        <p:txBody>
+          <a:bodyPr wrap="square">
+            <a:spAutoFit/>
+          </a:bodyPr>
+          <a:lstStyle/>
+          <a:p>
+            <a:pPr algn="just"/>
+            <a:r>
+              <a:rPr lang="en-US" b="1" dirty="0">
+                <a:solidFill>
+                  <a:schemeClr val="bg1"/>
+                </a:solidFill>
+              </a:rPr>
+              <a:t>Quorum</a:t>
+            </a:r>
+            <a:r>
+              <a:rPr lang="en-US" dirty="0">
+                <a:solidFill>
+                  <a:schemeClr val="bg1"/>
+                </a:solidFill>
+              </a:rPr>
+              <a:t> – Fork of Ethereum, enterprise focused version of Ethereum. Backed by JP Morgan chase.  </a:t>
+            </a:r>
+          </a:p>
+        </p:txBody>
+      </p:sp>
+      <p:sp>
+        <p:nvSpPr>
+          <p:cNvPr id="9" name="Rectangle 8">
+            <a:extLst>
+              <a:ext uri="{FF2B5EF4-FFF2-40B4-BE49-F238E27FC236}">
+                <a16:creationId xmlns:a16="http://schemas.microsoft.com/office/drawing/2014/main" id="{CF8E8C4D-0614-435F-82F0-F324B879838A}"/>
+              </a:ext>
+            </a:extLst>
+          </p:cNvPr>
+          <p:cNvSpPr/>
+          <p:nvPr/>
+        </p:nvSpPr>
+        <p:spPr>
+          <a:xfrm>
+            <a:off x="6187440" y="2084832"/>
+            <a:ext cx="5541264" cy="1709927"/>
+          </a:xfrm>
+          <a:prstGeom prst="rect">
+            <a:avLst/>
+          </a:prstGeom>
+        </p:spPr>
+        <p:style>
+          <a:lnRef idx="2">
+            <a:schemeClr val="accent1">
+              <a:shade val="50000"/>
+            </a:schemeClr>
+          </a:lnRef>
+          <a:fillRef idx="1">
+            <a:schemeClr val="accent1"/>
+          </a:fillRef>
+          <a:effectRef idx="0">
+            <a:schemeClr val="accent1"/>
+          </a:effectRef>
+          <a:fontRef idx="minor">
+            <a:schemeClr val="lt1"/>
+          </a:fontRef>
+        </p:style>
+        <p:txBody>
+          <a:bodyPr rtlCol="0" anchor="ctr"/>
+          <a:lstStyle/>
+          <a:p>
+            <a:pPr algn="ctr"/>
+            <a:endParaRPr lang="en-US"/>
+          </a:p>
+        </p:txBody>
+      </p:sp>
+      <p:sp>
+        <p:nvSpPr>
+          <p:cNvPr id="11" name="Rectangle 10">
+            <a:extLst>
+              <a:ext uri="{FF2B5EF4-FFF2-40B4-BE49-F238E27FC236}">
+                <a16:creationId xmlns:a16="http://schemas.microsoft.com/office/drawing/2014/main" id="{5DF9EE21-4924-497C-BE4B-93F7B7E4765F}"/>
+              </a:ext>
+            </a:extLst>
+          </p:cNvPr>
+          <p:cNvSpPr/>
+          <p:nvPr/>
+        </p:nvSpPr>
+        <p:spPr>
+          <a:xfrm>
+            <a:off x="8205173" y="2103703"/>
+            <a:ext cx="3523531" cy="1754326"/>
+          </a:xfrm>
+          <a:prstGeom prst="rect">
+            <a:avLst/>
+          </a:prstGeom>
+        </p:spPr>
+        <p:txBody>
+          <a:bodyPr wrap="square">
+            <a:spAutoFit/>
+          </a:bodyPr>
+          <a:lstStyle/>
+          <a:p>
+            <a:pPr algn="just"/>
+            <a:r>
+              <a:rPr lang="en-US" b="1" dirty="0" err="1">
+                <a:solidFill>
+                  <a:schemeClr val="bg1"/>
+                </a:solidFill>
+              </a:rPr>
+              <a:t>Stratis</a:t>
+            </a:r>
+            <a:r>
+              <a:rPr lang="en-US" dirty="0">
+                <a:solidFill>
+                  <a:schemeClr val="bg1"/>
+                </a:solidFill>
+              </a:rPr>
+              <a:t> – More inclined towards C# and .NET ecosystem, you can write smart contracts in C#. In very early stages not that mature.</a:t>
+            </a:r>
+          </a:p>
+          <a:p>
+            <a:pPr algn="just"/>
+            <a:endParaRPr lang="en-US" dirty="0"/>
+          </a:p>
+          <a:p>
+            <a:pPr algn="just"/>
+            <a:endParaRPr lang="en-US" dirty="0">
+              <a:solidFill>
+                <a:schemeClr val="bg1"/>
+              </a:solidFill>
+            </a:endParaRPr>
+          </a:p>
+        </p:txBody>
+      </p:sp>
+      <p:pic>
+        <p:nvPicPr>
+          <p:cNvPr id="1030" name="Picture 6" descr="Image result for Stratis C# blockchain">
+            <a:extLst>
+              <a:ext uri="{FF2B5EF4-FFF2-40B4-BE49-F238E27FC236}">
+                <a16:creationId xmlns:a16="http://schemas.microsoft.com/office/drawing/2014/main" id="{BEA23515-3CDD-464E-B0B9-03F349FF2FF0}"/>
+              </a:ext>
+            </a:extLst>
+          </p:cNvPr>
+          <p:cNvPicPr>
+            <a:picLocks noChangeAspect="1" noChangeArrowheads="1"/>
+          </p:cNvPicPr>
+          <p:nvPr/>
+        </p:nvPicPr>
+        <p:blipFill>
+          <a:blip r:embed="rId4" cstate="print">
+            <a:extLst>
+              <a:ext uri="{28A0092B-C50C-407E-A947-70E740481C1C}">
+                <a14:useLocalDpi xmlns:a14="http://schemas.microsoft.com/office/drawing/2010/main" val="0"/>
+              </a:ext>
+            </a:extLst>
+          </a:blip>
+          <a:srcRect/>
+          <a:stretch>
+            <a:fillRect/>
+          </a:stretch>
+        </p:blipFill>
+        <p:spPr bwMode="auto">
+          <a:xfrm>
+            <a:off x="6187440" y="2121407"/>
+            <a:ext cx="2029968" cy="1668319"/>
           </a:xfrm>
           <a:prstGeom prst="rect">
             <a:avLst/>
@@ -15391,10 +15851,280 @@
           </a:extLst>
         </p:spPr>
       </p:pic>
+      <p:sp>
+        <p:nvSpPr>
+          <p:cNvPr id="14" name="Rectangle 13">
+            <a:extLst>
+              <a:ext uri="{FF2B5EF4-FFF2-40B4-BE49-F238E27FC236}">
+                <a16:creationId xmlns:a16="http://schemas.microsoft.com/office/drawing/2014/main" id="{511C7E8B-5F83-4705-A292-CC42EA663DBC}"/>
+              </a:ext>
+            </a:extLst>
+          </p:cNvPr>
+          <p:cNvSpPr/>
+          <p:nvPr/>
+        </p:nvSpPr>
+        <p:spPr>
+          <a:xfrm>
+            <a:off x="256032" y="4273296"/>
+            <a:ext cx="5462016" cy="1709927"/>
+          </a:xfrm>
+          <a:prstGeom prst="rect">
+            <a:avLst/>
+          </a:prstGeom>
+        </p:spPr>
+        <p:style>
+          <a:lnRef idx="2">
+            <a:schemeClr val="accent1">
+              <a:shade val="50000"/>
+            </a:schemeClr>
+          </a:lnRef>
+          <a:fillRef idx="1">
+            <a:schemeClr val="accent1"/>
+          </a:fillRef>
+          <a:effectRef idx="0">
+            <a:schemeClr val="accent1"/>
+          </a:effectRef>
+          <a:fontRef idx="minor">
+            <a:schemeClr val="lt1"/>
+          </a:fontRef>
+        </p:style>
+        <p:txBody>
+          <a:bodyPr rtlCol="0" anchor="ctr"/>
+          <a:lstStyle/>
+          <a:p>
+            <a:pPr algn="ctr"/>
+            <a:endParaRPr lang="en-US"/>
+          </a:p>
+        </p:txBody>
+      </p:sp>
+      <p:sp>
+        <p:nvSpPr>
+          <p:cNvPr id="16" name="Rectangle 15">
+            <a:extLst>
+              <a:ext uri="{FF2B5EF4-FFF2-40B4-BE49-F238E27FC236}">
+                <a16:creationId xmlns:a16="http://schemas.microsoft.com/office/drawing/2014/main" id="{1A478BE3-EACD-47DF-8FD4-A2A742B57E36}"/>
+              </a:ext>
+            </a:extLst>
+          </p:cNvPr>
+          <p:cNvSpPr/>
+          <p:nvPr/>
+        </p:nvSpPr>
+        <p:spPr>
+          <a:xfrm>
+            <a:off x="2121407" y="4292167"/>
+            <a:ext cx="3537203" cy="923330"/>
+          </a:xfrm>
+          <a:prstGeom prst="rect">
+            <a:avLst/>
+          </a:prstGeom>
+        </p:spPr>
+        <p:txBody>
+          <a:bodyPr wrap="square">
+            <a:spAutoFit/>
+          </a:bodyPr>
+          <a:lstStyle/>
+          <a:p>
+            <a:pPr algn="just"/>
+            <a:r>
+              <a:rPr lang="en-US" dirty="0">
+                <a:solidFill>
+                  <a:schemeClr val="bg1"/>
+                </a:solidFill>
+              </a:rPr>
+              <a:t>Supported by the Ethereum Foundation and a large community of developers worldwide.</a:t>
+            </a:r>
+          </a:p>
+        </p:txBody>
+      </p:sp>
+      <p:pic>
+        <p:nvPicPr>
+          <p:cNvPr id="1032" name="Picture 8" descr="Image result for Ethereum blockchain">
+            <a:extLst>
+              <a:ext uri="{FF2B5EF4-FFF2-40B4-BE49-F238E27FC236}">
+                <a16:creationId xmlns:a16="http://schemas.microsoft.com/office/drawing/2014/main" id="{311E1831-B8CE-4C1F-87DF-A19A432771DB}"/>
+              </a:ext>
+            </a:extLst>
+          </p:cNvPr>
+          <p:cNvPicPr>
+            <a:picLocks noChangeAspect="1" noChangeArrowheads="1"/>
+          </p:cNvPicPr>
+          <p:nvPr/>
+        </p:nvPicPr>
+        <p:blipFill>
+          <a:blip r:embed="rId5">
+            <a:extLst>
+              <a:ext uri="{28A0092B-C50C-407E-A947-70E740481C1C}">
+                <a14:useLocalDpi xmlns:a14="http://schemas.microsoft.com/office/drawing/2010/main" val="0"/>
+              </a:ext>
+            </a:extLst>
+          </a:blip>
+          <a:srcRect/>
+          <a:stretch>
+            <a:fillRect/>
+          </a:stretch>
+        </p:blipFill>
+        <p:spPr bwMode="auto">
+          <a:xfrm>
+            <a:off x="256034" y="4279976"/>
+            <a:ext cx="1865374" cy="1709926"/>
+          </a:xfrm>
+          <a:prstGeom prst="rect">
+            <a:avLst/>
+          </a:prstGeom>
+          <a:noFill/>
+          <a:ln>
+            <a:solidFill>
+              <a:schemeClr val="tx1"/>
+            </a:solidFill>
+          </a:ln>
+          <a:extLst>
+            <a:ext uri="{909E8E84-426E-40DD-AFC4-6F175D3DCCD1}">
+              <a14:hiddenFill xmlns:a14="http://schemas.microsoft.com/office/drawing/2010/main">
+                <a:solidFill>
+                  <a:srgbClr val="FFFFFF"/>
+                </a:solidFill>
+              </a14:hiddenFill>
+            </a:ext>
+          </a:extLst>
+        </p:spPr>
+      </p:pic>
+      <p:sp>
+        <p:nvSpPr>
+          <p:cNvPr id="18" name="Rectangle 17">
+            <a:extLst>
+              <a:ext uri="{FF2B5EF4-FFF2-40B4-BE49-F238E27FC236}">
+                <a16:creationId xmlns:a16="http://schemas.microsoft.com/office/drawing/2014/main" id="{28F20620-1AA3-4F25-AE51-367DAEDE8859}"/>
+              </a:ext>
+            </a:extLst>
+          </p:cNvPr>
+          <p:cNvSpPr/>
+          <p:nvPr/>
+        </p:nvSpPr>
+        <p:spPr>
+          <a:xfrm>
+            <a:off x="6187440" y="4273295"/>
+            <a:ext cx="5541264" cy="1709927"/>
+          </a:xfrm>
+          <a:prstGeom prst="rect">
+            <a:avLst/>
+          </a:prstGeom>
+        </p:spPr>
+        <p:style>
+          <a:lnRef idx="2">
+            <a:schemeClr val="accent1">
+              <a:shade val="50000"/>
+            </a:schemeClr>
+          </a:lnRef>
+          <a:fillRef idx="1">
+            <a:schemeClr val="accent1"/>
+          </a:fillRef>
+          <a:effectRef idx="0">
+            <a:schemeClr val="accent1"/>
+          </a:effectRef>
+          <a:fontRef idx="minor">
+            <a:schemeClr val="lt1"/>
+          </a:fontRef>
+        </p:style>
+        <p:txBody>
+          <a:bodyPr rtlCol="0" anchor="ctr"/>
+          <a:lstStyle/>
+          <a:p>
+            <a:pPr marL="285750" indent="-285750">
+              <a:buFont typeface="Arial" panose="020B0604020202020204" pitchFamily="34" charset="0"/>
+              <a:buChar char="•"/>
+            </a:pPr>
+            <a:endParaRPr lang="en-US" dirty="0"/>
+          </a:p>
+        </p:txBody>
+      </p:sp>
+      <p:pic>
+        <p:nvPicPr>
+          <p:cNvPr id="2" name="Picture 2" descr="Image result for hyperledger fabric icon">
+            <a:extLst>
+              <a:ext uri="{FF2B5EF4-FFF2-40B4-BE49-F238E27FC236}">
+                <a16:creationId xmlns:a16="http://schemas.microsoft.com/office/drawing/2014/main" id="{BCD67F5A-79D6-41B9-A7A8-23E2F40B76AD}"/>
+              </a:ext>
+            </a:extLst>
+          </p:cNvPr>
+          <p:cNvPicPr>
+            <a:picLocks noChangeAspect="1" noChangeArrowheads="1"/>
+          </p:cNvPicPr>
+          <p:nvPr/>
+        </p:nvPicPr>
+        <p:blipFill>
+          <a:blip r:embed="rId6" cstate="print">
+            <a:extLst>
+              <a:ext uri="{28A0092B-C50C-407E-A947-70E740481C1C}">
+                <a14:useLocalDpi xmlns:a14="http://schemas.microsoft.com/office/drawing/2010/main" val="0"/>
+              </a:ext>
+            </a:extLst>
+          </a:blip>
+          <a:srcRect/>
+          <a:stretch>
+            <a:fillRect/>
+          </a:stretch>
+        </p:blipFill>
+        <p:spPr bwMode="auto">
+          <a:xfrm>
+            <a:off x="6187439" y="4280454"/>
+            <a:ext cx="2676874" cy="1709927"/>
+          </a:xfrm>
+          <a:prstGeom prst="rect">
+            <a:avLst/>
+          </a:prstGeom>
+          <a:solidFill>
+            <a:schemeClr val="bg1"/>
+          </a:solidFill>
+          <a:ln>
+            <a:solidFill>
+              <a:schemeClr val="tx1"/>
+            </a:solidFill>
+          </a:ln>
+        </p:spPr>
+      </p:pic>
+      <p:sp>
+        <p:nvSpPr>
+          <p:cNvPr id="4" name="TextBox 3">
+            <a:extLst>
+              <a:ext uri="{FF2B5EF4-FFF2-40B4-BE49-F238E27FC236}">
+                <a16:creationId xmlns:a16="http://schemas.microsoft.com/office/drawing/2014/main" id="{4EFC7C79-5FB1-487B-B01B-F6CE86BD0702}"/>
+              </a:ext>
+            </a:extLst>
+          </p:cNvPr>
+          <p:cNvSpPr txBox="1"/>
+          <p:nvPr/>
+        </p:nvSpPr>
+        <p:spPr>
+          <a:xfrm>
+            <a:off x="8958072" y="4384500"/>
+            <a:ext cx="2676874" cy="923330"/>
+          </a:xfrm>
+          <a:prstGeom prst="rect">
+            <a:avLst/>
+          </a:prstGeom>
+          <a:noFill/>
+        </p:spPr>
+        <p:txBody>
+          <a:bodyPr wrap="square" rtlCol="0">
+            <a:spAutoFit/>
+          </a:bodyPr>
+          <a:lstStyle/>
+          <a:p>
+            <a:r>
+              <a:rPr lang="en-US" dirty="0">
+                <a:solidFill>
+                  <a:schemeClr val="bg1"/>
+                </a:solidFill>
+              </a:rPr>
+              <a:t>Supported By IBM, development tools with Java and Node.JS </a:t>
+            </a:r>
+          </a:p>
+        </p:txBody>
+      </p:sp>
     </p:spTree>
     <p:extLst>
       <p:ext uri="{BB962C8B-B14F-4D97-AF65-F5344CB8AC3E}">
-        <p14:creationId xmlns:p14="http://schemas.microsoft.com/office/powerpoint/2010/main" val="2520003504"/>
+        <p14:creationId xmlns:p14="http://schemas.microsoft.com/office/powerpoint/2010/main" val="1459417111"/>
       </p:ext>
     </p:extLst>
   </p:cSld>
